--- a/230216.pptx
+++ b/230216.pptx
@@ -5,7 +5,7 @@
     <p:sldMasterId id="2147483648" r:id="rId1"/>
   </p:sldMasterIdLst>
   <p:notesMasterIdLst>
-    <p:notesMasterId r:id="rId11"/>
+    <p:notesMasterId r:id="rId13"/>
   </p:notesMasterIdLst>
   <p:sldIdLst>
     <p:sldId id="256" r:id="rId2"/>
@@ -17,6 +17,8 @@
     <p:sldId id="262" r:id="rId8"/>
     <p:sldId id="263" r:id="rId9"/>
     <p:sldId id="264" r:id="rId10"/>
+    <p:sldId id="265" r:id="rId11"/>
+    <p:sldId id="266" r:id="rId12"/>
   </p:sldIdLst>
   <p:sldSz cx="12192000" cy="6858000"/>
   <p:notesSz cx="6858000" cy="9144000"/>
@@ -115,6 +117,11 @@
       </a:defRPr>
     </a:lvl9pPr>
   </p:defaultTextStyle>
+  <p:extLst>
+    <p:ext uri="{EFAFB233-063F-42B5-8137-9DF3F51BA10A}">
+      <p15:sldGuideLst xmlns:p15="http://schemas.microsoft.com/office/powerpoint/2012/main"/>
+    </p:ext>
+  </p:extLst>
 </p:presentation>
 </file>
 
@@ -963,6 +970,174 @@
     <p:extLst>
       <p:ext uri="{BB962C8B-B14F-4D97-AF65-F5344CB8AC3E}">
         <p14:creationId xmlns:p14="http://schemas.microsoft.com/office/powerpoint/2010/main" val="1618588956"/>
+      </p:ext>
+    </p:extLst>
+  </p:cSld>
+  <p:clrMapOvr>
+    <a:masterClrMapping/>
+  </p:clrMapOvr>
+</p:notes>
+</file>
+
+<file path=ppt/notesSlides/notesSlide7.xml><?xml version="1.0" encoding="utf-8"?>
+<p:notes xmlns:a="http://schemas.openxmlformats.org/drawingml/2006/main" xmlns:r="http://schemas.openxmlformats.org/officeDocument/2006/relationships" xmlns:p="http://schemas.openxmlformats.org/presentationml/2006/main">
+  <p:cSld>
+    <p:spTree>
+      <p:nvGrpSpPr>
+        <p:cNvPr id="1" name=""/>
+        <p:cNvGrpSpPr/>
+        <p:nvPr/>
+      </p:nvGrpSpPr>
+      <p:grpSpPr>
+        <a:xfrm>
+          <a:off x="0" y="0"/>
+          <a:ext cx="0" cy="0"/>
+          <a:chOff x="0" y="0"/>
+          <a:chExt cx="0" cy="0"/>
+        </a:xfrm>
+      </p:grpSpPr>
+      <p:sp>
+        <p:nvSpPr>
+          <p:cNvPr id="2" name="슬라이드 이미지 개체 틀 1"/>
+          <p:cNvSpPr>
+            <a:spLocks noGrp="1" noRot="1" noChangeAspect="1"/>
+          </p:cNvSpPr>
+          <p:nvPr>
+            <p:ph type="sldImg"/>
+          </p:nvPr>
+        </p:nvSpPr>
+        <p:spPr/>
+      </p:sp>
+      <p:sp>
+        <p:nvSpPr>
+          <p:cNvPr id="3" name="슬라이드 노트 개체 틀 2"/>
+          <p:cNvSpPr>
+            <a:spLocks noGrp="1"/>
+          </p:cNvSpPr>
+          <p:nvPr>
+            <p:ph type="body" idx="1"/>
+          </p:nvPr>
+        </p:nvSpPr>
+        <p:spPr/>
+        <p:txBody>
+          <a:bodyPr/>
+          <a:lstStyle/>
+          <a:p>
+            <a:endParaRPr kumimoji="1" lang="ko-Kore-KR" altLang="en-US" dirty="0"/>
+          </a:p>
+        </p:txBody>
+      </p:sp>
+      <p:sp>
+        <p:nvSpPr>
+          <p:cNvPr id="4" name="슬라이드 번호 개체 틀 3"/>
+          <p:cNvSpPr>
+            <a:spLocks noGrp="1"/>
+          </p:cNvSpPr>
+          <p:nvPr>
+            <p:ph type="sldNum" sz="quarter" idx="5"/>
+          </p:nvPr>
+        </p:nvSpPr>
+        <p:spPr/>
+        <p:txBody>
+          <a:bodyPr/>
+          <a:lstStyle/>
+          <a:p>
+            <a:fld id="{37A93F1B-955D-834B-A50F-B9B486E0E26C}" type="slidenum">
+              <a:rPr kumimoji="1" lang="ko-Kore-KR" altLang="en-US" smtClean="0"/>
+              <a:t>10</a:t>
+            </a:fld>
+            <a:endParaRPr kumimoji="1" lang="ko-Kore-KR" altLang="en-US"/>
+          </a:p>
+        </p:txBody>
+      </p:sp>
+    </p:spTree>
+    <p:extLst>
+      <p:ext uri="{BB962C8B-B14F-4D97-AF65-F5344CB8AC3E}">
+        <p14:creationId xmlns:p14="http://schemas.microsoft.com/office/powerpoint/2010/main" val="3819758854"/>
+      </p:ext>
+    </p:extLst>
+  </p:cSld>
+  <p:clrMapOvr>
+    <a:masterClrMapping/>
+  </p:clrMapOvr>
+</p:notes>
+</file>
+
+<file path=ppt/notesSlides/notesSlide8.xml><?xml version="1.0" encoding="utf-8"?>
+<p:notes xmlns:a="http://schemas.openxmlformats.org/drawingml/2006/main" xmlns:r="http://schemas.openxmlformats.org/officeDocument/2006/relationships" xmlns:p="http://schemas.openxmlformats.org/presentationml/2006/main">
+  <p:cSld>
+    <p:spTree>
+      <p:nvGrpSpPr>
+        <p:cNvPr id="1" name=""/>
+        <p:cNvGrpSpPr/>
+        <p:nvPr/>
+      </p:nvGrpSpPr>
+      <p:grpSpPr>
+        <a:xfrm>
+          <a:off x="0" y="0"/>
+          <a:ext cx="0" cy="0"/>
+          <a:chOff x="0" y="0"/>
+          <a:chExt cx="0" cy="0"/>
+        </a:xfrm>
+      </p:grpSpPr>
+      <p:sp>
+        <p:nvSpPr>
+          <p:cNvPr id="2" name="슬라이드 이미지 개체 틀 1"/>
+          <p:cNvSpPr>
+            <a:spLocks noGrp="1" noRot="1" noChangeAspect="1"/>
+          </p:cNvSpPr>
+          <p:nvPr>
+            <p:ph type="sldImg"/>
+          </p:nvPr>
+        </p:nvSpPr>
+        <p:spPr/>
+      </p:sp>
+      <p:sp>
+        <p:nvSpPr>
+          <p:cNvPr id="3" name="슬라이드 노트 개체 틀 2"/>
+          <p:cNvSpPr>
+            <a:spLocks noGrp="1"/>
+          </p:cNvSpPr>
+          <p:nvPr>
+            <p:ph type="body" idx="1"/>
+          </p:nvPr>
+        </p:nvSpPr>
+        <p:spPr/>
+        <p:txBody>
+          <a:bodyPr/>
+          <a:lstStyle/>
+          <a:p>
+            <a:endParaRPr kumimoji="1" lang="ko-Kore-KR" altLang="en-US" dirty="0"/>
+          </a:p>
+        </p:txBody>
+      </p:sp>
+      <p:sp>
+        <p:nvSpPr>
+          <p:cNvPr id="4" name="슬라이드 번호 개체 틀 3"/>
+          <p:cNvSpPr>
+            <a:spLocks noGrp="1"/>
+          </p:cNvSpPr>
+          <p:nvPr>
+            <p:ph type="sldNum" sz="quarter" idx="5"/>
+          </p:nvPr>
+        </p:nvSpPr>
+        <p:spPr/>
+        <p:txBody>
+          <a:bodyPr/>
+          <a:lstStyle/>
+          <a:p>
+            <a:fld id="{37A93F1B-955D-834B-A50F-B9B486E0E26C}" type="slidenum">
+              <a:rPr kumimoji="1" lang="ko-Kore-KR" altLang="en-US" smtClean="0"/>
+              <a:t>11</a:t>
+            </a:fld>
+            <a:endParaRPr kumimoji="1" lang="ko-Kore-KR" altLang="en-US"/>
+          </a:p>
+        </p:txBody>
+      </p:sp>
+    </p:spTree>
+    <p:extLst>
+      <p:ext uri="{BB962C8B-B14F-4D97-AF65-F5344CB8AC3E}">
+        <p14:creationId xmlns:p14="http://schemas.microsoft.com/office/powerpoint/2010/main" val="2867528253"/>
       </p:ext>
     </p:extLst>
   </p:cSld>
@@ -5145,6 +5320,2171 @@
     <p:extLst>
       <p:ext uri="{BB962C8B-B14F-4D97-AF65-F5344CB8AC3E}">
         <p14:creationId xmlns:p14="http://schemas.microsoft.com/office/powerpoint/2010/main" val="2938360910"/>
+      </p:ext>
+    </p:extLst>
+  </p:cSld>
+  <p:clrMapOvr>
+    <a:masterClrMapping/>
+  </p:clrMapOvr>
+</p:sld>
+</file>
+
+<file path=ppt/slides/slide10.xml><?xml version="1.0" encoding="utf-8"?>
+<p:sld xmlns:a="http://schemas.openxmlformats.org/drawingml/2006/main" xmlns:r="http://schemas.openxmlformats.org/officeDocument/2006/relationships" xmlns:p="http://schemas.openxmlformats.org/presentationml/2006/main">
+  <p:cSld>
+    <p:spTree>
+      <p:nvGrpSpPr>
+        <p:cNvPr id="1" name=""/>
+        <p:cNvGrpSpPr/>
+        <p:nvPr/>
+      </p:nvGrpSpPr>
+      <p:grpSpPr>
+        <a:xfrm>
+          <a:off x="0" y="0"/>
+          <a:ext cx="0" cy="0"/>
+          <a:chOff x="0" y="0"/>
+          <a:chExt cx="0" cy="0"/>
+        </a:xfrm>
+      </p:grpSpPr>
+      <p:sp>
+        <p:nvSpPr>
+          <p:cNvPr id="8" name="직사각형 7">
+            <a:extLst>
+              <a:ext uri="{FF2B5EF4-FFF2-40B4-BE49-F238E27FC236}">
+                <a16:creationId xmlns:a16="http://schemas.microsoft.com/office/drawing/2014/main" id="{862A0C04-68CD-09A3-E9A4-EDFB22FF451A}"/>
+              </a:ext>
+            </a:extLst>
+          </p:cNvPr>
+          <p:cNvSpPr/>
+          <p:nvPr/>
+        </p:nvSpPr>
+        <p:spPr>
+          <a:xfrm>
+            <a:off x="8174962" y="397599"/>
+            <a:ext cx="1400360" cy="447790"/>
+          </a:xfrm>
+          <a:prstGeom prst="rect">
+            <a:avLst/>
+          </a:prstGeom>
+          <a:solidFill>
+            <a:schemeClr val="accent2"/>
+          </a:solidFill>
+        </p:spPr>
+        <p:style>
+          <a:lnRef idx="2">
+            <a:schemeClr val="accent1">
+              <a:shade val="50000"/>
+            </a:schemeClr>
+          </a:lnRef>
+          <a:fillRef idx="1">
+            <a:schemeClr val="accent1"/>
+          </a:fillRef>
+          <a:effectRef idx="0">
+            <a:schemeClr val="accent1"/>
+          </a:effectRef>
+          <a:fontRef idx="minor">
+            <a:schemeClr val="lt1"/>
+          </a:fontRef>
+        </p:style>
+        <p:txBody>
+          <a:bodyPr rtlCol="0" anchor="ctr"/>
+          <a:lstStyle/>
+          <a:p>
+            <a:pPr algn="ctr"/>
+            <a:endParaRPr kumimoji="1" lang="ko-Kore-KR" altLang="en-US" dirty="0">
+              <a:solidFill>
+                <a:schemeClr val="tx1"/>
+              </a:solidFill>
+            </a:endParaRPr>
+          </a:p>
+        </p:txBody>
+      </p:sp>
+      <p:sp>
+        <p:nvSpPr>
+          <p:cNvPr id="9" name="직사각형 8">
+            <a:extLst>
+              <a:ext uri="{FF2B5EF4-FFF2-40B4-BE49-F238E27FC236}">
+                <a16:creationId xmlns:a16="http://schemas.microsoft.com/office/drawing/2014/main" id="{C208CFCE-E2F7-3339-A6FD-55DA5C92E0CB}"/>
+              </a:ext>
+            </a:extLst>
+          </p:cNvPr>
+          <p:cNvSpPr/>
+          <p:nvPr/>
+        </p:nvSpPr>
+        <p:spPr>
+          <a:xfrm>
+            <a:off x="8174962" y="845389"/>
+            <a:ext cx="1400360" cy="447790"/>
+          </a:xfrm>
+          <a:prstGeom prst="rect">
+            <a:avLst/>
+          </a:prstGeom>
+          <a:solidFill>
+            <a:schemeClr val="accent2"/>
+          </a:solidFill>
+        </p:spPr>
+        <p:style>
+          <a:lnRef idx="2">
+            <a:schemeClr val="accent1">
+              <a:shade val="50000"/>
+            </a:schemeClr>
+          </a:lnRef>
+          <a:fillRef idx="1">
+            <a:schemeClr val="accent1"/>
+          </a:fillRef>
+          <a:effectRef idx="0">
+            <a:schemeClr val="accent1"/>
+          </a:effectRef>
+          <a:fontRef idx="minor">
+            <a:schemeClr val="lt1"/>
+          </a:fontRef>
+        </p:style>
+        <p:txBody>
+          <a:bodyPr rtlCol="0" anchor="ctr"/>
+          <a:lstStyle/>
+          <a:p>
+            <a:pPr algn="ctr"/>
+            <a:endParaRPr kumimoji="1" lang="ko-Kore-KR" altLang="en-US" dirty="0">
+              <a:solidFill>
+                <a:schemeClr val="tx1"/>
+              </a:solidFill>
+            </a:endParaRPr>
+          </a:p>
+        </p:txBody>
+      </p:sp>
+      <p:sp>
+        <p:nvSpPr>
+          <p:cNvPr id="6" name="직사각형 5">
+            <a:extLst>
+              <a:ext uri="{FF2B5EF4-FFF2-40B4-BE49-F238E27FC236}">
+                <a16:creationId xmlns:a16="http://schemas.microsoft.com/office/drawing/2014/main" id="{12F36A2F-D82D-BC88-82AF-FF987F9E9335}"/>
+              </a:ext>
+            </a:extLst>
+          </p:cNvPr>
+          <p:cNvSpPr/>
+          <p:nvPr/>
+        </p:nvSpPr>
+        <p:spPr>
+          <a:xfrm>
+            <a:off x="8174962" y="1293179"/>
+            <a:ext cx="1400360" cy="447790"/>
+          </a:xfrm>
+          <a:prstGeom prst="rect">
+            <a:avLst/>
+          </a:prstGeom>
+          <a:solidFill>
+            <a:schemeClr val="accent2"/>
+          </a:solidFill>
+        </p:spPr>
+        <p:style>
+          <a:lnRef idx="2">
+            <a:schemeClr val="accent1">
+              <a:shade val="50000"/>
+            </a:schemeClr>
+          </a:lnRef>
+          <a:fillRef idx="1">
+            <a:schemeClr val="accent1"/>
+          </a:fillRef>
+          <a:effectRef idx="0">
+            <a:schemeClr val="accent1"/>
+          </a:effectRef>
+          <a:fontRef idx="minor">
+            <a:schemeClr val="lt1"/>
+          </a:fontRef>
+        </p:style>
+        <p:txBody>
+          <a:bodyPr rtlCol="0" anchor="ctr"/>
+          <a:lstStyle/>
+          <a:p>
+            <a:pPr algn="ctr"/>
+            <a:endParaRPr kumimoji="1" lang="ko-Kore-KR" altLang="en-US" dirty="0">
+              <a:solidFill>
+                <a:schemeClr val="tx1"/>
+              </a:solidFill>
+            </a:endParaRPr>
+          </a:p>
+        </p:txBody>
+      </p:sp>
+      <p:sp>
+        <p:nvSpPr>
+          <p:cNvPr id="7" name="직사각형 6">
+            <a:extLst>
+              <a:ext uri="{FF2B5EF4-FFF2-40B4-BE49-F238E27FC236}">
+                <a16:creationId xmlns:a16="http://schemas.microsoft.com/office/drawing/2014/main" id="{7B0B0FC9-7840-4DC3-2F36-2EFBA992D66F}"/>
+              </a:ext>
+            </a:extLst>
+          </p:cNvPr>
+          <p:cNvSpPr/>
+          <p:nvPr/>
+        </p:nvSpPr>
+        <p:spPr>
+          <a:xfrm>
+            <a:off x="8174962" y="1740969"/>
+            <a:ext cx="1400360" cy="447790"/>
+          </a:xfrm>
+          <a:prstGeom prst="rect">
+            <a:avLst/>
+          </a:prstGeom>
+          <a:solidFill>
+            <a:srgbClr val="FFFF00"/>
+          </a:solidFill>
+        </p:spPr>
+        <p:style>
+          <a:lnRef idx="2">
+            <a:schemeClr val="accent1">
+              <a:shade val="50000"/>
+            </a:schemeClr>
+          </a:lnRef>
+          <a:fillRef idx="1">
+            <a:schemeClr val="accent1"/>
+          </a:fillRef>
+          <a:effectRef idx="0">
+            <a:schemeClr val="accent1"/>
+          </a:effectRef>
+          <a:fontRef idx="minor">
+            <a:schemeClr val="lt1"/>
+          </a:fontRef>
+        </p:style>
+        <p:txBody>
+          <a:bodyPr rtlCol="0" anchor="ctr"/>
+          <a:lstStyle/>
+          <a:p>
+            <a:pPr algn="ctr"/>
+            <a:endParaRPr kumimoji="1" lang="ko-Kore-KR" altLang="en-US" dirty="0">
+              <a:solidFill>
+                <a:schemeClr val="tx1"/>
+              </a:solidFill>
+            </a:endParaRPr>
+          </a:p>
+        </p:txBody>
+      </p:sp>
+      <p:sp>
+        <p:nvSpPr>
+          <p:cNvPr id="21" name="직사각형 20">
+            <a:extLst>
+              <a:ext uri="{FF2B5EF4-FFF2-40B4-BE49-F238E27FC236}">
+                <a16:creationId xmlns:a16="http://schemas.microsoft.com/office/drawing/2014/main" id="{6838D8C1-E96A-E051-15A0-74A6D972D4D6}"/>
+              </a:ext>
+            </a:extLst>
+          </p:cNvPr>
+          <p:cNvSpPr/>
+          <p:nvPr/>
+        </p:nvSpPr>
+        <p:spPr>
+          <a:xfrm>
+            <a:off x="8174962" y="2188759"/>
+            <a:ext cx="1400360" cy="447790"/>
+          </a:xfrm>
+          <a:prstGeom prst="rect">
+            <a:avLst/>
+          </a:prstGeom>
+          <a:solidFill>
+            <a:srgbClr val="FFFF00"/>
+          </a:solidFill>
+        </p:spPr>
+        <p:style>
+          <a:lnRef idx="2">
+            <a:schemeClr val="accent1">
+              <a:shade val="50000"/>
+            </a:schemeClr>
+          </a:lnRef>
+          <a:fillRef idx="1">
+            <a:schemeClr val="accent1"/>
+          </a:fillRef>
+          <a:effectRef idx="0">
+            <a:schemeClr val="accent1"/>
+          </a:effectRef>
+          <a:fontRef idx="minor">
+            <a:schemeClr val="lt1"/>
+          </a:fontRef>
+        </p:style>
+        <p:txBody>
+          <a:bodyPr rtlCol="0" anchor="ctr"/>
+          <a:lstStyle/>
+          <a:p>
+            <a:pPr algn="ctr"/>
+            <a:endParaRPr kumimoji="1" lang="ko-Kore-KR" altLang="en-US" dirty="0">
+              <a:solidFill>
+                <a:schemeClr val="tx1"/>
+              </a:solidFill>
+            </a:endParaRPr>
+          </a:p>
+        </p:txBody>
+      </p:sp>
+      <p:sp>
+        <p:nvSpPr>
+          <p:cNvPr id="22" name="직사각형 21">
+            <a:extLst>
+              <a:ext uri="{FF2B5EF4-FFF2-40B4-BE49-F238E27FC236}">
+                <a16:creationId xmlns:a16="http://schemas.microsoft.com/office/drawing/2014/main" id="{8AE987C5-EC0A-E2A2-2994-282210F9FCD4}"/>
+              </a:ext>
+            </a:extLst>
+          </p:cNvPr>
+          <p:cNvSpPr/>
+          <p:nvPr/>
+        </p:nvSpPr>
+        <p:spPr>
+          <a:xfrm>
+            <a:off x="8174962" y="2636549"/>
+            <a:ext cx="1400360" cy="447790"/>
+          </a:xfrm>
+          <a:prstGeom prst="rect">
+            <a:avLst/>
+          </a:prstGeom>
+          <a:solidFill>
+            <a:srgbClr val="00B0F0"/>
+          </a:solidFill>
+        </p:spPr>
+        <p:style>
+          <a:lnRef idx="2">
+            <a:schemeClr val="accent1">
+              <a:shade val="50000"/>
+            </a:schemeClr>
+          </a:lnRef>
+          <a:fillRef idx="1">
+            <a:schemeClr val="accent1"/>
+          </a:fillRef>
+          <a:effectRef idx="0">
+            <a:schemeClr val="accent1"/>
+          </a:effectRef>
+          <a:fontRef idx="minor">
+            <a:schemeClr val="lt1"/>
+          </a:fontRef>
+        </p:style>
+        <p:txBody>
+          <a:bodyPr rtlCol="0" anchor="ctr"/>
+          <a:lstStyle/>
+          <a:p>
+            <a:pPr algn="ctr"/>
+            <a:endParaRPr kumimoji="1" lang="ko-Kore-KR" altLang="en-US" dirty="0">
+              <a:solidFill>
+                <a:schemeClr val="tx1"/>
+              </a:solidFill>
+            </a:endParaRPr>
+          </a:p>
+        </p:txBody>
+      </p:sp>
+      <p:sp>
+        <p:nvSpPr>
+          <p:cNvPr id="23" name="직사각형 22">
+            <a:extLst>
+              <a:ext uri="{FF2B5EF4-FFF2-40B4-BE49-F238E27FC236}">
+                <a16:creationId xmlns:a16="http://schemas.microsoft.com/office/drawing/2014/main" id="{F9413A06-88D4-AE4C-5E38-C3A4ACF659A2}"/>
+              </a:ext>
+            </a:extLst>
+          </p:cNvPr>
+          <p:cNvSpPr/>
+          <p:nvPr/>
+        </p:nvSpPr>
+        <p:spPr>
+          <a:xfrm>
+            <a:off x="8174962" y="3084339"/>
+            <a:ext cx="1400360" cy="447790"/>
+          </a:xfrm>
+          <a:prstGeom prst="rect">
+            <a:avLst/>
+          </a:prstGeom>
+          <a:solidFill>
+            <a:srgbClr val="00B0F0"/>
+          </a:solidFill>
+        </p:spPr>
+        <p:style>
+          <a:lnRef idx="2">
+            <a:schemeClr val="accent1">
+              <a:shade val="50000"/>
+            </a:schemeClr>
+          </a:lnRef>
+          <a:fillRef idx="1">
+            <a:schemeClr val="accent1"/>
+          </a:fillRef>
+          <a:effectRef idx="0">
+            <a:schemeClr val="accent1"/>
+          </a:effectRef>
+          <a:fontRef idx="minor">
+            <a:schemeClr val="lt1"/>
+          </a:fontRef>
+        </p:style>
+        <p:txBody>
+          <a:bodyPr rtlCol="0" anchor="ctr"/>
+          <a:lstStyle/>
+          <a:p>
+            <a:pPr algn="ctr"/>
+            <a:endParaRPr kumimoji="1" lang="ko-Kore-KR" altLang="en-US" dirty="0">
+              <a:solidFill>
+                <a:schemeClr val="tx1"/>
+              </a:solidFill>
+            </a:endParaRPr>
+          </a:p>
+        </p:txBody>
+      </p:sp>
+      <p:sp>
+        <p:nvSpPr>
+          <p:cNvPr id="24" name="직사각형 23">
+            <a:extLst>
+              <a:ext uri="{FF2B5EF4-FFF2-40B4-BE49-F238E27FC236}">
+                <a16:creationId xmlns:a16="http://schemas.microsoft.com/office/drawing/2014/main" id="{D15F8B50-6558-1A31-A89C-89BDCC41926E}"/>
+              </a:ext>
+            </a:extLst>
+          </p:cNvPr>
+          <p:cNvSpPr/>
+          <p:nvPr/>
+        </p:nvSpPr>
+        <p:spPr>
+          <a:xfrm>
+            <a:off x="8174962" y="3532129"/>
+            <a:ext cx="1400360" cy="447790"/>
+          </a:xfrm>
+          <a:prstGeom prst="rect">
+            <a:avLst/>
+          </a:prstGeom>
+          <a:solidFill>
+            <a:srgbClr val="00B0F0"/>
+          </a:solidFill>
+        </p:spPr>
+        <p:style>
+          <a:lnRef idx="2">
+            <a:schemeClr val="accent1">
+              <a:shade val="50000"/>
+            </a:schemeClr>
+          </a:lnRef>
+          <a:fillRef idx="1">
+            <a:schemeClr val="accent1"/>
+          </a:fillRef>
+          <a:effectRef idx="0">
+            <a:schemeClr val="accent1"/>
+          </a:effectRef>
+          <a:fontRef idx="minor">
+            <a:schemeClr val="lt1"/>
+          </a:fontRef>
+        </p:style>
+        <p:txBody>
+          <a:bodyPr rtlCol="0" anchor="ctr"/>
+          <a:lstStyle/>
+          <a:p>
+            <a:pPr algn="ctr"/>
+            <a:endParaRPr kumimoji="1" lang="ko-Kore-KR" altLang="en-US" dirty="0">
+              <a:solidFill>
+                <a:schemeClr val="tx1"/>
+              </a:solidFill>
+            </a:endParaRPr>
+          </a:p>
+        </p:txBody>
+      </p:sp>
+      <p:sp>
+        <p:nvSpPr>
+          <p:cNvPr id="25" name="직사각형 24">
+            <a:extLst>
+              <a:ext uri="{FF2B5EF4-FFF2-40B4-BE49-F238E27FC236}">
+                <a16:creationId xmlns:a16="http://schemas.microsoft.com/office/drawing/2014/main" id="{8475AD13-665D-487B-ED28-8E60535114BC}"/>
+              </a:ext>
+            </a:extLst>
+          </p:cNvPr>
+          <p:cNvSpPr/>
+          <p:nvPr/>
+        </p:nvSpPr>
+        <p:spPr>
+          <a:xfrm>
+            <a:off x="8174962" y="3979919"/>
+            <a:ext cx="1400360" cy="447790"/>
+          </a:xfrm>
+          <a:prstGeom prst="rect">
+            <a:avLst/>
+          </a:prstGeom>
+          <a:solidFill>
+            <a:srgbClr val="00B0F0"/>
+          </a:solidFill>
+        </p:spPr>
+        <p:style>
+          <a:lnRef idx="2">
+            <a:schemeClr val="accent1">
+              <a:shade val="50000"/>
+            </a:schemeClr>
+          </a:lnRef>
+          <a:fillRef idx="1">
+            <a:schemeClr val="accent1"/>
+          </a:fillRef>
+          <a:effectRef idx="0">
+            <a:schemeClr val="accent1"/>
+          </a:effectRef>
+          <a:fontRef idx="minor">
+            <a:schemeClr val="lt1"/>
+          </a:fontRef>
+        </p:style>
+        <p:txBody>
+          <a:bodyPr rtlCol="0" anchor="ctr"/>
+          <a:lstStyle/>
+          <a:p>
+            <a:pPr algn="ctr"/>
+            <a:endParaRPr kumimoji="1" lang="ko-Kore-KR" altLang="en-US" dirty="0">
+              <a:solidFill>
+                <a:schemeClr val="tx1"/>
+              </a:solidFill>
+            </a:endParaRPr>
+          </a:p>
+        </p:txBody>
+      </p:sp>
+      <p:sp>
+        <p:nvSpPr>
+          <p:cNvPr id="26" name="직사각형 25">
+            <a:extLst>
+              <a:ext uri="{FF2B5EF4-FFF2-40B4-BE49-F238E27FC236}">
+                <a16:creationId xmlns:a16="http://schemas.microsoft.com/office/drawing/2014/main" id="{2761B664-58B8-D7A9-5EAB-ACC44A143B64}"/>
+              </a:ext>
+            </a:extLst>
+          </p:cNvPr>
+          <p:cNvSpPr/>
+          <p:nvPr/>
+        </p:nvSpPr>
+        <p:spPr>
+          <a:xfrm>
+            <a:off x="8174962" y="4427709"/>
+            <a:ext cx="1400360" cy="447790"/>
+          </a:xfrm>
+          <a:prstGeom prst="rect">
+            <a:avLst/>
+          </a:prstGeom>
+          <a:solidFill>
+            <a:srgbClr val="00B0F0"/>
+          </a:solidFill>
+        </p:spPr>
+        <p:style>
+          <a:lnRef idx="2">
+            <a:schemeClr val="accent1">
+              <a:shade val="50000"/>
+            </a:schemeClr>
+          </a:lnRef>
+          <a:fillRef idx="1">
+            <a:schemeClr val="accent1"/>
+          </a:fillRef>
+          <a:effectRef idx="0">
+            <a:schemeClr val="accent1"/>
+          </a:effectRef>
+          <a:fontRef idx="minor">
+            <a:schemeClr val="lt1"/>
+          </a:fontRef>
+        </p:style>
+        <p:txBody>
+          <a:bodyPr rtlCol="0" anchor="ctr"/>
+          <a:lstStyle/>
+          <a:p>
+            <a:pPr algn="ctr"/>
+            <a:endParaRPr kumimoji="1" lang="ko-Kore-KR" altLang="en-US" dirty="0">
+              <a:solidFill>
+                <a:schemeClr val="tx1"/>
+              </a:solidFill>
+            </a:endParaRPr>
+          </a:p>
+        </p:txBody>
+      </p:sp>
+      <p:sp>
+        <p:nvSpPr>
+          <p:cNvPr id="30" name="직사각형 29">
+            <a:extLst>
+              <a:ext uri="{FF2B5EF4-FFF2-40B4-BE49-F238E27FC236}">
+                <a16:creationId xmlns:a16="http://schemas.microsoft.com/office/drawing/2014/main" id="{3F93A0EC-E3CA-F0FA-0DEA-9566255C5268}"/>
+              </a:ext>
+            </a:extLst>
+          </p:cNvPr>
+          <p:cNvSpPr/>
+          <p:nvPr/>
+        </p:nvSpPr>
+        <p:spPr>
+          <a:xfrm>
+            <a:off x="8174962" y="4875499"/>
+            <a:ext cx="1400360" cy="447790"/>
+          </a:xfrm>
+          <a:prstGeom prst="rect">
+            <a:avLst/>
+          </a:prstGeom>
+          <a:solidFill>
+            <a:srgbClr val="FFFF00"/>
+          </a:solidFill>
+        </p:spPr>
+        <p:style>
+          <a:lnRef idx="2">
+            <a:schemeClr val="accent1">
+              <a:shade val="50000"/>
+            </a:schemeClr>
+          </a:lnRef>
+          <a:fillRef idx="1">
+            <a:schemeClr val="accent1"/>
+          </a:fillRef>
+          <a:effectRef idx="0">
+            <a:schemeClr val="accent1"/>
+          </a:effectRef>
+          <a:fontRef idx="minor">
+            <a:schemeClr val="lt1"/>
+          </a:fontRef>
+        </p:style>
+        <p:txBody>
+          <a:bodyPr rtlCol="0" anchor="ctr"/>
+          <a:lstStyle/>
+          <a:p>
+            <a:pPr algn="ctr"/>
+            <a:endParaRPr kumimoji="1" lang="ko-Kore-KR" altLang="en-US" dirty="0">
+              <a:solidFill>
+                <a:schemeClr val="tx1"/>
+              </a:solidFill>
+            </a:endParaRPr>
+          </a:p>
+        </p:txBody>
+      </p:sp>
+      <p:sp>
+        <p:nvSpPr>
+          <p:cNvPr id="31" name="직사각형 30">
+            <a:extLst>
+              <a:ext uri="{FF2B5EF4-FFF2-40B4-BE49-F238E27FC236}">
+                <a16:creationId xmlns:a16="http://schemas.microsoft.com/office/drawing/2014/main" id="{C0ED3CFE-50E7-3E1F-5D78-8BE98F26F828}"/>
+              </a:ext>
+            </a:extLst>
+          </p:cNvPr>
+          <p:cNvSpPr/>
+          <p:nvPr/>
+        </p:nvSpPr>
+        <p:spPr>
+          <a:xfrm>
+            <a:off x="8174962" y="5323289"/>
+            <a:ext cx="1400360" cy="447790"/>
+          </a:xfrm>
+          <a:prstGeom prst="rect">
+            <a:avLst/>
+          </a:prstGeom>
+          <a:solidFill>
+            <a:srgbClr val="FFFF00"/>
+          </a:solidFill>
+        </p:spPr>
+        <p:style>
+          <a:lnRef idx="2">
+            <a:schemeClr val="accent1">
+              <a:shade val="50000"/>
+            </a:schemeClr>
+          </a:lnRef>
+          <a:fillRef idx="1">
+            <a:schemeClr val="accent1"/>
+          </a:fillRef>
+          <a:effectRef idx="0">
+            <a:schemeClr val="accent1"/>
+          </a:effectRef>
+          <a:fontRef idx="minor">
+            <a:schemeClr val="lt1"/>
+          </a:fontRef>
+        </p:style>
+        <p:txBody>
+          <a:bodyPr rtlCol="0" anchor="ctr"/>
+          <a:lstStyle/>
+          <a:p>
+            <a:pPr algn="ctr"/>
+            <a:endParaRPr kumimoji="1" lang="ko-Kore-KR" altLang="en-US" dirty="0">
+              <a:solidFill>
+                <a:schemeClr val="tx1"/>
+              </a:solidFill>
+            </a:endParaRPr>
+          </a:p>
+        </p:txBody>
+      </p:sp>
+      <p:sp>
+        <p:nvSpPr>
+          <p:cNvPr id="32" name="직사각형 31">
+            <a:extLst>
+              <a:ext uri="{FF2B5EF4-FFF2-40B4-BE49-F238E27FC236}">
+                <a16:creationId xmlns:a16="http://schemas.microsoft.com/office/drawing/2014/main" id="{909DB12B-D62E-1F7E-8CBC-D647589C0BE2}"/>
+              </a:ext>
+            </a:extLst>
+          </p:cNvPr>
+          <p:cNvSpPr/>
+          <p:nvPr/>
+        </p:nvSpPr>
+        <p:spPr>
+          <a:xfrm>
+            <a:off x="8174962" y="5771079"/>
+            <a:ext cx="1400360" cy="447790"/>
+          </a:xfrm>
+          <a:prstGeom prst="rect">
+            <a:avLst/>
+          </a:prstGeom>
+          <a:solidFill>
+            <a:srgbClr val="FFFF00"/>
+          </a:solidFill>
+        </p:spPr>
+        <p:style>
+          <a:lnRef idx="2">
+            <a:schemeClr val="accent1">
+              <a:shade val="50000"/>
+            </a:schemeClr>
+          </a:lnRef>
+          <a:fillRef idx="1">
+            <a:schemeClr val="accent1"/>
+          </a:fillRef>
+          <a:effectRef idx="0">
+            <a:schemeClr val="accent1"/>
+          </a:effectRef>
+          <a:fontRef idx="minor">
+            <a:schemeClr val="lt1"/>
+          </a:fontRef>
+        </p:style>
+        <p:txBody>
+          <a:bodyPr rtlCol="0" anchor="ctr"/>
+          <a:lstStyle/>
+          <a:p>
+            <a:pPr algn="ctr"/>
+            <a:endParaRPr kumimoji="1" lang="ko-Kore-KR" altLang="en-US" dirty="0">
+              <a:solidFill>
+                <a:schemeClr val="tx1"/>
+              </a:solidFill>
+            </a:endParaRPr>
+          </a:p>
+        </p:txBody>
+      </p:sp>
+    </p:spTree>
+    <p:extLst>
+      <p:ext uri="{BB962C8B-B14F-4D97-AF65-F5344CB8AC3E}">
+        <p14:creationId xmlns:p14="http://schemas.microsoft.com/office/powerpoint/2010/main" val="1050211937"/>
+      </p:ext>
+    </p:extLst>
+  </p:cSld>
+  <p:clrMapOvr>
+    <a:masterClrMapping/>
+  </p:clrMapOvr>
+</p:sld>
+</file>
+
+<file path=ppt/slides/slide11.xml><?xml version="1.0" encoding="utf-8"?>
+<p:sld xmlns:a="http://schemas.openxmlformats.org/drawingml/2006/main" xmlns:r="http://schemas.openxmlformats.org/officeDocument/2006/relationships" xmlns:p="http://schemas.openxmlformats.org/presentationml/2006/main">
+  <p:cSld>
+    <p:spTree>
+      <p:nvGrpSpPr>
+        <p:cNvPr id="1" name=""/>
+        <p:cNvGrpSpPr/>
+        <p:nvPr/>
+      </p:nvGrpSpPr>
+      <p:grpSpPr>
+        <a:xfrm>
+          <a:off x="0" y="0"/>
+          <a:ext cx="0" cy="0"/>
+          <a:chOff x="0" y="0"/>
+          <a:chExt cx="0" cy="0"/>
+        </a:xfrm>
+      </p:grpSpPr>
+      <p:sp>
+        <p:nvSpPr>
+          <p:cNvPr id="8" name="직사각형 7">
+            <a:extLst>
+              <a:ext uri="{FF2B5EF4-FFF2-40B4-BE49-F238E27FC236}">
+                <a16:creationId xmlns:a16="http://schemas.microsoft.com/office/drawing/2014/main" id="{862A0C04-68CD-09A3-E9A4-EDFB22FF451A}"/>
+              </a:ext>
+            </a:extLst>
+          </p:cNvPr>
+          <p:cNvSpPr/>
+          <p:nvPr/>
+        </p:nvSpPr>
+        <p:spPr>
+          <a:xfrm>
+            <a:off x="8174962" y="397599"/>
+            <a:ext cx="1400360" cy="447790"/>
+          </a:xfrm>
+          <a:prstGeom prst="rect">
+            <a:avLst/>
+          </a:prstGeom>
+          <a:solidFill>
+            <a:srgbClr val="00B050"/>
+          </a:solidFill>
+        </p:spPr>
+        <p:style>
+          <a:lnRef idx="2">
+            <a:schemeClr val="accent1">
+              <a:shade val="50000"/>
+            </a:schemeClr>
+          </a:lnRef>
+          <a:fillRef idx="1">
+            <a:schemeClr val="accent1"/>
+          </a:fillRef>
+          <a:effectRef idx="0">
+            <a:schemeClr val="accent1"/>
+          </a:effectRef>
+          <a:fontRef idx="minor">
+            <a:schemeClr val="lt1"/>
+          </a:fontRef>
+        </p:style>
+        <p:txBody>
+          <a:bodyPr rtlCol="0" anchor="ctr"/>
+          <a:lstStyle/>
+          <a:p>
+            <a:pPr algn="ctr"/>
+            <a:endParaRPr kumimoji="1" lang="ko-Kore-KR" altLang="en-US" dirty="0">
+              <a:solidFill>
+                <a:srgbClr val="FFFF00"/>
+              </a:solidFill>
+              <a:highlight>
+                <a:srgbClr val="FFFF00"/>
+              </a:highlight>
+            </a:endParaRPr>
+          </a:p>
+        </p:txBody>
+      </p:sp>
+      <p:sp>
+        <p:nvSpPr>
+          <p:cNvPr id="9" name="직사각형 8">
+            <a:extLst>
+              <a:ext uri="{FF2B5EF4-FFF2-40B4-BE49-F238E27FC236}">
+                <a16:creationId xmlns:a16="http://schemas.microsoft.com/office/drawing/2014/main" id="{C208CFCE-E2F7-3339-A6FD-55DA5C92E0CB}"/>
+              </a:ext>
+            </a:extLst>
+          </p:cNvPr>
+          <p:cNvSpPr/>
+          <p:nvPr/>
+        </p:nvSpPr>
+        <p:spPr>
+          <a:xfrm>
+            <a:off x="8174962" y="845389"/>
+            <a:ext cx="1400360" cy="447790"/>
+          </a:xfrm>
+          <a:prstGeom prst="rect">
+            <a:avLst/>
+          </a:prstGeom>
+          <a:solidFill>
+            <a:srgbClr val="00B050"/>
+          </a:solidFill>
+        </p:spPr>
+        <p:style>
+          <a:lnRef idx="2">
+            <a:schemeClr val="accent1">
+              <a:shade val="50000"/>
+            </a:schemeClr>
+          </a:lnRef>
+          <a:fillRef idx="1">
+            <a:schemeClr val="accent1"/>
+          </a:fillRef>
+          <a:effectRef idx="0">
+            <a:schemeClr val="accent1"/>
+          </a:effectRef>
+          <a:fontRef idx="minor">
+            <a:schemeClr val="lt1"/>
+          </a:fontRef>
+        </p:style>
+        <p:txBody>
+          <a:bodyPr rtlCol="0" anchor="ctr"/>
+          <a:lstStyle/>
+          <a:p>
+            <a:pPr algn="ctr"/>
+            <a:endParaRPr kumimoji="1" lang="ko-Kore-KR" altLang="en-US" dirty="0">
+              <a:solidFill>
+                <a:srgbClr val="FFFF00"/>
+              </a:solidFill>
+              <a:highlight>
+                <a:srgbClr val="FFFF00"/>
+              </a:highlight>
+            </a:endParaRPr>
+          </a:p>
+        </p:txBody>
+      </p:sp>
+      <p:sp>
+        <p:nvSpPr>
+          <p:cNvPr id="6" name="직사각형 5">
+            <a:extLst>
+              <a:ext uri="{FF2B5EF4-FFF2-40B4-BE49-F238E27FC236}">
+                <a16:creationId xmlns:a16="http://schemas.microsoft.com/office/drawing/2014/main" id="{12F36A2F-D82D-BC88-82AF-FF987F9E9335}"/>
+              </a:ext>
+            </a:extLst>
+          </p:cNvPr>
+          <p:cNvSpPr/>
+          <p:nvPr/>
+        </p:nvSpPr>
+        <p:spPr>
+          <a:xfrm>
+            <a:off x="8174962" y="1293179"/>
+            <a:ext cx="1400360" cy="447790"/>
+          </a:xfrm>
+          <a:prstGeom prst="rect">
+            <a:avLst/>
+          </a:prstGeom>
+          <a:solidFill>
+            <a:schemeClr val="accent2"/>
+          </a:solidFill>
+        </p:spPr>
+        <p:style>
+          <a:lnRef idx="2">
+            <a:schemeClr val="accent1">
+              <a:shade val="50000"/>
+            </a:schemeClr>
+          </a:lnRef>
+          <a:fillRef idx="1">
+            <a:schemeClr val="accent1"/>
+          </a:fillRef>
+          <a:effectRef idx="0">
+            <a:schemeClr val="accent1"/>
+          </a:effectRef>
+          <a:fontRef idx="minor">
+            <a:schemeClr val="lt1"/>
+          </a:fontRef>
+        </p:style>
+        <p:txBody>
+          <a:bodyPr rtlCol="0" anchor="ctr"/>
+          <a:lstStyle/>
+          <a:p>
+            <a:pPr algn="ctr"/>
+            <a:endParaRPr kumimoji="1" lang="ko-Kore-KR" altLang="en-US" dirty="0">
+              <a:solidFill>
+                <a:srgbClr val="FFFF00"/>
+              </a:solidFill>
+              <a:highlight>
+                <a:srgbClr val="FFFF00"/>
+              </a:highlight>
+            </a:endParaRPr>
+          </a:p>
+        </p:txBody>
+      </p:sp>
+      <p:sp>
+        <p:nvSpPr>
+          <p:cNvPr id="7" name="직사각형 6">
+            <a:extLst>
+              <a:ext uri="{FF2B5EF4-FFF2-40B4-BE49-F238E27FC236}">
+                <a16:creationId xmlns:a16="http://schemas.microsoft.com/office/drawing/2014/main" id="{7B0B0FC9-7840-4DC3-2F36-2EFBA992D66F}"/>
+              </a:ext>
+            </a:extLst>
+          </p:cNvPr>
+          <p:cNvSpPr/>
+          <p:nvPr/>
+        </p:nvSpPr>
+        <p:spPr>
+          <a:xfrm>
+            <a:off x="8174962" y="1740969"/>
+            <a:ext cx="1400360" cy="447790"/>
+          </a:xfrm>
+          <a:prstGeom prst="rect">
+            <a:avLst/>
+          </a:prstGeom>
+          <a:solidFill>
+            <a:srgbClr val="FFFF00"/>
+          </a:solidFill>
+        </p:spPr>
+        <p:style>
+          <a:lnRef idx="2">
+            <a:schemeClr val="accent1">
+              <a:shade val="50000"/>
+            </a:schemeClr>
+          </a:lnRef>
+          <a:fillRef idx="1">
+            <a:schemeClr val="accent1"/>
+          </a:fillRef>
+          <a:effectRef idx="0">
+            <a:schemeClr val="accent1"/>
+          </a:effectRef>
+          <a:fontRef idx="minor">
+            <a:schemeClr val="lt1"/>
+          </a:fontRef>
+        </p:style>
+        <p:txBody>
+          <a:bodyPr rtlCol="0" anchor="ctr"/>
+          <a:lstStyle/>
+          <a:p>
+            <a:pPr algn="ctr"/>
+            <a:endParaRPr kumimoji="1" lang="ko-Kore-KR" altLang="en-US" dirty="0">
+              <a:solidFill>
+                <a:srgbClr val="FFFF00"/>
+              </a:solidFill>
+              <a:highlight>
+                <a:srgbClr val="FFFF00"/>
+              </a:highlight>
+            </a:endParaRPr>
+          </a:p>
+        </p:txBody>
+      </p:sp>
+      <p:sp>
+        <p:nvSpPr>
+          <p:cNvPr id="21" name="직사각형 20">
+            <a:extLst>
+              <a:ext uri="{FF2B5EF4-FFF2-40B4-BE49-F238E27FC236}">
+                <a16:creationId xmlns:a16="http://schemas.microsoft.com/office/drawing/2014/main" id="{6838D8C1-E96A-E051-15A0-74A6D972D4D6}"/>
+              </a:ext>
+            </a:extLst>
+          </p:cNvPr>
+          <p:cNvSpPr/>
+          <p:nvPr/>
+        </p:nvSpPr>
+        <p:spPr>
+          <a:xfrm>
+            <a:off x="8174962" y="2188759"/>
+            <a:ext cx="1400360" cy="447790"/>
+          </a:xfrm>
+          <a:prstGeom prst="rect">
+            <a:avLst/>
+          </a:prstGeom>
+          <a:solidFill>
+            <a:schemeClr val="accent2"/>
+          </a:solidFill>
+        </p:spPr>
+        <p:style>
+          <a:lnRef idx="2">
+            <a:schemeClr val="accent1">
+              <a:shade val="50000"/>
+            </a:schemeClr>
+          </a:lnRef>
+          <a:fillRef idx="1">
+            <a:schemeClr val="accent1"/>
+          </a:fillRef>
+          <a:effectRef idx="0">
+            <a:schemeClr val="accent1"/>
+          </a:effectRef>
+          <a:fontRef idx="minor">
+            <a:schemeClr val="lt1"/>
+          </a:fontRef>
+        </p:style>
+        <p:txBody>
+          <a:bodyPr rtlCol="0" anchor="ctr"/>
+          <a:lstStyle/>
+          <a:p>
+            <a:pPr algn="ctr"/>
+            <a:endParaRPr kumimoji="1" lang="ko-Kore-KR" altLang="en-US" dirty="0">
+              <a:solidFill>
+                <a:srgbClr val="FFFF00"/>
+              </a:solidFill>
+              <a:highlight>
+                <a:srgbClr val="FFFF00"/>
+              </a:highlight>
+            </a:endParaRPr>
+          </a:p>
+        </p:txBody>
+      </p:sp>
+      <p:sp>
+        <p:nvSpPr>
+          <p:cNvPr id="22" name="직사각형 21">
+            <a:extLst>
+              <a:ext uri="{FF2B5EF4-FFF2-40B4-BE49-F238E27FC236}">
+                <a16:creationId xmlns:a16="http://schemas.microsoft.com/office/drawing/2014/main" id="{8AE987C5-EC0A-E2A2-2994-282210F9FCD4}"/>
+              </a:ext>
+            </a:extLst>
+          </p:cNvPr>
+          <p:cNvSpPr/>
+          <p:nvPr/>
+        </p:nvSpPr>
+        <p:spPr>
+          <a:xfrm>
+            <a:off x="8174962" y="2636549"/>
+            <a:ext cx="1400360" cy="447790"/>
+          </a:xfrm>
+          <a:prstGeom prst="rect">
+            <a:avLst/>
+          </a:prstGeom>
+          <a:solidFill>
+            <a:schemeClr val="accent2"/>
+          </a:solidFill>
+        </p:spPr>
+        <p:style>
+          <a:lnRef idx="2">
+            <a:schemeClr val="accent1">
+              <a:shade val="50000"/>
+            </a:schemeClr>
+          </a:lnRef>
+          <a:fillRef idx="1">
+            <a:schemeClr val="accent1"/>
+          </a:fillRef>
+          <a:effectRef idx="0">
+            <a:schemeClr val="accent1"/>
+          </a:effectRef>
+          <a:fontRef idx="minor">
+            <a:schemeClr val="lt1"/>
+          </a:fontRef>
+        </p:style>
+        <p:txBody>
+          <a:bodyPr rtlCol="0" anchor="ctr"/>
+          <a:lstStyle/>
+          <a:p>
+            <a:pPr algn="ctr"/>
+            <a:endParaRPr kumimoji="1" lang="ko-Kore-KR" altLang="en-US" dirty="0">
+              <a:solidFill>
+                <a:srgbClr val="FFFF00"/>
+              </a:solidFill>
+              <a:highlight>
+                <a:srgbClr val="FFFF00"/>
+              </a:highlight>
+            </a:endParaRPr>
+          </a:p>
+        </p:txBody>
+      </p:sp>
+      <p:sp>
+        <p:nvSpPr>
+          <p:cNvPr id="23" name="직사각형 22">
+            <a:extLst>
+              <a:ext uri="{FF2B5EF4-FFF2-40B4-BE49-F238E27FC236}">
+                <a16:creationId xmlns:a16="http://schemas.microsoft.com/office/drawing/2014/main" id="{F9413A06-88D4-AE4C-5E38-C3A4ACF659A2}"/>
+              </a:ext>
+            </a:extLst>
+          </p:cNvPr>
+          <p:cNvSpPr/>
+          <p:nvPr/>
+        </p:nvSpPr>
+        <p:spPr>
+          <a:xfrm>
+            <a:off x="8174962" y="3084339"/>
+            <a:ext cx="1400360" cy="447790"/>
+          </a:xfrm>
+          <a:prstGeom prst="rect">
+            <a:avLst/>
+          </a:prstGeom>
+          <a:solidFill>
+            <a:srgbClr val="FFFF00"/>
+          </a:solidFill>
+        </p:spPr>
+        <p:style>
+          <a:lnRef idx="2">
+            <a:schemeClr val="accent1">
+              <a:shade val="50000"/>
+            </a:schemeClr>
+          </a:lnRef>
+          <a:fillRef idx="1">
+            <a:schemeClr val="accent1"/>
+          </a:fillRef>
+          <a:effectRef idx="0">
+            <a:schemeClr val="accent1"/>
+          </a:effectRef>
+          <a:fontRef idx="minor">
+            <a:schemeClr val="lt1"/>
+          </a:fontRef>
+        </p:style>
+        <p:txBody>
+          <a:bodyPr rtlCol="0" anchor="ctr"/>
+          <a:lstStyle/>
+          <a:p>
+            <a:pPr algn="ctr"/>
+            <a:endParaRPr kumimoji="1" lang="ko-Kore-KR" altLang="en-US" dirty="0">
+              <a:solidFill>
+                <a:srgbClr val="FFFF00"/>
+              </a:solidFill>
+              <a:highlight>
+                <a:srgbClr val="FFFF00"/>
+              </a:highlight>
+            </a:endParaRPr>
+          </a:p>
+        </p:txBody>
+      </p:sp>
+      <p:sp>
+        <p:nvSpPr>
+          <p:cNvPr id="24" name="직사각형 23">
+            <a:extLst>
+              <a:ext uri="{FF2B5EF4-FFF2-40B4-BE49-F238E27FC236}">
+                <a16:creationId xmlns:a16="http://schemas.microsoft.com/office/drawing/2014/main" id="{D15F8B50-6558-1A31-A89C-89BDCC41926E}"/>
+              </a:ext>
+            </a:extLst>
+          </p:cNvPr>
+          <p:cNvSpPr/>
+          <p:nvPr/>
+        </p:nvSpPr>
+        <p:spPr>
+          <a:xfrm>
+            <a:off x="8174962" y="3532129"/>
+            <a:ext cx="1400360" cy="447790"/>
+          </a:xfrm>
+          <a:prstGeom prst="rect">
+            <a:avLst/>
+          </a:prstGeom>
+          <a:solidFill>
+            <a:srgbClr val="FFFF00"/>
+          </a:solidFill>
+        </p:spPr>
+        <p:style>
+          <a:lnRef idx="2">
+            <a:schemeClr val="accent1">
+              <a:shade val="50000"/>
+            </a:schemeClr>
+          </a:lnRef>
+          <a:fillRef idx="1">
+            <a:schemeClr val="accent1"/>
+          </a:fillRef>
+          <a:effectRef idx="0">
+            <a:schemeClr val="accent1"/>
+          </a:effectRef>
+          <a:fontRef idx="minor">
+            <a:schemeClr val="lt1"/>
+          </a:fontRef>
+        </p:style>
+        <p:txBody>
+          <a:bodyPr rtlCol="0" anchor="ctr"/>
+          <a:lstStyle/>
+          <a:p>
+            <a:pPr algn="ctr"/>
+            <a:endParaRPr kumimoji="1" lang="ko-Kore-KR" altLang="en-US" dirty="0">
+              <a:solidFill>
+                <a:srgbClr val="FFFF00"/>
+              </a:solidFill>
+              <a:highlight>
+                <a:srgbClr val="FFFF00"/>
+              </a:highlight>
+            </a:endParaRPr>
+          </a:p>
+        </p:txBody>
+      </p:sp>
+      <p:sp>
+        <p:nvSpPr>
+          <p:cNvPr id="25" name="직사각형 24">
+            <a:extLst>
+              <a:ext uri="{FF2B5EF4-FFF2-40B4-BE49-F238E27FC236}">
+                <a16:creationId xmlns:a16="http://schemas.microsoft.com/office/drawing/2014/main" id="{8475AD13-665D-487B-ED28-8E60535114BC}"/>
+              </a:ext>
+            </a:extLst>
+          </p:cNvPr>
+          <p:cNvSpPr/>
+          <p:nvPr/>
+        </p:nvSpPr>
+        <p:spPr>
+          <a:xfrm>
+            <a:off x="8174962" y="3979919"/>
+            <a:ext cx="1400360" cy="447790"/>
+          </a:xfrm>
+          <a:prstGeom prst="rect">
+            <a:avLst/>
+          </a:prstGeom>
+          <a:solidFill>
+            <a:srgbClr val="FFFF00"/>
+          </a:solidFill>
+        </p:spPr>
+        <p:style>
+          <a:lnRef idx="2">
+            <a:schemeClr val="accent1">
+              <a:shade val="50000"/>
+            </a:schemeClr>
+          </a:lnRef>
+          <a:fillRef idx="1">
+            <a:schemeClr val="accent1"/>
+          </a:fillRef>
+          <a:effectRef idx="0">
+            <a:schemeClr val="accent1"/>
+          </a:effectRef>
+          <a:fontRef idx="minor">
+            <a:schemeClr val="lt1"/>
+          </a:fontRef>
+        </p:style>
+        <p:txBody>
+          <a:bodyPr rtlCol="0" anchor="ctr"/>
+          <a:lstStyle/>
+          <a:p>
+            <a:pPr algn="ctr"/>
+            <a:endParaRPr kumimoji="1" lang="ko-Kore-KR" altLang="en-US" dirty="0">
+              <a:solidFill>
+                <a:srgbClr val="FFFF00"/>
+              </a:solidFill>
+              <a:highlight>
+                <a:srgbClr val="FFFF00"/>
+              </a:highlight>
+            </a:endParaRPr>
+          </a:p>
+        </p:txBody>
+      </p:sp>
+      <p:sp>
+        <p:nvSpPr>
+          <p:cNvPr id="26" name="직사각형 25">
+            <a:extLst>
+              <a:ext uri="{FF2B5EF4-FFF2-40B4-BE49-F238E27FC236}">
+                <a16:creationId xmlns:a16="http://schemas.microsoft.com/office/drawing/2014/main" id="{2761B664-58B8-D7A9-5EAB-ACC44A143B64}"/>
+              </a:ext>
+            </a:extLst>
+          </p:cNvPr>
+          <p:cNvSpPr/>
+          <p:nvPr/>
+        </p:nvSpPr>
+        <p:spPr>
+          <a:xfrm>
+            <a:off x="8174962" y="4427709"/>
+            <a:ext cx="1400360" cy="447790"/>
+          </a:xfrm>
+          <a:prstGeom prst="rect">
+            <a:avLst/>
+          </a:prstGeom>
+          <a:solidFill>
+            <a:srgbClr val="FFFF00"/>
+          </a:solidFill>
+        </p:spPr>
+        <p:style>
+          <a:lnRef idx="2">
+            <a:schemeClr val="accent1">
+              <a:shade val="50000"/>
+            </a:schemeClr>
+          </a:lnRef>
+          <a:fillRef idx="1">
+            <a:schemeClr val="accent1"/>
+          </a:fillRef>
+          <a:effectRef idx="0">
+            <a:schemeClr val="accent1"/>
+          </a:effectRef>
+          <a:fontRef idx="minor">
+            <a:schemeClr val="lt1"/>
+          </a:fontRef>
+        </p:style>
+        <p:txBody>
+          <a:bodyPr rtlCol="0" anchor="ctr"/>
+          <a:lstStyle/>
+          <a:p>
+            <a:pPr algn="ctr"/>
+            <a:endParaRPr kumimoji="1" lang="ko-Kore-KR" altLang="en-US" dirty="0">
+              <a:solidFill>
+                <a:srgbClr val="FFFF00"/>
+              </a:solidFill>
+              <a:highlight>
+                <a:srgbClr val="FFFF00"/>
+              </a:highlight>
+            </a:endParaRPr>
+          </a:p>
+        </p:txBody>
+      </p:sp>
+      <p:sp>
+        <p:nvSpPr>
+          <p:cNvPr id="30" name="직사각형 29">
+            <a:extLst>
+              <a:ext uri="{FF2B5EF4-FFF2-40B4-BE49-F238E27FC236}">
+                <a16:creationId xmlns:a16="http://schemas.microsoft.com/office/drawing/2014/main" id="{3F93A0EC-E3CA-F0FA-0DEA-9566255C5268}"/>
+              </a:ext>
+            </a:extLst>
+          </p:cNvPr>
+          <p:cNvSpPr/>
+          <p:nvPr/>
+        </p:nvSpPr>
+        <p:spPr>
+          <a:xfrm>
+            <a:off x="8174962" y="4875499"/>
+            <a:ext cx="1400360" cy="447790"/>
+          </a:xfrm>
+          <a:prstGeom prst="rect">
+            <a:avLst/>
+          </a:prstGeom>
+          <a:solidFill>
+            <a:srgbClr val="FFFF00"/>
+          </a:solidFill>
+        </p:spPr>
+        <p:style>
+          <a:lnRef idx="2">
+            <a:schemeClr val="accent1">
+              <a:shade val="50000"/>
+            </a:schemeClr>
+          </a:lnRef>
+          <a:fillRef idx="1">
+            <a:schemeClr val="accent1"/>
+          </a:fillRef>
+          <a:effectRef idx="0">
+            <a:schemeClr val="accent1"/>
+          </a:effectRef>
+          <a:fontRef idx="minor">
+            <a:schemeClr val="lt1"/>
+          </a:fontRef>
+        </p:style>
+        <p:txBody>
+          <a:bodyPr rtlCol="0" anchor="ctr"/>
+          <a:lstStyle/>
+          <a:p>
+            <a:pPr algn="ctr"/>
+            <a:endParaRPr kumimoji="1" lang="ko-Kore-KR" altLang="en-US" dirty="0">
+              <a:solidFill>
+                <a:srgbClr val="FFFF00"/>
+              </a:solidFill>
+              <a:highlight>
+                <a:srgbClr val="FFFF00"/>
+              </a:highlight>
+            </a:endParaRPr>
+          </a:p>
+        </p:txBody>
+      </p:sp>
+      <p:sp>
+        <p:nvSpPr>
+          <p:cNvPr id="31" name="직사각형 30">
+            <a:extLst>
+              <a:ext uri="{FF2B5EF4-FFF2-40B4-BE49-F238E27FC236}">
+                <a16:creationId xmlns:a16="http://schemas.microsoft.com/office/drawing/2014/main" id="{C0ED3CFE-50E7-3E1F-5D78-8BE98F26F828}"/>
+              </a:ext>
+            </a:extLst>
+          </p:cNvPr>
+          <p:cNvSpPr/>
+          <p:nvPr/>
+        </p:nvSpPr>
+        <p:spPr>
+          <a:xfrm>
+            <a:off x="8174962" y="5323289"/>
+            <a:ext cx="1400360" cy="447790"/>
+          </a:xfrm>
+          <a:prstGeom prst="rect">
+            <a:avLst/>
+          </a:prstGeom>
+          <a:solidFill>
+            <a:srgbClr val="FFFF00"/>
+          </a:solidFill>
+        </p:spPr>
+        <p:style>
+          <a:lnRef idx="2">
+            <a:schemeClr val="accent1">
+              <a:shade val="50000"/>
+            </a:schemeClr>
+          </a:lnRef>
+          <a:fillRef idx="1">
+            <a:schemeClr val="accent1"/>
+          </a:fillRef>
+          <a:effectRef idx="0">
+            <a:schemeClr val="accent1"/>
+          </a:effectRef>
+          <a:fontRef idx="minor">
+            <a:schemeClr val="lt1"/>
+          </a:fontRef>
+        </p:style>
+        <p:txBody>
+          <a:bodyPr rtlCol="0" anchor="ctr"/>
+          <a:lstStyle/>
+          <a:p>
+            <a:pPr algn="ctr"/>
+            <a:endParaRPr kumimoji="1" lang="ko-Kore-KR" altLang="en-US" dirty="0">
+              <a:solidFill>
+                <a:srgbClr val="FFFF00"/>
+              </a:solidFill>
+              <a:highlight>
+                <a:srgbClr val="FFFF00"/>
+              </a:highlight>
+            </a:endParaRPr>
+          </a:p>
+        </p:txBody>
+      </p:sp>
+      <p:sp>
+        <p:nvSpPr>
+          <p:cNvPr id="32" name="직사각형 31">
+            <a:extLst>
+              <a:ext uri="{FF2B5EF4-FFF2-40B4-BE49-F238E27FC236}">
+                <a16:creationId xmlns:a16="http://schemas.microsoft.com/office/drawing/2014/main" id="{909DB12B-D62E-1F7E-8CBC-D647589C0BE2}"/>
+              </a:ext>
+            </a:extLst>
+          </p:cNvPr>
+          <p:cNvSpPr/>
+          <p:nvPr/>
+        </p:nvSpPr>
+        <p:spPr>
+          <a:xfrm>
+            <a:off x="8174962" y="5771079"/>
+            <a:ext cx="1400360" cy="447790"/>
+          </a:xfrm>
+          <a:prstGeom prst="rect">
+            <a:avLst/>
+          </a:prstGeom>
+          <a:solidFill>
+            <a:srgbClr val="FFFF00"/>
+          </a:solidFill>
+        </p:spPr>
+        <p:style>
+          <a:lnRef idx="2">
+            <a:schemeClr val="accent1">
+              <a:shade val="50000"/>
+            </a:schemeClr>
+          </a:lnRef>
+          <a:fillRef idx="1">
+            <a:schemeClr val="accent1"/>
+          </a:fillRef>
+          <a:effectRef idx="0">
+            <a:schemeClr val="accent1"/>
+          </a:effectRef>
+          <a:fontRef idx="minor">
+            <a:schemeClr val="lt1"/>
+          </a:fontRef>
+        </p:style>
+        <p:txBody>
+          <a:bodyPr rtlCol="0" anchor="ctr"/>
+          <a:lstStyle/>
+          <a:p>
+            <a:pPr algn="ctr"/>
+            <a:endParaRPr kumimoji="1" lang="ko-Kore-KR" altLang="en-US" dirty="0">
+              <a:solidFill>
+                <a:srgbClr val="FFFF00"/>
+              </a:solidFill>
+              <a:highlight>
+                <a:srgbClr val="FFFF00"/>
+              </a:highlight>
+            </a:endParaRPr>
+          </a:p>
+        </p:txBody>
+      </p:sp>
+      <p:sp>
+        <p:nvSpPr>
+          <p:cNvPr id="2" name="직사각형 1">
+            <a:extLst>
+              <a:ext uri="{FF2B5EF4-FFF2-40B4-BE49-F238E27FC236}">
+                <a16:creationId xmlns:a16="http://schemas.microsoft.com/office/drawing/2014/main" id="{30F2EA9F-3628-72D6-6B3F-A7AAE377B57F}"/>
+              </a:ext>
+            </a:extLst>
+          </p:cNvPr>
+          <p:cNvSpPr/>
+          <p:nvPr/>
+        </p:nvSpPr>
+        <p:spPr>
+          <a:xfrm>
+            <a:off x="923023" y="212933"/>
+            <a:ext cx="954661" cy="447790"/>
+          </a:xfrm>
+          <a:prstGeom prst="rect">
+            <a:avLst/>
+          </a:prstGeom>
+          <a:solidFill>
+            <a:srgbClr val="FFFF00"/>
+          </a:solidFill>
+        </p:spPr>
+        <p:style>
+          <a:lnRef idx="2">
+            <a:schemeClr val="accent1">
+              <a:shade val="50000"/>
+            </a:schemeClr>
+          </a:lnRef>
+          <a:fillRef idx="1">
+            <a:schemeClr val="accent1"/>
+          </a:fillRef>
+          <a:effectRef idx="0">
+            <a:schemeClr val="accent1"/>
+          </a:effectRef>
+          <a:fontRef idx="minor">
+            <a:schemeClr val="lt1"/>
+          </a:fontRef>
+        </p:style>
+        <p:txBody>
+          <a:bodyPr rtlCol="0" anchor="ctr"/>
+          <a:lstStyle/>
+          <a:p>
+            <a:pPr algn="ctr"/>
+            <a:endParaRPr kumimoji="1" lang="ko-Kore-KR" altLang="en-US" dirty="0">
+              <a:solidFill>
+                <a:srgbClr val="FFFF00"/>
+              </a:solidFill>
+              <a:highlight>
+                <a:srgbClr val="FFFF00"/>
+              </a:highlight>
+            </a:endParaRPr>
+          </a:p>
+        </p:txBody>
+      </p:sp>
+      <p:sp>
+        <p:nvSpPr>
+          <p:cNvPr id="4" name="TextBox 3">
+            <a:extLst>
+              <a:ext uri="{FF2B5EF4-FFF2-40B4-BE49-F238E27FC236}">
+                <a16:creationId xmlns:a16="http://schemas.microsoft.com/office/drawing/2014/main" id="{3FB10B0B-F1AE-CA99-919A-F6824A277FA6}"/>
+              </a:ext>
+            </a:extLst>
+          </p:cNvPr>
+          <p:cNvSpPr txBox="1"/>
+          <p:nvPr/>
+        </p:nvSpPr>
+        <p:spPr>
+          <a:xfrm>
+            <a:off x="398968" y="621494"/>
+            <a:ext cx="360153" cy="369332"/>
+          </a:xfrm>
+          <a:prstGeom prst="rect">
+            <a:avLst/>
+          </a:prstGeom>
+          <a:noFill/>
+        </p:spPr>
+        <p:txBody>
+          <a:bodyPr wrap="square">
+            <a:spAutoFit/>
+          </a:bodyPr>
+          <a:lstStyle/>
+          <a:p>
+            <a:r>
+              <a:rPr lang="en" altLang="ko-Kore-KR" b="0" dirty="0">
+                <a:solidFill>
+                  <a:srgbClr val="008080"/>
+                </a:solidFill>
+                <a:effectLst/>
+                <a:latin typeface="Consolas" panose="020B0609020204030204" pitchFamily="49" charset="0"/>
+              </a:rPr>
+              <a:t>a</a:t>
+            </a:r>
+            <a:endParaRPr lang="ko-Kore-KR" altLang="en-US" dirty="0"/>
+          </a:p>
+        </p:txBody>
+      </p:sp>
+      <p:sp>
+        <p:nvSpPr>
+          <p:cNvPr id="5" name="직사각형 4">
+            <a:extLst>
+              <a:ext uri="{FF2B5EF4-FFF2-40B4-BE49-F238E27FC236}">
+                <a16:creationId xmlns:a16="http://schemas.microsoft.com/office/drawing/2014/main" id="{A0EE9D8D-1439-4700-179A-853112C2A1B4}"/>
+              </a:ext>
+            </a:extLst>
+          </p:cNvPr>
+          <p:cNvSpPr/>
+          <p:nvPr/>
+        </p:nvSpPr>
+        <p:spPr>
+          <a:xfrm>
+            <a:off x="923023" y="660723"/>
+            <a:ext cx="954661" cy="447790"/>
+          </a:xfrm>
+          <a:prstGeom prst="rect">
+            <a:avLst/>
+          </a:prstGeom>
+          <a:solidFill>
+            <a:srgbClr val="FFFF00"/>
+          </a:solidFill>
+        </p:spPr>
+        <p:style>
+          <a:lnRef idx="2">
+            <a:schemeClr val="accent1">
+              <a:shade val="50000"/>
+            </a:schemeClr>
+          </a:lnRef>
+          <a:fillRef idx="1">
+            <a:schemeClr val="accent1"/>
+          </a:fillRef>
+          <a:effectRef idx="0">
+            <a:schemeClr val="accent1"/>
+          </a:effectRef>
+          <a:fontRef idx="minor">
+            <a:schemeClr val="lt1"/>
+          </a:fontRef>
+        </p:style>
+        <p:txBody>
+          <a:bodyPr rtlCol="0" anchor="ctr"/>
+          <a:lstStyle/>
+          <a:p>
+            <a:pPr algn="ctr"/>
+            <a:endParaRPr kumimoji="1" lang="ko-Kore-KR" altLang="en-US" dirty="0">
+              <a:solidFill>
+                <a:srgbClr val="FFFF00"/>
+              </a:solidFill>
+              <a:highlight>
+                <a:srgbClr val="FFFF00"/>
+              </a:highlight>
+            </a:endParaRPr>
+          </a:p>
+        </p:txBody>
+      </p:sp>
+      <p:sp>
+        <p:nvSpPr>
+          <p:cNvPr id="10" name="직사각형 9">
+            <a:extLst>
+              <a:ext uri="{FF2B5EF4-FFF2-40B4-BE49-F238E27FC236}">
+                <a16:creationId xmlns:a16="http://schemas.microsoft.com/office/drawing/2014/main" id="{A2F15FEA-E5B9-86D9-1131-D52D20B1602C}"/>
+              </a:ext>
+            </a:extLst>
+          </p:cNvPr>
+          <p:cNvSpPr/>
+          <p:nvPr/>
+        </p:nvSpPr>
+        <p:spPr>
+          <a:xfrm>
+            <a:off x="923023" y="1108513"/>
+            <a:ext cx="954661" cy="447790"/>
+          </a:xfrm>
+          <a:prstGeom prst="rect">
+            <a:avLst/>
+          </a:prstGeom>
+          <a:solidFill>
+            <a:srgbClr val="FFFF00"/>
+          </a:solidFill>
+        </p:spPr>
+        <p:style>
+          <a:lnRef idx="2">
+            <a:schemeClr val="accent1">
+              <a:shade val="50000"/>
+            </a:schemeClr>
+          </a:lnRef>
+          <a:fillRef idx="1">
+            <a:schemeClr val="accent1"/>
+          </a:fillRef>
+          <a:effectRef idx="0">
+            <a:schemeClr val="accent1"/>
+          </a:effectRef>
+          <a:fontRef idx="minor">
+            <a:schemeClr val="lt1"/>
+          </a:fontRef>
+        </p:style>
+        <p:txBody>
+          <a:bodyPr rtlCol="0" anchor="ctr"/>
+          <a:lstStyle/>
+          <a:p>
+            <a:pPr algn="ctr"/>
+            <a:endParaRPr kumimoji="1" lang="ko-Kore-KR" altLang="en-US" dirty="0">
+              <a:solidFill>
+                <a:srgbClr val="FFFF00"/>
+              </a:solidFill>
+              <a:highlight>
+                <a:srgbClr val="FFFF00"/>
+              </a:highlight>
+            </a:endParaRPr>
+          </a:p>
+        </p:txBody>
+      </p:sp>
+      <p:cxnSp>
+        <p:nvCxnSpPr>
+          <p:cNvPr id="12" name="구부러진 연결선[U] 11">
+            <a:extLst>
+              <a:ext uri="{FF2B5EF4-FFF2-40B4-BE49-F238E27FC236}">
+                <a16:creationId xmlns:a16="http://schemas.microsoft.com/office/drawing/2014/main" id="{BF8CA31F-563D-A953-3666-2BE030E4F277}"/>
+              </a:ext>
+            </a:extLst>
+          </p:cNvPr>
+          <p:cNvCxnSpPr>
+            <a:stCxn id="2" idx="3"/>
+            <a:endCxn id="6" idx="1"/>
+          </p:cNvCxnSpPr>
+          <p:nvPr/>
+        </p:nvCxnSpPr>
+        <p:spPr>
+          <a:xfrm>
+            <a:off x="1877684" y="436828"/>
+            <a:ext cx="6297278" cy="1080246"/>
+          </a:xfrm>
+          <a:prstGeom prst="curvedConnector3">
+            <a:avLst/>
+          </a:prstGeom>
+          <a:ln>
+            <a:tailEnd type="triangle"/>
+          </a:ln>
+        </p:spPr>
+        <p:style>
+          <a:lnRef idx="1">
+            <a:schemeClr val="dk1"/>
+          </a:lnRef>
+          <a:fillRef idx="0">
+            <a:schemeClr val="dk1"/>
+          </a:fillRef>
+          <a:effectRef idx="0">
+            <a:schemeClr val="dk1"/>
+          </a:effectRef>
+          <a:fontRef idx="minor">
+            <a:schemeClr val="tx1"/>
+          </a:fontRef>
+        </p:style>
+      </p:cxnSp>
+      <p:cxnSp>
+        <p:nvCxnSpPr>
+          <p:cNvPr id="14" name="구부러진 연결선[U] 13">
+            <a:extLst>
+              <a:ext uri="{FF2B5EF4-FFF2-40B4-BE49-F238E27FC236}">
+                <a16:creationId xmlns:a16="http://schemas.microsoft.com/office/drawing/2014/main" id="{E8C30B80-EBAE-9964-EA77-49D9E14AD27B}"/>
+              </a:ext>
+            </a:extLst>
+          </p:cNvPr>
+          <p:cNvCxnSpPr>
+            <a:cxnSpLocks/>
+            <a:stCxn id="5" idx="3"/>
+            <a:endCxn id="21" idx="1"/>
+          </p:cNvCxnSpPr>
+          <p:nvPr/>
+        </p:nvCxnSpPr>
+        <p:spPr>
+          <a:xfrm>
+            <a:off x="1877684" y="884618"/>
+            <a:ext cx="6297278" cy="1528036"/>
+          </a:xfrm>
+          <a:prstGeom prst="curvedConnector3">
+            <a:avLst/>
+          </a:prstGeom>
+          <a:ln>
+            <a:tailEnd type="triangle"/>
+          </a:ln>
+        </p:spPr>
+        <p:style>
+          <a:lnRef idx="1">
+            <a:schemeClr val="dk1"/>
+          </a:lnRef>
+          <a:fillRef idx="0">
+            <a:schemeClr val="dk1"/>
+          </a:fillRef>
+          <a:effectRef idx="0">
+            <a:schemeClr val="dk1"/>
+          </a:effectRef>
+          <a:fontRef idx="minor">
+            <a:schemeClr val="tx1"/>
+          </a:fontRef>
+        </p:style>
+      </p:cxnSp>
+      <p:cxnSp>
+        <p:nvCxnSpPr>
+          <p:cNvPr id="17" name="구부러진 연결선[U] 16">
+            <a:extLst>
+              <a:ext uri="{FF2B5EF4-FFF2-40B4-BE49-F238E27FC236}">
+                <a16:creationId xmlns:a16="http://schemas.microsoft.com/office/drawing/2014/main" id="{6B87BE92-FDFB-26BA-0B48-411193D488D1}"/>
+              </a:ext>
+            </a:extLst>
+          </p:cNvPr>
+          <p:cNvCxnSpPr>
+            <a:cxnSpLocks/>
+          </p:cNvCxnSpPr>
+          <p:nvPr/>
+        </p:nvCxnSpPr>
+        <p:spPr>
+          <a:xfrm>
+            <a:off x="1877684" y="1332408"/>
+            <a:ext cx="6297278" cy="1528036"/>
+          </a:xfrm>
+          <a:prstGeom prst="curvedConnector3">
+            <a:avLst/>
+          </a:prstGeom>
+          <a:ln>
+            <a:tailEnd type="triangle"/>
+          </a:ln>
+        </p:spPr>
+        <p:style>
+          <a:lnRef idx="1">
+            <a:schemeClr val="dk1"/>
+          </a:lnRef>
+          <a:fillRef idx="0">
+            <a:schemeClr val="dk1"/>
+          </a:fillRef>
+          <a:effectRef idx="0">
+            <a:schemeClr val="dk1"/>
+          </a:effectRef>
+          <a:fontRef idx="minor">
+            <a:schemeClr val="tx1"/>
+          </a:fontRef>
+        </p:style>
+      </p:cxnSp>
+      <p:sp>
+        <p:nvSpPr>
+          <p:cNvPr id="18" name="직사각형 17">
+            <a:extLst>
+              <a:ext uri="{FF2B5EF4-FFF2-40B4-BE49-F238E27FC236}">
+                <a16:creationId xmlns:a16="http://schemas.microsoft.com/office/drawing/2014/main" id="{5F5376D1-9BF7-949C-92E1-5B5734706898}"/>
+              </a:ext>
+            </a:extLst>
+          </p:cNvPr>
+          <p:cNvSpPr/>
+          <p:nvPr/>
+        </p:nvSpPr>
+        <p:spPr>
+          <a:xfrm>
+            <a:off x="923023" y="2348170"/>
+            <a:ext cx="954661" cy="447790"/>
+          </a:xfrm>
+          <a:prstGeom prst="rect">
+            <a:avLst/>
+          </a:prstGeom>
+          <a:solidFill>
+            <a:srgbClr val="FFFF00"/>
+          </a:solidFill>
+        </p:spPr>
+        <p:style>
+          <a:lnRef idx="2">
+            <a:schemeClr val="accent1">
+              <a:shade val="50000"/>
+            </a:schemeClr>
+          </a:lnRef>
+          <a:fillRef idx="1">
+            <a:schemeClr val="accent1"/>
+          </a:fillRef>
+          <a:effectRef idx="0">
+            <a:schemeClr val="accent1"/>
+          </a:effectRef>
+          <a:fontRef idx="minor">
+            <a:schemeClr val="lt1"/>
+          </a:fontRef>
+        </p:style>
+        <p:txBody>
+          <a:bodyPr rtlCol="0" anchor="ctr"/>
+          <a:lstStyle/>
+          <a:p>
+            <a:pPr algn="ctr"/>
+            <a:endParaRPr kumimoji="1" lang="ko-Kore-KR" altLang="en-US" dirty="0">
+              <a:solidFill>
+                <a:srgbClr val="FFFF00"/>
+              </a:solidFill>
+              <a:highlight>
+                <a:srgbClr val="FFFF00"/>
+              </a:highlight>
+            </a:endParaRPr>
+          </a:p>
+        </p:txBody>
+      </p:sp>
+      <p:sp>
+        <p:nvSpPr>
+          <p:cNvPr id="19" name="TextBox 18">
+            <a:extLst>
+              <a:ext uri="{FF2B5EF4-FFF2-40B4-BE49-F238E27FC236}">
+                <a16:creationId xmlns:a16="http://schemas.microsoft.com/office/drawing/2014/main" id="{95A35F2E-C6E0-61A6-D3D5-40422C4102B8}"/>
+              </a:ext>
+            </a:extLst>
+          </p:cNvPr>
+          <p:cNvSpPr txBox="1"/>
+          <p:nvPr/>
+        </p:nvSpPr>
+        <p:spPr>
+          <a:xfrm>
+            <a:off x="398968" y="2756731"/>
+            <a:ext cx="360153" cy="369332"/>
+          </a:xfrm>
+          <a:prstGeom prst="rect">
+            <a:avLst/>
+          </a:prstGeom>
+          <a:noFill/>
+        </p:spPr>
+        <p:txBody>
+          <a:bodyPr wrap="square">
+            <a:spAutoFit/>
+          </a:bodyPr>
+          <a:lstStyle/>
+          <a:p>
+            <a:r>
+              <a:rPr lang="en" altLang="ko-Kore-KR" b="0" dirty="0">
+                <a:solidFill>
+                  <a:srgbClr val="008080"/>
+                </a:solidFill>
+                <a:effectLst/>
+                <a:latin typeface="Consolas" panose="020B0609020204030204" pitchFamily="49" charset="0"/>
+              </a:rPr>
+              <a:t>b</a:t>
+            </a:r>
+            <a:endParaRPr lang="ko-Kore-KR" altLang="en-US" dirty="0"/>
+          </a:p>
+        </p:txBody>
+      </p:sp>
+      <p:sp>
+        <p:nvSpPr>
+          <p:cNvPr id="20" name="직사각형 19">
+            <a:extLst>
+              <a:ext uri="{FF2B5EF4-FFF2-40B4-BE49-F238E27FC236}">
+                <a16:creationId xmlns:a16="http://schemas.microsoft.com/office/drawing/2014/main" id="{D6F77AC0-2852-CCBA-8DD2-6A87FEFB553C}"/>
+              </a:ext>
+            </a:extLst>
+          </p:cNvPr>
+          <p:cNvSpPr/>
+          <p:nvPr/>
+        </p:nvSpPr>
+        <p:spPr>
+          <a:xfrm>
+            <a:off x="923023" y="2795960"/>
+            <a:ext cx="954661" cy="447790"/>
+          </a:xfrm>
+          <a:prstGeom prst="rect">
+            <a:avLst/>
+          </a:prstGeom>
+          <a:solidFill>
+            <a:srgbClr val="FFFF00"/>
+          </a:solidFill>
+        </p:spPr>
+        <p:style>
+          <a:lnRef idx="2">
+            <a:schemeClr val="accent1">
+              <a:shade val="50000"/>
+            </a:schemeClr>
+          </a:lnRef>
+          <a:fillRef idx="1">
+            <a:schemeClr val="accent1"/>
+          </a:fillRef>
+          <a:effectRef idx="0">
+            <a:schemeClr val="accent1"/>
+          </a:effectRef>
+          <a:fontRef idx="minor">
+            <a:schemeClr val="lt1"/>
+          </a:fontRef>
+        </p:style>
+        <p:txBody>
+          <a:bodyPr rtlCol="0" anchor="ctr"/>
+          <a:lstStyle/>
+          <a:p>
+            <a:pPr algn="ctr"/>
+            <a:endParaRPr kumimoji="1" lang="ko-Kore-KR" altLang="en-US" dirty="0">
+              <a:solidFill>
+                <a:srgbClr val="FFFF00"/>
+              </a:solidFill>
+              <a:highlight>
+                <a:srgbClr val="FFFF00"/>
+              </a:highlight>
+            </a:endParaRPr>
+          </a:p>
+        </p:txBody>
+      </p:sp>
+      <p:sp>
+        <p:nvSpPr>
+          <p:cNvPr id="27" name="직사각형 26">
+            <a:extLst>
+              <a:ext uri="{FF2B5EF4-FFF2-40B4-BE49-F238E27FC236}">
+                <a16:creationId xmlns:a16="http://schemas.microsoft.com/office/drawing/2014/main" id="{D9F69887-9D99-366B-7F78-C254DA2BD3F4}"/>
+              </a:ext>
+            </a:extLst>
+          </p:cNvPr>
+          <p:cNvSpPr/>
+          <p:nvPr/>
+        </p:nvSpPr>
+        <p:spPr>
+          <a:xfrm>
+            <a:off x="923023" y="3243750"/>
+            <a:ext cx="954661" cy="447790"/>
+          </a:xfrm>
+          <a:prstGeom prst="rect">
+            <a:avLst/>
+          </a:prstGeom>
+          <a:solidFill>
+            <a:srgbClr val="FFFF00"/>
+          </a:solidFill>
+        </p:spPr>
+        <p:style>
+          <a:lnRef idx="2">
+            <a:schemeClr val="accent1">
+              <a:shade val="50000"/>
+            </a:schemeClr>
+          </a:lnRef>
+          <a:fillRef idx="1">
+            <a:schemeClr val="accent1"/>
+          </a:fillRef>
+          <a:effectRef idx="0">
+            <a:schemeClr val="accent1"/>
+          </a:effectRef>
+          <a:fontRef idx="minor">
+            <a:schemeClr val="lt1"/>
+          </a:fontRef>
+        </p:style>
+        <p:txBody>
+          <a:bodyPr rtlCol="0" anchor="ctr"/>
+          <a:lstStyle/>
+          <a:p>
+            <a:pPr algn="ctr"/>
+            <a:endParaRPr kumimoji="1" lang="ko-Kore-KR" altLang="en-US" dirty="0">
+              <a:solidFill>
+                <a:srgbClr val="FFFF00"/>
+              </a:solidFill>
+              <a:highlight>
+                <a:srgbClr val="FFFF00"/>
+              </a:highlight>
+            </a:endParaRPr>
+          </a:p>
+        </p:txBody>
+      </p:sp>
+      <p:sp>
+        <p:nvSpPr>
+          <p:cNvPr id="28" name="직사각형 27">
+            <a:extLst>
+              <a:ext uri="{FF2B5EF4-FFF2-40B4-BE49-F238E27FC236}">
+                <a16:creationId xmlns:a16="http://schemas.microsoft.com/office/drawing/2014/main" id="{93923816-C047-6186-902B-07DDEDF3BE3F}"/>
+              </a:ext>
+            </a:extLst>
+          </p:cNvPr>
+          <p:cNvSpPr/>
+          <p:nvPr/>
+        </p:nvSpPr>
+        <p:spPr>
+          <a:xfrm>
+            <a:off x="923023" y="3691540"/>
+            <a:ext cx="954661" cy="447790"/>
+          </a:xfrm>
+          <a:prstGeom prst="rect">
+            <a:avLst/>
+          </a:prstGeom>
+          <a:solidFill>
+            <a:srgbClr val="FFFF00"/>
+          </a:solidFill>
+        </p:spPr>
+        <p:style>
+          <a:lnRef idx="2">
+            <a:schemeClr val="accent1">
+              <a:shade val="50000"/>
+            </a:schemeClr>
+          </a:lnRef>
+          <a:fillRef idx="1">
+            <a:schemeClr val="accent1"/>
+          </a:fillRef>
+          <a:effectRef idx="0">
+            <a:schemeClr val="accent1"/>
+          </a:effectRef>
+          <a:fontRef idx="minor">
+            <a:schemeClr val="lt1"/>
+          </a:fontRef>
+        </p:style>
+        <p:txBody>
+          <a:bodyPr rtlCol="0" anchor="ctr"/>
+          <a:lstStyle/>
+          <a:p>
+            <a:pPr algn="ctr"/>
+            <a:endParaRPr kumimoji="1" lang="ko-Kore-KR" altLang="en-US" dirty="0">
+              <a:solidFill>
+                <a:srgbClr val="FFFF00"/>
+              </a:solidFill>
+              <a:highlight>
+                <a:srgbClr val="FFFF00"/>
+              </a:highlight>
+            </a:endParaRPr>
+          </a:p>
+        </p:txBody>
+      </p:sp>
+      <p:cxnSp>
+        <p:nvCxnSpPr>
+          <p:cNvPr id="29" name="구부러진 연결선[U] 28">
+            <a:extLst>
+              <a:ext uri="{FF2B5EF4-FFF2-40B4-BE49-F238E27FC236}">
+                <a16:creationId xmlns:a16="http://schemas.microsoft.com/office/drawing/2014/main" id="{1EB33239-4388-2960-B8CF-BAA8069A480F}"/>
+              </a:ext>
+            </a:extLst>
+          </p:cNvPr>
+          <p:cNvCxnSpPr>
+            <a:cxnSpLocks/>
+            <a:stCxn id="18" idx="3"/>
+            <a:endCxn id="8" idx="1"/>
+          </p:cNvCxnSpPr>
+          <p:nvPr/>
+        </p:nvCxnSpPr>
+        <p:spPr>
+          <a:xfrm flipV="1">
+            <a:off x="1877684" y="621494"/>
+            <a:ext cx="6297278" cy="1950571"/>
+          </a:xfrm>
+          <a:prstGeom prst="curvedConnector3">
+            <a:avLst/>
+          </a:prstGeom>
+          <a:ln>
+            <a:tailEnd type="triangle"/>
+          </a:ln>
+        </p:spPr>
+        <p:style>
+          <a:lnRef idx="1">
+            <a:schemeClr val="dk1"/>
+          </a:lnRef>
+          <a:fillRef idx="0">
+            <a:schemeClr val="dk1"/>
+          </a:fillRef>
+          <a:effectRef idx="0">
+            <a:schemeClr val="dk1"/>
+          </a:effectRef>
+          <a:fontRef idx="minor">
+            <a:schemeClr val="tx1"/>
+          </a:fontRef>
+        </p:style>
+      </p:cxnSp>
+      <p:cxnSp>
+        <p:nvCxnSpPr>
+          <p:cNvPr id="35" name="구부러진 연결선[U] 34">
+            <a:extLst>
+              <a:ext uri="{FF2B5EF4-FFF2-40B4-BE49-F238E27FC236}">
+                <a16:creationId xmlns:a16="http://schemas.microsoft.com/office/drawing/2014/main" id="{8186BF25-4D01-6D0E-E8F3-E6CA258E0694}"/>
+              </a:ext>
+            </a:extLst>
+          </p:cNvPr>
+          <p:cNvCxnSpPr>
+            <a:cxnSpLocks/>
+            <a:stCxn id="20" idx="3"/>
+            <a:endCxn id="9" idx="1"/>
+          </p:cNvCxnSpPr>
+          <p:nvPr/>
+        </p:nvCxnSpPr>
+        <p:spPr>
+          <a:xfrm flipV="1">
+            <a:off x="1877684" y="1069284"/>
+            <a:ext cx="6297278" cy="1950571"/>
+          </a:xfrm>
+          <a:prstGeom prst="curvedConnector3">
+            <a:avLst/>
+          </a:prstGeom>
+          <a:ln>
+            <a:tailEnd type="triangle"/>
+          </a:ln>
+        </p:spPr>
+        <p:style>
+          <a:lnRef idx="1">
+            <a:schemeClr val="dk1"/>
+          </a:lnRef>
+          <a:fillRef idx="0">
+            <a:schemeClr val="dk1"/>
+          </a:fillRef>
+          <a:effectRef idx="0">
+            <a:schemeClr val="dk1"/>
+          </a:effectRef>
+          <a:fontRef idx="minor">
+            <a:schemeClr val="tx1"/>
+          </a:fontRef>
+        </p:style>
+      </p:cxnSp>
+    </p:spTree>
+    <p:extLst>
+      <p:ext uri="{BB962C8B-B14F-4D97-AF65-F5344CB8AC3E}">
+        <p14:creationId xmlns:p14="http://schemas.microsoft.com/office/powerpoint/2010/main" val="1254150497"/>
       </p:ext>
     </p:extLst>
   </p:cSld>

--- a/230216.pptx
+++ b/230216.pptx
@@ -5,7 +5,7 @@
     <p:sldMasterId id="2147483648" r:id="rId1"/>
   </p:sldMasterIdLst>
   <p:notesMasterIdLst>
-    <p:notesMasterId r:id="rId13"/>
+    <p:notesMasterId r:id="rId23"/>
   </p:notesMasterIdLst>
   <p:sldIdLst>
     <p:sldId id="256" r:id="rId2"/>
@@ -19,6 +19,16 @@
     <p:sldId id="264" r:id="rId10"/>
     <p:sldId id="265" r:id="rId11"/>
     <p:sldId id="266" r:id="rId12"/>
+    <p:sldId id="267" r:id="rId13"/>
+    <p:sldId id="268" r:id="rId14"/>
+    <p:sldId id="269" r:id="rId15"/>
+    <p:sldId id="270" r:id="rId16"/>
+    <p:sldId id="274" r:id="rId17"/>
+    <p:sldId id="275" r:id="rId18"/>
+    <p:sldId id="276" r:id="rId19"/>
+    <p:sldId id="271" r:id="rId20"/>
+    <p:sldId id="272" r:id="rId21"/>
+    <p:sldId id="273" r:id="rId22"/>
   </p:sldIdLst>
   <p:sldSz cx="12192000" cy="6858000"/>
   <p:notesSz cx="6858000" cy="9144000"/>
@@ -207,7 +217,7 @@
           <a:p>
             <a:fld id="{57A46178-5612-2B4D-89D5-7F54E950B41C}" type="datetimeFigureOut">
               <a:rPr kumimoji="1" lang="ko-Kore-KR" altLang="en-US" smtClean="0"/>
-              <a:t>2023. 2. 16.</a:t>
+              <a:t>2023. 2. 17.</a:t>
             </a:fld>
             <a:endParaRPr kumimoji="1" lang="ko-Kore-KR" altLang="en-US"/>
           </a:p>
@@ -1296,7 +1306,7 @@
           <a:p>
             <a:fld id="{B87339CC-C53A-6A43-8886-7240593D0664}" type="datetimeFigureOut">
               <a:rPr kumimoji="1" lang="ko-Kore-KR" altLang="en-US" smtClean="0"/>
-              <a:t>2023. 2. 16.</a:t>
+              <a:t>2023. 2. 17.</a:t>
             </a:fld>
             <a:endParaRPr kumimoji="1" lang="ko-Kore-KR" altLang="en-US"/>
           </a:p>
@@ -1496,7 +1506,7 @@
           <a:p>
             <a:fld id="{B87339CC-C53A-6A43-8886-7240593D0664}" type="datetimeFigureOut">
               <a:rPr kumimoji="1" lang="ko-Kore-KR" altLang="en-US" smtClean="0"/>
-              <a:t>2023. 2. 16.</a:t>
+              <a:t>2023. 2. 17.</a:t>
             </a:fld>
             <a:endParaRPr kumimoji="1" lang="ko-Kore-KR" altLang="en-US"/>
           </a:p>
@@ -1706,7 +1716,7 @@
           <a:p>
             <a:fld id="{B87339CC-C53A-6A43-8886-7240593D0664}" type="datetimeFigureOut">
               <a:rPr kumimoji="1" lang="ko-Kore-KR" altLang="en-US" smtClean="0"/>
-              <a:t>2023. 2. 16.</a:t>
+              <a:t>2023. 2. 17.</a:t>
             </a:fld>
             <a:endParaRPr kumimoji="1" lang="ko-Kore-KR" altLang="en-US"/>
           </a:p>
@@ -1906,7 +1916,7 @@
           <a:p>
             <a:fld id="{B87339CC-C53A-6A43-8886-7240593D0664}" type="datetimeFigureOut">
               <a:rPr kumimoji="1" lang="ko-Kore-KR" altLang="en-US" smtClean="0"/>
-              <a:t>2023. 2. 16.</a:t>
+              <a:t>2023. 2. 17.</a:t>
             </a:fld>
             <a:endParaRPr kumimoji="1" lang="ko-Kore-KR" altLang="en-US"/>
           </a:p>
@@ -2182,7 +2192,7 @@
           <a:p>
             <a:fld id="{B87339CC-C53A-6A43-8886-7240593D0664}" type="datetimeFigureOut">
               <a:rPr kumimoji="1" lang="ko-Kore-KR" altLang="en-US" smtClean="0"/>
-              <a:t>2023. 2. 16.</a:t>
+              <a:t>2023. 2. 17.</a:t>
             </a:fld>
             <a:endParaRPr kumimoji="1" lang="ko-Kore-KR" altLang="en-US"/>
           </a:p>
@@ -2450,7 +2460,7 @@
           <a:p>
             <a:fld id="{B87339CC-C53A-6A43-8886-7240593D0664}" type="datetimeFigureOut">
               <a:rPr kumimoji="1" lang="ko-Kore-KR" altLang="en-US" smtClean="0"/>
-              <a:t>2023. 2. 16.</a:t>
+              <a:t>2023. 2. 17.</a:t>
             </a:fld>
             <a:endParaRPr kumimoji="1" lang="ko-Kore-KR" altLang="en-US"/>
           </a:p>
@@ -2865,7 +2875,7 @@
           <a:p>
             <a:fld id="{B87339CC-C53A-6A43-8886-7240593D0664}" type="datetimeFigureOut">
               <a:rPr kumimoji="1" lang="ko-Kore-KR" altLang="en-US" smtClean="0"/>
-              <a:t>2023. 2. 16.</a:t>
+              <a:t>2023. 2. 17.</a:t>
             </a:fld>
             <a:endParaRPr kumimoji="1" lang="ko-Kore-KR" altLang="en-US"/>
           </a:p>
@@ -3007,7 +3017,7 @@
           <a:p>
             <a:fld id="{B87339CC-C53A-6A43-8886-7240593D0664}" type="datetimeFigureOut">
               <a:rPr kumimoji="1" lang="ko-Kore-KR" altLang="en-US" smtClean="0"/>
-              <a:t>2023. 2. 16.</a:t>
+              <a:t>2023. 2. 17.</a:t>
             </a:fld>
             <a:endParaRPr kumimoji="1" lang="ko-Kore-KR" altLang="en-US"/>
           </a:p>
@@ -3120,7 +3130,7 @@
           <a:p>
             <a:fld id="{B87339CC-C53A-6A43-8886-7240593D0664}" type="datetimeFigureOut">
               <a:rPr kumimoji="1" lang="ko-Kore-KR" altLang="en-US" smtClean="0"/>
-              <a:t>2023. 2. 16.</a:t>
+              <a:t>2023. 2. 17.</a:t>
             </a:fld>
             <a:endParaRPr kumimoji="1" lang="ko-Kore-KR" altLang="en-US"/>
           </a:p>
@@ -3433,7 +3443,7 @@
           <a:p>
             <a:fld id="{B87339CC-C53A-6A43-8886-7240593D0664}" type="datetimeFigureOut">
               <a:rPr kumimoji="1" lang="ko-Kore-KR" altLang="en-US" smtClean="0"/>
-              <a:t>2023. 2. 16.</a:t>
+              <a:t>2023. 2. 17.</a:t>
             </a:fld>
             <a:endParaRPr kumimoji="1" lang="ko-Kore-KR" altLang="en-US"/>
           </a:p>
@@ -3722,7 +3732,7 @@
           <a:p>
             <a:fld id="{B87339CC-C53A-6A43-8886-7240593D0664}" type="datetimeFigureOut">
               <a:rPr kumimoji="1" lang="ko-Kore-KR" altLang="en-US" smtClean="0"/>
-              <a:t>2023. 2. 16.</a:t>
+              <a:t>2023. 2. 17.</a:t>
             </a:fld>
             <a:endParaRPr kumimoji="1" lang="ko-Kore-KR" altLang="en-US"/>
           </a:p>
@@ -3965,7 +3975,7 @@
           <a:p>
             <a:fld id="{B87339CC-C53A-6A43-8886-7240593D0664}" type="datetimeFigureOut">
               <a:rPr kumimoji="1" lang="ko-Kore-KR" altLang="en-US" smtClean="0"/>
-              <a:t>2023. 2. 16.</a:t>
+              <a:t>2023. 2. 17.</a:t>
             </a:fld>
             <a:endParaRPr kumimoji="1" lang="ko-Kore-KR" altLang="en-US"/>
           </a:p>
@@ -7494,6 +7504,3810 @@
 </p:sld>
 </file>
 
+<file path=ppt/slides/slide12.xml><?xml version="1.0" encoding="utf-8"?>
+<p:sld xmlns:a="http://schemas.openxmlformats.org/drawingml/2006/main" xmlns:r="http://schemas.openxmlformats.org/officeDocument/2006/relationships" xmlns:p="http://schemas.openxmlformats.org/presentationml/2006/main">
+  <p:cSld>
+    <p:spTree>
+      <p:nvGrpSpPr>
+        <p:cNvPr id="1" name=""/>
+        <p:cNvGrpSpPr/>
+        <p:nvPr/>
+      </p:nvGrpSpPr>
+      <p:grpSpPr>
+        <a:xfrm>
+          <a:off x="0" y="0"/>
+          <a:ext cx="0" cy="0"/>
+          <a:chOff x="0" y="0"/>
+          <a:chExt cx="0" cy="0"/>
+        </a:xfrm>
+      </p:grpSpPr>
+      <p:sp>
+        <p:nvSpPr>
+          <p:cNvPr id="11" name="직사각형 10">
+            <a:extLst>
+              <a:ext uri="{FF2B5EF4-FFF2-40B4-BE49-F238E27FC236}">
+                <a16:creationId xmlns:a16="http://schemas.microsoft.com/office/drawing/2014/main" id="{8516691B-303A-2280-D5D6-599FA628E6C0}"/>
+              </a:ext>
+            </a:extLst>
+          </p:cNvPr>
+          <p:cNvSpPr/>
+          <p:nvPr/>
+        </p:nvSpPr>
+        <p:spPr>
+          <a:xfrm>
+            <a:off x="3574204" y="2087571"/>
+            <a:ext cx="3344182" cy="2527561"/>
+          </a:xfrm>
+          <a:prstGeom prst="rect">
+            <a:avLst/>
+          </a:prstGeom>
+        </p:spPr>
+        <p:style>
+          <a:lnRef idx="2">
+            <a:schemeClr val="dk1"/>
+          </a:lnRef>
+          <a:fillRef idx="1">
+            <a:schemeClr val="lt1"/>
+          </a:fillRef>
+          <a:effectRef idx="0">
+            <a:schemeClr val="dk1"/>
+          </a:effectRef>
+          <a:fontRef idx="minor">
+            <a:schemeClr val="dk1"/>
+          </a:fontRef>
+        </p:style>
+        <p:txBody>
+          <a:bodyPr rtlCol="0" anchor="ctr"/>
+          <a:lstStyle/>
+          <a:p>
+            <a:pPr algn="ctr"/>
+            <a:endParaRPr kumimoji="1" lang="ko-Kore-KR" altLang="en-US" dirty="0">
+              <a:solidFill>
+                <a:schemeClr val="tx1"/>
+              </a:solidFill>
+            </a:endParaRPr>
+          </a:p>
+        </p:txBody>
+      </p:sp>
+      <p:sp>
+        <p:nvSpPr>
+          <p:cNvPr id="7" name="TextBox 6">
+            <a:extLst>
+              <a:ext uri="{FF2B5EF4-FFF2-40B4-BE49-F238E27FC236}">
+                <a16:creationId xmlns:a16="http://schemas.microsoft.com/office/drawing/2014/main" id="{11732E1E-F070-FB47-5716-E2DE052D63A9}"/>
+              </a:ext>
+            </a:extLst>
+          </p:cNvPr>
+          <p:cNvSpPr txBox="1"/>
+          <p:nvPr/>
+        </p:nvSpPr>
+        <p:spPr>
+          <a:xfrm>
+            <a:off x="312708" y="167132"/>
+            <a:ext cx="4216160" cy="3416320"/>
+          </a:xfrm>
+          <a:prstGeom prst="rect">
+            <a:avLst/>
+          </a:prstGeom>
+          <a:noFill/>
+        </p:spPr>
+        <p:txBody>
+          <a:bodyPr wrap="square">
+            <a:spAutoFit/>
+          </a:bodyPr>
+          <a:lstStyle/>
+          <a:p>
+            <a:r>
+              <a:rPr lang="en" altLang="ko-Kore-KR" dirty="0">
+                <a:latin typeface="DM Mono" panose="020B0509040201040103" pitchFamily="49" charset="0"/>
+              </a:rPr>
+              <a:t>void </a:t>
+            </a:r>
+            <a:r>
+              <a:rPr lang="en" altLang="ko-Kore-KR" dirty="0" err="1">
+                <a:latin typeface="DM Mono" panose="020B0509040201040103" pitchFamily="49" charset="0"/>
+              </a:rPr>
+              <a:t>inc</a:t>
+            </a:r>
+            <a:r>
+              <a:rPr lang="en" altLang="ko-Kore-KR" dirty="0">
+                <a:latin typeface="DM Mono" panose="020B0509040201040103" pitchFamily="49" charset="0"/>
+              </a:rPr>
+              <a:t>(int n)</a:t>
+            </a:r>
+          </a:p>
+          <a:p>
+            <a:r>
+              <a:rPr lang="en" altLang="ko-Kore-KR" dirty="0">
+                <a:latin typeface="DM Mono" panose="020B0509040201040103" pitchFamily="49" charset="0"/>
+              </a:rPr>
+              <a:t>{</a:t>
+            </a:r>
+          </a:p>
+          <a:p>
+            <a:r>
+              <a:rPr lang="en" altLang="ko-Kore-KR" dirty="0">
+                <a:latin typeface="DM Mono" panose="020B0509040201040103" pitchFamily="49" charset="0"/>
+              </a:rPr>
+              <a:t>  n += 1;</a:t>
+            </a:r>
+          </a:p>
+          <a:p>
+            <a:r>
+              <a:rPr lang="en" altLang="ko-Kore-KR" dirty="0">
+                <a:latin typeface="DM Mono" panose="020B0509040201040103" pitchFamily="49" charset="0"/>
+              </a:rPr>
+              <a:t>}</a:t>
+            </a:r>
+          </a:p>
+          <a:p>
+            <a:endParaRPr lang="en" altLang="ko-Kore-KR" dirty="0">
+              <a:latin typeface="DM Mono" panose="020B0509040201040103" pitchFamily="49" charset="0"/>
+            </a:endParaRPr>
+          </a:p>
+          <a:p>
+            <a:r>
+              <a:rPr lang="en" altLang="ko-Kore-KR" dirty="0">
+                <a:latin typeface="DM Mono" panose="020B0509040201040103" pitchFamily="49" charset="0"/>
+              </a:rPr>
+              <a:t>int main(void)</a:t>
+            </a:r>
+          </a:p>
+          <a:p>
+            <a:r>
+              <a:rPr lang="en" altLang="ko-Kore-KR" dirty="0">
+                <a:latin typeface="DM Mono" panose="020B0509040201040103" pitchFamily="49" charset="0"/>
+              </a:rPr>
+              <a:t>{</a:t>
+            </a:r>
+          </a:p>
+          <a:p>
+            <a:r>
+              <a:rPr lang="en" altLang="ko-Kore-KR" dirty="0">
+                <a:latin typeface="DM Mono" panose="020B0509040201040103" pitchFamily="49" charset="0"/>
+              </a:rPr>
+              <a:t>  int n = 0;</a:t>
+            </a:r>
+          </a:p>
+          <a:p>
+            <a:r>
+              <a:rPr lang="en" altLang="ko-Kore-KR" dirty="0">
+                <a:latin typeface="DM Mono" panose="020B0509040201040103" pitchFamily="49" charset="0"/>
+              </a:rPr>
+              <a:t>  </a:t>
+            </a:r>
+            <a:r>
+              <a:rPr lang="en" altLang="ko-Kore-KR" dirty="0" err="1">
+                <a:latin typeface="DM Mono" panose="020B0509040201040103" pitchFamily="49" charset="0"/>
+              </a:rPr>
+              <a:t>inc</a:t>
+            </a:r>
+            <a:r>
+              <a:rPr lang="en" altLang="ko-Kore-KR" dirty="0">
+                <a:latin typeface="DM Mono" panose="020B0509040201040103" pitchFamily="49" charset="0"/>
+              </a:rPr>
+              <a:t>(n);</a:t>
+            </a:r>
+          </a:p>
+          <a:p>
+            <a:endParaRPr lang="en" altLang="ko-Kore-KR" dirty="0">
+              <a:latin typeface="DM Mono" panose="020B0509040201040103" pitchFamily="49" charset="0"/>
+            </a:endParaRPr>
+          </a:p>
+          <a:p>
+            <a:r>
+              <a:rPr lang="en" altLang="ko-Kore-KR" dirty="0">
+                <a:latin typeface="DM Mono" panose="020B0509040201040103" pitchFamily="49" charset="0"/>
+              </a:rPr>
+              <a:t>  return 0;</a:t>
+            </a:r>
+          </a:p>
+          <a:p>
+            <a:r>
+              <a:rPr lang="en" altLang="ko-Kore-KR" dirty="0">
+                <a:latin typeface="DM Mono" panose="020B0509040201040103" pitchFamily="49" charset="0"/>
+              </a:rPr>
+              <a:t>}</a:t>
+            </a:r>
+            <a:endParaRPr lang="ko-Kore-KR" altLang="en-US" dirty="0">
+              <a:latin typeface="DM Mono" panose="020B0509040201040103" pitchFamily="49" charset="0"/>
+            </a:endParaRPr>
+          </a:p>
+        </p:txBody>
+      </p:sp>
+      <p:sp>
+        <p:nvSpPr>
+          <p:cNvPr id="8" name="직사각형 7">
+            <a:extLst>
+              <a:ext uri="{FF2B5EF4-FFF2-40B4-BE49-F238E27FC236}">
+                <a16:creationId xmlns:a16="http://schemas.microsoft.com/office/drawing/2014/main" id="{C09D5634-6E46-BCCC-ACFE-D4342B76E019}"/>
+              </a:ext>
+            </a:extLst>
+          </p:cNvPr>
+          <p:cNvSpPr/>
+          <p:nvPr/>
+        </p:nvSpPr>
+        <p:spPr>
+          <a:xfrm>
+            <a:off x="4528868" y="2525957"/>
+            <a:ext cx="925906" cy="447790"/>
+          </a:xfrm>
+          <a:prstGeom prst="rect">
+            <a:avLst/>
+          </a:prstGeom>
+          <a:solidFill>
+            <a:srgbClr val="FFFF00"/>
+          </a:solidFill>
+        </p:spPr>
+        <p:style>
+          <a:lnRef idx="2">
+            <a:schemeClr val="accent1">
+              <a:shade val="50000"/>
+            </a:schemeClr>
+          </a:lnRef>
+          <a:fillRef idx="1">
+            <a:schemeClr val="accent1"/>
+          </a:fillRef>
+          <a:effectRef idx="0">
+            <a:schemeClr val="accent1"/>
+          </a:effectRef>
+          <a:fontRef idx="minor">
+            <a:schemeClr val="lt1"/>
+          </a:fontRef>
+        </p:style>
+        <p:txBody>
+          <a:bodyPr rtlCol="0" anchor="ctr"/>
+          <a:lstStyle/>
+          <a:p>
+            <a:pPr algn="ctr"/>
+            <a:r>
+              <a:rPr kumimoji="1" lang="en-US" altLang="ko-Kore-KR" dirty="0">
+                <a:solidFill>
+                  <a:schemeClr val="tx1"/>
+                </a:solidFill>
+              </a:rPr>
+              <a:t>0</a:t>
+            </a:r>
+            <a:endParaRPr kumimoji="1" lang="ko-Kore-KR" altLang="en-US" dirty="0">
+              <a:solidFill>
+                <a:schemeClr val="tx1"/>
+              </a:solidFill>
+            </a:endParaRPr>
+          </a:p>
+        </p:txBody>
+      </p:sp>
+      <p:sp>
+        <p:nvSpPr>
+          <p:cNvPr id="10" name="TextBox 9">
+            <a:extLst>
+              <a:ext uri="{FF2B5EF4-FFF2-40B4-BE49-F238E27FC236}">
+                <a16:creationId xmlns:a16="http://schemas.microsoft.com/office/drawing/2014/main" id="{E76243F8-A2B2-93BF-66A9-CE2936F73E5D}"/>
+              </a:ext>
+            </a:extLst>
+          </p:cNvPr>
+          <p:cNvSpPr txBox="1"/>
+          <p:nvPr/>
+        </p:nvSpPr>
+        <p:spPr>
+          <a:xfrm>
+            <a:off x="4194595" y="2604415"/>
+            <a:ext cx="377406" cy="369332"/>
+          </a:xfrm>
+          <a:prstGeom prst="rect">
+            <a:avLst/>
+          </a:prstGeom>
+          <a:noFill/>
+        </p:spPr>
+        <p:txBody>
+          <a:bodyPr wrap="square">
+            <a:spAutoFit/>
+          </a:bodyPr>
+          <a:lstStyle/>
+          <a:p>
+            <a:r>
+              <a:rPr lang="en" altLang="ko-Kore-KR" dirty="0">
+                <a:latin typeface="DM Mono" panose="020B0509040201040103" pitchFamily="49" charset="0"/>
+              </a:rPr>
+              <a:t>n</a:t>
+            </a:r>
+            <a:endParaRPr lang="ko-Kore-KR" altLang="en-US" dirty="0"/>
+          </a:p>
+        </p:txBody>
+      </p:sp>
+      <p:sp>
+        <p:nvSpPr>
+          <p:cNvPr id="13" name="TextBox 12">
+            <a:extLst>
+              <a:ext uri="{FF2B5EF4-FFF2-40B4-BE49-F238E27FC236}">
+                <a16:creationId xmlns:a16="http://schemas.microsoft.com/office/drawing/2014/main" id="{3F32D814-AF37-5853-34B2-912159DBA7DD}"/>
+              </a:ext>
+            </a:extLst>
+          </p:cNvPr>
+          <p:cNvSpPr txBox="1"/>
+          <p:nvPr/>
+        </p:nvSpPr>
+        <p:spPr>
+          <a:xfrm>
+            <a:off x="4841931" y="1713102"/>
+            <a:ext cx="808727" cy="369332"/>
+          </a:xfrm>
+          <a:prstGeom prst="rect">
+            <a:avLst/>
+          </a:prstGeom>
+          <a:noFill/>
+        </p:spPr>
+        <p:txBody>
+          <a:bodyPr wrap="square">
+            <a:spAutoFit/>
+          </a:bodyPr>
+          <a:lstStyle/>
+          <a:p>
+            <a:r>
+              <a:rPr lang="en" altLang="ko-Kore-KR" dirty="0">
+                <a:latin typeface="DM Mono" panose="020B0509040201040103" pitchFamily="49" charset="0"/>
+              </a:rPr>
+              <a:t>main</a:t>
+            </a:r>
+            <a:endParaRPr lang="ko-Kore-KR" altLang="en-US" dirty="0"/>
+          </a:p>
+        </p:txBody>
+      </p:sp>
+    </p:spTree>
+    <p:extLst>
+      <p:ext uri="{BB962C8B-B14F-4D97-AF65-F5344CB8AC3E}">
+        <p14:creationId xmlns:p14="http://schemas.microsoft.com/office/powerpoint/2010/main" val="2804201962"/>
+      </p:ext>
+    </p:extLst>
+  </p:cSld>
+  <p:clrMapOvr>
+    <a:masterClrMapping/>
+  </p:clrMapOvr>
+</p:sld>
+</file>
+
+<file path=ppt/slides/slide13.xml><?xml version="1.0" encoding="utf-8"?>
+<p:sld xmlns:a="http://schemas.openxmlformats.org/drawingml/2006/main" xmlns:r="http://schemas.openxmlformats.org/officeDocument/2006/relationships" xmlns:p="http://schemas.openxmlformats.org/presentationml/2006/main">
+  <p:cSld>
+    <p:spTree>
+      <p:nvGrpSpPr>
+        <p:cNvPr id="1" name=""/>
+        <p:cNvGrpSpPr/>
+        <p:nvPr/>
+      </p:nvGrpSpPr>
+      <p:grpSpPr>
+        <a:xfrm>
+          <a:off x="0" y="0"/>
+          <a:ext cx="0" cy="0"/>
+          <a:chOff x="0" y="0"/>
+          <a:chExt cx="0" cy="0"/>
+        </a:xfrm>
+      </p:grpSpPr>
+      <p:sp>
+        <p:nvSpPr>
+          <p:cNvPr id="11" name="직사각형 10">
+            <a:extLst>
+              <a:ext uri="{FF2B5EF4-FFF2-40B4-BE49-F238E27FC236}">
+                <a16:creationId xmlns:a16="http://schemas.microsoft.com/office/drawing/2014/main" id="{8516691B-303A-2280-D5D6-599FA628E6C0}"/>
+              </a:ext>
+            </a:extLst>
+          </p:cNvPr>
+          <p:cNvSpPr/>
+          <p:nvPr/>
+        </p:nvSpPr>
+        <p:spPr>
+          <a:xfrm>
+            <a:off x="3574204" y="2087571"/>
+            <a:ext cx="3344182" cy="2527561"/>
+          </a:xfrm>
+          <a:prstGeom prst="rect">
+            <a:avLst/>
+          </a:prstGeom>
+        </p:spPr>
+        <p:style>
+          <a:lnRef idx="2">
+            <a:schemeClr val="dk1"/>
+          </a:lnRef>
+          <a:fillRef idx="1">
+            <a:schemeClr val="lt1"/>
+          </a:fillRef>
+          <a:effectRef idx="0">
+            <a:schemeClr val="dk1"/>
+          </a:effectRef>
+          <a:fontRef idx="minor">
+            <a:schemeClr val="dk1"/>
+          </a:fontRef>
+        </p:style>
+        <p:txBody>
+          <a:bodyPr rtlCol="0" anchor="ctr"/>
+          <a:lstStyle/>
+          <a:p>
+            <a:pPr algn="ctr"/>
+            <a:endParaRPr kumimoji="1" lang="ko-Kore-KR" altLang="en-US" dirty="0">
+              <a:solidFill>
+                <a:schemeClr val="tx1"/>
+              </a:solidFill>
+            </a:endParaRPr>
+          </a:p>
+        </p:txBody>
+      </p:sp>
+      <p:sp>
+        <p:nvSpPr>
+          <p:cNvPr id="7" name="TextBox 6">
+            <a:extLst>
+              <a:ext uri="{FF2B5EF4-FFF2-40B4-BE49-F238E27FC236}">
+                <a16:creationId xmlns:a16="http://schemas.microsoft.com/office/drawing/2014/main" id="{11732E1E-F070-FB47-5716-E2DE052D63A9}"/>
+              </a:ext>
+            </a:extLst>
+          </p:cNvPr>
+          <p:cNvSpPr txBox="1"/>
+          <p:nvPr/>
+        </p:nvSpPr>
+        <p:spPr>
+          <a:xfrm>
+            <a:off x="312708" y="167132"/>
+            <a:ext cx="4216160" cy="3416320"/>
+          </a:xfrm>
+          <a:prstGeom prst="rect">
+            <a:avLst/>
+          </a:prstGeom>
+          <a:noFill/>
+        </p:spPr>
+        <p:txBody>
+          <a:bodyPr wrap="square">
+            <a:spAutoFit/>
+          </a:bodyPr>
+          <a:lstStyle/>
+          <a:p>
+            <a:r>
+              <a:rPr lang="en" altLang="ko-Kore-KR" dirty="0">
+                <a:latin typeface="DM Mono" panose="020B0509040201040103" pitchFamily="49" charset="0"/>
+              </a:rPr>
+              <a:t>void </a:t>
+            </a:r>
+            <a:r>
+              <a:rPr lang="en" altLang="ko-Kore-KR" dirty="0" err="1">
+                <a:latin typeface="DM Mono" panose="020B0509040201040103" pitchFamily="49" charset="0"/>
+              </a:rPr>
+              <a:t>inc</a:t>
+            </a:r>
+            <a:r>
+              <a:rPr lang="en" altLang="ko-Kore-KR" dirty="0">
+                <a:latin typeface="DM Mono" panose="020B0509040201040103" pitchFamily="49" charset="0"/>
+              </a:rPr>
+              <a:t>(int n)</a:t>
+            </a:r>
+          </a:p>
+          <a:p>
+            <a:r>
+              <a:rPr lang="en" altLang="ko-Kore-KR" dirty="0">
+                <a:latin typeface="DM Mono" panose="020B0509040201040103" pitchFamily="49" charset="0"/>
+              </a:rPr>
+              <a:t>{</a:t>
+            </a:r>
+          </a:p>
+          <a:p>
+            <a:r>
+              <a:rPr lang="en" altLang="ko-Kore-KR" dirty="0">
+                <a:latin typeface="DM Mono" panose="020B0509040201040103" pitchFamily="49" charset="0"/>
+              </a:rPr>
+              <a:t>  n += 1;</a:t>
+            </a:r>
+          </a:p>
+          <a:p>
+            <a:r>
+              <a:rPr lang="en" altLang="ko-Kore-KR" dirty="0">
+                <a:latin typeface="DM Mono" panose="020B0509040201040103" pitchFamily="49" charset="0"/>
+              </a:rPr>
+              <a:t>}</a:t>
+            </a:r>
+          </a:p>
+          <a:p>
+            <a:endParaRPr lang="en" altLang="ko-Kore-KR" dirty="0">
+              <a:latin typeface="DM Mono" panose="020B0509040201040103" pitchFamily="49" charset="0"/>
+            </a:endParaRPr>
+          </a:p>
+          <a:p>
+            <a:r>
+              <a:rPr lang="en" altLang="ko-Kore-KR" dirty="0">
+                <a:latin typeface="DM Mono" panose="020B0509040201040103" pitchFamily="49" charset="0"/>
+              </a:rPr>
+              <a:t>int main(void)</a:t>
+            </a:r>
+          </a:p>
+          <a:p>
+            <a:r>
+              <a:rPr lang="en" altLang="ko-Kore-KR" dirty="0">
+                <a:latin typeface="DM Mono" panose="020B0509040201040103" pitchFamily="49" charset="0"/>
+              </a:rPr>
+              <a:t>{</a:t>
+            </a:r>
+          </a:p>
+          <a:p>
+            <a:r>
+              <a:rPr lang="en" altLang="ko-Kore-KR" dirty="0">
+                <a:latin typeface="DM Mono" panose="020B0509040201040103" pitchFamily="49" charset="0"/>
+              </a:rPr>
+              <a:t>  int n = 0;</a:t>
+            </a:r>
+          </a:p>
+          <a:p>
+            <a:r>
+              <a:rPr lang="en" altLang="ko-Kore-KR" dirty="0">
+                <a:solidFill>
+                  <a:srgbClr val="FF0000"/>
+                </a:solidFill>
+                <a:latin typeface="DM Mono" panose="020B0509040201040103" pitchFamily="49" charset="0"/>
+              </a:rPr>
+              <a:t>  </a:t>
+            </a:r>
+            <a:r>
+              <a:rPr lang="en" altLang="ko-Kore-KR" dirty="0" err="1">
+                <a:solidFill>
+                  <a:srgbClr val="FF0000"/>
+                </a:solidFill>
+                <a:latin typeface="DM Mono" panose="020B0509040201040103" pitchFamily="49" charset="0"/>
+              </a:rPr>
+              <a:t>inc</a:t>
+            </a:r>
+            <a:r>
+              <a:rPr lang="en" altLang="ko-Kore-KR" dirty="0">
+                <a:solidFill>
+                  <a:srgbClr val="FF0000"/>
+                </a:solidFill>
+                <a:latin typeface="DM Mono" panose="020B0509040201040103" pitchFamily="49" charset="0"/>
+              </a:rPr>
+              <a:t>(n);</a:t>
+            </a:r>
+          </a:p>
+          <a:p>
+            <a:endParaRPr lang="en" altLang="ko-Kore-KR" dirty="0">
+              <a:latin typeface="DM Mono" panose="020B0509040201040103" pitchFamily="49" charset="0"/>
+            </a:endParaRPr>
+          </a:p>
+          <a:p>
+            <a:r>
+              <a:rPr lang="en" altLang="ko-Kore-KR" dirty="0">
+                <a:latin typeface="DM Mono" panose="020B0509040201040103" pitchFamily="49" charset="0"/>
+              </a:rPr>
+              <a:t>  return 0;</a:t>
+            </a:r>
+          </a:p>
+          <a:p>
+            <a:r>
+              <a:rPr lang="en" altLang="ko-Kore-KR" dirty="0">
+                <a:latin typeface="DM Mono" panose="020B0509040201040103" pitchFamily="49" charset="0"/>
+              </a:rPr>
+              <a:t>}</a:t>
+            </a:r>
+            <a:endParaRPr lang="ko-Kore-KR" altLang="en-US" dirty="0">
+              <a:latin typeface="DM Mono" panose="020B0509040201040103" pitchFamily="49" charset="0"/>
+            </a:endParaRPr>
+          </a:p>
+        </p:txBody>
+      </p:sp>
+      <p:sp>
+        <p:nvSpPr>
+          <p:cNvPr id="8" name="직사각형 7">
+            <a:extLst>
+              <a:ext uri="{FF2B5EF4-FFF2-40B4-BE49-F238E27FC236}">
+                <a16:creationId xmlns:a16="http://schemas.microsoft.com/office/drawing/2014/main" id="{C09D5634-6E46-BCCC-ACFE-D4342B76E019}"/>
+              </a:ext>
+            </a:extLst>
+          </p:cNvPr>
+          <p:cNvSpPr/>
+          <p:nvPr/>
+        </p:nvSpPr>
+        <p:spPr>
+          <a:xfrm>
+            <a:off x="4528868" y="2525957"/>
+            <a:ext cx="925906" cy="447790"/>
+          </a:xfrm>
+          <a:prstGeom prst="rect">
+            <a:avLst/>
+          </a:prstGeom>
+          <a:solidFill>
+            <a:srgbClr val="FFFF00"/>
+          </a:solidFill>
+        </p:spPr>
+        <p:style>
+          <a:lnRef idx="2">
+            <a:schemeClr val="accent1">
+              <a:shade val="50000"/>
+            </a:schemeClr>
+          </a:lnRef>
+          <a:fillRef idx="1">
+            <a:schemeClr val="accent1"/>
+          </a:fillRef>
+          <a:effectRef idx="0">
+            <a:schemeClr val="accent1"/>
+          </a:effectRef>
+          <a:fontRef idx="minor">
+            <a:schemeClr val="lt1"/>
+          </a:fontRef>
+        </p:style>
+        <p:txBody>
+          <a:bodyPr rtlCol="0" anchor="ctr"/>
+          <a:lstStyle/>
+          <a:p>
+            <a:pPr algn="ctr"/>
+            <a:r>
+              <a:rPr kumimoji="1" lang="en-US" altLang="ko-Kore-KR" dirty="0">
+                <a:solidFill>
+                  <a:schemeClr val="tx1"/>
+                </a:solidFill>
+              </a:rPr>
+              <a:t>0</a:t>
+            </a:r>
+            <a:endParaRPr kumimoji="1" lang="ko-Kore-KR" altLang="en-US" dirty="0">
+              <a:solidFill>
+                <a:schemeClr val="tx1"/>
+              </a:solidFill>
+            </a:endParaRPr>
+          </a:p>
+        </p:txBody>
+      </p:sp>
+      <p:sp>
+        <p:nvSpPr>
+          <p:cNvPr id="10" name="TextBox 9">
+            <a:extLst>
+              <a:ext uri="{FF2B5EF4-FFF2-40B4-BE49-F238E27FC236}">
+                <a16:creationId xmlns:a16="http://schemas.microsoft.com/office/drawing/2014/main" id="{E76243F8-A2B2-93BF-66A9-CE2936F73E5D}"/>
+              </a:ext>
+            </a:extLst>
+          </p:cNvPr>
+          <p:cNvSpPr txBox="1"/>
+          <p:nvPr/>
+        </p:nvSpPr>
+        <p:spPr>
+          <a:xfrm>
+            <a:off x="4194595" y="2604415"/>
+            <a:ext cx="377406" cy="369332"/>
+          </a:xfrm>
+          <a:prstGeom prst="rect">
+            <a:avLst/>
+          </a:prstGeom>
+          <a:noFill/>
+        </p:spPr>
+        <p:txBody>
+          <a:bodyPr wrap="square">
+            <a:spAutoFit/>
+          </a:bodyPr>
+          <a:lstStyle/>
+          <a:p>
+            <a:r>
+              <a:rPr lang="en" altLang="ko-Kore-KR" dirty="0">
+                <a:latin typeface="DM Mono" panose="020B0509040201040103" pitchFamily="49" charset="0"/>
+              </a:rPr>
+              <a:t>n</a:t>
+            </a:r>
+            <a:endParaRPr lang="ko-Kore-KR" altLang="en-US" dirty="0"/>
+          </a:p>
+        </p:txBody>
+      </p:sp>
+      <p:sp>
+        <p:nvSpPr>
+          <p:cNvPr id="13" name="TextBox 12">
+            <a:extLst>
+              <a:ext uri="{FF2B5EF4-FFF2-40B4-BE49-F238E27FC236}">
+                <a16:creationId xmlns:a16="http://schemas.microsoft.com/office/drawing/2014/main" id="{3F32D814-AF37-5853-34B2-912159DBA7DD}"/>
+              </a:ext>
+            </a:extLst>
+          </p:cNvPr>
+          <p:cNvSpPr txBox="1"/>
+          <p:nvPr/>
+        </p:nvSpPr>
+        <p:spPr>
+          <a:xfrm>
+            <a:off x="4841931" y="1713102"/>
+            <a:ext cx="808727" cy="369332"/>
+          </a:xfrm>
+          <a:prstGeom prst="rect">
+            <a:avLst/>
+          </a:prstGeom>
+          <a:noFill/>
+        </p:spPr>
+        <p:txBody>
+          <a:bodyPr wrap="square">
+            <a:spAutoFit/>
+          </a:bodyPr>
+          <a:lstStyle/>
+          <a:p>
+            <a:r>
+              <a:rPr lang="en" altLang="ko-Kore-KR" dirty="0">
+                <a:latin typeface="DM Mono" panose="020B0509040201040103" pitchFamily="49" charset="0"/>
+              </a:rPr>
+              <a:t>main</a:t>
+            </a:r>
+            <a:endParaRPr lang="ko-Kore-KR" altLang="en-US" dirty="0"/>
+          </a:p>
+        </p:txBody>
+      </p:sp>
+      <p:sp>
+        <p:nvSpPr>
+          <p:cNvPr id="2" name="직사각형 1">
+            <a:extLst>
+              <a:ext uri="{FF2B5EF4-FFF2-40B4-BE49-F238E27FC236}">
+                <a16:creationId xmlns:a16="http://schemas.microsoft.com/office/drawing/2014/main" id="{8FF68C8F-BA24-0B96-5E1E-83FC0CFF7727}"/>
+              </a:ext>
+            </a:extLst>
+          </p:cNvPr>
+          <p:cNvSpPr/>
+          <p:nvPr/>
+        </p:nvSpPr>
+        <p:spPr>
+          <a:xfrm>
+            <a:off x="7538777" y="818653"/>
+            <a:ext cx="3344182" cy="2527561"/>
+          </a:xfrm>
+          <a:prstGeom prst="rect">
+            <a:avLst/>
+          </a:prstGeom>
+        </p:spPr>
+        <p:style>
+          <a:lnRef idx="2">
+            <a:schemeClr val="dk1"/>
+          </a:lnRef>
+          <a:fillRef idx="1">
+            <a:schemeClr val="lt1"/>
+          </a:fillRef>
+          <a:effectRef idx="0">
+            <a:schemeClr val="dk1"/>
+          </a:effectRef>
+          <a:fontRef idx="minor">
+            <a:schemeClr val="dk1"/>
+          </a:fontRef>
+        </p:style>
+        <p:txBody>
+          <a:bodyPr rtlCol="0" anchor="ctr"/>
+          <a:lstStyle/>
+          <a:p>
+            <a:pPr algn="ctr"/>
+            <a:endParaRPr kumimoji="1" lang="ko-Kore-KR" altLang="en-US" dirty="0">
+              <a:solidFill>
+                <a:schemeClr val="tx1"/>
+              </a:solidFill>
+            </a:endParaRPr>
+          </a:p>
+        </p:txBody>
+      </p:sp>
+      <p:sp>
+        <p:nvSpPr>
+          <p:cNvPr id="4" name="TextBox 3">
+            <a:extLst>
+              <a:ext uri="{FF2B5EF4-FFF2-40B4-BE49-F238E27FC236}">
+                <a16:creationId xmlns:a16="http://schemas.microsoft.com/office/drawing/2014/main" id="{949269B6-5496-E9AA-5C06-1F3EFB1586ED}"/>
+              </a:ext>
+            </a:extLst>
+          </p:cNvPr>
+          <p:cNvSpPr txBox="1"/>
+          <p:nvPr/>
+        </p:nvSpPr>
+        <p:spPr>
+          <a:xfrm>
+            <a:off x="8905708" y="449321"/>
+            <a:ext cx="610319" cy="369332"/>
+          </a:xfrm>
+          <a:prstGeom prst="rect">
+            <a:avLst/>
+          </a:prstGeom>
+          <a:noFill/>
+        </p:spPr>
+        <p:txBody>
+          <a:bodyPr wrap="square">
+            <a:spAutoFit/>
+          </a:bodyPr>
+          <a:lstStyle/>
+          <a:p>
+            <a:r>
+              <a:rPr lang="en" altLang="ko-Kore-KR" dirty="0" err="1">
+                <a:latin typeface="DM Mono" panose="020B0509040201040103" pitchFamily="49" charset="0"/>
+              </a:rPr>
+              <a:t>inc</a:t>
+            </a:r>
+            <a:endParaRPr lang="ko-Kore-KR" altLang="en-US" dirty="0"/>
+          </a:p>
+        </p:txBody>
+      </p:sp>
+      <p:sp>
+        <p:nvSpPr>
+          <p:cNvPr id="5" name="직사각형 4">
+            <a:extLst>
+              <a:ext uri="{FF2B5EF4-FFF2-40B4-BE49-F238E27FC236}">
+                <a16:creationId xmlns:a16="http://schemas.microsoft.com/office/drawing/2014/main" id="{232F60EC-C84F-66ED-AAF4-E350F5419507}"/>
+              </a:ext>
+            </a:extLst>
+          </p:cNvPr>
+          <p:cNvSpPr/>
+          <p:nvPr/>
+        </p:nvSpPr>
+        <p:spPr>
+          <a:xfrm>
+            <a:off x="8754028" y="964090"/>
+            <a:ext cx="925906" cy="447790"/>
+          </a:xfrm>
+          <a:prstGeom prst="rect">
+            <a:avLst/>
+          </a:prstGeom>
+          <a:solidFill>
+            <a:srgbClr val="FFFF00"/>
+          </a:solidFill>
+        </p:spPr>
+        <p:style>
+          <a:lnRef idx="2">
+            <a:schemeClr val="accent1">
+              <a:shade val="50000"/>
+            </a:schemeClr>
+          </a:lnRef>
+          <a:fillRef idx="1">
+            <a:schemeClr val="accent1"/>
+          </a:fillRef>
+          <a:effectRef idx="0">
+            <a:schemeClr val="accent1"/>
+          </a:effectRef>
+          <a:fontRef idx="minor">
+            <a:schemeClr val="lt1"/>
+          </a:fontRef>
+        </p:style>
+        <p:txBody>
+          <a:bodyPr rtlCol="0" anchor="ctr"/>
+          <a:lstStyle/>
+          <a:p>
+            <a:pPr algn="ctr"/>
+            <a:r>
+              <a:rPr kumimoji="1" lang="en-US" altLang="ko-Kore-KR" dirty="0">
+                <a:solidFill>
+                  <a:srgbClr val="FF0000"/>
+                </a:solidFill>
+              </a:rPr>
+              <a:t>0</a:t>
+            </a:r>
+            <a:endParaRPr kumimoji="1" lang="ko-Kore-KR" altLang="en-US" dirty="0">
+              <a:solidFill>
+                <a:srgbClr val="FF0000"/>
+              </a:solidFill>
+            </a:endParaRPr>
+          </a:p>
+        </p:txBody>
+      </p:sp>
+      <p:sp>
+        <p:nvSpPr>
+          <p:cNvPr id="6" name="TextBox 5">
+            <a:extLst>
+              <a:ext uri="{FF2B5EF4-FFF2-40B4-BE49-F238E27FC236}">
+                <a16:creationId xmlns:a16="http://schemas.microsoft.com/office/drawing/2014/main" id="{FA9860FD-061E-F3D6-400C-856823535F4C}"/>
+              </a:ext>
+            </a:extLst>
+          </p:cNvPr>
+          <p:cNvSpPr txBox="1"/>
+          <p:nvPr/>
+        </p:nvSpPr>
+        <p:spPr>
+          <a:xfrm>
+            <a:off x="8426597" y="1003319"/>
+            <a:ext cx="377406" cy="369332"/>
+          </a:xfrm>
+          <a:prstGeom prst="rect">
+            <a:avLst/>
+          </a:prstGeom>
+          <a:noFill/>
+        </p:spPr>
+        <p:txBody>
+          <a:bodyPr wrap="square">
+            <a:spAutoFit/>
+          </a:bodyPr>
+          <a:lstStyle/>
+          <a:p>
+            <a:r>
+              <a:rPr lang="en" altLang="ko-Kore-KR" dirty="0">
+                <a:latin typeface="DM Mono" panose="020B0509040201040103" pitchFamily="49" charset="0"/>
+              </a:rPr>
+              <a:t>n</a:t>
+            </a:r>
+            <a:endParaRPr lang="ko-Kore-KR" altLang="en-US" dirty="0"/>
+          </a:p>
+        </p:txBody>
+      </p:sp>
+    </p:spTree>
+    <p:extLst>
+      <p:ext uri="{BB962C8B-B14F-4D97-AF65-F5344CB8AC3E}">
+        <p14:creationId xmlns:p14="http://schemas.microsoft.com/office/powerpoint/2010/main" val="3845167953"/>
+      </p:ext>
+    </p:extLst>
+  </p:cSld>
+  <p:clrMapOvr>
+    <a:masterClrMapping/>
+  </p:clrMapOvr>
+</p:sld>
+</file>
+
+<file path=ppt/slides/slide14.xml><?xml version="1.0" encoding="utf-8"?>
+<p:sld xmlns:a="http://schemas.openxmlformats.org/drawingml/2006/main" xmlns:r="http://schemas.openxmlformats.org/officeDocument/2006/relationships" xmlns:p="http://schemas.openxmlformats.org/presentationml/2006/main">
+  <p:cSld>
+    <p:spTree>
+      <p:nvGrpSpPr>
+        <p:cNvPr id="1" name=""/>
+        <p:cNvGrpSpPr/>
+        <p:nvPr/>
+      </p:nvGrpSpPr>
+      <p:grpSpPr>
+        <a:xfrm>
+          <a:off x="0" y="0"/>
+          <a:ext cx="0" cy="0"/>
+          <a:chOff x="0" y="0"/>
+          <a:chExt cx="0" cy="0"/>
+        </a:xfrm>
+      </p:grpSpPr>
+      <p:sp>
+        <p:nvSpPr>
+          <p:cNvPr id="11" name="직사각형 10">
+            <a:extLst>
+              <a:ext uri="{FF2B5EF4-FFF2-40B4-BE49-F238E27FC236}">
+                <a16:creationId xmlns:a16="http://schemas.microsoft.com/office/drawing/2014/main" id="{8516691B-303A-2280-D5D6-599FA628E6C0}"/>
+              </a:ext>
+            </a:extLst>
+          </p:cNvPr>
+          <p:cNvSpPr/>
+          <p:nvPr/>
+        </p:nvSpPr>
+        <p:spPr>
+          <a:xfrm>
+            <a:off x="3574204" y="2087571"/>
+            <a:ext cx="3344182" cy="2527561"/>
+          </a:xfrm>
+          <a:prstGeom prst="rect">
+            <a:avLst/>
+          </a:prstGeom>
+        </p:spPr>
+        <p:style>
+          <a:lnRef idx="2">
+            <a:schemeClr val="dk1"/>
+          </a:lnRef>
+          <a:fillRef idx="1">
+            <a:schemeClr val="lt1"/>
+          </a:fillRef>
+          <a:effectRef idx="0">
+            <a:schemeClr val="dk1"/>
+          </a:effectRef>
+          <a:fontRef idx="minor">
+            <a:schemeClr val="dk1"/>
+          </a:fontRef>
+        </p:style>
+        <p:txBody>
+          <a:bodyPr rtlCol="0" anchor="ctr"/>
+          <a:lstStyle/>
+          <a:p>
+            <a:pPr algn="ctr"/>
+            <a:endParaRPr kumimoji="1" lang="ko-Kore-KR" altLang="en-US" dirty="0">
+              <a:solidFill>
+                <a:schemeClr val="tx1"/>
+              </a:solidFill>
+            </a:endParaRPr>
+          </a:p>
+        </p:txBody>
+      </p:sp>
+      <p:sp>
+        <p:nvSpPr>
+          <p:cNvPr id="7" name="TextBox 6">
+            <a:extLst>
+              <a:ext uri="{FF2B5EF4-FFF2-40B4-BE49-F238E27FC236}">
+                <a16:creationId xmlns:a16="http://schemas.microsoft.com/office/drawing/2014/main" id="{11732E1E-F070-FB47-5716-E2DE052D63A9}"/>
+              </a:ext>
+            </a:extLst>
+          </p:cNvPr>
+          <p:cNvSpPr txBox="1"/>
+          <p:nvPr/>
+        </p:nvSpPr>
+        <p:spPr>
+          <a:xfrm>
+            <a:off x="312708" y="167132"/>
+            <a:ext cx="4216160" cy="3416320"/>
+          </a:xfrm>
+          <a:prstGeom prst="rect">
+            <a:avLst/>
+          </a:prstGeom>
+          <a:noFill/>
+        </p:spPr>
+        <p:txBody>
+          <a:bodyPr wrap="square">
+            <a:spAutoFit/>
+          </a:bodyPr>
+          <a:lstStyle/>
+          <a:p>
+            <a:r>
+              <a:rPr lang="en" altLang="ko-Kore-KR" dirty="0">
+                <a:latin typeface="DM Mono" panose="020B0509040201040103" pitchFamily="49" charset="0"/>
+              </a:rPr>
+              <a:t>void </a:t>
+            </a:r>
+            <a:r>
+              <a:rPr lang="en" altLang="ko-Kore-KR" dirty="0" err="1">
+                <a:latin typeface="DM Mono" panose="020B0509040201040103" pitchFamily="49" charset="0"/>
+              </a:rPr>
+              <a:t>inc</a:t>
+            </a:r>
+            <a:r>
+              <a:rPr lang="en" altLang="ko-Kore-KR" dirty="0">
+                <a:latin typeface="DM Mono" panose="020B0509040201040103" pitchFamily="49" charset="0"/>
+              </a:rPr>
+              <a:t>(int n)</a:t>
+            </a:r>
+          </a:p>
+          <a:p>
+            <a:r>
+              <a:rPr lang="en" altLang="ko-Kore-KR" dirty="0">
+                <a:latin typeface="DM Mono" panose="020B0509040201040103" pitchFamily="49" charset="0"/>
+              </a:rPr>
+              <a:t>{</a:t>
+            </a:r>
+          </a:p>
+          <a:p>
+            <a:r>
+              <a:rPr lang="en" altLang="ko-Kore-KR" dirty="0">
+                <a:solidFill>
+                  <a:srgbClr val="FF0000"/>
+                </a:solidFill>
+                <a:latin typeface="DM Mono" panose="020B0509040201040103" pitchFamily="49" charset="0"/>
+              </a:rPr>
+              <a:t>  n += 1;</a:t>
+            </a:r>
+          </a:p>
+          <a:p>
+            <a:r>
+              <a:rPr lang="en" altLang="ko-Kore-KR" dirty="0">
+                <a:latin typeface="DM Mono" panose="020B0509040201040103" pitchFamily="49" charset="0"/>
+              </a:rPr>
+              <a:t>}</a:t>
+            </a:r>
+          </a:p>
+          <a:p>
+            <a:endParaRPr lang="en" altLang="ko-Kore-KR" dirty="0">
+              <a:latin typeface="DM Mono" panose="020B0509040201040103" pitchFamily="49" charset="0"/>
+            </a:endParaRPr>
+          </a:p>
+          <a:p>
+            <a:r>
+              <a:rPr lang="en" altLang="ko-Kore-KR" dirty="0">
+                <a:latin typeface="DM Mono" panose="020B0509040201040103" pitchFamily="49" charset="0"/>
+              </a:rPr>
+              <a:t>int main(void)</a:t>
+            </a:r>
+          </a:p>
+          <a:p>
+            <a:r>
+              <a:rPr lang="en" altLang="ko-Kore-KR" dirty="0">
+                <a:latin typeface="DM Mono" panose="020B0509040201040103" pitchFamily="49" charset="0"/>
+              </a:rPr>
+              <a:t>{</a:t>
+            </a:r>
+          </a:p>
+          <a:p>
+            <a:r>
+              <a:rPr lang="en" altLang="ko-Kore-KR" dirty="0">
+                <a:latin typeface="DM Mono" panose="020B0509040201040103" pitchFamily="49" charset="0"/>
+              </a:rPr>
+              <a:t>  int n = 0;</a:t>
+            </a:r>
+          </a:p>
+          <a:p>
+            <a:r>
+              <a:rPr lang="en" altLang="ko-Kore-KR" dirty="0">
+                <a:latin typeface="DM Mono" panose="020B0509040201040103" pitchFamily="49" charset="0"/>
+              </a:rPr>
+              <a:t>  </a:t>
+            </a:r>
+            <a:r>
+              <a:rPr lang="en" altLang="ko-Kore-KR" dirty="0" err="1">
+                <a:latin typeface="DM Mono" panose="020B0509040201040103" pitchFamily="49" charset="0"/>
+              </a:rPr>
+              <a:t>inc</a:t>
+            </a:r>
+            <a:r>
+              <a:rPr lang="en" altLang="ko-Kore-KR" dirty="0">
+                <a:latin typeface="DM Mono" panose="020B0509040201040103" pitchFamily="49" charset="0"/>
+              </a:rPr>
+              <a:t>(n);</a:t>
+            </a:r>
+          </a:p>
+          <a:p>
+            <a:endParaRPr lang="en" altLang="ko-Kore-KR" dirty="0">
+              <a:latin typeface="DM Mono" panose="020B0509040201040103" pitchFamily="49" charset="0"/>
+            </a:endParaRPr>
+          </a:p>
+          <a:p>
+            <a:r>
+              <a:rPr lang="en" altLang="ko-Kore-KR" dirty="0">
+                <a:latin typeface="DM Mono" panose="020B0509040201040103" pitchFamily="49" charset="0"/>
+              </a:rPr>
+              <a:t>  return 0;</a:t>
+            </a:r>
+          </a:p>
+          <a:p>
+            <a:r>
+              <a:rPr lang="en" altLang="ko-Kore-KR" dirty="0">
+                <a:latin typeface="DM Mono" panose="020B0509040201040103" pitchFamily="49" charset="0"/>
+              </a:rPr>
+              <a:t>}</a:t>
+            </a:r>
+            <a:endParaRPr lang="ko-Kore-KR" altLang="en-US" dirty="0">
+              <a:latin typeface="DM Mono" panose="020B0509040201040103" pitchFamily="49" charset="0"/>
+            </a:endParaRPr>
+          </a:p>
+        </p:txBody>
+      </p:sp>
+      <p:sp>
+        <p:nvSpPr>
+          <p:cNvPr id="8" name="직사각형 7">
+            <a:extLst>
+              <a:ext uri="{FF2B5EF4-FFF2-40B4-BE49-F238E27FC236}">
+                <a16:creationId xmlns:a16="http://schemas.microsoft.com/office/drawing/2014/main" id="{C09D5634-6E46-BCCC-ACFE-D4342B76E019}"/>
+              </a:ext>
+            </a:extLst>
+          </p:cNvPr>
+          <p:cNvSpPr/>
+          <p:nvPr/>
+        </p:nvSpPr>
+        <p:spPr>
+          <a:xfrm>
+            <a:off x="4528868" y="2525957"/>
+            <a:ext cx="925906" cy="447790"/>
+          </a:xfrm>
+          <a:prstGeom prst="rect">
+            <a:avLst/>
+          </a:prstGeom>
+          <a:solidFill>
+            <a:srgbClr val="FFFF00"/>
+          </a:solidFill>
+        </p:spPr>
+        <p:style>
+          <a:lnRef idx="2">
+            <a:schemeClr val="accent1">
+              <a:shade val="50000"/>
+            </a:schemeClr>
+          </a:lnRef>
+          <a:fillRef idx="1">
+            <a:schemeClr val="accent1"/>
+          </a:fillRef>
+          <a:effectRef idx="0">
+            <a:schemeClr val="accent1"/>
+          </a:effectRef>
+          <a:fontRef idx="minor">
+            <a:schemeClr val="lt1"/>
+          </a:fontRef>
+        </p:style>
+        <p:txBody>
+          <a:bodyPr rtlCol="0" anchor="ctr"/>
+          <a:lstStyle/>
+          <a:p>
+            <a:pPr algn="ctr"/>
+            <a:r>
+              <a:rPr kumimoji="1" lang="en-US" altLang="ko-Kore-KR" dirty="0">
+                <a:solidFill>
+                  <a:schemeClr val="tx1"/>
+                </a:solidFill>
+              </a:rPr>
+              <a:t>0</a:t>
+            </a:r>
+            <a:endParaRPr kumimoji="1" lang="ko-Kore-KR" altLang="en-US" dirty="0">
+              <a:solidFill>
+                <a:schemeClr val="tx1"/>
+              </a:solidFill>
+            </a:endParaRPr>
+          </a:p>
+        </p:txBody>
+      </p:sp>
+      <p:sp>
+        <p:nvSpPr>
+          <p:cNvPr id="10" name="TextBox 9">
+            <a:extLst>
+              <a:ext uri="{FF2B5EF4-FFF2-40B4-BE49-F238E27FC236}">
+                <a16:creationId xmlns:a16="http://schemas.microsoft.com/office/drawing/2014/main" id="{E76243F8-A2B2-93BF-66A9-CE2936F73E5D}"/>
+              </a:ext>
+            </a:extLst>
+          </p:cNvPr>
+          <p:cNvSpPr txBox="1"/>
+          <p:nvPr/>
+        </p:nvSpPr>
+        <p:spPr>
+          <a:xfrm>
+            <a:off x="4194595" y="2604415"/>
+            <a:ext cx="377406" cy="369332"/>
+          </a:xfrm>
+          <a:prstGeom prst="rect">
+            <a:avLst/>
+          </a:prstGeom>
+          <a:noFill/>
+        </p:spPr>
+        <p:txBody>
+          <a:bodyPr wrap="square">
+            <a:spAutoFit/>
+          </a:bodyPr>
+          <a:lstStyle/>
+          <a:p>
+            <a:r>
+              <a:rPr lang="en" altLang="ko-Kore-KR" dirty="0">
+                <a:latin typeface="DM Mono" panose="020B0509040201040103" pitchFamily="49" charset="0"/>
+              </a:rPr>
+              <a:t>n</a:t>
+            </a:r>
+            <a:endParaRPr lang="ko-Kore-KR" altLang="en-US" dirty="0"/>
+          </a:p>
+        </p:txBody>
+      </p:sp>
+      <p:sp>
+        <p:nvSpPr>
+          <p:cNvPr id="13" name="TextBox 12">
+            <a:extLst>
+              <a:ext uri="{FF2B5EF4-FFF2-40B4-BE49-F238E27FC236}">
+                <a16:creationId xmlns:a16="http://schemas.microsoft.com/office/drawing/2014/main" id="{3F32D814-AF37-5853-34B2-912159DBA7DD}"/>
+              </a:ext>
+            </a:extLst>
+          </p:cNvPr>
+          <p:cNvSpPr txBox="1"/>
+          <p:nvPr/>
+        </p:nvSpPr>
+        <p:spPr>
+          <a:xfrm>
+            <a:off x="4841931" y="1713102"/>
+            <a:ext cx="808727" cy="369332"/>
+          </a:xfrm>
+          <a:prstGeom prst="rect">
+            <a:avLst/>
+          </a:prstGeom>
+          <a:noFill/>
+        </p:spPr>
+        <p:txBody>
+          <a:bodyPr wrap="square">
+            <a:spAutoFit/>
+          </a:bodyPr>
+          <a:lstStyle/>
+          <a:p>
+            <a:r>
+              <a:rPr lang="en" altLang="ko-Kore-KR" dirty="0">
+                <a:latin typeface="DM Mono" panose="020B0509040201040103" pitchFamily="49" charset="0"/>
+              </a:rPr>
+              <a:t>main</a:t>
+            </a:r>
+            <a:endParaRPr lang="ko-Kore-KR" altLang="en-US" dirty="0"/>
+          </a:p>
+        </p:txBody>
+      </p:sp>
+      <p:sp>
+        <p:nvSpPr>
+          <p:cNvPr id="2" name="직사각형 1">
+            <a:extLst>
+              <a:ext uri="{FF2B5EF4-FFF2-40B4-BE49-F238E27FC236}">
+                <a16:creationId xmlns:a16="http://schemas.microsoft.com/office/drawing/2014/main" id="{8FF68C8F-BA24-0B96-5E1E-83FC0CFF7727}"/>
+              </a:ext>
+            </a:extLst>
+          </p:cNvPr>
+          <p:cNvSpPr/>
+          <p:nvPr/>
+        </p:nvSpPr>
+        <p:spPr>
+          <a:xfrm>
+            <a:off x="7538777" y="818653"/>
+            <a:ext cx="3344182" cy="2527561"/>
+          </a:xfrm>
+          <a:prstGeom prst="rect">
+            <a:avLst/>
+          </a:prstGeom>
+        </p:spPr>
+        <p:style>
+          <a:lnRef idx="2">
+            <a:schemeClr val="dk1"/>
+          </a:lnRef>
+          <a:fillRef idx="1">
+            <a:schemeClr val="lt1"/>
+          </a:fillRef>
+          <a:effectRef idx="0">
+            <a:schemeClr val="dk1"/>
+          </a:effectRef>
+          <a:fontRef idx="minor">
+            <a:schemeClr val="dk1"/>
+          </a:fontRef>
+        </p:style>
+        <p:txBody>
+          <a:bodyPr rtlCol="0" anchor="ctr"/>
+          <a:lstStyle/>
+          <a:p>
+            <a:pPr algn="ctr"/>
+            <a:endParaRPr kumimoji="1" lang="ko-Kore-KR" altLang="en-US" dirty="0">
+              <a:solidFill>
+                <a:schemeClr val="tx1"/>
+              </a:solidFill>
+            </a:endParaRPr>
+          </a:p>
+        </p:txBody>
+      </p:sp>
+      <p:sp>
+        <p:nvSpPr>
+          <p:cNvPr id="4" name="TextBox 3">
+            <a:extLst>
+              <a:ext uri="{FF2B5EF4-FFF2-40B4-BE49-F238E27FC236}">
+                <a16:creationId xmlns:a16="http://schemas.microsoft.com/office/drawing/2014/main" id="{949269B6-5496-E9AA-5C06-1F3EFB1586ED}"/>
+              </a:ext>
+            </a:extLst>
+          </p:cNvPr>
+          <p:cNvSpPr txBox="1"/>
+          <p:nvPr/>
+        </p:nvSpPr>
+        <p:spPr>
+          <a:xfrm>
+            <a:off x="8905708" y="449321"/>
+            <a:ext cx="610319" cy="369332"/>
+          </a:xfrm>
+          <a:prstGeom prst="rect">
+            <a:avLst/>
+          </a:prstGeom>
+          <a:noFill/>
+        </p:spPr>
+        <p:txBody>
+          <a:bodyPr wrap="square">
+            <a:spAutoFit/>
+          </a:bodyPr>
+          <a:lstStyle/>
+          <a:p>
+            <a:r>
+              <a:rPr lang="en" altLang="ko-Kore-KR" dirty="0" err="1">
+                <a:latin typeface="DM Mono" panose="020B0509040201040103" pitchFamily="49" charset="0"/>
+              </a:rPr>
+              <a:t>inc</a:t>
+            </a:r>
+            <a:endParaRPr lang="ko-Kore-KR" altLang="en-US" dirty="0"/>
+          </a:p>
+        </p:txBody>
+      </p:sp>
+      <p:sp>
+        <p:nvSpPr>
+          <p:cNvPr id="5" name="직사각형 4">
+            <a:extLst>
+              <a:ext uri="{FF2B5EF4-FFF2-40B4-BE49-F238E27FC236}">
+                <a16:creationId xmlns:a16="http://schemas.microsoft.com/office/drawing/2014/main" id="{232F60EC-C84F-66ED-AAF4-E350F5419507}"/>
+              </a:ext>
+            </a:extLst>
+          </p:cNvPr>
+          <p:cNvSpPr/>
+          <p:nvPr/>
+        </p:nvSpPr>
+        <p:spPr>
+          <a:xfrm>
+            <a:off x="8754028" y="964090"/>
+            <a:ext cx="925906" cy="447790"/>
+          </a:xfrm>
+          <a:prstGeom prst="rect">
+            <a:avLst/>
+          </a:prstGeom>
+          <a:solidFill>
+            <a:srgbClr val="FFFF00"/>
+          </a:solidFill>
+        </p:spPr>
+        <p:style>
+          <a:lnRef idx="2">
+            <a:schemeClr val="accent1">
+              <a:shade val="50000"/>
+            </a:schemeClr>
+          </a:lnRef>
+          <a:fillRef idx="1">
+            <a:schemeClr val="accent1"/>
+          </a:fillRef>
+          <a:effectRef idx="0">
+            <a:schemeClr val="accent1"/>
+          </a:effectRef>
+          <a:fontRef idx="minor">
+            <a:schemeClr val="lt1"/>
+          </a:fontRef>
+        </p:style>
+        <p:txBody>
+          <a:bodyPr rtlCol="0" anchor="ctr"/>
+          <a:lstStyle/>
+          <a:p>
+            <a:pPr algn="ctr"/>
+            <a:r>
+              <a:rPr kumimoji="1" lang="en-US" altLang="ko-Kore-KR" dirty="0">
+                <a:solidFill>
+                  <a:srgbClr val="FF0000"/>
+                </a:solidFill>
+              </a:rPr>
+              <a:t>1</a:t>
+            </a:r>
+            <a:endParaRPr kumimoji="1" lang="ko-Kore-KR" altLang="en-US" dirty="0">
+              <a:solidFill>
+                <a:srgbClr val="FF0000"/>
+              </a:solidFill>
+            </a:endParaRPr>
+          </a:p>
+        </p:txBody>
+      </p:sp>
+      <p:sp>
+        <p:nvSpPr>
+          <p:cNvPr id="6" name="TextBox 5">
+            <a:extLst>
+              <a:ext uri="{FF2B5EF4-FFF2-40B4-BE49-F238E27FC236}">
+                <a16:creationId xmlns:a16="http://schemas.microsoft.com/office/drawing/2014/main" id="{FA9860FD-061E-F3D6-400C-856823535F4C}"/>
+              </a:ext>
+            </a:extLst>
+          </p:cNvPr>
+          <p:cNvSpPr txBox="1"/>
+          <p:nvPr/>
+        </p:nvSpPr>
+        <p:spPr>
+          <a:xfrm>
+            <a:off x="8426597" y="1003319"/>
+            <a:ext cx="377406" cy="369332"/>
+          </a:xfrm>
+          <a:prstGeom prst="rect">
+            <a:avLst/>
+          </a:prstGeom>
+          <a:noFill/>
+        </p:spPr>
+        <p:txBody>
+          <a:bodyPr wrap="square">
+            <a:spAutoFit/>
+          </a:bodyPr>
+          <a:lstStyle/>
+          <a:p>
+            <a:r>
+              <a:rPr lang="en" altLang="ko-Kore-KR" dirty="0">
+                <a:latin typeface="DM Mono" panose="020B0509040201040103" pitchFamily="49" charset="0"/>
+              </a:rPr>
+              <a:t>n</a:t>
+            </a:r>
+            <a:endParaRPr lang="ko-Kore-KR" altLang="en-US" dirty="0"/>
+          </a:p>
+        </p:txBody>
+      </p:sp>
+    </p:spTree>
+    <p:extLst>
+      <p:ext uri="{BB962C8B-B14F-4D97-AF65-F5344CB8AC3E}">
+        <p14:creationId xmlns:p14="http://schemas.microsoft.com/office/powerpoint/2010/main" val="580402357"/>
+      </p:ext>
+    </p:extLst>
+  </p:cSld>
+  <p:clrMapOvr>
+    <a:masterClrMapping/>
+  </p:clrMapOvr>
+</p:sld>
+</file>
+
+<file path=ppt/slides/slide15.xml><?xml version="1.0" encoding="utf-8"?>
+<p:sld xmlns:a="http://schemas.openxmlformats.org/drawingml/2006/main" xmlns:r="http://schemas.openxmlformats.org/officeDocument/2006/relationships" xmlns:p="http://schemas.openxmlformats.org/presentationml/2006/main">
+  <p:cSld>
+    <p:spTree>
+      <p:nvGrpSpPr>
+        <p:cNvPr id="1" name=""/>
+        <p:cNvGrpSpPr/>
+        <p:nvPr/>
+      </p:nvGrpSpPr>
+      <p:grpSpPr>
+        <a:xfrm>
+          <a:off x="0" y="0"/>
+          <a:ext cx="0" cy="0"/>
+          <a:chOff x="0" y="0"/>
+          <a:chExt cx="0" cy="0"/>
+        </a:xfrm>
+      </p:grpSpPr>
+      <p:sp>
+        <p:nvSpPr>
+          <p:cNvPr id="11" name="직사각형 10">
+            <a:extLst>
+              <a:ext uri="{FF2B5EF4-FFF2-40B4-BE49-F238E27FC236}">
+                <a16:creationId xmlns:a16="http://schemas.microsoft.com/office/drawing/2014/main" id="{8516691B-303A-2280-D5D6-599FA628E6C0}"/>
+              </a:ext>
+            </a:extLst>
+          </p:cNvPr>
+          <p:cNvSpPr/>
+          <p:nvPr/>
+        </p:nvSpPr>
+        <p:spPr>
+          <a:xfrm>
+            <a:off x="3574204" y="2087571"/>
+            <a:ext cx="3344182" cy="2527561"/>
+          </a:xfrm>
+          <a:prstGeom prst="rect">
+            <a:avLst/>
+          </a:prstGeom>
+        </p:spPr>
+        <p:style>
+          <a:lnRef idx="2">
+            <a:schemeClr val="dk1"/>
+          </a:lnRef>
+          <a:fillRef idx="1">
+            <a:schemeClr val="lt1"/>
+          </a:fillRef>
+          <a:effectRef idx="0">
+            <a:schemeClr val="dk1"/>
+          </a:effectRef>
+          <a:fontRef idx="minor">
+            <a:schemeClr val="dk1"/>
+          </a:fontRef>
+        </p:style>
+        <p:txBody>
+          <a:bodyPr rtlCol="0" anchor="ctr"/>
+          <a:lstStyle/>
+          <a:p>
+            <a:pPr algn="ctr"/>
+            <a:endParaRPr kumimoji="1" lang="ko-Kore-KR" altLang="en-US" dirty="0">
+              <a:solidFill>
+                <a:schemeClr val="tx1"/>
+              </a:solidFill>
+            </a:endParaRPr>
+          </a:p>
+        </p:txBody>
+      </p:sp>
+      <p:sp>
+        <p:nvSpPr>
+          <p:cNvPr id="7" name="TextBox 6">
+            <a:extLst>
+              <a:ext uri="{FF2B5EF4-FFF2-40B4-BE49-F238E27FC236}">
+                <a16:creationId xmlns:a16="http://schemas.microsoft.com/office/drawing/2014/main" id="{11732E1E-F070-FB47-5716-E2DE052D63A9}"/>
+              </a:ext>
+            </a:extLst>
+          </p:cNvPr>
+          <p:cNvSpPr txBox="1"/>
+          <p:nvPr/>
+        </p:nvSpPr>
+        <p:spPr>
+          <a:xfrm>
+            <a:off x="312708" y="167132"/>
+            <a:ext cx="4216160" cy="3416320"/>
+          </a:xfrm>
+          <a:prstGeom prst="rect">
+            <a:avLst/>
+          </a:prstGeom>
+          <a:noFill/>
+        </p:spPr>
+        <p:txBody>
+          <a:bodyPr wrap="square">
+            <a:spAutoFit/>
+          </a:bodyPr>
+          <a:lstStyle/>
+          <a:p>
+            <a:r>
+              <a:rPr lang="en" altLang="ko-Kore-KR" dirty="0">
+                <a:latin typeface="DM Mono" panose="020B0509040201040103" pitchFamily="49" charset="0"/>
+              </a:rPr>
+              <a:t>void </a:t>
+            </a:r>
+            <a:r>
+              <a:rPr lang="en" altLang="ko-Kore-KR" dirty="0" err="1">
+                <a:latin typeface="DM Mono" panose="020B0509040201040103" pitchFamily="49" charset="0"/>
+              </a:rPr>
+              <a:t>inc</a:t>
+            </a:r>
+            <a:r>
+              <a:rPr lang="en" altLang="ko-Kore-KR" dirty="0">
+                <a:latin typeface="DM Mono" panose="020B0509040201040103" pitchFamily="49" charset="0"/>
+              </a:rPr>
+              <a:t>(int n)</a:t>
+            </a:r>
+          </a:p>
+          <a:p>
+            <a:r>
+              <a:rPr lang="en" altLang="ko-Kore-KR" dirty="0">
+                <a:latin typeface="DM Mono" panose="020B0509040201040103" pitchFamily="49" charset="0"/>
+              </a:rPr>
+              <a:t>{</a:t>
+            </a:r>
+          </a:p>
+          <a:p>
+            <a:r>
+              <a:rPr lang="en" altLang="ko-Kore-KR" dirty="0">
+                <a:solidFill>
+                  <a:srgbClr val="FF0000"/>
+                </a:solidFill>
+                <a:latin typeface="DM Mono" panose="020B0509040201040103" pitchFamily="49" charset="0"/>
+              </a:rPr>
+              <a:t>  n += 1;</a:t>
+            </a:r>
+          </a:p>
+          <a:p>
+            <a:r>
+              <a:rPr lang="en" altLang="ko-Kore-KR" dirty="0">
+                <a:latin typeface="DM Mono" panose="020B0509040201040103" pitchFamily="49" charset="0"/>
+              </a:rPr>
+              <a:t>}</a:t>
+            </a:r>
+          </a:p>
+          <a:p>
+            <a:endParaRPr lang="en" altLang="ko-Kore-KR" dirty="0">
+              <a:latin typeface="DM Mono" panose="020B0509040201040103" pitchFamily="49" charset="0"/>
+            </a:endParaRPr>
+          </a:p>
+          <a:p>
+            <a:r>
+              <a:rPr lang="en" altLang="ko-Kore-KR" dirty="0">
+                <a:latin typeface="DM Mono" panose="020B0509040201040103" pitchFamily="49" charset="0"/>
+              </a:rPr>
+              <a:t>int main(void)</a:t>
+            </a:r>
+          </a:p>
+          <a:p>
+            <a:r>
+              <a:rPr lang="en" altLang="ko-Kore-KR" dirty="0">
+                <a:latin typeface="DM Mono" panose="020B0509040201040103" pitchFamily="49" charset="0"/>
+              </a:rPr>
+              <a:t>{</a:t>
+            </a:r>
+          </a:p>
+          <a:p>
+            <a:r>
+              <a:rPr lang="en" altLang="ko-Kore-KR" dirty="0">
+                <a:latin typeface="DM Mono" panose="020B0509040201040103" pitchFamily="49" charset="0"/>
+              </a:rPr>
+              <a:t>  int n = 0;</a:t>
+            </a:r>
+          </a:p>
+          <a:p>
+            <a:r>
+              <a:rPr lang="en" altLang="ko-Kore-KR" dirty="0">
+                <a:latin typeface="DM Mono" panose="020B0509040201040103" pitchFamily="49" charset="0"/>
+              </a:rPr>
+              <a:t>  </a:t>
+            </a:r>
+            <a:r>
+              <a:rPr lang="en" altLang="ko-Kore-KR" dirty="0" err="1">
+                <a:latin typeface="DM Mono" panose="020B0509040201040103" pitchFamily="49" charset="0"/>
+              </a:rPr>
+              <a:t>inc</a:t>
+            </a:r>
+            <a:r>
+              <a:rPr lang="en" altLang="ko-Kore-KR" dirty="0">
+                <a:latin typeface="DM Mono" panose="020B0509040201040103" pitchFamily="49" charset="0"/>
+              </a:rPr>
+              <a:t>(n);</a:t>
+            </a:r>
+          </a:p>
+          <a:p>
+            <a:endParaRPr lang="en" altLang="ko-Kore-KR" dirty="0">
+              <a:latin typeface="DM Mono" panose="020B0509040201040103" pitchFamily="49" charset="0"/>
+            </a:endParaRPr>
+          </a:p>
+          <a:p>
+            <a:r>
+              <a:rPr lang="en" altLang="ko-Kore-KR" dirty="0">
+                <a:latin typeface="DM Mono" panose="020B0509040201040103" pitchFamily="49" charset="0"/>
+              </a:rPr>
+              <a:t>  return 0;</a:t>
+            </a:r>
+          </a:p>
+          <a:p>
+            <a:r>
+              <a:rPr lang="en" altLang="ko-Kore-KR" dirty="0">
+                <a:latin typeface="DM Mono" panose="020B0509040201040103" pitchFamily="49" charset="0"/>
+              </a:rPr>
+              <a:t>}</a:t>
+            </a:r>
+            <a:endParaRPr lang="ko-Kore-KR" altLang="en-US" dirty="0">
+              <a:latin typeface="DM Mono" panose="020B0509040201040103" pitchFamily="49" charset="0"/>
+            </a:endParaRPr>
+          </a:p>
+        </p:txBody>
+      </p:sp>
+      <p:sp>
+        <p:nvSpPr>
+          <p:cNvPr id="8" name="직사각형 7">
+            <a:extLst>
+              <a:ext uri="{FF2B5EF4-FFF2-40B4-BE49-F238E27FC236}">
+                <a16:creationId xmlns:a16="http://schemas.microsoft.com/office/drawing/2014/main" id="{C09D5634-6E46-BCCC-ACFE-D4342B76E019}"/>
+              </a:ext>
+            </a:extLst>
+          </p:cNvPr>
+          <p:cNvSpPr/>
+          <p:nvPr/>
+        </p:nvSpPr>
+        <p:spPr>
+          <a:xfrm>
+            <a:off x="4528868" y="2525957"/>
+            <a:ext cx="925906" cy="447790"/>
+          </a:xfrm>
+          <a:prstGeom prst="rect">
+            <a:avLst/>
+          </a:prstGeom>
+          <a:solidFill>
+            <a:srgbClr val="FFFF00"/>
+          </a:solidFill>
+        </p:spPr>
+        <p:style>
+          <a:lnRef idx="2">
+            <a:schemeClr val="accent1">
+              <a:shade val="50000"/>
+            </a:schemeClr>
+          </a:lnRef>
+          <a:fillRef idx="1">
+            <a:schemeClr val="accent1"/>
+          </a:fillRef>
+          <a:effectRef idx="0">
+            <a:schemeClr val="accent1"/>
+          </a:effectRef>
+          <a:fontRef idx="minor">
+            <a:schemeClr val="lt1"/>
+          </a:fontRef>
+        </p:style>
+        <p:txBody>
+          <a:bodyPr rtlCol="0" anchor="ctr"/>
+          <a:lstStyle/>
+          <a:p>
+            <a:pPr algn="ctr"/>
+            <a:r>
+              <a:rPr kumimoji="1" lang="en-US" altLang="ko-Kore-KR" dirty="0">
+                <a:solidFill>
+                  <a:schemeClr val="tx1"/>
+                </a:solidFill>
+              </a:rPr>
+              <a:t>0</a:t>
+            </a:r>
+            <a:endParaRPr kumimoji="1" lang="ko-Kore-KR" altLang="en-US" dirty="0">
+              <a:solidFill>
+                <a:schemeClr val="tx1"/>
+              </a:solidFill>
+            </a:endParaRPr>
+          </a:p>
+        </p:txBody>
+      </p:sp>
+      <p:sp>
+        <p:nvSpPr>
+          <p:cNvPr id="10" name="TextBox 9">
+            <a:extLst>
+              <a:ext uri="{FF2B5EF4-FFF2-40B4-BE49-F238E27FC236}">
+                <a16:creationId xmlns:a16="http://schemas.microsoft.com/office/drawing/2014/main" id="{E76243F8-A2B2-93BF-66A9-CE2936F73E5D}"/>
+              </a:ext>
+            </a:extLst>
+          </p:cNvPr>
+          <p:cNvSpPr txBox="1"/>
+          <p:nvPr/>
+        </p:nvSpPr>
+        <p:spPr>
+          <a:xfrm>
+            <a:off x="4194595" y="2604415"/>
+            <a:ext cx="377406" cy="369332"/>
+          </a:xfrm>
+          <a:prstGeom prst="rect">
+            <a:avLst/>
+          </a:prstGeom>
+          <a:noFill/>
+        </p:spPr>
+        <p:txBody>
+          <a:bodyPr wrap="square">
+            <a:spAutoFit/>
+          </a:bodyPr>
+          <a:lstStyle/>
+          <a:p>
+            <a:r>
+              <a:rPr lang="en" altLang="ko-Kore-KR" dirty="0">
+                <a:latin typeface="DM Mono" panose="020B0509040201040103" pitchFamily="49" charset="0"/>
+              </a:rPr>
+              <a:t>n</a:t>
+            </a:r>
+            <a:endParaRPr lang="ko-Kore-KR" altLang="en-US" dirty="0"/>
+          </a:p>
+        </p:txBody>
+      </p:sp>
+      <p:sp>
+        <p:nvSpPr>
+          <p:cNvPr id="13" name="TextBox 12">
+            <a:extLst>
+              <a:ext uri="{FF2B5EF4-FFF2-40B4-BE49-F238E27FC236}">
+                <a16:creationId xmlns:a16="http://schemas.microsoft.com/office/drawing/2014/main" id="{3F32D814-AF37-5853-34B2-912159DBA7DD}"/>
+              </a:ext>
+            </a:extLst>
+          </p:cNvPr>
+          <p:cNvSpPr txBox="1"/>
+          <p:nvPr/>
+        </p:nvSpPr>
+        <p:spPr>
+          <a:xfrm>
+            <a:off x="4841931" y="1713102"/>
+            <a:ext cx="808727" cy="369332"/>
+          </a:xfrm>
+          <a:prstGeom prst="rect">
+            <a:avLst/>
+          </a:prstGeom>
+          <a:noFill/>
+        </p:spPr>
+        <p:txBody>
+          <a:bodyPr wrap="square">
+            <a:spAutoFit/>
+          </a:bodyPr>
+          <a:lstStyle/>
+          <a:p>
+            <a:r>
+              <a:rPr lang="en" altLang="ko-Kore-KR" dirty="0">
+                <a:latin typeface="DM Mono" panose="020B0509040201040103" pitchFamily="49" charset="0"/>
+              </a:rPr>
+              <a:t>main</a:t>
+            </a:r>
+            <a:endParaRPr lang="ko-Kore-KR" altLang="en-US" dirty="0"/>
+          </a:p>
+        </p:txBody>
+      </p:sp>
+    </p:spTree>
+    <p:extLst>
+      <p:ext uri="{BB962C8B-B14F-4D97-AF65-F5344CB8AC3E}">
+        <p14:creationId xmlns:p14="http://schemas.microsoft.com/office/powerpoint/2010/main" val="1358359613"/>
+      </p:ext>
+    </p:extLst>
+  </p:cSld>
+  <p:clrMapOvr>
+    <a:masterClrMapping/>
+  </p:clrMapOvr>
+</p:sld>
+</file>
+
+<file path=ppt/slides/slide16.xml><?xml version="1.0" encoding="utf-8"?>
+<p:sld xmlns:a="http://schemas.openxmlformats.org/drawingml/2006/main" xmlns:r="http://schemas.openxmlformats.org/officeDocument/2006/relationships" xmlns:p="http://schemas.openxmlformats.org/presentationml/2006/main">
+  <p:cSld>
+    <p:spTree>
+      <p:nvGrpSpPr>
+        <p:cNvPr id="1" name=""/>
+        <p:cNvGrpSpPr/>
+        <p:nvPr/>
+      </p:nvGrpSpPr>
+      <p:grpSpPr>
+        <a:xfrm>
+          <a:off x="0" y="0"/>
+          <a:ext cx="0" cy="0"/>
+          <a:chOff x="0" y="0"/>
+          <a:chExt cx="0" cy="0"/>
+        </a:xfrm>
+      </p:grpSpPr>
+      <p:sp>
+        <p:nvSpPr>
+          <p:cNvPr id="11" name="직사각형 10">
+            <a:extLst>
+              <a:ext uri="{FF2B5EF4-FFF2-40B4-BE49-F238E27FC236}">
+                <a16:creationId xmlns:a16="http://schemas.microsoft.com/office/drawing/2014/main" id="{8516691B-303A-2280-D5D6-599FA628E6C0}"/>
+              </a:ext>
+            </a:extLst>
+          </p:cNvPr>
+          <p:cNvSpPr/>
+          <p:nvPr/>
+        </p:nvSpPr>
+        <p:spPr>
+          <a:xfrm>
+            <a:off x="4057283" y="2165219"/>
+            <a:ext cx="3344182" cy="2527561"/>
+          </a:xfrm>
+          <a:prstGeom prst="rect">
+            <a:avLst/>
+          </a:prstGeom>
+        </p:spPr>
+        <p:style>
+          <a:lnRef idx="2">
+            <a:schemeClr val="dk1"/>
+          </a:lnRef>
+          <a:fillRef idx="1">
+            <a:schemeClr val="lt1"/>
+          </a:fillRef>
+          <a:effectRef idx="0">
+            <a:schemeClr val="dk1"/>
+          </a:effectRef>
+          <a:fontRef idx="minor">
+            <a:schemeClr val="dk1"/>
+          </a:fontRef>
+        </p:style>
+        <p:txBody>
+          <a:bodyPr rtlCol="0" anchor="ctr"/>
+          <a:lstStyle/>
+          <a:p>
+            <a:pPr algn="ctr"/>
+            <a:endParaRPr kumimoji="1" lang="ko-Kore-KR" altLang="en-US" dirty="0">
+              <a:solidFill>
+                <a:schemeClr val="tx1"/>
+              </a:solidFill>
+            </a:endParaRPr>
+          </a:p>
+        </p:txBody>
+      </p:sp>
+      <p:sp>
+        <p:nvSpPr>
+          <p:cNvPr id="7" name="TextBox 6">
+            <a:extLst>
+              <a:ext uri="{FF2B5EF4-FFF2-40B4-BE49-F238E27FC236}">
+                <a16:creationId xmlns:a16="http://schemas.microsoft.com/office/drawing/2014/main" id="{11732E1E-F070-FB47-5716-E2DE052D63A9}"/>
+              </a:ext>
+            </a:extLst>
+          </p:cNvPr>
+          <p:cNvSpPr txBox="1"/>
+          <p:nvPr/>
+        </p:nvSpPr>
+        <p:spPr>
+          <a:xfrm>
+            <a:off x="312708" y="167132"/>
+            <a:ext cx="4216160" cy="3416320"/>
+          </a:xfrm>
+          <a:prstGeom prst="rect">
+            <a:avLst/>
+          </a:prstGeom>
+          <a:noFill/>
+        </p:spPr>
+        <p:txBody>
+          <a:bodyPr wrap="square">
+            <a:spAutoFit/>
+          </a:bodyPr>
+          <a:lstStyle/>
+          <a:p>
+            <a:r>
+              <a:rPr lang="en" altLang="ko-Kore-KR" dirty="0">
+                <a:latin typeface="DM Mono" panose="020B0509040201040103" pitchFamily="49" charset="0"/>
+              </a:rPr>
+              <a:t>void </a:t>
+            </a:r>
+            <a:r>
+              <a:rPr lang="en" altLang="ko-Kore-KR" dirty="0" err="1">
+                <a:latin typeface="DM Mono" panose="020B0509040201040103" pitchFamily="49" charset="0"/>
+              </a:rPr>
+              <a:t>inc</a:t>
+            </a:r>
+            <a:r>
+              <a:rPr lang="en" altLang="ko-Kore-KR" dirty="0">
+                <a:latin typeface="DM Mono" panose="020B0509040201040103" pitchFamily="49" charset="0"/>
+              </a:rPr>
+              <a:t>(int *n)</a:t>
+            </a:r>
+          </a:p>
+          <a:p>
+            <a:r>
+              <a:rPr lang="en" altLang="ko-Kore-KR" dirty="0">
+                <a:latin typeface="DM Mono" panose="020B0509040201040103" pitchFamily="49" charset="0"/>
+              </a:rPr>
+              <a:t>{</a:t>
+            </a:r>
+          </a:p>
+          <a:p>
+            <a:r>
+              <a:rPr lang="en" altLang="ko-Kore-KR" dirty="0">
+                <a:latin typeface="DM Mono" panose="020B0509040201040103" pitchFamily="49" charset="0"/>
+              </a:rPr>
+              <a:t>  *n += 1;</a:t>
+            </a:r>
+          </a:p>
+          <a:p>
+            <a:r>
+              <a:rPr lang="en" altLang="ko-Kore-KR" dirty="0">
+                <a:latin typeface="DM Mono" panose="020B0509040201040103" pitchFamily="49" charset="0"/>
+              </a:rPr>
+              <a:t>}</a:t>
+            </a:r>
+          </a:p>
+          <a:p>
+            <a:endParaRPr lang="en" altLang="ko-Kore-KR" dirty="0">
+              <a:latin typeface="DM Mono" panose="020B0509040201040103" pitchFamily="49" charset="0"/>
+            </a:endParaRPr>
+          </a:p>
+          <a:p>
+            <a:r>
+              <a:rPr lang="en" altLang="ko-Kore-KR" dirty="0">
+                <a:latin typeface="DM Mono" panose="020B0509040201040103" pitchFamily="49" charset="0"/>
+              </a:rPr>
+              <a:t>int main(void)</a:t>
+            </a:r>
+          </a:p>
+          <a:p>
+            <a:r>
+              <a:rPr lang="en" altLang="ko-Kore-KR" dirty="0">
+                <a:latin typeface="DM Mono" panose="020B0509040201040103" pitchFamily="49" charset="0"/>
+              </a:rPr>
+              <a:t>{</a:t>
+            </a:r>
+          </a:p>
+          <a:p>
+            <a:r>
+              <a:rPr lang="en" altLang="ko-Kore-KR" dirty="0">
+                <a:latin typeface="DM Mono" panose="020B0509040201040103" pitchFamily="49" charset="0"/>
+              </a:rPr>
+              <a:t>  int n = 0;</a:t>
+            </a:r>
+          </a:p>
+          <a:p>
+            <a:r>
+              <a:rPr lang="en" altLang="ko-Kore-KR" dirty="0">
+                <a:latin typeface="DM Mono" panose="020B0509040201040103" pitchFamily="49" charset="0"/>
+              </a:rPr>
+              <a:t>  </a:t>
+            </a:r>
+            <a:r>
+              <a:rPr lang="en" altLang="ko-Kore-KR" dirty="0" err="1">
+                <a:latin typeface="DM Mono" panose="020B0509040201040103" pitchFamily="49" charset="0"/>
+              </a:rPr>
+              <a:t>inc</a:t>
+            </a:r>
+            <a:r>
+              <a:rPr lang="en" altLang="ko-Kore-KR" dirty="0">
+                <a:latin typeface="DM Mono" panose="020B0509040201040103" pitchFamily="49" charset="0"/>
+              </a:rPr>
+              <a:t>(&amp;n);</a:t>
+            </a:r>
+          </a:p>
+          <a:p>
+            <a:endParaRPr lang="en" altLang="ko-Kore-KR" dirty="0">
+              <a:latin typeface="DM Mono" panose="020B0509040201040103" pitchFamily="49" charset="0"/>
+            </a:endParaRPr>
+          </a:p>
+          <a:p>
+            <a:r>
+              <a:rPr lang="en" altLang="ko-Kore-KR" dirty="0">
+                <a:latin typeface="DM Mono" panose="020B0509040201040103" pitchFamily="49" charset="0"/>
+              </a:rPr>
+              <a:t>  return 0;</a:t>
+            </a:r>
+          </a:p>
+          <a:p>
+            <a:r>
+              <a:rPr lang="en" altLang="ko-Kore-KR" dirty="0">
+                <a:latin typeface="DM Mono" panose="020B0509040201040103" pitchFamily="49" charset="0"/>
+              </a:rPr>
+              <a:t>}</a:t>
+            </a:r>
+            <a:endParaRPr lang="ko-Kore-KR" altLang="en-US" dirty="0">
+              <a:latin typeface="DM Mono" panose="020B0509040201040103" pitchFamily="49" charset="0"/>
+            </a:endParaRPr>
+          </a:p>
+        </p:txBody>
+      </p:sp>
+      <p:sp>
+        <p:nvSpPr>
+          <p:cNvPr id="8" name="직사각형 7">
+            <a:extLst>
+              <a:ext uri="{FF2B5EF4-FFF2-40B4-BE49-F238E27FC236}">
+                <a16:creationId xmlns:a16="http://schemas.microsoft.com/office/drawing/2014/main" id="{C09D5634-6E46-BCCC-ACFE-D4342B76E019}"/>
+              </a:ext>
+            </a:extLst>
+          </p:cNvPr>
+          <p:cNvSpPr/>
+          <p:nvPr/>
+        </p:nvSpPr>
+        <p:spPr>
+          <a:xfrm>
+            <a:off x="5011947" y="2603605"/>
+            <a:ext cx="925906" cy="447790"/>
+          </a:xfrm>
+          <a:prstGeom prst="rect">
+            <a:avLst/>
+          </a:prstGeom>
+          <a:solidFill>
+            <a:srgbClr val="FFFF00"/>
+          </a:solidFill>
+        </p:spPr>
+        <p:style>
+          <a:lnRef idx="2">
+            <a:schemeClr val="accent1">
+              <a:shade val="50000"/>
+            </a:schemeClr>
+          </a:lnRef>
+          <a:fillRef idx="1">
+            <a:schemeClr val="accent1"/>
+          </a:fillRef>
+          <a:effectRef idx="0">
+            <a:schemeClr val="accent1"/>
+          </a:effectRef>
+          <a:fontRef idx="minor">
+            <a:schemeClr val="lt1"/>
+          </a:fontRef>
+        </p:style>
+        <p:txBody>
+          <a:bodyPr rtlCol="0" anchor="ctr"/>
+          <a:lstStyle/>
+          <a:p>
+            <a:pPr algn="ctr"/>
+            <a:r>
+              <a:rPr kumimoji="1" lang="en-US" altLang="ko-Kore-KR" dirty="0">
+                <a:solidFill>
+                  <a:schemeClr val="tx1"/>
+                </a:solidFill>
+              </a:rPr>
+              <a:t>0</a:t>
+            </a:r>
+            <a:endParaRPr kumimoji="1" lang="ko-Kore-KR" altLang="en-US" dirty="0">
+              <a:solidFill>
+                <a:schemeClr val="tx1"/>
+              </a:solidFill>
+            </a:endParaRPr>
+          </a:p>
+        </p:txBody>
+      </p:sp>
+      <p:sp>
+        <p:nvSpPr>
+          <p:cNvPr id="10" name="TextBox 9">
+            <a:extLst>
+              <a:ext uri="{FF2B5EF4-FFF2-40B4-BE49-F238E27FC236}">
+                <a16:creationId xmlns:a16="http://schemas.microsoft.com/office/drawing/2014/main" id="{E76243F8-A2B2-93BF-66A9-CE2936F73E5D}"/>
+              </a:ext>
+            </a:extLst>
+          </p:cNvPr>
+          <p:cNvSpPr txBox="1"/>
+          <p:nvPr/>
+        </p:nvSpPr>
+        <p:spPr>
+          <a:xfrm>
+            <a:off x="4677674" y="2682063"/>
+            <a:ext cx="377406" cy="369332"/>
+          </a:xfrm>
+          <a:prstGeom prst="rect">
+            <a:avLst/>
+          </a:prstGeom>
+          <a:noFill/>
+        </p:spPr>
+        <p:txBody>
+          <a:bodyPr wrap="square">
+            <a:spAutoFit/>
+          </a:bodyPr>
+          <a:lstStyle/>
+          <a:p>
+            <a:r>
+              <a:rPr lang="en" altLang="ko-Kore-KR" dirty="0">
+                <a:latin typeface="DM Mono" panose="020B0509040201040103" pitchFamily="49" charset="0"/>
+              </a:rPr>
+              <a:t>n</a:t>
+            </a:r>
+            <a:endParaRPr lang="ko-Kore-KR" altLang="en-US" dirty="0"/>
+          </a:p>
+        </p:txBody>
+      </p:sp>
+      <p:sp>
+        <p:nvSpPr>
+          <p:cNvPr id="13" name="TextBox 12">
+            <a:extLst>
+              <a:ext uri="{FF2B5EF4-FFF2-40B4-BE49-F238E27FC236}">
+                <a16:creationId xmlns:a16="http://schemas.microsoft.com/office/drawing/2014/main" id="{3F32D814-AF37-5853-34B2-912159DBA7DD}"/>
+              </a:ext>
+            </a:extLst>
+          </p:cNvPr>
+          <p:cNvSpPr txBox="1"/>
+          <p:nvPr/>
+        </p:nvSpPr>
+        <p:spPr>
+          <a:xfrm>
+            <a:off x="5325010" y="1790750"/>
+            <a:ext cx="808727" cy="369332"/>
+          </a:xfrm>
+          <a:prstGeom prst="rect">
+            <a:avLst/>
+          </a:prstGeom>
+          <a:noFill/>
+        </p:spPr>
+        <p:txBody>
+          <a:bodyPr wrap="square">
+            <a:spAutoFit/>
+          </a:bodyPr>
+          <a:lstStyle/>
+          <a:p>
+            <a:r>
+              <a:rPr lang="en" altLang="ko-Kore-KR" dirty="0">
+                <a:latin typeface="DM Mono" panose="020B0509040201040103" pitchFamily="49" charset="0"/>
+              </a:rPr>
+              <a:t>main</a:t>
+            </a:r>
+            <a:endParaRPr lang="ko-Kore-KR" altLang="en-US" dirty="0"/>
+          </a:p>
+        </p:txBody>
+      </p:sp>
+      <p:sp>
+        <p:nvSpPr>
+          <p:cNvPr id="3" name="TextBox 2">
+            <a:extLst>
+              <a:ext uri="{FF2B5EF4-FFF2-40B4-BE49-F238E27FC236}">
+                <a16:creationId xmlns:a16="http://schemas.microsoft.com/office/drawing/2014/main" id="{E1125BB6-74CC-4F72-DE4C-F3FF2A1AB838}"/>
+              </a:ext>
+            </a:extLst>
+          </p:cNvPr>
+          <p:cNvSpPr txBox="1"/>
+          <p:nvPr/>
+        </p:nvSpPr>
+        <p:spPr>
+          <a:xfrm>
+            <a:off x="4786943" y="2365835"/>
+            <a:ext cx="687957" cy="276999"/>
+          </a:xfrm>
+          <a:prstGeom prst="rect">
+            <a:avLst/>
+          </a:prstGeom>
+          <a:noFill/>
+        </p:spPr>
+        <p:txBody>
+          <a:bodyPr wrap="square">
+            <a:spAutoFit/>
+          </a:bodyPr>
+          <a:lstStyle/>
+          <a:p>
+            <a:r>
+              <a:rPr kumimoji="1" lang="en-US" altLang="ko-Kore-KR" sz="1200" dirty="0"/>
+              <a:t>2000</a:t>
+            </a:r>
+            <a:endParaRPr lang="ko-Kore-KR" altLang="en-US" sz="1200" dirty="0"/>
+          </a:p>
+        </p:txBody>
+      </p:sp>
+    </p:spTree>
+    <p:extLst>
+      <p:ext uri="{BB962C8B-B14F-4D97-AF65-F5344CB8AC3E}">
+        <p14:creationId xmlns:p14="http://schemas.microsoft.com/office/powerpoint/2010/main" val="483540207"/>
+      </p:ext>
+    </p:extLst>
+  </p:cSld>
+  <p:clrMapOvr>
+    <a:masterClrMapping/>
+  </p:clrMapOvr>
+</p:sld>
+</file>
+
+<file path=ppt/slides/slide17.xml><?xml version="1.0" encoding="utf-8"?>
+<p:sld xmlns:a="http://schemas.openxmlformats.org/drawingml/2006/main" xmlns:r="http://schemas.openxmlformats.org/officeDocument/2006/relationships" xmlns:p="http://schemas.openxmlformats.org/presentationml/2006/main">
+  <p:cSld>
+    <p:spTree>
+      <p:nvGrpSpPr>
+        <p:cNvPr id="1" name=""/>
+        <p:cNvGrpSpPr/>
+        <p:nvPr/>
+      </p:nvGrpSpPr>
+      <p:grpSpPr>
+        <a:xfrm>
+          <a:off x="0" y="0"/>
+          <a:ext cx="0" cy="0"/>
+          <a:chOff x="0" y="0"/>
+          <a:chExt cx="0" cy="0"/>
+        </a:xfrm>
+      </p:grpSpPr>
+      <p:sp>
+        <p:nvSpPr>
+          <p:cNvPr id="11" name="직사각형 10">
+            <a:extLst>
+              <a:ext uri="{FF2B5EF4-FFF2-40B4-BE49-F238E27FC236}">
+                <a16:creationId xmlns:a16="http://schemas.microsoft.com/office/drawing/2014/main" id="{8516691B-303A-2280-D5D6-599FA628E6C0}"/>
+              </a:ext>
+            </a:extLst>
+          </p:cNvPr>
+          <p:cNvSpPr/>
+          <p:nvPr/>
+        </p:nvSpPr>
+        <p:spPr>
+          <a:xfrm>
+            <a:off x="4057283" y="2165219"/>
+            <a:ext cx="3344182" cy="2527561"/>
+          </a:xfrm>
+          <a:prstGeom prst="rect">
+            <a:avLst/>
+          </a:prstGeom>
+        </p:spPr>
+        <p:style>
+          <a:lnRef idx="2">
+            <a:schemeClr val="dk1"/>
+          </a:lnRef>
+          <a:fillRef idx="1">
+            <a:schemeClr val="lt1"/>
+          </a:fillRef>
+          <a:effectRef idx="0">
+            <a:schemeClr val="dk1"/>
+          </a:effectRef>
+          <a:fontRef idx="minor">
+            <a:schemeClr val="dk1"/>
+          </a:fontRef>
+        </p:style>
+        <p:txBody>
+          <a:bodyPr rtlCol="0" anchor="ctr"/>
+          <a:lstStyle/>
+          <a:p>
+            <a:pPr algn="ctr"/>
+            <a:endParaRPr kumimoji="1" lang="ko-Kore-KR" altLang="en-US" dirty="0">
+              <a:solidFill>
+                <a:schemeClr val="tx1"/>
+              </a:solidFill>
+            </a:endParaRPr>
+          </a:p>
+        </p:txBody>
+      </p:sp>
+      <p:sp>
+        <p:nvSpPr>
+          <p:cNvPr id="7" name="TextBox 6">
+            <a:extLst>
+              <a:ext uri="{FF2B5EF4-FFF2-40B4-BE49-F238E27FC236}">
+                <a16:creationId xmlns:a16="http://schemas.microsoft.com/office/drawing/2014/main" id="{11732E1E-F070-FB47-5716-E2DE052D63A9}"/>
+              </a:ext>
+            </a:extLst>
+          </p:cNvPr>
+          <p:cNvSpPr txBox="1"/>
+          <p:nvPr/>
+        </p:nvSpPr>
+        <p:spPr>
+          <a:xfrm>
+            <a:off x="312708" y="167132"/>
+            <a:ext cx="4216160" cy="3416320"/>
+          </a:xfrm>
+          <a:prstGeom prst="rect">
+            <a:avLst/>
+          </a:prstGeom>
+          <a:noFill/>
+        </p:spPr>
+        <p:txBody>
+          <a:bodyPr wrap="square">
+            <a:spAutoFit/>
+          </a:bodyPr>
+          <a:lstStyle/>
+          <a:p>
+            <a:r>
+              <a:rPr lang="en" altLang="ko-Kore-KR" dirty="0">
+                <a:latin typeface="DM Mono" panose="020B0509040201040103" pitchFamily="49" charset="0"/>
+              </a:rPr>
+              <a:t>void </a:t>
+            </a:r>
+            <a:r>
+              <a:rPr lang="en" altLang="ko-Kore-KR" dirty="0" err="1">
+                <a:latin typeface="DM Mono" panose="020B0509040201040103" pitchFamily="49" charset="0"/>
+              </a:rPr>
+              <a:t>inc</a:t>
+            </a:r>
+            <a:r>
+              <a:rPr lang="en" altLang="ko-Kore-KR" dirty="0">
+                <a:latin typeface="DM Mono" panose="020B0509040201040103" pitchFamily="49" charset="0"/>
+              </a:rPr>
+              <a:t>(int *n)</a:t>
+            </a:r>
+          </a:p>
+          <a:p>
+            <a:r>
+              <a:rPr lang="en" altLang="ko-Kore-KR" dirty="0">
+                <a:latin typeface="DM Mono" panose="020B0509040201040103" pitchFamily="49" charset="0"/>
+              </a:rPr>
+              <a:t>{</a:t>
+            </a:r>
+          </a:p>
+          <a:p>
+            <a:r>
+              <a:rPr lang="en" altLang="ko-Kore-KR" dirty="0">
+                <a:latin typeface="DM Mono" panose="020B0509040201040103" pitchFamily="49" charset="0"/>
+              </a:rPr>
+              <a:t>  *n += 1;</a:t>
+            </a:r>
+          </a:p>
+          <a:p>
+            <a:r>
+              <a:rPr lang="en" altLang="ko-Kore-KR" dirty="0">
+                <a:latin typeface="DM Mono" panose="020B0509040201040103" pitchFamily="49" charset="0"/>
+              </a:rPr>
+              <a:t>}</a:t>
+            </a:r>
+          </a:p>
+          <a:p>
+            <a:endParaRPr lang="en" altLang="ko-Kore-KR" dirty="0">
+              <a:latin typeface="DM Mono" panose="020B0509040201040103" pitchFamily="49" charset="0"/>
+            </a:endParaRPr>
+          </a:p>
+          <a:p>
+            <a:r>
+              <a:rPr lang="en" altLang="ko-Kore-KR" dirty="0">
+                <a:latin typeface="DM Mono" panose="020B0509040201040103" pitchFamily="49" charset="0"/>
+              </a:rPr>
+              <a:t>int main(void)</a:t>
+            </a:r>
+          </a:p>
+          <a:p>
+            <a:r>
+              <a:rPr lang="en" altLang="ko-Kore-KR" dirty="0">
+                <a:latin typeface="DM Mono" panose="020B0509040201040103" pitchFamily="49" charset="0"/>
+              </a:rPr>
+              <a:t>{</a:t>
+            </a:r>
+          </a:p>
+          <a:p>
+            <a:r>
+              <a:rPr lang="en" altLang="ko-Kore-KR" dirty="0">
+                <a:latin typeface="DM Mono" panose="020B0509040201040103" pitchFamily="49" charset="0"/>
+              </a:rPr>
+              <a:t>  int n = 0;</a:t>
+            </a:r>
+          </a:p>
+          <a:p>
+            <a:r>
+              <a:rPr lang="en" altLang="ko-Kore-KR" dirty="0">
+                <a:solidFill>
+                  <a:srgbClr val="FF0000"/>
+                </a:solidFill>
+                <a:latin typeface="DM Mono" panose="020B0509040201040103" pitchFamily="49" charset="0"/>
+              </a:rPr>
+              <a:t>  </a:t>
+            </a:r>
+            <a:r>
+              <a:rPr lang="en" altLang="ko-Kore-KR" dirty="0" err="1">
+                <a:solidFill>
+                  <a:srgbClr val="FF0000"/>
+                </a:solidFill>
+                <a:latin typeface="DM Mono" panose="020B0509040201040103" pitchFamily="49" charset="0"/>
+              </a:rPr>
+              <a:t>inc</a:t>
+            </a:r>
+            <a:r>
+              <a:rPr lang="en" altLang="ko-Kore-KR" dirty="0">
+                <a:solidFill>
+                  <a:srgbClr val="FF0000"/>
+                </a:solidFill>
+                <a:latin typeface="DM Mono" panose="020B0509040201040103" pitchFamily="49" charset="0"/>
+              </a:rPr>
+              <a:t>(&amp;n);</a:t>
+            </a:r>
+          </a:p>
+          <a:p>
+            <a:endParaRPr lang="en" altLang="ko-Kore-KR" dirty="0">
+              <a:latin typeface="DM Mono" panose="020B0509040201040103" pitchFamily="49" charset="0"/>
+            </a:endParaRPr>
+          </a:p>
+          <a:p>
+            <a:r>
+              <a:rPr lang="en" altLang="ko-Kore-KR" dirty="0">
+                <a:latin typeface="DM Mono" panose="020B0509040201040103" pitchFamily="49" charset="0"/>
+              </a:rPr>
+              <a:t>  return 0;</a:t>
+            </a:r>
+          </a:p>
+          <a:p>
+            <a:r>
+              <a:rPr lang="en" altLang="ko-Kore-KR" dirty="0">
+                <a:latin typeface="DM Mono" panose="020B0509040201040103" pitchFamily="49" charset="0"/>
+              </a:rPr>
+              <a:t>}</a:t>
+            </a:r>
+            <a:endParaRPr lang="ko-Kore-KR" altLang="en-US" dirty="0">
+              <a:latin typeface="DM Mono" panose="020B0509040201040103" pitchFamily="49" charset="0"/>
+            </a:endParaRPr>
+          </a:p>
+        </p:txBody>
+      </p:sp>
+      <p:sp>
+        <p:nvSpPr>
+          <p:cNvPr id="8" name="직사각형 7">
+            <a:extLst>
+              <a:ext uri="{FF2B5EF4-FFF2-40B4-BE49-F238E27FC236}">
+                <a16:creationId xmlns:a16="http://schemas.microsoft.com/office/drawing/2014/main" id="{C09D5634-6E46-BCCC-ACFE-D4342B76E019}"/>
+              </a:ext>
+            </a:extLst>
+          </p:cNvPr>
+          <p:cNvSpPr/>
+          <p:nvPr/>
+        </p:nvSpPr>
+        <p:spPr>
+          <a:xfrm>
+            <a:off x="5011947" y="2603605"/>
+            <a:ext cx="925906" cy="447790"/>
+          </a:xfrm>
+          <a:prstGeom prst="rect">
+            <a:avLst/>
+          </a:prstGeom>
+          <a:solidFill>
+            <a:srgbClr val="FFFF00"/>
+          </a:solidFill>
+        </p:spPr>
+        <p:style>
+          <a:lnRef idx="2">
+            <a:schemeClr val="accent1">
+              <a:shade val="50000"/>
+            </a:schemeClr>
+          </a:lnRef>
+          <a:fillRef idx="1">
+            <a:schemeClr val="accent1"/>
+          </a:fillRef>
+          <a:effectRef idx="0">
+            <a:schemeClr val="accent1"/>
+          </a:effectRef>
+          <a:fontRef idx="minor">
+            <a:schemeClr val="lt1"/>
+          </a:fontRef>
+        </p:style>
+        <p:txBody>
+          <a:bodyPr rtlCol="0" anchor="ctr"/>
+          <a:lstStyle/>
+          <a:p>
+            <a:pPr algn="ctr"/>
+            <a:r>
+              <a:rPr kumimoji="1" lang="en-US" altLang="ko-Kore-KR" dirty="0">
+                <a:solidFill>
+                  <a:schemeClr val="tx1"/>
+                </a:solidFill>
+              </a:rPr>
+              <a:t>0</a:t>
+            </a:r>
+            <a:endParaRPr kumimoji="1" lang="ko-Kore-KR" altLang="en-US" dirty="0">
+              <a:solidFill>
+                <a:schemeClr val="tx1"/>
+              </a:solidFill>
+            </a:endParaRPr>
+          </a:p>
+        </p:txBody>
+      </p:sp>
+      <p:sp>
+        <p:nvSpPr>
+          <p:cNvPr id="10" name="TextBox 9">
+            <a:extLst>
+              <a:ext uri="{FF2B5EF4-FFF2-40B4-BE49-F238E27FC236}">
+                <a16:creationId xmlns:a16="http://schemas.microsoft.com/office/drawing/2014/main" id="{E76243F8-A2B2-93BF-66A9-CE2936F73E5D}"/>
+              </a:ext>
+            </a:extLst>
+          </p:cNvPr>
+          <p:cNvSpPr txBox="1"/>
+          <p:nvPr/>
+        </p:nvSpPr>
+        <p:spPr>
+          <a:xfrm>
+            <a:off x="4677674" y="2682063"/>
+            <a:ext cx="377406" cy="369332"/>
+          </a:xfrm>
+          <a:prstGeom prst="rect">
+            <a:avLst/>
+          </a:prstGeom>
+          <a:noFill/>
+        </p:spPr>
+        <p:txBody>
+          <a:bodyPr wrap="square">
+            <a:spAutoFit/>
+          </a:bodyPr>
+          <a:lstStyle/>
+          <a:p>
+            <a:r>
+              <a:rPr lang="en" altLang="ko-Kore-KR" dirty="0">
+                <a:latin typeface="DM Mono" panose="020B0509040201040103" pitchFamily="49" charset="0"/>
+              </a:rPr>
+              <a:t>n</a:t>
+            </a:r>
+            <a:endParaRPr lang="ko-Kore-KR" altLang="en-US" dirty="0"/>
+          </a:p>
+        </p:txBody>
+      </p:sp>
+      <p:sp>
+        <p:nvSpPr>
+          <p:cNvPr id="13" name="TextBox 12">
+            <a:extLst>
+              <a:ext uri="{FF2B5EF4-FFF2-40B4-BE49-F238E27FC236}">
+                <a16:creationId xmlns:a16="http://schemas.microsoft.com/office/drawing/2014/main" id="{3F32D814-AF37-5853-34B2-912159DBA7DD}"/>
+              </a:ext>
+            </a:extLst>
+          </p:cNvPr>
+          <p:cNvSpPr txBox="1"/>
+          <p:nvPr/>
+        </p:nvSpPr>
+        <p:spPr>
+          <a:xfrm>
+            <a:off x="5325010" y="1790750"/>
+            <a:ext cx="808727" cy="369332"/>
+          </a:xfrm>
+          <a:prstGeom prst="rect">
+            <a:avLst/>
+          </a:prstGeom>
+          <a:noFill/>
+        </p:spPr>
+        <p:txBody>
+          <a:bodyPr wrap="square">
+            <a:spAutoFit/>
+          </a:bodyPr>
+          <a:lstStyle/>
+          <a:p>
+            <a:r>
+              <a:rPr lang="en" altLang="ko-Kore-KR" dirty="0">
+                <a:latin typeface="DM Mono" panose="020B0509040201040103" pitchFamily="49" charset="0"/>
+              </a:rPr>
+              <a:t>main</a:t>
+            </a:r>
+            <a:endParaRPr lang="ko-Kore-KR" altLang="en-US" dirty="0"/>
+          </a:p>
+        </p:txBody>
+      </p:sp>
+      <p:sp>
+        <p:nvSpPr>
+          <p:cNvPr id="3" name="TextBox 2">
+            <a:extLst>
+              <a:ext uri="{FF2B5EF4-FFF2-40B4-BE49-F238E27FC236}">
+                <a16:creationId xmlns:a16="http://schemas.microsoft.com/office/drawing/2014/main" id="{E1125BB6-74CC-4F72-DE4C-F3FF2A1AB838}"/>
+              </a:ext>
+            </a:extLst>
+          </p:cNvPr>
+          <p:cNvSpPr txBox="1"/>
+          <p:nvPr/>
+        </p:nvSpPr>
+        <p:spPr>
+          <a:xfrm>
+            <a:off x="4786943" y="2365835"/>
+            <a:ext cx="687957" cy="276999"/>
+          </a:xfrm>
+          <a:prstGeom prst="rect">
+            <a:avLst/>
+          </a:prstGeom>
+          <a:noFill/>
+        </p:spPr>
+        <p:txBody>
+          <a:bodyPr wrap="square">
+            <a:spAutoFit/>
+          </a:bodyPr>
+          <a:lstStyle/>
+          <a:p>
+            <a:r>
+              <a:rPr kumimoji="1" lang="en-US" altLang="ko-Kore-KR" sz="1200" dirty="0">
+                <a:solidFill>
+                  <a:srgbClr val="FF0000"/>
+                </a:solidFill>
+              </a:rPr>
+              <a:t>2000</a:t>
+            </a:r>
+            <a:endParaRPr lang="ko-Kore-KR" altLang="en-US" sz="1200" dirty="0">
+              <a:solidFill>
+                <a:srgbClr val="FF0000"/>
+              </a:solidFill>
+            </a:endParaRPr>
+          </a:p>
+        </p:txBody>
+      </p:sp>
+      <p:sp>
+        <p:nvSpPr>
+          <p:cNvPr id="2" name="직사각형 1">
+            <a:extLst>
+              <a:ext uri="{FF2B5EF4-FFF2-40B4-BE49-F238E27FC236}">
+                <a16:creationId xmlns:a16="http://schemas.microsoft.com/office/drawing/2014/main" id="{E17C427E-1F0E-DBB0-5172-B9CE5CBAF70B}"/>
+              </a:ext>
+            </a:extLst>
+          </p:cNvPr>
+          <p:cNvSpPr/>
+          <p:nvPr/>
+        </p:nvSpPr>
+        <p:spPr>
+          <a:xfrm>
+            <a:off x="8273443" y="706509"/>
+            <a:ext cx="3344182" cy="2527561"/>
+          </a:xfrm>
+          <a:prstGeom prst="rect">
+            <a:avLst/>
+          </a:prstGeom>
+        </p:spPr>
+        <p:style>
+          <a:lnRef idx="2">
+            <a:schemeClr val="dk1"/>
+          </a:lnRef>
+          <a:fillRef idx="1">
+            <a:schemeClr val="lt1"/>
+          </a:fillRef>
+          <a:effectRef idx="0">
+            <a:schemeClr val="dk1"/>
+          </a:effectRef>
+          <a:fontRef idx="minor">
+            <a:schemeClr val="dk1"/>
+          </a:fontRef>
+        </p:style>
+        <p:txBody>
+          <a:bodyPr rtlCol="0" anchor="ctr"/>
+          <a:lstStyle/>
+          <a:p>
+            <a:pPr algn="ctr"/>
+            <a:endParaRPr kumimoji="1" lang="ko-Kore-KR" altLang="en-US" dirty="0">
+              <a:solidFill>
+                <a:schemeClr val="tx1"/>
+              </a:solidFill>
+            </a:endParaRPr>
+          </a:p>
+        </p:txBody>
+      </p:sp>
+      <p:sp>
+        <p:nvSpPr>
+          <p:cNvPr id="4" name="TextBox 3">
+            <a:extLst>
+              <a:ext uri="{FF2B5EF4-FFF2-40B4-BE49-F238E27FC236}">
+                <a16:creationId xmlns:a16="http://schemas.microsoft.com/office/drawing/2014/main" id="{CB7A2384-C061-FDF8-8967-47A7CBD20587}"/>
+              </a:ext>
+            </a:extLst>
+          </p:cNvPr>
+          <p:cNvSpPr txBox="1"/>
+          <p:nvPr/>
+        </p:nvSpPr>
+        <p:spPr>
+          <a:xfrm>
+            <a:off x="9640374" y="337177"/>
+            <a:ext cx="610319" cy="369332"/>
+          </a:xfrm>
+          <a:prstGeom prst="rect">
+            <a:avLst/>
+          </a:prstGeom>
+          <a:noFill/>
+        </p:spPr>
+        <p:txBody>
+          <a:bodyPr wrap="square">
+            <a:spAutoFit/>
+          </a:bodyPr>
+          <a:lstStyle/>
+          <a:p>
+            <a:r>
+              <a:rPr lang="en" altLang="ko-Kore-KR" dirty="0" err="1">
+                <a:latin typeface="DM Mono" panose="020B0509040201040103" pitchFamily="49" charset="0"/>
+              </a:rPr>
+              <a:t>inc</a:t>
+            </a:r>
+            <a:endParaRPr lang="ko-Kore-KR" altLang="en-US" dirty="0"/>
+          </a:p>
+        </p:txBody>
+      </p:sp>
+      <p:sp>
+        <p:nvSpPr>
+          <p:cNvPr id="5" name="직사각형 4">
+            <a:extLst>
+              <a:ext uri="{FF2B5EF4-FFF2-40B4-BE49-F238E27FC236}">
+                <a16:creationId xmlns:a16="http://schemas.microsoft.com/office/drawing/2014/main" id="{0951DBAE-0536-112B-5D51-E3132711625B}"/>
+              </a:ext>
+            </a:extLst>
+          </p:cNvPr>
+          <p:cNvSpPr/>
+          <p:nvPr/>
+        </p:nvSpPr>
+        <p:spPr>
+          <a:xfrm>
+            <a:off x="9488694" y="851946"/>
+            <a:ext cx="925906" cy="447790"/>
+          </a:xfrm>
+          <a:prstGeom prst="rect">
+            <a:avLst/>
+          </a:prstGeom>
+          <a:solidFill>
+            <a:srgbClr val="FFFF00"/>
+          </a:solidFill>
+        </p:spPr>
+        <p:style>
+          <a:lnRef idx="2">
+            <a:schemeClr val="accent1">
+              <a:shade val="50000"/>
+            </a:schemeClr>
+          </a:lnRef>
+          <a:fillRef idx="1">
+            <a:schemeClr val="accent1"/>
+          </a:fillRef>
+          <a:effectRef idx="0">
+            <a:schemeClr val="accent1"/>
+          </a:effectRef>
+          <a:fontRef idx="minor">
+            <a:schemeClr val="lt1"/>
+          </a:fontRef>
+        </p:style>
+        <p:txBody>
+          <a:bodyPr rtlCol="0" anchor="ctr"/>
+          <a:lstStyle/>
+          <a:p>
+            <a:pPr algn="ctr"/>
+            <a:r>
+              <a:rPr kumimoji="1" lang="en-US" altLang="ko-Kore-KR" dirty="0">
+                <a:solidFill>
+                  <a:srgbClr val="FF0000"/>
+                </a:solidFill>
+              </a:rPr>
+              <a:t>2000</a:t>
+            </a:r>
+            <a:endParaRPr kumimoji="1" lang="ko-Kore-KR" altLang="en-US" dirty="0">
+              <a:solidFill>
+                <a:srgbClr val="FF0000"/>
+              </a:solidFill>
+            </a:endParaRPr>
+          </a:p>
+        </p:txBody>
+      </p:sp>
+      <p:sp>
+        <p:nvSpPr>
+          <p:cNvPr id="6" name="TextBox 5">
+            <a:extLst>
+              <a:ext uri="{FF2B5EF4-FFF2-40B4-BE49-F238E27FC236}">
+                <a16:creationId xmlns:a16="http://schemas.microsoft.com/office/drawing/2014/main" id="{DA89E681-AD72-4D04-5807-7295D96C007E}"/>
+              </a:ext>
+            </a:extLst>
+          </p:cNvPr>
+          <p:cNvSpPr txBox="1"/>
+          <p:nvPr/>
+        </p:nvSpPr>
+        <p:spPr>
+          <a:xfrm>
+            <a:off x="9161263" y="891175"/>
+            <a:ext cx="377406" cy="369332"/>
+          </a:xfrm>
+          <a:prstGeom prst="rect">
+            <a:avLst/>
+          </a:prstGeom>
+          <a:noFill/>
+        </p:spPr>
+        <p:txBody>
+          <a:bodyPr wrap="square">
+            <a:spAutoFit/>
+          </a:bodyPr>
+          <a:lstStyle/>
+          <a:p>
+            <a:r>
+              <a:rPr lang="en" altLang="ko-Kore-KR" dirty="0">
+                <a:latin typeface="DM Mono" panose="020B0509040201040103" pitchFamily="49" charset="0"/>
+              </a:rPr>
+              <a:t>n</a:t>
+            </a:r>
+            <a:endParaRPr lang="ko-Kore-KR" altLang="en-US" dirty="0"/>
+          </a:p>
+        </p:txBody>
+      </p:sp>
+      <p:cxnSp>
+        <p:nvCxnSpPr>
+          <p:cNvPr id="12" name="구부러진 연결선[U] 11">
+            <a:extLst>
+              <a:ext uri="{FF2B5EF4-FFF2-40B4-BE49-F238E27FC236}">
+                <a16:creationId xmlns:a16="http://schemas.microsoft.com/office/drawing/2014/main" id="{F26A0CDD-3675-C8EA-EFD4-D05DDE436F0C}"/>
+              </a:ext>
+            </a:extLst>
+          </p:cNvPr>
+          <p:cNvCxnSpPr>
+            <a:stCxn id="5" idx="2"/>
+            <a:endCxn id="8" idx="0"/>
+          </p:cNvCxnSpPr>
+          <p:nvPr/>
+        </p:nvCxnSpPr>
+        <p:spPr>
+          <a:xfrm rot="5400000">
+            <a:off x="7061340" y="-286703"/>
+            <a:ext cx="1303869" cy="4476747"/>
+          </a:xfrm>
+          <a:prstGeom prst="curvedConnector3">
+            <a:avLst/>
+          </a:prstGeom>
+          <a:ln>
+            <a:tailEnd type="triangle"/>
+          </a:ln>
+        </p:spPr>
+        <p:style>
+          <a:lnRef idx="1">
+            <a:schemeClr val="dk1"/>
+          </a:lnRef>
+          <a:fillRef idx="0">
+            <a:schemeClr val="dk1"/>
+          </a:fillRef>
+          <a:effectRef idx="0">
+            <a:schemeClr val="dk1"/>
+          </a:effectRef>
+          <a:fontRef idx="minor">
+            <a:schemeClr val="tx1"/>
+          </a:fontRef>
+        </p:style>
+      </p:cxnSp>
+    </p:spTree>
+    <p:extLst>
+      <p:ext uri="{BB962C8B-B14F-4D97-AF65-F5344CB8AC3E}">
+        <p14:creationId xmlns:p14="http://schemas.microsoft.com/office/powerpoint/2010/main" val="813893894"/>
+      </p:ext>
+    </p:extLst>
+  </p:cSld>
+  <p:clrMapOvr>
+    <a:masterClrMapping/>
+  </p:clrMapOvr>
+</p:sld>
+</file>
+
+<file path=ppt/slides/slide18.xml><?xml version="1.0" encoding="utf-8"?>
+<p:sld xmlns:a="http://schemas.openxmlformats.org/drawingml/2006/main" xmlns:r="http://schemas.openxmlformats.org/officeDocument/2006/relationships" xmlns:p="http://schemas.openxmlformats.org/presentationml/2006/main">
+  <p:cSld>
+    <p:spTree>
+      <p:nvGrpSpPr>
+        <p:cNvPr id="1" name=""/>
+        <p:cNvGrpSpPr/>
+        <p:nvPr/>
+      </p:nvGrpSpPr>
+      <p:grpSpPr>
+        <a:xfrm>
+          <a:off x="0" y="0"/>
+          <a:ext cx="0" cy="0"/>
+          <a:chOff x="0" y="0"/>
+          <a:chExt cx="0" cy="0"/>
+        </a:xfrm>
+      </p:grpSpPr>
+      <p:sp>
+        <p:nvSpPr>
+          <p:cNvPr id="11" name="직사각형 10">
+            <a:extLst>
+              <a:ext uri="{FF2B5EF4-FFF2-40B4-BE49-F238E27FC236}">
+                <a16:creationId xmlns:a16="http://schemas.microsoft.com/office/drawing/2014/main" id="{8516691B-303A-2280-D5D6-599FA628E6C0}"/>
+              </a:ext>
+            </a:extLst>
+          </p:cNvPr>
+          <p:cNvSpPr/>
+          <p:nvPr/>
+        </p:nvSpPr>
+        <p:spPr>
+          <a:xfrm>
+            <a:off x="4057283" y="2165219"/>
+            <a:ext cx="3344182" cy="2527561"/>
+          </a:xfrm>
+          <a:prstGeom prst="rect">
+            <a:avLst/>
+          </a:prstGeom>
+        </p:spPr>
+        <p:style>
+          <a:lnRef idx="2">
+            <a:schemeClr val="dk1"/>
+          </a:lnRef>
+          <a:fillRef idx="1">
+            <a:schemeClr val="lt1"/>
+          </a:fillRef>
+          <a:effectRef idx="0">
+            <a:schemeClr val="dk1"/>
+          </a:effectRef>
+          <a:fontRef idx="minor">
+            <a:schemeClr val="dk1"/>
+          </a:fontRef>
+        </p:style>
+        <p:txBody>
+          <a:bodyPr rtlCol="0" anchor="ctr"/>
+          <a:lstStyle/>
+          <a:p>
+            <a:pPr algn="ctr"/>
+            <a:endParaRPr kumimoji="1" lang="ko-Kore-KR" altLang="en-US" dirty="0">
+              <a:solidFill>
+                <a:schemeClr val="tx1"/>
+              </a:solidFill>
+            </a:endParaRPr>
+          </a:p>
+        </p:txBody>
+      </p:sp>
+      <p:sp>
+        <p:nvSpPr>
+          <p:cNvPr id="7" name="TextBox 6">
+            <a:extLst>
+              <a:ext uri="{FF2B5EF4-FFF2-40B4-BE49-F238E27FC236}">
+                <a16:creationId xmlns:a16="http://schemas.microsoft.com/office/drawing/2014/main" id="{11732E1E-F070-FB47-5716-E2DE052D63A9}"/>
+              </a:ext>
+            </a:extLst>
+          </p:cNvPr>
+          <p:cNvSpPr txBox="1"/>
+          <p:nvPr/>
+        </p:nvSpPr>
+        <p:spPr>
+          <a:xfrm>
+            <a:off x="312708" y="167132"/>
+            <a:ext cx="4216160" cy="3416320"/>
+          </a:xfrm>
+          <a:prstGeom prst="rect">
+            <a:avLst/>
+          </a:prstGeom>
+          <a:noFill/>
+        </p:spPr>
+        <p:txBody>
+          <a:bodyPr wrap="square">
+            <a:spAutoFit/>
+          </a:bodyPr>
+          <a:lstStyle/>
+          <a:p>
+            <a:r>
+              <a:rPr lang="en" altLang="ko-Kore-KR" dirty="0">
+                <a:latin typeface="DM Mono" panose="020B0509040201040103" pitchFamily="49" charset="0"/>
+              </a:rPr>
+              <a:t>void </a:t>
+            </a:r>
+            <a:r>
+              <a:rPr lang="en" altLang="ko-Kore-KR" dirty="0" err="1">
+                <a:latin typeface="DM Mono" panose="020B0509040201040103" pitchFamily="49" charset="0"/>
+              </a:rPr>
+              <a:t>inc</a:t>
+            </a:r>
+            <a:r>
+              <a:rPr lang="en" altLang="ko-Kore-KR" dirty="0">
+                <a:latin typeface="DM Mono" panose="020B0509040201040103" pitchFamily="49" charset="0"/>
+              </a:rPr>
+              <a:t>(int *n)</a:t>
+            </a:r>
+          </a:p>
+          <a:p>
+            <a:r>
+              <a:rPr lang="en" altLang="ko-Kore-KR" dirty="0">
+                <a:latin typeface="DM Mono" panose="020B0509040201040103" pitchFamily="49" charset="0"/>
+              </a:rPr>
+              <a:t>{</a:t>
+            </a:r>
+          </a:p>
+          <a:p>
+            <a:r>
+              <a:rPr lang="en" altLang="ko-Kore-KR" dirty="0">
+                <a:latin typeface="DM Mono" panose="020B0509040201040103" pitchFamily="49" charset="0"/>
+              </a:rPr>
+              <a:t>  </a:t>
+            </a:r>
+            <a:r>
+              <a:rPr lang="en" altLang="ko-Kore-KR" dirty="0">
+                <a:solidFill>
+                  <a:srgbClr val="FF0000"/>
+                </a:solidFill>
+                <a:latin typeface="DM Mono" panose="020B0509040201040103" pitchFamily="49" charset="0"/>
+              </a:rPr>
+              <a:t>*n += 1;</a:t>
+            </a:r>
+          </a:p>
+          <a:p>
+            <a:r>
+              <a:rPr lang="en" altLang="ko-Kore-KR" dirty="0">
+                <a:latin typeface="DM Mono" panose="020B0509040201040103" pitchFamily="49" charset="0"/>
+              </a:rPr>
+              <a:t>}</a:t>
+            </a:r>
+          </a:p>
+          <a:p>
+            <a:endParaRPr lang="en" altLang="ko-Kore-KR" dirty="0">
+              <a:latin typeface="DM Mono" panose="020B0509040201040103" pitchFamily="49" charset="0"/>
+            </a:endParaRPr>
+          </a:p>
+          <a:p>
+            <a:r>
+              <a:rPr lang="en" altLang="ko-Kore-KR" dirty="0">
+                <a:latin typeface="DM Mono" panose="020B0509040201040103" pitchFamily="49" charset="0"/>
+              </a:rPr>
+              <a:t>int main(void)</a:t>
+            </a:r>
+          </a:p>
+          <a:p>
+            <a:r>
+              <a:rPr lang="en" altLang="ko-Kore-KR" dirty="0">
+                <a:latin typeface="DM Mono" panose="020B0509040201040103" pitchFamily="49" charset="0"/>
+              </a:rPr>
+              <a:t>{</a:t>
+            </a:r>
+          </a:p>
+          <a:p>
+            <a:r>
+              <a:rPr lang="en" altLang="ko-Kore-KR" dirty="0">
+                <a:latin typeface="DM Mono" panose="020B0509040201040103" pitchFamily="49" charset="0"/>
+              </a:rPr>
+              <a:t>  int n = 0;</a:t>
+            </a:r>
+          </a:p>
+          <a:p>
+            <a:r>
+              <a:rPr lang="en" altLang="ko-Kore-KR" dirty="0">
+                <a:latin typeface="DM Mono" panose="020B0509040201040103" pitchFamily="49" charset="0"/>
+              </a:rPr>
+              <a:t>  </a:t>
+            </a:r>
+            <a:r>
+              <a:rPr lang="en" altLang="ko-Kore-KR" dirty="0" err="1">
+                <a:latin typeface="DM Mono" panose="020B0509040201040103" pitchFamily="49" charset="0"/>
+              </a:rPr>
+              <a:t>inc</a:t>
+            </a:r>
+            <a:r>
+              <a:rPr lang="en" altLang="ko-Kore-KR" dirty="0">
+                <a:latin typeface="DM Mono" panose="020B0509040201040103" pitchFamily="49" charset="0"/>
+              </a:rPr>
+              <a:t>(&amp;n);</a:t>
+            </a:r>
+          </a:p>
+          <a:p>
+            <a:endParaRPr lang="en" altLang="ko-Kore-KR" dirty="0">
+              <a:latin typeface="DM Mono" panose="020B0509040201040103" pitchFamily="49" charset="0"/>
+            </a:endParaRPr>
+          </a:p>
+          <a:p>
+            <a:r>
+              <a:rPr lang="en" altLang="ko-Kore-KR" dirty="0">
+                <a:latin typeface="DM Mono" panose="020B0509040201040103" pitchFamily="49" charset="0"/>
+              </a:rPr>
+              <a:t>  return 0;</a:t>
+            </a:r>
+          </a:p>
+          <a:p>
+            <a:r>
+              <a:rPr lang="en" altLang="ko-Kore-KR" dirty="0">
+                <a:latin typeface="DM Mono" panose="020B0509040201040103" pitchFamily="49" charset="0"/>
+              </a:rPr>
+              <a:t>}</a:t>
+            </a:r>
+            <a:endParaRPr lang="ko-Kore-KR" altLang="en-US" dirty="0">
+              <a:latin typeface="DM Mono" panose="020B0509040201040103" pitchFamily="49" charset="0"/>
+            </a:endParaRPr>
+          </a:p>
+        </p:txBody>
+      </p:sp>
+      <p:sp>
+        <p:nvSpPr>
+          <p:cNvPr id="8" name="직사각형 7">
+            <a:extLst>
+              <a:ext uri="{FF2B5EF4-FFF2-40B4-BE49-F238E27FC236}">
+                <a16:creationId xmlns:a16="http://schemas.microsoft.com/office/drawing/2014/main" id="{C09D5634-6E46-BCCC-ACFE-D4342B76E019}"/>
+              </a:ext>
+            </a:extLst>
+          </p:cNvPr>
+          <p:cNvSpPr/>
+          <p:nvPr/>
+        </p:nvSpPr>
+        <p:spPr>
+          <a:xfrm>
+            <a:off x="5011947" y="2603605"/>
+            <a:ext cx="925906" cy="447790"/>
+          </a:xfrm>
+          <a:prstGeom prst="rect">
+            <a:avLst/>
+          </a:prstGeom>
+          <a:solidFill>
+            <a:srgbClr val="FFFF00"/>
+          </a:solidFill>
+        </p:spPr>
+        <p:style>
+          <a:lnRef idx="2">
+            <a:schemeClr val="accent1">
+              <a:shade val="50000"/>
+            </a:schemeClr>
+          </a:lnRef>
+          <a:fillRef idx="1">
+            <a:schemeClr val="accent1"/>
+          </a:fillRef>
+          <a:effectRef idx="0">
+            <a:schemeClr val="accent1"/>
+          </a:effectRef>
+          <a:fontRef idx="minor">
+            <a:schemeClr val="lt1"/>
+          </a:fontRef>
+        </p:style>
+        <p:txBody>
+          <a:bodyPr rtlCol="0" anchor="ctr"/>
+          <a:lstStyle/>
+          <a:p>
+            <a:pPr algn="ctr"/>
+            <a:r>
+              <a:rPr kumimoji="1" lang="en-US" altLang="ko-Kore-KR" dirty="0">
+                <a:solidFill>
+                  <a:srgbClr val="FF0000"/>
+                </a:solidFill>
+              </a:rPr>
+              <a:t>1</a:t>
+            </a:r>
+            <a:endParaRPr kumimoji="1" lang="ko-Kore-KR" altLang="en-US" dirty="0">
+              <a:solidFill>
+                <a:srgbClr val="FF0000"/>
+              </a:solidFill>
+            </a:endParaRPr>
+          </a:p>
+        </p:txBody>
+      </p:sp>
+      <p:sp>
+        <p:nvSpPr>
+          <p:cNvPr id="10" name="TextBox 9">
+            <a:extLst>
+              <a:ext uri="{FF2B5EF4-FFF2-40B4-BE49-F238E27FC236}">
+                <a16:creationId xmlns:a16="http://schemas.microsoft.com/office/drawing/2014/main" id="{E76243F8-A2B2-93BF-66A9-CE2936F73E5D}"/>
+              </a:ext>
+            </a:extLst>
+          </p:cNvPr>
+          <p:cNvSpPr txBox="1"/>
+          <p:nvPr/>
+        </p:nvSpPr>
+        <p:spPr>
+          <a:xfrm>
+            <a:off x="4677674" y="2682063"/>
+            <a:ext cx="377406" cy="369332"/>
+          </a:xfrm>
+          <a:prstGeom prst="rect">
+            <a:avLst/>
+          </a:prstGeom>
+          <a:noFill/>
+        </p:spPr>
+        <p:txBody>
+          <a:bodyPr wrap="square">
+            <a:spAutoFit/>
+          </a:bodyPr>
+          <a:lstStyle/>
+          <a:p>
+            <a:r>
+              <a:rPr lang="en" altLang="ko-Kore-KR" dirty="0">
+                <a:latin typeface="DM Mono" panose="020B0509040201040103" pitchFamily="49" charset="0"/>
+              </a:rPr>
+              <a:t>n</a:t>
+            </a:r>
+            <a:endParaRPr lang="ko-Kore-KR" altLang="en-US" dirty="0"/>
+          </a:p>
+        </p:txBody>
+      </p:sp>
+      <p:sp>
+        <p:nvSpPr>
+          <p:cNvPr id="13" name="TextBox 12">
+            <a:extLst>
+              <a:ext uri="{FF2B5EF4-FFF2-40B4-BE49-F238E27FC236}">
+                <a16:creationId xmlns:a16="http://schemas.microsoft.com/office/drawing/2014/main" id="{3F32D814-AF37-5853-34B2-912159DBA7DD}"/>
+              </a:ext>
+            </a:extLst>
+          </p:cNvPr>
+          <p:cNvSpPr txBox="1"/>
+          <p:nvPr/>
+        </p:nvSpPr>
+        <p:spPr>
+          <a:xfrm>
+            <a:off x="5325010" y="1790750"/>
+            <a:ext cx="808727" cy="369332"/>
+          </a:xfrm>
+          <a:prstGeom prst="rect">
+            <a:avLst/>
+          </a:prstGeom>
+          <a:noFill/>
+        </p:spPr>
+        <p:txBody>
+          <a:bodyPr wrap="square">
+            <a:spAutoFit/>
+          </a:bodyPr>
+          <a:lstStyle/>
+          <a:p>
+            <a:r>
+              <a:rPr lang="en" altLang="ko-Kore-KR" dirty="0">
+                <a:latin typeface="DM Mono" panose="020B0509040201040103" pitchFamily="49" charset="0"/>
+              </a:rPr>
+              <a:t>main</a:t>
+            </a:r>
+            <a:endParaRPr lang="ko-Kore-KR" altLang="en-US" dirty="0"/>
+          </a:p>
+        </p:txBody>
+      </p:sp>
+      <p:sp>
+        <p:nvSpPr>
+          <p:cNvPr id="3" name="TextBox 2">
+            <a:extLst>
+              <a:ext uri="{FF2B5EF4-FFF2-40B4-BE49-F238E27FC236}">
+                <a16:creationId xmlns:a16="http://schemas.microsoft.com/office/drawing/2014/main" id="{E1125BB6-74CC-4F72-DE4C-F3FF2A1AB838}"/>
+              </a:ext>
+            </a:extLst>
+          </p:cNvPr>
+          <p:cNvSpPr txBox="1"/>
+          <p:nvPr/>
+        </p:nvSpPr>
+        <p:spPr>
+          <a:xfrm>
+            <a:off x="4786943" y="2365835"/>
+            <a:ext cx="687957" cy="276999"/>
+          </a:xfrm>
+          <a:prstGeom prst="rect">
+            <a:avLst/>
+          </a:prstGeom>
+          <a:noFill/>
+        </p:spPr>
+        <p:txBody>
+          <a:bodyPr wrap="square">
+            <a:spAutoFit/>
+          </a:bodyPr>
+          <a:lstStyle/>
+          <a:p>
+            <a:r>
+              <a:rPr kumimoji="1" lang="en-US" altLang="ko-Kore-KR" sz="1200" dirty="0">
+                <a:solidFill>
+                  <a:srgbClr val="FF0000"/>
+                </a:solidFill>
+              </a:rPr>
+              <a:t>2000</a:t>
+            </a:r>
+            <a:endParaRPr lang="ko-Kore-KR" altLang="en-US" sz="1200" dirty="0">
+              <a:solidFill>
+                <a:srgbClr val="FF0000"/>
+              </a:solidFill>
+            </a:endParaRPr>
+          </a:p>
+        </p:txBody>
+      </p:sp>
+      <p:sp>
+        <p:nvSpPr>
+          <p:cNvPr id="2" name="직사각형 1">
+            <a:extLst>
+              <a:ext uri="{FF2B5EF4-FFF2-40B4-BE49-F238E27FC236}">
+                <a16:creationId xmlns:a16="http://schemas.microsoft.com/office/drawing/2014/main" id="{E17C427E-1F0E-DBB0-5172-B9CE5CBAF70B}"/>
+              </a:ext>
+            </a:extLst>
+          </p:cNvPr>
+          <p:cNvSpPr/>
+          <p:nvPr/>
+        </p:nvSpPr>
+        <p:spPr>
+          <a:xfrm>
+            <a:off x="8273443" y="706509"/>
+            <a:ext cx="3344182" cy="2527561"/>
+          </a:xfrm>
+          <a:prstGeom prst="rect">
+            <a:avLst/>
+          </a:prstGeom>
+        </p:spPr>
+        <p:style>
+          <a:lnRef idx="2">
+            <a:schemeClr val="dk1"/>
+          </a:lnRef>
+          <a:fillRef idx="1">
+            <a:schemeClr val="lt1"/>
+          </a:fillRef>
+          <a:effectRef idx="0">
+            <a:schemeClr val="dk1"/>
+          </a:effectRef>
+          <a:fontRef idx="minor">
+            <a:schemeClr val="dk1"/>
+          </a:fontRef>
+        </p:style>
+        <p:txBody>
+          <a:bodyPr rtlCol="0" anchor="ctr"/>
+          <a:lstStyle/>
+          <a:p>
+            <a:pPr algn="ctr"/>
+            <a:endParaRPr kumimoji="1" lang="ko-Kore-KR" altLang="en-US" dirty="0">
+              <a:solidFill>
+                <a:schemeClr val="tx1"/>
+              </a:solidFill>
+            </a:endParaRPr>
+          </a:p>
+        </p:txBody>
+      </p:sp>
+      <p:sp>
+        <p:nvSpPr>
+          <p:cNvPr id="4" name="TextBox 3">
+            <a:extLst>
+              <a:ext uri="{FF2B5EF4-FFF2-40B4-BE49-F238E27FC236}">
+                <a16:creationId xmlns:a16="http://schemas.microsoft.com/office/drawing/2014/main" id="{CB7A2384-C061-FDF8-8967-47A7CBD20587}"/>
+              </a:ext>
+            </a:extLst>
+          </p:cNvPr>
+          <p:cNvSpPr txBox="1"/>
+          <p:nvPr/>
+        </p:nvSpPr>
+        <p:spPr>
+          <a:xfrm>
+            <a:off x="9640374" y="337177"/>
+            <a:ext cx="610319" cy="369332"/>
+          </a:xfrm>
+          <a:prstGeom prst="rect">
+            <a:avLst/>
+          </a:prstGeom>
+          <a:noFill/>
+        </p:spPr>
+        <p:txBody>
+          <a:bodyPr wrap="square">
+            <a:spAutoFit/>
+          </a:bodyPr>
+          <a:lstStyle/>
+          <a:p>
+            <a:r>
+              <a:rPr lang="en" altLang="ko-Kore-KR" dirty="0" err="1">
+                <a:latin typeface="DM Mono" panose="020B0509040201040103" pitchFamily="49" charset="0"/>
+              </a:rPr>
+              <a:t>inc</a:t>
+            </a:r>
+            <a:endParaRPr lang="ko-Kore-KR" altLang="en-US" dirty="0"/>
+          </a:p>
+        </p:txBody>
+      </p:sp>
+      <p:sp>
+        <p:nvSpPr>
+          <p:cNvPr id="5" name="직사각형 4">
+            <a:extLst>
+              <a:ext uri="{FF2B5EF4-FFF2-40B4-BE49-F238E27FC236}">
+                <a16:creationId xmlns:a16="http://schemas.microsoft.com/office/drawing/2014/main" id="{0951DBAE-0536-112B-5D51-E3132711625B}"/>
+              </a:ext>
+            </a:extLst>
+          </p:cNvPr>
+          <p:cNvSpPr/>
+          <p:nvPr/>
+        </p:nvSpPr>
+        <p:spPr>
+          <a:xfrm>
+            <a:off x="9488694" y="851946"/>
+            <a:ext cx="925906" cy="447790"/>
+          </a:xfrm>
+          <a:prstGeom prst="rect">
+            <a:avLst/>
+          </a:prstGeom>
+          <a:solidFill>
+            <a:srgbClr val="FFFF00"/>
+          </a:solidFill>
+        </p:spPr>
+        <p:style>
+          <a:lnRef idx="2">
+            <a:schemeClr val="accent1">
+              <a:shade val="50000"/>
+            </a:schemeClr>
+          </a:lnRef>
+          <a:fillRef idx="1">
+            <a:schemeClr val="accent1"/>
+          </a:fillRef>
+          <a:effectRef idx="0">
+            <a:schemeClr val="accent1"/>
+          </a:effectRef>
+          <a:fontRef idx="minor">
+            <a:schemeClr val="lt1"/>
+          </a:fontRef>
+        </p:style>
+        <p:txBody>
+          <a:bodyPr rtlCol="0" anchor="ctr"/>
+          <a:lstStyle/>
+          <a:p>
+            <a:pPr algn="ctr"/>
+            <a:r>
+              <a:rPr kumimoji="1" lang="en-US" altLang="ko-KR" dirty="0">
+                <a:solidFill>
+                  <a:srgbClr val="FF0000"/>
+                </a:solidFill>
+              </a:rPr>
+              <a:t>2004</a:t>
+            </a:r>
+            <a:endParaRPr kumimoji="1" lang="ko-Kore-KR" altLang="en-US" dirty="0">
+              <a:solidFill>
+                <a:srgbClr val="FF0000"/>
+              </a:solidFill>
+            </a:endParaRPr>
+          </a:p>
+        </p:txBody>
+      </p:sp>
+      <p:sp>
+        <p:nvSpPr>
+          <p:cNvPr id="6" name="TextBox 5">
+            <a:extLst>
+              <a:ext uri="{FF2B5EF4-FFF2-40B4-BE49-F238E27FC236}">
+                <a16:creationId xmlns:a16="http://schemas.microsoft.com/office/drawing/2014/main" id="{DA89E681-AD72-4D04-5807-7295D96C007E}"/>
+              </a:ext>
+            </a:extLst>
+          </p:cNvPr>
+          <p:cNvSpPr txBox="1"/>
+          <p:nvPr/>
+        </p:nvSpPr>
+        <p:spPr>
+          <a:xfrm>
+            <a:off x="9161263" y="891175"/>
+            <a:ext cx="377406" cy="369332"/>
+          </a:xfrm>
+          <a:prstGeom prst="rect">
+            <a:avLst/>
+          </a:prstGeom>
+          <a:noFill/>
+        </p:spPr>
+        <p:txBody>
+          <a:bodyPr wrap="square">
+            <a:spAutoFit/>
+          </a:bodyPr>
+          <a:lstStyle/>
+          <a:p>
+            <a:r>
+              <a:rPr lang="en" altLang="ko-Kore-KR" dirty="0">
+                <a:latin typeface="DM Mono" panose="020B0509040201040103" pitchFamily="49" charset="0"/>
+              </a:rPr>
+              <a:t>n</a:t>
+            </a:r>
+            <a:endParaRPr lang="ko-Kore-KR" altLang="en-US" dirty="0"/>
+          </a:p>
+        </p:txBody>
+      </p:sp>
+      <p:cxnSp>
+        <p:nvCxnSpPr>
+          <p:cNvPr id="12" name="구부러진 연결선[U] 11">
+            <a:extLst>
+              <a:ext uri="{FF2B5EF4-FFF2-40B4-BE49-F238E27FC236}">
+                <a16:creationId xmlns:a16="http://schemas.microsoft.com/office/drawing/2014/main" id="{F26A0CDD-3675-C8EA-EFD4-D05DDE436F0C}"/>
+              </a:ext>
+            </a:extLst>
+          </p:cNvPr>
+          <p:cNvCxnSpPr>
+            <a:cxnSpLocks/>
+            <a:stCxn id="5" idx="2"/>
+            <a:endCxn id="8" idx="0"/>
+          </p:cNvCxnSpPr>
+          <p:nvPr/>
+        </p:nvCxnSpPr>
+        <p:spPr>
+          <a:xfrm rot="5400000">
+            <a:off x="7061340" y="-286703"/>
+            <a:ext cx="1303869" cy="4476747"/>
+          </a:xfrm>
+          <a:prstGeom prst="curvedConnector3">
+            <a:avLst/>
+          </a:prstGeom>
+          <a:ln>
+            <a:tailEnd type="triangle"/>
+          </a:ln>
+        </p:spPr>
+        <p:style>
+          <a:lnRef idx="1">
+            <a:schemeClr val="dk1"/>
+          </a:lnRef>
+          <a:fillRef idx="0">
+            <a:schemeClr val="dk1"/>
+          </a:fillRef>
+          <a:effectRef idx="0">
+            <a:schemeClr val="dk1"/>
+          </a:effectRef>
+          <a:fontRef idx="minor">
+            <a:schemeClr val="tx1"/>
+          </a:fontRef>
+        </p:style>
+      </p:cxnSp>
+    </p:spTree>
+    <p:extLst>
+      <p:ext uri="{BB962C8B-B14F-4D97-AF65-F5344CB8AC3E}">
+        <p14:creationId xmlns:p14="http://schemas.microsoft.com/office/powerpoint/2010/main" val="1039133625"/>
+      </p:ext>
+    </p:extLst>
+  </p:cSld>
+  <p:clrMapOvr>
+    <a:masterClrMapping/>
+  </p:clrMapOvr>
+</p:sld>
+</file>
+
+<file path=ppt/slides/slide19.xml><?xml version="1.0" encoding="utf-8"?>
+<p:sld xmlns:a="http://schemas.openxmlformats.org/drawingml/2006/main" xmlns:r="http://schemas.openxmlformats.org/officeDocument/2006/relationships" xmlns:p="http://schemas.openxmlformats.org/presentationml/2006/main">
+  <p:cSld>
+    <p:spTree>
+      <p:nvGrpSpPr>
+        <p:cNvPr id="1" name=""/>
+        <p:cNvGrpSpPr/>
+        <p:nvPr/>
+      </p:nvGrpSpPr>
+      <p:grpSpPr>
+        <a:xfrm>
+          <a:off x="0" y="0"/>
+          <a:ext cx="0" cy="0"/>
+          <a:chOff x="0" y="0"/>
+          <a:chExt cx="0" cy="0"/>
+        </a:xfrm>
+      </p:grpSpPr>
+      <p:sp>
+        <p:nvSpPr>
+          <p:cNvPr id="11" name="직사각형 10">
+            <a:extLst>
+              <a:ext uri="{FF2B5EF4-FFF2-40B4-BE49-F238E27FC236}">
+                <a16:creationId xmlns:a16="http://schemas.microsoft.com/office/drawing/2014/main" id="{8516691B-303A-2280-D5D6-599FA628E6C0}"/>
+              </a:ext>
+            </a:extLst>
+          </p:cNvPr>
+          <p:cNvSpPr/>
+          <p:nvPr/>
+        </p:nvSpPr>
+        <p:spPr>
+          <a:xfrm>
+            <a:off x="3574204" y="2087571"/>
+            <a:ext cx="3344182" cy="2527561"/>
+          </a:xfrm>
+          <a:prstGeom prst="rect">
+            <a:avLst/>
+          </a:prstGeom>
+        </p:spPr>
+        <p:style>
+          <a:lnRef idx="2">
+            <a:schemeClr val="dk1"/>
+          </a:lnRef>
+          <a:fillRef idx="1">
+            <a:schemeClr val="lt1"/>
+          </a:fillRef>
+          <a:effectRef idx="0">
+            <a:schemeClr val="dk1"/>
+          </a:effectRef>
+          <a:fontRef idx="minor">
+            <a:schemeClr val="dk1"/>
+          </a:fontRef>
+        </p:style>
+        <p:txBody>
+          <a:bodyPr rtlCol="0" anchor="ctr"/>
+          <a:lstStyle/>
+          <a:p>
+            <a:pPr algn="ctr"/>
+            <a:endParaRPr kumimoji="1" lang="ko-Kore-KR" altLang="en-US" dirty="0">
+              <a:solidFill>
+                <a:schemeClr val="tx1"/>
+              </a:solidFill>
+            </a:endParaRPr>
+          </a:p>
+        </p:txBody>
+      </p:sp>
+      <p:sp>
+        <p:nvSpPr>
+          <p:cNvPr id="7" name="TextBox 6">
+            <a:extLst>
+              <a:ext uri="{FF2B5EF4-FFF2-40B4-BE49-F238E27FC236}">
+                <a16:creationId xmlns:a16="http://schemas.microsoft.com/office/drawing/2014/main" id="{11732E1E-F070-FB47-5716-E2DE052D63A9}"/>
+              </a:ext>
+            </a:extLst>
+          </p:cNvPr>
+          <p:cNvSpPr txBox="1"/>
+          <p:nvPr/>
+        </p:nvSpPr>
+        <p:spPr>
+          <a:xfrm>
+            <a:off x="312708" y="167132"/>
+            <a:ext cx="4216160" cy="369332"/>
+          </a:xfrm>
+          <a:prstGeom prst="rect">
+            <a:avLst/>
+          </a:prstGeom>
+          <a:noFill/>
+        </p:spPr>
+        <p:txBody>
+          <a:bodyPr wrap="square">
+            <a:spAutoFit/>
+          </a:bodyPr>
+          <a:lstStyle/>
+          <a:p>
+            <a:r>
+              <a:rPr lang="en" altLang="ko-Kore-KR" dirty="0">
+                <a:latin typeface="DM Mono" panose="020B0509040201040103" pitchFamily="49" charset="0"/>
+              </a:rPr>
+              <a:t>int a = 100;</a:t>
+            </a:r>
+            <a:endParaRPr lang="ko-Kore-KR" altLang="en-US" dirty="0">
+              <a:latin typeface="DM Mono" panose="020B0509040201040103" pitchFamily="49" charset="0"/>
+            </a:endParaRPr>
+          </a:p>
+        </p:txBody>
+      </p:sp>
+      <p:sp>
+        <p:nvSpPr>
+          <p:cNvPr id="8" name="직사각형 7">
+            <a:extLst>
+              <a:ext uri="{FF2B5EF4-FFF2-40B4-BE49-F238E27FC236}">
+                <a16:creationId xmlns:a16="http://schemas.microsoft.com/office/drawing/2014/main" id="{C09D5634-6E46-BCCC-ACFE-D4342B76E019}"/>
+              </a:ext>
+            </a:extLst>
+          </p:cNvPr>
+          <p:cNvSpPr/>
+          <p:nvPr/>
+        </p:nvSpPr>
+        <p:spPr>
+          <a:xfrm>
+            <a:off x="4528868" y="2525957"/>
+            <a:ext cx="925906" cy="447790"/>
+          </a:xfrm>
+          <a:prstGeom prst="rect">
+            <a:avLst/>
+          </a:prstGeom>
+          <a:solidFill>
+            <a:srgbClr val="FFFF00"/>
+          </a:solidFill>
+        </p:spPr>
+        <p:style>
+          <a:lnRef idx="2">
+            <a:schemeClr val="accent1">
+              <a:shade val="50000"/>
+            </a:schemeClr>
+          </a:lnRef>
+          <a:fillRef idx="1">
+            <a:schemeClr val="accent1"/>
+          </a:fillRef>
+          <a:effectRef idx="0">
+            <a:schemeClr val="accent1"/>
+          </a:effectRef>
+          <a:fontRef idx="minor">
+            <a:schemeClr val="lt1"/>
+          </a:fontRef>
+        </p:style>
+        <p:txBody>
+          <a:bodyPr rtlCol="0" anchor="ctr"/>
+          <a:lstStyle/>
+          <a:p>
+            <a:pPr algn="ctr"/>
+            <a:r>
+              <a:rPr kumimoji="1" lang="en-US" altLang="ko-Kore-KR" dirty="0">
+                <a:solidFill>
+                  <a:schemeClr val="tx1"/>
+                </a:solidFill>
+              </a:rPr>
+              <a:t>100</a:t>
+            </a:r>
+            <a:endParaRPr kumimoji="1" lang="ko-Kore-KR" altLang="en-US" dirty="0">
+              <a:solidFill>
+                <a:schemeClr val="tx1"/>
+              </a:solidFill>
+            </a:endParaRPr>
+          </a:p>
+        </p:txBody>
+      </p:sp>
+      <p:sp>
+        <p:nvSpPr>
+          <p:cNvPr id="10" name="TextBox 9">
+            <a:extLst>
+              <a:ext uri="{FF2B5EF4-FFF2-40B4-BE49-F238E27FC236}">
+                <a16:creationId xmlns:a16="http://schemas.microsoft.com/office/drawing/2014/main" id="{E76243F8-A2B2-93BF-66A9-CE2936F73E5D}"/>
+              </a:ext>
+            </a:extLst>
+          </p:cNvPr>
+          <p:cNvSpPr txBox="1"/>
+          <p:nvPr/>
+        </p:nvSpPr>
+        <p:spPr>
+          <a:xfrm>
+            <a:off x="4194595" y="2604415"/>
+            <a:ext cx="377406" cy="369332"/>
+          </a:xfrm>
+          <a:prstGeom prst="rect">
+            <a:avLst/>
+          </a:prstGeom>
+          <a:noFill/>
+        </p:spPr>
+        <p:txBody>
+          <a:bodyPr wrap="square">
+            <a:spAutoFit/>
+          </a:bodyPr>
+          <a:lstStyle/>
+          <a:p>
+            <a:r>
+              <a:rPr lang="en" altLang="ko-Kore-KR" dirty="0">
+                <a:latin typeface="DM Mono" panose="020B0509040201040103" pitchFamily="49" charset="0"/>
+              </a:rPr>
+              <a:t>a</a:t>
+            </a:r>
+            <a:endParaRPr lang="ko-Kore-KR" altLang="en-US" dirty="0"/>
+          </a:p>
+        </p:txBody>
+      </p:sp>
+      <p:sp>
+        <p:nvSpPr>
+          <p:cNvPr id="13" name="TextBox 12">
+            <a:extLst>
+              <a:ext uri="{FF2B5EF4-FFF2-40B4-BE49-F238E27FC236}">
+                <a16:creationId xmlns:a16="http://schemas.microsoft.com/office/drawing/2014/main" id="{3F32D814-AF37-5853-34B2-912159DBA7DD}"/>
+              </a:ext>
+            </a:extLst>
+          </p:cNvPr>
+          <p:cNvSpPr txBox="1"/>
+          <p:nvPr/>
+        </p:nvSpPr>
+        <p:spPr>
+          <a:xfrm>
+            <a:off x="4841931" y="1713102"/>
+            <a:ext cx="808727" cy="369332"/>
+          </a:xfrm>
+          <a:prstGeom prst="rect">
+            <a:avLst/>
+          </a:prstGeom>
+          <a:noFill/>
+        </p:spPr>
+        <p:txBody>
+          <a:bodyPr wrap="square">
+            <a:spAutoFit/>
+          </a:bodyPr>
+          <a:lstStyle/>
+          <a:p>
+            <a:r>
+              <a:rPr lang="en" altLang="ko-Kore-KR" dirty="0">
+                <a:latin typeface="DM Mono" panose="020B0509040201040103" pitchFamily="49" charset="0"/>
+              </a:rPr>
+              <a:t>main</a:t>
+            </a:r>
+            <a:endParaRPr lang="ko-Kore-KR" altLang="en-US" dirty="0"/>
+          </a:p>
+        </p:txBody>
+      </p:sp>
+      <p:sp>
+        <p:nvSpPr>
+          <p:cNvPr id="3" name="TextBox 2">
+            <a:extLst>
+              <a:ext uri="{FF2B5EF4-FFF2-40B4-BE49-F238E27FC236}">
+                <a16:creationId xmlns:a16="http://schemas.microsoft.com/office/drawing/2014/main" id="{CA2F91C5-3CBE-952F-23DC-1E47B1941DEA}"/>
+              </a:ext>
+            </a:extLst>
+          </p:cNvPr>
+          <p:cNvSpPr txBox="1"/>
+          <p:nvPr/>
+        </p:nvSpPr>
+        <p:spPr>
+          <a:xfrm>
+            <a:off x="4237727" y="2288187"/>
+            <a:ext cx="644825" cy="276999"/>
+          </a:xfrm>
+          <a:prstGeom prst="rect">
+            <a:avLst/>
+          </a:prstGeom>
+          <a:noFill/>
+        </p:spPr>
+        <p:txBody>
+          <a:bodyPr wrap="square">
+            <a:spAutoFit/>
+          </a:bodyPr>
+          <a:lstStyle/>
+          <a:p>
+            <a:r>
+              <a:rPr kumimoji="1" lang="en-US" altLang="ko-Kore-KR" sz="1200" dirty="0">
+                <a:solidFill>
+                  <a:schemeClr val="tx1"/>
+                </a:solidFill>
+              </a:rPr>
+              <a:t>1000</a:t>
+            </a:r>
+            <a:endParaRPr lang="ko-Kore-KR" altLang="en-US" sz="1200" dirty="0"/>
+          </a:p>
+        </p:txBody>
+      </p:sp>
+    </p:spTree>
+    <p:extLst>
+      <p:ext uri="{BB962C8B-B14F-4D97-AF65-F5344CB8AC3E}">
+        <p14:creationId xmlns:p14="http://schemas.microsoft.com/office/powerpoint/2010/main" val="1544319948"/>
+      </p:ext>
+    </p:extLst>
+  </p:cSld>
+  <p:clrMapOvr>
+    <a:masterClrMapping/>
+  </p:clrMapOvr>
+</p:sld>
+</file>
+
 <file path=ppt/slides/slide2.xml><?xml version="1.0" encoding="utf-8"?>
 <p:sld xmlns:a="http://schemas.openxmlformats.org/drawingml/2006/main" xmlns:r="http://schemas.openxmlformats.org/officeDocument/2006/relationships" xmlns:p="http://schemas.openxmlformats.org/presentationml/2006/main">
   <p:cSld>
@@ -8449,6 +12263,890 @@
     <p:extLst>
       <p:ext uri="{BB962C8B-B14F-4D97-AF65-F5344CB8AC3E}">
         <p14:creationId xmlns:p14="http://schemas.microsoft.com/office/powerpoint/2010/main" val="1310694685"/>
+      </p:ext>
+    </p:extLst>
+  </p:cSld>
+  <p:clrMapOvr>
+    <a:masterClrMapping/>
+  </p:clrMapOvr>
+</p:sld>
+</file>
+
+<file path=ppt/slides/slide20.xml><?xml version="1.0" encoding="utf-8"?>
+<p:sld xmlns:a="http://schemas.openxmlformats.org/drawingml/2006/main" xmlns:r="http://schemas.openxmlformats.org/officeDocument/2006/relationships" xmlns:p="http://schemas.openxmlformats.org/presentationml/2006/main">
+  <p:cSld>
+    <p:spTree>
+      <p:nvGrpSpPr>
+        <p:cNvPr id="1" name=""/>
+        <p:cNvGrpSpPr/>
+        <p:nvPr/>
+      </p:nvGrpSpPr>
+      <p:grpSpPr>
+        <a:xfrm>
+          <a:off x="0" y="0"/>
+          <a:ext cx="0" cy="0"/>
+          <a:chOff x="0" y="0"/>
+          <a:chExt cx="0" cy="0"/>
+        </a:xfrm>
+      </p:grpSpPr>
+      <p:sp>
+        <p:nvSpPr>
+          <p:cNvPr id="11" name="직사각형 10">
+            <a:extLst>
+              <a:ext uri="{FF2B5EF4-FFF2-40B4-BE49-F238E27FC236}">
+                <a16:creationId xmlns:a16="http://schemas.microsoft.com/office/drawing/2014/main" id="{8516691B-303A-2280-D5D6-599FA628E6C0}"/>
+              </a:ext>
+            </a:extLst>
+          </p:cNvPr>
+          <p:cNvSpPr/>
+          <p:nvPr/>
+        </p:nvSpPr>
+        <p:spPr>
+          <a:xfrm>
+            <a:off x="3574204" y="2087571"/>
+            <a:ext cx="3344182" cy="2527561"/>
+          </a:xfrm>
+          <a:prstGeom prst="rect">
+            <a:avLst/>
+          </a:prstGeom>
+        </p:spPr>
+        <p:style>
+          <a:lnRef idx="2">
+            <a:schemeClr val="dk1"/>
+          </a:lnRef>
+          <a:fillRef idx="1">
+            <a:schemeClr val="lt1"/>
+          </a:fillRef>
+          <a:effectRef idx="0">
+            <a:schemeClr val="dk1"/>
+          </a:effectRef>
+          <a:fontRef idx="minor">
+            <a:schemeClr val="dk1"/>
+          </a:fontRef>
+        </p:style>
+        <p:txBody>
+          <a:bodyPr rtlCol="0" anchor="ctr"/>
+          <a:lstStyle/>
+          <a:p>
+            <a:pPr algn="ctr"/>
+            <a:endParaRPr kumimoji="1" lang="ko-Kore-KR" altLang="en-US" dirty="0">
+              <a:solidFill>
+                <a:schemeClr val="tx1"/>
+              </a:solidFill>
+            </a:endParaRPr>
+          </a:p>
+        </p:txBody>
+      </p:sp>
+      <p:sp>
+        <p:nvSpPr>
+          <p:cNvPr id="7" name="TextBox 6">
+            <a:extLst>
+              <a:ext uri="{FF2B5EF4-FFF2-40B4-BE49-F238E27FC236}">
+                <a16:creationId xmlns:a16="http://schemas.microsoft.com/office/drawing/2014/main" id="{11732E1E-F070-FB47-5716-E2DE052D63A9}"/>
+              </a:ext>
+            </a:extLst>
+          </p:cNvPr>
+          <p:cNvSpPr txBox="1"/>
+          <p:nvPr/>
+        </p:nvSpPr>
+        <p:spPr>
+          <a:xfrm>
+            <a:off x="312708" y="167132"/>
+            <a:ext cx="4216160" cy="646331"/>
+          </a:xfrm>
+          <a:prstGeom prst="rect">
+            <a:avLst/>
+          </a:prstGeom>
+          <a:noFill/>
+        </p:spPr>
+        <p:txBody>
+          <a:bodyPr wrap="square">
+            <a:spAutoFit/>
+          </a:bodyPr>
+          <a:lstStyle/>
+          <a:p>
+            <a:r>
+              <a:rPr lang="en" altLang="ko-Kore-KR" dirty="0">
+                <a:latin typeface="DM Mono" panose="020B0509040201040103" pitchFamily="49" charset="0"/>
+              </a:rPr>
+              <a:t>int a = 100;</a:t>
+            </a:r>
+          </a:p>
+          <a:p>
+            <a:r>
+              <a:rPr lang="en" altLang="ko-Kore-KR" dirty="0">
+                <a:latin typeface="DM Mono" panose="020B0509040201040103" pitchFamily="49" charset="0"/>
+              </a:rPr>
+              <a:t>int* p = </a:t>
+            </a:r>
+            <a:r>
+              <a:rPr lang="en" altLang="ko-Kore-KR" dirty="0">
+                <a:solidFill>
+                  <a:srgbClr val="FF0000"/>
+                </a:solidFill>
+                <a:latin typeface="DM Mono" panose="020B0509040201040103" pitchFamily="49" charset="0"/>
+              </a:rPr>
+              <a:t>&amp;a</a:t>
+            </a:r>
+            <a:r>
+              <a:rPr lang="en" altLang="ko-Kore-KR" dirty="0">
+                <a:latin typeface="DM Mono" panose="020B0509040201040103" pitchFamily="49" charset="0"/>
+              </a:rPr>
+              <a:t>;</a:t>
+            </a:r>
+            <a:endParaRPr lang="ko-Kore-KR" altLang="en-US" dirty="0">
+              <a:latin typeface="DM Mono" panose="020B0509040201040103" pitchFamily="49" charset="0"/>
+            </a:endParaRPr>
+          </a:p>
+        </p:txBody>
+      </p:sp>
+      <p:sp>
+        <p:nvSpPr>
+          <p:cNvPr id="8" name="직사각형 7">
+            <a:extLst>
+              <a:ext uri="{FF2B5EF4-FFF2-40B4-BE49-F238E27FC236}">
+                <a16:creationId xmlns:a16="http://schemas.microsoft.com/office/drawing/2014/main" id="{C09D5634-6E46-BCCC-ACFE-D4342B76E019}"/>
+              </a:ext>
+            </a:extLst>
+          </p:cNvPr>
+          <p:cNvSpPr/>
+          <p:nvPr/>
+        </p:nvSpPr>
+        <p:spPr>
+          <a:xfrm>
+            <a:off x="4528868" y="2525957"/>
+            <a:ext cx="925906" cy="447790"/>
+          </a:xfrm>
+          <a:prstGeom prst="rect">
+            <a:avLst/>
+          </a:prstGeom>
+          <a:solidFill>
+            <a:srgbClr val="FFFF00"/>
+          </a:solidFill>
+        </p:spPr>
+        <p:style>
+          <a:lnRef idx="2">
+            <a:schemeClr val="accent1">
+              <a:shade val="50000"/>
+            </a:schemeClr>
+          </a:lnRef>
+          <a:fillRef idx="1">
+            <a:schemeClr val="accent1"/>
+          </a:fillRef>
+          <a:effectRef idx="0">
+            <a:schemeClr val="accent1"/>
+          </a:effectRef>
+          <a:fontRef idx="minor">
+            <a:schemeClr val="lt1"/>
+          </a:fontRef>
+        </p:style>
+        <p:txBody>
+          <a:bodyPr rtlCol="0" anchor="ctr"/>
+          <a:lstStyle/>
+          <a:p>
+            <a:pPr algn="ctr"/>
+            <a:r>
+              <a:rPr kumimoji="1" lang="en-US" altLang="ko-Kore-KR" dirty="0">
+                <a:solidFill>
+                  <a:schemeClr val="tx1"/>
+                </a:solidFill>
+              </a:rPr>
+              <a:t>100</a:t>
+            </a:r>
+            <a:endParaRPr kumimoji="1" lang="ko-Kore-KR" altLang="en-US" dirty="0">
+              <a:solidFill>
+                <a:schemeClr val="tx1"/>
+              </a:solidFill>
+            </a:endParaRPr>
+          </a:p>
+        </p:txBody>
+      </p:sp>
+      <p:sp>
+        <p:nvSpPr>
+          <p:cNvPr id="10" name="TextBox 9">
+            <a:extLst>
+              <a:ext uri="{FF2B5EF4-FFF2-40B4-BE49-F238E27FC236}">
+                <a16:creationId xmlns:a16="http://schemas.microsoft.com/office/drawing/2014/main" id="{E76243F8-A2B2-93BF-66A9-CE2936F73E5D}"/>
+              </a:ext>
+            </a:extLst>
+          </p:cNvPr>
+          <p:cNvSpPr txBox="1"/>
+          <p:nvPr/>
+        </p:nvSpPr>
+        <p:spPr>
+          <a:xfrm>
+            <a:off x="4194595" y="2604415"/>
+            <a:ext cx="377406" cy="369332"/>
+          </a:xfrm>
+          <a:prstGeom prst="rect">
+            <a:avLst/>
+          </a:prstGeom>
+          <a:noFill/>
+        </p:spPr>
+        <p:txBody>
+          <a:bodyPr wrap="square">
+            <a:spAutoFit/>
+          </a:bodyPr>
+          <a:lstStyle/>
+          <a:p>
+            <a:r>
+              <a:rPr lang="en" altLang="ko-Kore-KR" dirty="0">
+                <a:latin typeface="DM Mono" panose="020B0509040201040103" pitchFamily="49" charset="0"/>
+              </a:rPr>
+              <a:t>a</a:t>
+            </a:r>
+            <a:endParaRPr lang="ko-Kore-KR" altLang="en-US" dirty="0"/>
+          </a:p>
+        </p:txBody>
+      </p:sp>
+      <p:sp>
+        <p:nvSpPr>
+          <p:cNvPr id="13" name="TextBox 12">
+            <a:extLst>
+              <a:ext uri="{FF2B5EF4-FFF2-40B4-BE49-F238E27FC236}">
+                <a16:creationId xmlns:a16="http://schemas.microsoft.com/office/drawing/2014/main" id="{3F32D814-AF37-5853-34B2-912159DBA7DD}"/>
+              </a:ext>
+            </a:extLst>
+          </p:cNvPr>
+          <p:cNvSpPr txBox="1"/>
+          <p:nvPr/>
+        </p:nvSpPr>
+        <p:spPr>
+          <a:xfrm>
+            <a:off x="4841931" y="1713102"/>
+            <a:ext cx="808727" cy="369332"/>
+          </a:xfrm>
+          <a:prstGeom prst="rect">
+            <a:avLst/>
+          </a:prstGeom>
+          <a:noFill/>
+        </p:spPr>
+        <p:txBody>
+          <a:bodyPr wrap="square">
+            <a:spAutoFit/>
+          </a:bodyPr>
+          <a:lstStyle/>
+          <a:p>
+            <a:r>
+              <a:rPr lang="en" altLang="ko-Kore-KR" dirty="0">
+                <a:latin typeface="DM Mono" panose="020B0509040201040103" pitchFamily="49" charset="0"/>
+              </a:rPr>
+              <a:t>main</a:t>
+            </a:r>
+            <a:endParaRPr lang="ko-Kore-KR" altLang="en-US" dirty="0"/>
+          </a:p>
+        </p:txBody>
+      </p:sp>
+      <p:sp>
+        <p:nvSpPr>
+          <p:cNvPr id="3" name="TextBox 2">
+            <a:extLst>
+              <a:ext uri="{FF2B5EF4-FFF2-40B4-BE49-F238E27FC236}">
+                <a16:creationId xmlns:a16="http://schemas.microsoft.com/office/drawing/2014/main" id="{CA2F91C5-3CBE-952F-23DC-1E47B1941DEA}"/>
+              </a:ext>
+            </a:extLst>
+          </p:cNvPr>
+          <p:cNvSpPr txBox="1"/>
+          <p:nvPr/>
+        </p:nvSpPr>
+        <p:spPr>
+          <a:xfrm>
+            <a:off x="4237727" y="2288187"/>
+            <a:ext cx="644825" cy="276999"/>
+          </a:xfrm>
+          <a:prstGeom prst="rect">
+            <a:avLst/>
+          </a:prstGeom>
+          <a:noFill/>
+        </p:spPr>
+        <p:txBody>
+          <a:bodyPr wrap="square">
+            <a:spAutoFit/>
+          </a:bodyPr>
+          <a:lstStyle/>
+          <a:p>
+            <a:r>
+              <a:rPr kumimoji="1" lang="en-US" altLang="ko-Kore-KR" sz="1200" dirty="0">
+                <a:solidFill>
+                  <a:srgbClr val="FF0000"/>
+                </a:solidFill>
+              </a:rPr>
+              <a:t>1000</a:t>
+            </a:r>
+            <a:endParaRPr lang="ko-Kore-KR" altLang="en-US" sz="1200" dirty="0">
+              <a:solidFill>
+                <a:srgbClr val="FF0000"/>
+              </a:solidFill>
+            </a:endParaRPr>
+          </a:p>
+        </p:txBody>
+      </p:sp>
+      <p:sp>
+        <p:nvSpPr>
+          <p:cNvPr id="2" name="직사각형 1">
+            <a:extLst>
+              <a:ext uri="{FF2B5EF4-FFF2-40B4-BE49-F238E27FC236}">
+                <a16:creationId xmlns:a16="http://schemas.microsoft.com/office/drawing/2014/main" id="{ED3C6378-E3A7-7729-D375-520197889D75}"/>
+              </a:ext>
+            </a:extLst>
+          </p:cNvPr>
+          <p:cNvSpPr/>
+          <p:nvPr/>
+        </p:nvSpPr>
+        <p:spPr>
+          <a:xfrm>
+            <a:off x="4572001" y="3352931"/>
+            <a:ext cx="925906" cy="447790"/>
+          </a:xfrm>
+          <a:prstGeom prst="rect">
+            <a:avLst/>
+          </a:prstGeom>
+          <a:solidFill>
+            <a:srgbClr val="FFFF00"/>
+          </a:solidFill>
+        </p:spPr>
+        <p:style>
+          <a:lnRef idx="2">
+            <a:schemeClr val="accent1">
+              <a:shade val="50000"/>
+            </a:schemeClr>
+          </a:lnRef>
+          <a:fillRef idx="1">
+            <a:schemeClr val="accent1"/>
+          </a:fillRef>
+          <a:effectRef idx="0">
+            <a:schemeClr val="accent1"/>
+          </a:effectRef>
+          <a:fontRef idx="minor">
+            <a:schemeClr val="lt1"/>
+          </a:fontRef>
+        </p:style>
+        <p:txBody>
+          <a:bodyPr rtlCol="0" anchor="ctr"/>
+          <a:lstStyle/>
+          <a:p>
+            <a:pPr algn="ctr"/>
+            <a:r>
+              <a:rPr kumimoji="1" lang="en-US" altLang="ko-Kore-KR" dirty="0">
+                <a:solidFill>
+                  <a:srgbClr val="FF0000"/>
+                </a:solidFill>
+              </a:rPr>
+              <a:t>1000</a:t>
+            </a:r>
+            <a:endParaRPr kumimoji="1" lang="ko-Kore-KR" altLang="en-US" dirty="0">
+              <a:solidFill>
+                <a:srgbClr val="FF0000"/>
+              </a:solidFill>
+            </a:endParaRPr>
+          </a:p>
+        </p:txBody>
+      </p:sp>
+      <p:sp>
+        <p:nvSpPr>
+          <p:cNvPr id="4" name="TextBox 3">
+            <a:extLst>
+              <a:ext uri="{FF2B5EF4-FFF2-40B4-BE49-F238E27FC236}">
+                <a16:creationId xmlns:a16="http://schemas.microsoft.com/office/drawing/2014/main" id="{36B143E7-F281-9B52-4490-10788B134BCA}"/>
+              </a:ext>
+            </a:extLst>
+          </p:cNvPr>
+          <p:cNvSpPr txBox="1"/>
+          <p:nvPr/>
+        </p:nvSpPr>
+        <p:spPr>
+          <a:xfrm>
+            <a:off x="4237727" y="3392160"/>
+            <a:ext cx="377406" cy="369332"/>
+          </a:xfrm>
+          <a:prstGeom prst="rect">
+            <a:avLst/>
+          </a:prstGeom>
+          <a:noFill/>
+        </p:spPr>
+        <p:txBody>
+          <a:bodyPr wrap="square">
+            <a:spAutoFit/>
+          </a:bodyPr>
+          <a:lstStyle/>
+          <a:p>
+            <a:r>
+              <a:rPr lang="en" altLang="ko-Kore-KR" dirty="0">
+                <a:latin typeface="DM Mono" panose="020B0509040201040103" pitchFamily="49" charset="0"/>
+              </a:rPr>
+              <a:t>p</a:t>
+            </a:r>
+            <a:endParaRPr lang="ko-Kore-KR" altLang="en-US" dirty="0"/>
+          </a:p>
+        </p:txBody>
+      </p:sp>
+    </p:spTree>
+    <p:extLst>
+      <p:ext uri="{BB962C8B-B14F-4D97-AF65-F5344CB8AC3E}">
+        <p14:creationId xmlns:p14="http://schemas.microsoft.com/office/powerpoint/2010/main" val="2195016023"/>
+      </p:ext>
+    </p:extLst>
+  </p:cSld>
+  <p:clrMapOvr>
+    <a:masterClrMapping/>
+  </p:clrMapOvr>
+</p:sld>
+</file>
+
+<file path=ppt/slides/slide21.xml><?xml version="1.0" encoding="utf-8"?>
+<p:sld xmlns:a="http://schemas.openxmlformats.org/drawingml/2006/main" xmlns:r="http://schemas.openxmlformats.org/officeDocument/2006/relationships" xmlns:p="http://schemas.openxmlformats.org/presentationml/2006/main">
+  <p:cSld>
+    <p:spTree>
+      <p:nvGrpSpPr>
+        <p:cNvPr id="1" name=""/>
+        <p:cNvGrpSpPr/>
+        <p:nvPr/>
+      </p:nvGrpSpPr>
+      <p:grpSpPr>
+        <a:xfrm>
+          <a:off x="0" y="0"/>
+          <a:ext cx="0" cy="0"/>
+          <a:chOff x="0" y="0"/>
+          <a:chExt cx="0" cy="0"/>
+        </a:xfrm>
+      </p:grpSpPr>
+      <p:sp>
+        <p:nvSpPr>
+          <p:cNvPr id="11" name="직사각형 10">
+            <a:extLst>
+              <a:ext uri="{FF2B5EF4-FFF2-40B4-BE49-F238E27FC236}">
+                <a16:creationId xmlns:a16="http://schemas.microsoft.com/office/drawing/2014/main" id="{8516691B-303A-2280-D5D6-599FA628E6C0}"/>
+              </a:ext>
+            </a:extLst>
+          </p:cNvPr>
+          <p:cNvSpPr/>
+          <p:nvPr/>
+        </p:nvSpPr>
+        <p:spPr>
+          <a:xfrm>
+            <a:off x="3574204" y="2087571"/>
+            <a:ext cx="3344182" cy="2527561"/>
+          </a:xfrm>
+          <a:prstGeom prst="rect">
+            <a:avLst/>
+          </a:prstGeom>
+        </p:spPr>
+        <p:style>
+          <a:lnRef idx="2">
+            <a:schemeClr val="dk1"/>
+          </a:lnRef>
+          <a:fillRef idx="1">
+            <a:schemeClr val="lt1"/>
+          </a:fillRef>
+          <a:effectRef idx="0">
+            <a:schemeClr val="dk1"/>
+          </a:effectRef>
+          <a:fontRef idx="minor">
+            <a:schemeClr val="dk1"/>
+          </a:fontRef>
+        </p:style>
+        <p:txBody>
+          <a:bodyPr rtlCol="0" anchor="ctr"/>
+          <a:lstStyle/>
+          <a:p>
+            <a:pPr algn="ctr"/>
+            <a:endParaRPr kumimoji="1" lang="ko-Kore-KR" altLang="en-US" dirty="0">
+              <a:solidFill>
+                <a:schemeClr val="tx1"/>
+              </a:solidFill>
+            </a:endParaRPr>
+          </a:p>
+        </p:txBody>
+      </p:sp>
+      <p:sp>
+        <p:nvSpPr>
+          <p:cNvPr id="7" name="TextBox 6">
+            <a:extLst>
+              <a:ext uri="{FF2B5EF4-FFF2-40B4-BE49-F238E27FC236}">
+                <a16:creationId xmlns:a16="http://schemas.microsoft.com/office/drawing/2014/main" id="{11732E1E-F070-FB47-5716-E2DE052D63A9}"/>
+              </a:ext>
+            </a:extLst>
+          </p:cNvPr>
+          <p:cNvSpPr txBox="1"/>
+          <p:nvPr/>
+        </p:nvSpPr>
+        <p:spPr>
+          <a:xfrm>
+            <a:off x="312708" y="167132"/>
+            <a:ext cx="4216160" cy="1200329"/>
+          </a:xfrm>
+          <a:prstGeom prst="rect">
+            <a:avLst/>
+          </a:prstGeom>
+          <a:noFill/>
+        </p:spPr>
+        <p:txBody>
+          <a:bodyPr wrap="square">
+            <a:spAutoFit/>
+          </a:bodyPr>
+          <a:lstStyle/>
+          <a:p>
+            <a:r>
+              <a:rPr lang="en" altLang="ko-Kore-KR" dirty="0">
+                <a:latin typeface="DM Mono" panose="020B0509040201040103" pitchFamily="49" charset="0"/>
+              </a:rPr>
+              <a:t>int a = 100;</a:t>
+            </a:r>
+          </a:p>
+          <a:p>
+            <a:r>
+              <a:rPr lang="en" altLang="ko-Kore-KR" dirty="0">
+                <a:latin typeface="DM Mono" panose="020B0509040201040103" pitchFamily="49" charset="0"/>
+              </a:rPr>
+              <a:t>int* p = &amp;a;</a:t>
+            </a:r>
+          </a:p>
+          <a:p>
+            <a:endParaRPr lang="en" altLang="ko-Kore-KR" dirty="0">
+              <a:latin typeface="DM Mono" panose="020B0509040201040103" pitchFamily="49" charset="0"/>
+            </a:endParaRPr>
+          </a:p>
+          <a:p>
+            <a:r>
+              <a:rPr lang="en" altLang="ko-Kore-KR" dirty="0">
+                <a:solidFill>
+                  <a:srgbClr val="FF0000"/>
+                </a:solidFill>
+                <a:latin typeface="DM Mono" panose="020B0509040201040103" pitchFamily="49" charset="0"/>
+              </a:rPr>
+              <a:t>*p = 200;</a:t>
+            </a:r>
+            <a:endParaRPr lang="ko-Kore-KR" altLang="en-US" dirty="0">
+              <a:solidFill>
+                <a:srgbClr val="FF0000"/>
+              </a:solidFill>
+              <a:latin typeface="DM Mono" panose="020B0509040201040103" pitchFamily="49" charset="0"/>
+            </a:endParaRPr>
+          </a:p>
+        </p:txBody>
+      </p:sp>
+      <p:sp>
+        <p:nvSpPr>
+          <p:cNvPr id="8" name="직사각형 7">
+            <a:extLst>
+              <a:ext uri="{FF2B5EF4-FFF2-40B4-BE49-F238E27FC236}">
+                <a16:creationId xmlns:a16="http://schemas.microsoft.com/office/drawing/2014/main" id="{C09D5634-6E46-BCCC-ACFE-D4342B76E019}"/>
+              </a:ext>
+            </a:extLst>
+          </p:cNvPr>
+          <p:cNvSpPr/>
+          <p:nvPr/>
+        </p:nvSpPr>
+        <p:spPr>
+          <a:xfrm>
+            <a:off x="4528868" y="2525957"/>
+            <a:ext cx="925906" cy="447790"/>
+          </a:xfrm>
+          <a:prstGeom prst="rect">
+            <a:avLst/>
+          </a:prstGeom>
+          <a:solidFill>
+            <a:srgbClr val="FFFF00"/>
+          </a:solidFill>
+        </p:spPr>
+        <p:style>
+          <a:lnRef idx="2">
+            <a:schemeClr val="accent1">
+              <a:shade val="50000"/>
+            </a:schemeClr>
+          </a:lnRef>
+          <a:fillRef idx="1">
+            <a:schemeClr val="accent1"/>
+          </a:fillRef>
+          <a:effectRef idx="0">
+            <a:schemeClr val="accent1"/>
+          </a:effectRef>
+          <a:fontRef idx="minor">
+            <a:schemeClr val="lt1"/>
+          </a:fontRef>
+        </p:style>
+        <p:txBody>
+          <a:bodyPr rtlCol="0" anchor="ctr"/>
+          <a:lstStyle/>
+          <a:p>
+            <a:pPr algn="ctr"/>
+            <a:r>
+              <a:rPr kumimoji="1" lang="en-US" altLang="ko-Kore-KR" dirty="0">
+                <a:solidFill>
+                  <a:srgbClr val="FF0000"/>
+                </a:solidFill>
+              </a:rPr>
+              <a:t>200</a:t>
+            </a:r>
+            <a:endParaRPr kumimoji="1" lang="ko-Kore-KR" altLang="en-US" dirty="0">
+              <a:solidFill>
+                <a:srgbClr val="FF0000"/>
+              </a:solidFill>
+            </a:endParaRPr>
+          </a:p>
+        </p:txBody>
+      </p:sp>
+      <p:sp>
+        <p:nvSpPr>
+          <p:cNvPr id="10" name="TextBox 9">
+            <a:extLst>
+              <a:ext uri="{FF2B5EF4-FFF2-40B4-BE49-F238E27FC236}">
+                <a16:creationId xmlns:a16="http://schemas.microsoft.com/office/drawing/2014/main" id="{E76243F8-A2B2-93BF-66A9-CE2936F73E5D}"/>
+              </a:ext>
+            </a:extLst>
+          </p:cNvPr>
+          <p:cNvSpPr txBox="1"/>
+          <p:nvPr/>
+        </p:nvSpPr>
+        <p:spPr>
+          <a:xfrm>
+            <a:off x="4194595" y="2604415"/>
+            <a:ext cx="377406" cy="369332"/>
+          </a:xfrm>
+          <a:prstGeom prst="rect">
+            <a:avLst/>
+          </a:prstGeom>
+          <a:noFill/>
+        </p:spPr>
+        <p:txBody>
+          <a:bodyPr wrap="square">
+            <a:spAutoFit/>
+          </a:bodyPr>
+          <a:lstStyle/>
+          <a:p>
+            <a:r>
+              <a:rPr lang="en" altLang="ko-Kore-KR" dirty="0">
+                <a:latin typeface="DM Mono" panose="020B0509040201040103" pitchFamily="49" charset="0"/>
+              </a:rPr>
+              <a:t>a</a:t>
+            </a:r>
+            <a:endParaRPr lang="ko-Kore-KR" altLang="en-US" dirty="0"/>
+          </a:p>
+        </p:txBody>
+      </p:sp>
+      <p:sp>
+        <p:nvSpPr>
+          <p:cNvPr id="13" name="TextBox 12">
+            <a:extLst>
+              <a:ext uri="{FF2B5EF4-FFF2-40B4-BE49-F238E27FC236}">
+                <a16:creationId xmlns:a16="http://schemas.microsoft.com/office/drawing/2014/main" id="{3F32D814-AF37-5853-34B2-912159DBA7DD}"/>
+              </a:ext>
+            </a:extLst>
+          </p:cNvPr>
+          <p:cNvSpPr txBox="1"/>
+          <p:nvPr/>
+        </p:nvSpPr>
+        <p:spPr>
+          <a:xfrm>
+            <a:off x="4841931" y="1713102"/>
+            <a:ext cx="808727" cy="369332"/>
+          </a:xfrm>
+          <a:prstGeom prst="rect">
+            <a:avLst/>
+          </a:prstGeom>
+          <a:noFill/>
+        </p:spPr>
+        <p:txBody>
+          <a:bodyPr wrap="square">
+            <a:spAutoFit/>
+          </a:bodyPr>
+          <a:lstStyle/>
+          <a:p>
+            <a:r>
+              <a:rPr lang="en" altLang="ko-Kore-KR" dirty="0">
+                <a:latin typeface="DM Mono" panose="020B0509040201040103" pitchFamily="49" charset="0"/>
+              </a:rPr>
+              <a:t>main</a:t>
+            </a:r>
+            <a:endParaRPr lang="ko-Kore-KR" altLang="en-US" dirty="0"/>
+          </a:p>
+        </p:txBody>
+      </p:sp>
+      <p:sp>
+        <p:nvSpPr>
+          <p:cNvPr id="3" name="TextBox 2">
+            <a:extLst>
+              <a:ext uri="{FF2B5EF4-FFF2-40B4-BE49-F238E27FC236}">
+                <a16:creationId xmlns:a16="http://schemas.microsoft.com/office/drawing/2014/main" id="{CA2F91C5-3CBE-952F-23DC-1E47B1941DEA}"/>
+              </a:ext>
+            </a:extLst>
+          </p:cNvPr>
+          <p:cNvSpPr txBox="1"/>
+          <p:nvPr/>
+        </p:nvSpPr>
+        <p:spPr>
+          <a:xfrm>
+            <a:off x="4237727" y="2288187"/>
+            <a:ext cx="644825" cy="276999"/>
+          </a:xfrm>
+          <a:prstGeom prst="rect">
+            <a:avLst/>
+          </a:prstGeom>
+          <a:noFill/>
+        </p:spPr>
+        <p:txBody>
+          <a:bodyPr wrap="square">
+            <a:spAutoFit/>
+          </a:bodyPr>
+          <a:lstStyle/>
+          <a:p>
+            <a:r>
+              <a:rPr kumimoji="1" lang="en-US" altLang="ko-Kore-KR" sz="1200" dirty="0"/>
+              <a:t>1000</a:t>
+            </a:r>
+            <a:endParaRPr lang="ko-Kore-KR" altLang="en-US" sz="1200" dirty="0"/>
+          </a:p>
+        </p:txBody>
+      </p:sp>
+      <p:sp>
+        <p:nvSpPr>
+          <p:cNvPr id="2" name="직사각형 1">
+            <a:extLst>
+              <a:ext uri="{FF2B5EF4-FFF2-40B4-BE49-F238E27FC236}">
+                <a16:creationId xmlns:a16="http://schemas.microsoft.com/office/drawing/2014/main" id="{ED3C6378-E3A7-7729-D375-520197889D75}"/>
+              </a:ext>
+            </a:extLst>
+          </p:cNvPr>
+          <p:cNvSpPr/>
+          <p:nvPr/>
+        </p:nvSpPr>
+        <p:spPr>
+          <a:xfrm>
+            <a:off x="4572001" y="3352931"/>
+            <a:ext cx="925906" cy="447790"/>
+          </a:xfrm>
+          <a:prstGeom prst="rect">
+            <a:avLst/>
+          </a:prstGeom>
+          <a:solidFill>
+            <a:srgbClr val="FFFF00"/>
+          </a:solidFill>
+        </p:spPr>
+        <p:style>
+          <a:lnRef idx="2">
+            <a:schemeClr val="accent1">
+              <a:shade val="50000"/>
+            </a:schemeClr>
+          </a:lnRef>
+          <a:fillRef idx="1">
+            <a:schemeClr val="accent1"/>
+          </a:fillRef>
+          <a:effectRef idx="0">
+            <a:schemeClr val="accent1"/>
+          </a:effectRef>
+          <a:fontRef idx="minor">
+            <a:schemeClr val="lt1"/>
+          </a:fontRef>
+        </p:style>
+        <p:txBody>
+          <a:bodyPr rtlCol="0" anchor="ctr"/>
+          <a:lstStyle/>
+          <a:p>
+            <a:pPr algn="ctr"/>
+            <a:r>
+              <a:rPr kumimoji="1" lang="en-US" altLang="ko-Kore-KR" dirty="0">
+                <a:solidFill>
+                  <a:schemeClr val="tx1"/>
+                </a:solidFill>
+              </a:rPr>
+              <a:t>1000</a:t>
+            </a:r>
+            <a:endParaRPr kumimoji="1" lang="ko-Kore-KR" altLang="en-US" dirty="0">
+              <a:solidFill>
+                <a:schemeClr val="tx1"/>
+              </a:solidFill>
+            </a:endParaRPr>
+          </a:p>
+        </p:txBody>
+      </p:sp>
+      <p:sp>
+        <p:nvSpPr>
+          <p:cNvPr id="4" name="TextBox 3">
+            <a:extLst>
+              <a:ext uri="{FF2B5EF4-FFF2-40B4-BE49-F238E27FC236}">
+                <a16:creationId xmlns:a16="http://schemas.microsoft.com/office/drawing/2014/main" id="{36B143E7-F281-9B52-4490-10788B134BCA}"/>
+              </a:ext>
+            </a:extLst>
+          </p:cNvPr>
+          <p:cNvSpPr txBox="1"/>
+          <p:nvPr/>
+        </p:nvSpPr>
+        <p:spPr>
+          <a:xfrm>
+            <a:off x="4237727" y="3392160"/>
+            <a:ext cx="377406" cy="369332"/>
+          </a:xfrm>
+          <a:prstGeom prst="rect">
+            <a:avLst/>
+          </a:prstGeom>
+          <a:noFill/>
+        </p:spPr>
+        <p:txBody>
+          <a:bodyPr wrap="square">
+            <a:spAutoFit/>
+          </a:bodyPr>
+          <a:lstStyle/>
+          <a:p>
+            <a:r>
+              <a:rPr lang="en" altLang="ko-Kore-KR" dirty="0">
+                <a:latin typeface="DM Mono" panose="020B0509040201040103" pitchFamily="49" charset="0"/>
+              </a:rPr>
+              <a:t>p</a:t>
+            </a:r>
+            <a:endParaRPr lang="ko-Kore-KR" altLang="en-US" dirty="0"/>
+          </a:p>
+        </p:txBody>
+      </p:sp>
+      <p:cxnSp>
+        <p:nvCxnSpPr>
+          <p:cNvPr id="6" name="구부러진 연결선[U] 5">
+            <a:extLst>
+              <a:ext uri="{FF2B5EF4-FFF2-40B4-BE49-F238E27FC236}">
+                <a16:creationId xmlns:a16="http://schemas.microsoft.com/office/drawing/2014/main" id="{31884FAE-54E6-1372-9F33-AD33C868F875}"/>
+              </a:ext>
+            </a:extLst>
+          </p:cNvPr>
+          <p:cNvCxnSpPr>
+            <a:cxnSpLocks/>
+            <a:stCxn id="2" idx="3"/>
+            <a:endCxn id="8" idx="0"/>
+          </p:cNvCxnSpPr>
+          <p:nvPr/>
+        </p:nvCxnSpPr>
+        <p:spPr>
+          <a:xfrm flipH="1" flipV="1">
+            <a:off x="4991821" y="2525957"/>
+            <a:ext cx="506086" cy="1050869"/>
+          </a:xfrm>
+          <a:prstGeom prst="curvedConnector4">
+            <a:avLst>
+              <a:gd name="adj1" fmla="val -111647"/>
+              <a:gd name="adj2" fmla="val 121753"/>
+            </a:avLst>
+          </a:prstGeom>
+          <a:ln>
+            <a:tailEnd type="triangle"/>
+          </a:ln>
+        </p:spPr>
+        <p:style>
+          <a:lnRef idx="1">
+            <a:schemeClr val="dk1"/>
+          </a:lnRef>
+          <a:fillRef idx="0">
+            <a:schemeClr val="dk1"/>
+          </a:fillRef>
+          <a:effectRef idx="0">
+            <a:schemeClr val="dk1"/>
+          </a:effectRef>
+          <a:fontRef idx="minor">
+            <a:schemeClr val="tx1"/>
+          </a:fontRef>
+        </p:style>
+      </p:cxnSp>
+    </p:spTree>
+    <p:extLst>
+      <p:ext uri="{BB962C8B-B14F-4D97-AF65-F5344CB8AC3E}">
+        <p14:creationId xmlns:p14="http://schemas.microsoft.com/office/powerpoint/2010/main" val="3196270255"/>
       </p:ext>
     </p:extLst>
   </p:cSld>

--- a/230216.pptx
+++ b/230216.pptx
@@ -5,7 +5,7 @@
     <p:sldMasterId id="2147483648" r:id="rId1"/>
   </p:sldMasterIdLst>
   <p:notesMasterIdLst>
-    <p:notesMasterId r:id="rId23"/>
+    <p:notesMasterId r:id="rId24"/>
   </p:notesMasterIdLst>
   <p:sldIdLst>
     <p:sldId id="256" r:id="rId2"/>
@@ -29,6 +29,7 @@
     <p:sldId id="271" r:id="rId20"/>
     <p:sldId id="272" r:id="rId21"/>
     <p:sldId id="273" r:id="rId22"/>
+    <p:sldId id="277" r:id="rId23"/>
   </p:sldIdLst>
   <p:sldSz cx="12192000" cy="6858000"/>
   <p:notesSz cx="6858000" cy="9144000"/>
@@ -13147,6 +13148,883 @@
     <p:extLst>
       <p:ext uri="{BB962C8B-B14F-4D97-AF65-F5344CB8AC3E}">
         <p14:creationId xmlns:p14="http://schemas.microsoft.com/office/powerpoint/2010/main" val="3196270255"/>
+      </p:ext>
+    </p:extLst>
+  </p:cSld>
+  <p:clrMapOvr>
+    <a:masterClrMapping/>
+  </p:clrMapOvr>
+</p:sld>
+</file>
+
+<file path=ppt/slides/slide22.xml><?xml version="1.0" encoding="utf-8"?>
+<p:sld xmlns:a="http://schemas.openxmlformats.org/drawingml/2006/main" xmlns:r="http://schemas.openxmlformats.org/officeDocument/2006/relationships" xmlns:p="http://schemas.openxmlformats.org/presentationml/2006/main">
+  <p:cSld>
+    <p:spTree>
+      <p:nvGrpSpPr>
+        <p:cNvPr id="1" name=""/>
+        <p:cNvGrpSpPr/>
+        <p:nvPr/>
+      </p:nvGrpSpPr>
+      <p:grpSpPr>
+        <a:xfrm>
+          <a:off x="0" y="0"/>
+          <a:ext cx="0" cy="0"/>
+          <a:chOff x="0" y="0"/>
+          <a:chExt cx="0" cy="0"/>
+        </a:xfrm>
+      </p:grpSpPr>
+      <p:sp>
+        <p:nvSpPr>
+          <p:cNvPr id="11" name="직사각형 10">
+            <a:extLst>
+              <a:ext uri="{FF2B5EF4-FFF2-40B4-BE49-F238E27FC236}">
+                <a16:creationId xmlns:a16="http://schemas.microsoft.com/office/drawing/2014/main" id="{8516691B-303A-2280-D5D6-599FA628E6C0}"/>
+              </a:ext>
+            </a:extLst>
+          </p:cNvPr>
+          <p:cNvSpPr/>
+          <p:nvPr/>
+        </p:nvSpPr>
+        <p:spPr>
+          <a:xfrm>
+            <a:off x="3574203" y="2087571"/>
+            <a:ext cx="7786785" cy="2527561"/>
+          </a:xfrm>
+          <a:prstGeom prst="rect">
+            <a:avLst/>
+          </a:prstGeom>
+        </p:spPr>
+        <p:style>
+          <a:lnRef idx="2">
+            <a:schemeClr val="dk1"/>
+          </a:lnRef>
+          <a:fillRef idx="1">
+            <a:schemeClr val="lt1"/>
+          </a:fillRef>
+          <a:effectRef idx="0">
+            <a:schemeClr val="dk1"/>
+          </a:effectRef>
+          <a:fontRef idx="minor">
+            <a:schemeClr val="dk1"/>
+          </a:fontRef>
+        </p:style>
+        <p:txBody>
+          <a:bodyPr rtlCol="0" anchor="ctr"/>
+          <a:lstStyle/>
+          <a:p>
+            <a:pPr algn="ctr"/>
+            <a:endParaRPr kumimoji="1" lang="ko-Kore-KR" altLang="en-US" dirty="0">
+              <a:solidFill>
+                <a:schemeClr val="tx1"/>
+              </a:solidFill>
+            </a:endParaRPr>
+          </a:p>
+        </p:txBody>
+      </p:sp>
+      <p:sp>
+        <p:nvSpPr>
+          <p:cNvPr id="7" name="TextBox 6">
+            <a:extLst>
+              <a:ext uri="{FF2B5EF4-FFF2-40B4-BE49-F238E27FC236}">
+                <a16:creationId xmlns:a16="http://schemas.microsoft.com/office/drawing/2014/main" id="{11732E1E-F070-FB47-5716-E2DE052D63A9}"/>
+              </a:ext>
+            </a:extLst>
+          </p:cNvPr>
+          <p:cNvSpPr txBox="1"/>
+          <p:nvPr/>
+        </p:nvSpPr>
+        <p:spPr>
+          <a:xfrm>
+            <a:off x="312708" y="167132"/>
+            <a:ext cx="4216160" cy="923330"/>
+          </a:xfrm>
+          <a:prstGeom prst="rect">
+            <a:avLst/>
+          </a:prstGeom>
+          <a:noFill/>
+        </p:spPr>
+        <p:txBody>
+          <a:bodyPr wrap="square">
+            <a:spAutoFit/>
+          </a:bodyPr>
+          <a:lstStyle/>
+          <a:p>
+            <a:r>
+              <a:rPr lang="en" altLang="ko-Kore-KR" dirty="0">
+                <a:latin typeface="DM Mono" panose="020B0509040201040103" pitchFamily="49" charset="0"/>
+              </a:rPr>
+              <a:t> int n = 10;      // 4</a:t>
+            </a:r>
+          </a:p>
+          <a:p>
+            <a:r>
+              <a:rPr lang="en" altLang="ko-Kore-KR" dirty="0">
+                <a:latin typeface="DM Mono" panose="020B0509040201040103" pitchFamily="49" charset="0"/>
+              </a:rPr>
+              <a:t> char c = 'A';    // 1</a:t>
+            </a:r>
+          </a:p>
+          <a:p>
+            <a:r>
+              <a:rPr lang="en" altLang="ko-Kore-KR" dirty="0">
+                <a:latin typeface="DM Mono" panose="020B0509040201040103" pitchFamily="49" charset="0"/>
+              </a:rPr>
+              <a:t> double d = 3.14; // 8</a:t>
+            </a:r>
+            <a:endParaRPr lang="ko-Kore-KR" altLang="en-US" dirty="0">
+              <a:solidFill>
+                <a:srgbClr val="FF0000"/>
+              </a:solidFill>
+              <a:latin typeface="DM Mono" panose="020B0509040201040103" pitchFamily="49" charset="0"/>
+            </a:endParaRPr>
+          </a:p>
+        </p:txBody>
+      </p:sp>
+      <p:sp>
+        <p:nvSpPr>
+          <p:cNvPr id="8" name="직사각형 7">
+            <a:extLst>
+              <a:ext uri="{FF2B5EF4-FFF2-40B4-BE49-F238E27FC236}">
+                <a16:creationId xmlns:a16="http://schemas.microsoft.com/office/drawing/2014/main" id="{C09D5634-6E46-BCCC-ACFE-D4342B76E019}"/>
+              </a:ext>
+            </a:extLst>
+          </p:cNvPr>
+          <p:cNvSpPr/>
+          <p:nvPr/>
+        </p:nvSpPr>
+        <p:spPr>
+          <a:xfrm>
+            <a:off x="4528868" y="2525957"/>
+            <a:ext cx="706656" cy="447790"/>
+          </a:xfrm>
+          <a:prstGeom prst="rect">
+            <a:avLst/>
+          </a:prstGeom>
+          <a:solidFill>
+            <a:srgbClr val="FFFF00"/>
+          </a:solidFill>
+        </p:spPr>
+        <p:style>
+          <a:lnRef idx="2">
+            <a:schemeClr val="accent1">
+              <a:shade val="50000"/>
+            </a:schemeClr>
+          </a:lnRef>
+          <a:fillRef idx="1">
+            <a:schemeClr val="accent1"/>
+          </a:fillRef>
+          <a:effectRef idx="0">
+            <a:schemeClr val="accent1"/>
+          </a:effectRef>
+          <a:fontRef idx="minor">
+            <a:schemeClr val="lt1"/>
+          </a:fontRef>
+        </p:style>
+        <p:txBody>
+          <a:bodyPr rtlCol="0" anchor="ctr"/>
+          <a:lstStyle/>
+          <a:p>
+            <a:pPr algn="ctr"/>
+            <a:r>
+              <a:rPr kumimoji="1" lang="en-US" altLang="ko-Kore-KR" dirty="0">
+                <a:solidFill>
+                  <a:schemeClr val="tx1"/>
+                </a:solidFill>
+              </a:rPr>
+              <a:t>10</a:t>
+            </a:r>
+            <a:endParaRPr kumimoji="1" lang="ko-Kore-KR" altLang="en-US" dirty="0">
+              <a:solidFill>
+                <a:schemeClr val="tx1"/>
+              </a:solidFill>
+            </a:endParaRPr>
+          </a:p>
+        </p:txBody>
+      </p:sp>
+      <p:sp>
+        <p:nvSpPr>
+          <p:cNvPr id="10" name="TextBox 9">
+            <a:extLst>
+              <a:ext uri="{FF2B5EF4-FFF2-40B4-BE49-F238E27FC236}">
+                <a16:creationId xmlns:a16="http://schemas.microsoft.com/office/drawing/2014/main" id="{E76243F8-A2B2-93BF-66A9-CE2936F73E5D}"/>
+              </a:ext>
+            </a:extLst>
+          </p:cNvPr>
+          <p:cNvSpPr txBox="1"/>
+          <p:nvPr/>
+        </p:nvSpPr>
+        <p:spPr>
+          <a:xfrm>
+            <a:off x="4194595" y="2604415"/>
+            <a:ext cx="377406" cy="369332"/>
+          </a:xfrm>
+          <a:prstGeom prst="rect">
+            <a:avLst/>
+          </a:prstGeom>
+          <a:noFill/>
+        </p:spPr>
+        <p:txBody>
+          <a:bodyPr wrap="square">
+            <a:spAutoFit/>
+          </a:bodyPr>
+          <a:lstStyle/>
+          <a:p>
+            <a:r>
+              <a:rPr lang="en" altLang="ko-Kore-KR" dirty="0">
+                <a:latin typeface="DM Mono" panose="020B0509040201040103" pitchFamily="49" charset="0"/>
+              </a:rPr>
+              <a:t>n</a:t>
+            </a:r>
+            <a:endParaRPr lang="ko-Kore-KR" altLang="en-US" dirty="0"/>
+          </a:p>
+        </p:txBody>
+      </p:sp>
+      <p:sp>
+        <p:nvSpPr>
+          <p:cNvPr id="13" name="TextBox 12">
+            <a:extLst>
+              <a:ext uri="{FF2B5EF4-FFF2-40B4-BE49-F238E27FC236}">
+                <a16:creationId xmlns:a16="http://schemas.microsoft.com/office/drawing/2014/main" id="{3F32D814-AF37-5853-34B2-912159DBA7DD}"/>
+              </a:ext>
+            </a:extLst>
+          </p:cNvPr>
+          <p:cNvSpPr txBox="1"/>
+          <p:nvPr/>
+        </p:nvSpPr>
+        <p:spPr>
+          <a:xfrm>
+            <a:off x="4841931" y="1713102"/>
+            <a:ext cx="808727" cy="369332"/>
+          </a:xfrm>
+          <a:prstGeom prst="rect">
+            <a:avLst/>
+          </a:prstGeom>
+          <a:noFill/>
+        </p:spPr>
+        <p:txBody>
+          <a:bodyPr wrap="square">
+            <a:spAutoFit/>
+          </a:bodyPr>
+          <a:lstStyle/>
+          <a:p>
+            <a:r>
+              <a:rPr lang="en" altLang="ko-Kore-KR" dirty="0">
+                <a:latin typeface="DM Mono" panose="020B0509040201040103" pitchFamily="49" charset="0"/>
+              </a:rPr>
+              <a:t>main</a:t>
+            </a:r>
+            <a:endParaRPr lang="ko-Kore-KR" altLang="en-US" dirty="0"/>
+          </a:p>
+        </p:txBody>
+      </p:sp>
+      <p:sp>
+        <p:nvSpPr>
+          <p:cNvPr id="3" name="TextBox 2">
+            <a:extLst>
+              <a:ext uri="{FF2B5EF4-FFF2-40B4-BE49-F238E27FC236}">
+                <a16:creationId xmlns:a16="http://schemas.microsoft.com/office/drawing/2014/main" id="{CA2F91C5-3CBE-952F-23DC-1E47B1941DEA}"/>
+              </a:ext>
+            </a:extLst>
+          </p:cNvPr>
+          <p:cNvSpPr txBox="1"/>
+          <p:nvPr/>
+        </p:nvSpPr>
+        <p:spPr>
+          <a:xfrm>
+            <a:off x="4237727" y="2288187"/>
+            <a:ext cx="644825" cy="276999"/>
+          </a:xfrm>
+          <a:prstGeom prst="rect">
+            <a:avLst/>
+          </a:prstGeom>
+          <a:noFill/>
+        </p:spPr>
+        <p:txBody>
+          <a:bodyPr wrap="square">
+            <a:spAutoFit/>
+          </a:bodyPr>
+          <a:lstStyle/>
+          <a:p>
+            <a:r>
+              <a:rPr kumimoji="1" lang="en-US" altLang="ko-Kore-KR" sz="1200" dirty="0"/>
+              <a:t>1000</a:t>
+            </a:r>
+            <a:endParaRPr lang="ko-Kore-KR" altLang="en-US" sz="1200" dirty="0"/>
+          </a:p>
+        </p:txBody>
+      </p:sp>
+      <p:sp>
+        <p:nvSpPr>
+          <p:cNvPr id="2" name="직사각형 1">
+            <a:extLst>
+              <a:ext uri="{FF2B5EF4-FFF2-40B4-BE49-F238E27FC236}">
+                <a16:creationId xmlns:a16="http://schemas.microsoft.com/office/drawing/2014/main" id="{ED3C6378-E3A7-7729-D375-520197889D75}"/>
+              </a:ext>
+            </a:extLst>
+          </p:cNvPr>
+          <p:cNvSpPr/>
+          <p:nvPr/>
+        </p:nvSpPr>
+        <p:spPr>
+          <a:xfrm>
+            <a:off x="4528869" y="3122754"/>
+            <a:ext cx="313062" cy="447790"/>
+          </a:xfrm>
+          <a:prstGeom prst="rect">
+            <a:avLst/>
+          </a:prstGeom>
+          <a:solidFill>
+            <a:srgbClr val="FFFF00"/>
+          </a:solidFill>
+        </p:spPr>
+        <p:style>
+          <a:lnRef idx="2">
+            <a:schemeClr val="accent1">
+              <a:shade val="50000"/>
+            </a:schemeClr>
+          </a:lnRef>
+          <a:fillRef idx="1">
+            <a:schemeClr val="accent1"/>
+          </a:fillRef>
+          <a:effectRef idx="0">
+            <a:schemeClr val="accent1"/>
+          </a:effectRef>
+          <a:fontRef idx="minor">
+            <a:schemeClr val="lt1"/>
+          </a:fontRef>
+        </p:style>
+        <p:txBody>
+          <a:bodyPr rtlCol="0" anchor="ctr"/>
+          <a:lstStyle/>
+          <a:p>
+            <a:pPr algn="ctr"/>
+            <a:r>
+              <a:rPr kumimoji="1" lang="en-US" altLang="ko-Kore-KR" sz="1600" dirty="0">
+                <a:solidFill>
+                  <a:schemeClr val="tx1"/>
+                </a:solidFill>
+              </a:rPr>
+              <a:t>A</a:t>
+            </a:r>
+            <a:endParaRPr kumimoji="1" lang="ko-Kore-KR" altLang="en-US" sz="1600" dirty="0">
+              <a:solidFill>
+                <a:schemeClr val="tx1"/>
+              </a:solidFill>
+            </a:endParaRPr>
+          </a:p>
+        </p:txBody>
+      </p:sp>
+      <p:sp>
+        <p:nvSpPr>
+          <p:cNvPr id="4" name="TextBox 3">
+            <a:extLst>
+              <a:ext uri="{FF2B5EF4-FFF2-40B4-BE49-F238E27FC236}">
+                <a16:creationId xmlns:a16="http://schemas.microsoft.com/office/drawing/2014/main" id="{36B143E7-F281-9B52-4490-10788B134BCA}"/>
+              </a:ext>
+            </a:extLst>
+          </p:cNvPr>
+          <p:cNvSpPr txBox="1"/>
+          <p:nvPr/>
+        </p:nvSpPr>
+        <p:spPr>
+          <a:xfrm>
+            <a:off x="4194595" y="3161983"/>
+            <a:ext cx="377406" cy="369332"/>
+          </a:xfrm>
+          <a:prstGeom prst="rect">
+            <a:avLst/>
+          </a:prstGeom>
+          <a:noFill/>
+        </p:spPr>
+        <p:txBody>
+          <a:bodyPr wrap="square">
+            <a:spAutoFit/>
+          </a:bodyPr>
+          <a:lstStyle/>
+          <a:p>
+            <a:r>
+              <a:rPr lang="en" altLang="ko-Kore-KR" dirty="0">
+                <a:latin typeface="DM Mono" panose="020B0509040201040103" pitchFamily="49" charset="0"/>
+              </a:rPr>
+              <a:t>c</a:t>
+            </a:r>
+            <a:endParaRPr lang="ko-Kore-KR" altLang="en-US" dirty="0"/>
+          </a:p>
+        </p:txBody>
+      </p:sp>
+      <p:sp>
+        <p:nvSpPr>
+          <p:cNvPr id="12" name="직사각형 11">
+            <a:extLst>
+              <a:ext uri="{FF2B5EF4-FFF2-40B4-BE49-F238E27FC236}">
+                <a16:creationId xmlns:a16="http://schemas.microsoft.com/office/drawing/2014/main" id="{C5AE1922-EFB6-9CB8-D6EB-27A4668940DF}"/>
+              </a:ext>
+            </a:extLst>
+          </p:cNvPr>
+          <p:cNvSpPr/>
+          <p:nvPr/>
+        </p:nvSpPr>
+        <p:spPr>
+          <a:xfrm>
+            <a:off x="4528868" y="3758780"/>
+            <a:ext cx="1673524" cy="447790"/>
+          </a:xfrm>
+          <a:prstGeom prst="rect">
+            <a:avLst/>
+          </a:prstGeom>
+          <a:solidFill>
+            <a:srgbClr val="FFFF00"/>
+          </a:solidFill>
+        </p:spPr>
+        <p:style>
+          <a:lnRef idx="2">
+            <a:schemeClr val="accent1">
+              <a:shade val="50000"/>
+            </a:schemeClr>
+          </a:lnRef>
+          <a:fillRef idx="1">
+            <a:schemeClr val="accent1"/>
+          </a:fillRef>
+          <a:effectRef idx="0">
+            <a:schemeClr val="accent1"/>
+          </a:effectRef>
+          <a:fontRef idx="minor">
+            <a:schemeClr val="lt1"/>
+          </a:fontRef>
+        </p:style>
+        <p:txBody>
+          <a:bodyPr rtlCol="0" anchor="ctr"/>
+          <a:lstStyle/>
+          <a:p>
+            <a:pPr algn="ctr"/>
+            <a:r>
+              <a:rPr kumimoji="1" lang="en-US" altLang="ko-Kore-KR" dirty="0">
+                <a:solidFill>
+                  <a:schemeClr val="tx1"/>
+                </a:solidFill>
+              </a:rPr>
+              <a:t>3.14</a:t>
+            </a:r>
+            <a:endParaRPr kumimoji="1" lang="ko-Kore-KR" altLang="en-US" dirty="0">
+              <a:solidFill>
+                <a:schemeClr val="tx1"/>
+              </a:solidFill>
+            </a:endParaRPr>
+          </a:p>
+        </p:txBody>
+      </p:sp>
+      <p:sp>
+        <p:nvSpPr>
+          <p:cNvPr id="14" name="TextBox 13">
+            <a:extLst>
+              <a:ext uri="{FF2B5EF4-FFF2-40B4-BE49-F238E27FC236}">
+                <a16:creationId xmlns:a16="http://schemas.microsoft.com/office/drawing/2014/main" id="{64D444BA-63F9-A664-F00C-DA9D8D6E2C7D}"/>
+              </a:ext>
+            </a:extLst>
+          </p:cNvPr>
+          <p:cNvSpPr txBox="1"/>
+          <p:nvPr/>
+        </p:nvSpPr>
+        <p:spPr>
+          <a:xfrm>
+            <a:off x="4194594" y="3798009"/>
+            <a:ext cx="377406" cy="369332"/>
+          </a:xfrm>
+          <a:prstGeom prst="rect">
+            <a:avLst/>
+          </a:prstGeom>
+          <a:noFill/>
+        </p:spPr>
+        <p:txBody>
+          <a:bodyPr wrap="square">
+            <a:spAutoFit/>
+          </a:bodyPr>
+          <a:lstStyle/>
+          <a:p>
+            <a:r>
+              <a:rPr lang="en" altLang="ko-Kore-KR" dirty="0">
+                <a:latin typeface="DM Mono" panose="020B0509040201040103" pitchFamily="49" charset="0"/>
+              </a:rPr>
+              <a:t>d</a:t>
+            </a:r>
+            <a:endParaRPr lang="ko-Kore-KR" altLang="en-US" dirty="0"/>
+          </a:p>
+        </p:txBody>
+      </p:sp>
+      <p:sp>
+        <p:nvSpPr>
+          <p:cNvPr id="15" name="TextBox 14">
+            <a:extLst>
+              <a:ext uri="{FF2B5EF4-FFF2-40B4-BE49-F238E27FC236}">
+                <a16:creationId xmlns:a16="http://schemas.microsoft.com/office/drawing/2014/main" id="{62002A64-E0EF-6A77-49A1-AFCA76AF30F1}"/>
+              </a:ext>
+            </a:extLst>
+          </p:cNvPr>
+          <p:cNvSpPr txBox="1"/>
+          <p:nvPr/>
+        </p:nvSpPr>
+        <p:spPr>
+          <a:xfrm>
+            <a:off x="4218317" y="2920643"/>
+            <a:ext cx="644825" cy="276999"/>
+          </a:xfrm>
+          <a:prstGeom prst="rect">
+            <a:avLst/>
+          </a:prstGeom>
+          <a:noFill/>
+        </p:spPr>
+        <p:txBody>
+          <a:bodyPr wrap="square">
+            <a:spAutoFit/>
+          </a:bodyPr>
+          <a:lstStyle/>
+          <a:p>
+            <a:r>
+              <a:rPr kumimoji="1" lang="en-US" altLang="ko-Kore-KR" sz="1200" dirty="0"/>
+              <a:t>2000</a:t>
+            </a:r>
+            <a:endParaRPr lang="ko-Kore-KR" altLang="en-US" sz="1200" dirty="0"/>
+          </a:p>
+        </p:txBody>
+      </p:sp>
+      <p:sp>
+        <p:nvSpPr>
+          <p:cNvPr id="16" name="TextBox 15">
+            <a:extLst>
+              <a:ext uri="{FF2B5EF4-FFF2-40B4-BE49-F238E27FC236}">
+                <a16:creationId xmlns:a16="http://schemas.microsoft.com/office/drawing/2014/main" id="{30C3A8B1-CC51-AB6C-F0DD-0F221BE250D8}"/>
+              </a:ext>
+            </a:extLst>
+          </p:cNvPr>
+          <p:cNvSpPr txBox="1"/>
+          <p:nvPr/>
+        </p:nvSpPr>
+        <p:spPr>
+          <a:xfrm>
+            <a:off x="4218317" y="3534293"/>
+            <a:ext cx="644825" cy="276999"/>
+          </a:xfrm>
+          <a:prstGeom prst="rect">
+            <a:avLst/>
+          </a:prstGeom>
+          <a:noFill/>
+        </p:spPr>
+        <p:txBody>
+          <a:bodyPr wrap="square">
+            <a:spAutoFit/>
+          </a:bodyPr>
+          <a:lstStyle/>
+          <a:p>
+            <a:r>
+              <a:rPr kumimoji="1" lang="en-US" altLang="ko-Kore-KR" sz="1200" dirty="0"/>
+              <a:t>3000</a:t>
+            </a:r>
+            <a:endParaRPr lang="ko-Kore-KR" altLang="en-US" sz="1200" dirty="0"/>
+          </a:p>
+        </p:txBody>
+      </p:sp>
+      <p:sp>
+        <p:nvSpPr>
+          <p:cNvPr id="19" name="직사각형 18">
+            <a:extLst>
+              <a:ext uri="{FF2B5EF4-FFF2-40B4-BE49-F238E27FC236}">
+                <a16:creationId xmlns:a16="http://schemas.microsoft.com/office/drawing/2014/main" id="{3E310C13-0CB4-6294-2CBF-9FE9740B42C6}"/>
+              </a:ext>
+            </a:extLst>
+          </p:cNvPr>
+          <p:cNvSpPr/>
+          <p:nvPr/>
+        </p:nvSpPr>
+        <p:spPr>
+          <a:xfrm>
+            <a:off x="7788396" y="3719551"/>
+            <a:ext cx="1673524" cy="447790"/>
+          </a:xfrm>
+          <a:prstGeom prst="rect">
+            <a:avLst/>
+          </a:prstGeom>
+          <a:solidFill>
+            <a:srgbClr val="FFFF00"/>
+          </a:solidFill>
+        </p:spPr>
+        <p:style>
+          <a:lnRef idx="2">
+            <a:schemeClr val="accent1">
+              <a:shade val="50000"/>
+            </a:schemeClr>
+          </a:lnRef>
+          <a:fillRef idx="1">
+            <a:schemeClr val="accent1"/>
+          </a:fillRef>
+          <a:effectRef idx="0">
+            <a:schemeClr val="accent1"/>
+          </a:effectRef>
+          <a:fontRef idx="minor">
+            <a:schemeClr val="lt1"/>
+          </a:fontRef>
+        </p:style>
+        <p:txBody>
+          <a:bodyPr rtlCol="0" anchor="ctr"/>
+          <a:lstStyle/>
+          <a:p>
+            <a:pPr algn="ctr"/>
+            <a:r>
+              <a:rPr kumimoji="1" lang="en-US" altLang="ko-Kore-KR" dirty="0">
+                <a:solidFill>
+                  <a:schemeClr val="tx1"/>
+                </a:solidFill>
+              </a:rPr>
+              <a:t>3000</a:t>
+            </a:r>
+            <a:endParaRPr kumimoji="1" lang="ko-Kore-KR" altLang="en-US" dirty="0">
+              <a:solidFill>
+                <a:schemeClr val="tx1"/>
+              </a:solidFill>
+            </a:endParaRPr>
+          </a:p>
+        </p:txBody>
+      </p:sp>
+      <p:sp>
+        <p:nvSpPr>
+          <p:cNvPr id="20" name="직사각형 19">
+            <a:extLst>
+              <a:ext uri="{FF2B5EF4-FFF2-40B4-BE49-F238E27FC236}">
+                <a16:creationId xmlns:a16="http://schemas.microsoft.com/office/drawing/2014/main" id="{9A28F161-9B1F-6B56-13C3-AAFF149DBADE}"/>
+              </a:ext>
+            </a:extLst>
+          </p:cNvPr>
+          <p:cNvSpPr/>
+          <p:nvPr/>
+        </p:nvSpPr>
+        <p:spPr>
+          <a:xfrm>
+            <a:off x="7788396" y="3122754"/>
+            <a:ext cx="1673524" cy="447790"/>
+          </a:xfrm>
+          <a:prstGeom prst="rect">
+            <a:avLst/>
+          </a:prstGeom>
+          <a:solidFill>
+            <a:srgbClr val="FFFF00"/>
+          </a:solidFill>
+        </p:spPr>
+        <p:style>
+          <a:lnRef idx="2">
+            <a:schemeClr val="accent1">
+              <a:shade val="50000"/>
+            </a:schemeClr>
+          </a:lnRef>
+          <a:fillRef idx="1">
+            <a:schemeClr val="accent1"/>
+          </a:fillRef>
+          <a:effectRef idx="0">
+            <a:schemeClr val="accent1"/>
+          </a:effectRef>
+          <a:fontRef idx="minor">
+            <a:schemeClr val="lt1"/>
+          </a:fontRef>
+        </p:style>
+        <p:txBody>
+          <a:bodyPr rtlCol="0" anchor="ctr"/>
+          <a:lstStyle/>
+          <a:p>
+            <a:pPr algn="ctr"/>
+            <a:r>
+              <a:rPr kumimoji="1" lang="en-US" altLang="ko-Kore-KR" dirty="0">
+                <a:solidFill>
+                  <a:schemeClr val="tx1"/>
+                </a:solidFill>
+              </a:rPr>
+              <a:t>2000</a:t>
+            </a:r>
+            <a:endParaRPr kumimoji="1" lang="ko-Kore-KR" altLang="en-US" dirty="0">
+              <a:solidFill>
+                <a:schemeClr val="tx1"/>
+              </a:solidFill>
+            </a:endParaRPr>
+          </a:p>
+        </p:txBody>
+      </p:sp>
+      <p:sp>
+        <p:nvSpPr>
+          <p:cNvPr id="21" name="직사각형 20">
+            <a:extLst>
+              <a:ext uri="{FF2B5EF4-FFF2-40B4-BE49-F238E27FC236}">
+                <a16:creationId xmlns:a16="http://schemas.microsoft.com/office/drawing/2014/main" id="{673B046F-3794-0F85-12AD-08299E22FD6B}"/>
+              </a:ext>
+            </a:extLst>
+          </p:cNvPr>
+          <p:cNvSpPr/>
+          <p:nvPr/>
+        </p:nvSpPr>
+        <p:spPr>
+          <a:xfrm>
+            <a:off x="7788396" y="2525957"/>
+            <a:ext cx="1673524" cy="447790"/>
+          </a:xfrm>
+          <a:prstGeom prst="rect">
+            <a:avLst/>
+          </a:prstGeom>
+          <a:solidFill>
+            <a:srgbClr val="FFFF00"/>
+          </a:solidFill>
+        </p:spPr>
+        <p:style>
+          <a:lnRef idx="2">
+            <a:schemeClr val="accent1">
+              <a:shade val="50000"/>
+            </a:schemeClr>
+          </a:lnRef>
+          <a:fillRef idx="1">
+            <a:schemeClr val="accent1"/>
+          </a:fillRef>
+          <a:effectRef idx="0">
+            <a:schemeClr val="accent1"/>
+          </a:effectRef>
+          <a:fontRef idx="minor">
+            <a:schemeClr val="lt1"/>
+          </a:fontRef>
+        </p:style>
+        <p:txBody>
+          <a:bodyPr rtlCol="0" anchor="ctr"/>
+          <a:lstStyle/>
+          <a:p>
+            <a:pPr algn="ctr"/>
+            <a:r>
+              <a:rPr kumimoji="1" lang="en-US" altLang="ko-Kore-KR" dirty="0">
+                <a:solidFill>
+                  <a:schemeClr val="tx1"/>
+                </a:solidFill>
+              </a:rPr>
+              <a:t>1000</a:t>
+            </a:r>
+            <a:endParaRPr kumimoji="1" lang="ko-Kore-KR" altLang="en-US" dirty="0">
+              <a:solidFill>
+                <a:schemeClr val="tx1"/>
+              </a:solidFill>
+            </a:endParaRPr>
+          </a:p>
+        </p:txBody>
+      </p:sp>
+      <p:sp>
+        <p:nvSpPr>
+          <p:cNvPr id="22" name="TextBox 21">
+            <a:extLst>
+              <a:ext uri="{FF2B5EF4-FFF2-40B4-BE49-F238E27FC236}">
+                <a16:creationId xmlns:a16="http://schemas.microsoft.com/office/drawing/2014/main" id="{DBD7136F-72CE-5738-3E65-5B7B36C26E6A}"/>
+              </a:ext>
+            </a:extLst>
+          </p:cNvPr>
+          <p:cNvSpPr txBox="1"/>
+          <p:nvPr/>
+        </p:nvSpPr>
+        <p:spPr>
+          <a:xfrm>
+            <a:off x="7328860" y="2617698"/>
+            <a:ext cx="464561" cy="369332"/>
+          </a:xfrm>
+          <a:prstGeom prst="rect">
+            <a:avLst/>
+          </a:prstGeom>
+          <a:noFill/>
+        </p:spPr>
+        <p:txBody>
+          <a:bodyPr wrap="square">
+            <a:spAutoFit/>
+          </a:bodyPr>
+          <a:lstStyle/>
+          <a:p>
+            <a:r>
+              <a:rPr lang="en" altLang="ko-Kore-KR" dirty="0" err="1">
+                <a:latin typeface="DM Mono" panose="020B0509040201040103" pitchFamily="49" charset="0"/>
+              </a:rPr>
+              <a:t>pn</a:t>
+            </a:r>
+            <a:endParaRPr lang="ko-Kore-KR" altLang="en-US" dirty="0"/>
+          </a:p>
+        </p:txBody>
+      </p:sp>
+      <p:sp>
+        <p:nvSpPr>
+          <p:cNvPr id="23" name="TextBox 22">
+            <a:extLst>
+              <a:ext uri="{FF2B5EF4-FFF2-40B4-BE49-F238E27FC236}">
+                <a16:creationId xmlns:a16="http://schemas.microsoft.com/office/drawing/2014/main" id="{AC3E9BE9-10EB-2F12-F676-CDC8204E0847}"/>
+              </a:ext>
+            </a:extLst>
+          </p:cNvPr>
+          <p:cNvSpPr txBox="1"/>
+          <p:nvPr/>
+        </p:nvSpPr>
+        <p:spPr>
+          <a:xfrm>
+            <a:off x="7328859" y="3175266"/>
+            <a:ext cx="464561" cy="369332"/>
+          </a:xfrm>
+          <a:prstGeom prst="rect">
+            <a:avLst/>
+          </a:prstGeom>
+          <a:noFill/>
+        </p:spPr>
+        <p:txBody>
+          <a:bodyPr wrap="square">
+            <a:spAutoFit/>
+          </a:bodyPr>
+          <a:lstStyle/>
+          <a:p>
+            <a:r>
+              <a:rPr lang="en" altLang="ko-Kore-KR" dirty="0">
+                <a:latin typeface="DM Mono" panose="020B0509040201040103" pitchFamily="49" charset="0"/>
+              </a:rPr>
+              <a:t>pc</a:t>
+            </a:r>
+            <a:endParaRPr lang="ko-Kore-KR" altLang="en-US" dirty="0"/>
+          </a:p>
+        </p:txBody>
+      </p:sp>
+      <p:sp>
+        <p:nvSpPr>
+          <p:cNvPr id="24" name="TextBox 23">
+            <a:extLst>
+              <a:ext uri="{FF2B5EF4-FFF2-40B4-BE49-F238E27FC236}">
+                <a16:creationId xmlns:a16="http://schemas.microsoft.com/office/drawing/2014/main" id="{7FBFA1E9-AB06-A348-1AB4-AB74175AF545}"/>
+              </a:ext>
+            </a:extLst>
+          </p:cNvPr>
+          <p:cNvSpPr txBox="1"/>
+          <p:nvPr/>
+        </p:nvSpPr>
+        <p:spPr>
+          <a:xfrm>
+            <a:off x="7328859" y="3811292"/>
+            <a:ext cx="464561" cy="369332"/>
+          </a:xfrm>
+          <a:prstGeom prst="rect">
+            <a:avLst/>
+          </a:prstGeom>
+          <a:noFill/>
+        </p:spPr>
+        <p:txBody>
+          <a:bodyPr wrap="square">
+            <a:spAutoFit/>
+          </a:bodyPr>
+          <a:lstStyle/>
+          <a:p>
+            <a:r>
+              <a:rPr lang="en" altLang="ko-Kore-KR" dirty="0">
+                <a:latin typeface="DM Mono" panose="020B0509040201040103" pitchFamily="49" charset="0"/>
+              </a:rPr>
+              <a:t>pd</a:t>
+            </a:r>
+            <a:endParaRPr lang="ko-Kore-KR" altLang="en-US" dirty="0"/>
+          </a:p>
+        </p:txBody>
+      </p:sp>
+    </p:spTree>
+    <p:extLst>
+      <p:ext uri="{BB962C8B-B14F-4D97-AF65-F5344CB8AC3E}">
+        <p14:creationId xmlns:p14="http://schemas.microsoft.com/office/powerpoint/2010/main" val="178346261"/>
       </p:ext>
     </p:extLst>
   </p:cSld>

--- a/230216.pptx
+++ b/230216.pptx
@@ -5,7 +5,7 @@
     <p:sldMasterId id="2147483648" r:id="rId1"/>
   </p:sldMasterIdLst>
   <p:notesMasterIdLst>
-    <p:notesMasterId r:id="rId24"/>
+    <p:notesMasterId r:id="rId25"/>
   </p:notesMasterIdLst>
   <p:sldIdLst>
     <p:sldId id="256" r:id="rId2"/>
@@ -30,6 +30,7 @@
     <p:sldId id="272" r:id="rId21"/>
     <p:sldId id="273" r:id="rId22"/>
     <p:sldId id="277" r:id="rId23"/>
+    <p:sldId id="278" r:id="rId24"/>
   </p:sldIdLst>
   <p:sldSz cx="12192000" cy="6858000"/>
   <p:notesSz cx="6858000" cy="9144000"/>
@@ -14025,6 +14026,494 @@
     <p:extLst>
       <p:ext uri="{BB962C8B-B14F-4D97-AF65-F5344CB8AC3E}">
         <p14:creationId xmlns:p14="http://schemas.microsoft.com/office/powerpoint/2010/main" val="178346261"/>
+      </p:ext>
+    </p:extLst>
+  </p:cSld>
+  <p:clrMapOvr>
+    <a:masterClrMapping/>
+  </p:clrMapOvr>
+</p:sld>
+</file>
+
+<file path=ppt/slides/slide23.xml><?xml version="1.0" encoding="utf-8"?>
+<p:sld xmlns:a="http://schemas.openxmlformats.org/drawingml/2006/main" xmlns:r="http://schemas.openxmlformats.org/officeDocument/2006/relationships" xmlns:p="http://schemas.openxmlformats.org/presentationml/2006/main">
+  <p:cSld>
+    <p:spTree>
+      <p:nvGrpSpPr>
+        <p:cNvPr id="1" name=""/>
+        <p:cNvGrpSpPr/>
+        <p:nvPr/>
+      </p:nvGrpSpPr>
+      <p:grpSpPr>
+        <a:xfrm>
+          <a:off x="0" y="0"/>
+          <a:ext cx="0" cy="0"/>
+          <a:chOff x="0" y="0"/>
+          <a:chExt cx="0" cy="0"/>
+        </a:xfrm>
+      </p:grpSpPr>
+      <p:sp>
+        <p:nvSpPr>
+          <p:cNvPr id="11" name="직사각형 10">
+            <a:extLst>
+              <a:ext uri="{FF2B5EF4-FFF2-40B4-BE49-F238E27FC236}">
+                <a16:creationId xmlns:a16="http://schemas.microsoft.com/office/drawing/2014/main" id="{8516691B-303A-2280-D5D6-599FA628E6C0}"/>
+              </a:ext>
+            </a:extLst>
+          </p:cNvPr>
+          <p:cNvSpPr/>
+          <p:nvPr/>
+        </p:nvSpPr>
+        <p:spPr>
+          <a:xfrm>
+            <a:off x="3574203" y="2085902"/>
+            <a:ext cx="7786785" cy="2527561"/>
+          </a:xfrm>
+          <a:prstGeom prst="rect">
+            <a:avLst/>
+          </a:prstGeom>
+        </p:spPr>
+        <p:style>
+          <a:lnRef idx="2">
+            <a:schemeClr val="dk1"/>
+          </a:lnRef>
+          <a:fillRef idx="1">
+            <a:schemeClr val="lt1"/>
+          </a:fillRef>
+          <a:effectRef idx="0">
+            <a:schemeClr val="dk1"/>
+          </a:effectRef>
+          <a:fontRef idx="minor">
+            <a:schemeClr val="dk1"/>
+          </a:fontRef>
+        </p:style>
+        <p:txBody>
+          <a:bodyPr rtlCol="0" anchor="ctr"/>
+          <a:lstStyle/>
+          <a:p>
+            <a:pPr algn="ctr"/>
+            <a:endParaRPr kumimoji="1" lang="ko-Kore-KR" altLang="en-US" dirty="0">
+              <a:solidFill>
+                <a:schemeClr val="tx1"/>
+              </a:solidFill>
+            </a:endParaRPr>
+          </a:p>
+        </p:txBody>
+      </p:sp>
+      <p:sp>
+        <p:nvSpPr>
+          <p:cNvPr id="7" name="TextBox 6">
+            <a:extLst>
+              <a:ext uri="{FF2B5EF4-FFF2-40B4-BE49-F238E27FC236}">
+                <a16:creationId xmlns:a16="http://schemas.microsoft.com/office/drawing/2014/main" id="{11732E1E-F070-FB47-5716-E2DE052D63A9}"/>
+              </a:ext>
+            </a:extLst>
+          </p:cNvPr>
+          <p:cNvSpPr txBox="1"/>
+          <p:nvPr/>
+        </p:nvSpPr>
+        <p:spPr>
+          <a:xfrm>
+            <a:off x="312708" y="167132"/>
+            <a:ext cx="4216160" cy="369332"/>
+          </a:xfrm>
+          <a:prstGeom prst="rect">
+            <a:avLst/>
+          </a:prstGeom>
+          <a:noFill/>
+        </p:spPr>
+        <p:txBody>
+          <a:bodyPr wrap="square">
+            <a:spAutoFit/>
+          </a:bodyPr>
+          <a:lstStyle/>
+          <a:p>
+            <a:r>
+              <a:rPr lang="en" altLang="ko-Kore-KR" dirty="0">
+                <a:latin typeface="DM Mono" panose="020B0509040201040103" pitchFamily="49" charset="0"/>
+              </a:rPr>
+              <a:t>int x[3] = {10, 20, 30};</a:t>
+            </a:r>
+            <a:endParaRPr lang="ko-Kore-KR" altLang="en-US" dirty="0">
+              <a:solidFill>
+                <a:srgbClr val="FF0000"/>
+              </a:solidFill>
+              <a:latin typeface="DM Mono" panose="020B0509040201040103" pitchFamily="49" charset="0"/>
+            </a:endParaRPr>
+          </a:p>
+        </p:txBody>
+      </p:sp>
+      <p:sp>
+        <p:nvSpPr>
+          <p:cNvPr id="8" name="직사각형 7">
+            <a:extLst>
+              <a:ext uri="{FF2B5EF4-FFF2-40B4-BE49-F238E27FC236}">
+                <a16:creationId xmlns:a16="http://schemas.microsoft.com/office/drawing/2014/main" id="{C09D5634-6E46-BCCC-ACFE-D4342B76E019}"/>
+              </a:ext>
+            </a:extLst>
+          </p:cNvPr>
+          <p:cNvSpPr/>
+          <p:nvPr/>
+        </p:nvSpPr>
+        <p:spPr>
+          <a:xfrm>
+            <a:off x="4528868" y="2525957"/>
+            <a:ext cx="706656" cy="447790"/>
+          </a:xfrm>
+          <a:prstGeom prst="rect">
+            <a:avLst/>
+          </a:prstGeom>
+          <a:solidFill>
+            <a:srgbClr val="FFFF00"/>
+          </a:solidFill>
+        </p:spPr>
+        <p:style>
+          <a:lnRef idx="2">
+            <a:schemeClr val="accent1">
+              <a:shade val="50000"/>
+            </a:schemeClr>
+          </a:lnRef>
+          <a:fillRef idx="1">
+            <a:schemeClr val="accent1"/>
+          </a:fillRef>
+          <a:effectRef idx="0">
+            <a:schemeClr val="accent1"/>
+          </a:effectRef>
+          <a:fontRef idx="minor">
+            <a:schemeClr val="lt1"/>
+          </a:fontRef>
+        </p:style>
+        <p:txBody>
+          <a:bodyPr rtlCol="0" anchor="ctr"/>
+          <a:lstStyle/>
+          <a:p>
+            <a:pPr algn="ctr"/>
+            <a:r>
+              <a:rPr kumimoji="1" lang="en-US" altLang="ko-Kore-KR" dirty="0">
+                <a:solidFill>
+                  <a:schemeClr val="tx1"/>
+                </a:solidFill>
+              </a:rPr>
+              <a:t>10</a:t>
+            </a:r>
+            <a:endParaRPr kumimoji="1" lang="ko-Kore-KR" altLang="en-US" dirty="0">
+              <a:solidFill>
+                <a:schemeClr val="tx1"/>
+              </a:solidFill>
+            </a:endParaRPr>
+          </a:p>
+        </p:txBody>
+      </p:sp>
+      <p:sp>
+        <p:nvSpPr>
+          <p:cNvPr id="10" name="TextBox 9">
+            <a:extLst>
+              <a:ext uri="{FF2B5EF4-FFF2-40B4-BE49-F238E27FC236}">
+                <a16:creationId xmlns:a16="http://schemas.microsoft.com/office/drawing/2014/main" id="{E76243F8-A2B2-93BF-66A9-CE2936F73E5D}"/>
+              </a:ext>
+            </a:extLst>
+          </p:cNvPr>
+          <p:cNvSpPr txBox="1"/>
+          <p:nvPr/>
+        </p:nvSpPr>
+        <p:spPr>
+          <a:xfrm>
+            <a:off x="4194595" y="2604415"/>
+            <a:ext cx="377406" cy="369332"/>
+          </a:xfrm>
+          <a:prstGeom prst="rect">
+            <a:avLst/>
+          </a:prstGeom>
+          <a:noFill/>
+        </p:spPr>
+        <p:txBody>
+          <a:bodyPr wrap="square">
+            <a:spAutoFit/>
+          </a:bodyPr>
+          <a:lstStyle/>
+          <a:p>
+            <a:r>
+              <a:rPr lang="en" altLang="ko-Kore-KR" dirty="0">
+                <a:latin typeface="DM Mono" panose="020B0509040201040103" pitchFamily="49" charset="0"/>
+              </a:rPr>
+              <a:t>x</a:t>
+            </a:r>
+            <a:endParaRPr lang="ko-Kore-KR" altLang="en-US" dirty="0"/>
+          </a:p>
+        </p:txBody>
+      </p:sp>
+      <p:sp>
+        <p:nvSpPr>
+          <p:cNvPr id="13" name="TextBox 12">
+            <a:extLst>
+              <a:ext uri="{FF2B5EF4-FFF2-40B4-BE49-F238E27FC236}">
+                <a16:creationId xmlns:a16="http://schemas.microsoft.com/office/drawing/2014/main" id="{3F32D814-AF37-5853-34B2-912159DBA7DD}"/>
+              </a:ext>
+            </a:extLst>
+          </p:cNvPr>
+          <p:cNvSpPr txBox="1"/>
+          <p:nvPr/>
+        </p:nvSpPr>
+        <p:spPr>
+          <a:xfrm>
+            <a:off x="4841931" y="1713102"/>
+            <a:ext cx="808727" cy="369332"/>
+          </a:xfrm>
+          <a:prstGeom prst="rect">
+            <a:avLst/>
+          </a:prstGeom>
+          <a:noFill/>
+        </p:spPr>
+        <p:txBody>
+          <a:bodyPr wrap="square">
+            <a:spAutoFit/>
+          </a:bodyPr>
+          <a:lstStyle/>
+          <a:p>
+            <a:r>
+              <a:rPr lang="en" altLang="ko-Kore-KR" dirty="0">
+                <a:latin typeface="DM Mono" panose="020B0509040201040103" pitchFamily="49" charset="0"/>
+              </a:rPr>
+              <a:t>main</a:t>
+            </a:r>
+            <a:endParaRPr lang="ko-Kore-KR" altLang="en-US" dirty="0"/>
+          </a:p>
+        </p:txBody>
+      </p:sp>
+      <p:sp>
+        <p:nvSpPr>
+          <p:cNvPr id="3" name="TextBox 2">
+            <a:extLst>
+              <a:ext uri="{FF2B5EF4-FFF2-40B4-BE49-F238E27FC236}">
+                <a16:creationId xmlns:a16="http://schemas.microsoft.com/office/drawing/2014/main" id="{CA2F91C5-3CBE-952F-23DC-1E47B1941DEA}"/>
+              </a:ext>
+            </a:extLst>
+          </p:cNvPr>
+          <p:cNvSpPr txBox="1"/>
+          <p:nvPr/>
+        </p:nvSpPr>
+        <p:spPr>
+          <a:xfrm>
+            <a:off x="4237727" y="2288187"/>
+            <a:ext cx="644825" cy="276999"/>
+          </a:xfrm>
+          <a:prstGeom prst="rect">
+            <a:avLst/>
+          </a:prstGeom>
+          <a:noFill/>
+        </p:spPr>
+        <p:txBody>
+          <a:bodyPr wrap="square">
+            <a:spAutoFit/>
+          </a:bodyPr>
+          <a:lstStyle/>
+          <a:p>
+            <a:r>
+              <a:rPr kumimoji="1" lang="en-US" altLang="ko-Kore-KR" sz="1200" dirty="0"/>
+              <a:t>1000</a:t>
+            </a:r>
+            <a:endParaRPr lang="ko-Kore-KR" altLang="en-US" sz="1200" dirty="0"/>
+          </a:p>
+        </p:txBody>
+      </p:sp>
+      <p:sp>
+        <p:nvSpPr>
+          <p:cNvPr id="5" name="직사각형 4">
+            <a:extLst>
+              <a:ext uri="{FF2B5EF4-FFF2-40B4-BE49-F238E27FC236}">
+                <a16:creationId xmlns:a16="http://schemas.microsoft.com/office/drawing/2014/main" id="{4644C275-A9DB-5B27-A511-1D53D241ED5F}"/>
+              </a:ext>
+            </a:extLst>
+          </p:cNvPr>
+          <p:cNvSpPr/>
+          <p:nvPr/>
+        </p:nvSpPr>
+        <p:spPr>
+          <a:xfrm>
+            <a:off x="5246294" y="2525957"/>
+            <a:ext cx="706656" cy="447790"/>
+          </a:xfrm>
+          <a:prstGeom prst="rect">
+            <a:avLst/>
+          </a:prstGeom>
+          <a:solidFill>
+            <a:srgbClr val="FFFF00"/>
+          </a:solidFill>
+        </p:spPr>
+        <p:style>
+          <a:lnRef idx="2">
+            <a:schemeClr val="accent1">
+              <a:shade val="50000"/>
+            </a:schemeClr>
+          </a:lnRef>
+          <a:fillRef idx="1">
+            <a:schemeClr val="accent1"/>
+          </a:fillRef>
+          <a:effectRef idx="0">
+            <a:schemeClr val="accent1"/>
+          </a:effectRef>
+          <a:fontRef idx="minor">
+            <a:schemeClr val="lt1"/>
+          </a:fontRef>
+        </p:style>
+        <p:txBody>
+          <a:bodyPr rtlCol="0" anchor="ctr"/>
+          <a:lstStyle/>
+          <a:p>
+            <a:pPr algn="ctr"/>
+            <a:r>
+              <a:rPr kumimoji="1" lang="en-US" altLang="ko-Kore-KR" dirty="0">
+                <a:solidFill>
+                  <a:schemeClr val="tx1"/>
+                </a:solidFill>
+              </a:rPr>
+              <a:t>20</a:t>
+            </a:r>
+            <a:endParaRPr kumimoji="1" lang="ko-Kore-KR" altLang="en-US" dirty="0">
+              <a:solidFill>
+                <a:schemeClr val="tx1"/>
+              </a:solidFill>
+            </a:endParaRPr>
+          </a:p>
+        </p:txBody>
+      </p:sp>
+      <p:sp>
+        <p:nvSpPr>
+          <p:cNvPr id="6" name="직사각형 5">
+            <a:extLst>
+              <a:ext uri="{FF2B5EF4-FFF2-40B4-BE49-F238E27FC236}">
+                <a16:creationId xmlns:a16="http://schemas.microsoft.com/office/drawing/2014/main" id="{EDCECBC3-2448-F65C-67FE-BE210291AE7F}"/>
+              </a:ext>
+            </a:extLst>
+          </p:cNvPr>
+          <p:cNvSpPr/>
+          <p:nvPr/>
+        </p:nvSpPr>
+        <p:spPr>
+          <a:xfrm>
+            <a:off x="5963720" y="2525957"/>
+            <a:ext cx="706656" cy="447790"/>
+          </a:xfrm>
+          <a:prstGeom prst="rect">
+            <a:avLst/>
+          </a:prstGeom>
+          <a:solidFill>
+            <a:srgbClr val="FFFF00"/>
+          </a:solidFill>
+        </p:spPr>
+        <p:style>
+          <a:lnRef idx="2">
+            <a:schemeClr val="accent1">
+              <a:shade val="50000"/>
+            </a:schemeClr>
+          </a:lnRef>
+          <a:fillRef idx="1">
+            <a:schemeClr val="accent1"/>
+          </a:fillRef>
+          <a:effectRef idx="0">
+            <a:schemeClr val="accent1"/>
+          </a:effectRef>
+          <a:fontRef idx="minor">
+            <a:schemeClr val="lt1"/>
+          </a:fontRef>
+        </p:style>
+        <p:txBody>
+          <a:bodyPr rtlCol="0" anchor="ctr"/>
+          <a:lstStyle/>
+          <a:p>
+            <a:pPr algn="ctr"/>
+            <a:r>
+              <a:rPr kumimoji="1" lang="en-US" altLang="ko-Kore-KR" dirty="0">
+                <a:solidFill>
+                  <a:schemeClr val="tx1"/>
+                </a:solidFill>
+              </a:rPr>
+              <a:t>30</a:t>
+            </a:r>
+            <a:endParaRPr kumimoji="1" lang="ko-Kore-KR" altLang="en-US" dirty="0">
+              <a:solidFill>
+                <a:schemeClr val="tx1"/>
+              </a:solidFill>
+            </a:endParaRPr>
+          </a:p>
+        </p:txBody>
+      </p:sp>
+      <p:sp>
+        <p:nvSpPr>
+          <p:cNvPr id="9" name="TextBox 8">
+            <a:extLst>
+              <a:ext uri="{FF2B5EF4-FFF2-40B4-BE49-F238E27FC236}">
+                <a16:creationId xmlns:a16="http://schemas.microsoft.com/office/drawing/2014/main" id="{721C2F38-8051-E13E-CE13-680D199759BA}"/>
+              </a:ext>
+            </a:extLst>
+          </p:cNvPr>
+          <p:cNvSpPr txBox="1"/>
+          <p:nvPr/>
+        </p:nvSpPr>
+        <p:spPr>
+          <a:xfrm>
+            <a:off x="4924972" y="2288186"/>
+            <a:ext cx="644825" cy="276999"/>
+          </a:xfrm>
+          <a:prstGeom prst="rect">
+            <a:avLst/>
+          </a:prstGeom>
+          <a:noFill/>
+        </p:spPr>
+        <p:txBody>
+          <a:bodyPr wrap="square">
+            <a:spAutoFit/>
+          </a:bodyPr>
+          <a:lstStyle/>
+          <a:p>
+            <a:r>
+              <a:rPr kumimoji="1" lang="en-US" altLang="ko-Kore-KR" sz="1200" dirty="0"/>
+              <a:t>1004</a:t>
+            </a:r>
+            <a:endParaRPr lang="ko-Kore-KR" altLang="en-US" sz="1200" dirty="0"/>
+          </a:p>
+        </p:txBody>
+      </p:sp>
+      <p:sp>
+        <p:nvSpPr>
+          <p:cNvPr id="17" name="TextBox 16">
+            <a:extLst>
+              <a:ext uri="{FF2B5EF4-FFF2-40B4-BE49-F238E27FC236}">
+                <a16:creationId xmlns:a16="http://schemas.microsoft.com/office/drawing/2014/main" id="{8144FFE2-BD8B-32F3-3E12-7953E8C3527D}"/>
+              </a:ext>
+            </a:extLst>
+          </p:cNvPr>
+          <p:cNvSpPr txBox="1"/>
+          <p:nvPr/>
+        </p:nvSpPr>
+        <p:spPr>
+          <a:xfrm>
+            <a:off x="5635923" y="2288185"/>
+            <a:ext cx="644825" cy="276999"/>
+          </a:xfrm>
+          <a:prstGeom prst="rect">
+            <a:avLst/>
+          </a:prstGeom>
+          <a:noFill/>
+        </p:spPr>
+        <p:txBody>
+          <a:bodyPr wrap="square">
+            <a:spAutoFit/>
+          </a:bodyPr>
+          <a:lstStyle/>
+          <a:p>
+            <a:r>
+              <a:rPr kumimoji="1" lang="en-US" altLang="ko-Kore-KR" sz="1200" dirty="0"/>
+              <a:t>1008</a:t>
+            </a:r>
+            <a:endParaRPr lang="ko-Kore-KR" altLang="en-US" sz="1200" dirty="0"/>
+          </a:p>
+        </p:txBody>
+      </p:sp>
+    </p:spTree>
+    <p:extLst>
+      <p:ext uri="{BB962C8B-B14F-4D97-AF65-F5344CB8AC3E}">
+        <p14:creationId xmlns:p14="http://schemas.microsoft.com/office/powerpoint/2010/main" val="2365118625"/>
       </p:ext>
     </p:extLst>
   </p:cSld>

--- a/230216.pptx
+++ b/230216.pptx
@@ -5,7 +5,7 @@
     <p:sldMasterId id="2147483648" r:id="rId1"/>
   </p:sldMasterIdLst>
   <p:notesMasterIdLst>
-    <p:notesMasterId r:id="rId25"/>
+    <p:notesMasterId r:id="rId34"/>
   </p:notesMasterIdLst>
   <p:sldIdLst>
     <p:sldId id="256" r:id="rId2"/>
@@ -31,6 +31,15 @@
     <p:sldId id="273" r:id="rId22"/>
     <p:sldId id="277" r:id="rId23"/>
     <p:sldId id="278" r:id="rId24"/>
+    <p:sldId id="280" r:id="rId25"/>
+    <p:sldId id="281" r:id="rId26"/>
+    <p:sldId id="282" r:id="rId27"/>
+    <p:sldId id="283" r:id="rId28"/>
+    <p:sldId id="284" r:id="rId29"/>
+    <p:sldId id="285" r:id="rId30"/>
+    <p:sldId id="286" r:id="rId31"/>
+    <p:sldId id="287" r:id="rId32"/>
+    <p:sldId id="288" r:id="rId33"/>
   </p:sldIdLst>
   <p:sldSz cx="12192000" cy="6858000"/>
   <p:notesSz cx="6858000" cy="9144000"/>
@@ -219,7 +228,7 @@
           <a:p>
             <a:fld id="{57A46178-5612-2B4D-89D5-7F54E950B41C}" type="datetimeFigureOut">
               <a:rPr kumimoji="1" lang="ko-Kore-KR" altLang="en-US" smtClean="0"/>
-              <a:t>2023. 2. 17.</a:t>
+              <a:t>2023. 2. 20.</a:t>
             </a:fld>
             <a:endParaRPr kumimoji="1" lang="ko-Kore-KR" altLang="en-US"/>
           </a:p>
@@ -1159,6 +1168,90 @@
 </p:notes>
 </file>
 
+<file path=ppt/notesSlides/notesSlide9.xml><?xml version="1.0" encoding="utf-8"?>
+<p:notes xmlns:a="http://schemas.openxmlformats.org/drawingml/2006/main" xmlns:r="http://schemas.openxmlformats.org/officeDocument/2006/relationships" xmlns:p="http://schemas.openxmlformats.org/presentationml/2006/main">
+  <p:cSld>
+    <p:spTree>
+      <p:nvGrpSpPr>
+        <p:cNvPr id="1" name=""/>
+        <p:cNvGrpSpPr/>
+        <p:nvPr/>
+      </p:nvGrpSpPr>
+      <p:grpSpPr>
+        <a:xfrm>
+          <a:off x="0" y="0"/>
+          <a:ext cx="0" cy="0"/>
+          <a:chOff x="0" y="0"/>
+          <a:chExt cx="0" cy="0"/>
+        </a:xfrm>
+      </p:grpSpPr>
+      <p:sp>
+        <p:nvSpPr>
+          <p:cNvPr id="2" name="슬라이드 이미지 개체 틀 1"/>
+          <p:cNvSpPr>
+            <a:spLocks noGrp="1" noRot="1" noChangeAspect="1"/>
+          </p:cNvSpPr>
+          <p:nvPr>
+            <p:ph type="sldImg"/>
+          </p:nvPr>
+        </p:nvSpPr>
+        <p:spPr/>
+      </p:sp>
+      <p:sp>
+        <p:nvSpPr>
+          <p:cNvPr id="3" name="슬라이드 노트 개체 틀 2"/>
+          <p:cNvSpPr>
+            <a:spLocks noGrp="1"/>
+          </p:cNvSpPr>
+          <p:nvPr>
+            <p:ph type="body" idx="1"/>
+          </p:nvPr>
+        </p:nvSpPr>
+        <p:spPr/>
+        <p:txBody>
+          <a:bodyPr/>
+          <a:lstStyle/>
+          <a:p>
+            <a:endParaRPr kumimoji="1" lang="ko-Kore-KR" altLang="en-US" dirty="0"/>
+          </a:p>
+        </p:txBody>
+      </p:sp>
+      <p:sp>
+        <p:nvSpPr>
+          <p:cNvPr id="4" name="슬라이드 번호 개체 틀 3"/>
+          <p:cNvSpPr>
+            <a:spLocks noGrp="1"/>
+          </p:cNvSpPr>
+          <p:nvPr>
+            <p:ph type="sldNum" sz="quarter" idx="5"/>
+          </p:nvPr>
+        </p:nvSpPr>
+        <p:spPr/>
+        <p:txBody>
+          <a:bodyPr/>
+          <a:lstStyle/>
+          <a:p>
+            <a:fld id="{37A93F1B-955D-834B-A50F-B9B486E0E26C}" type="slidenum">
+              <a:rPr kumimoji="1" lang="ko-Kore-KR" altLang="en-US" smtClean="0"/>
+              <a:t>15</a:t>
+            </a:fld>
+            <a:endParaRPr kumimoji="1" lang="ko-Kore-KR" altLang="en-US"/>
+          </a:p>
+        </p:txBody>
+      </p:sp>
+    </p:spTree>
+    <p:extLst>
+      <p:ext uri="{BB962C8B-B14F-4D97-AF65-F5344CB8AC3E}">
+        <p14:creationId xmlns:p14="http://schemas.microsoft.com/office/powerpoint/2010/main" val="1041851355"/>
+      </p:ext>
+    </p:extLst>
+  </p:cSld>
+  <p:clrMapOvr>
+    <a:masterClrMapping/>
+  </p:clrMapOvr>
+</p:notes>
+</file>
+
 <file path=ppt/slideLayouts/slideLayout1.xml><?xml version="1.0" encoding="utf-8"?>
 <p:sldLayout xmlns:a="http://schemas.openxmlformats.org/drawingml/2006/main" xmlns:r="http://schemas.openxmlformats.org/officeDocument/2006/relationships" xmlns:p="http://schemas.openxmlformats.org/presentationml/2006/main" type="title" preserve="1">
   <p:cSld name="제목 슬라이드">
@@ -1308,7 +1401,7 @@
           <a:p>
             <a:fld id="{B87339CC-C53A-6A43-8886-7240593D0664}" type="datetimeFigureOut">
               <a:rPr kumimoji="1" lang="ko-Kore-KR" altLang="en-US" smtClean="0"/>
-              <a:t>2023. 2. 17.</a:t>
+              <a:t>2023. 2. 20.</a:t>
             </a:fld>
             <a:endParaRPr kumimoji="1" lang="ko-Kore-KR" altLang="en-US"/>
           </a:p>
@@ -1508,7 +1601,7 @@
           <a:p>
             <a:fld id="{B87339CC-C53A-6A43-8886-7240593D0664}" type="datetimeFigureOut">
               <a:rPr kumimoji="1" lang="ko-Kore-KR" altLang="en-US" smtClean="0"/>
-              <a:t>2023. 2. 17.</a:t>
+              <a:t>2023. 2. 20.</a:t>
             </a:fld>
             <a:endParaRPr kumimoji="1" lang="ko-Kore-KR" altLang="en-US"/>
           </a:p>
@@ -1718,7 +1811,7 @@
           <a:p>
             <a:fld id="{B87339CC-C53A-6A43-8886-7240593D0664}" type="datetimeFigureOut">
               <a:rPr kumimoji="1" lang="ko-Kore-KR" altLang="en-US" smtClean="0"/>
-              <a:t>2023. 2. 17.</a:t>
+              <a:t>2023. 2. 20.</a:t>
             </a:fld>
             <a:endParaRPr kumimoji="1" lang="ko-Kore-KR" altLang="en-US"/>
           </a:p>
@@ -1918,7 +2011,7 @@
           <a:p>
             <a:fld id="{B87339CC-C53A-6A43-8886-7240593D0664}" type="datetimeFigureOut">
               <a:rPr kumimoji="1" lang="ko-Kore-KR" altLang="en-US" smtClean="0"/>
-              <a:t>2023. 2. 17.</a:t>
+              <a:t>2023. 2. 20.</a:t>
             </a:fld>
             <a:endParaRPr kumimoji="1" lang="ko-Kore-KR" altLang="en-US"/>
           </a:p>
@@ -2194,7 +2287,7 @@
           <a:p>
             <a:fld id="{B87339CC-C53A-6A43-8886-7240593D0664}" type="datetimeFigureOut">
               <a:rPr kumimoji="1" lang="ko-Kore-KR" altLang="en-US" smtClean="0"/>
-              <a:t>2023. 2. 17.</a:t>
+              <a:t>2023. 2. 20.</a:t>
             </a:fld>
             <a:endParaRPr kumimoji="1" lang="ko-Kore-KR" altLang="en-US"/>
           </a:p>
@@ -2462,7 +2555,7 @@
           <a:p>
             <a:fld id="{B87339CC-C53A-6A43-8886-7240593D0664}" type="datetimeFigureOut">
               <a:rPr kumimoji="1" lang="ko-Kore-KR" altLang="en-US" smtClean="0"/>
-              <a:t>2023. 2. 17.</a:t>
+              <a:t>2023. 2. 20.</a:t>
             </a:fld>
             <a:endParaRPr kumimoji="1" lang="ko-Kore-KR" altLang="en-US"/>
           </a:p>
@@ -2877,7 +2970,7 @@
           <a:p>
             <a:fld id="{B87339CC-C53A-6A43-8886-7240593D0664}" type="datetimeFigureOut">
               <a:rPr kumimoji="1" lang="ko-Kore-KR" altLang="en-US" smtClean="0"/>
-              <a:t>2023. 2. 17.</a:t>
+              <a:t>2023. 2. 20.</a:t>
             </a:fld>
             <a:endParaRPr kumimoji="1" lang="ko-Kore-KR" altLang="en-US"/>
           </a:p>
@@ -3019,7 +3112,7 @@
           <a:p>
             <a:fld id="{B87339CC-C53A-6A43-8886-7240593D0664}" type="datetimeFigureOut">
               <a:rPr kumimoji="1" lang="ko-Kore-KR" altLang="en-US" smtClean="0"/>
-              <a:t>2023. 2. 17.</a:t>
+              <a:t>2023. 2. 20.</a:t>
             </a:fld>
             <a:endParaRPr kumimoji="1" lang="ko-Kore-KR" altLang="en-US"/>
           </a:p>
@@ -3132,7 +3225,7 @@
           <a:p>
             <a:fld id="{B87339CC-C53A-6A43-8886-7240593D0664}" type="datetimeFigureOut">
               <a:rPr kumimoji="1" lang="ko-Kore-KR" altLang="en-US" smtClean="0"/>
-              <a:t>2023. 2. 17.</a:t>
+              <a:t>2023. 2. 20.</a:t>
             </a:fld>
             <a:endParaRPr kumimoji="1" lang="ko-Kore-KR" altLang="en-US"/>
           </a:p>
@@ -3445,7 +3538,7 @@
           <a:p>
             <a:fld id="{B87339CC-C53A-6A43-8886-7240593D0664}" type="datetimeFigureOut">
               <a:rPr kumimoji="1" lang="ko-Kore-KR" altLang="en-US" smtClean="0"/>
-              <a:t>2023. 2. 17.</a:t>
+              <a:t>2023. 2. 20.</a:t>
             </a:fld>
             <a:endParaRPr kumimoji="1" lang="ko-Kore-KR" altLang="en-US"/>
           </a:p>
@@ -3734,7 +3827,7 @@
           <a:p>
             <a:fld id="{B87339CC-C53A-6A43-8886-7240593D0664}" type="datetimeFigureOut">
               <a:rPr kumimoji="1" lang="ko-Kore-KR" altLang="en-US" smtClean="0"/>
-              <a:t>2023. 2. 17.</a:t>
+              <a:t>2023. 2. 20.</a:t>
             </a:fld>
             <a:endParaRPr kumimoji="1" lang="ko-Kore-KR" altLang="en-US"/>
           </a:p>
@@ -3977,7 +4070,7 @@
           <a:p>
             <a:fld id="{B87339CC-C53A-6A43-8886-7240593D0664}" type="datetimeFigureOut">
               <a:rPr kumimoji="1" lang="ko-Kore-KR" altLang="en-US" smtClean="0"/>
-              <a:t>2023. 2. 17.</a:t>
+              <a:t>2023. 2. 20.</a:t>
             </a:fld>
             <a:endParaRPr kumimoji="1" lang="ko-Kore-KR" altLang="en-US"/>
           </a:p>
@@ -14523,6 +14616,2716 @@
 </p:sld>
 </file>
 
+<file path=ppt/slides/slide24.xml><?xml version="1.0" encoding="utf-8"?>
+<p:sld xmlns:a="http://schemas.openxmlformats.org/drawingml/2006/main" xmlns:r="http://schemas.openxmlformats.org/officeDocument/2006/relationships" xmlns:p="http://schemas.openxmlformats.org/presentationml/2006/main">
+  <p:cSld>
+    <p:spTree>
+      <p:nvGrpSpPr>
+        <p:cNvPr id="1" name=""/>
+        <p:cNvGrpSpPr/>
+        <p:nvPr/>
+      </p:nvGrpSpPr>
+      <p:grpSpPr>
+        <a:xfrm>
+          <a:off x="0" y="0"/>
+          <a:ext cx="0" cy="0"/>
+          <a:chOff x="0" y="0"/>
+          <a:chExt cx="0" cy="0"/>
+        </a:xfrm>
+      </p:grpSpPr>
+      <p:sp>
+        <p:nvSpPr>
+          <p:cNvPr id="11" name="직사각형 10">
+            <a:extLst>
+              <a:ext uri="{FF2B5EF4-FFF2-40B4-BE49-F238E27FC236}">
+                <a16:creationId xmlns:a16="http://schemas.microsoft.com/office/drawing/2014/main" id="{8516691B-303A-2280-D5D6-599FA628E6C0}"/>
+              </a:ext>
+            </a:extLst>
+          </p:cNvPr>
+          <p:cNvSpPr/>
+          <p:nvPr/>
+        </p:nvSpPr>
+        <p:spPr>
+          <a:xfrm>
+            <a:off x="3574203" y="1992681"/>
+            <a:ext cx="3344182" cy="2527561"/>
+          </a:xfrm>
+          <a:prstGeom prst="rect">
+            <a:avLst/>
+          </a:prstGeom>
+        </p:spPr>
+        <p:style>
+          <a:lnRef idx="2">
+            <a:schemeClr val="dk1"/>
+          </a:lnRef>
+          <a:fillRef idx="1">
+            <a:schemeClr val="lt1"/>
+          </a:fillRef>
+          <a:effectRef idx="0">
+            <a:schemeClr val="dk1"/>
+          </a:effectRef>
+          <a:fontRef idx="minor">
+            <a:schemeClr val="dk1"/>
+          </a:fontRef>
+        </p:style>
+        <p:txBody>
+          <a:bodyPr rtlCol="0" anchor="ctr"/>
+          <a:lstStyle/>
+          <a:p>
+            <a:pPr algn="ctr"/>
+            <a:endParaRPr kumimoji="1" lang="ko-Kore-KR" altLang="en-US" dirty="0">
+              <a:solidFill>
+                <a:schemeClr val="tx1"/>
+              </a:solidFill>
+            </a:endParaRPr>
+          </a:p>
+        </p:txBody>
+      </p:sp>
+      <p:sp>
+        <p:nvSpPr>
+          <p:cNvPr id="7" name="TextBox 6">
+            <a:extLst>
+              <a:ext uri="{FF2B5EF4-FFF2-40B4-BE49-F238E27FC236}">
+                <a16:creationId xmlns:a16="http://schemas.microsoft.com/office/drawing/2014/main" id="{11732E1E-F070-FB47-5716-E2DE052D63A9}"/>
+              </a:ext>
+            </a:extLst>
+          </p:cNvPr>
+          <p:cNvSpPr txBox="1"/>
+          <p:nvPr/>
+        </p:nvSpPr>
+        <p:spPr>
+          <a:xfrm>
+            <a:off x="312708" y="115374"/>
+            <a:ext cx="2948433" cy="3416320"/>
+          </a:xfrm>
+          <a:prstGeom prst="rect">
+            <a:avLst/>
+          </a:prstGeom>
+          <a:noFill/>
+        </p:spPr>
+        <p:txBody>
+          <a:bodyPr wrap="square">
+            <a:spAutoFit/>
+          </a:bodyPr>
+          <a:lstStyle/>
+          <a:p>
+            <a:r>
+              <a:rPr lang="en" altLang="ko-Kore-KR" dirty="0">
+                <a:latin typeface="DM Mono" panose="020B0509040201040103" pitchFamily="49" charset="0"/>
+              </a:rPr>
+              <a:t>void </a:t>
+            </a:r>
+            <a:r>
+              <a:rPr lang="en" altLang="ko-Kore-KR" dirty="0" err="1">
+                <a:latin typeface="DM Mono" panose="020B0509040201040103" pitchFamily="49" charset="0"/>
+              </a:rPr>
+              <a:t>inc</a:t>
+            </a:r>
+            <a:r>
+              <a:rPr lang="en" altLang="ko-Kore-KR" dirty="0">
+                <a:latin typeface="DM Mono" panose="020B0509040201040103" pitchFamily="49" charset="0"/>
+              </a:rPr>
+              <a:t>(int n)</a:t>
+            </a:r>
+          </a:p>
+          <a:p>
+            <a:r>
+              <a:rPr lang="en" altLang="ko-Kore-KR" dirty="0">
+                <a:latin typeface="DM Mono" panose="020B0509040201040103" pitchFamily="49" charset="0"/>
+              </a:rPr>
+              <a:t>{</a:t>
+            </a:r>
+          </a:p>
+          <a:p>
+            <a:r>
+              <a:rPr lang="en" altLang="ko-Kore-KR" dirty="0">
+                <a:latin typeface="DM Mono" panose="020B0509040201040103" pitchFamily="49" charset="0"/>
+              </a:rPr>
+              <a:t>   ++n;</a:t>
+            </a:r>
+          </a:p>
+          <a:p>
+            <a:r>
+              <a:rPr lang="en" altLang="ko-Kore-KR" dirty="0">
+                <a:latin typeface="DM Mono" panose="020B0509040201040103" pitchFamily="49" charset="0"/>
+              </a:rPr>
+              <a:t>}</a:t>
+            </a:r>
+          </a:p>
+          <a:p>
+            <a:endParaRPr lang="en" altLang="ko-Kore-KR" dirty="0">
+              <a:latin typeface="DM Mono" panose="020B0509040201040103" pitchFamily="49" charset="0"/>
+            </a:endParaRPr>
+          </a:p>
+          <a:p>
+            <a:r>
+              <a:rPr lang="en" altLang="ko-Kore-KR" dirty="0">
+                <a:latin typeface="DM Mono" panose="020B0509040201040103" pitchFamily="49" charset="0"/>
+              </a:rPr>
+              <a:t>int main(void)</a:t>
+            </a:r>
+          </a:p>
+          <a:p>
+            <a:r>
+              <a:rPr lang="en" altLang="ko-Kore-KR" dirty="0">
+                <a:latin typeface="DM Mono" panose="020B0509040201040103" pitchFamily="49" charset="0"/>
+              </a:rPr>
+              <a:t>{</a:t>
+            </a:r>
+          </a:p>
+          <a:p>
+            <a:r>
+              <a:rPr lang="en" altLang="ko-Kore-KR" dirty="0">
+                <a:latin typeface="DM Mono" panose="020B0509040201040103" pitchFamily="49" charset="0"/>
+              </a:rPr>
+              <a:t>  int x = 10;</a:t>
+            </a:r>
+          </a:p>
+          <a:p>
+            <a:r>
+              <a:rPr lang="en" altLang="ko-Kore-KR" dirty="0">
+                <a:latin typeface="DM Mono" panose="020B0509040201040103" pitchFamily="49" charset="0"/>
+              </a:rPr>
+              <a:t>  </a:t>
+            </a:r>
+            <a:r>
+              <a:rPr lang="en" altLang="ko-Kore-KR" dirty="0" err="1">
+                <a:latin typeface="DM Mono" panose="020B0509040201040103" pitchFamily="49" charset="0"/>
+              </a:rPr>
+              <a:t>inc</a:t>
+            </a:r>
+            <a:r>
+              <a:rPr lang="en" altLang="ko-Kore-KR" dirty="0">
+                <a:latin typeface="DM Mono" panose="020B0509040201040103" pitchFamily="49" charset="0"/>
+              </a:rPr>
+              <a:t>(x);</a:t>
+            </a:r>
+          </a:p>
+          <a:p>
+            <a:endParaRPr lang="en" altLang="ko-Kore-KR" dirty="0">
+              <a:latin typeface="DM Mono" panose="020B0509040201040103" pitchFamily="49" charset="0"/>
+            </a:endParaRPr>
+          </a:p>
+          <a:p>
+            <a:r>
+              <a:rPr lang="en" altLang="ko-Kore-KR" dirty="0">
+                <a:latin typeface="DM Mono" panose="020B0509040201040103" pitchFamily="49" charset="0"/>
+              </a:rPr>
+              <a:t>  return 0;</a:t>
+            </a:r>
+          </a:p>
+          <a:p>
+            <a:r>
+              <a:rPr lang="en" altLang="ko-Kore-KR" dirty="0">
+                <a:latin typeface="DM Mono" panose="020B0509040201040103" pitchFamily="49" charset="0"/>
+              </a:rPr>
+              <a:t>}</a:t>
+            </a:r>
+            <a:endParaRPr lang="ko-Kore-KR" altLang="en-US" dirty="0">
+              <a:latin typeface="DM Mono" panose="020B0509040201040103" pitchFamily="49" charset="0"/>
+            </a:endParaRPr>
+          </a:p>
+        </p:txBody>
+      </p:sp>
+      <p:sp>
+        <p:nvSpPr>
+          <p:cNvPr id="8" name="직사각형 7">
+            <a:extLst>
+              <a:ext uri="{FF2B5EF4-FFF2-40B4-BE49-F238E27FC236}">
+                <a16:creationId xmlns:a16="http://schemas.microsoft.com/office/drawing/2014/main" id="{C09D5634-6E46-BCCC-ACFE-D4342B76E019}"/>
+              </a:ext>
+            </a:extLst>
+          </p:cNvPr>
+          <p:cNvSpPr/>
+          <p:nvPr/>
+        </p:nvSpPr>
+        <p:spPr>
+          <a:xfrm>
+            <a:off x="4572001" y="2525957"/>
+            <a:ext cx="925906" cy="447790"/>
+          </a:xfrm>
+          <a:prstGeom prst="rect">
+            <a:avLst/>
+          </a:prstGeom>
+          <a:solidFill>
+            <a:srgbClr val="FFFF00"/>
+          </a:solidFill>
+        </p:spPr>
+        <p:style>
+          <a:lnRef idx="2">
+            <a:schemeClr val="accent1">
+              <a:shade val="50000"/>
+            </a:schemeClr>
+          </a:lnRef>
+          <a:fillRef idx="1">
+            <a:schemeClr val="accent1"/>
+          </a:fillRef>
+          <a:effectRef idx="0">
+            <a:schemeClr val="accent1"/>
+          </a:effectRef>
+          <a:fontRef idx="minor">
+            <a:schemeClr val="lt1"/>
+          </a:fontRef>
+        </p:style>
+        <p:txBody>
+          <a:bodyPr rtlCol="0" anchor="ctr"/>
+          <a:lstStyle/>
+          <a:p>
+            <a:pPr algn="ctr"/>
+            <a:r>
+              <a:rPr kumimoji="1" lang="en-US" altLang="ko-Kore-KR" dirty="0">
+                <a:solidFill>
+                  <a:schemeClr val="tx1"/>
+                </a:solidFill>
+              </a:rPr>
+              <a:t>10</a:t>
+            </a:r>
+            <a:endParaRPr kumimoji="1" lang="ko-Kore-KR" altLang="en-US" dirty="0">
+              <a:solidFill>
+                <a:schemeClr val="tx1"/>
+              </a:solidFill>
+            </a:endParaRPr>
+          </a:p>
+        </p:txBody>
+      </p:sp>
+      <p:sp>
+        <p:nvSpPr>
+          <p:cNvPr id="10" name="TextBox 9">
+            <a:extLst>
+              <a:ext uri="{FF2B5EF4-FFF2-40B4-BE49-F238E27FC236}">
+                <a16:creationId xmlns:a16="http://schemas.microsoft.com/office/drawing/2014/main" id="{E76243F8-A2B2-93BF-66A9-CE2936F73E5D}"/>
+              </a:ext>
+            </a:extLst>
+          </p:cNvPr>
+          <p:cNvSpPr txBox="1"/>
+          <p:nvPr/>
+        </p:nvSpPr>
+        <p:spPr>
+          <a:xfrm>
+            <a:off x="4194595" y="2604415"/>
+            <a:ext cx="377406" cy="369332"/>
+          </a:xfrm>
+          <a:prstGeom prst="rect">
+            <a:avLst/>
+          </a:prstGeom>
+          <a:noFill/>
+        </p:spPr>
+        <p:txBody>
+          <a:bodyPr wrap="square">
+            <a:spAutoFit/>
+          </a:bodyPr>
+          <a:lstStyle/>
+          <a:p>
+            <a:r>
+              <a:rPr lang="en" altLang="ko-Kore-KR" dirty="0">
+                <a:latin typeface="DM Mono" panose="020B0509040201040103" pitchFamily="49" charset="0"/>
+              </a:rPr>
+              <a:t>x</a:t>
+            </a:r>
+            <a:endParaRPr lang="ko-Kore-KR" altLang="en-US" dirty="0"/>
+          </a:p>
+        </p:txBody>
+      </p:sp>
+      <p:sp>
+        <p:nvSpPr>
+          <p:cNvPr id="13" name="TextBox 12">
+            <a:extLst>
+              <a:ext uri="{FF2B5EF4-FFF2-40B4-BE49-F238E27FC236}">
+                <a16:creationId xmlns:a16="http://schemas.microsoft.com/office/drawing/2014/main" id="{3F32D814-AF37-5853-34B2-912159DBA7DD}"/>
+              </a:ext>
+            </a:extLst>
+          </p:cNvPr>
+          <p:cNvSpPr txBox="1"/>
+          <p:nvPr/>
+        </p:nvSpPr>
+        <p:spPr>
+          <a:xfrm>
+            <a:off x="4841931" y="1713102"/>
+            <a:ext cx="808727" cy="369332"/>
+          </a:xfrm>
+          <a:prstGeom prst="rect">
+            <a:avLst/>
+          </a:prstGeom>
+          <a:noFill/>
+        </p:spPr>
+        <p:txBody>
+          <a:bodyPr wrap="square">
+            <a:spAutoFit/>
+          </a:bodyPr>
+          <a:lstStyle/>
+          <a:p>
+            <a:r>
+              <a:rPr lang="en" altLang="ko-Kore-KR" dirty="0">
+                <a:latin typeface="DM Mono" panose="020B0509040201040103" pitchFamily="49" charset="0"/>
+              </a:rPr>
+              <a:t>main</a:t>
+            </a:r>
+            <a:endParaRPr lang="ko-Kore-KR" altLang="en-US" dirty="0"/>
+          </a:p>
+        </p:txBody>
+      </p:sp>
+    </p:spTree>
+    <p:extLst>
+      <p:ext uri="{BB962C8B-B14F-4D97-AF65-F5344CB8AC3E}">
+        <p14:creationId xmlns:p14="http://schemas.microsoft.com/office/powerpoint/2010/main" val="3468356162"/>
+      </p:ext>
+    </p:extLst>
+  </p:cSld>
+  <p:clrMapOvr>
+    <a:masterClrMapping/>
+  </p:clrMapOvr>
+</p:sld>
+</file>
+
+<file path=ppt/slides/slide25.xml><?xml version="1.0" encoding="utf-8"?>
+<p:sld xmlns:a="http://schemas.openxmlformats.org/drawingml/2006/main" xmlns:r="http://schemas.openxmlformats.org/officeDocument/2006/relationships" xmlns:p="http://schemas.openxmlformats.org/presentationml/2006/main">
+  <p:cSld>
+    <p:spTree>
+      <p:nvGrpSpPr>
+        <p:cNvPr id="1" name=""/>
+        <p:cNvGrpSpPr/>
+        <p:nvPr/>
+      </p:nvGrpSpPr>
+      <p:grpSpPr>
+        <a:xfrm>
+          <a:off x="0" y="0"/>
+          <a:ext cx="0" cy="0"/>
+          <a:chOff x="0" y="0"/>
+          <a:chExt cx="0" cy="0"/>
+        </a:xfrm>
+      </p:grpSpPr>
+      <p:sp>
+        <p:nvSpPr>
+          <p:cNvPr id="11" name="직사각형 10">
+            <a:extLst>
+              <a:ext uri="{FF2B5EF4-FFF2-40B4-BE49-F238E27FC236}">
+                <a16:creationId xmlns:a16="http://schemas.microsoft.com/office/drawing/2014/main" id="{8516691B-303A-2280-D5D6-599FA628E6C0}"/>
+              </a:ext>
+            </a:extLst>
+          </p:cNvPr>
+          <p:cNvSpPr/>
+          <p:nvPr/>
+        </p:nvSpPr>
+        <p:spPr>
+          <a:xfrm>
+            <a:off x="3574203" y="1992681"/>
+            <a:ext cx="3344182" cy="2527561"/>
+          </a:xfrm>
+          <a:prstGeom prst="rect">
+            <a:avLst/>
+          </a:prstGeom>
+        </p:spPr>
+        <p:style>
+          <a:lnRef idx="2">
+            <a:schemeClr val="dk1"/>
+          </a:lnRef>
+          <a:fillRef idx="1">
+            <a:schemeClr val="lt1"/>
+          </a:fillRef>
+          <a:effectRef idx="0">
+            <a:schemeClr val="dk1"/>
+          </a:effectRef>
+          <a:fontRef idx="minor">
+            <a:schemeClr val="dk1"/>
+          </a:fontRef>
+        </p:style>
+        <p:txBody>
+          <a:bodyPr rtlCol="0" anchor="ctr"/>
+          <a:lstStyle/>
+          <a:p>
+            <a:pPr algn="ctr"/>
+            <a:endParaRPr kumimoji="1" lang="ko-Kore-KR" altLang="en-US" dirty="0">
+              <a:solidFill>
+                <a:schemeClr val="tx1"/>
+              </a:solidFill>
+            </a:endParaRPr>
+          </a:p>
+        </p:txBody>
+      </p:sp>
+      <p:sp>
+        <p:nvSpPr>
+          <p:cNvPr id="7" name="TextBox 6">
+            <a:extLst>
+              <a:ext uri="{FF2B5EF4-FFF2-40B4-BE49-F238E27FC236}">
+                <a16:creationId xmlns:a16="http://schemas.microsoft.com/office/drawing/2014/main" id="{11732E1E-F070-FB47-5716-E2DE052D63A9}"/>
+              </a:ext>
+            </a:extLst>
+          </p:cNvPr>
+          <p:cNvSpPr txBox="1"/>
+          <p:nvPr/>
+        </p:nvSpPr>
+        <p:spPr>
+          <a:xfrm>
+            <a:off x="312708" y="115374"/>
+            <a:ext cx="2948433" cy="3416320"/>
+          </a:xfrm>
+          <a:prstGeom prst="rect">
+            <a:avLst/>
+          </a:prstGeom>
+          <a:noFill/>
+        </p:spPr>
+        <p:txBody>
+          <a:bodyPr wrap="square">
+            <a:spAutoFit/>
+          </a:bodyPr>
+          <a:lstStyle/>
+          <a:p>
+            <a:r>
+              <a:rPr lang="en" altLang="ko-Kore-KR" dirty="0">
+                <a:latin typeface="DM Mono" panose="020B0509040201040103" pitchFamily="49" charset="0"/>
+              </a:rPr>
+              <a:t>void </a:t>
+            </a:r>
+            <a:r>
+              <a:rPr lang="en" altLang="ko-Kore-KR" dirty="0" err="1">
+                <a:latin typeface="DM Mono" panose="020B0509040201040103" pitchFamily="49" charset="0"/>
+              </a:rPr>
+              <a:t>inc</a:t>
+            </a:r>
+            <a:r>
+              <a:rPr lang="en" altLang="ko-Kore-KR" dirty="0">
+                <a:latin typeface="DM Mono" panose="020B0509040201040103" pitchFamily="49" charset="0"/>
+              </a:rPr>
+              <a:t>(int n)</a:t>
+            </a:r>
+          </a:p>
+          <a:p>
+            <a:r>
+              <a:rPr lang="en" altLang="ko-Kore-KR" dirty="0">
+                <a:latin typeface="DM Mono" panose="020B0509040201040103" pitchFamily="49" charset="0"/>
+              </a:rPr>
+              <a:t>{</a:t>
+            </a:r>
+          </a:p>
+          <a:p>
+            <a:r>
+              <a:rPr lang="en" altLang="ko-Kore-KR" dirty="0">
+                <a:latin typeface="DM Mono" panose="020B0509040201040103" pitchFamily="49" charset="0"/>
+              </a:rPr>
+              <a:t>   ++n;</a:t>
+            </a:r>
+          </a:p>
+          <a:p>
+            <a:r>
+              <a:rPr lang="en" altLang="ko-Kore-KR" dirty="0">
+                <a:latin typeface="DM Mono" panose="020B0509040201040103" pitchFamily="49" charset="0"/>
+              </a:rPr>
+              <a:t>}</a:t>
+            </a:r>
+          </a:p>
+          <a:p>
+            <a:endParaRPr lang="en" altLang="ko-Kore-KR" dirty="0">
+              <a:latin typeface="DM Mono" panose="020B0509040201040103" pitchFamily="49" charset="0"/>
+            </a:endParaRPr>
+          </a:p>
+          <a:p>
+            <a:r>
+              <a:rPr lang="en" altLang="ko-Kore-KR" dirty="0">
+                <a:latin typeface="DM Mono" panose="020B0509040201040103" pitchFamily="49" charset="0"/>
+              </a:rPr>
+              <a:t>int main(void)</a:t>
+            </a:r>
+          </a:p>
+          <a:p>
+            <a:r>
+              <a:rPr lang="en" altLang="ko-Kore-KR" dirty="0">
+                <a:latin typeface="DM Mono" panose="020B0509040201040103" pitchFamily="49" charset="0"/>
+              </a:rPr>
+              <a:t>{</a:t>
+            </a:r>
+          </a:p>
+          <a:p>
+            <a:r>
+              <a:rPr lang="en" altLang="ko-Kore-KR" dirty="0">
+                <a:latin typeface="DM Mono" panose="020B0509040201040103" pitchFamily="49" charset="0"/>
+              </a:rPr>
+              <a:t>  int x = 10;</a:t>
+            </a:r>
+          </a:p>
+          <a:p>
+            <a:r>
+              <a:rPr lang="en" altLang="ko-Kore-KR" dirty="0">
+                <a:solidFill>
+                  <a:srgbClr val="FF0000"/>
+                </a:solidFill>
+                <a:latin typeface="DM Mono" panose="020B0509040201040103" pitchFamily="49" charset="0"/>
+              </a:rPr>
+              <a:t>  </a:t>
+            </a:r>
+            <a:r>
+              <a:rPr lang="en" altLang="ko-Kore-KR" dirty="0" err="1">
+                <a:solidFill>
+                  <a:srgbClr val="FF0000"/>
+                </a:solidFill>
+                <a:latin typeface="DM Mono" panose="020B0509040201040103" pitchFamily="49" charset="0"/>
+              </a:rPr>
+              <a:t>inc</a:t>
+            </a:r>
+            <a:r>
+              <a:rPr lang="en" altLang="ko-Kore-KR" dirty="0">
+                <a:solidFill>
+                  <a:srgbClr val="FF0000"/>
+                </a:solidFill>
+                <a:latin typeface="DM Mono" panose="020B0509040201040103" pitchFamily="49" charset="0"/>
+              </a:rPr>
+              <a:t>(x);</a:t>
+            </a:r>
+          </a:p>
+          <a:p>
+            <a:endParaRPr lang="en" altLang="ko-Kore-KR" dirty="0">
+              <a:latin typeface="DM Mono" panose="020B0509040201040103" pitchFamily="49" charset="0"/>
+            </a:endParaRPr>
+          </a:p>
+          <a:p>
+            <a:r>
+              <a:rPr lang="en" altLang="ko-Kore-KR" dirty="0">
+                <a:latin typeface="DM Mono" panose="020B0509040201040103" pitchFamily="49" charset="0"/>
+              </a:rPr>
+              <a:t>  return 0;</a:t>
+            </a:r>
+          </a:p>
+          <a:p>
+            <a:r>
+              <a:rPr lang="en" altLang="ko-Kore-KR" dirty="0">
+                <a:latin typeface="DM Mono" panose="020B0509040201040103" pitchFamily="49" charset="0"/>
+              </a:rPr>
+              <a:t>}</a:t>
+            </a:r>
+            <a:endParaRPr lang="ko-Kore-KR" altLang="en-US" dirty="0">
+              <a:latin typeface="DM Mono" panose="020B0509040201040103" pitchFamily="49" charset="0"/>
+            </a:endParaRPr>
+          </a:p>
+        </p:txBody>
+      </p:sp>
+      <p:sp>
+        <p:nvSpPr>
+          <p:cNvPr id="8" name="직사각형 7">
+            <a:extLst>
+              <a:ext uri="{FF2B5EF4-FFF2-40B4-BE49-F238E27FC236}">
+                <a16:creationId xmlns:a16="http://schemas.microsoft.com/office/drawing/2014/main" id="{C09D5634-6E46-BCCC-ACFE-D4342B76E019}"/>
+              </a:ext>
+            </a:extLst>
+          </p:cNvPr>
+          <p:cNvSpPr/>
+          <p:nvPr/>
+        </p:nvSpPr>
+        <p:spPr>
+          <a:xfrm>
+            <a:off x="4572001" y="2525957"/>
+            <a:ext cx="925906" cy="447790"/>
+          </a:xfrm>
+          <a:prstGeom prst="rect">
+            <a:avLst/>
+          </a:prstGeom>
+          <a:solidFill>
+            <a:srgbClr val="FFFF00"/>
+          </a:solidFill>
+        </p:spPr>
+        <p:style>
+          <a:lnRef idx="2">
+            <a:schemeClr val="accent1">
+              <a:shade val="50000"/>
+            </a:schemeClr>
+          </a:lnRef>
+          <a:fillRef idx="1">
+            <a:schemeClr val="accent1"/>
+          </a:fillRef>
+          <a:effectRef idx="0">
+            <a:schemeClr val="accent1"/>
+          </a:effectRef>
+          <a:fontRef idx="minor">
+            <a:schemeClr val="lt1"/>
+          </a:fontRef>
+        </p:style>
+        <p:txBody>
+          <a:bodyPr rtlCol="0" anchor="ctr"/>
+          <a:lstStyle/>
+          <a:p>
+            <a:pPr algn="ctr"/>
+            <a:r>
+              <a:rPr kumimoji="1" lang="en-US" altLang="ko-Kore-KR" dirty="0">
+                <a:solidFill>
+                  <a:schemeClr val="tx1"/>
+                </a:solidFill>
+              </a:rPr>
+              <a:t>10</a:t>
+            </a:r>
+            <a:endParaRPr kumimoji="1" lang="ko-Kore-KR" altLang="en-US" dirty="0">
+              <a:solidFill>
+                <a:schemeClr val="tx1"/>
+              </a:solidFill>
+            </a:endParaRPr>
+          </a:p>
+        </p:txBody>
+      </p:sp>
+      <p:sp>
+        <p:nvSpPr>
+          <p:cNvPr id="10" name="TextBox 9">
+            <a:extLst>
+              <a:ext uri="{FF2B5EF4-FFF2-40B4-BE49-F238E27FC236}">
+                <a16:creationId xmlns:a16="http://schemas.microsoft.com/office/drawing/2014/main" id="{E76243F8-A2B2-93BF-66A9-CE2936F73E5D}"/>
+              </a:ext>
+            </a:extLst>
+          </p:cNvPr>
+          <p:cNvSpPr txBox="1"/>
+          <p:nvPr/>
+        </p:nvSpPr>
+        <p:spPr>
+          <a:xfrm>
+            <a:off x="4194595" y="2604415"/>
+            <a:ext cx="377406" cy="369332"/>
+          </a:xfrm>
+          <a:prstGeom prst="rect">
+            <a:avLst/>
+          </a:prstGeom>
+          <a:noFill/>
+        </p:spPr>
+        <p:txBody>
+          <a:bodyPr wrap="square">
+            <a:spAutoFit/>
+          </a:bodyPr>
+          <a:lstStyle/>
+          <a:p>
+            <a:r>
+              <a:rPr lang="en" altLang="ko-Kore-KR" dirty="0">
+                <a:latin typeface="DM Mono" panose="020B0509040201040103" pitchFamily="49" charset="0"/>
+              </a:rPr>
+              <a:t>x</a:t>
+            </a:r>
+            <a:endParaRPr lang="ko-Kore-KR" altLang="en-US" dirty="0"/>
+          </a:p>
+        </p:txBody>
+      </p:sp>
+      <p:sp>
+        <p:nvSpPr>
+          <p:cNvPr id="13" name="TextBox 12">
+            <a:extLst>
+              <a:ext uri="{FF2B5EF4-FFF2-40B4-BE49-F238E27FC236}">
+                <a16:creationId xmlns:a16="http://schemas.microsoft.com/office/drawing/2014/main" id="{3F32D814-AF37-5853-34B2-912159DBA7DD}"/>
+              </a:ext>
+            </a:extLst>
+          </p:cNvPr>
+          <p:cNvSpPr txBox="1"/>
+          <p:nvPr/>
+        </p:nvSpPr>
+        <p:spPr>
+          <a:xfrm>
+            <a:off x="4841931" y="1713102"/>
+            <a:ext cx="808727" cy="369332"/>
+          </a:xfrm>
+          <a:prstGeom prst="rect">
+            <a:avLst/>
+          </a:prstGeom>
+          <a:noFill/>
+        </p:spPr>
+        <p:txBody>
+          <a:bodyPr wrap="square">
+            <a:spAutoFit/>
+          </a:bodyPr>
+          <a:lstStyle/>
+          <a:p>
+            <a:r>
+              <a:rPr lang="en" altLang="ko-Kore-KR" dirty="0">
+                <a:latin typeface="DM Mono" panose="020B0509040201040103" pitchFamily="49" charset="0"/>
+              </a:rPr>
+              <a:t>main</a:t>
+            </a:r>
+            <a:endParaRPr lang="ko-Kore-KR" altLang="en-US" dirty="0"/>
+          </a:p>
+        </p:txBody>
+      </p:sp>
+      <p:sp>
+        <p:nvSpPr>
+          <p:cNvPr id="2" name="직사각형 1">
+            <a:extLst>
+              <a:ext uri="{FF2B5EF4-FFF2-40B4-BE49-F238E27FC236}">
+                <a16:creationId xmlns:a16="http://schemas.microsoft.com/office/drawing/2014/main" id="{2B2524BA-AAF3-7E8E-BACF-48E08568C659}"/>
+              </a:ext>
+            </a:extLst>
+          </p:cNvPr>
+          <p:cNvSpPr/>
+          <p:nvPr/>
+        </p:nvSpPr>
+        <p:spPr>
+          <a:xfrm>
+            <a:off x="8057063" y="547353"/>
+            <a:ext cx="3344182" cy="2527561"/>
+          </a:xfrm>
+          <a:prstGeom prst="rect">
+            <a:avLst/>
+          </a:prstGeom>
+        </p:spPr>
+        <p:style>
+          <a:lnRef idx="2">
+            <a:schemeClr val="dk1"/>
+          </a:lnRef>
+          <a:fillRef idx="1">
+            <a:schemeClr val="lt1"/>
+          </a:fillRef>
+          <a:effectRef idx="0">
+            <a:schemeClr val="dk1"/>
+          </a:effectRef>
+          <a:fontRef idx="minor">
+            <a:schemeClr val="dk1"/>
+          </a:fontRef>
+        </p:style>
+        <p:txBody>
+          <a:bodyPr rtlCol="0" anchor="ctr"/>
+          <a:lstStyle/>
+          <a:p>
+            <a:pPr algn="ctr"/>
+            <a:endParaRPr kumimoji="1" lang="ko-Kore-KR" altLang="en-US" dirty="0">
+              <a:solidFill>
+                <a:schemeClr val="tx1"/>
+              </a:solidFill>
+            </a:endParaRPr>
+          </a:p>
+        </p:txBody>
+      </p:sp>
+      <p:sp>
+        <p:nvSpPr>
+          <p:cNvPr id="4" name="TextBox 3">
+            <a:extLst>
+              <a:ext uri="{FF2B5EF4-FFF2-40B4-BE49-F238E27FC236}">
+                <a16:creationId xmlns:a16="http://schemas.microsoft.com/office/drawing/2014/main" id="{E02FF0DB-E75A-0340-A765-FF0F7EDBBE1A}"/>
+              </a:ext>
+            </a:extLst>
+          </p:cNvPr>
+          <p:cNvSpPr txBox="1"/>
+          <p:nvPr/>
+        </p:nvSpPr>
+        <p:spPr>
+          <a:xfrm>
+            <a:off x="9324790" y="178021"/>
+            <a:ext cx="808727" cy="369332"/>
+          </a:xfrm>
+          <a:prstGeom prst="rect">
+            <a:avLst/>
+          </a:prstGeom>
+          <a:noFill/>
+        </p:spPr>
+        <p:txBody>
+          <a:bodyPr wrap="square">
+            <a:spAutoFit/>
+          </a:bodyPr>
+          <a:lstStyle/>
+          <a:p>
+            <a:r>
+              <a:rPr lang="en" altLang="ko-Kore-KR" dirty="0" err="1">
+                <a:latin typeface="DM Mono" panose="020B0509040201040103" pitchFamily="49" charset="0"/>
+              </a:rPr>
+              <a:t>inc</a:t>
+            </a:r>
+            <a:endParaRPr lang="ko-Kore-KR" altLang="en-US" dirty="0"/>
+          </a:p>
+        </p:txBody>
+      </p:sp>
+      <p:sp>
+        <p:nvSpPr>
+          <p:cNvPr id="5" name="직사각형 4">
+            <a:extLst>
+              <a:ext uri="{FF2B5EF4-FFF2-40B4-BE49-F238E27FC236}">
+                <a16:creationId xmlns:a16="http://schemas.microsoft.com/office/drawing/2014/main" id="{093D0D2F-E62E-B734-AC73-8F96C021F22E}"/>
+              </a:ext>
+            </a:extLst>
+          </p:cNvPr>
+          <p:cNvSpPr/>
+          <p:nvPr/>
+        </p:nvSpPr>
+        <p:spPr>
+          <a:xfrm>
+            <a:off x="9011729" y="692790"/>
+            <a:ext cx="925906" cy="447790"/>
+          </a:xfrm>
+          <a:prstGeom prst="rect">
+            <a:avLst/>
+          </a:prstGeom>
+          <a:solidFill>
+            <a:srgbClr val="FFFF00"/>
+          </a:solidFill>
+        </p:spPr>
+        <p:style>
+          <a:lnRef idx="2">
+            <a:schemeClr val="accent1">
+              <a:shade val="50000"/>
+            </a:schemeClr>
+          </a:lnRef>
+          <a:fillRef idx="1">
+            <a:schemeClr val="accent1"/>
+          </a:fillRef>
+          <a:effectRef idx="0">
+            <a:schemeClr val="accent1"/>
+          </a:effectRef>
+          <a:fontRef idx="minor">
+            <a:schemeClr val="lt1"/>
+          </a:fontRef>
+        </p:style>
+        <p:txBody>
+          <a:bodyPr rtlCol="0" anchor="ctr"/>
+          <a:lstStyle/>
+          <a:p>
+            <a:pPr algn="ctr"/>
+            <a:r>
+              <a:rPr kumimoji="1" lang="en-US" altLang="ko-Kore-KR" dirty="0">
+                <a:solidFill>
+                  <a:srgbClr val="FF0000"/>
+                </a:solidFill>
+              </a:rPr>
+              <a:t>10</a:t>
+            </a:r>
+            <a:endParaRPr kumimoji="1" lang="ko-Kore-KR" altLang="en-US" dirty="0">
+              <a:solidFill>
+                <a:srgbClr val="FF0000"/>
+              </a:solidFill>
+            </a:endParaRPr>
+          </a:p>
+        </p:txBody>
+      </p:sp>
+      <p:sp>
+        <p:nvSpPr>
+          <p:cNvPr id="6" name="TextBox 5">
+            <a:extLst>
+              <a:ext uri="{FF2B5EF4-FFF2-40B4-BE49-F238E27FC236}">
+                <a16:creationId xmlns:a16="http://schemas.microsoft.com/office/drawing/2014/main" id="{0534FAA6-4964-953A-FE77-69F0C7E0D004}"/>
+              </a:ext>
+            </a:extLst>
+          </p:cNvPr>
+          <p:cNvSpPr txBox="1"/>
+          <p:nvPr/>
+        </p:nvSpPr>
+        <p:spPr>
+          <a:xfrm>
+            <a:off x="8634323" y="771248"/>
+            <a:ext cx="377406" cy="369332"/>
+          </a:xfrm>
+          <a:prstGeom prst="rect">
+            <a:avLst/>
+          </a:prstGeom>
+          <a:noFill/>
+        </p:spPr>
+        <p:txBody>
+          <a:bodyPr wrap="square">
+            <a:spAutoFit/>
+          </a:bodyPr>
+          <a:lstStyle/>
+          <a:p>
+            <a:r>
+              <a:rPr lang="en" altLang="ko-Kore-KR" dirty="0">
+                <a:latin typeface="DM Mono" panose="020B0509040201040103" pitchFamily="49" charset="0"/>
+              </a:rPr>
+              <a:t>n</a:t>
+            </a:r>
+            <a:endParaRPr lang="ko-Kore-KR" altLang="en-US" dirty="0"/>
+          </a:p>
+        </p:txBody>
+      </p:sp>
+    </p:spTree>
+    <p:extLst>
+      <p:ext uri="{BB962C8B-B14F-4D97-AF65-F5344CB8AC3E}">
+        <p14:creationId xmlns:p14="http://schemas.microsoft.com/office/powerpoint/2010/main" val="2568119738"/>
+      </p:ext>
+    </p:extLst>
+  </p:cSld>
+  <p:clrMapOvr>
+    <a:masterClrMapping/>
+  </p:clrMapOvr>
+</p:sld>
+</file>
+
+<file path=ppt/slides/slide26.xml><?xml version="1.0" encoding="utf-8"?>
+<p:sld xmlns:a="http://schemas.openxmlformats.org/drawingml/2006/main" xmlns:r="http://schemas.openxmlformats.org/officeDocument/2006/relationships" xmlns:p="http://schemas.openxmlformats.org/presentationml/2006/main">
+  <p:cSld>
+    <p:spTree>
+      <p:nvGrpSpPr>
+        <p:cNvPr id="1" name=""/>
+        <p:cNvGrpSpPr/>
+        <p:nvPr/>
+      </p:nvGrpSpPr>
+      <p:grpSpPr>
+        <a:xfrm>
+          <a:off x="0" y="0"/>
+          <a:ext cx="0" cy="0"/>
+          <a:chOff x="0" y="0"/>
+          <a:chExt cx="0" cy="0"/>
+        </a:xfrm>
+      </p:grpSpPr>
+      <p:sp>
+        <p:nvSpPr>
+          <p:cNvPr id="11" name="직사각형 10">
+            <a:extLst>
+              <a:ext uri="{FF2B5EF4-FFF2-40B4-BE49-F238E27FC236}">
+                <a16:creationId xmlns:a16="http://schemas.microsoft.com/office/drawing/2014/main" id="{8516691B-303A-2280-D5D6-599FA628E6C0}"/>
+              </a:ext>
+            </a:extLst>
+          </p:cNvPr>
+          <p:cNvSpPr/>
+          <p:nvPr/>
+        </p:nvSpPr>
+        <p:spPr>
+          <a:xfrm>
+            <a:off x="3574203" y="1992681"/>
+            <a:ext cx="3344182" cy="2527561"/>
+          </a:xfrm>
+          <a:prstGeom prst="rect">
+            <a:avLst/>
+          </a:prstGeom>
+        </p:spPr>
+        <p:style>
+          <a:lnRef idx="2">
+            <a:schemeClr val="dk1"/>
+          </a:lnRef>
+          <a:fillRef idx="1">
+            <a:schemeClr val="lt1"/>
+          </a:fillRef>
+          <a:effectRef idx="0">
+            <a:schemeClr val="dk1"/>
+          </a:effectRef>
+          <a:fontRef idx="minor">
+            <a:schemeClr val="dk1"/>
+          </a:fontRef>
+        </p:style>
+        <p:txBody>
+          <a:bodyPr rtlCol="0" anchor="ctr"/>
+          <a:lstStyle/>
+          <a:p>
+            <a:pPr algn="ctr"/>
+            <a:endParaRPr kumimoji="1" lang="ko-Kore-KR" altLang="en-US" dirty="0">
+              <a:solidFill>
+                <a:schemeClr val="tx1"/>
+              </a:solidFill>
+            </a:endParaRPr>
+          </a:p>
+        </p:txBody>
+      </p:sp>
+      <p:sp>
+        <p:nvSpPr>
+          <p:cNvPr id="7" name="TextBox 6">
+            <a:extLst>
+              <a:ext uri="{FF2B5EF4-FFF2-40B4-BE49-F238E27FC236}">
+                <a16:creationId xmlns:a16="http://schemas.microsoft.com/office/drawing/2014/main" id="{11732E1E-F070-FB47-5716-E2DE052D63A9}"/>
+              </a:ext>
+            </a:extLst>
+          </p:cNvPr>
+          <p:cNvSpPr txBox="1"/>
+          <p:nvPr/>
+        </p:nvSpPr>
+        <p:spPr>
+          <a:xfrm>
+            <a:off x="312708" y="115374"/>
+            <a:ext cx="2948433" cy="3416320"/>
+          </a:xfrm>
+          <a:prstGeom prst="rect">
+            <a:avLst/>
+          </a:prstGeom>
+          <a:noFill/>
+        </p:spPr>
+        <p:txBody>
+          <a:bodyPr wrap="square">
+            <a:spAutoFit/>
+          </a:bodyPr>
+          <a:lstStyle/>
+          <a:p>
+            <a:r>
+              <a:rPr lang="en" altLang="ko-Kore-KR" dirty="0">
+                <a:latin typeface="DM Mono" panose="020B0509040201040103" pitchFamily="49" charset="0"/>
+              </a:rPr>
+              <a:t>void </a:t>
+            </a:r>
+            <a:r>
+              <a:rPr lang="en" altLang="ko-Kore-KR" dirty="0" err="1">
+                <a:latin typeface="DM Mono" panose="020B0509040201040103" pitchFamily="49" charset="0"/>
+              </a:rPr>
+              <a:t>inc</a:t>
+            </a:r>
+            <a:r>
+              <a:rPr lang="en" altLang="ko-Kore-KR" dirty="0">
+                <a:latin typeface="DM Mono" panose="020B0509040201040103" pitchFamily="49" charset="0"/>
+              </a:rPr>
+              <a:t>(int n)</a:t>
+            </a:r>
+          </a:p>
+          <a:p>
+            <a:r>
+              <a:rPr lang="en" altLang="ko-Kore-KR" dirty="0">
+                <a:latin typeface="DM Mono" panose="020B0509040201040103" pitchFamily="49" charset="0"/>
+              </a:rPr>
+              <a:t>{</a:t>
+            </a:r>
+          </a:p>
+          <a:p>
+            <a:r>
+              <a:rPr lang="en" altLang="ko-Kore-KR" dirty="0">
+                <a:solidFill>
+                  <a:srgbClr val="FF0000"/>
+                </a:solidFill>
+                <a:latin typeface="DM Mono" panose="020B0509040201040103" pitchFamily="49" charset="0"/>
+              </a:rPr>
+              <a:t>   ++n;</a:t>
+            </a:r>
+          </a:p>
+          <a:p>
+            <a:r>
+              <a:rPr lang="en" altLang="ko-Kore-KR" dirty="0">
+                <a:latin typeface="DM Mono" panose="020B0509040201040103" pitchFamily="49" charset="0"/>
+              </a:rPr>
+              <a:t>}</a:t>
+            </a:r>
+          </a:p>
+          <a:p>
+            <a:endParaRPr lang="en" altLang="ko-Kore-KR" dirty="0">
+              <a:latin typeface="DM Mono" panose="020B0509040201040103" pitchFamily="49" charset="0"/>
+            </a:endParaRPr>
+          </a:p>
+          <a:p>
+            <a:r>
+              <a:rPr lang="en" altLang="ko-Kore-KR" dirty="0">
+                <a:latin typeface="DM Mono" panose="020B0509040201040103" pitchFamily="49" charset="0"/>
+              </a:rPr>
+              <a:t>int main(void)</a:t>
+            </a:r>
+          </a:p>
+          <a:p>
+            <a:r>
+              <a:rPr lang="en" altLang="ko-Kore-KR" dirty="0">
+                <a:latin typeface="DM Mono" panose="020B0509040201040103" pitchFamily="49" charset="0"/>
+              </a:rPr>
+              <a:t>{</a:t>
+            </a:r>
+          </a:p>
+          <a:p>
+            <a:r>
+              <a:rPr lang="en" altLang="ko-Kore-KR" dirty="0">
+                <a:latin typeface="DM Mono" panose="020B0509040201040103" pitchFamily="49" charset="0"/>
+              </a:rPr>
+              <a:t>  int x = 10;</a:t>
+            </a:r>
+          </a:p>
+          <a:p>
+            <a:r>
+              <a:rPr lang="en" altLang="ko-Kore-KR" dirty="0">
+                <a:latin typeface="DM Mono" panose="020B0509040201040103" pitchFamily="49" charset="0"/>
+              </a:rPr>
+              <a:t>  </a:t>
+            </a:r>
+            <a:r>
+              <a:rPr lang="en" altLang="ko-Kore-KR" dirty="0" err="1">
+                <a:latin typeface="DM Mono" panose="020B0509040201040103" pitchFamily="49" charset="0"/>
+              </a:rPr>
+              <a:t>inc</a:t>
+            </a:r>
+            <a:r>
+              <a:rPr lang="en" altLang="ko-Kore-KR" dirty="0">
+                <a:latin typeface="DM Mono" panose="020B0509040201040103" pitchFamily="49" charset="0"/>
+              </a:rPr>
+              <a:t>(x);</a:t>
+            </a:r>
+          </a:p>
+          <a:p>
+            <a:endParaRPr lang="en" altLang="ko-Kore-KR" dirty="0">
+              <a:latin typeface="DM Mono" panose="020B0509040201040103" pitchFamily="49" charset="0"/>
+            </a:endParaRPr>
+          </a:p>
+          <a:p>
+            <a:r>
+              <a:rPr lang="en" altLang="ko-Kore-KR" dirty="0">
+                <a:latin typeface="DM Mono" panose="020B0509040201040103" pitchFamily="49" charset="0"/>
+              </a:rPr>
+              <a:t>  return 0;</a:t>
+            </a:r>
+          </a:p>
+          <a:p>
+            <a:r>
+              <a:rPr lang="en" altLang="ko-Kore-KR" dirty="0">
+                <a:latin typeface="DM Mono" panose="020B0509040201040103" pitchFamily="49" charset="0"/>
+              </a:rPr>
+              <a:t>}</a:t>
+            </a:r>
+            <a:endParaRPr lang="ko-Kore-KR" altLang="en-US" dirty="0">
+              <a:latin typeface="DM Mono" panose="020B0509040201040103" pitchFamily="49" charset="0"/>
+            </a:endParaRPr>
+          </a:p>
+        </p:txBody>
+      </p:sp>
+      <p:sp>
+        <p:nvSpPr>
+          <p:cNvPr id="8" name="직사각형 7">
+            <a:extLst>
+              <a:ext uri="{FF2B5EF4-FFF2-40B4-BE49-F238E27FC236}">
+                <a16:creationId xmlns:a16="http://schemas.microsoft.com/office/drawing/2014/main" id="{C09D5634-6E46-BCCC-ACFE-D4342B76E019}"/>
+              </a:ext>
+            </a:extLst>
+          </p:cNvPr>
+          <p:cNvSpPr/>
+          <p:nvPr/>
+        </p:nvSpPr>
+        <p:spPr>
+          <a:xfrm>
+            <a:off x="4572001" y="2525957"/>
+            <a:ext cx="925906" cy="447790"/>
+          </a:xfrm>
+          <a:prstGeom prst="rect">
+            <a:avLst/>
+          </a:prstGeom>
+          <a:solidFill>
+            <a:srgbClr val="FFFF00"/>
+          </a:solidFill>
+        </p:spPr>
+        <p:style>
+          <a:lnRef idx="2">
+            <a:schemeClr val="accent1">
+              <a:shade val="50000"/>
+            </a:schemeClr>
+          </a:lnRef>
+          <a:fillRef idx="1">
+            <a:schemeClr val="accent1"/>
+          </a:fillRef>
+          <a:effectRef idx="0">
+            <a:schemeClr val="accent1"/>
+          </a:effectRef>
+          <a:fontRef idx="minor">
+            <a:schemeClr val="lt1"/>
+          </a:fontRef>
+        </p:style>
+        <p:txBody>
+          <a:bodyPr rtlCol="0" anchor="ctr"/>
+          <a:lstStyle/>
+          <a:p>
+            <a:pPr algn="ctr"/>
+            <a:r>
+              <a:rPr kumimoji="1" lang="en-US" altLang="ko-Kore-KR" dirty="0">
+                <a:solidFill>
+                  <a:schemeClr val="tx1"/>
+                </a:solidFill>
+              </a:rPr>
+              <a:t>10</a:t>
+            </a:r>
+            <a:endParaRPr kumimoji="1" lang="ko-Kore-KR" altLang="en-US" dirty="0">
+              <a:solidFill>
+                <a:schemeClr val="tx1"/>
+              </a:solidFill>
+            </a:endParaRPr>
+          </a:p>
+        </p:txBody>
+      </p:sp>
+      <p:sp>
+        <p:nvSpPr>
+          <p:cNvPr id="10" name="TextBox 9">
+            <a:extLst>
+              <a:ext uri="{FF2B5EF4-FFF2-40B4-BE49-F238E27FC236}">
+                <a16:creationId xmlns:a16="http://schemas.microsoft.com/office/drawing/2014/main" id="{E76243F8-A2B2-93BF-66A9-CE2936F73E5D}"/>
+              </a:ext>
+            </a:extLst>
+          </p:cNvPr>
+          <p:cNvSpPr txBox="1"/>
+          <p:nvPr/>
+        </p:nvSpPr>
+        <p:spPr>
+          <a:xfrm>
+            <a:off x="4194595" y="2604415"/>
+            <a:ext cx="377406" cy="369332"/>
+          </a:xfrm>
+          <a:prstGeom prst="rect">
+            <a:avLst/>
+          </a:prstGeom>
+          <a:noFill/>
+        </p:spPr>
+        <p:txBody>
+          <a:bodyPr wrap="square">
+            <a:spAutoFit/>
+          </a:bodyPr>
+          <a:lstStyle/>
+          <a:p>
+            <a:r>
+              <a:rPr lang="en" altLang="ko-Kore-KR" dirty="0">
+                <a:latin typeface="DM Mono" panose="020B0509040201040103" pitchFamily="49" charset="0"/>
+              </a:rPr>
+              <a:t>x</a:t>
+            </a:r>
+            <a:endParaRPr lang="ko-Kore-KR" altLang="en-US" dirty="0"/>
+          </a:p>
+        </p:txBody>
+      </p:sp>
+      <p:sp>
+        <p:nvSpPr>
+          <p:cNvPr id="13" name="TextBox 12">
+            <a:extLst>
+              <a:ext uri="{FF2B5EF4-FFF2-40B4-BE49-F238E27FC236}">
+                <a16:creationId xmlns:a16="http://schemas.microsoft.com/office/drawing/2014/main" id="{3F32D814-AF37-5853-34B2-912159DBA7DD}"/>
+              </a:ext>
+            </a:extLst>
+          </p:cNvPr>
+          <p:cNvSpPr txBox="1"/>
+          <p:nvPr/>
+        </p:nvSpPr>
+        <p:spPr>
+          <a:xfrm>
+            <a:off x="4841931" y="1713102"/>
+            <a:ext cx="808727" cy="369332"/>
+          </a:xfrm>
+          <a:prstGeom prst="rect">
+            <a:avLst/>
+          </a:prstGeom>
+          <a:noFill/>
+        </p:spPr>
+        <p:txBody>
+          <a:bodyPr wrap="square">
+            <a:spAutoFit/>
+          </a:bodyPr>
+          <a:lstStyle/>
+          <a:p>
+            <a:r>
+              <a:rPr lang="en" altLang="ko-Kore-KR" dirty="0">
+                <a:latin typeface="DM Mono" panose="020B0509040201040103" pitchFamily="49" charset="0"/>
+              </a:rPr>
+              <a:t>main</a:t>
+            </a:r>
+            <a:endParaRPr lang="ko-Kore-KR" altLang="en-US" dirty="0"/>
+          </a:p>
+        </p:txBody>
+      </p:sp>
+      <p:sp>
+        <p:nvSpPr>
+          <p:cNvPr id="2" name="직사각형 1">
+            <a:extLst>
+              <a:ext uri="{FF2B5EF4-FFF2-40B4-BE49-F238E27FC236}">
+                <a16:creationId xmlns:a16="http://schemas.microsoft.com/office/drawing/2014/main" id="{2B2524BA-AAF3-7E8E-BACF-48E08568C659}"/>
+              </a:ext>
+            </a:extLst>
+          </p:cNvPr>
+          <p:cNvSpPr/>
+          <p:nvPr/>
+        </p:nvSpPr>
+        <p:spPr>
+          <a:xfrm>
+            <a:off x="8057063" y="547353"/>
+            <a:ext cx="3344182" cy="2527561"/>
+          </a:xfrm>
+          <a:prstGeom prst="rect">
+            <a:avLst/>
+          </a:prstGeom>
+        </p:spPr>
+        <p:style>
+          <a:lnRef idx="2">
+            <a:schemeClr val="dk1"/>
+          </a:lnRef>
+          <a:fillRef idx="1">
+            <a:schemeClr val="lt1"/>
+          </a:fillRef>
+          <a:effectRef idx="0">
+            <a:schemeClr val="dk1"/>
+          </a:effectRef>
+          <a:fontRef idx="minor">
+            <a:schemeClr val="dk1"/>
+          </a:fontRef>
+        </p:style>
+        <p:txBody>
+          <a:bodyPr rtlCol="0" anchor="ctr"/>
+          <a:lstStyle/>
+          <a:p>
+            <a:pPr algn="ctr"/>
+            <a:endParaRPr kumimoji="1" lang="ko-Kore-KR" altLang="en-US" dirty="0">
+              <a:solidFill>
+                <a:schemeClr val="tx1"/>
+              </a:solidFill>
+            </a:endParaRPr>
+          </a:p>
+        </p:txBody>
+      </p:sp>
+      <p:sp>
+        <p:nvSpPr>
+          <p:cNvPr id="4" name="TextBox 3">
+            <a:extLst>
+              <a:ext uri="{FF2B5EF4-FFF2-40B4-BE49-F238E27FC236}">
+                <a16:creationId xmlns:a16="http://schemas.microsoft.com/office/drawing/2014/main" id="{E02FF0DB-E75A-0340-A765-FF0F7EDBBE1A}"/>
+              </a:ext>
+            </a:extLst>
+          </p:cNvPr>
+          <p:cNvSpPr txBox="1"/>
+          <p:nvPr/>
+        </p:nvSpPr>
+        <p:spPr>
+          <a:xfrm>
+            <a:off x="9324790" y="178021"/>
+            <a:ext cx="808727" cy="369332"/>
+          </a:xfrm>
+          <a:prstGeom prst="rect">
+            <a:avLst/>
+          </a:prstGeom>
+          <a:noFill/>
+        </p:spPr>
+        <p:txBody>
+          <a:bodyPr wrap="square">
+            <a:spAutoFit/>
+          </a:bodyPr>
+          <a:lstStyle/>
+          <a:p>
+            <a:r>
+              <a:rPr lang="en" altLang="ko-Kore-KR" dirty="0" err="1">
+                <a:latin typeface="DM Mono" panose="020B0509040201040103" pitchFamily="49" charset="0"/>
+              </a:rPr>
+              <a:t>inc</a:t>
+            </a:r>
+            <a:endParaRPr lang="ko-Kore-KR" altLang="en-US" dirty="0"/>
+          </a:p>
+        </p:txBody>
+      </p:sp>
+      <p:sp>
+        <p:nvSpPr>
+          <p:cNvPr id="5" name="직사각형 4">
+            <a:extLst>
+              <a:ext uri="{FF2B5EF4-FFF2-40B4-BE49-F238E27FC236}">
+                <a16:creationId xmlns:a16="http://schemas.microsoft.com/office/drawing/2014/main" id="{093D0D2F-E62E-B734-AC73-8F96C021F22E}"/>
+              </a:ext>
+            </a:extLst>
+          </p:cNvPr>
+          <p:cNvSpPr/>
+          <p:nvPr/>
+        </p:nvSpPr>
+        <p:spPr>
+          <a:xfrm>
+            <a:off x="9011729" y="692790"/>
+            <a:ext cx="925906" cy="447790"/>
+          </a:xfrm>
+          <a:prstGeom prst="rect">
+            <a:avLst/>
+          </a:prstGeom>
+          <a:solidFill>
+            <a:srgbClr val="FFFF00"/>
+          </a:solidFill>
+        </p:spPr>
+        <p:style>
+          <a:lnRef idx="2">
+            <a:schemeClr val="accent1">
+              <a:shade val="50000"/>
+            </a:schemeClr>
+          </a:lnRef>
+          <a:fillRef idx="1">
+            <a:schemeClr val="accent1"/>
+          </a:fillRef>
+          <a:effectRef idx="0">
+            <a:schemeClr val="accent1"/>
+          </a:effectRef>
+          <a:fontRef idx="minor">
+            <a:schemeClr val="lt1"/>
+          </a:fontRef>
+        </p:style>
+        <p:txBody>
+          <a:bodyPr rtlCol="0" anchor="ctr"/>
+          <a:lstStyle/>
+          <a:p>
+            <a:pPr algn="ctr"/>
+            <a:r>
+              <a:rPr kumimoji="1" lang="en-US" altLang="ko-Kore-KR" dirty="0">
+                <a:solidFill>
+                  <a:srgbClr val="FF0000"/>
+                </a:solidFill>
+              </a:rPr>
+              <a:t>11</a:t>
+            </a:r>
+            <a:endParaRPr kumimoji="1" lang="ko-Kore-KR" altLang="en-US" dirty="0">
+              <a:solidFill>
+                <a:srgbClr val="FF0000"/>
+              </a:solidFill>
+            </a:endParaRPr>
+          </a:p>
+        </p:txBody>
+      </p:sp>
+      <p:sp>
+        <p:nvSpPr>
+          <p:cNvPr id="6" name="TextBox 5">
+            <a:extLst>
+              <a:ext uri="{FF2B5EF4-FFF2-40B4-BE49-F238E27FC236}">
+                <a16:creationId xmlns:a16="http://schemas.microsoft.com/office/drawing/2014/main" id="{0534FAA6-4964-953A-FE77-69F0C7E0D004}"/>
+              </a:ext>
+            </a:extLst>
+          </p:cNvPr>
+          <p:cNvSpPr txBox="1"/>
+          <p:nvPr/>
+        </p:nvSpPr>
+        <p:spPr>
+          <a:xfrm>
+            <a:off x="8634323" y="771248"/>
+            <a:ext cx="377406" cy="369332"/>
+          </a:xfrm>
+          <a:prstGeom prst="rect">
+            <a:avLst/>
+          </a:prstGeom>
+          <a:noFill/>
+        </p:spPr>
+        <p:txBody>
+          <a:bodyPr wrap="square">
+            <a:spAutoFit/>
+          </a:bodyPr>
+          <a:lstStyle/>
+          <a:p>
+            <a:r>
+              <a:rPr lang="en" altLang="ko-Kore-KR" dirty="0">
+                <a:latin typeface="DM Mono" panose="020B0509040201040103" pitchFamily="49" charset="0"/>
+              </a:rPr>
+              <a:t>n</a:t>
+            </a:r>
+            <a:endParaRPr lang="ko-Kore-KR" altLang="en-US" dirty="0"/>
+          </a:p>
+        </p:txBody>
+      </p:sp>
+    </p:spTree>
+    <p:extLst>
+      <p:ext uri="{BB962C8B-B14F-4D97-AF65-F5344CB8AC3E}">
+        <p14:creationId xmlns:p14="http://schemas.microsoft.com/office/powerpoint/2010/main" val="1347606735"/>
+      </p:ext>
+    </p:extLst>
+  </p:cSld>
+  <p:clrMapOvr>
+    <a:masterClrMapping/>
+  </p:clrMapOvr>
+</p:sld>
+</file>
+
+<file path=ppt/slides/slide27.xml><?xml version="1.0" encoding="utf-8"?>
+<p:sld xmlns:a="http://schemas.openxmlformats.org/drawingml/2006/main" xmlns:r="http://schemas.openxmlformats.org/officeDocument/2006/relationships" xmlns:p="http://schemas.openxmlformats.org/presentationml/2006/main">
+  <p:cSld>
+    <p:spTree>
+      <p:nvGrpSpPr>
+        <p:cNvPr id="1" name=""/>
+        <p:cNvGrpSpPr/>
+        <p:nvPr/>
+      </p:nvGrpSpPr>
+      <p:grpSpPr>
+        <a:xfrm>
+          <a:off x="0" y="0"/>
+          <a:ext cx="0" cy="0"/>
+          <a:chOff x="0" y="0"/>
+          <a:chExt cx="0" cy="0"/>
+        </a:xfrm>
+      </p:grpSpPr>
+      <p:sp>
+        <p:nvSpPr>
+          <p:cNvPr id="11" name="직사각형 10">
+            <a:extLst>
+              <a:ext uri="{FF2B5EF4-FFF2-40B4-BE49-F238E27FC236}">
+                <a16:creationId xmlns:a16="http://schemas.microsoft.com/office/drawing/2014/main" id="{8516691B-303A-2280-D5D6-599FA628E6C0}"/>
+              </a:ext>
+            </a:extLst>
+          </p:cNvPr>
+          <p:cNvSpPr/>
+          <p:nvPr/>
+        </p:nvSpPr>
+        <p:spPr>
+          <a:xfrm>
+            <a:off x="3574203" y="1992681"/>
+            <a:ext cx="3344182" cy="2527561"/>
+          </a:xfrm>
+          <a:prstGeom prst="rect">
+            <a:avLst/>
+          </a:prstGeom>
+        </p:spPr>
+        <p:style>
+          <a:lnRef idx="2">
+            <a:schemeClr val="dk1"/>
+          </a:lnRef>
+          <a:fillRef idx="1">
+            <a:schemeClr val="lt1"/>
+          </a:fillRef>
+          <a:effectRef idx="0">
+            <a:schemeClr val="dk1"/>
+          </a:effectRef>
+          <a:fontRef idx="minor">
+            <a:schemeClr val="dk1"/>
+          </a:fontRef>
+        </p:style>
+        <p:txBody>
+          <a:bodyPr rtlCol="0" anchor="ctr"/>
+          <a:lstStyle/>
+          <a:p>
+            <a:pPr algn="ctr"/>
+            <a:endParaRPr kumimoji="1" lang="ko-Kore-KR" altLang="en-US" dirty="0">
+              <a:solidFill>
+                <a:schemeClr val="tx1"/>
+              </a:solidFill>
+            </a:endParaRPr>
+          </a:p>
+        </p:txBody>
+      </p:sp>
+      <p:sp>
+        <p:nvSpPr>
+          <p:cNvPr id="7" name="TextBox 6">
+            <a:extLst>
+              <a:ext uri="{FF2B5EF4-FFF2-40B4-BE49-F238E27FC236}">
+                <a16:creationId xmlns:a16="http://schemas.microsoft.com/office/drawing/2014/main" id="{11732E1E-F070-FB47-5716-E2DE052D63A9}"/>
+              </a:ext>
+            </a:extLst>
+          </p:cNvPr>
+          <p:cNvSpPr txBox="1"/>
+          <p:nvPr/>
+        </p:nvSpPr>
+        <p:spPr>
+          <a:xfrm>
+            <a:off x="312708" y="115374"/>
+            <a:ext cx="2948433" cy="3416320"/>
+          </a:xfrm>
+          <a:prstGeom prst="rect">
+            <a:avLst/>
+          </a:prstGeom>
+          <a:noFill/>
+        </p:spPr>
+        <p:txBody>
+          <a:bodyPr wrap="square">
+            <a:spAutoFit/>
+          </a:bodyPr>
+          <a:lstStyle/>
+          <a:p>
+            <a:r>
+              <a:rPr lang="en" altLang="ko-Kore-KR" dirty="0">
+                <a:latin typeface="DM Mono" panose="020B0509040201040103" pitchFamily="49" charset="0"/>
+              </a:rPr>
+              <a:t>void </a:t>
+            </a:r>
+            <a:r>
+              <a:rPr lang="en" altLang="ko-Kore-KR" dirty="0" err="1">
+                <a:latin typeface="DM Mono" panose="020B0509040201040103" pitchFamily="49" charset="0"/>
+              </a:rPr>
+              <a:t>inc</a:t>
+            </a:r>
+            <a:r>
+              <a:rPr lang="en" altLang="ko-Kore-KR" dirty="0">
+                <a:latin typeface="DM Mono" panose="020B0509040201040103" pitchFamily="49" charset="0"/>
+              </a:rPr>
+              <a:t>(int n)</a:t>
+            </a:r>
+          </a:p>
+          <a:p>
+            <a:r>
+              <a:rPr lang="en" altLang="ko-Kore-KR" dirty="0">
+                <a:latin typeface="DM Mono" panose="020B0509040201040103" pitchFamily="49" charset="0"/>
+              </a:rPr>
+              <a:t>{</a:t>
+            </a:r>
+          </a:p>
+          <a:p>
+            <a:r>
+              <a:rPr lang="en" altLang="ko-Kore-KR" dirty="0">
+                <a:latin typeface="DM Mono" panose="020B0509040201040103" pitchFamily="49" charset="0"/>
+              </a:rPr>
+              <a:t>   ++n;</a:t>
+            </a:r>
+          </a:p>
+          <a:p>
+            <a:r>
+              <a:rPr lang="en" altLang="ko-Kore-KR" dirty="0">
+                <a:latin typeface="DM Mono" panose="020B0509040201040103" pitchFamily="49" charset="0"/>
+              </a:rPr>
+              <a:t>}</a:t>
+            </a:r>
+          </a:p>
+          <a:p>
+            <a:endParaRPr lang="en" altLang="ko-Kore-KR" dirty="0">
+              <a:latin typeface="DM Mono" panose="020B0509040201040103" pitchFamily="49" charset="0"/>
+            </a:endParaRPr>
+          </a:p>
+          <a:p>
+            <a:r>
+              <a:rPr lang="en" altLang="ko-Kore-KR" dirty="0">
+                <a:latin typeface="DM Mono" panose="020B0509040201040103" pitchFamily="49" charset="0"/>
+              </a:rPr>
+              <a:t>int main(void)</a:t>
+            </a:r>
+          </a:p>
+          <a:p>
+            <a:r>
+              <a:rPr lang="en" altLang="ko-Kore-KR" dirty="0">
+                <a:latin typeface="DM Mono" panose="020B0509040201040103" pitchFamily="49" charset="0"/>
+              </a:rPr>
+              <a:t>{</a:t>
+            </a:r>
+          </a:p>
+          <a:p>
+            <a:r>
+              <a:rPr lang="en" altLang="ko-Kore-KR" dirty="0">
+                <a:latin typeface="DM Mono" panose="020B0509040201040103" pitchFamily="49" charset="0"/>
+              </a:rPr>
+              <a:t>  int x = 10;</a:t>
+            </a:r>
+          </a:p>
+          <a:p>
+            <a:r>
+              <a:rPr lang="en" altLang="ko-Kore-KR" dirty="0">
+                <a:latin typeface="DM Mono" panose="020B0509040201040103" pitchFamily="49" charset="0"/>
+              </a:rPr>
+              <a:t>  </a:t>
+            </a:r>
+            <a:r>
+              <a:rPr lang="en" altLang="ko-Kore-KR" dirty="0" err="1">
+                <a:latin typeface="DM Mono" panose="020B0509040201040103" pitchFamily="49" charset="0"/>
+              </a:rPr>
+              <a:t>inc</a:t>
+            </a:r>
+            <a:r>
+              <a:rPr lang="en" altLang="ko-Kore-KR" dirty="0">
+                <a:latin typeface="DM Mono" panose="020B0509040201040103" pitchFamily="49" charset="0"/>
+              </a:rPr>
+              <a:t>(x);</a:t>
+            </a:r>
+          </a:p>
+          <a:p>
+            <a:endParaRPr lang="en" altLang="ko-Kore-KR" dirty="0">
+              <a:latin typeface="DM Mono" panose="020B0509040201040103" pitchFamily="49" charset="0"/>
+            </a:endParaRPr>
+          </a:p>
+          <a:p>
+            <a:r>
+              <a:rPr lang="en" altLang="ko-Kore-KR" dirty="0">
+                <a:latin typeface="DM Mono" panose="020B0509040201040103" pitchFamily="49" charset="0"/>
+              </a:rPr>
+              <a:t>  return 0;</a:t>
+            </a:r>
+          </a:p>
+          <a:p>
+            <a:r>
+              <a:rPr lang="en" altLang="ko-Kore-KR" dirty="0">
+                <a:latin typeface="DM Mono" panose="020B0509040201040103" pitchFamily="49" charset="0"/>
+              </a:rPr>
+              <a:t>}</a:t>
+            </a:r>
+            <a:endParaRPr lang="ko-Kore-KR" altLang="en-US" dirty="0">
+              <a:latin typeface="DM Mono" panose="020B0509040201040103" pitchFamily="49" charset="0"/>
+            </a:endParaRPr>
+          </a:p>
+        </p:txBody>
+      </p:sp>
+      <p:sp>
+        <p:nvSpPr>
+          <p:cNvPr id="8" name="직사각형 7">
+            <a:extLst>
+              <a:ext uri="{FF2B5EF4-FFF2-40B4-BE49-F238E27FC236}">
+                <a16:creationId xmlns:a16="http://schemas.microsoft.com/office/drawing/2014/main" id="{C09D5634-6E46-BCCC-ACFE-D4342B76E019}"/>
+              </a:ext>
+            </a:extLst>
+          </p:cNvPr>
+          <p:cNvSpPr/>
+          <p:nvPr/>
+        </p:nvSpPr>
+        <p:spPr>
+          <a:xfrm>
+            <a:off x="4572001" y="2525957"/>
+            <a:ext cx="925906" cy="447790"/>
+          </a:xfrm>
+          <a:prstGeom prst="rect">
+            <a:avLst/>
+          </a:prstGeom>
+          <a:solidFill>
+            <a:srgbClr val="FFFF00"/>
+          </a:solidFill>
+        </p:spPr>
+        <p:style>
+          <a:lnRef idx="2">
+            <a:schemeClr val="accent1">
+              <a:shade val="50000"/>
+            </a:schemeClr>
+          </a:lnRef>
+          <a:fillRef idx="1">
+            <a:schemeClr val="accent1"/>
+          </a:fillRef>
+          <a:effectRef idx="0">
+            <a:schemeClr val="accent1"/>
+          </a:effectRef>
+          <a:fontRef idx="minor">
+            <a:schemeClr val="lt1"/>
+          </a:fontRef>
+        </p:style>
+        <p:txBody>
+          <a:bodyPr rtlCol="0" anchor="ctr"/>
+          <a:lstStyle/>
+          <a:p>
+            <a:pPr algn="ctr"/>
+            <a:r>
+              <a:rPr kumimoji="1" lang="en-US" altLang="ko-Kore-KR" dirty="0">
+                <a:solidFill>
+                  <a:schemeClr val="tx1"/>
+                </a:solidFill>
+              </a:rPr>
+              <a:t>10</a:t>
+            </a:r>
+            <a:endParaRPr kumimoji="1" lang="ko-Kore-KR" altLang="en-US" dirty="0">
+              <a:solidFill>
+                <a:schemeClr val="tx1"/>
+              </a:solidFill>
+            </a:endParaRPr>
+          </a:p>
+        </p:txBody>
+      </p:sp>
+      <p:sp>
+        <p:nvSpPr>
+          <p:cNvPr id="10" name="TextBox 9">
+            <a:extLst>
+              <a:ext uri="{FF2B5EF4-FFF2-40B4-BE49-F238E27FC236}">
+                <a16:creationId xmlns:a16="http://schemas.microsoft.com/office/drawing/2014/main" id="{E76243F8-A2B2-93BF-66A9-CE2936F73E5D}"/>
+              </a:ext>
+            </a:extLst>
+          </p:cNvPr>
+          <p:cNvSpPr txBox="1"/>
+          <p:nvPr/>
+        </p:nvSpPr>
+        <p:spPr>
+          <a:xfrm>
+            <a:off x="4194595" y="2604415"/>
+            <a:ext cx="377406" cy="369332"/>
+          </a:xfrm>
+          <a:prstGeom prst="rect">
+            <a:avLst/>
+          </a:prstGeom>
+          <a:noFill/>
+        </p:spPr>
+        <p:txBody>
+          <a:bodyPr wrap="square">
+            <a:spAutoFit/>
+          </a:bodyPr>
+          <a:lstStyle/>
+          <a:p>
+            <a:r>
+              <a:rPr lang="en" altLang="ko-Kore-KR" dirty="0">
+                <a:latin typeface="DM Mono" panose="020B0509040201040103" pitchFamily="49" charset="0"/>
+              </a:rPr>
+              <a:t>x</a:t>
+            </a:r>
+            <a:endParaRPr lang="ko-Kore-KR" altLang="en-US" dirty="0"/>
+          </a:p>
+        </p:txBody>
+      </p:sp>
+      <p:sp>
+        <p:nvSpPr>
+          <p:cNvPr id="13" name="TextBox 12">
+            <a:extLst>
+              <a:ext uri="{FF2B5EF4-FFF2-40B4-BE49-F238E27FC236}">
+                <a16:creationId xmlns:a16="http://schemas.microsoft.com/office/drawing/2014/main" id="{3F32D814-AF37-5853-34B2-912159DBA7DD}"/>
+              </a:ext>
+            </a:extLst>
+          </p:cNvPr>
+          <p:cNvSpPr txBox="1"/>
+          <p:nvPr/>
+        </p:nvSpPr>
+        <p:spPr>
+          <a:xfrm>
+            <a:off x="4841931" y="1713102"/>
+            <a:ext cx="808727" cy="369332"/>
+          </a:xfrm>
+          <a:prstGeom prst="rect">
+            <a:avLst/>
+          </a:prstGeom>
+          <a:noFill/>
+        </p:spPr>
+        <p:txBody>
+          <a:bodyPr wrap="square">
+            <a:spAutoFit/>
+          </a:bodyPr>
+          <a:lstStyle/>
+          <a:p>
+            <a:r>
+              <a:rPr lang="en" altLang="ko-Kore-KR" dirty="0">
+                <a:latin typeface="DM Mono" panose="020B0509040201040103" pitchFamily="49" charset="0"/>
+              </a:rPr>
+              <a:t>main</a:t>
+            </a:r>
+            <a:endParaRPr lang="ko-Kore-KR" altLang="en-US" dirty="0"/>
+          </a:p>
+        </p:txBody>
+      </p:sp>
+    </p:spTree>
+    <p:extLst>
+      <p:ext uri="{BB962C8B-B14F-4D97-AF65-F5344CB8AC3E}">
+        <p14:creationId xmlns:p14="http://schemas.microsoft.com/office/powerpoint/2010/main" val="2718402152"/>
+      </p:ext>
+    </p:extLst>
+  </p:cSld>
+  <p:clrMapOvr>
+    <a:masterClrMapping/>
+  </p:clrMapOvr>
+</p:sld>
+</file>
+
+<file path=ppt/slides/slide28.xml><?xml version="1.0" encoding="utf-8"?>
+<p:sld xmlns:a="http://schemas.openxmlformats.org/drawingml/2006/main" xmlns:r="http://schemas.openxmlformats.org/officeDocument/2006/relationships" xmlns:p="http://schemas.openxmlformats.org/presentationml/2006/main">
+  <p:cSld>
+    <p:spTree>
+      <p:nvGrpSpPr>
+        <p:cNvPr id="1" name=""/>
+        <p:cNvGrpSpPr/>
+        <p:nvPr/>
+      </p:nvGrpSpPr>
+      <p:grpSpPr>
+        <a:xfrm>
+          <a:off x="0" y="0"/>
+          <a:ext cx="0" cy="0"/>
+          <a:chOff x="0" y="0"/>
+          <a:chExt cx="0" cy="0"/>
+        </a:xfrm>
+      </p:grpSpPr>
+      <p:sp>
+        <p:nvSpPr>
+          <p:cNvPr id="11" name="직사각형 10">
+            <a:extLst>
+              <a:ext uri="{FF2B5EF4-FFF2-40B4-BE49-F238E27FC236}">
+                <a16:creationId xmlns:a16="http://schemas.microsoft.com/office/drawing/2014/main" id="{8516691B-303A-2280-D5D6-599FA628E6C0}"/>
+              </a:ext>
+            </a:extLst>
+          </p:cNvPr>
+          <p:cNvSpPr/>
+          <p:nvPr/>
+        </p:nvSpPr>
+        <p:spPr>
+          <a:xfrm>
+            <a:off x="3574203" y="1992681"/>
+            <a:ext cx="3344182" cy="2527561"/>
+          </a:xfrm>
+          <a:prstGeom prst="rect">
+            <a:avLst/>
+          </a:prstGeom>
+        </p:spPr>
+        <p:style>
+          <a:lnRef idx="2">
+            <a:schemeClr val="dk1"/>
+          </a:lnRef>
+          <a:fillRef idx="1">
+            <a:schemeClr val="lt1"/>
+          </a:fillRef>
+          <a:effectRef idx="0">
+            <a:schemeClr val="dk1"/>
+          </a:effectRef>
+          <a:fontRef idx="minor">
+            <a:schemeClr val="dk1"/>
+          </a:fontRef>
+        </p:style>
+        <p:txBody>
+          <a:bodyPr rtlCol="0" anchor="ctr"/>
+          <a:lstStyle/>
+          <a:p>
+            <a:pPr algn="ctr"/>
+            <a:endParaRPr kumimoji="1" lang="ko-Kore-KR" altLang="en-US" dirty="0">
+              <a:solidFill>
+                <a:schemeClr val="tx1"/>
+              </a:solidFill>
+            </a:endParaRPr>
+          </a:p>
+        </p:txBody>
+      </p:sp>
+      <p:sp>
+        <p:nvSpPr>
+          <p:cNvPr id="8" name="직사각형 7">
+            <a:extLst>
+              <a:ext uri="{FF2B5EF4-FFF2-40B4-BE49-F238E27FC236}">
+                <a16:creationId xmlns:a16="http://schemas.microsoft.com/office/drawing/2014/main" id="{C09D5634-6E46-BCCC-ACFE-D4342B76E019}"/>
+              </a:ext>
+            </a:extLst>
+          </p:cNvPr>
+          <p:cNvSpPr/>
+          <p:nvPr/>
+        </p:nvSpPr>
+        <p:spPr>
+          <a:xfrm>
+            <a:off x="4572001" y="2525957"/>
+            <a:ext cx="925906" cy="447790"/>
+          </a:xfrm>
+          <a:prstGeom prst="rect">
+            <a:avLst/>
+          </a:prstGeom>
+          <a:solidFill>
+            <a:srgbClr val="FFFF00"/>
+          </a:solidFill>
+        </p:spPr>
+        <p:style>
+          <a:lnRef idx="2">
+            <a:schemeClr val="accent1">
+              <a:shade val="50000"/>
+            </a:schemeClr>
+          </a:lnRef>
+          <a:fillRef idx="1">
+            <a:schemeClr val="accent1"/>
+          </a:fillRef>
+          <a:effectRef idx="0">
+            <a:schemeClr val="accent1"/>
+          </a:effectRef>
+          <a:fontRef idx="minor">
+            <a:schemeClr val="lt1"/>
+          </a:fontRef>
+        </p:style>
+        <p:txBody>
+          <a:bodyPr rtlCol="0" anchor="ctr"/>
+          <a:lstStyle/>
+          <a:p>
+            <a:pPr algn="ctr"/>
+            <a:r>
+              <a:rPr kumimoji="1" lang="en-US" altLang="ko-Kore-KR" dirty="0">
+                <a:solidFill>
+                  <a:schemeClr val="tx1"/>
+                </a:solidFill>
+              </a:rPr>
+              <a:t>10</a:t>
+            </a:r>
+            <a:endParaRPr kumimoji="1" lang="ko-Kore-KR" altLang="en-US" dirty="0">
+              <a:solidFill>
+                <a:schemeClr val="tx1"/>
+              </a:solidFill>
+            </a:endParaRPr>
+          </a:p>
+        </p:txBody>
+      </p:sp>
+      <p:sp>
+        <p:nvSpPr>
+          <p:cNvPr id="10" name="TextBox 9">
+            <a:extLst>
+              <a:ext uri="{FF2B5EF4-FFF2-40B4-BE49-F238E27FC236}">
+                <a16:creationId xmlns:a16="http://schemas.microsoft.com/office/drawing/2014/main" id="{E76243F8-A2B2-93BF-66A9-CE2936F73E5D}"/>
+              </a:ext>
+            </a:extLst>
+          </p:cNvPr>
+          <p:cNvSpPr txBox="1"/>
+          <p:nvPr/>
+        </p:nvSpPr>
+        <p:spPr>
+          <a:xfrm>
+            <a:off x="4194595" y="2604415"/>
+            <a:ext cx="377406" cy="369332"/>
+          </a:xfrm>
+          <a:prstGeom prst="rect">
+            <a:avLst/>
+          </a:prstGeom>
+          <a:noFill/>
+        </p:spPr>
+        <p:txBody>
+          <a:bodyPr wrap="square">
+            <a:spAutoFit/>
+          </a:bodyPr>
+          <a:lstStyle/>
+          <a:p>
+            <a:r>
+              <a:rPr lang="en-US" altLang="ko-Kore-KR" dirty="0">
+                <a:latin typeface="DM Mono" panose="020B0509040201040103" pitchFamily="49" charset="0"/>
+              </a:rPr>
+              <a:t>n</a:t>
+            </a:r>
+            <a:endParaRPr lang="ko-Kore-KR" altLang="en-US" dirty="0"/>
+          </a:p>
+        </p:txBody>
+      </p:sp>
+      <p:sp>
+        <p:nvSpPr>
+          <p:cNvPr id="13" name="TextBox 12">
+            <a:extLst>
+              <a:ext uri="{FF2B5EF4-FFF2-40B4-BE49-F238E27FC236}">
+                <a16:creationId xmlns:a16="http://schemas.microsoft.com/office/drawing/2014/main" id="{3F32D814-AF37-5853-34B2-912159DBA7DD}"/>
+              </a:ext>
+            </a:extLst>
+          </p:cNvPr>
+          <p:cNvSpPr txBox="1"/>
+          <p:nvPr/>
+        </p:nvSpPr>
+        <p:spPr>
+          <a:xfrm>
+            <a:off x="4841931" y="1713102"/>
+            <a:ext cx="808727" cy="369332"/>
+          </a:xfrm>
+          <a:prstGeom prst="rect">
+            <a:avLst/>
+          </a:prstGeom>
+          <a:noFill/>
+        </p:spPr>
+        <p:txBody>
+          <a:bodyPr wrap="square">
+            <a:spAutoFit/>
+          </a:bodyPr>
+          <a:lstStyle/>
+          <a:p>
+            <a:r>
+              <a:rPr lang="en" altLang="ko-Kore-KR" dirty="0">
+                <a:latin typeface="DM Mono" panose="020B0509040201040103" pitchFamily="49" charset="0"/>
+              </a:rPr>
+              <a:t>main</a:t>
+            </a:r>
+            <a:endParaRPr lang="ko-Kore-KR" altLang="en-US" dirty="0"/>
+          </a:p>
+        </p:txBody>
+      </p:sp>
+      <p:sp>
+        <p:nvSpPr>
+          <p:cNvPr id="3" name="TextBox 2">
+            <a:extLst>
+              <a:ext uri="{FF2B5EF4-FFF2-40B4-BE49-F238E27FC236}">
+                <a16:creationId xmlns:a16="http://schemas.microsoft.com/office/drawing/2014/main" id="{E071512B-F53B-6065-3EED-0E51E405212F}"/>
+              </a:ext>
+            </a:extLst>
+          </p:cNvPr>
+          <p:cNvSpPr txBox="1"/>
+          <p:nvPr/>
+        </p:nvSpPr>
+        <p:spPr>
+          <a:xfrm>
+            <a:off x="526922" y="446186"/>
+            <a:ext cx="2173146" cy="646331"/>
+          </a:xfrm>
+          <a:prstGeom prst="rect">
+            <a:avLst/>
+          </a:prstGeom>
+          <a:noFill/>
+        </p:spPr>
+        <p:txBody>
+          <a:bodyPr wrap="square">
+            <a:spAutoFit/>
+          </a:bodyPr>
+          <a:lstStyle/>
+          <a:p>
+            <a:r>
+              <a:rPr lang="ko-Kore-KR" altLang="en-US" dirty="0">
+                <a:latin typeface="DM Mono" panose="020B0509040201040103" pitchFamily="49" charset="0"/>
+              </a:rPr>
+              <a:t>int n = 10;</a:t>
+            </a:r>
+            <a:endParaRPr lang="en-US" altLang="ko-Kore-KR" dirty="0">
+              <a:latin typeface="DM Mono" panose="020B0509040201040103" pitchFamily="49" charset="0"/>
+            </a:endParaRPr>
+          </a:p>
+          <a:p>
+            <a:r>
+              <a:rPr lang="en" altLang="ko-Kore-KR" dirty="0">
+                <a:latin typeface="DM Mono" panose="020B0509040201040103" pitchFamily="49" charset="0"/>
+              </a:rPr>
+              <a:t>int *p = &amp;n;</a:t>
+            </a:r>
+            <a:endParaRPr lang="ko-Kore-KR" altLang="en-US" dirty="0">
+              <a:latin typeface="DM Mono" panose="020B0509040201040103" pitchFamily="49" charset="0"/>
+            </a:endParaRPr>
+          </a:p>
+        </p:txBody>
+      </p:sp>
+      <p:sp>
+        <p:nvSpPr>
+          <p:cNvPr id="5" name="TextBox 4">
+            <a:extLst>
+              <a:ext uri="{FF2B5EF4-FFF2-40B4-BE49-F238E27FC236}">
+                <a16:creationId xmlns:a16="http://schemas.microsoft.com/office/drawing/2014/main" id="{7720AF8F-B90D-0FED-EEDE-62858A4CA119}"/>
+              </a:ext>
+            </a:extLst>
+          </p:cNvPr>
+          <p:cNvSpPr txBox="1"/>
+          <p:nvPr/>
+        </p:nvSpPr>
+        <p:spPr>
+          <a:xfrm>
+            <a:off x="4232336" y="2248958"/>
+            <a:ext cx="679330" cy="276999"/>
+          </a:xfrm>
+          <a:prstGeom prst="rect">
+            <a:avLst/>
+          </a:prstGeom>
+          <a:noFill/>
+        </p:spPr>
+        <p:txBody>
+          <a:bodyPr wrap="square">
+            <a:spAutoFit/>
+          </a:bodyPr>
+          <a:lstStyle/>
+          <a:p>
+            <a:r>
+              <a:rPr kumimoji="1" lang="en-US" altLang="ko-Kore-KR" sz="1200" dirty="0">
+                <a:solidFill>
+                  <a:schemeClr val="tx1"/>
+                </a:solidFill>
+              </a:rPr>
+              <a:t>0x1000</a:t>
+            </a:r>
+            <a:endParaRPr lang="ko-Kore-KR" altLang="en-US" sz="1200" dirty="0"/>
+          </a:p>
+        </p:txBody>
+      </p:sp>
+      <p:sp>
+        <p:nvSpPr>
+          <p:cNvPr id="6" name="직사각형 5">
+            <a:extLst>
+              <a:ext uri="{FF2B5EF4-FFF2-40B4-BE49-F238E27FC236}">
+                <a16:creationId xmlns:a16="http://schemas.microsoft.com/office/drawing/2014/main" id="{20D20F7F-714F-5B41-22AE-0937C9F00253}"/>
+              </a:ext>
+            </a:extLst>
+          </p:cNvPr>
+          <p:cNvSpPr/>
+          <p:nvPr/>
+        </p:nvSpPr>
+        <p:spPr>
+          <a:xfrm>
+            <a:off x="4572001" y="3361586"/>
+            <a:ext cx="1897810" cy="447790"/>
+          </a:xfrm>
+          <a:prstGeom prst="rect">
+            <a:avLst/>
+          </a:prstGeom>
+          <a:solidFill>
+            <a:srgbClr val="FFFF00"/>
+          </a:solidFill>
+        </p:spPr>
+        <p:style>
+          <a:lnRef idx="2">
+            <a:schemeClr val="accent1">
+              <a:shade val="50000"/>
+            </a:schemeClr>
+          </a:lnRef>
+          <a:fillRef idx="1">
+            <a:schemeClr val="accent1"/>
+          </a:fillRef>
+          <a:effectRef idx="0">
+            <a:schemeClr val="accent1"/>
+          </a:effectRef>
+          <a:fontRef idx="minor">
+            <a:schemeClr val="lt1"/>
+          </a:fontRef>
+        </p:style>
+        <p:txBody>
+          <a:bodyPr rtlCol="0" anchor="ctr"/>
+          <a:lstStyle/>
+          <a:p>
+            <a:pPr algn="ctr"/>
+            <a:r>
+              <a:rPr kumimoji="1" lang="en-US" altLang="ko-Kore-KR" dirty="0">
+                <a:solidFill>
+                  <a:schemeClr val="tx1"/>
+                </a:solidFill>
+              </a:rPr>
+              <a:t>0x1000</a:t>
+            </a:r>
+            <a:endParaRPr kumimoji="1" lang="ko-Kore-KR" altLang="en-US" dirty="0">
+              <a:solidFill>
+                <a:schemeClr val="tx1"/>
+              </a:solidFill>
+            </a:endParaRPr>
+          </a:p>
+        </p:txBody>
+      </p:sp>
+      <p:sp>
+        <p:nvSpPr>
+          <p:cNvPr id="9" name="TextBox 8">
+            <a:extLst>
+              <a:ext uri="{FF2B5EF4-FFF2-40B4-BE49-F238E27FC236}">
+                <a16:creationId xmlns:a16="http://schemas.microsoft.com/office/drawing/2014/main" id="{BA54F0B0-F6B1-D961-E6EB-E25C8BD43569}"/>
+              </a:ext>
+            </a:extLst>
+          </p:cNvPr>
+          <p:cNvSpPr txBox="1"/>
+          <p:nvPr/>
+        </p:nvSpPr>
+        <p:spPr>
+          <a:xfrm>
+            <a:off x="4194595" y="3440044"/>
+            <a:ext cx="377406" cy="369332"/>
+          </a:xfrm>
+          <a:prstGeom prst="rect">
+            <a:avLst/>
+          </a:prstGeom>
+          <a:noFill/>
+        </p:spPr>
+        <p:txBody>
+          <a:bodyPr wrap="square">
+            <a:spAutoFit/>
+          </a:bodyPr>
+          <a:lstStyle/>
+          <a:p>
+            <a:r>
+              <a:rPr lang="en-US" altLang="ko-Kore-KR" dirty="0">
+                <a:latin typeface="DM Mono" panose="020B0509040201040103" pitchFamily="49" charset="0"/>
+              </a:rPr>
+              <a:t>p</a:t>
+            </a:r>
+            <a:endParaRPr lang="ko-Kore-KR" altLang="en-US" dirty="0"/>
+          </a:p>
+        </p:txBody>
+      </p:sp>
+    </p:spTree>
+    <p:extLst>
+      <p:ext uri="{BB962C8B-B14F-4D97-AF65-F5344CB8AC3E}">
+        <p14:creationId xmlns:p14="http://schemas.microsoft.com/office/powerpoint/2010/main" val="2688990775"/>
+      </p:ext>
+    </p:extLst>
+  </p:cSld>
+  <p:clrMapOvr>
+    <a:masterClrMapping/>
+  </p:clrMapOvr>
+</p:sld>
+</file>
+
+<file path=ppt/slides/slide29.xml><?xml version="1.0" encoding="utf-8"?>
+<p:sld xmlns:a="http://schemas.openxmlformats.org/drawingml/2006/main" xmlns:r="http://schemas.openxmlformats.org/officeDocument/2006/relationships" xmlns:p="http://schemas.openxmlformats.org/presentationml/2006/main">
+  <p:cSld>
+    <p:spTree>
+      <p:nvGrpSpPr>
+        <p:cNvPr id="1" name=""/>
+        <p:cNvGrpSpPr/>
+        <p:nvPr/>
+      </p:nvGrpSpPr>
+      <p:grpSpPr>
+        <a:xfrm>
+          <a:off x="0" y="0"/>
+          <a:ext cx="0" cy="0"/>
+          <a:chOff x="0" y="0"/>
+          <a:chExt cx="0" cy="0"/>
+        </a:xfrm>
+      </p:grpSpPr>
+      <p:sp>
+        <p:nvSpPr>
+          <p:cNvPr id="11" name="직사각형 10">
+            <a:extLst>
+              <a:ext uri="{FF2B5EF4-FFF2-40B4-BE49-F238E27FC236}">
+                <a16:creationId xmlns:a16="http://schemas.microsoft.com/office/drawing/2014/main" id="{8516691B-303A-2280-D5D6-599FA628E6C0}"/>
+              </a:ext>
+            </a:extLst>
+          </p:cNvPr>
+          <p:cNvSpPr/>
+          <p:nvPr/>
+        </p:nvSpPr>
+        <p:spPr>
+          <a:xfrm>
+            <a:off x="3574203" y="1992681"/>
+            <a:ext cx="3344182" cy="2527561"/>
+          </a:xfrm>
+          <a:prstGeom prst="rect">
+            <a:avLst/>
+          </a:prstGeom>
+        </p:spPr>
+        <p:style>
+          <a:lnRef idx="2">
+            <a:schemeClr val="dk1"/>
+          </a:lnRef>
+          <a:fillRef idx="1">
+            <a:schemeClr val="lt1"/>
+          </a:fillRef>
+          <a:effectRef idx="0">
+            <a:schemeClr val="dk1"/>
+          </a:effectRef>
+          <a:fontRef idx="minor">
+            <a:schemeClr val="dk1"/>
+          </a:fontRef>
+        </p:style>
+        <p:txBody>
+          <a:bodyPr rtlCol="0" anchor="ctr"/>
+          <a:lstStyle/>
+          <a:p>
+            <a:pPr algn="ctr"/>
+            <a:endParaRPr kumimoji="1" lang="ko-Kore-KR" altLang="en-US" dirty="0">
+              <a:solidFill>
+                <a:schemeClr val="tx1"/>
+              </a:solidFill>
+            </a:endParaRPr>
+          </a:p>
+        </p:txBody>
+      </p:sp>
+      <p:sp>
+        <p:nvSpPr>
+          <p:cNvPr id="8" name="직사각형 7">
+            <a:extLst>
+              <a:ext uri="{FF2B5EF4-FFF2-40B4-BE49-F238E27FC236}">
+                <a16:creationId xmlns:a16="http://schemas.microsoft.com/office/drawing/2014/main" id="{C09D5634-6E46-BCCC-ACFE-D4342B76E019}"/>
+              </a:ext>
+            </a:extLst>
+          </p:cNvPr>
+          <p:cNvSpPr/>
+          <p:nvPr/>
+        </p:nvSpPr>
+        <p:spPr>
+          <a:xfrm>
+            <a:off x="4572001" y="2525957"/>
+            <a:ext cx="925906" cy="447790"/>
+          </a:xfrm>
+          <a:prstGeom prst="rect">
+            <a:avLst/>
+          </a:prstGeom>
+          <a:solidFill>
+            <a:srgbClr val="FFFF00"/>
+          </a:solidFill>
+        </p:spPr>
+        <p:style>
+          <a:lnRef idx="2">
+            <a:schemeClr val="accent1">
+              <a:shade val="50000"/>
+            </a:schemeClr>
+          </a:lnRef>
+          <a:fillRef idx="1">
+            <a:schemeClr val="accent1"/>
+          </a:fillRef>
+          <a:effectRef idx="0">
+            <a:schemeClr val="accent1"/>
+          </a:effectRef>
+          <a:fontRef idx="minor">
+            <a:schemeClr val="lt1"/>
+          </a:fontRef>
+        </p:style>
+        <p:txBody>
+          <a:bodyPr rtlCol="0" anchor="ctr"/>
+          <a:lstStyle/>
+          <a:p>
+            <a:pPr algn="ctr"/>
+            <a:r>
+              <a:rPr kumimoji="1" lang="en-US" altLang="ko-Kore-KR" dirty="0">
+                <a:solidFill>
+                  <a:srgbClr val="FF0000"/>
+                </a:solidFill>
+              </a:rPr>
+              <a:t>42</a:t>
+            </a:r>
+            <a:endParaRPr kumimoji="1" lang="ko-Kore-KR" altLang="en-US" dirty="0">
+              <a:solidFill>
+                <a:srgbClr val="FF0000"/>
+              </a:solidFill>
+            </a:endParaRPr>
+          </a:p>
+        </p:txBody>
+      </p:sp>
+      <p:sp>
+        <p:nvSpPr>
+          <p:cNvPr id="10" name="TextBox 9">
+            <a:extLst>
+              <a:ext uri="{FF2B5EF4-FFF2-40B4-BE49-F238E27FC236}">
+                <a16:creationId xmlns:a16="http://schemas.microsoft.com/office/drawing/2014/main" id="{E76243F8-A2B2-93BF-66A9-CE2936F73E5D}"/>
+              </a:ext>
+            </a:extLst>
+          </p:cNvPr>
+          <p:cNvSpPr txBox="1"/>
+          <p:nvPr/>
+        </p:nvSpPr>
+        <p:spPr>
+          <a:xfrm>
+            <a:off x="4194595" y="2604415"/>
+            <a:ext cx="377406" cy="369332"/>
+          </a:xfrm>
+          <a:prstGeom prst="rect">
+            <a:avLst/>
+          </a:prstGeom>
+          <a:noFill/>
+        </p:spPr>
+        <p:txBody>
+          <a:bodyPr wrap="square">
+            <a:spAutoFit/>
+          </a:bodyPr>
+          <a:lstStyle/>
+          <a:p>
+            <a:r>
+              <a:rPr lang="en-US" altLang="ko-Kore-KR" dirty="0">
+                <a:latin typeface="DM Mono" panose="020B0509040201040103" pitchFamily="49" charset="0"/>
+              </a:rPr>
+              <a:t>n</a:t>
+            </a:r>
+            <a:endParaRPr lang="ko-Kore-KR" altLang="en-US" dirty="0"/>
+          </a:p>
+        </p:txBody>
+      </p:sp>
+      <p:sp>
+        <p:nvSpPr>
+          <p:cNvPr id="13" name="TextBox 12">
+            <a:extLst>
+              <a:ext uri="{FF2B5EF4-FFF2-40B4-BE49-F238E27FC236}">
+                <a16:creationId xmlns:a16="http://schemas.microsoft.com/office/drawing/2014/main" id="{3F32D814-AF37-5853-34B2-912159DBA7DD}"/>
+              </a:ext>
+            </a:extLst>
+          </p:cNvPr>
+          <p:cNvSpPr txBox="1"/>
+          <p:nvPr/>
+        </p:nvSpPr>
+        <p:spPr>
+          <a:xfrm>
+            <a:off x="4841931" y="1713102"/>
+            <a:ext cx="808727" cy="369332"/>
+          </a:xfrm>
+          <a:prstGeom prst="rect">
+            <a:avLst/>
+          </a:prstGeom>
+          <a:noFill/>
+        </p:spPr>
+        <p:txBody>
+          <a:bodyPr wrap="square">
+            <a:spAutoFit/>
+          </a:bodyPr>
+          <a:lstStyle/>
+          <a:p>
+            <a:r>
+              <a:rPr lang="en" altLang="ko-Kore-KR" dirty="0">
+                <a:latin typeface="DM Mono" panose="020B0509040201040103" pitchFamily="49" charset="0"/>
+              </a:rPr>
+              <a:t>main</a:t>
+            </a:r>
+            <a:endParaRPr lang="ko-Kore-KR" altLang="en-US" dirty="0"/>
+          </a:p>
+        </p:txBody>
+      </p:sp>
+      <p:sp>
+        <p:nvSpPr>
+          <p:cNvPr id="3" name="TextBox 2">
+            <a:extLst>
+              <a:ext uri="{FF2B5EF4-FFF2-40B4-BE49-F238E27FC236}">
+                <a16:creationId xmlns:a16="http://schemas.microsoft.com/office/drawing/2014/main" id="{E071512B-F53B-6065-3EED-0E51E405212F}"/>
+              </a:ext>
+            </a:extLst>
+          </p:cNvPr>
+          <p:cNvSpPr txBox="1"/>
+          <p:nvPr/>
+        </p:nvSpPr>
+        <p:spPr>
+          <a:xfrm>
+            <a:off x="526922" y="446186"/>
+            <a:ext cx="2173146" cy="1477328"/>
+          </a:xfrm>
+          <a:prstGeom prst="rect">
+            <a:avLst/>
+          </a:prstGeom>
+          <a:noFill/>
+        </p:spPr>
+        <p:txBody>
+          <a:bodyPr wrap="square">
+            <a:spAutoFit/>
+          </a:bodyPr>
+          <a:lstStyle/>
+          <a:p>
+            <a:r>
+              <a:rPr lang="ko-Kore-KR" altLang="en-US" dirty="0">
+                <a:latin typeface="DM Mono" panose="020B0509040201040103" pitchFamily="49" charset="0"/>
+              </a:rPr>
+              <a:t>int n = 10;</a:t>
+            </a:r>
+            <a:endParaRPr lang="en-US" altLang="ko-Kore-KR" dirty="0">
+              <a:latin typeface="DM Mono" panose="020B0509040201040103" pitchFamily="49" charset="0"/>
+            </a:endParaRPr>
+          </a:p>
+          <a:p>
+            <a:r>
+              <a:rPr lang="en" altLang="ko-Kore-KR" dirty="0">
+                <a:latin typeface="DM Mono" panose="020B0509040201040103" pitchFamily="49" charset="0"/>
+              </a:rPr>
+              <a:t>int *p = &amp;n;</a:t>
+            </a:r>
+          </a:p>
+          <a:p>
+            <a:endParaRPr lang="en" altLang="ko-Kore-KR" dirty="0">
+              <a:latin typeface="DM Mono" panose="020B0509040201040103" pitchFamily="49" charset="0"/>
+            </a:endParaRPr>
+          </a:p>
+          <a:p>
+            <a:endParaRPr lang="en" altLang="ko-Kore-KR" dirty="0">
+              <a:latin typeface="DM Mono" panose="020B0509040201040103" pitchFamily="49" charset="0"/>
+            </a:endParaRPr>
+          </a:p>
+          <a:p>
+            <a:r>
+              <a:rPr lang="en" altLang="ko-Kore-KR" dirty="0">
+                <a:solidFill>
+                  <a:srgbClr val="FF0000"/>
+                </a:solidFill>
+                <a:latin typeface="DM Mono" panose="020B0509040201040103" pitchFamily="49" charset="0"/>
+              </a:rPr>
+              <a:t>*p = 42;</a:t>
+            </a:r>
+            <a:endParaRPr lang="ko-Kore-KR" altLang="en-US" dirty="0">
+              <a:solidFill>
+                <a:srgbClr val="FF0000"/>
+              </a:solidFill>
+              <a:latin typeface="DM Mono" panose="020B0509040201040103" pitchFamily="49" charset="0"/>
+            </a:endParaRPr>
+          </a:p>
+        </p:txBody>
+      </p:sp>
+      <p:sp>
+        <p:nvSpPr>
+          <p:cNvPr id="5" name="TextBox 4">
+            <a:extLst>
+              <a:ext uri="{FF2B5EF4-FFF2-40B4-BE49-F238E27FC236}">
+                <a16:creationId xmlns:a16="http://schemas.microsoft.com/office/drawing/2014/main" id="{7720AF8F-B90D-0FED-EEDE-62858A4CA119}"/>
+              </a:ext>
+            </a:extLst>
+          </p:cNvPr>
+          <p:cNvSpPr txBox="1"/>
+          <p:nvPr/>
+        </p:nvSpPr>
+        <p:spPr>
+          <a:xfrm>
+            <a:off x="4232336" y="2248958"/>
+            <a:ext cx="679330" cy="276999"/>
+          </a:xfrm>
+          <a:prstGeom prst="rect">
+            <a:avLst/>
+          </a:prstGeom>
+          <a:noFill/>
+        </p:spPr>
+        <p:txBody>
+          <a:bodyPr wrap="square">
+            <a:spAutoFit/>
+          </a:bodyPr>
+          <a:lstStyle/>
+          <a:p>
+            <a:r>
+              <a:rPr kumimoji="1" lang="en-US" altLang="ko-Kore-KR" sz="1200" dirty="0">
+                <a:solidFill>
+                  <a:srgbClr val="FF0000"/>
+                </a:solidFill>
+              </a:rPr>
+              <a:t>0x1000</a:t>
+            </a:r>
+            <a:endParaRPr lang="ko-Kore-KR" altLang="en-US" sz="1200" dirty="0">
+              <a:solidFill>
+                <a:srgbClr val="FF0000"/>
+              </a:solidFill>
+            </a:endParaRPr>
+          </a:p>
+        </p:txBody>
+      </p:sp>
+      <p:sp>
+        <p:nvSpPr>
+          <p:cNvPr id="6" name="직사각형 5">
+            <a:extLst>
+              <a:ext uri="{FF2B5EF4-FFF2-40B4-BE49-F238E27FC236}">
+                <a16:creationId xmlns:a16="http://schemas.microsoft.com/office/drawing/2014/main" id="{20D20F7F-714F-5B41-22AE-0937C9F00253}"/>
+              </a:ext>
+            </a:extLst>
+          </p:cNvPr>
+          <p:cNvSpPr/>
+          <p:nvPr/>
+        </p:nvSpPr>
+        <p:spPr>
+          <a:xfrm>
+            <a:off x="4572001" y="3361586"/>
+            <a:ext cx="1897810" cy="447790"/>
+          </a:xfrm>
+          <a:prstGeom prst="rect">
+            <a:avLst/>
+          </a:prstGeom>
+          <a:solidFill>
+            <a:srgbClr val="FFFF00"/>
+          </a:solidFill>
+        </p:spPr>
+        <p:style>
+          <a:lnRef idx="2">
+            <a:schemeClr val="accent1">
+              <a:shade val="50000"/>
+            </a:schemeClr>
+          </a:lnRef>
+          <a:fillRef idx="1">
+            <a:schemeClr val="accent1"/>
+          </a:fillRef>
+          <a:effectRef idx="0">
+            <a:schemeClr val="accent1"/>
+          </a:effectRef>
+          <a:fontRef idx="minor">
+            <a:schemeClr val="lt1"/>
+          </a:fontRef>
+        </p:style>
+        <p:txBody>
+          <a:bodyPr rtlCol="0" anchor="ctr"/>
+          <a:lstStyle/>
+          <a:p>
+            <a:pPr algn="ctr"/>
+            <a:r>
+              <a:rPr kumimoji="1" lang="en-US" altLang="ko-Kore-KR" dirty="0">
+                <a:solidFill>
+                  <a:srgbClr val="FF0000"/>
+                </a:solidFill>
+              </a:rPr>
+              <a:t>0x1000</a:t>
+            </a:r>
+            <a:endParaRPr kumimoji="1" lang="ko-Kore-KR" altLang="en-US" dirty="0">
+              <a:solidFill>
+                <a:srgbClr val="FF0000"/>
+              </a:solidFill>
+            </a:endParaRPr>
+          </a:p>
+        </p:txBody>
+      </p:sp>
+      <p:sp>
+        <p:nvSpPr>
+          <p:cNvPr id="9" name="TextBox 8">
+            <a:extLst>
+              <a:ext uri="{FF2B5EF4-FFF2-40B4-BE49-F238E27FC236}">
+                <a16:creationId xmlns:a16="http://schemas.microsoft.com/office/drawing/2014/main" id="{BA54F0B0-F6B1-D961-E6EB-E25C8BD43569}"/>
+              </a:ext>
+            </a:extLst>
+          </p:cNvPr>
+          <p:cNvSpPr txBox="1"/>
+          <p:nvPr/>
+        </p:nvSpPr>
+        <p:spPr>
+          <a:xfrm>
+            <a:off x="4194595" y="3440044"/>
+            <a:ext cx="377406" cy="369332"/>
+          </a:xfrm>
+          <a:prstGeom prst="rect">
+            <a:avLst/>
+          </a:prstGeom>
+          <a:noFill/>
+        </p:spPr>
+        <p:txBody>
+          <a:bodyPr wrap="square">
+            <a:spAutoFit/>
+          </a:bodyPr>
+          <a:lstStyle/>
+          <a:p>
+            <a:r>
+              <a:rPr lang="en-US" altLang="ko-Kore-KR" dirty="0">
+                <a:latin typeface="DM Mono" panose="020B0509040201040103" pitchFamily="49" charset="0"/>
+              </a:rPr>
+              <a:t>p</a:t>
+            </a:r>
+            <a:endParaRPr lang="ko-Kore-KR" altLang="en-US" dirty="0"/>
+          </a:p>
+        </p:txBody>
+      </p:sp>
+      <p:cxnSp>
+        <p:nvCxnSpPr>
+          <p:cNvPr id="4" name="구부러진 연결선[U] 3">
+            <a:extLst>
+              <a:ext uri="{FF2B5EF4-FFF2-40B4-BE49-F238E27FC236}">
+                <a16:creationId xmlns:a16="http://schemas.microsoft.com/office/drawing/2014/main" id="{35887EEA-18CA-65A1-FC84-05CD94A20337}"/>
+              </a:ext>
+            </a:extLst>
+          </p:cNvPr>
+          <p:cNvCxnSpPr>
+            <a:cxnSpLocks/>
+            <a:endCxn id="8" idx="0"/>
+          </p:cNvCxnSpPr>
+          <p:nvPr/>
+        </p:nvCxnSpPr>
+        <p:spPr>
+          <a:xfrm rot="16200000" flipV="1">
+            <a:off x="4848617" y="2712295"/>
+            <a:ext cx="835629" cy="462953"/>
+          </a:xfrm>
+          <a:prstGeom prst="curvedConnector5">
+            <a:avLst>
+              <a:gd name="adj1" fmla="val 23206"/>
+              <a:gd name="adj2" fmla="val -181054"/>
+              <a:gd name="adj3" fmla="val 127357"/>
+            </a:avLst>
+          </a:prstGeom>
+          <a:ln>
+            <a:tailEnd type="triangle"/>
+          </a:ln>
+        </p:spPr>
+        <p:style>
+          <a:lnRef idx="1">
+            <a:schemeClr val="dk1"/>
+          </a:lnRef>
+          <a:fillRef idx="0">
+            <a:schemeClr val="dk1"/>
+          </a:fillRef>
+          <a:effectRef idx="0">
+            <a:schemeClr val="dk1"/>
+          </a:effectRef>
+          <a:fontRef idx="minor">
+            <a:schemeClr val="tx1"/>
+          </a:fontRef>
+        </p:style>
+      </p:cxnSp>
+    </p:spTree>
+    <p:extLst>
+      <p:ext uri="{BB962C8B-B14F-4D97-AF65-F5344CB8AC3E}">
+        <p14:creationId xmlns:p14="http://schemas.microsoft.com/office/powerpoint/2010/main" val="550059316"/>
+      </p:ext>
+    </p:extLst>
+  </p:cSld>
+  <p:clrMapOvr>
+    <a:masterClrMapping/>
+  </p:clrMapOvr>
+</p:sld>
+</file>
+
 <file path=ppt/slides/slide3.xml><?xml version="1.0" encoding="utf-8"?>
 <p:sld xmlns:a="http://schemas.openxmlformats.org/drawingml/2006/main" xmlns:r="http://schemas.openxmlformats.org/officeDocument/2006/relationships" xmlns:p="http://schemas.openxmlformats.org/presentationml/2006/main">
   <p:cSld>
@@ -16586,6 +19389,1694 @@
     <p:extLst>
       <p:ext uri="{BB962C8B-B14F-4D97-AF65-F5344CB8AC3E}">
         <p14:creationId xmlns:p14="http://schemas.microsoft.com/office/powerpoint/2010/main" val="743297112"/>
+      </p:ext>
+    </p:extLst>
+  </p:cSld>
+  <p:clrMapOvr>
+    <a:masterClrMapping/>
+  </p:clrMapOvr>
+</p:sld>
+</file>
+
+<file path=ppt/slides/slide30.xml><?xml version="1.0" encoding="utf-8"?>
+<p:sld xmlns:a="http://schemas.openxmlformats.org/drawingml/2006/main" xmlns:r="http://schemas.openxmlformats.org/officeDocument/2006/relationships" xmlns:p="http://schemas.openxmlformats.org/presentationml/2006/main">
+  <p:cSld>
+    <p:spTree>
+      <p:nvGrpSpPr>
+        <p:cNvPr id="1" name=""/>
+        <p:cNvGrpSpPr/>
+        <p:nvPr/>
+      </p:nvGrpSpPr>
+      <p:grpSpPr>
+        <a:xfrm>
+          <a:off x="0" y="0"/>
+          <a:ext cx="0" cy="0"/>
+          <a:chOff x="0" y="0"/>
+          <a:chExt cx="0" cy="0"/>
+        </a:xfrm>
+      </p:grpSpPr>
+      <p:sp>
+        <p:nvSpPr>
+          <p:cNvPr id="11" name="직사각형 10">
+            <a:extLst>
+              <a:ext uri="{FF2B5EF4-FFF2-40B4-BE49-F238E27FC236}">
+                <a16:creationId xmlns:a16="http://schemas.microsoft.com/office/drawing/2014/main" id="{8516691B-303A-2280-D5D6-599FA628E6C0}"/>
+              </a:ext>
+            </a:extLst>
+          </p:cNvPr>
+          <p:cNvSpPr/>
+          <p:nvPr/>
+        </p:nvSpPr>
+        <p:spPr>
+          <a:xfrm>
+            <a:off x="3574203" y="1992681"/>
+            <a:ext cx="3344182" cy="2527561"/>
+          </a:xfrm>
+          <a:prstGeom prst="rect">
+            <a:avLst/>
+          </a:prstGeom>
+        </p:spPr>
+        <p:style>
+          <a:lnRef idx="2">
+            <a:schemeClr val="dk1"/>
+          </a:lnRef>
+          <a:fillRef idx="1">
+            <a:schemeClr val="lt1"/>
+          </a:fillRef>
+          <a:effectRef idx="0">
+            <a:schemeClr val="dk1"/>
+          </a:effectRef>
+          <a:fontRef idx="minor">
+            <a:schemeClr val="dk1"/>
+          </a:fontRef>
+        </p:style>
+        <p:txBody>
+          <a:bodyPr rtlCol="0" anchor="ctr"/>
+          <a:lstStyle/>
+          <a:p>
+            <a:pPr algn="ctr"/>
+            <a:endParaRPr kumimoji="1" lang="ko-Kore-KR" altLang="en-US" dirty="0">
+              <a:solidFill>
+                <a:schemeClr val="tx1"/>
+              </a:solidFill>
+            </a:endParaRPr>
+          </a:p>
+        </p:txBody>
+      </p:sp>
+      <p:sp>
+        <p:nvSpPr>
+          <p:cNvPr id="7" name="TextBox 6">
+            <a:extLst>
+              <a:ext uri="{FF2B5EF4-FFF2-40B4-BE49-F238E27FC236}">
+                <a16:creationId xmlns:a16="http://schemas.microsoft.com/office/drawing/2014/main" id="{11732E1E-F070-FB47-5716-E2DE052D63A9}"/>
+              </a:ext>
+            </a:extLst>
+          </p:cNvPr>
+          <p:cNvSpPr txBox="1"/>
+          <p:nvPr/>
+        </p:nvSpPr>
+        <p:spPr>
+          <a:xfrm>
+            <a:off x="312708" y="115374"/>
+            <a:ext cx="2948433" cy="3416320"/>
+          </a:xfrm>
+          <a:prstGeom prst="rect">
+            <a:avLst/>
+          </a:prstGeom>
+          <a:noFill/>
+        </p:spPr>
+        <p:txBody>
+          <a:bodyPr wrap="square">
+            <a:spAutoFit/>
+          </a:bodyPr>
+          <a:lstStyle/>
+          <a:p>
+            <a:r>
+              <a:rPr lang="en" altLang="ko-Kore-KR" dirty="0">
+                <a:latin typeface="DM Mono" panose="020B0509040201040103" pitchFamily="49" charset="0"/>
+              </a:rPr>
+              <a:t>void </a:t>
+            </a:r>
+            <a:r>
+              <a:rPr lang="en" altLang="ko-Kore-KR" dirty="0" err="1">
+                <a:latin typeface="DM Mono" panose="020B0509040201040103" pitchFamily="49" charset="0"/>
+              </a:rPr>
+              <a:t>inc</a:t>
+            </a:r>
+            <a:r>
+              <a:rPr lang="en" altLang="ko-Kore-KR" dirty="0">
+                <a:latin typeface="DM Mono" panose="020B0509040201040103" pitchFamily="49" charset="0"/>
+              </a:rPr>
+              <a:t>(int *n)</a:t>
+            </a:r>
+          </a:p>
+          <a:p>
+            <a:r>
+              <a:rPr lang="en" altLang="ko-Kore-KR" dirty="0">
+                <a:latin typeface="DM Mono" panose="020B0509040201040103" pitchFamily="49" charset="0"/>
+              </a:rPr>
+              <a:t>{</a:t>
+            </a:r>
+          </a:p>
+          <a:p>
+            <a:r>
+              <a:rPr lang="en" altLang="ko-Kore-KR" dirty="0">
+                <a:latin typeface="DM Mono" panose="020B0509040201040103" pitchFamily="49" charset="0"/>
+              </a:rPr>
+              <a:t>   ++(*n);</a:t>
+            </a:r>
+          </a:p>
+          <a:p>
+            <a:r>
+              <a:rPr lang="en" altLang="ko-Kore-KR" dirty="0">
+                <a:latin typeface="DM Mono" panose="020B0509040201040103" pitchFamily="49" charset="0"/>
+              </a:rPr>
+              <a:t>}</a:t>
+            </a:r>
+          </a:p>
+          <a:p>
+            <a:endParaRPr lang="en" altLang="ko-Kore-KR" dirty="0">
+              <a:latin typeface="DM Mono" panose="020B0509040201040103" pitchFamily="49" charset="0"/>
+            </a:endParaRPr>
+          </a:p>
+          <a:p>
+            <a:r>
+              <a:rPr lang="en" altLang="ko-Kore-KR" dirty="0">
+                <a:latin typeface="DM Mono" panose="020B0509040201040103" pitchFamily="49" charset="0"/>
+              </a:rPr>
+              <a:t>int main(void)</a:t>
+            </a:r>
+          </a:p>
+          <a:p>
+            <a:r>
+              <a:rPr lang="en" altLang="ko-Kore-KR" dirty="0">
+                <a:latin typeface="DM Mono" panose="020B0509040201040103" pitchFamily="49" charset="0"/>
+              </a:rPr>
+              <a:t>{</a:t>
+            </a:r>
+          </a:p>
+          <a:p>
+            <a:r>
+              <a:rPr lang="en" altLang="ko-Kore-KR" dirty="0">
+                <a:latin typeface="DM Mono" panose="020B0509040201040103" pitchFamily="49" charset="0"/>
+              </a:rPr>
+              <a:t>  int x = 10;</a:t>
+            </a:r>
+          </a:p>
+          <a:p>
+            <a:r>
+              <a:rPr lang="en" altLang="ko-Kore-KR" dirty="0">
+                <a:solidFill>
+                  <a:srgbClr val="FF0000"/>
+                </a:solidFill>
+                <a:latin typeface="DM Mono" panose="020B0509040201040103" pitchFamily="49" charset="0"/>
+              </a:rPr>
+              <a:t>  </a:t>
+            </a:r>
+            <a:r>
+              <a:rPr lang="en" altLang="ko-Kore-KR" dirty="0" err="1">
+                <a:solidFill>
+                  <a:srgbClr val="FF0000"/>
+                </a:solidFill>
+                <a:latin typeface="DM Mono" panose="020B0509040201040103" pitchFamily="49" charset="0"/>
+              </a:rPr>
+              <a:t>inc</a:t>
+            </a:r>
+            <a:r>
+              <a:rPr lang="en" altLang="ko-Kore-KR" dirty="0">
+                <a:solidFill>
+                  <a:srgbClr val="FF0000"/>
+                </a:solidFill>
+                <a:latin typeface="DM Mono" panose="020B0509040201040103" pitchFamily="49" charset="0"/>
+              </a:rPr>
+              <a:t>(&amp;x);</a:t>
+            </a:r>
+          </a:p>
+          <a:p>
+            <a:endParaRPr lang="en" altLang="ko-Kore-KR" dirty="0">
+              <a:latin typeface="DM Mono" panose="020B0509040201040103" pitchFamily="49" charset="0"/>
+            </a:endParaRPr>
+          </a:p>
+          <a:p>
+            <a:r>
+              <a:rPr lang="en" altLang="ko-Kore-KR" dirty="0">
+                <a:latin typeface="DM Mono" panose="020B0509040201040103" pitchFamily="49" charset="0"/>
+              </a:rPr>
+              <a:t>  return 0;</a:t>
+            </a:r>
+          </a:p>
+          <a:p>
+            <a:r>
+              <a:rPr lang="en" altLang="ko-Kore-KR" dirty="0">
+                <a:latin typeface="DM Mono" panose="020B0509040201040103" pitchFamily="49" charset="0"/>
+              </a:rPr>
+              <a:t>}</a:t>
+            </a:r>
+            <a:endParaRPr lang="ko-Kore-KR" altLang="en-US" dirty="0">
+              <a:latin typeface="DM Mono" panose="020B0509040201040103" pitchFamily="49" charset="0"/>
+            </a:endParaRPr>
+          </a:p>
+        </p:txBody>
+      </p:sp>
+      <p:sp>
+        <p:nvSpPr>
+          <p:cNvPr id="8" name="직사각형 7">
+            <a:extLst>
+              <a:ext uri="{FF2B5EF4-FFF2-40B4-BE49-F238E27FC236}">
+                <a16:creationId xmlns:a16="http://schemas.microsoft.com/office/drawing/2014/main" id="{C09D5634-6E46-BCCC-ACFE-D4342B76E019}"/>
+              </a:ext>
+            </a:extLst>
+          </p:cNvPr>
+          <p:cNvSpPr/>
+          <p:nvPr/>
+        </p:nvSpPr>
+        <p:spPr>
+          <a:xfrm>
+            <a:off x="4572001" y="2525957"/>
+            <a:ext cx="925906" cy="447790"/>
+          </a:xfrm>
+          <a:prstGeom prst="rect">
+            <a:avLst/>
+          </a:prstGeom>
+          <a:solidFill>
+            <a:srgbClr val="FFFF00"/>
+          </a:solidFill>
+        </p:spPr>
+        <p:style>
+          <a:lnRef idx="2">
+            <a:schemeClr val="accent1">
+              <a:shade val="50000"/>
+            </a:schemeClr>
+          </a:lnRef>
+          <a:fillRef idx="1">
+            <a:schemeClr val="accent1"/>
+          </a:fillRef>
+          <a:effectRef idx="0">
+            <a:schemeClr val="accent1"/>
+          </a:effectRef>
+          <a:fontRef idx="minor">
+            <a:schemeClr val="lt1"/>
+          </a:fontRef>
+        </p:style>
+        <p:txBody>
+          <a:bodyPr rtlCol="0" anchor="ctr"/>
+          <a:lstStyle/>
+          <a:p>
+            <a:pPr algn="ctr"/>
+            <a:r>
+              <a:rPr kumimoji="1" lang="en-US" altLang="ko-Kore-KR" dirty="0">
+                <a:solidFill>
+                  <a:schemeClr val="tx1"/>
+                </a:solidFill>
+              </a:rPr>
+              <a:t>10</a:t>
+            </a:r>
+            <a:endParaRPr kumimoji="1" lang="ko-Kore-KR" altLang="en-US" dirty="0">
+              <a:solidFill>
+                <a:schemeClr val="tx1"/>
+              </a:solidFill>
+            </a:endParaRPr>
+          </a:p>
+        </p:txBody>
+      </p:sp>
+      <p:sp>
+        <p:nvSpPr>
+          <p:cNvPr id="10" name="TextBox 9">
+            <a:extLst>
+              <a:ext uri="{FF2B5EF4-FFF2-40B4-BE49-F238E27FC236}">
+                <a16:creationId xmlns:a16="http://schemas.microsoft.com/office/drawing/2014/main" id="{E76243F8-A2B2-93BF-66A9-CE2936F73E5D}"/>
+              </a:ext>
+            </a:extLst>
+          </p:cNvPr>
+          <p:cNvSpPr txBox="1"/>
+          <p:nvPr/>
+        </p:nvSpPr>
+        <p:spPr>
+          <a:xfrm>
+            <a:off x="4194595" y="2604415"/>
+            <a:ext cx="377406" cy="369332"/>
+          </a:xfrm>
+          <a:prstGeom prst="rect">
+            <a:avLst/>
+          </a:prstGeom>
+          <a:noFill/>
+        </p:spPr>
+        <p:txBody>
+          <a:bodyPr wrap="square">
+            <a:spAutoFit/>
+          </a:bodyPr>
+          <a:lstStyle/>
+          <a:p>
+            <a:r>
+              <a:rPr lang="en" altLang="ko-Kore-KR" dirty="0">
+                <a:latin typeface="DM Mono" panose="020B0509040201040103" pitchFamily="49" charset="0"/>
+              </a:rPr>
+              <a:t>x</a:t>
+            </a:r>
+            <a:endParaRPr lang="ko-Kore-KR" altLang="en-US" dirty="0"/>
+          </a:p>
+        </p:txBody>
+      </p:sp>
+      <p:sp>
+        <p:nvSpPr>
+          <p:cNvPr id="13" name="TextBox 12">
+            <a:extLst>
+              <a:ext uri="{FF2B5EF4-FFF2-40B4-BE49-F238E27FC236}">
+                <a16:creationId xmlns:a16="http://schemas.microsoft.com/office/drawing/2014/main" id="{3F32D814-AF37-5853-34B2-912159DBA7DD}"/>
+              </a:ext>
+            </a:extLst>
+          </p:cNvPr>
+          <p:cNvSpPr txBox="1"/>
+          <p:nvPr/>
+        </p:nvSpPr>
+        <p:spPr>
+          <a:xfrm>
+            <a:off x="4841931" y="1713102"/>
+            <a:ext cx="808727" cy="369332"/>
+          </a:xfrm>
+          <a:prstGeom prst="rect">
+            <a:avLst/>
+          </a:prstGeom>
+          <a:noFill/>
+        </p:spPr>
+        <p:txBody>
+          <a:bodyPr wrap="square">
+            <a:spAutoFit/>
+          </a:bodyPr>
+          <a:lstStyle/>
+          <a:p>
+            <a:r>
+              <a:rPr lang="en" altLang="ko-Kore-KR" dirty="0">
+                <a:latin typeface="DM Mono" panose="020B0509040201040103" pitchFamily="49" charset="0"/>
+              </a:rPr>
+              <a:t>main</a:t>
+            </a:r>
+            <a:endParaRPr lang="ko-Kore-KR" altLang="en-US" dirty="0"/>
+          </a:p>
+        </p:txBody>
+      </p:sp>
+      <p:sp>
+        <p:nvSpPr>
+          <p:cNvPr id="3" name="TextBox 2">
+            <a:extLst>
+              <a:ext uri="{FF2B5EF4-FFF2-40B4-BE49-F238E27FC236}">
+                <a16:creationId xmlns:a16="http://schemas.microsoft.com/office/drawing/2014/main" id="{0BB71C3A-C925-F227-1B7F-7CD9E3A77E2A}"/>
+              </a:ext>
+            </a:extLst>
+          </p:cNvPr>
+          <p:cNvSpPr txBox="1"/>
+          <p:nvPr/>
+        </p:nvSpPr>
+        <p:spPr>
+          <a:xfrm>
+            <a:off x="4258939" y="2281218"/>
+            <a:ext cx="981255" cy="261610"/>
+          </a:xfrm>
+          <a:prstGeom prst="rect">
+            <a:avLst/>
+          </a:prstGeom>
+          <a:noFill/>
+        </p:spPr>
+        <p:txBody>
+          <a:bodyPr wrap="square">
+            <a:spAutoFit/>
+          </a:bodyPr>
+          <a:lstStyle/>
+          <a:p>
+            <a:r>
+              <a:rPr kumimoji="1" lang="en-US" altLang="ko-Kore-KR" sz="1100" dirty="0">
+                <a:solidFill>
+                  <a:schemeClr val="tx1"/>
+                </a:solidFill>
+              </a:rPr>
+              <a:t>0x1000</a:t>
+            </a:r>
+            <a:endParaRPr lang="ko-Kore-KR" altLang="en-US" sz="1100" dirty="0"/>
+          </a:p>
+        </p:txBody>
+      </p:sp>
+    </p:spTree>
+    <p:extLst>
+      <p:ext uri="{BB962C8B-B14F-4D97-AF65-F5344CB8AC3E}">
+        <p14:creationId xmlns:p14="http://schemas.microsoft.com/office/powerpoint/2010/main" val="1545763345"/>
+      </p:ext>
+    </p:extLst>
+  </p:cSld>
+  <p:clrMapOvr>
+    <a:masterClrMapping/>
+  </p:clrMapOvr>
+</p:sld>
+</file>
+
+<file path=ppt/slides/slide31.xml><?xml version="1.0" encoding="utf-8"?>
+<p:sld xmlns:a="http://schemas.openxmlformats.org/drawingml/2006/main" xmlns:r="http://schemas.openxmlformats.org/officeDocument/2006/relationships" xmlns:p="http://schemas.openxmlformats.org/presentationml/2006/main">
+  <p:cSld>
+    <p:spTree>
+      <p:nvGrpSpPr>
+        <p:cNvPr id="1" name=""/>
+        <p:cNvGrpSpPr/>
+        <p:nvPr/>
+      </p:nvGrpSpPr>
+      <p:grpSpPr>
+        <a:xfrm>
+          <a:off x="0" y="0"/>
+          <a:ext cx="0" cy="0"/>
+          <a:chOff x="0" y="0"/>
+          <a:chExt cx="0" cy="0"/>
+        </a:xfrm>
+      </p:grpSpPr>
+      <p:sp>
+        <p:nvSpPr>
+          <p:cNvPr id="11" name="직사각형 10">
+            <a:extLst>
+              <a:ext uri="{FF2B5EF4-FFF2-40B4-BE49-F238E27FC236}">
+                <a16:creationId xmlns:a16="http://schemas.microsoft.com/office/drawing/2014/main" id="{8516691B-303A-2280-D5D6-599FA628E6C0}"/>
+              </a:ext>
+            </a:extLst>
+          </p:cNvPr>
+          <p:cNvSpPr/>
+          <p:nvPr/>
+        </p:nvSpPr>
+        <p:spPr>
+          <a:xfrm>
+            <a:off x="3568103" y="2082434"/>
+            <a:ext cx="3344182" cy="2527561"/>
+          </a:xfrm>
+          <a:prstGeom prst="rect">
+            <a:avLst/>
+          </a:prstGeom>
+        </p:spPr>
+        <p:style>
+          <a:lnRef idx="2">
+            <a:schemeClr val="dk1"/>
+          </a:lnRef>
+          <a:fillRef idx="1">
+            <a:schemeClr val="lt1"/>
+          </a:fillRef>
+          <a:effectRef idx="0">
+            <a:schemeClr val="dk1"/>
+          </a:effectRef>
+          <a:fontRef idx="minor">
+            <a:schemeClr val="dk1"/>
+          </a:fontRef>
+        </p:style>
+        <p:txBody>
+          <a:bodyPr rtlCol="0" anchor="ctr"/>
+          <a:lstStyle/>
+          <a:p>
+            <a:pPr algn="ctr"/>
+            <a:endParaRPr kumimoji="1" lang="ko-Kore-KR" altLang="en-US" dirty="0">
+              <a:solidFill>
+                <a:schemeClr val="tx1"/>
+              </a:solidFill>
+            </a:endParaRPr>
+          </a:p>
+        </p:txBody>
+      </p:sp>
+      <p:sp>
+        <p:nvSpPr>
+          <p:cNvPr id="7" name="TextBox 6">
+            <a:extLst>
+              <a:ext uri="{FF2B5EF4-FFF2-40B4-BE49-F238E27FC236}">
+                <a16:creationId xmlns:a16="http://schemas.microsoft.com/office/drawing/2014/main" id="{11732E1E-F070-FB47-5716-E2DE052D63A9}"/>
+              </a:ext>
+            </a:extLst>
+          </p:cNvPr>
+          <p:cNvSpPr txBox="1"/>
+          <p:nvPr/>
+        </p:nvSpPr>
+        <p:spPr>
+          <a:xfrm>
+            <a:off x="312708" y="115374"/>
+            <a:ext cx="2948433" cy="3416320"/>
+          </a:xfrm>
+          <a:prstGeom prst="rect">
+            <a:avLst/>
+          </a:prstGeom>
+          <a:noFill/>
+        </p:spPr>
+        <p:txBody>
+          <a:bodyPr wrap="square">
+            <a:spAutoFit/>
+          </a:bodyPr>
+          <a:lstStyle/>
+          <a:p>
+            <a:r>
+              <a:rPr lang="en" altLang="ko-Kore-KR" dirty="0">
+                <a:latin typeface="DM Mono" panose="020B0509040201040103" pitchFamily="49" charset="0"/>
+              </a:rPr>
+              <a:t>void </a:t>
+            </a:r>
+            <a:r>
+              <a:rPr lang="en" altLang="ko-Kore-KR" dirty="0" err="1">
+                <a:latin typeface="DM Mono" panose="020B0509040201040103" pitchFamily="49" charset="0"/>
+              </a:rPr>
+              <a:t>inc</a:t>
+            </a:r>
+            <a:r>
+              <a:rPr lang="en" altLang="ko-Kore-KR" dirty="0">
+                <a:latin typeface="DM Mono" panose="020B0509040201040103" pitchFamily="49" charset="0"/>
+              </a:rPr>
+              <a:t>(int *n)</a:t>
+            </a:r>
+          </a:p>
+          <a:p>
+            <a:r>
+              <a:rPr lang="en" altLang="ko-Kore-KR" dirty="0">
+                <a:latin typeface="DM Mono" panose="020B0509040201040103" pitchFamily="49" charset="0"/>
+              </a:rPr>
+              <a:t>{</a:t>
+            </a:r>
+          </a:p>
+          <a:p>
+            <a:r>
+              <a:rPr lang="en" altLang="ko-Kore-KR" dirty="0">
+                <a:latin typeface="DM Mono" panose="020B0509040201040103" pitchFamily="49" charset="0"/>
+              </a:rPr>
+              <a:t>   ++(*n);</a:t>
+            </a:r>
+          </a:p>
+          <a:p>
+            <a:r>
+              <a:rPr lang="en" altLang="ko-Kore-KR" dirty="0">
+                <a:latin typeface="DM Mono" panose="020B0509040201040103" pitchFamily="49" charset="0"/>
+              </a:rPr>
+              <a:t>}</a:t>
+            </a:r>
+          </a:p>
+          <a:p>
+            <a:endParaRPr lang="en" altLang="ko-Kore-KR" dirty="0">
+              <a:latin typeface="DM Mono" panose="020B0509040201040103" pitchFamily="49" charset="0"/>
+            </a:endParaRPr>
+          </a:p>
+          <a:p>
+            <a:r>
+              <a:rPr lang="en" altLang="ko-Kore-KR" dirty="0">
+                <a:latin typeface="DM Mono" panose="020B0509040201040103" pitchFamily="49" charset="0"/>
+              </a:rPr>
+              <a:t>int main(void)</a:t>
+            </a:r>
+          </a:p>
+          <a:p>
+            <a:r>
+              <a:rPr lang="en" altLang="ko-Kore-KR" dirty="0">
+                <a:latin typeface="DM Mono" panose="020B0509040201040103" pitchFamily="49" charset="0"/>
+              </a:rPr>
+              <a:t>{</a:t>
+            </a:r>
+          </a:p>
+          <a:p>
+            <a:r>
+              <a:rPr lang="en" altLang="ko-Kore-KR" dirty="0">
+                <a:latin typeface="DM Mono" panose="020B0509040201040103" pitchFamily="49" charset="0"/>
+              </a:rPr>
+              <a:t>  int x = 10;</a:t>
+            </a:r>
+          </a:p>
+          <a:p>
+            <a:r>
+              <a:rPr lang="en" altLang="ko-Kore-KR" dirty="0">
+                <a:solidFill>
+                  <a:srgbClr val="FF0000"/>
+                </a:solidFill>
+                <a:latin typeface="DM Mono" panose="020B0509040201040103" pitchFamily="49" charset="0"/>
+              </a:rPr>
+              <a:t>  </a:t>
+            </a:r>
+            <a:r>
+              <a:rPr lang="en" altLang="ko-Kore-KR" dirty="0" err="1">
+                <a:solidFill>
+                  <a:srgbClr val="FF0000"/>
+                </a:solidFill>
+                <a:latin typeface="DM Mono" panose="020B0509040201040103" pitchFamily="49" charset="0"/>
+              </a:rPr>
+              <a:t>inc</a:t>
+            </a:r>
+            <a:r>
+              <a:rPr lang="en" altLang="ko-Kore-KR" dirty="0">
+                <a:solidFill>
+                  <a:srgbClr val="FF0000"/>
+                </a:solidFill>
+                <a:latin typeface="DM Mono" panose="020B0509040201040103" pitchFamily="49" charset="0"/>
+              </a:rPr>
+              <a:t>(&amp;x);</a:t>
+            </a:r>
+          </a:p>
+          <a:p>
+            <a:endParaRPr lang="en" altLang="ko-Kore-KR" dirty="0">
+              <a:latin typeface="DM Mono" panose="020B0509040201040103" pitchFamily="49" charset="0"/>
+            </a:endParaRPr>
+          </a:p>
+          <a:p>
+            <a:r>
+              <a:rPr lang="en" altLang="ko-Kore-KR" dirty="0">
+                <a:latin typeface="DM Mono" panose="020B0509040201040103" pitchFamily="49" charset="0"/>
+              </a:rPr>
+              <a:t>  return 0;</a:t>
+            </a:r>
+          </a:p>
+          <a:p>
+            <a:r>
+              <a:rPr lang="en" altLang="ko-Kore-KR" dirty="0">
+                <a:latin typeface="DM Mono" panose="020B0509040201040103" pitchFamily="49" charset="0"/>
+              </a:rPr>
+              <a:t>}</a:t>
+            </a:r>
+            <a:endParaRPr lang="ko-Kore-KR" altLang="en-US" dirty="0">
+              <a:latin typeface="DM Mono" panose="020B0509040201040103" pitchFamily="49" charset="0"/>
+            </a:endParaRPr>
+          </a:p>
+        </p:txBody>
+      </p:sp>
+      <p:sp>
+        <p:nvSpPr>
+          <p:cNvPr id="8" name="직사각형 7">
+            <a:extLst>
+              <a:ext uri="{FF2B5EF4-FFF2-40B4-BE49-F238E27FC236}">
+                <a16:creationId xmlns:a16="http://schemas.microsoft.com/office/drawing/2014/main" id="{C09D5634-6E46-BCCC-ACFE-D4342B76E019}"/>
+              </a:ext>
+            </a:extLst>
+          </p:cNvPr>
+          <p:cNvSpPr/>
+          <p:nvPr/>
+        </p:nvSpPr>
+        <p:spPr>
+          <a:xfrm>
+            <a:off x="4572001" y="2525957"/>
+            <a:ext cx="925906" cy="447790"/>
+          </a:xfrm>
+          <a:prstGeom prst="rect">
+            <a:avLst/>
+          </a:prstGeom>
+          <a:solidFill>
+            <a:srgbClr val="FFFF00"/>
+          </a:solidFill>
+        </p:spPr>
+        <p:style>
+          <a:lnRef idx="2">
+            <a:schemeClr val="accent1">
+              <a:shade val="50000"/>
+            </a:schemeClr>
+          </a:lnRef>
+          <a:fillRef idx="1">
+            <a:schemeClr val="accent1"/>
+          </a:fillRef>
+          <a:effectRef idx="0">
+            <a:schemeClr val="accent1"/>
+          </a:effectRef>
+          <a:fontRef idx="minor">
+            <a:schemeClr val="lt1"/>
+          </a:fontRef>
+        </p:style>
+        <p:txBody>
+          <a:bodyPr rtlCol="0" anchor="ctr"/>
+          <a:lstStyle/>
+          <a:p>
+            <a:pPr algn="ctr"/>
+            <a:r>
+              <a:rPr kumimoji="1" lang="en-US" altLang="ko-Kore-KR" dirty="0">
+                <a:solidFill>
+                  <a:schemeClr val="tx1"/>
+                </a:solidFill>
+              </a:rPr>
+              <a:t>10</a:t>
+            </a:r>
+            <a:endParaRPr kumimoji="1" lang="ko-Kore-KR" altLang="en-US" dirty="0">
+              <a:solidFill>
+                <a:schemeClr val="tx1"/>
+              </a:solidFill>
+            </a:endParaRPr>
+          </a:p>
+        </p:txBody>
+      </p:sp>
+      <p:sp>
+        <p:nvSpPr>
+          <p:cNvPr id="10" name="TextBox 9">
+            <a:extLst>
+              <a:ext uri="{FF2B5EF4-FFF2-40B4-BE49-F238E27FC236}">
+                <a16:creationId xmlns:a16="http://schemas.microsoft.com/office/drawing/2014/main" id="{E76243F8-A2B2-93BF-66A9-CE2936F73E5D}"/>
+              </a:ext>
+            </a:extLst>
+          </p:cNvPr>
+          <p:cNvSpPr txBox="1"/>
+          <p:nvPr/>
+        </p:nvSpPr>
+        <p:spPr>
+          <a:xfrm>
+            <a:off x="4194595" y="2604415"/>
+            <a:ext cx="377406" cy="369332"/>
+          </a:xfrm>
+          <a:prstGeom prst="rect">
+            <a:avLst/>
+          </a:prstGeom>
+          <a:noFill/>
+        </p:spPr>
+        <p:txBody>
+          <a:bodyPr wrap="square">
+            <a:spAutoFit/>
+          </a:bodyPr>
+          <a:lstStyle/>
+          <a:p>
+            <a:r>
+              <a:rPr lang="en" altLang="ko-Kore-KR" dirty="0">
+                <a:latin typeface="DM Mono" panose="020B0509040201040103" pitchFamily="49" charset="0"/>
+              </a:rPr>
+              <a:t>x</a:t>
+            </a:r>
+            <a:endParaRPr lang="ko-Kore-KR" altLang="en-US" dirty="0"/>
+          </a:p>
+        </p:txBody>
+      </p:sp>
+      <p:sp>
+        <p:nvSpPr>
+          <p:cNvPr id="13" name="TextBox 12">
+            <a:extLst>
+              <a:ext uri="{FF2B5EF4-FFF2-40B4-BE49-F238E27FC236}">
+                <a16:creationId xmlns:a16="http://schemas.microsoft.com/office/drawing/2014/main" id="{3F32D814-AF37-5853-34B2-912159DBA7DD}"/>
+              </a:ext>
+            </a:extLst>
+          </p:cNvPr>
+          <p:cNvSpPr txBox="1"/>
+          <p:nvPr/>
+        </p:nvSpPr>
+        <p:spPr>
+          <a:xfrm>
+            <a:off x="4841931" y="1713102"/>
+            <a:ext cx="808727" cy="369332"/>
+          </a:xfrm>
+          <a:prstGeom prst="rect">
+            <a:avLst/>
+          </a:prstGeom>
+          <a:noFill/>
+        </p:spPr>
+        <p:txBody>
+          <a:bodyPr wrap="square">
+            <a:spAutoFit/>
+          </a:bodyPr>
+          <a:lstStyle/>
+          <a:p>
+            <a:r>
+              <a:rPr lang="en" altLang="ko-Kore-KR" dirty="0">
+                <a:latin typeface="DM Mono" panose="020B0509040201040103" pitchFamily="49" charset="0"/>
+              </a:rPr>
+              <a:t>main</a:t>
+            </a:r>
+            <a:endParaRPr lang="ko-Kore-KR" altLang="en-US" dirty="0"/>
+          </a:p>
+        </p:txBody>
+      </p:sp>
+      <p:sp>
+        <p:nvSpPr>
+          <p:cNvPr id="3" name="TextBox 2">
+            <a:extLst>
+              <a:ext uri="{FF2B5EF4-FFF2-40B4-BE49-F238E27FC236}">
+                <a16:creationId xmlns:a16="http://schemas.microsoft.com/office/drawing/2014/main" id="{0BB71C3A-C925-F227-1B7F-7CD9E3A77E2A}"/>
+              </a:ext>
+            </a:extLst>
+          </p:cNvPr>
+          <p:cNvSpPr txBox="1"/>
+          <p:nvPr/>
+        </p:nvSpPr>
+        <p:spPr>
+          <a:xfrm>
+            <a:off x="4258939" y="2281218"/>
+            <a:ext cx="981255" cy="261610"/>
+          </a:xfrm>
+          <a:prstGeom prst="rect">
+            <a:avLst/>
+          </a:prstGeom>
+          <a:noFill/>
+        </p:spPr>
+        <p:txBody>
+          <a:bodyPr wrap="square">
+            <a:spAutoFit/>
+          </a:bodyPr>
+          <a:lstStyle/>
+          <a:p>
+            <a:r>
+              <a:rPr kumimoji="1" lang="en-US" altLang="ko-Kore-KR" sz="1100" dirty="0">
+                <a:solidFill>
+                  <a:srgbClr val="FF0000"/>
+                </a:solidFill>
+              </a:rPr>
+              <a:t>0x1000</a:t>
+            </a:r>
+            <a:endParaRPr lang="ko-Kore-KR" altLang="en-US" sz="1100" dirty="0">
+              <a:solidFill>
+                <a:srgbClr val="FF0000"/>
+              </a:solidFill>
+            </a:endParaRPr>
+          </a:p>
+        </p:txBody>
+      </p:sp>
+      <p:sp>
+        <p:nvSpPr>
+          <p:cNvPr id="2" name="직사각형 1">
+            <a:extLst>
+              <a:ext uri="{FF2B5EF4-FFF2-40B4-BE49-F238E27FC236}">
+                <a16:creationId xmlns:a16="http://schemas.microsoft.com/office/drawing/2014/main" id="{A230A1BF-147B-6000-3EFD-FC8B2D6283A2}"/>
+              </a:ext>
+            </a:extLst>
+          </p:cNvPr>
+          <p:cNvSpPr/>
+          <p:nvPr/>
+        </p:nvSpPr>
+        <p:spPr>
+          <a:xfrm>
+            <a:off x="7999205" y="716584"/>
+            <a:ext cx="3344182" cy="2527561"/>
+          </a:xfrm>
+          <a:prstGeom prst="rect">
+            <a:avLst/>
+          </a:prstGeom>
+        </p:spPr>
+        <p:style>
+          <a:lnRef idx="2">
+            <a:schemeClr val="dk1"/>
+          </a:lnRef>
+          <a:fillRef idx="1">
+            <a:schemeClr val="lt1"/>
+          </a:fillRef>
+          <a:effectRef idx="0">
+            <a:schemeClr val="dk1"/>
+          </a:effectRef>
+          <a:fontRef idx="minor">
+            <a:schemeClr val="dk1"/>
+          </a:fontRef>
+        </p:style>
+        <p:txBody>
+          <a:bodyPr rtlCol="0" anchor="ctr"/>
+          <a:lstStyle/>
+          <a:p>
+            <a:pPr algn="ctr"/>
+            <a:endParaRPr kumimoji="1" lang="ko-Kore-KR" altLang="en-US" dirty="0">
+              <a:solidFill>
+                <a:schemeClr val="tx1"/>
+              </a:solidFill>
+            </a:endParaRPr>
+          </a:p>
+        </p:txBody>
+      </p:sp>
+      <p:sp>
+        <p:nvSpPr>
+          <p:cNvPr id="4" name="TextBox 3">
+            <a:extLst>
+              <a:ext uri="{FF2B5EF4-FFF2-40B4-BE49-F238E27FC236}">
+                <a16:creationId xmlns:a16="http://schemas.microsoft.com/office/drawing/2014/main" id="{7CBB1853-A53D-5053-91C8-CDEDF133D680}"/>
+              </a:ext>
+            </a:extLst>
+          </p:cNvPr>
+          <p:cNvSpPr txBox="1"/>
+          <p:nvPr/>
+        </p:nvSpPr>
+        <p:spPr>
+          <a:xfrm>
+            <a:off x="9273033" y="347252"/>
+            <a:ext cx="808727" cy="369332"/>
+          </a:xfrm>
+          <a:prstGeom prst="rect">
+            <a:avLst/>
+          </a:prstGeom>
+          <a:noFill/>
+        </p:spPr>
+        <p:txBody>
+          <a:bodyPr wrap="square">
+            <a:spAutoFit/>
+          </a:bodyPr>
+          <a:lstStyle/>
+          <a:p>
+            <a:r>
+              <a:rPr lang="en" altLang="ko-Kore-KR" dirty="0" err="1">
+                <a:latin typeface="DM Mono" panose="020B0509040201040103" pitchFamily="49" charset="0"/>
+              </a:rPr>
+              <a:t>inc</a:t>
+            </a:r>
+            <a:endParaRPr lang="ko-Kore-KR" altLang="en-US" dirty="0"/>
+          </a:p>
+        </p:txBody>
+      </p:sp>
+      <p:sp>
+        <p:nvSpPr>
+          <p:cNvPr id="6" name="직사각형 5">
+            <a:extLst>
+              <a:ext uri="{FF2B5EF4-FFF2-40B4-BE49-F238E27FC236}">
+                <a16:creationId xmlns:a16="http://schemas.microsoft.com/office/drawing/2014/main" id="{D4D45EA4-607A-1022-2054-9695B12B3B13}"/>
+              </a:ext>
+            </a:extLst>
+          </p:cNvPr>
+          <p:cNvSpPr/>
+          <p:nvPr/>
+        </p:nvSpPr>
+        <p:spPr>
+          <a:xfrm>
+            <a:off x="9155853" y="970327"/>
+            <a:ext cx="1756561" cy="447790"/>
+          </a:xfrm>
+          <a:prstGeom prst="rect">
+            <a:avLst/>
+          </a:prstGeom>
+          <a:solidFill>
+            <a:srgbClr val="FFFF00"/>
+          </a:solidFill>
+        </p:spPr>
+        <p:style>
+          <a:lnRef idx="2">
+            <a:schemeClr val="accent1">
+              <a:shade val="50000"/>
+            </a:schemeClr>
+          </a:lnRef>
+          <a:fillRef idx="1">
+            <a:schemeClr val="accent1"/>
+          </a:fillRef>
+          <a:effectRef idx="0">
+            <a:schemeClr val="accent1"/>
+          </a:effectRef>
+          <a:fontRef idx="minor">
+            <a:schemeClr val="lt1"/>
+          </a:fontRef>
+        </p:style>
+        <p:txBody>
+          <a:bodyPr rtlCol="0" anchor="ctr"/>
+          <a:lstStyle/>
+          <a:p>
+            <a:pPr algn="ctr"/>
+            <a:r>
+              <a:rPr kumimoji="1" lang="en-US" altLang="ko-Kore-KR" dirty="0">
+                <a:solidFill>
+                  <a:srgbClr val="FF0000"/>
+                </a:solidFill>
+              </a:rPr>
+              <a:t>0x1000</a:t>
+            </a:r>
+            <a:endParaRPr kumimoji="1" lang="ko-Kore-KR" altLang="en-US" dirty="0">
+              <a:solidFill>
+                <a:srgbClr val="FF0000"/>
+              </a:solidFill>
+            </a:endParaRPr>
+          </a:p>
+        </p:txBody>
+      </p:sp>
+      <p:sp>
+        <p:nvSpPr>
+          <p:cNvPr id="9" name="TextBox 8">
+            <a:extLst>
+              <a:ext uri="{FF2B5EF4-FFF2-40B4-BE49-F238E27FC236}">
+                <a16:creationId xmlns:a16="http://schemas.microsoft.com/office/drawing/2014/main" id="{D5A8C17D-9033-0BB0-3FF5-B4DC67763CEC}"/>
+              </a:ext>
+            </a:extLst>
+          </p:cNvPr>
+          <p:cNvSpPr txBox="1"/>
+          <p:nvPr/>
+        </p:nvSpPr>
+        <p:spPr>
+          <a:xfrm>
+            <a:off x="8778448" y="1048785"/>
+            <a:ext cx="377406" cy="369332"/>
+          </a:xfrm>
+          <a:prstGeom prst="rect">
+            <a:avLst/>
+          </a:prstGeom>
+          <a:noFill/>
+        </p:spPr>
+        <p:txBody>
+          <a:bodyPr wrap="square">
+            <a:spAutoFit/>
+          </a:bodyPr>
+          <a:lstStyle/>
+          <a:p>
+            <a:r>
+              <a:rPr lang="en" altLang="ko-Kore-KR" dirty="0">
+                <a:latin typeface="DM Mono" panose="020B0509040201040103" pitchFamily="49" charset="0"/>
+              </a:rPr>
+              <a:t>n</a:t>
+            </a:r>
+            <a:endParaRPr lang="ko-Kore-KR" altLang="en-US" dirty="0"/>
+          </a:p>
+        </p:txBody>
+      </p:sp>
+      <p:cxnSp>
+        <p:nvCxnSpPr>
+          <p:cNvPr id="14" name="구부러진 연결선[U] 13">
+            <a:extLst>
+              <a:ext uri="{FF2B5EF4-FFF2-40B4-BE49-F238E27FC236}">
+                <a16:creationId xmlns:a16="http://schemas.microsoft.com/office/drawing/2014/main" id="{262564A5-66EF-7AD3-BB1F-340E5E6AD94A}"/>
+              </a:ext>
+            </a:extLst>
+          </p:cNvPr>
+          <p:cNvCxnSpPr>
+            <a:stCxn id="6" idx="2"/>
+            <a:endCxn id="8" idx="0"/>
+          </p:cNvCxnSpPr>
+          <p:nvPr/>
+        </p:nvCxnSpPr>
+        <p:spPr>
+          <a:xfrm rot="5400000">
+            <a:off x="6980624" y="-527553"/>
+            <a:ext cx="1107840" cy="4999180"/>
+          </a:xfrm>
+          <a:prstGeom prst="curvedConnector3">
+            <a:avLst/>
+          </a:prstGeom>
+          <a:ln>
+            <a:tailEnd type="triangle"/>
+          </a:ln>
+        </p:spPr>
+        <p:style>
+          <a:lnRef idx="1">
+            <a:schemeClr val="dk1"/>
+          </a:lnRef>
+          <a:fillRef idx="0">
+            <a:schemeClr val="dk1"/>
+          </a:fillRef>
+          <a:effectRef idx="0">
+            <a:schemeClr val="dk1"/>
+          </a:effectRef>
+          <a:fontRef idx="minor">
+            <a:schemeClr val="tx1"/>
+          </a:fontRef>
+        </p:style>
+      </p:cxnSp>
+    </p:spTree>
+    <p:extLst>
+      <p:ext uri="{BB962C8B-B14F-4D97-AF65-F5344CB8AC3E}">
+        <p14:creationId xmlns:p14="http://schemas.microsoft.com/office/powerpoint/2010/main" val="704726104"/>
+      </p:ext>
+    </p:extLst>
+  </p:cSld>
+  <p:clrMapOvr>
+    <a:masterClrMapping/>
+  </p:clrMapOvr>
+</p:sld>
+</file>
+
+<file path=ppt/slides/slide32.xml><?xml version="1.0" encoding="utf-8"?>
+<p:sld xmlns:a="http://schemas.openxmlformats.org/drawingml/2006/main" xmlns:r="http://schemas.openxmlformats.org/officeDocument/2006/relationships" xmlns:p="http://schemas.openxmlformats.org/presentationml/2006/main">
+  <p:cSld>
+    <p:spTree>
+      <p:nvGrpSpPr>
+        <p:cNvPr id="1" name=""/>
+        <p:cNvGrpSpPr/>
+        <p:nvPr/>
+      </p:nvGrpSpPr>
+      <p:grpSpPr>
+        <a:xfrm>
+          <a:off x="0" y="0"/>
+          <a:ext cx="0" cy="0"/>
+          <a:chOff x="0" y="0"/>
+          <a:chExt cx="0" cy="0"/>
+        </a:xfrm>
+      </p:grpSpPr>
+      <p:sp>
+        <p:nvSpPr>
+          <p:cNvPr id="11" name="직사각형 10">
+            <a:extLst>
+              <a:ext uri="{FF2B5EF4-FFF2-40B4-BE49-F238E27FC236}">
+                <a16:creationId xmlns:a16="http://schemas.microsoft.com/office/drawing/2014/main" id="{8516691B-303A-2280-D5D6-599FA628E6C0}"/>
+              </a:ext>
+            </a:extLst>
+          </p:cNvPr>
+          <p:cNvSpPr/>
+          <p:nvPr/>
+        </p:nvSpPr>
+        <p:spPr>
+          <a:xfrm>
+            <a:off x="3568103" y="2082434"/>
+            <a:ext cx="3344182" cy="2527561"/>
+          </a:xfrm>
+          <a:prstGeom prst="rect">
+            <a:avLst/>
+          </a:prstGeom>
+        </p:spPr>
+        <p:style>
+          <a:lnRef idx="2">
+            <a:schemeClr val="dk1"/>
+          </a:lnRef>
+          <a:fillRef idx="1">
+            <a:schemeClr val="lt1"/>
+          </a:fillRef>
+          <a:effectRef idx="0">
+            <a:schemeClr val="dk1"/>
+          </a:effectRef>
+          <a:fontRef idx="minor">
+            <a:schemeClr val="dk1"/>
+          </a:fontRef>
+        </p:style>
+        <p:txBody>
+          <a:bodyPr rtlCol="0" anchor="ctr"/>
+          <a:lstStyle/>
+          <a:p>
+            <a:pPr algn="ctr"/>
+            <a:endParaRPr kumimoji="1" lang="ko-Kore-KR" altLang="en-US" dirty="0">
+              <a:solidFill>
+                <a:schemeClr val="tx1"/>
+              </a:solidFill>
+            </a:endParaRPr>
+          </a:p>
+        </p:txBody>
+      </p:sp>
+      <p:sp>
+        <p:nvSpPr>
+          <p:cNvPr id="7" name="TextBox 6">
+            <a:extLst>
+              <a:ext uri="{FF2B5EF4-FFF2-40B4-BE49-F238E27FC236}">
+                <a16:creationId xmlns:a16="http://schemas.microsoft.com/office/drawing/2014/main" id="{11732E1E-F070-FB47-5716-E2DE052D63A9}"/>
+              </a:ext>
+            </a:extLst>
+          </p:cNvPr>
+          <p:cNvSpPr txBox="1"/>
+          <p:nvPr/>
+        </p:nvSpPr>
+        <p:spPr>
+          <a:xfrm>
+            <a:off x="312708" y="115374"/>
+            <a:ext cx="2948433" cy="3416320"/>
+          </a:xfrm>
+          <a:prstGeom prst="rect">
+            <a:avLst/>
+          </a:prstGeom>
+          <a:noFill/>
+        </p:spPr>
+        <p:txBody>
+          <a:bodyPr wrap="square">
+            <a:spAutoFit/>
+          </a:bodyPr>
+          <a:lstStyle/>
+          <a:p>
+            <a:r>
+              <a:rPr lang="en" altLang="ko-Kore-KR" dirty="0">
+                <a:latin typeface="DM Mono" panose="020B0509040201040103" pitchFamily="49" charset="0"/>
+              </a:rPr>
+              <a:t>void </a:t>
+            </a:r>
+            <a:r>
+              <a:rPr lang="en" altLang="ko-Kore-KR" dirty="0" err="1">
+                <a:latin typeface="DM Mono" panose="020B0509040201040103" pitchFamily="49" charset="0"/>
+              </a:rPr>
+              <a:t>inc</a:t>
+            </a:r>
+            <a:r>
+              <a:rPr lang="en" altLang="ko-Kore-KR" dirty="0">
+                <a:latin typeface="DM Mono" panose="020B0509040201040103" pitchFamily="49" charset="0"/>
+              </a:rPr>
+              <a:t>(int *n)</a:t>
+            </a:r>
+          </a:p>
+          <a:p>
+            <a:r>
+              <a:rPr lang="en" altLang="ko-Kore-KR" dirty="0">
+                <a:latin typeface="DM Mono" panose="020B0509040201040103" pitchFamily="49" charset="0"/>
+              </a:rPr>
+              <a:t>{</a:t>
+            </a:r>
+          </a:p>
+          <a:p>
+            <a:r>
+              <a:rPr lang="en" altLang="ko-Kore-KR" dirty="0">
+                <a:solidFill>
+                  <a:srgbClr val="FF0000"/>
+                </a:solidFill>
+                <a:latin typeface="DM Mono" panose="020B0509040201040103" pitchFamily="49" charset="0"/>
+              </a:rPr>
+              <a:t>   ++(*n);</a:t>
+            </a:r>
+          </a:p>
+          <a:p>
+            <a:r>
+              <a:rPr lang="en" altLang="ko-Kore-KR" dirty="0">
+                <a:latin typeface="DM Mono" panose="020B0509040201040103" pitchFamily="49" charset="0"/>
+              </a:rPr>
+              <a:t>}</a:t>
+            </a:r>
+          </a:p>
+          <a:p>
+            <a:endParaRPr lang="en" altLang="ko-Kore-KR" dirty="0">
+              <a:latin typeface="DM Mono" panose="020B0509040201040103" pitchFamily="49" charset="0"/>
+            </a:endParaRPr>
+          </a:p>
+          <a:p>
+            <a:r>
+              <a:rPr lang="en" altLang="ko-Kore-KR" dirty="0">
+                <a:latin typeface="DM Mono" panose="020B0509040201040103" pitchFamily="49" charset="0"/>
+              </a:rPr>
+              <a:t>int main(void)</a:t>
+            </a:r>
+          </a:p>
+          <a:p>
+            <a:r>
+              <a:rPr lang="en" altLang="ko-Kore-KR" dirty="0">
+                <a:latin typeface="DM Mono" panose="020B0509040201040103" pitchFamily="49" charset="0"/>
+              </a:rPr>
+              <a:t>{</a:t>
+            </a:r>
+          </a:p>
+          <a:p>
+            <a:r>
+              <a:rPr lang="en" altLang="ko-Kore-KR" dirty="0">
+                <a:latin typeface="DM Mono" panose="020B0509040201040103" pitchFamily="49" charset="0"/>
+              </a:rPr>
+              <a:t>  int x = 10;</a:t>
+            </a:r>
+          </a:p>
+          <a:p>
+            <a:r>
+              <a:rPr lang="en" altLang="ko-Kore-KR" dirty="0">
+                <a:latin typeface="DM Mono" panose="020B0509040201040103" pitchFamily="49" charset="0"/>
+              </a:rPr>
+              <a:t>  </a:t>
+            </a:r>
+            <a:r>
+              <a:rPr lang="en" altLang="ko-Kore-KR" dirty="0" err="1">
+                <a:latin typeface="DM Mono" panose="020B0509040201040103" pitchFamily="49" charset="0"/>
+              </a:rPr>
+              <a:t>inc</a:t>
+            </a:r>
+            <a:r>
+              <a:rPr lang="en" altLang="ko-Kore-KR" dirty="0">
+                <a:latin typeface="DM Mono" panose="020B0509040201040103" pitchFamily="49" charset="0"/>
+              </a:rPr>
+              <a:t>(&amp;x);</a:t>
+            </a:r>
+          </a:p>
+          <a:p>
+            <a:endParaRPr lang="en" altLang="ko-Kore-KR" dirty="0">
+              <a:latin typeface="DM Mono" panose="020B0509040201040103" pitchFamily="49" charset="0"/>
+            </a:endParaRPr>
+          </a:p>
+          <a:p>
+            <a:r>
+              <a:rPr lang="en" altLang="ko-Kore-KR" dirty="0">
+                <a:latin typeface="DM Mono" panose="020B0509040201040103" pitchFamily="49" charset="0"/>
+              </a:rPr>
+              <a:t>  return 0;</a:t>
+            </a:r>
+          </a:p>
+          <a:p>
+            <a:r>
+              <a:rPr lang="en" altLang="ko-Kore-KR" dirty="0">
+                <a:latin typeface="DM Mono" panose="020B0509040201040103" pitchFamily="49" charset="0"/>
+              </a:rPr>
+              <a:t>}</a:t>
+            </a:r>
+            <a:endParaRPr lang="ko-Kore-KR" altLang="en-US" dirty="0">
+              <a:latin typeface="DM Mono" panose="020B0509040201040103" pitchFamily="49" charset="0"/>
+            </a:endParaRPr>
+          </a:p>
+        </p:txBody>
+      </p:sp>
+      <p:sp>
+        <p:nvSpPr>
+          <p:cNvPr id="8" name="직사각형 7">
+            <a:extLst>
+              <a:ext uri="{FF2B5EF4-FFF2-40B4-BE49-F238E27FC236}">
+                <a16:creationId xmlns:a16="http://schemas.microsoft.com/office/drawing/2014/main" id="{C09D5634-6E46-BCCC-ACFE-D4342B76E019}"/>
+              </a:ext>
+            </a:extLst>
+          </p:cNvPr>
+          <p:cNvSpPr/>
+          <p:nvPr/>
+        </p:nvSpPr>
+        <p:spPr>
+          <a:xfrm>
+            <a:off x="4572001" y="2525957"/>
+            <a:ext cx="925906" cy="447790"/>
+          </a:xfrm>
+          <a:prstGeom prst="rect">
+            <a:avLst/>
+          </a:prstGeom>
+          <a:solidFill>
+            <a:srgbClr val="FFFF00"/>
+          </a:solidFill>
+        </p:spPr>
+        <p:style>
+          <a:lnRef idx="2">
+            <a:schemeClr val="accent1">
+              <a:shade val="50000"/>
+            </a:schemeClr>
+          </a:lnRef>
+          <a:fillRef idx="1">
+            <a:schemeClr val="accent1"/>
+          </a:fillRef>
+          <a:effectRef idx="0">
+            <a:schemeClr val="accent1"/>
+          </a:effectRef>
+          <a:fontRef idx="minor">
+            <a:schemeClr val="lt1"/>
+          </a:fontRef>
+        </p:style>
+        <p:txBody>
+          <a:bodyPr rtlCol="0" anchor="ctr"/>
+          <a:lstStyle/>
+          <a:p>
+            <a:pPr algn="ctr"/>
+            <a:r>
+              <a:rPr kumimoji="1" lang="en-US" altLang="ko-Kore-KR" dirty="0">
+                <a:solidFill>
+                  <a:srgbClr val="FF0000"/>
+                </a:solidFill>
+              </a:rPr>
+              <a:t>11</a:t>
+            </a:r>
+            <a:endParaRPr kumimoji="1" lang="ko-Kore-KR" altLang="en-US" dirty="0">
+              <a:solidFill>
+                <a:srgbClr val="FF0000"/>
+              </a:solidFill>
+            </a:endParaRPr>
+          </a:p>
+        </p:txBody>
+      </p:sp>
+      <p:sp>
+        <p:nvSpPr>
+          <p:cNvPr id="10" name="TextBox 9">
+            <a:extLst>
+              <a:ext uri="{FF2B5EF4-FFF2-40B4-BE49-F238E27FC236}">
+                <a16:creationId xmlns:a16="http://schemas.microsoft.com/office/drawing/2014/main" id="{E76243F8-A2B2-93BF-66A9-CE2936F73E5D}"/>
+              </a:ext>
+            </a:extLst>
+          </p:cNvPr>
+          <p:cNvSpPr txBox="1"/>
+          <p:nvPr/>
+        </p:nvSpPr>
+        <p:spPr>
+          <a:xfrm>
+            <a:off x="4194595" y="2604415"/>
+            <a:ext cx="377406" cy="369332"/>
+          </a:xfrm>
+          <a:prstGeom prst="rect">
+            <a:avLst/>
+          </a:prstGeom>
+          <a:noFill/>
+        </p:spPr>
+        <p:txBody>
+          <a:bodyPr wrap="square">
+            <a:spAutoFit/>
+          </a:bodyPr>
+          <a:lstStyle/>
+          <a:p>
+            <a:r>
+              <a:rPr lang="en" altLang="ko-Kore-KR" dirty="0">
+                <a:latin typeface="DM Mono" panose="020B0509040201040103" pitchFamily="49" charset="0"/>
+              </a:rPr>
+              <a:t>x</a:t>
+            </a:r>
+            <a:endParaRPr lang="ko-Kore-KR" altLang="en-US" dirty="0"/>
+          </a:p>
+        </p:txBody>
+      </p:sp>
+      <p:sp>
+        <p:nvSpPr>
+          <p:cNvPr id="13" name="TextBox 12">
+            <a:extLst>
+              <a:ext uri="{FF2B5EF4-FFF2-40B4-BE49-F238E27FC236}">
+                <a16:creationId xmlns:a16="http://schemas.microsoft.com/office/drawing/2014/main" id="{3F32D814-AF37-5853-34B2-912159DBA7DD}"/>
+              </a:ext>
+            </a:extLst>
+          </p:cNvPr>
+          <p:cNvSpPr txBox="1"/>
+          <p:nvPr/>
+        </p:nvSpPr>
+        <p:spPr>
+          <a:xfrm>
+            <a:off x="4841931" y="1713102"/>
+            <a:ext cx="808727" cy="369332"/>
+          </a:xfrm>
+          <a:prstGeom prst="rect">
+            <a:avLst/>
+          </a:prstGeom>
+          <a:noFill/>
+        </p:spPr>
+        <p:txBody>
+          <a:bodyPr wrap="square">
+            <a:spAutoFit/>
+          </a:bodyPr>
+          <a:lstStyle/>
+          <a:p>
+            <a:r>
+              <a:rPr lang="en" altLang="ko-Kore-KR" dirty="0">
+                <a:latin typeface="DM Mono" panose="020B0509040201040103" pitchFamily="49" charset="0"/>
+              </a:rPr>
+              <a:t>main</a:t>
+            </a:r>
+            <a:endParaRPr lang="ko-Kore-KR" altLang="en-US" dirty="0"/>
+          </a:p>
+        </p:txBody>
+      </p:sp>
+      <p:sp>
+        <p:nvSpPr>
+          <p:cNvPr id="3" name="TextBox 2">
+            <a:extLst>
+              <a:ext uri="{FF2B5EF4-FFF2-40B4-BE49-F238E27FC236}">
+                <a16:creationId xmlns:a16="http://schemas.microsoft.com/office/drawing/2014/main" id="{0BB71C3A-C925-F227-1B7F-7CD9E3A77E2A}"/>
+              </a:ext>
+            </a:extLst>
+          </p:cNvPr>
+          <p:cNvSpPr txBox="1"/>
+          <p:nvPr/>
+        </p:nvSpPr>
+        <p:spPr>
+          <a:xfrm>
+            <a:off x="4258939" y="2281218"/>
+            <a:ext cx="981255" cy="261610"/>
+          </a:xfrm>
+          <a:prstGeom prst="rect">
+            <a:avLst/>
+          </a:prstGeom>
+          <a:noFill/>
+        </p:spPr>
+        <p:txBody>
+          <a:bodyPr wrap="square">
+            <a:spAutoFit/>
+          </a:bodyPr>
+          <a:lstStyle/>
+          <a:p>
+            <a:r>
+              <a:rPr kumimoji="1" lang="en-US" altLang="ko-Kore-KR" sz="1100" dirty="0">
+                <a:solidFill>
+                  <a:srgbClr val="FF0000"/>
+                </a:solidFill>
+              </a:rPr>
+              <a:t>0x1000</a:t>
+            </a:r>
+            <a:endParaRPr lang="ko-Kore-KR" altLang="en-US" sz="1100" dirty="0">
+              <a:solidFill>
+                <a:srgbClr val="FF0000"/>
+              </a:solidFill>
+            </a:endParaRPr>
+          </a:p>
+        </p:txBody>
+      </p:sp>
+      <p:sp>
+        <p:nvSpPr>
+          <p:cNvPr id="2" name="직사각형 1">
+            <a:extLst>
+              <a:ext uri="{FF2B5EF4-FFF2-40B4-BE49-F238E27FC236}">
+                <a16:creationId xmlns:a16="http://schemas.microsoft.com/office/drawing/2014/main" id="{A230A1BF-147B-6000-3EFD-FC8B2D6283A2}"/>
+              </a:ext>
+            </a:extLst>
+          </p:cNvPr>
+          <p:cNvSpPr/>
+          <p:nvPr/>
+        </p:nvSpPr>
+        <p:spPr>
+          <a:xfrm>
+            <a:off x="7999205" y="716584"/>
+            <a:ext cx="3344182" cy="2527561"/>
+          </a:xfrm>
+          <a:prstGeom prst="rect">
+            <a:avLst/>
+          </a:prstGeom>
+        </p:spPr>
+        <p:style>
+          <a:lnRef idx="2">
+            <a:schemeClr val="dk1"/>
+          </a:lnRef>
+          <a:fillRef idx="1">
+            <a:schemeClr val="lt1"/>
+          </a:fillRef>
+          <a:effectRef idx="0">
+            <a:schemeClr val="dk1"/>
+          </a:effectRef>
+          <a:fontRef idx="minor">
+            <a:schemeClr val="dk1"/>
+          </a:fontRef>
+        </p:style>
+        <p:txBody>
+          <a:bodyPr rtlCol="0" anchor="ctr"/>
+          <a:lstStyle/>
+          <a:p>
+            <a:pPr algn="ctr"/>
+            <a:endParaRPr kumimoji="1" lang="ko-Kore-KR" altLang="en-US" dirty="0">
+              <a:solidFill>
+                <a:schemeClr val="tx1"/>
+              </a:solidFill>
+            </a:endParaRPr>
+          </a:p>
+        </p:txBody>
+      </p:sp>
+      <p:sp>
+        <p:nvSpPr>
+          <p:cNvPr id="4" name="TextBox 3">
+            <a:extLst>
+              <a:ext uri="{FF2B5EF4-FFF2-40B4-BE49-F238E27FC236}">
+                <a16:creationId xmlns:a16="http://schemas.microsoft.com/office/drawing/2014/main" id="{7CBB1853-A53D-5053-91C8-CDEDF133D680}"/>
+              </a:ext>
+            </a:extLst>
+          </p:cNvPr>
+          <p:cNvSpPr txBox="1"/>
+          <p:nvPr/>
+        </p:nvSpPr>
+        <p:spPr>
+          <a:xfrm>
+            <a:off x="9273033" y="347252"/>
+            <a:ext cx="808727" cy="369332"/>
+          </a:xfrm>
+          <a:prstGeom prst="rect">
+            <a:avLst/>
+          </a:prstGeom>
+          <a:noFill/>
+        </p:spPr>
+        <p:txBody>
+          <a:bodyPr wrap="square">
+            <a:spAutoFit/>
+          </a:bodyPr>
+          <a:lstStyle/>
+          <a:p>
+            <a:r>
+              <a:rPr lang="en" altLang="ko-Kore-KR" dirty="0" err="1">
+                <a:latin typeface="DM Mono" panose="020B0509040201040103" pitchFamily="49" charset="0"/>
+              </a:rPr>
+              <a:t>inc</a:t>
+            </a:r>
+            <a:endParaRPr lang="ko-Kore-KR" altLang="en-US" dirty="0"/>
+          </a:p>
+        </p:txBody>
+      </p:sp>
+      <p:sp>
+        <p:nvSpPr>
+          <p:cNvPr id="6" name="직사각형 5">
+            <a:extLst>
+              <a:ext uri="{FF2B5EF4-FFF2-40B4-BE49-F238E27FC236}">
+                <a16:creationId xmlns:a16="http://schemas.microsoft.com/office/drawing/2014/main" id="{D4D45EA4-607A-1022-2054-9695B12B3B13}"/>
+              </a:ext>
+            </a:extLst>
+          </p:cNvPr>
+          <p:cNvSpPr/>
+          <p:nvPr/>
+        </p:nvSpPr>
+        <p:spPr>
+          <a:xfrm>
+            <a:off x="9155853" y="970327"/>
+            <a:ext cx="1756561" cy="447790"/>
+          </a:xfrm>
+          <a:prstGeom prst="rect">
+            <a:avLst/>
+          </a:prstGeom>
+          <a:solidFill>
+            <a:srgbClr val="FFFF00"/>
+          </a:solidFill>
+        </p:spPr>
+        <p:style>
+          <a:lnRef idx="2">
+            <a:schemeClr val="accent1">
+              <a:shade val="50000"/>
+            </a:schemeClr>
+          </a:lnRef>
+          <a:fillRef idx="1">
+            <a:schemeClr val="accent1"/>
+          </a:fillRef>
+          <a:effectRef idx="0">
+            <a:schemeClr val="accent1"/>
+          </a:effectRef>
+          <a:fontRef idx="minor">
+            <a:schemeClr val="lt1"/>
+          </a:fontRef>
+        </p:style>
+        <p:txBody>
+          <a:bodyPr rtlCol="0" anchor="ctr"/>
+          <a:lstStyle/>
+          <a:p>
+            <a:pPr algn="ctr"/>
+            <a:r>
+              <a:rPr kumimoji="1" lang="en-US" altLang="ko-Kore-KR" dirty="0">
+                <a:solidFill>
+                  <a:srgbClr val="FF0000"/>
+                </a:solidFill>
+              </a:rPr>
+              <a:t>0x1000</a:t>
+            </a:r>
+            <a:endParaRPr kumimoji="1" lang="ko-Kore-KR" altLang="en-US" dirty="0">
+              <a:solidFill>
+                <a:srgbClr val="FF0000"/>
+              </a:solidFill>
+            </a:endParaRPr>
+          </a:p>
+        </p:txBody>
+      </p:sp>
+      <p:sp>
+        <p:nvSpPr>
+          <p:cNvPr id="9" name="TextBox 8">
+            <a:extLst>
+              <a:ext uri="{FF2B5EF4-FFF2-40B4-BE49-F238E27FC236}">
+                <a16:creationId xmlns:a16="http://schemas.microsoft.com/office/drawing/2014/main" id="{D5A8C17D-9033-0BB0-3FF5-B4DC67763CEC}"/>
+              </a:ext>
+            </a:extLst>
+          </p:cNvPr>
+          <p:cNvSpPr txBox="1"/>
+          <p:nvPr/>
+        </p:nvSpPr>
+        <p:spPr>
+          <a:xfrm>
+            <a:off x="8778448" y="1048785"/>
+            <a:ext cx="377406" cy="369332"/>
+          </a:xfrm>
+          <a:prstGeom prst="rect">
+            <a:avLst/>
+          </a:prstGeom>
+          <a:noFill/>
+        </p:spPr>
+        <p:txBody>
+          <a:bodyPr wrap="square">
+            <a:spAutoFit/>
+          </a:bodyPr>
+          <a:lstStyle/>
+          <a:p>
+            <a:r>
+              <a:rPr lang="en" altLang="ko-Kore-KR" dirty="0">
+                <a:latin typeface="DM Mono" panose="020B0509040201040103" pitchFamily="49" charset="0"/>
+              </a:rPr>
+              <a:t>n</a:t>
+            </a:r>
+            <a:endParaRPr lang="ko-Kore-KR" altLang="en-US" dirty="0"/>
+          </a:p>
+        </p:txBody>
+      </p:sp>
+      <p:cxnSp>
+        <p:nvCxnSpPr>
+          <p:cNvPr id="14" name="구부러진 연결선[U] 13">
+            <a:extLst>
+              <a:ext uri="{FF2B5EF4-FFF2-40B4-BE49-F238E27FC236}">
+                <a16:creationId xmlns:a16="http://schemas.microsoft.com/office/drawing/2014/main" id="{262564A5-66EF-7AD3-BB1F-340E5E6AD94A}"/>
+              </a:ext>
+            </a:extLst>
+          </p:cNvPr>
+          <p:cNvCxnSpPr>
+            <a:stCxn id="6" idx="2"/>
+            <a:endCxn id="8" idx="0"/>
+          </p:cNvCxnSpPr>
+          <p:nvPr/>
+        </p:nvCxnSpPr>
+        <p:spPr>
+          <a:xfrm rot="5400000">
+            <a:off x="6980624" y="-527553"/>
+            <a:ext cx="1107840" cy="4999180"/>
+          </a:xfrm>
+          <a:prstGeom prst="curvedConnector3">
+            <a:avLst>
+              <a:gd name="adj1" fmla="val 30533"/>
+            </a:avLst>
+          </a:prstGeom>
+          <a:ln>
+            <a:tailEnd type="triangle"/>
+          </a:ln>
+        </p:spPr>
+        <p:style>
+          <a:lnRef idx="1">
+            <a:schemeClr val="dk1"/>
+          </a:lnRef>
+          <a:fillRef idx="0">
+            <a:schemeClr val="dk1"/>
+          </a:fillRef>
+          <a:effectRef idx="0">
+            <a:schemeClr val="dk1"/>
+          </a:effectRef>
+          <a:fontRef idx="minor">
+            <a:schemeClr val="tx1"/>
+          </a:fontRef>
+        </p:style>
+      </p:cxnSp>
+    </p:spTree>
+    <p:extLst>
+      <p:ext uri="{BB962C8B-B14F-4D97-AF65-F5344CB8AC3E}">
+        <p14:creationId xmlns:p14="http://schemas.microsoft.com/office/powerpoint/2010/main" val="277996118"/>
       </p:ext>
     </p:extLst>
   </p:cSld>

--- a/230216.pptx
+++ b/230216.pptx
@@ -5,7 +5,7 @@
     <p:sldMasterId id="2147483648" r:id="rId1"/>
   </p:sldMasterIdLst>
   <p:notesMasterIdLst>
-    <p:notesMasterId r:id="rId34"/>
+    <p:notesMasterId r:id="rId36"/>
   </p:notesMasterIdLst>
   <p:sldIdLst>
     <p:sldId id="256" r:id="rId2"/>
@@ -40,6 +40,8 @@
     <p:sldId id="286" r:id="rId31"/>
     <p:sldId id="287" r:id="rId32"/>
     <p:sldId id="288" r:id="rId33"/>
+    <p:sldId id="289" r:id="rId34"/>
+    <p:sldId id="290" r:id="rId35"/>
   </p:sldIdLst>
   <p:sldSz cx="12192000" cy="6858000"/>
   <p:notesSz cx="6858000" cy="9144000"/>
@@ -21077,6 +21079,2686 @@
     <p:extLst>
       <p:ext uri="{BB962C8B-B14F-4D97-AF65-F5344CB8AC3E}">
         <p14:creationId xmlns:p14="http://schemas.microsoft.com/office/powerpoint/2010/main" val="277996118"/>
+      </p:ext>
+    </p:extLst>
+  </p:cSld>
+  <p:clrMapOvr>
+    <a:masterClrMapping/>
+  </p:clrMapOvr>
+</p:sld>
+</file>
+
+<file path=ppt/slides/slide33.xml><?xml version="1.0" encoding="utf-8"?>
+<p:sld xmlns:a="http://schemas.openxmlformats.org/drawingml/2006/main" xmlns:r="http://schemas.openxmlformats.org/officeDocument/2006/relationships" xmlns:p="http://schemas.openxmlformats.org/presentationml/2006/main">
+  <p:cSld>
+    <p:spTree>
+      <p:nvGrpSpPr>
+        <p:cNvPr id="1" name=""/>
+        <p:cNvGrpSpPr/>
+        <p:nvPr/>
+      </p:nvGrpSpPr>
+      <p:grpSpPr>
+        <a:xfrm>
+          <a:off x="0" y="0"/>
+          <a:ext cx="0" cy="0"/>
+          <a:chOff x="0" y="0"/>
+          <a:chExt cx="0" cy="0"/>
+        </a:xfrm>
+      </p:grpSpPr>
+      <p:sp>
+        <p:nvSpPr>
+          <p:cNvPr id="5" name="TextBox 4">
+            <a:extLst>
+              <a:ext uri="{FF2B5EF4-FFF2-40B4-BE49-F238E27FC236}">
+                <a16:creationId xmlns:a16="http://schemas.microsoft.com/office/drawing/2014/main" id="{B9CF6A20-411A-6FCD-672C-E45FFCF9EFAE}"/>
+              </a:ext>
+            </a:extLst>
+          </p:cNvPr>
+          <p:cNvSpPr txBox="1"/>
+          <p:nvPr/>
+        </p:nvSpPr>
+        <p:spPr>
+          <a:xfrm>
+            <a:off x="140179" y="158028"/>
+            <a:ext cx="6094562" cy="3323987"/>
+          </a:xfrm>
+          <a:prstGeom prst="rect">
+            <a:avLst/>
+          </a:prstGeom>
+          <a:noFill/>
+        </p:spPr>
+        <p:txBody>
+          <a:bodyPr wrap="square">
+            <a:spAutoFit/>
+          </a:bodyPr>
+          <a:lstStyle/>
+          <a:p>
+            <a:r>
+              <a:rPr lang="ko-Kore-KR" altLang="en-US" sz="1400" dirty="0">
+                <a:latin typeface="DM Mono" panose="020B0509040201040103" pitchFamily="49" charset="0"/>
+              </a:rPr>
+              <a:t>void foo(int x[10])</a:t>
+            </a:r>
+          </a:p>
+          <a:p>
+            <a:r>
+              <a:rPr lang="ko-Kore-KR" altLang="en-US" sz="1400" dirty="0">
+                <a:latin typeface="DM Mono" panose="020B0509040201040103" pitchFamily="49" charset="0"/>
+              </a:rPr>
+              <a:t>{</a:t>
+            </a:r>
+          </a:p>
+          <a:p>
+            <a:r>
+              <a:rPr lang="ko-Kore-KR" altLang="en-US" sz="1400" dirty="0">
+                <a:latin typeface="DM Mono" panose="020B0509040201040103" pitchFamily="49" charset="0"/>
+              </a:rPr>
+              <a:t>  for (int i = 0; i &lt; 10; ++i)</a:t>
+            </a:r>
+          </a:p>
+          <a:p>
+            <a:r>
+              <a:rPr lang="ko-Kore-KR" altLang="en-US" sz="1400" dirty="0">
+                <a:latin typeface="DM Mono" panose="020B0509040201040103" pitchFamily="49" charset="0"/>
+              </a:rPr>
+              <a:t>  {</a:t>
+            </a:r>
+          </a:p>
+          <a:p>
+            <a:r>
+              <a:rPr lang="ko-Kore-KR" altLang="en-US" sz="1400" dirty="0">
+                <a:latin typeface="DM Mono" panose="020B0509040201040103" pitchFamily="49" charset="0"/>
+              </a:rPr>
+              <a:t>    printf("%d\n", x[i]);</a:t>
+            </a:r>
+          </a:p>
+          <a:p>
+            <a:r>
+              <a:rPr lang="ko-Kore-KR" altLang="en-US" sz="1400" dirty="0">
+                <a:latin typeface="DM Mono" panose="020B0509040201040103" pitchFamily="49" charset="0"/>
+              </a:rPr>
+              <a:t>  }</a:t>
+            </a:r>
+          </a:p>
+          <a:p>
+            <a:r>
+              <a:rPr lang="ko-Kore-KR" altLang="en-US" sz="1400" dirty="0">
+                <a:latin typeface="DM Mono" panose="020B0509040201040103" pitchFamily="49" charset="0"/>
+              </a:rPr>
+              <a:t>}</a:t>
+            </a:r>
+          </a:p>
+          <a:p>
+            <a:endParaRPr lang="ko-Kore-KR" altLang="en-US" sz="1400" dirty="0">
+              <a:latin typeface="DM Mono" panose="020B0509040201040103" pitchFamily="49" charset="0"/>
+            </a:endParaRPr>
+          </a:p>
+          <a:p>
+            <a:r>
+              <a:rPr lang="ko-Kore-KR" altLang="en-US" sz="1400" dirty="0">
+                <a:latin typeface="DM Mono" panose="020B0509040201040103" pitchFamily="49" charset="0"/>
+              </a:rPr>
+              <a:t>int main(void)</a:t>
+            </a:r>
+          </a:p>
+          <a:p>
+            <a:r>
+              <a:rPr lang="ko-Kore-KR" altLang="en-US" sz="1400" dirty="0">
+                <a:latin typeface="DM Mono" panose="020B0509040201040103" pitchFamily="49" charset="0"/>
+              </a:rPr>
+              <a:t>{</a:t>
+            </a:r>
+          </a:p>
+          <a:p>
+            <a:r>
+              <a:rPr lang="ko-Kore-KR" altLang="en-US" sz="1400" dirty="0">
+                <a:latin typeface="DM Mono" panose="020B0509040201040103" pitchFamily="49" charset="0"/>
+              </a:rPr>
+              <a:t>  int x[10] = {1, 2, 3, 4, 5, 6, 7, 8, 9, 10};</a:t>
+            </a:r>
+          </a:p>
+          <a:p>
+            <a:r>
+              <a:rPr lang="ko-Kore-KR" altLang="en-US" sz="1400" dirty="0">
+                <a:latin typeface="DM Mono" panose="020B0509040201040103" pitchFamily="49" charset="0"/>
+              </a:rPr>
+              <a:t>  foo(x);</a:t>
+            </a:r>
+          </a:p>
+          <a:p>
+            <a:endParaRPr lang="ko-Kore-KR" altLang="en-US" sz="1400" dirty="0">
+              <a:latin typeface="DM Mono" panose="020B0509040201040103" pitchFamily="49" charset="0"/>
+            </a:endParaRPr>
+          </a:p>
+          <a:p>
+            <a:r>
+              <a:rPr lang="ko-Kore-KR" altLang="en-US" sz="1400" dirty="0">
+                <a:latin typeface="DM Mono" panose="020B0509040201040103" pitchFamily="49" charset="0"/>
+              </a:rPr>
+              <a:t>  return 0;</a:t>
+            </a:r>
+          </a:p>
+          <a:p>
+            <a:r>
+              <a:rPr lang="ko-Kore-KR" altLang="en-US" sz="1400" dirty="0">
+                <a:latin typeface="DM Mono" panose="020B0509040201040103" pitchFamily="49" charset="0"/>
+              </a:rPr>
+              <a:t>}</a:t>
+            </a:r>
+          </a:p>
+        </p:txBody>
+      </p:sp>
+      <p:sp>
+        <p:nvSpPr>
+          <p:cNvPr id="6" name="직사각형 5">
+            <a:extLst>
+              <a:ext uri="{FF2B5EF4-FFF2-40B4-BE49-F238E27FC236}">
+                <a16:creationId xmlns:a16="http://schemas.microsoft.com/office/drawing/2014/main" id="{816EDC38-84C1-D7CB-6DCE-87903F43343B}"/>
+              </a:ext>
+            </a:extLst>
+          </p:cNvPr>
+          <p:cNvSpPr/>
+          <p:nvPr/>
+        </p:nvSpPr>
+        <p:spPr>
+          <a:xfrm>
+            <a:off x="3421454" y="3091724"/>
+            <a:ext cx="5791557" cy="2527561"/>
+          </a:xfrm>
+          <a:prstGeom prst="rect">
+            <a:avLst/>
+          </a:prstGeom>
+        </p:spPr>
+        <p:style>
+          <a:lnRef idx="2">
+            <a:schemeClr val="dk1"/>
+          </a:lnRef>
+          <a:fillRef idx="1">
+            <a:schemeClr val="lt1"/>
+          </a:fillRef>
+          <a:effectRef idx="0">
+            <a:schemeClr val="dk1"/>
+          </a:effectRef>
+          <a:fontRef idx="minor">
+            <a:schemeClr val="dk1"/>
+          </a:fontRef>
+        </p:style>
+        <p:txBody>
+          <a:bodyPr rtlCol="0" anchor="ctr"/>
+          <a:lstStyle/>
+          <a:p>
+            <a:pPr algn="ctr"/>
+            <a:endParaRPr kumimoji="1" lang="ko-Kore-KR" altLang="en-US" dirty="0">
+              <a:solidFill>
+                <a:schemeClr val="tx1"/>
+              </a:solidFill>
+            </a:endParaRPr>
+          </a:p>
+        </p:txBody>
+      </p:sp>
+      <p:sp>
+        <p:nvSpPr>
+          <p:cNvPr id="7" name="직사각형 6">
+            <a:extLst>
+              <a:ext uri="{FF2B5EF4-FFF2-40B4-BE49-F238E27FC236}">
+                <a16:creationId xmlns:a16="http://schemas.microsoft.com/office/drawing/2014/main" id="{1B359ECE-8012-B758-5AD2-27A82EC2C8C9}"/>
+              </a:ext>
+            </a:extLst>
+          </p:cNvPr>
+          <p:cNvSpPr/>
+          <p:nvPr/>
+        </p:nvSpPr>
+        <p:spPr>
+          <a:xfrm>
+            <a:off x="4425352" y="3535247"/>
+            <a:ext cx="377406" cy="447790"/>
+          </a:xfrm>
+          <a:prstGeom prst="rect">
+            <a:avLst/>
+          </a:prstGeom>
+          <a:solidFill>
+            <a:srgbClr val="FFFF00"/>
+          </a:solidFill>
+        </p:spPr>
+        <p:style>
+          <a:lnRef idx="2">
+            <a:schemeClr val="accent1">
+              <a:shade val="50000"/>
+            </a:schemeClr>
+          </a:lnRef>
+          <a:fillRef idx="1">
+            <a:schemeClr val="accent1"/>
+          </a:fillRef>
+          <a:effectRef idx="0">
+            <a:schemeClr val="accent1"/>
+          </a:effectRef>
+          <a:fontRef idx="minor">
+            <a:schemeClr val="lt1"/>
+          </a:fontRef>
+        </p:style>
+        <p:txBody>
+          <a:bodyPr rtlCol="0" anchor="ctr"/>
+          <a:lstStyle/>
+          <a:p>
+            <a:pPr algn="ctr"/>
+            <a:r>
+              <a:rPr kumimoji="1" lang="en-US" altLang="ko-Kore-KR" sz="1400" dirty="0">
+                <a:solidFill>
+                  <a:schemeClr val="tx1"/>
+                </a:solidFill>
+              </a:rPr>
+              <a:t>1</a:t>
+            </a:r>
+            <a:endParaRPr kumimoji="1" lang="ko-Kore-KR" altLang="en-US" sz="1400" dirty="0">
+              <a:solidFill>
+                <a:schemeClr val="tx1"/>
+              </a:solidFill>
+            </a:endParaRPr>
+          </a:p>
+        </p:txBody>
+      </p:sp>
+      <p:sp>
+        <p:nvSpPr>
+          <p:cNvPr id="8" name="TextBox 7">
+            <a:extLst>
+              <a:ext uri="{FF2B5EF4-FFF2-40B4-BE49-F238E27FC236}">
+                <a16:creationId xmlns:a16="http://schemas.microsoft.com/office/drawing/2014/main" id="{3212519C-17DA-D0AD-F885-FC883EF35EE7}"/>
+              </a:ext>
+            </a:extLst>
+          </p:cNvPr>
+          <p:cNvSpPr txBox="1"/>
+          <p:nvPr/>
+        </p:nvSpPr>
+        <p:spPr>
+          <a:xfrm>
+            <a:off x="4047946" y="3613705"/>
+            <a:ext cx="377406" cy="369332"/>
+          </a:xfrm>
+          <a:prstGeom prst="rect">
+            <a:avLst/>
+          </a:prstGeom>
+          <a:noFill/>
+        </p:spPr>
+        <p:txBody>
+          <a:bodyPr wrap="square">
+            <a:spAutoFit/>
+          </a:bodyPr>
+          <a:lstStyle/>
+          <a:p>
+            <a:r>
+              <a:rPr lang="en" altLang="ko-Kore-KR" dirty="0">
+                <a:latin typeface="DM Mono" panose="020B0509040201040103" pitchFamily="49" charset="0"/>
+              </a:rPr>
+              <a:t>x</a:t>
+            </a:r>
+            <a:endParaRPr lang="ko-Kore-KR" altLang="en-US" dirty="0"/>
+          </a:p>
+        </p:txBody>
+      </p:sp>
+      <p:sp>
+        <p:nvSpPr>
+          <p:cNvPr id="9" name="TextBox 8">
+            <a:extLst>
+              <a:ext uri="{FF2B5EF4-FFF2-40B4-BE49-F238E27FC236}">
+                <a16:creationId xmlns:a16="http://schemas.microsoft.com/office/drawing/2014/main" id="{907C03E2-4811-701B-1D8C-06A1DD44232B}"/>
+              </a:ext>
+            </a:extLst>
+          </p:cNvPr>
+          <p:cNvSpPr txBox="1"/>
+          <p:nvPr/>
+        </p:nvSpPr>
+        <p:spPr>
+          <a:xfrm>
+            <a:off x="4695282" y="2722392"/>
+            <a:ext cx="808727" cy="369332"/>
+          </a:xfrm>
+          <a:prstGeom prst="rect">
+            <a:avLst/>
+          </a:prstGeom>
+          <a:noFill/>
+        </p:spPr>
+        <p:txBody>
+          <a:bodyPr wrap="square">
+            <a:spAutoFit/>
+          </a:bodyPr>
+          <a:lstStyle/>
+          <a:p>
+            <a:r>
+              <a:rPr lang="en" altLang="ko-Kore-KR" dirty="0">
+                <a:latin typeface="DM Mono" panose="020B0509040201040103" pitchFamily="49" charset="0"/>
+              </a:rPr>
+              <a:t>main</a:t>
+            </a:r>
+            <a:endParaRPr lang="ko-Kore-KR" altLang="en-US" dirty="0"/>
+          </a:p>
+        </p:txBody>
+      </p:sp>
+      <p:sp>
+        <p:nvSpPr>
+          <p:cNvPr id="10" name="TextBox 9">
+            <a:extLst>
+              <a:ext uri="{FF2B5EF4-FFF2-40B4-BE49-F238E27FC236}">
+                <a16:creationId xmlns:a16="http://schemas.microsoft.com/office/drawing/2014/main" id="{AA8C7794-73BE-FD16-9923-3E5CAE68D6B3}"/>
+              </a:ext>
+            </a:extLst>
+          </p:cNvPr>
+          <p:cNvSpPr txBox="1"/>
+          <p:nvPr/>
+        </p:nvSpPr>
+        <p:spPr>
+          <a:xfrm>
+            <a:off x="4112290" y="3290508"/>
+            <a:ext cx="981255" cy="261610"/>
+          </a:xfrm>
+          <a:prstGeom prst="rect">
+            <a:avLst/>
+          </a:prstGeom>
+          <a:noFill/>
+        </p:spPr>
+        <p:txBody>
+          <a:bodyPr wrap="square">
+            <a:spAutoFit/>
+          </a:bodyPr>
+          <a:lstStyle/>
+          <a:p>
+            <a:r>
+              <a:rPr kumimoji="1" lang="en-US" altLang="ko-Kore-KR" sz="1100" dirty="0"/>
+              <a:t>0x1000</a:t>
+            </a:r>
+            <a:endParaRPr lang="ko-Kore-KR" altLang="en-US" sz="1100" dirty="0"/>
+          </a:p>
+        </p:txBody>
+      </p:sp>
+      <p:sp>
+        <p:nvSpPr>
+          <p:cNvPr id="11" name="직사각형 10">
+            <a:extLst>
+              <a:ext uri="{FF2B5EF4-FFF2-40B4-BE49-F238E27FC236}">
+                <a16:creationId xmlns:a16="http://schemas.microsoft.com/office/drawing/2014/main" id="{89550F50-EA8D-644B-2BAF-78A19CD84C1A}"/>
+              </a:ext>
+            </a:extLst>
+          </p:cNvPr>
+          <p:cNvSpPr/>
+          <p:nvPr/>
+        </p:nvSpPr>
+        <p:spPr>
+          <a:xfrm>
+            <a:off x="4813897" y="3535247"/>
+            <a:ext cx="377406" cy="447790"/>
+          </a:xfrm>
+          <a:prstGeom prst="rect">
+            <a:avLst/>
+          </a:prstGeom>
+          <a:solidFill>
+            <a:srgbClr val="FFFF00"/>
+          </a:solidFill>
+        </p:spPr>
+        <p:style>
+          <a:lnRef idx="2">
+            <a:schemeClr val="accent1">
+              <a:shade val="50000"/>
+            </a:schemeClr>
+          </a:lnRef>
+          <a:fillRef idx="1">
+            <a:schemeClr val="accent1"/>
+          </a:fillRef>
+          <a:effectRef idx="0">
+            <a:schemeClr val="accent1"/>
+          </a:effectRef>
+          <a:fontRef idx="minor">
+            <a:schemeClr val="lt1"/>
+          </a:fontRef>
+        </p:style>
+        <p:txBody>
+          <a:bodyPr rtlCol="0" anchor="ctr"/>
+          <a:lstStyle/>
+          <a:p>
+            <a:pPr algn="ctr"/>
+            <a:r>
+              <a:rPr kumimoji="1" lang="en-US" altLang="ko-Kore-KR" sz="1400" dirty="0">
+                <a:solidFill>
+                  <a:schemeClr val="tx1"/>
+                </a:solidFill>
+              </a:rPr>
+              <a:t>2</a:t>
+            </a:r>
+            <a:endParaRPr kumimoji="1" lang="ko-Kore-KR" altLang="en-US" sz="1400" dirty="0">
+              <a:solidFill>
+                <a:schemeClr val="tx1"/>
+              </a:solidFill>
+            </a:endParaRPr>
+          </a:p>
+        </p:txBody>
+      </p:sp>
+      <p:sp>
+        <p:nvSpPr>
+          <p:cNvPr id="12" name="직사각형 11">
+            <a:extLst>
+              <a:ext uri="{FF2B5EF4-FFF2-40B4-BE49-F238E27FC236}">
+                <a16:creationId xmlns:a16="http://schemas.microsoft.com/office/drawing/2014/main" id="{0D2342D1-3BFB-99A5-B1A9-7AC8D7CCA2FF}"/>
+              </a:ext>
+            </a:extLst>
+          </p:cNvPr>
+          <p:cNvSpPr/>
+          <p:nvPr/>
+        </p:nvSpPr>
+        <p:spPr>
+          <a:xfrm>
+            <a:off x="5202442" y="3535247"/>
+            <a:ext cx="377406" cy="447790"/>
+          </a:xfrm>
+          <a:prstGeom prst="rect">
+            <a:avLst/>
+          </a:prstGeom>
+          <a:solidFill>
+            <a:srgbClr val="FFFF00"/>
+          </a:solidFill>
+        </p:spPr>
+        <p:style>
+          <a:lnRef idx="2">
+            <a:schemeClr val="accent1">
+              <a:shade val="50000"/>
+            </a:schemeClr>
+          </a:lnRef>
+          <a:fillRef idx="1">
+            <a:schemeClr val="accent1"/>
+          </a:fillRef>
+          <a:effectRef idx="0">
+            <a:schemeClr val="accent1"/>
+          </a:effectRef>
+          <a:fontRef idx="minor">
+            <a:schemeClr val="lt1"/>
+          </a:fontRef>
+        </p:style>
+        <p:txBody>
+          <a:bodyPr rtlCol="0" anchor="ctr"/>
+          <a:lstStyle/>
+          <a:p>
+            <a:pPr algn="ctr"/>
+            <a:r>
+              <a:rPr kumimoji="1" lang="en-US" altLang="ko-Kore-KR" sz="1400" dirty="0">
+                <a:solidFill>
+                  <a:schemeClr val="tx1"/>
+                </a:solidFill>
+              </a:rPr>
+              <a:t>3</a:t>
+            </a:r>
+            <a:endParaRPr kumimoji="1" lang="ko-Kore-KR" altLang="en-US" sz="1400" dirty="0">
+              <a:solidFill>
+                <a:schemeClr val="tx1"/>
+              </a:solidFill>
+            </a:endParaRPr>
+          </a:p>
+        </p:txBody>
+      </p:sp>
+      <p:sp>
+        <p:nvSpPr>
+          <p:cNvPr id="13" name="직사각형 12">
+            <a:extLst>
+              <a:ext uri="{FF2B5EF4-FFF2-40B4-BE49-F238E27FC236}">
+                <a16:creationId xmlns:a16="http://schemas.microsoft.com/office/drawing/2014/main" id="{511201E1-872A-D316-4CFA-832662C5FA1D}"/>
+              </a:ext>
+            </a:extLst>
+          </p:cNvPr>
+          <p:cNvSpPr/>
+          <p:nvPr/>
+        </p:nvSpPr>
+        <p:spPr>
+          <a:xfrm>
+            <a:off x="5590987" y="3535247"/>
+            <a:ext cx="377406" cy="447790"/>
+          </a:xfrm>
+          <a:prstGeom prst="rect">
+            <a:avLst/>
+          </a:prstGeom>
+          <a:solidFill>
+            <a:srgbClr val="FFFF00"/>
+          </a:solidFill>
+        </p:spPr>
+        <p:style>
+          <a:lnRef idx="2">
+            <a:schemeClr val="accent1">
+              <a:shade val="50000"/>
+            </a:schemeClr>
+          </a:lnRef>
+          <a:fillRef idx="1">
+            <a:schemeClr val="accent1"/>
+          </a:fillRef>
+          <a:effectRef idx="0">
+            <a:schemeClr val="accent1"/>
+          </a:effectRef>
+          <a:fontRef idx="minor">
+            <a:schemeClr val="lt1"/>
+          </a:fontRef>
+        </p:style>
+        <p:txBody>
+          <a:bodyPr rtlCol="0" anchor="ctr"/>
+          <a:lstStyle/>
+          <a:p>
+            <a:pPr algn="ctr"/>
+            <a:r>
+              <a:rPr kumimoji="1" lang="en-US" altLang="ko-Kore-KR" sz="1400" dirty="0">
+                <a:solidFill>
+                  <a:schemeClr val="tx1"/>
+                </a:solidFill>
+              </a:rPr>
+              <a:t>4</a:t>
+            </a:r>
+            <a:endParaRPr kumimoji="1" lang="ko-Kore-KR" altLang="en-US" sz="1400" dirty="0">
+              <a:solidFill>
+                <a:schemeClr val="tx1"/>
+              </a:solidFill>
+            </a:endParaRPr>
+          </a:p>
+        </p:txBody>
+      </p:sp>
+      <p:sp>
+        <p:nvSpPr>
+          <p:cNvPr id="14" name="직사각형 13">
+            <a:extLst>
+              <a:ext uri="{FF2B5EF4-FFF2-40B4-BE49-F238E27FC236}">
+                <a16:creationId xmlns:a16="http://schemas.microsoft.com/office/drawing/2014/main" id="{6886E773-2738-22B6-62E5-64B17D0E0327}"/>
+              </a:ext>
+            </a:extLst>
+          </p:cNvPr>
+          <p:cNvSpPr/>
+          <p:nvPr/>
+        </p:nvSpPr>
+        <p:spPr>
+          <a:xfrm>
+            <a:off x="5979532" y="3535247"/>
+            <a:ext cx="377406" cy="447790"/>
+          </a:xfrm>
+          <a:prstGeom prst="rect">
+            <a:avLst/>
+          </a:prstGeom>
+          <a:solidFill>
+            <a:srgbClr val="FFFF00"/>
+          </a:solidFill>
+        </p:spPr>
+        <p:style>
+          <a:lnRef idx="2">
+            <a:schemeClr val="accent1">
+              <a:shade val="50000"/>
+            </a:schemeClr>
+          </a:lnRef>
+          <a:fillRef idx="1">
+            <a:schemeClr val="accent1"/>
+          </a:fillRef>
+          <a:effectRef idx="0">
+            <a:schemeClr val="accent1"/>
+          </a:effectRef>
+          <a:fontRef idx="minor">
+            <a:schemeClr val="lt1"/>
+          </a:fontRef>
+        </p:style>
+        <p:txBody>
+          <a:bodyPr rtlCol="0" anchor="ctr"/>
+          <a:lstStyle/>
+          <a:p>
+            <a:pPr algn="ctr"/>
+            <a:r>
+              <a:rPr kumimoji="1" lang="en-US" altLang="ko-Kore-KR" sz="1400" dirty="0">
+                <a:solidFill>
+                  <a:schemeClr val="tx1"/>
+                </a:solidFill>
+              </a:rPr>
+              <a:t>5</a:t>
+            </a:r>
+            <a:endParaRPr kumimoji="1" lang="ko-Kore-KR" altLang="en-US" sz="1400" dirty="0">
+              <a:solidFill>
+                <a:schemeClr val="tx1"/>
+              </a:solidFill>
+            </a:endParaRPr>
+          </a:p>
+        </p:txBody>
+      </p:sp>
+      <p:sp>
+        <p:nvSpPr>
+          <p:cNvPr id="15" name="직사각형 14">
+            <a:extLst>
+              <a:ext uri="{FF2B5EF4-FFF2-40B4-BE49-F238E27FC236}">
+                <a16:creationId xmlns:a16="http://schemas.microsoft.com/office/drawing/2014/main" id="{869F4A01-6AF7-7C08-18FE-F287E7375EE7}"/>
+              </a:ext>
+            </a:extLst>
+          </p:cNvPr>
+          <p:cNvSpPr/>
+          <p:nvPr/>
+        </p:nvSpPr>
+        <p:spPr>
+          <a:xfrm>
+            <a:off x="6368077" y="3535247"/>
+            <a:ext cx="377406" cy="447790"/>
+          </a:xfrm>
+          <a:prstGeom prst="rect">
+            <a:avLst/>
+          </a:prstGeom>
+          <a:solidFill>
+            <a:srgbClr val="FFFF00"/>
+          </a:solidFill>
+        </p:spPr>
+        <p:style>
+          <a:lnRef idx="2">
+            <a:schemeClr val="accent1">
+              <a:shade val="50000"/>
+            </a:schemeClr>
+          </a:lnRef>
+          <a:fillRef idx="1">
+            <a:schemeClr val="accent1"/>
+          </a:fillRef>
+          <a:effectRef idx="0">
+            <a:schemeClr val="accent1"/>
+          </a:effectRef>
+          <a:fontRef idx="minor">
+            <a:schemeClr val="lt1"/>
+          </a:fontRef>
+        </p:style>
+        <p:txBody>
+          <a:bodyPr rtlCol="0" anchor="ctr"/>
+          <a:lstStyle/>
+          <a:p>
+            <a:pPr algn="ctr"/>
+            <a:r>
+              <a:rPr kumimoji="1" lang="en-US" altLang="ko-Kore-KR" sz="1400" dirty="0">
+                <a:solidFill>
+                  <a:schemeClr val="tx1"/>
+                </a:solidFill>
+              </a:rPr>
+              <a:t>6</a:t>
+            </a:r>
+            <a:endParaRPr kumimoji="1" lang="ko-Kore-KR" altLang="en-US" sz="1400" dirty="0">
+              <a:solidFill>
+                <a:schemeClr val="tx1"/>
+              </a:solidFill>
+            </a:endParaRPr>
+          </a:p>
+        </p:txBody>
+      </p:sp>
+      <p:sp>
+        <p:nvSpPr>
+          <p:cNvPr id="16" name="직사각형 15">
+            <a:extLst>
+              <a:ext uri="{FF2B5EF4-FFF2-40B4-BE49-F238E27FC236}">
+                <a16:creationId xmlns:a16="http://schemas.microsoft.com/office/drawing/2014/main" id="{4EFB40DD-D155-5E97-15F3-61471FAD6493}"/>
+              </a:ext>
+            </a:extLst>
+          </p:cNvPr>
+          <p:cNvSpPr/>
+          <p:nvPr/>
+        </p:nvSpPr>
+        <p:spPr>
+          <a:xfrm>
+            <a:off x="6756622" y="3535247"/>
+            <a:ext cx="377406" cy="447790"/>
+          </a:xfrm>
+          <a:prstGeom prst="rect">
+            <a:avLst/>
+          </a:prstGeom>
+          <a:solidFill>
+            <a:srgbClr val="FFFF00"/>
+          </a:solidFill>
+        </p:spPr>
+        <p:style>
+          <a:lnRef idx="2">
+            <a:schemeClr val="accent1">
+              <a:shade val="50000"/>
+            </a:schemeClr>
+          </a:lnRef>
+          <a:fillRef idx="1">
+            <a:schemeClr val="accent1"/>
+          </a:fillRef>
+          <a:effectRef idx="0">
+            <a:schemeClr val="accent1"/>
+          </a:effectRef>
+          <a:fontRef idx="minor">
+            <a:schemeClr val="lt1"/>
+          </a:fontRef>
+        </p:style>
+        <p:txBody>
+          <a:bodyPr rtlCol="0" anchor="ctr"/>
+          <a:lstStyle/>
+          <a:p>
+            <a:pPr algn="ctr"/>
+            <a:r>
+              <a:rPr kumimoji="1" lang="en-US" altLang="ko-Kore-KR" sz="1400" dirty="0">
+                <a:solidFill>
+                  <a:schemeClr val="tx1"/>
+                </a:solidFill>
+              </a:rPr>
+              <a:t>7</a:t>
+            </a:r>
+            <a:endParaRPr kumimoji="1" lang="ko-Kore-KR" altLang="en-US" sz="1400" dirty="0">
+              <a:solidFill>
+                <a:schemeClr val="tx1"/>
+              </a:solidFill>
+            </a:endParaRPr>
+          </a:p>
+        </p:txBody>
+      </p:sp>
+      <p:sp>
+        <p:nvSpPr>
+          <p:cNvPr id="17" name="직사각형 16">
+            <a:extLst>
+              <a:ext uri="{FF2B5EF4-FFF2-40B4-BE49-F238E27FC236}">
+                <a16:creationId xmlns:a16="http://schemas.microsoft.com/office/drawing/2014/main" id="{22099B3B-DC54-4AE9-EE08-604FF89541E5}"/>
+              </a:ext>
+            </a:extLst>
+          </p:cNvPr>
+          <p:cNvSpPr/>
+          <p:nvPr/>
+        </p:nvSpPr>
+        <p:spPr>
+          <a:xfrm>
+            <a:off x="7145167" y="3535247"/>
+            <a:ext cx="377406" cy="447790"/>
+          </a:xfrm>
+          <a:prstGeom prst="rect">
+            <a:avLst/>
+          </a:prstGeom>
+          <a:solidFill>
+            <a:srgbClr val="FFFF00"/>
+          </a:solidFill>
+        </p:spPr>
+        <p:style>
+          <a:lnRef idx="2">
+            <a:schemeClr val="accent1">
+              <a:shade val="50000"/>
+            </a:schemeClr>
+          </a:lnRef>
+          <a:fillRef idx="1">
+            <a:schemeClr val="accent1"/>
+          </a:fillRef>
+          <a:effectRef idx="0">
+            <a:schemeClr val="accent1"/>
+          </a:effectRef>
+          <a:fontRef idx="minor">
+            <a:schemeClr val="lt1"/>
+          </a:fontRef>
+        </p:style>
+        <p:txBody>
+          <a:bodyPr rtlCol="0" anchor="ctr"/>
+          <a:lstStyle/>
+          <a:p>
+            <a:pPr algn="ctr"/>
+            <a:r>
+              <a:rPr kumimoji="1" lang="en-US" altLang="ko-Kore-KR" sz="1400" dirty="0">
+                <a:solidFill>
+                  <a:schemeClr val="tx1"/>
+                </a:solidFill>
+              </a:rPr>
+              <a:t>8</a:t>
+            </a:r>
+            <a:endParaRPr kumimoji="1" lang="ko-Kore-KR" altLang="en-US" sz="1400" dirty="0">
+              <a:solidFill>
+                <a:schemeClr val="tx1"/>
+              </a:solidFill>
+            </a:endParaRPr>
+          </a:p>
+        </p:txBody>
+      </p:sp>
+      <p:sp>
+        <p:nvSpPr>
+          <p:cNvPr id="18" name="직사각형 17">
+            <a:extLst>
+              <a:ext uri="{FF2B5EF4-FFF2-40B4-BE49-F238E27FC236}">
+                <a16:creationId xmlns:a16="http://schemas.microsoft.com/office/drawing/2014/main" id="{7BE3E3C8-6371-9A9B-E651-4C34DB1D74D8}"/>
+              </a:ext>
+            </a:extLst>
+          </p:cNvPr>
+          <p:cNvSpPr/>
+          <p:nvPr/>
+        </p:nvSpPr>
+        <p:spPr>
+          <a:xfrm>
+            <a:off x="7533712" y="3535247"/>
+            <a:ext cx="377406" cy="447790"/>
+          </a:xfrm>
+          <a:prstGeom prst="rect">
+            <a:avLst/>
+          </a:prstGeom>
+          <a:solidFill>
+            <a:srgbClr val="FFFF00"/>
+          </a:solidFill>
+        </p:spPr>
+        <p:style>
+          <a:lnRef idx="2">
+            <a:schemeClr val="accent1">
+              <a:shade val="50000"/>
+            </a:schemeClr>
+          </a:lnRef>
+          <a:fillRef idx="1">
+            <a:schemeClr val="accent1"/>
+          </a:fillRef>
+          <a:effectRef idx="0">
+            <a:schemeClr val="accent1"/>
+          </a:effectRef>
+          <a:fontRef idx="minor">
+            <a:schemeClr val="lt1"/>
+          </a:fontRef>
+        </p:style>
+        <p:txBody>
+          <a:bodyPr rtlCol="0" anchor="ctr"/>
+          <a:lstStyle/>
+          <a:p>
+            <a:pPr algn="ctr"/>
+            <a:r>
+              <a:rPr kumimoji="1" lang="en-US" altLang="ko-Kore-KR" sz="1400" dirty="0">
+                <a:solidFill>
+                  <a:schemeClr val="tx1"/>
+                </a:solidFill>
+              </a:rPr>
+              <a:t>9</a:t>
+            </a:r>
+            <a:endParaRPr kumimoji="1" lang="ko-Kore-KR" altLang="en-US" sz="1400" dirty="0">
+              <a:solidFill>
+                <a:schemeClr val="tx1"/>
+              </a:solidFill>
+            </a:endParaRPr>
+          </a:p>
+        </p:txBody>
+      </p:sp>
+      <p:sp>
+        <p:nvSpPr>
+          <p:cNvPr id="19" name="직사각형 18">
+            <a:extLst>
+              <a:ext uri="{FF2B5EF4-FFF2-40B4-BE49-F238E27FC236}">
+                <a16:creationId xmlns:a16="http://schemas.microsoft.com/office/drawing/2014/main" id="{882A0309-D3B2-919A-9280-06A2C63F4120}"/>
+              </a:ext>
+            </a:extLst>
+          </p:cNvPr>
+          <p:cNvSpPr/>
+          <p:nvPr/>
+        </p:nvSpPr>
+        <p:spPr>
+          <a:xfrm>
+            <a:off x="7922257" y="3535247"/>
+            <a:ext cx="377406" cy="447790"/>
+          </a:xfrm>
+          <a:prstGeom prst="rect">
+            <a:avLst/>
+          </a:prstGeom>
+          <a:solidFill>
+            <a:srgbClr val="FFFF00"/>
+          </a:solidFill>
+        </p:spPr>
+        <p:style>
+          <a:lnRef idx="2">
+            <a:schemeClr val="accent1">
+              <a:shade val="50000"/>
+            </a:schemeClr>
+          </a:lnRef>
+          <a:fillRef idx="1">
+            <a:schemeClr val="accent1"/>
+          </a:fillRef>
+          <a:effectRef idx="0">
+            <a:schemeClr val="accent1"/>
+          </a:effectRef>
+          <a:fontRef idx="minor">
+            <a:schemeClr val="lt1"/>
+          </a:fontRef>
+        </p:style>
+        <p:txBody>
+          <a:bodyPr rtlCol="0" anchor="ctr"/>
+          <a:lstStyle/>
+          <a:p>
+            <a:pPr algn="ctr"/>
+            <a:r>
+              <a:rPr kumimoji="1" lang="en-US" altLang="ko-Kore-KR" sz="1400" dirty="0">
+                <a:solidFill>
+                  <a:schemeClr val="tx1"/>
+                </a:solidFill>
+              </a:rPr>
+              <a:t>10</a:t>
+            </a:r>
+            <a:endParaRPr kumimoji="1" lang="ko-Kore-KR" altLang="en-US" sz="1400" dirty="0">
+              <a:solidFill>
+                <a:schemeClr val="tx1"/>
+              </a:solidFill>
+            </a:endParaRPr>
+          </a:p>
+        </p:txBody>
+      </p:sp>
+    </p:spTree>
+    <p:extLst>
+      <p:ext uri="{BB962C8B-B14F-4D97-AF65-F5344CB8AC3E}">
+        <p14:creationId xmlns:p14="http://schemas.microsoft.com/office/powerpoint/2010/main" val="1517430290"/>
+      </p:ext>
+    </p:extLst>
+  </p:cSld>
+  <p:clrMapOvr>
+    <a:masterClrMapping/>
+  </p:clrMapOvr>
+</p:sld>
+</file>
+
+<file path=ppt/slides/slide34.xml><?xml version="1.0" encoding="utf-8"?>
+<p:sld xmlns:a="http://schemas.openxmlformats.org/drawingml/2006/main" xmlns:r="http://schemas.openxmlformats.org/officeDocument/2006/relationships" xmlns:p="http://schemas.openxmlformats.org/presentationml/2006/main">
+  <p:cSld>
+    <p:spTree>
+      <p:nvGrpSpPr>
+        <p:cNvPr id="1" name=""/>
+        <p:cNvGrpSpPr/>
+        <p:nvPr/>
+      </p:nvGrpSpPr>
+      <p:grpSpPr>
+        <a:xfrm>
+          <a:off x="0" y="0"/>
+          <a:ext cx="0" cy="0"/>
+          <a:chOff x="0" y="0"/>
+          <a:chExt cx="0" cy="0"/>
+        </a:xfrm>
+      </p:grpSpPr>
+      <p:sp>
+        <p:nvSpPr>
+          <p:cNvPr id="5" name="TextBox 4">
+            <a:extLst>
+              <a:ext uri="{FF2B5EF4-FFF2-40B4-BE49-F238E27FC236}">
+                <a16:creationId xmlns:a16="http://schemas.microsoft.com/office/drawing/2014/main" id="{B9CF6A20-411A-6FCD-672C-E45FFCF9EFAE}"/>
+              </a:ext>
+            </a:extLst>
+          </p:cNvPr>
+          <p:cNvSpPr txBox="1"/>
+          <p:nvPr/>
+        </p:nvSpPr>
+        <p:spPr>
+          <a:xfrm>
+            <a:off x="140179" y="158028"/>
+            <a:ext cx="6094562" cy="3323987"/>
+          </a:xfrm>
+          <a:prstGeom prst="rect">
+            <a:avLst/>
+          </a:prstGeom>
+          <a:noFill/>
+        </p:spPr>
+        <p:txBody>
+          <a:bodyPr wrap="square">
+            <a:spAutoFit/>
+          </a:bodyPr>
+          <a:lstStyle/>
+          <a:p>
+            <a:r>
+              <a:rPr lang="en" altLang="ko-Kore-KR" sz="1400" dirty="0">
+                <a:latin typeface="DM Mono" panose="020B0509040201040103" pitchFamily="49" charset="0"/>
+              </a:rPr>
+              <a:t>void foo(int x[10])</a:t>
+            </a:r>
+          </a:p>
+          <a:p>
+            <a:r>
+              <a:rPr lang="en" altLang="ko-Kore-KR" sz="1400" dirty="0">
+                <a:latin typeface="DM Mono" panose="020B0509040201040103" pitchFamily="49" charset="0"/>
+              </a:rPr>
+              <a:t>{</a:t>
+            </a:r>
+          </a:p>
+          <a:p>
+            <a:r>
+              <a:rPr lang="en" altLang="ko-Kore-KR" sz="1400" dirty="0">
+                <a:latin typeface="DM Mono" panose="020B0509040201040103" pitchFamily="49" charset="0"/>
+              </a:rPr>
+              <a:t>  for (int </a:t>
+            </a:r>
+            <a:r>
+              <a:rPr lang="en" altLang="ko-Kore-KR" sz="1400" dirty="0" err="1">
+                <a:latin typeface="DM Mono" panose="020B0509040201040103" pitchFamily="49" charset="0"/>
+              </a:rPr>
+              <a:t>i</a:t>
+            </a:r>
+            <a:r>
+              <a:rPr lang="en" altLang="ko-Kore-KR" sz="1400" dirty="0">
+                <a:latin typeface="DM Mono" panose="020B0509040201040103" pitchFamily="49" charset="0"/>
+              </a:rPr>
+              <a:t> = 0; </a:t>
+            </a:r>
+            <a:r>
+              <a:rPr lang="en" altLang="ko-Kore-KR" sz="1400" dirty="0" err="1">
+                <a:latin typeface="DM Mono" panose="020B0509040201040103" pitchFamily="49" charset="0"/>
+              </a:rPr>
+              <a:t>i</a:t>
+            </a:r>
+            <a:r>
+              <a:rPr lang="en" altLang="ko-Kore-KR" sz="1400" dirty="0">
+                <a:latin typeface="DM Mono" panose="020B0509040201040103" pitchFamily="49" charset="0"/>
+              </a:rPr>
+              <a:t> &lt; 10; ++</a:t>
+            </a:r>
+            <a:r>
+              <a:rPr lang="en" altLang="ko-Kore-KR" sz="1400" dirty="0" err="1">
+                <a:latin typeface="DM Mono" panose="020B0509040201040103" pitchFamily="49" charset="0"/>
+              </a:rPr>
+              <a:t>i</a:t>
+            </a:r>
+            <a:r>
+              <a:rPr lang="en" altLang="ko-Kore-KR" sz="1400" dirty="0">
+                <a:latin typeface="DM Mono" panose="020B0509040201040103" pitchFamily="49" charset="0"/>
+              </a:rPr>
+              <a:t>)</a:t>
+            </a:r>
+          </a:p>
+          <a:p>
+            <a:r>
+              <a:rPr lang="en" altLang="ko-Kore-KR" sz="1400" dirty="0">
+                <a:latin typeface="DM Mono" panose="020B0509040201040103" pitchFamily="49" charset="0"/>
+              </a:rPr>
+              <a:t>  {</a:t>
+            </a:r>
+          </a:p>
+          <a:p>
+            <a:r>
+              <a:rPr lang="en" altLang="ko-Kore-KR" sz="1400" dirty="0">
+                <a:latin typeface="DM Mono" panose="020B0509040201040103" pitchFamily="49" charset="0"/>
+              </a:rPr>
+              <a:t>    x[</a:t>
+            </a:r>
+            <a:r>
+              <a:rPr lang="en" altLang="ko-Kore-KR" sz="1400" dirty="0" err="1">
+                <a:latin typeface="DM Mono" panose="020B0509040201040103" pitchFamily="49" charset="0"/>
+              </a:rPr>
+              <a:t>i</a:t>
+            </a:r>
+            <a:r>
+              <a:rPr lang="en" altLang="ko-Kore-KR" sz="1400" dirty="0">
+                <a:latin typeface="DM Mono" panose="020B0509040201040103" pitchFamily="49" charset="0"/>
+              </a:rPr>
+              <a:t>] = 10 * </a:t>
+            </a:r>
+            <a:r>
+              <a:rPr lang="en" altLang="ko-Kore-KR" sz="1400" dirty="0" err="1">
+                <a:latin typeface="DM Mono" panose="020B0509040201040103" pitchFamily="49" charset="0"/>
+              </a:rPr>
+              <a:t>i</a:t>
+            </a:r>
+            <a:r>
+              <a:rPr lang="en" altLang="ko-Kore-KR" sz="1400" dirty="0">
+                <a:latin typeface="DM Mono" panose="020B0509040201040103" pitchFamily="49" charset="0"/>
+              </a:rPr>
+              <a:t>;</a:t>
+            </a:r>
+          </a:p>
+          <a:p>
+            <a:r>
+              <a:rPr lang="en" altLang="ko-Kore-KR" sz="1400" dirty="0">
+                <a:latin typeface="DM Mono" panose="020B0509040201040103" pitchFamily="49" charset="0"/>
+              </a:rPr>
+              <a:t>  }</a:t>
+            </a:r>
+          </a:p>
+          <a:p>
+            <a:r>
+              <a:rPr lang="en" altLang="ko-Kore-KR" sz="1400" dirty="0">
+                <a:latin typeface="DM Mono" panose="020B0509040201040103" pitchFamily="49" charset="0"/>
+              </a:rPr>
+              <a:t>}</a:t>
+            </a:r>
+          </a:p>
+          <a:p>
+            <a:endParaRPr lang="ko-Kore-KR" altLang="en-US" sz="1400" dirty="0">
+              <a:latin typeface="DM Mono" panose="020B0509040201040103" pitchFamily="49" charset="0"/>
+            </a:endParaRPr>
+          </a:p>
+          <a:p>
+            <a:r>
+              <a:rPr lang="ko-Kore-KR" altLang="en-US" sz="1400" dirty="0">
+                <a:latin typeface="DM Mono" panose="020B0509040201040103" pitchFamily="49" charset="0"/>
+              </a:rPr>
+              <a:t>int main(void)</a:t>
+            </a:r>
+          </a:p>
+          <a:p>
+            <a:r>
+              <a:rPr lang="ko-Kore-KR" altLang="en-US" sz="1400" dirty="0">
+                <a:latin typeface="DM Mono" panose="020B0509040201040103" pitchFamily="49" charset="0"/>
+              </a:rPr>
+              <a:t>{</a:t>
+            </a:r>
+          </a:p>
+          <a:p>
+            <a:r>
+              <a:rPr lang="ko-Kore-KR" altLang="en-US" sz="1400" dirty="0">
+                <a:latin typeface="DM Mono" panose="020B0509040201040103" pitchFamily="49" charset="0"/>
+              </a:rPr>
+              <a:t>  int x[10] = {1, 2, 3, 4, 5, 6, 7, 8, 9, 10};</a:t>
+            </a:r>
+          </a:p>
+          <a:p>
+            <a:r>
+              <a:rPr lang="ko-Kore-KR" altLang="en-US" sz="1400" dirty="0">
+                <a:latin typeface="DM Mono" panose="020B0509040201040103" pitchFamily="49" charset="0"/>
+              </a:rPr>
+              <a:t>  foo(x);</a:t>
+            </a:r>
+          </a:p>
+          <a:p>
+            <a:endParaRPr lang="ko-Kore-KR" altLang="en-US" sz="1400" dirty="0">
+              <a:latin typeface="DM Mono" panose="020B0509040201040103" pitchFamily="49" charset="0"/>
+            </a:endParaRPr>
+          </a:p>
+          <a:p>
+            <a:r>
+              <a:rPr lang="ko-Kore-KR" altLang="en-US" sz="1400" dirty="0">
+                <a:latin typeface="DM Mono" panose="020B0509040201040103" pitchFamily="49" charset="0"/>
+              </a:rPr>
+              <a:t>  return 0;</a:t>
+            </a:r>
+          </a:p>
+          <a:p>
+            <a:r>
+              <a:rPr lang="ko-Kore-KR" altLang="en-US" sz="1400" dirty="0">
+                <a:latin typeface="DM Mono" panose="020B0509040201040103" pitchFamily="49" charset="0"/>
+              </a:rPr>
+              <a:t>}</a:t>
+            </a:r>
+          </a:p>
+        </p:txBody>
+      </p:sp>
+      <p:sp>
+        <p:nvSpPr>
+          <p:cNvPr id="6" name="직사각형 5">
+            <a:extLst>
+              <a:ext uri="{FF2B5EF4-FFF2-40B4-BE49-F238E27FC236}">
+                <a16:creationId xmlns:a16="http://schemas.microsoft.com/office/drawing/2014/main" id="{816EDC38-84C1-D7CB-6DCE-87903F43343B}"/>
+              </a:ext>
+            </a:extLst>
+          </p:cNvPr>
+          <p:cNvSpPr/>
+          <p:nvPr/>
+        </p:nvSpPr>
+        <p:spPr>
+          <a:xfrm>
+            <a:off x="3421454" y="3091724"/>
+            <a:ext cx="5791557" cy="2527561"/>
+          </a:xfrm>
+          <a:prstGeom prst="rect">
+            <a:avLst/>
+          </a:prstGeom>
+        </p:spPr>
+        <p:style>
+          <a:lnRef idx="2">
+            <a:schemeClr val="dk1"/>
+          </a:lnRef>
+          <a:fillRef idx="1">
+            <a:schemeClr val="lt1"/>
+          </a:fillRef>
+          <a:effectRef idx="0">
+            <a:schemeClr val="dk1"/>
+          </a:effectRef>
+          <a:fontRef idx="minor">
+            <a:schemeClr val="dk1"/>
+          </a:fontRef>
+        </p:style>
+        <p:txBody>
+          <a:bodyPr rtlCol="0" anchor="ctr"/>
+          <a:lstStyle/>
+          <a:p>
+            <a:pPr algn="ctr"/>
+            <a:endParaRPr kumimoji="1" lang="ko-Kore-KR" altLang="en-US" dirty="0">
+              <a:solidFill>
+                <a:schemeClr val="tx1"/>
+              </a:solidFill>
+            </a:endParaRPr>
+          </a:p>
+        </p:txBody>
+      </p:sp>
+      <p:sp>
+        <p:nvSpPr>
+          <p:cNvPr id="7" name="직사각형 6">
+            <a:extLst>
+              <a:ext uri="{FF2B5EF4-FFF2-40B4-BE49-F238E27FC236}">
+                <a16:creationId xmlns:a16="http://schemas.microsoft.com/office/drawing/2014/main" id="{1B359ECE-8012-B758-5AD2-27A82EC2C8C9}"/>
+              </a:ext>
+            </a:extLst>
+          </p:cNvPr>
+          <p:cNvSpPr/>
+          <p:nvPr/>
+        </p:nvSpPr>
+        <p:spPr>
+          <a:xfrm>
+            <a:off x="4425352" y="3535247"/>
+            <a:ext cx="377406" cy="447790"/>
+          </a:xfrm>
+          <a:prstGeom prst="rect">
+            <a:avLst/>
+          </a:prstGeom>
+          <a:solidFill>
+            <a:srgbClr val="FFFF00"/>
+          </a:solidFill>
+        </p:spPr>
+        <p:style>
+          <a:lnRef idx="2">
+            <a:schemeClr val="accent1">
+              <a:shade val="50000"/>
+            </a:schemeClr>
+          </a:lnRef>
+          <a:fillRef idx="1">
+            <a:schemeClr val="accent1"/>
+          </a:fillRef>
+          <a:effectRef idx="0">
+            <a:schemeClr val="accent1"/>
+          </a:effectRef>
+          <a:fontRef idx="minor">
+            <a:schemeClr val="lt1"/>
+          </a:fontRef>
+        </p:style>
+        <p:txBody>
+          <a:bodyPr rtlCol="0" anchor="ctr"/>
+          <a:lstStyle/>
+          <a:p>
+            <a:pPr algn="ctr"/>
+            <a:r>
+              <a:rPr kumimoji="1" lang="en-US" altLang="ko-Kore-KR" sz="1400" dirty="0">
+                <a:solidFill>
+                  <a:schemeClr val="tx1"/>
+                </a:solidFill>
+              </a:rPr>
+              <a:t>1</a:t>
+            </a:r>
+            <a:endParaRPr kumimoji="1" lang="ko-Kore-KR" altLang="en-US" sz="1400" dirty="0">
+              <a:solidFill>
+                <a:schemeClr val="tx1"/>
+              </a:solidFill>
+            </a:endParaRPr>
+          </a:p>
+        </p:txBody>
+      </p:sp>
+      <p:sp>
+        <p:nvSpPr>
+          <p:cNvPr id="8" name="TextBox 7">
+            <a:extLst>
+              <a:ext uri="{FF2B5EF4-FFF2-40B4-BE49-F238E27FC236}">
+                <a16:creationId xmlns:a16="http://schemas.microsoft.com/office/drawing/2014/main" id="{3212519C-17DA-D0AD-F885-FC883EF35EE7}"/>
+              </a:ext>
+            </a:extLst>
+          </p:cNvPr>
+          <p:cNvSpPr txBox="1"/>
+          <p:nvPr/>
+        </p:nvSpPr>
+        <p:spPr>
+          <a:xfrm>
+            <a:off x="4047946" y="3613705"/>
+            <a:ext cx="377406" cy="369332"/>
+          </a:xfrm>
+          <a:prstGeom prst="rect">
+            <a:avLst/>
+          </a:prstGeom>
+          <a:noFill/>
+        </p:spPr>
+        <p:txBody>
+          <a:bodyPr wrap="square">
+            <a:spAutoFit/>
+          </a:bodyPr>
+          <a:lstStyle/>
+          <a:p>
+            <a:r>
+              <a:rPr lang="en" altLang="ko-Kore-KR" dirty="0">
+                <a:latin typeface="DM Mono" panose="020B0509040201040103" pitchFamily="49" charset="0"/>
+              </a:rPr>
+              <a:t>x</a:t>
+            </a:r>
+            <a:endParaRPr lang="ko-Kore-KR" altLang="en-US" dirty="0"/>
+          </a:p>
+        </p:txBody>
+      </p:sp>
+      <p:sp>
+        <p:nvSpPr>
+          <p:cNvPr id="9" name="TextBox 8">
+            <a:extLst>
+              <a:ext uri="{FF2B5EF4-FFF2-40B4-BE49-F238E27FC236}">
+                <a16:creationId xmlns:a16="http://schemas.microsoft.com/office/drawing/2014/main" id="{907C03E2-4811-701B-1D8C-06A1DD44232B}"/>
+              </a:ext>
+            </a:extLst>
+          </p:cNvPr>
+          <p:cNvSpPr txBox="1"/>
+          <p:nvPr/>
+        </p:nvSpPr>
+        <p:spPr>
+          <a:xfrm>
+            <a:off x="4695282" y="2722392"/>
+            <a:ext cx="808727" cy="369332"/>
+          </a:xfrm>
+          <a:prstGeom prst="rect">
+            <a:avLst/>
+          </a:prstGeom>
+          <a:noFill/>
+        </p:spPr>
+        <p:txBody>
+          <a:bodyPr wrap="square">
+            <a:spAutoFit/>
+          </a:bodyPr>
+          <a:lstStyle/>
+          <a:p>
+            <a:r>
+              <a:rPr lang="en" altLang="ko-Kore-KR" dirty="0">
+                <a:latin typeface="DM Mono" panose="020B0509040201040103" pitchFamily="49" charset="0"/>
+              </a:rPr>
+              <a:t>main</a:t>
+            </a:r>
+            <a:endParaRPr lang="ko-Kore-KR" altLang="en-US" dirty="0"/>
+          </a:p>
+        </p:txBody>
+      </p:sp>
+      <p:sp>
+        <p:nvSpPr>
+          <p:cNvPr id="10" name="TextBox 9">
+            <a:extLst>
+              <a:ext uri="{FF2B5EF4-FFF2-40B4-BE49-F238E27FC236}">
+                <a16:creationId xmlns:a16="http://schemas.microsoft.com/office/drawing/2014/main" id="{AA8C7794-73BE-FD16-9923-3E5CAE68D6B3}"/>
+              </a:ext>
+            </a:extLst>
+          </p:cNvPr>
+          <p:cNvSpPr txBox="1"/>
+          <p:nvPr/>
+        </p:nvSpPr>
+        <p:spPr>
+          <a:xfrm>
+            <a:off x="4112290" y="3290508"/>
+            <a:ext cx="981255" cy="261610"/>
+          </a:xfrm>
+          <a:prstGeom prst="rect">
+            <a:avLst/>
+          </a:prstGeom>
+          <a:noFill/>
+        </p:spPr>
+        <p:txBody>
+          <a:bodyPr wrap="square">
+            <a:spAutoFit/>
+          </a:bodyPr>
+          <a:lstStyle/>
+          <a:p>
+            <a:r>
+              <a:rPr kumimoji="1" lang="en-US" altLang="ko-Kore-KR" sz="1100" dirty="0"/>
+              <a:t>0x1000</a:t>
+            </a:r>
+            <a:endParaRPr lang="ko-Kore-KR" altLang="en-US" sz="1100" dirty="0"/>
+          </a:p>
+        </p:txBody>
+      </p:sp>
+      <p:sp>
+        <p:nvSpPr>
+          <p:cNvPr id="11" name="직사각형 10">
+            <a:extLst>
+              <a:ext uri="{FF2B5EF4-FFF2-40B4-BE49-F238E27FC236}">
+                <a16:creationId xmlns:a16="http://schemas.microsoft.com/office/drawing/2014/main" id="{89550F50-EA8D-644B-2BAF-78A19CD84C1A}"/>
+              </a:ext>
+            </a:extLst>
+          </p:cNvPr>
+          <p:cNvSpPr/>
+          <p:nvPr/>
+        </p:nvSpPr>
+        <p:spPr>
+          <a:xfrm>
+            <a:off x="4813897" y="3535247"/>
+            <a:ext cx="377406" cy="447790"/>
+          </a:xfrm>
+          <a:prstGeom prst="rect">
+            <a:avLst/>
+          </a:prstGeom>
+          <a:solidFill>
+            <a:srgbClr val="FFFF00"/>
+          </a:solidFill>
+        </p:spPr>
+        <p:style>
+          <a:lnRef idx="2">
+            <a:schemeClr val="accent1">
+              <a:shade val="50000"/>
+            </a:schemeClr>
+          </a:lnRef>
+          <a:fillRef idx="1">
+            <a:schemeClr val="accent1"/>
+          </a:fillRef>
+          <a:effectRef idx="0">
+            <a:schemeClr val="accent1"/>
+          </a:effectRef>
+          <a:fontRef idx="minor">
+            <a:schemeClr val="lt1"/>
+          </a:fontRef>
+        </p:style>
+        <p:txBody>
+          <a:bodyPr rtlCol="0" anchor="ctr"/>
+          <a:lstStyle/>
+          <a:p>
+            <a:pPr algn="ctr"/>
+            <a:r>
+              <a:rPr kumimoji="1" lang="en-US" altLang="ko-Kore-KR" sz="1400" dirty="0">
+                <a:solidFill>
+                  <a:schemeClr val="tx1"/>
+                </a:solidFill>
+              </a:rPr>
+              <a:t>2</a:t>
+            </a:r>
+            <a:endParaRPr kumimoji="1" lang="ko-Kore-KR" altLang="en-US" sz="1400" dirty="0">
+              <a:solidFill>
+                <a:schemeClr val="tx1"/>
+              </a:solidFill>
+            </a:endParaRPr>
+          </a:p>
+        </p:txBody>
+      </p:sp>
+      <p:sp>
+        <p:nvSpPr>
+          <p:cNvPr id="12" name="직사각형 11">
+            <a:extLst>
+              <a:ext uri="{FF2B5EF4-FFF2-40B4-BE49-F238E27FC236}">
+                <a16:creationId xmlns:a16="http://schemas.microsoft.com/office/drawing/2014/main" id="{0D2342D1-3BFB-99A5-B1A9-7AC8D7CCA2FF}"/>
+              </a:ext>
+            </a:extLst>
+          </p:cNvPr>
+          <p:cNvSpPr/>
+          <p:nvPr/>
+        </p:nvSpPr>
+        <p:spPr>
+          <a:xfrm>
+            <a:off x="5202442" y="3535247"/>
+            <a:ext cx="377406" cy="447790"/>
+          </a:xfrm>
+          <a:prstGeom prst="rect">
+            <a:avLst/>
+          </a:prstGeom>
+          <a:solidFill>
+            <a:srgbClr val="FFFF00"/>
+          </a:solidFill>
+        </p:spPr>
+        <p:style>
+          <a:lnRef idx="2">
+            <a:schemeClr val="accent1">
+              <a:shade val="50000"/>
+            </a:schemeClr>
+          </a:lnRef>
+          <a:fillRef idx="1">
+            <a:schemeClr val="accent1"/>
+          </a:fillRef>
+          <a:effectRef idx="0">
+            <a:schemeClr val="accent1"/>
+          </a:effectRef>
+          <a:fontRef idx="minor">
+            <a:schemeClr val="lt1"/>
+          </a:fontRef>
+        </p:style>
+        <p:txBody>
+          <a:bodyPr rtlCol="0" anchor="ctr"/>
+          <a:lstStyle/>
+          <a:p>
+            <a:pPr algn="ctr"/>
+            <a:r>
+              <a:rPr kumimoji="1" lang="en-US" altLang="ko-Kore-KR" sz="1400" dirty="0">
+                <a:solidFill>
+                  <a:schemeClr val="tx1"/>
+                </a:solidFill>
+              </a:rPr>
+              <a:t>3</a:t>
+            </a:r>
+            <a:endParaRPr kumimoji="1" lang="ko-Kore-KR" altLang="en-US" sz="1400" dirty="0">
+              <a:solidFill>
+                <a:schemeClr val="tx1"/>
+              </a:solidFill>
+            </a:endParaRPr>
+          </a:p>
+        </p:txBody>
+      </p:sp>
+      <p:sp>
+        <p:nvSpPr>
+          <p:cNvPr id="13" name="직사각형 12">
+            <a:extLst>
+              <a:ext uri="{FF2B5EF4-FFF2-40B4-BE49-F238E27FC236}">
+                <a16:creationId xmlns:a16="http://schemas.microsoft.com/office/drawing/2014/main" id="{511201E1-872A-D316-4CFA-832662C5FA1D}"/>
+              </a:ext>
+            </a:extLst>
+          </p:cNvPr>
+          <p:cNvSpPr/>
+          <p:nvPr/>
+        </p:nvSpPr>
+        <p:spPr>
+          <a:xfrm>
+            <a:off x="5590987" y="3535247"/>
+            <a:ext cx="377406" cy="447790"/>
+          </a:xfrm>
+          <a:prstGeom prst="rect">
+            <a:avLst/>
+          </a:prstGeom>
+          <a:solidFill>
+            <a:srgbClr val="FFFF00"/>
+          </a:solidFill>
+        </p:spPr>
+        <p:style>
+          <a:lnRef idx="2">
+            <a:schemeClr val="accent1">
+              <a:shade val="50000"/>
+            </a:schemeClr>
+          </a:lnRef>
+          <a:fillRef idx="1">
+            <a:schemeClr val="accent1"/>
+          </a:fillRef>
+          <a:effectRef idx="0">
+            <a:schemeClr val="accent1"/>
+          </a:effectRef>
+          <a:fontRef idx="minor">
+            <a:schemeClr val="lt1"/>
+          </a:fontRef>
+        </p:style>
+        <p:txBody>
+          <a:bodyPr rtlCol="0" anchor="ctr"/>
+          <a:lstStyle/>
+          <a:p>
+            <a:pPr algn="ctr"/>
+            <a:r>
+              <a:rPr kumimoji="1" lang="en-US" altLang="ko-Kore-KR" sz="1400" dirty="0">
+                <a:solidFill>
+                  <a:schemeClr val="tx1"/>
+                </a:solidFill>
+              </a:rPr>
+              <a:t>4</a:t>
+            </a:r>
+            <a:endParaRPr kumimoji="1" lang="ko-Kore-KR" altLang="en-US" sz="1400" dirty="0">
+              <a:solidFill>
+                <a:schemeClr val="tx1"/>
+              </a:solidFill>
+            </a:endParaRPr>
+          </a:p>
+        </p:txBody>
+      </p:sp>
+      <p:sp>
+        <p:nvSpPr>
+          <p:cNvPr id="14" name="직사각형 13">
+            <a:extLst>
+              <a:ext uri="{FF2B5EF4-FFF2-40B4-BE49-F238E27FC236}">
+                <a16:creationId xmlns:a16="http://schemas.microsoft.com/office/drawing/2014/main" id="{6886E773-2738-22B6-62E5-64B17D0E0327}"/>
+              </a:ext>
+            </a:extLst>
+          </p:cNvPr>
+          <p:cNvSpPr/>
+          <p:nvPr/>
+        </p:nvSpPr>
+        <p:spPr>
+          <a:xfrm>
+            <a:off x="5979532" y="3535247"/>
+            <a:ext cx="377406" cy="447790"/>
+          </a:xfrm>
+          <a:prstGeom prst="rect">
+            <a:avLst/>
+          </a:prstGeom>
+          <a:solidFill>
+            <a:srgbClr val="FFFF00"/>
+          </a:solidFill>
+        </p:spPr>
+        <p:style>
+          <a:lnRef idx="2">
+            <a:schemeClr val="accent1">
+              <a:shade val="50000"/>
+            </a:schemeClr>
+          </a:lnRef>
+          <a:fillRef idx="1">
+            <a:schemeClr val="accent1"/>
+          </a:fillRef>
+          <a:effectRef idx="0">
+            <a:schemeClr val="accent1"/>
+          </a:effectRef>
+          <a:fontRef idx="minor">
+            <a:schemeClr val="lt1"/>
+          </a:fontRef>
+        </p:style>
+        <p:txBody>
+          <a:bodyPr rtlCol="0" anchor="ctr"/>
+          <a:lstStyle/>
+          <a:p>
+            <a:pPr algn="ctr"/>
+            <a:r>
+              <a:rPr kumimoji="1" lang="en-US" altLang="ko-Kore-KR" sz="1400" dirty="0">
+                <a:solidFill>
+                  <a:schemeClr val="tx1"/>
+                </a:solidFill>
+              </a:rPr>
+              <a:t>5</a:t>
+            </a:r>
+            <a:endParaRPr kumimoji="1" lang="ko-Kore-KR" altLang="en-US" sz="1400" dirty="0">
+              <a:solidFill>
+                <a:schemeClr val="tx1"/>
+              </a:solidFill>
+            </a:endParaRPr>
+          </a:p>
+        </p:txBody>
+      </p:sp>
+      <p:sp>
+        <p:nvSpPr>
+          <p:cNvPr id="15" name="직사각형 14">
+            <a:extLst>
+              <a:ext uri="{FF2B5EF4-FFF2-40B4-BE49-F238E27FC236}">
+                <a16:creationId xmlns:a16="http://schemas.microsoft.com/office/drawing/2014/main" id="{869F4A01-6AF7-7C08-18FE-F287E7375EE7}"/>
+              </a:ext>
+            </a:extLst>
+          </p:cNvPr>
+          <p:cNvSpPr/>
+          <p:nvPr/>
+        </p:nvSpPr>
+        <p:spPr>
+          <a:xfrm>
+            <a:off x="6368077" y="3535247"/>
+            <a:ext cx="377406" cy="447790"/>
+          </a:xfrm>
+          <a:prstGeom prst="rect">
+            <a:avLst/>
+          </a:prstGeom>
+          <a:solidFill>
+            <a:srgbClr val="FFFF00"/>
+          </a:solidFill>
+        </p:spPr>
+        <p:style>
+          <a:lnRef idx="2">
+            <a:schemeClr val="accent1">
+              <a:shade val="50000"/>
+            </a:schemeClr>
+          </a:lnRef>
+          <a:fillRef idx="1">
+            <a:schemeClr val="accent1"/>
+          </a:fillRef>
+          <a:effectRef idx="0">
+            <a:schemeClr val="accent1"/>
+          </a:effectRef>
+          <a:fontRef idx="minor">
+            <a:schemeClr val="lt1"/>
+          </a:fontRef>
+        </p:style>
+        <p:txBody>
+          <a:bodyPr rtlCol="0" anchor="ctr"/>
+          <a:lstStyle/>
+          <a:p>
+            <a:pPr algn="ctr"/>
+            <a:r>
+              <a:rPr kumimoji="1" lang="en-US" altLang="ko-Kore-KR" sz="1400" dirty="0">
+                <a:solidFill>
+                  <a:schemeClr val="tx1"/>
+                </a:solidFill>
+              </a:rPr>
+              <a:t>6</a:t>
+            </a:r>
+            <a:endParaRPr kumimoji="1" lang="ko-Kore-KR" altLang="en-US" sz="1400" dirty="0">
+              <a:solidFill>
+                <a:schemeClr val="tx1"/>
+              </a:solidFill>
+            </a:endParaRPr>
+          </a:p>
+        </p:txBody>
+      </p:sp>
+      <p:sp>
+        <p:nvSpPr>
+          <p:cNvPr id="16" name="직사각형 15">
+            <a:extLst>
+              <a:ext uri="{FF2B5EF4-FFF2-40B4-BE49-F238E27FC236}">
+                <a16:creationId xmlns:a16="http://schemas.microsoft.com/office/drawing/2014/main" id="{4EFB40DD-D155-5E97-15F3-61471FAD6493}"/>
+              </a:ext>
+            </a:extLst>
+          </p:cNvPr>
+          <p:cNvSpPr/>
+          <p:nvPr/>
+        </p:nvSpPr>
+        <p:spPr>
+          <a:xfrm>
+            <a:off x="6756622" y="3535247"/>
+            <a:ext cx="377406" cy="447790"/>
+          </a:xfrm>
+          <a:prstGeom prst="rect">
+            <a:avLst/>
+          </a:prstGeom>
+          <a:solidFill>
+            <a:srgbClr val="FFFF00"/>
+          </a:solidFill>
+        </p:spPr>
+        <p:style>
+          <a:lnRef idx="2">
+            <a:schemeClr val="accent1">
+              <a:shade val="50000"/>
+            </a:schemeClr>
+          </a:lnRef>
+          <a:fillRef idx="1">
+            <a:schemeClr val="accent1"/>
+          </a:fillRef>
+          <a:effectRef idx="0">
+            <a:schemeClr val="accent1"/>
+          </a:effectRef>
+          <a:fontRef idx="minor">
+            <a:schemeClr val="lt1"/>
+          </a:fontRef>
+        </p:style>
+        <p:txBody>
+          <a:bodyPr rtlCol="0" anchor="ctr"/>
+          <a:lstStyle/>
+          <a:p>
+            <a:pPr algn="ctr"/>
+            <a:r>
+              <a:rPr kumimoji="1" lang="en-US" altLang="ko-Kore-KR" sz="1400" dirty="0">
+                <a:solidFill>
+                  <a:schemeClr val="tx1"/>
+                </a:solidFill>
+              </a:rPr>
+              <a:t>7</a:t>
+            </a:r>
+            <a:endParaRPr kumimoji="1" lang="ko-Kore-KR" altLang="en-US" sz="1400" dirty="0">
+              <a:solidFill>
+                <a:schemeClr val="tx1"/>
+              </a:solidFill>
+            </a:endParaRPr>
+          </a:p>
+        </p:txBody>
+      </p:sp>
+      <p:sp>
+        <p:nvSpPr>
+          <p:cNvPr id="17" name="직사각형 16">
+            <a:extLst>
+              <a:ext uri="{FF2B5EF4-FFF2-40B4-BE49-F238E27FC236}">
+                <a16:creationId xmlns:a16="http://schemas.microsoft.com/office/drawing/2014/main" id="{22099B3B-DC54-4AE9-EE08-604FF89541E5}"/>
+              </a:ext>
+            </a:extLst>
+          </p:cNvPr>
+          <p:cNvSpPr/>
+          <p:nvPr/>
+        </p:nvSpPr>
+        <p:spPr>
+          <a:xfrm>
+            <a:off x="7145167" y="3535247"/>
+            <a:ext cx="377406" cy="447790"/>
+          </a:xfrm>
+          <a:prstGeom prst="rect">
+            <a:avLst/>
+          </a:prstGeom>
+          <a:solidFill>
+            <a:srgbClr val="FFFF00"/>
+          </a:solidFill>
+        </p:spPr>
+        <p:style>
+          <a:lnRef idx="2">
+            <a:schemeClr val="accent1">
+              <a:shade val="50000"/>
+            </a:schemeClr>
+          </a:lnRef>
+          <a:fillRef idx="1">
+            <a:schemeClr val="accent1"/>
+          </a:fillRef>
+          <a:effectRef idx="0">
+            <a:schemeClr val="accent1"/>
+          </a:effectRef>
+          <a:fontRef idx="minor">
+            <a:schemeClr val="lt1"/>
+          </a:fontRef>
+        </p:style>
+        <p:txBody>
+          <a:bodyPr rtlCol="0" anchor="ctr"/>
+          <a:lstStyle/>
+          <a:p>
+            <a:pPr algn="ctr"/>
+            <a:r>
+              <a:rPr kumimoji="1" lang="en-US" altLang="ko-Kore-KR" sz="1400" dirty="0">
+                <a:solidFill>
+                  <a:schemeClr val="tx1"/>
+                </a:solidFill>
+              </a:rPr>
+              <a:t>8</a:t>
+            </a:r>
+            <a:endParaRPr kumimoji="1" lang="ko-Kore-KR" altLang="en-US" sz="1400" dirty="0">
+              <a:solidFill>
+                <a:schemeClr val="tx1"/>
+              </a:solidFill>
+            </a:endParaRPr>
+          </a:p>
+        </p:txBody>
+      </p:sp>
+      <p:sp>
+        <p:nvSpPr>
+          <p:cNvPr id="18" name="직사각형 17">
+            <a:extLst>
+              <a:ext uri="{FF2B5EF4-FFF2-40B4-BE49-F238E27FC236}">
+                <a16:creationId xmlns:a16="http://schemas.microsoft.com/office/drawing/2014/main" id="{7BE3E3C8-6371-9A9B-E651-4C34DB1D74D8}"/>
+              </a:ext>
+            </a:extLst>
+          </p:cNvPr>
+          <p:cNvSpPr/>
+          <p:nvPr/>
+        </p:nvSpPr>
+        <p:spPr>
+          <a:xfrm>
+            <a:off x="7533712" y="3535247"/>
+            <a:ext cx="377406" cy="447790"/>
+          </a:xfrm>
+          <a:prstGeom prst="rect">
+            <a:avLst/>
+          </a:prstGeom>
+          <a:solidFill>
+            <a:srgbClr val="FFFF00"/>
+          </a:solidFill>
+        </p:spPr>
+        <p:style>
+          <a:lnRef idx="2">
+            <a:schemeClr val="accent1">
+              <a:shade val="50000"/>
+            </a:schemeClr>
+          </a:lnRef>
+          <a:fillRef idx="1">
+            <a:schemeClr val="accent1"/>
+          </a:fillRef>
+          <a:effectRef idx="0">
+            <a:schemeClr val="accent1"/>
+          </a:effectRef>
+          <a:fontRef idx="minor">
+            <a:schemeClr val="lt1"/>
+          </a:fontRef>
+        </p:style>
+        <p:txBody>
+          <a:bodyPr rtlCol="0" anchor="ctr"/>
+          <a:lstStyle/>
+          <a:p>
+            <a:pPr algn="ctr"/>
+            <a:r>
+              <a:rPr kumimoji="1" lang="en-US" altLang="ko-Kore-KR" sz="1400" dirty="0">
+                <a:solidFill>
+                  <a:schemeClr val="tx1"/>
+                </a:solidFill>
+              </a:rPr>
+              <a:t>9</a:t>
+            </a:r>
+            <a:endParaRPr kumimoji="1" lang="ko-Kore-KR" altLang="en-US" sz="1400" dirty="0">
+              <a:solidFill>
+                <a:schemeClr val="tx1"/>
+              </a:solidFill>
+            </a:endParaRPr>
+          </a:p>
+        </p:txBody>
+      </p:sp>
+      <p:sp>
+        <p:nvSpPr>
+          <p:cNvPr id="19" name="직사각형 18">
+            <a:extLst>
+              <a:ext uri="{FF2B5EF4-FFF2-40B4-BE49-F238E27FC236}">
+                <a16:creationId xmlns:a16="http://schemas.microsoft.com/office/drawing/2014/main" id="{882A0309-D3B2-919A-9280-06A2C63F4120}"/>
+              </a:ext>
+            </a:extLst>
+          </p:cNvPr>
+          <p:cNvSpPr/>
+          <p:nvPr/>
+        </p:nvSpPr>
+        <p:spPr>
+          <a:xfrm>
+            <a:off x="7922257" y="3535247"/>
+            <a:ext cx="377406" cy="447790"/>
+          </a:xfrm>
+          <a:prstGeom prst="rect">
+            <a:avLst/>
+          </a:prstGeom>
+          <a:solidFill>
+            <a:srgbClr val="FFFF00"/>
+          </a:solidFill>
+        </p:spPr>
+        <p:style>
+          <a:lnRef idx="2">
+            <a:schemeClr val="accent1">
+              <a:shade val="50000"/>
+            </a:schemeClr>
+          </a:lnRef>
+          <a:fillRef idx="1">
+            <a:schemeClr val="accent1"/>
+          </a:fillRef>
+          <a:effectRef idx="0">
+            <a:schemeClr val="accent1"/>
+          </a:effectRef>
+          <a:fontRef idx="minor">
+            <a:schemeClr val="lt1"/>
+          </a:fontRef>
+        </p:style>
+        <p:txBody>
+          <a:bodyPr rtlCol="0" anchor="ctr"/>
+          <a:lstStyle/>
+          <a:p>
+            <a:pPr algn="ctr"/>
+            <a:r>
+              <a:rPr kumimoji="1" lang="en-US" altLang="ko-Kore-KR" sz="1400" dirty="0">
+                <a:solidFill>
+                  <a:schemeClr val="tx1"/>
+                </a:solidFill>
+              </a:rPr>
+              <a:t>10</a:t>
+            </a:r>
+            <a:endParaRPr kumimoji="1" lang="ko-Kore-KR" altLang="en-US" sz="1400" dirty="0">
+              <a:solidFill>
+                <a:schemeClr val="tx1"/>
+              </a:solidFill>
+            </a:endParaRPr>
+          </a:p>
+        </p:txBody>
+      </p:sp>
+      <p:sp>
+        <p:nvSpPr>
+          <p:cNvPr id="2" name="직사각형 1">
+            <a:extLst>
+              <a:ext uri="{FF2B5EF4-FFF2-40B4-BE49-F238E27FC236}">
+                <a16:creationId xmlns:a16="http://schemas.microsoft.com/office/drawing/2014/main" id="{AC6811B4-9E55-E317-FA13-FF6789F45189}"/>
+              </a:ext>
+            </a:extLst>
+          </p:cNvPr>
+          <p:cNvSpPr/>
+          <p:nvPr/>
+        </p:nvSpPr>
+        <p:spPr>
+          <a:xfrm>
+            <a:off x="6049993" y="365019"/>
+            <a:ext cx="5380008" cy="2527561"/>
+          </a:xfrm>
+          <a:prstGeom prst="rect">
+            <a:avLst/>
+          </a:prstGeom>
+        </p:spPr>
+        <p:style>
+          <a:lnRef idx="2">
+            <a:schemeClr val="dk1"/>
+          </a:lnRef>
+          <a:fillRef idx="1">
+            <a:schemeClr val="lt1"/>
+          </a:fillRef>
+          <a:effectRef idx="0">
+            <a:schemeClr val="dk1"/>
+          </a:effectRef>
+          <a:fontRef idx="minor">
+            <a:schemeClr val="dk1"/>
+          </a:fontRef>
+        </p:style>
+        <p:txBody>
+          <a:bodyPr rtlCol="0" anchor="ctr"/>
+          <a:lstStyle/>
+          <a:p>
+            <a:pPr algn="ctr"/>
+            <a:endParaRPr kumimoji="1" lang="ko-Kore-KR" altLang="en-US" dirty="0">
+              <a:solidFill>
+                <a:schemeClr val="tx1"/>
+              </a:solidFill>
+            </a:endParaRPr>
+          </a:p>
+        </p:txBody>
+      </p:sp>
+      <p:sp>
+        <p:nvSpPr>
+          <p:cNvPr id="3" name="TextBox 2">
+            <a:extLst>
+              <a:ext uri="{FF2B5EF4-FFF2-40B4-BE49-F238E27FC236}">
+                <a16:creationId xmlns:a16="http://schemas.microsoft.com/office/drawing/2014/main" id="{E020E82C-BE8C-2B05-C14E-F20409177418}"/>
+              </a:ext>
+            </a:extLst>
+          </p:cNvPr>
+          <p:cNvSpPr txBox="1"/>
+          <p:nvPr/>
+        </p:nvSpPr>
+        <p:spPr>
+          <a:xfrm>
+            <a:off x="7323820" y="-4313"/>
+            <a:ext cx="808727" cy="369332"/>
+          </a:xfrm>
+          <a:prstGeom prst="rect">
+            <a:avLst/>
+          </a:prstGeom>
+          <a:noFill/>
+        </p:spPr>
+        <p:txBody>
+          <a:bodyPr wrap="square">
+            <a:spAutoFit/>
+          </a:bodyPr>
+          <a:lstStyle/>
+          <a:p>
+            <a:r>
+              <a:rPr lang="en" altLang="ko-Kore-KR" dirty="0">
+                <a:latin typeface="DM Mono" panose="020B0509040201040103" pitchFamily="49" charset="0"/>
+              </a:rPr>
+              <a:t>foo</a:t>
+            </a:r>
+            <a:endParaRPr lang="ko-Kore-KR" altLang="en-US" dirty="0"/>
+          </a:p>
+        </p:txBody>
+      </p:sp>
+      <p:sp>
+        <p:nvSpPr>
+          <p:cNvPr id="4" name="직사각형 3">
+            <a:extLst>
+              <a:ext uri="{FF2B5EF4-FFF2-40B4-BE49-F238E27FC236}">
+                <a16:creationId xmlns:a16="http://schemas.microsoft.com/office/drawing/2014/main" id="{9FFD6218-3FBD-ECDD-3F22-7CD93C007075}"/>
+              </a:ext>
+            </a:extLst>
+          </p:cNvPr>
+          <p:cNvSpPr/>
+          <p:nvPr/>
+        </p:nvSpPr>
+        <p:spPr>
+          <a:xfrm>
+            <a:off x="6892880" y="584647"/>
+            <a:ext cx="377406" cy="447790"/>
+          </a:xfrm>
+          <a:prstGeom prst="rect">
+            <a:avLst/>
+          </a:prstGeom>
+          <a:solidFill>
+            <a:srgbClr val="FFFF00"/>
+          </a:solidFill>
+        </p:spPr>
+        <p:style>
+          <a:lnRef idx="2">
+            <a:schemeClr val="accent1">
+              <a:shade val="50000"/>
+            </a:schemeClr>
+          </a:lnRef>
+          <a:fillRef idx="1">
+            <a:schemeClr val="accent1"/>
+          </a:fillRef>
+          <a:effectRef idx="0">
+            <a:schemeClr val="accent1"/>
+          </a:effectRef>
+          <a:fontRef idx="minor">
+            <a:schemeClr val="lt1"/>
+          </a:fontRef>
+        </p:style>
+        <p:txBody>
+          <a:bodyPr rtlCol="0" anchor="ctr"/>
+          <a:lstStyle/>
+          <a:p>
+            <a:pPr algn="ctr"/>
+            <a:r>
+              <a:rPr kumimoji="1" lang="en-US" altLang="ko-Kore-KR" sz="1400" dirty="0">
+                <a:solidFill>
+                  <a:schemeClr val="tx1"/>
+                </a:solidFill>
+              </a:rPr>
+              <a:t>1</a:t>
+            </a:r>
+            <a:endParaRPr kumimoji="1" lang="ko-Kore-KR" altLang="en-US" sz="1400" dirty="0">
+              <a:solidFill>
+                <a:schemeClr val="tx1"/>
+              </a:solidFill>
+            </a:endParaRPr>
+          </a:p>
+        </p:txBody>
+      </p:sp>
+      <p:sp>
+        <p:nvSpPr>
+          <p:cNvPr id="20" name="TextBox 19">
+            <a:extLst>
+              <a:ext uri="{FF2B5EF4-FFF2-40B4-BE49-F238E27FC236}">
+                <a16:creationId xmlns:a16="http://schemas.microsoft.com/office/drawing/2014/main" id="{63D64AD6-B8BC-2B15-4117-AAC49EA41B57}"/>
+              </a:ext>
+            </a:extLst>
+          </p:cNvPr>
+          <p:cNvSpPr txBox="1"/>
+          <p:nvPr/>
+        </p:nvSpPr>
+        <p:spPr>
+          <a:xfrm>
+            <a:off x="6515474" y="663105"/>
+            <a:ext cx="377406" cy="369332"/>
+          </a:xfrm>
+          <a:prstGeom prst="rect">
+            <a:avLst/>
+          </a:prstGeom>
+          <a:noFill/>
+        </p:spPr>
+        <p:txBody>
+          <a:bodyPr wrap="square">
+            <a:spAutoFit/>
+          </a:bodyPr>
+          <a:lstStyle/>
+          <a:p>
+            <a:r>
+              <a:rPr lang="en" altLang="ko-Kore-KR" dirty="0">
+                <a:latin typeface="DM Mono" panose="020B0509040201040103" pitchFamily="49" charset="0"/>
+              </a:rPr>
+              <a:t>x</a:t>
+            </a:r>
+            <a:endParaRPr lang="ko-Kore-KR" altLang="en-US" dirty="0"/>
+          </a:p>
+        </p:txBody>
+      </p:sp>
+      <p:sp>
+        <p:nvSpPr>
+          <p:cNvPr id="21" name="직사각형 20">
+            <a:extLst>
+              <a:ext uri="{FF2B5EF4-FFF2-40B4-BE49-F238E27FC236}">
+                <a16:creationId xmlns:a16="http://schemas.microsoft.com/office/drawing/2014/main" id="{663D1B44-6950-64A0-D06E-8F3D63A0297E}"/>
+              </a:ext>
+            </a:extLst>
+          </p:cNvPr>
+          <p:cNvSpPr/>
+          <p:nvPr/>
+        </p:nvSpPr>
+        <p:spPr>
+          <a:xfrm>
+            <a:off x="7281425" y="584647"/>
+            <a:ext cx="377406" cy="447790"/>
+          </a:xfrm>
+          <a:prstGeom prst="rect">
+            <a:avLst/>
+          </a:prstGeom>
+          <a:solidFill>
+            <a:srgbClr val="FFFF00"/>
+          </a:solidFill>
+        </p:spPr>
+        <p:style>
+          <a:lnRef idx="2">
+            <a:schemeClr val="accent1">
+              <a:shade val="50000"/>
+            </a:schemeClr>
+          </a:lnRef>
+          <a:fillRef idx="1">
+            <a:schemeClr val="accent1"/>
+          </a:fillRef>
+          <a:effectRef idx="0">
+            <a:schemeClr val="accent1"/>
+          </a:effectRef>
+          <a:fontRef idx="minor">
+            <a:schemeClr val="lt1"/>
+          </a:fontRef>
+        </p:style>
+        <p:txBody>
+          <a:bodyPr rtlCol="0" anchor="ctr"/>
+          <a:lstStyle/>
+          <a:p>
+            <a:pPr algn="ctr"/>
+            <a:r>
+              <a:rPr kumimoji="1" lang="en-US" altLang="ko-Kore-KR" sz="1400" dirty="0">
+                <a:solidFill>
+                  <a:schemeClr val="tx1"/>
+                </a:solidFill>
+              </a:rPr>
+              <a:t>2</a:t>
+            </a:r>
+            <a:endParaRPr kumimoji="1" lang="ko-Kore-KR" altLang="en-US" sz="1400" dirty="0">
+              <a:solidFill>
+                <a:schemeClr val="tx1"/>
+              </a:solidFill>
+            </a:endParaRPr>
+          </a:p>
+        </p:txBody>
+      </p:sp>
+      <p:sp>
+        <p:nvSpPr>
+          <p:cNvPr id="22" name="직사각형 21">
+            <a:extLst>
+              <a:ext uri="{FF2B5EF4-FFF2-40B4-BE49-F238E27FC236}">
+                <a16:creationId xmlns:a16="http://schemas.microsoft.com/office/drawing/2014/main" id="{C7DE8183-8754-787D-1540-CD0BC45E7791}"/>
+              </a:ext>
+            </a:extLst>
+          </p:cNvPr>
+          <p:cNvSpPr/>
+          <p:nvPr/>
+        </p:nvSpPr>
+        <p:spPr>
+          <a:xfrm>
+            <a:off x="7669970" y="584647"/>
+            <a:ext cx="377406" cy="447790"/>
+          </a:xfrm>
+          <a:prstGeom prst="rect">
+            <a:avLst/>
+          </a:prstGeom>
+          <a:solidFill>
+            <a:srgbClr val="FFFF00"/>
+          </a:solidFill>
+        </p:spPr>
+        <p:style>
+          <a:lnRef idx="2">
+            <a:schemeClr val="accent1">
+              <a:shade val="50000"/>
+            </a:schemeClr>
+          </a:lnRef>
+          <a:fillRef idx="1">
+            <a:schemeClr val="accent1"/>
+          </a:fillRef>
+          <a:effectRef idx="0">
+            <a:schemeClr val="accent1"/>
+          </a:effectRef>
+          <a:fontRef idx="minor">
+            <a:schemeClr val="lt1"/>
+          </a:fontRef>
+        </p:style>
+        <p:txBody>
+          <a:bodyPr rtlCol="0" anchor="ctr"/>
+          <a:lstStyle/>
+          <a:p>
+            <a:pPr algn="ctr"/>
+            <a:r>
+              <a:rPr kumimoji="1" lang="en-US" altLang="ko-Kore-KR" sz="1400" dirty="0">
+                <a:solidFill>
+                  <a:schemeClr val="tx1"/>
+                </a:solidFill>
+              </a:rPr>
+              <a:t>3</a:t>
+            </a:r>
+            <a:endParaRPr kumimoji="1" lang="ko-Kore-KR" altLang="en-US" sz="1400" dirty="0">
+              <a:solidFill>
+                <a:schemeClr val="tx1"/>
+              </a:solidFill>
+            </a:endParaRPr>
+          </a:p>
+        </p:txBody>
+      </p:sp>
+      <p:sp>
+        <p:nvSpPr>
+          <p:cNvPr id="23" name="직사각형 22">
+            <a:extLst>
+              <a:ext uri="{FF2B5EF4-FFF2-40B4-BE49-F238E27FC236}">
+                <a16:creationId xmlns:a16="http://schemas.microsoft.com/office/drawing/2014/main" id="{9D862AE7-70AC-2E10-C335-6E00AB576D16}"/>
+              </a:ext>
+            </a:extLst>
+          </p:cNvPr>
+          <p:cNvSpPr/>
+          <p:nvPr/>
+        </p:nvSpPr>
+        <p:spPr>
+          <a:xfrm>
+            <a:off x="8058515" y="584647"/>
+            <a:ext cx="377406" cy="447790"/>
+          </a:xfrm>
+          <a:prstGeom prst="rect">
+            <a:avLst/>
+          </a:prstGeom>
+          <a:solidFill>
+            <a:srgbClr val="FFFF00"/>
+          </a:solidFill>
+        </p:spPr>
+        <p:style>
+          <a:lnRef idx="2">
+            <a:schemeClr val="accent1">
+              <a:shade val="50000"/>
+            </a:schemeClr>
+          </a:lnRef>
+          <a:fillRef idx="1">
+            <a:schemeClr val="accent1"/>
+          </a:fillRef>
+          <a:effectRef idx="0">
+            <a:schemeClr val="accent1"/>
+          </a:effectRef>
+          <a:fontRef idx="minor">
+            <a:schemeClr val="lt1"/>
+          </a:fontRef>
+        </p:style>
+        <p:txBody>
+          <a:bodyPr rtlCol="0" anchor="ctr"/>
+          <a:lstStyle/>
+          <a:p>
+            <a:pPr algn="ctr"/>
+            <a:r>
+              <a:rPr kumimoji="1" lang="en-US" altLang="ko-Kore-KR" sz="1400" dirty="0">
+                <a:solidFill>
+                  <a:schemeClr val="tx1"/>
+                </a:solidFill>
+              </a:rPr>
+              <a:t>4</a:t>
+            </a:r>
+            <a:endParaRPr kumimoji="1" lang="ko-Kore-KR" altLang="en-US" sz="1400" dirty="0">
+              <a:solidFill>
+                <a:schemeClr val="tx1"/>
+              </a:solidFill>
+            </a:endParaRPr>
+          </a:p>
+        </p:txBody>
+      </p:sp>
+      <p:sp>
+        <p:nvSpPr>
+          <p:cNvPr id="24" name="직사각형 23">
+            <a:extLst>
+              <a:ext uri="{FF2B5EF4-FFF2-40B4-BE49-F238E27FC236}">
+                <a16:creationId xmlns:a16="http://schemas.microsoft.com/office/drawing/2014/main" id="{51BF7CC0-B5A7-C047-6A03-758B95B831E4}"/>
+              </a:ext>
+            </a:extLst>
+          </p:cNvPr>
+          <p:cNvSpPr/>
+          <p:nvPr/>
+        </p:nvSpPr>
+        <p:spPr>
+          <a:xfrm>
+            <a:off x="8447060" y="584647"/>
+            <a:ext cx="377406" cy="447790"/>
+          </a:xfrm>
+          <a:prstGeom prst="rect">
+            <a:avLst/>
+          </a:prstGeom>
+          <a:solidFill>
+            <a:srgbClr val="FFFF00"/>
+          </a:solidFill>
+        </p:spPr>
+        <p:style>
+          <a:lnRef idx="2">
+            <a:schemeClr val="accent1">
+              <a:shade val="50000"/>
+            </a:schemeClr>
+          </a:lnRef>
+          <a:fillRef idx="1">
+            <a:schemeClr val="accent1"/>
+          </a:fillRef>
+          <a:effectRef idx="0">
+            <a:schemeClr val="accent1"/>
+          </a:effectRef>
+          <a:fontRef idx="minor">
+            <a:schemeClr val="lt1"/>
+          </a:fontRef>
+        </p:style>
+        <p:txBody>
+          <a:bodyPr rtlCol="0" anchor="ctr"/>
+          <a:lstStyle/>
+          <a:p>
+            <a:pPr algn="ctr"/>
+            <a:r>
+              <a:rPr kumimoji="1" lang="en-US" altLang="ko-Kore-KR" sz="1400" dirty="0">
+                <a:solidFill>
+                  <a:schemeClr val="tx1"/>
+                </a:solidFill>
+              </a:rPr>
+              <a:t>5</a:t>
+            </a:r>
+            <a:endParaRPr kumimoji="1" lang="ko-Kore-KR" altLang="en-US" sz="1400" dirty="0">
+              <a:solidFill>
+                <a:schemeClr val="tx1"/>
+              </a:solidFill>
+            </a:endParaRPr>
+          </a:p>
+        </p:txBody>
+      </p:sp>
+      <p:sp>
+        <p:nvSpPr>
+          <p:cNvPr id="25" name="직사각형 24">
+            <a:extLst>
+              <a:ext uri="{FF2B5EF4-FFF2-40B4-BE49-F238E27FC236}">
+                <a16:creationId xmlns:a16="http://schemas.microsoft.com/office/drawing/2014/main" id="{06580FF2-1760-58EA-9BA7-56FEB3F3FB13}"/>
+              </a:ext>
+            </a:extLst>
+          </p:cNvPr>
+          <p:cNvSpPr/>
+          <p:nvPr/>
+        </p:nvSpPr>
+        <p:spPr>
+          <a:xfrm>
+            <a:off x="8835605" y="584647"/>
+            <a:ext cx="377406" cy="447790"/>
+          </a:xfrm>
+          <a:prstGeom prst="rect">
+            <a:avLst/>
+          </a:prstGeom>
+          <a:solidFill>
+            <a:srgbClr val="FFFF00"/>
+          </a:solidFill>
+        </p:spPr>
+        <p:style>
+          <a:lnRef idx="2">
+            <a:schemeClr val="accent1">
+              <a:shade val="50000"/>
+            </a:schemeClr>
+          </a:lnRef>
+          <a:fillRef idx="1">
+            <a:schemeClr val="accent1"/>
+          </a:fillRef>
+          <a:effectRef idx="0">
+            <a:schemeClr val="accent1"/>
+          </a:effectRef>
+          <a:fontRef idx="minor">
+            <a:schemeClr val="lt1"/>
+          </a:fontRef>
+        </p:style>
+        <p:txBody>
+          <a:bodyPr rtlCol="0" anchor="ctr"/>
+          <a:lstStyle/>
+          <a:p>
+            <a:pPr algn="ctr"/>
+            <a:r>
+              <a:rPr kumimoji="1" lang="en-US" altLang="ko-Kore-KR" sz="1400" dirty="0">
+                <a:solidFill>
+                  <a:schemeClr val="tx1"/>
+                </a:solidFill>
+              </a:rPr>
+              <a:t>6</a:t>
+            </a:r>
+            <a:endParaRPr kumimoji="1" lang="ko-Kore-KR" altLang="en-US" sz="1400" dirty="0">
+              <a:solidFill>
+                <a:schemeClr val="tx1"/>
+              </a:solidFill>
+            </a:endParaRPr>
+          </a:p>
+        </p:txBody>
+      </p:sp>
+      <p:sp>
+        <p:nvSpPr>
+          <p:cNvPr id="26" name="직사각형 25">
+            <a:extLst>
+              <a:ext uri="{FF2B5EF4-FFF2-40B4-BE49-F238E27FC236}">
+                <a16:creationId xmlns:a16="http://schemas.microsoft.com/office/drawing/2014/main" id="{9861477C-9DC9-9985-678A-52054038DFCF}"/>
+              </a:ext>
+            </a:extLst>
+          </p:cNvPr>
+          <p:cNvSpPr/>
+          <p:nvPr/>
+        </p:nvSpPr>
+        <p:spPr>
+          <a:xfrm>
+            <a:off x="9224150" y="584647"/>
+            <a:ext cx="377406" cy="447790"/>
+          </a:xfrm>
+          <a:prstGeom prst="rect">
+            <a:avLst/>
+          </a:prstGeom>
+          <a:solidFill>
+            <a:srgbClr val="FFFF00"/>
+          </a:solidFill>
+        </p:spPr>
+        <p:style>
+          <a:lnRef idx="2">
+            <a:schemeClr val="accent1">
+              <a:shade val="50000"/>
+            </a:schemeClr>
+          </a:lnRef>
+          <a:fillRef idx="1">
+            <a:schemeClr val="accent1"/>
+          </a:fillRef>
+          <a:effectRef idx="0">
+            <a:schemeClr val="accent1"/>
+          </a:effectRef>
+          <a:fontRef idx="minor">
+            <a:schemeClr val="lt1"/>
+          </a:fontRef>
+        </p:style>
+        <p:txBody>
+          <a:bodyPr rtlCol="0" anchor="ctr"/>
+          <a:lstStyle/>
+          <a:p>
+            <a:pPr algn="ctr"/>
+            <a:r>
+              <a:rPr kumimoji="1" lang="en-US" altLang="ko-Kore-KR" sz="1400" dirty="0">
+                <a:solidFill>
+                  <a:schemeClr val="tx1"/>
+                </a:solidFill>
+              </a:rPr>
+              <a:t>7</a:t>
+            </a:r>
+            <a:endParaRPr kumimoji="1" lang="ko-Kore-KR" altLang="en-US" sz="1400" dirty="0">
+              <a:solidFill>
+                <a:schemeClr val="tx1"/>
+              </a:solidFill>
+            </a:endParaRPr>
+          </a:p>
+        </p:txBody>
+      </p:sp>
+      <p:sp>
+        <p:nvSpPr>
+          <p:cNvPr id="27" name="직사각형 26">
+            <a:extLst>
+              <a:ext uri="{FF2B5EF4-FFF2-40B4-BE49-F238E27FC236}">
+                <a16:creationId xmlns:a16="http://schemas.microsoft.com/office/drawing/2014/main" id="{BDE334E1-FE4D-13E8-2C14-F95E1DBCAD98}"/>
+              </a:ext>
+            </a:extLst>
+          </p:cNvPr>
+          <p:cNvSpPr/>
+          <p:nvPr/>
+        </p:nvSpPr>
+        <p:spPr>
+          <a:xfrm>
+            <a:off x="9612695" y="584647"/>
+            <a:ext cx="377406" cy="447790"/>
+          </a:xfrm>
+          <a:prstGeom prst="rect">
+            <a:avLst/>
+          </a:prstGeom>
+          <a:solidFill>
+            <a:srgbClr val="FFFF00"/>
+          </a:solidFill>
+        </p:spPr>
+        <p:style>
+          <a:lnRef idx="2">
+            <a:schemeClr val="accent1">
+              <a:shade val="50000"/>
+            </a:schemeClr>
+          </a:lnRef>
+          <a:fillRef idx="1">
+            <a:schemeClr val="accent1"/>
+          </a:fillRef>
+          <a:effectRef idx="0">
+            <a:schemeClr val="accent1"/>
+          </a:effectRef>
+          <a:fontRef idx="minor">
+            <a:schemeClr val="lt1"/>
+          </a:fontRef>
+        </p:style>
+        <p:txBody>
+          <a:bodyPr rtlCol="0" anchor="ctr"/>
+          <a:lstStyle/>
+          <a:p>
+            <a:pPr algn="ctr"/>
+            <a:r>
+              <a:rPr kumimoji="1" lang="en-US" altLang="ko-Kore-KR" sz="1400" dirty="0">
+                <a:solidFill>
+                  <a:schemeClr val="tx1"/>
+                </a:solidFill>
+              </a:rPr>
+              <a:t>8</a:t>
+            </a:r>
+            <a:endParaRPr kumimoji="1" lang="ko-Kore-KR" altLang="en-US" sz="1400" dirty="0">
+              <a:solidFill>
+                <a:schemeClr val="tx1"/>
+              </a:solidFill>
+            </a:endParaRPr>
+          </a:p>
+        </p:txBody>
+      </p:sp>
+      <p:sp>
+        <p:nvSpPr>
+          <p:cNvPr id="28" name="직사각형 27">
+            <a:extLst>
+              <a:ext uri="{FF2B5EF4-FFF2-40B4-BE49-F238E27FC236}">
+                <a16:creationId xmlns:a16="http://schemas.microsoft.com/office/drawing/2014/main" id="{F7C200FD-5D3B-0E7E-2224-7B044A67E5D8}"/>
+              </a:ext>
+            </a:extLst>
+          </p:cNvPr>
+          <p:cNvSpPr/>
+          <p:nvPr/>
+        </p:nvSpPr>
+        <p:spPr>
+          <a:xfrm>
+            <a:off x="10001240" y="584647"/>
+            <a:ext cx="377406" cy="447790"/>
+          </a:xfrm>
+          <a:prstGeom prst="rect">
+            <a:avLst/>
+          </a:prstGeom>
+          <a:solidFill>
+            <a:srgbClr val="FFFF00"/>
+          </a:solidFill>
+        </p:spPr>
+        <p:style>
+          <a:lnRef idx="2">
+            <a:schemeClr val="accent1">
+              <a:shade val="50000"/>
+            </a:schemeClr>
+          </a:lnRef>
+          <a:fillRef idx="1">
+            <a:schemeClr val="accent1"/>
+          </a:fillRef>
+          <a:effectRef idx="0">
+            <a:schemeClr val="accent1"/>
+          </a:effectRef>
+          <a:fontRef idx="minor">
+            <a:schemeClr val="lt1"/>
+          </a:fontRef>
+        </p:style>
+        <p:txBody>
+          <a:bodyPr rtlCol="0" anchor="ctr"/>
+          <a:lstStyle/>
+          <a:p>
+            <a:pPr algn="ctr"/>
+            <a:r>
+              <a:rPr kumimoji="1" lang="en-US" altLang="ko-Kore-KR" sz="1400" dirty="0">
+                <a:solidFill>
+                  <a:schemeClr val="tx1"/>
+                </a:solidFill>
+              </a:rPr>
+              <a:t>9</a:t>
+            </a:r>
+            <a:endParaRPr kumimoji="1" lang="ko-Kore-KR" altLang="en-US" sz="1400" dirty="0">
+              <a:solidFill>
+                <a:schemeClr val="tx1"/>
+              </a:solidFill>
+            </a:endParaRPr>
+          </a:p>
+        </p:txBody>
+      </p:sp>
+      <p:sp>
+        <p:nvSpPr>
+          <p:cNvPr id="29" name="직사각형 28">
+            <a:extLst>
+              <a:ext uri="{FF2B5EF4-FFF2-40B4-BE49-F238E27FC236}">
+                <a16:creationId xmlns:a16="http://schemas.microsoft.com/office/drawing/2014/main" id="{81BE0652-1B7D-C6AC-EBE5-C2D39E118D80}"/>
+              </a:ext>
+            </a:extLst>
+          </p:cNvPr>
+          <p:cNvSpPr/>
+          <p:nvPr/>
+        </p:nvSpPr>
+        <p:spPr>
+          <a:xfrm>
+            <a:off x="10389785" y="584647"/>
+            <a:ext cx="377406" cy="447790"/>
+          </a:xfrm>
+          <a:prstGeom prst="rect">
+            <a:avLst/>
+          </a:prstGeom>
+          <a:solidFill>
+            <a:srgbClr val="FFFF00"/>
+          </a:solidFill>
+        </p:spPr>
+        <p:style>
+          <a:lnRef idx="2">
+            <a:schemeClr val="accent1">
+              <a:shade val="50000"/>
+            </a:schemeClr>
+          </a:lnRef>
+          <a:fillRef idx="1">
+            <a:schemeClr val="accent1"/>
+          </a:fillRef>
+          <a:effectRef idx="0">
+            <a:schemeClr val="accent1"/>
+          </a:effectRef>
+          <a:fontRef idx="minor">
+            <a:schemeClr val="lt1"/>
+          </a:fontRef>
+        </p:style>
+        <p:txBody>
+          <a:bodyPr rtlCol="0" anchor="ctr"/>
+          <a:lstStyle/>
+          <a:p>
+            <a:pPr algn="ctr"/>
+            <a:r>
+              <a:rPr kumimoji="1" lang="en-US" altLang="ko-Kore-KR" sz="1400" dirty="0">
+                <a:solidFill>
+                  <a:schemeClr val="tx1"/>
+                </a:solidFill>
+              </a:rPr>
+              <a:t>10</a:t>
+            </a:r>
+            <a:endParaRPr kumimoji="1" lang="ko-Kore-KR" altLang="en-US" sz="1400" dirty="0">
+              <a:solidFill>
+                <a:schemeClr val="tx1"/>
+              </a:solidFill>
+            </a:endParaRPr>
+          </a:p>
+        </p:txBody>
+      </p:sp>
+    </p:spTree>
+    <p:extLst>
+      <p:ext uri="{BB962C8B-B14F-4D97-AF65-F5344CB8AC3E}">
+        <p14:creationId xmlns:p14="http://schemas.microsoft.com/office/powerpoint/2010/main" val="2561282970"/>
       </p:ext>
     </p:extLst>
   </p:cSld>

--- a/230216.pptx
+++ b/230216.pptx
@@ -5,7 +5,7 @@
     <p:sldMasterId id="2147483648" r:id="rId1"/>
   </p:sldMasterIdLst>
   <p:notesMasterIdLst>
-    <p:notesMasterId r:id="rId36"/>
+    <p:notesMasterId r:id="rId41"/>
   </p:notesMasterIdLst>
   <p:sldIdLst>
     <p:sldId id="256" r:id="rId2"/>
@@ -42,6 +42,11 @@
     <p:sldId id="288" r:id="rId33"/>
     <p:sldId id="289" r:id="rId34"/>
     <p:sldId id="290" r:id="rId35"/>
+    <p:sldId id="291" r:id="rId36"/>
+    <p:sldId id="292" r:id="rId37"/>
+    <p:sldId id="293" r:id="rId38"/>
+    <p:sldId id="294" r:id="rId39"/>
+    <p:sldId id="295" r:id="rId40"/>
   </p:sldIdLst>
   <p:sldSz cx="12192000" cy="6858000"/>
   <p:notesSz cx="6858000" cy="9144000"/>
@@ -23759,6 +23764,6257 @@
     <p:extLst>
       <p:ext uri="{BB962C8B-B14F-4D97-AF65-F5344CB8AC3E}">
         <p14:creationId xmlns:p14="http://schemas.microsoft.com/office/powerpoint/2010/main" val="2561282970"/>
+      </p:ext>
+    </p:extLst>
+  </p:cSld>
+  <p:clrMapOvr>
+    <a:masterClrMapping/>
+  </p:clrMapOvr>
+</p:sld>
+</file>
+
+<file path=ppt/slides/slide35.xml><?xml version="1.0" encoding="utf-8"?>
+<p:sld xmlns:a="http://schemas.openxmlformats.org/drawingml/2006/main" xmlns:r="http://schemas.openxmlformats.org/officeDocument/2006/relationships" xmlns:p="http://schemas.openxmlformats.org/presentationml/2006/main">
+  <p:cSld>
+    <p:spTree>
+      <p:nvGrpSpPr>
+        <p:cNvPr id="1" name=""/>
+        <p:cNvGrpSpPr/>
+        <p:nvPr/>
+      </p:nvGrpSpPr>
+      <p:grpSpPr>
+        <a:xfrm>
+          <a:off x="0" y="0"/>
+          <a:ext cx="0" cy="0"/>
+          <a:chOff x="0" y="0"/>
+          <a:chExt cx="0" cy="0"/>
+        </a:xfrm>
+      </p:grpSpPr>
+      <p:sp>
+        <p:nvSpPr>
+          <p:cNvPr id="5" name="TextBox 4">
+            <a:extLst>
+              <a:ext uri="{FF2B5EF4-FFF2-40B4-BE49-F238E27FC236}">
+                <a16:creationId xmlns:a16="http://schemas.microsoft.com/office/drawing/2014/main" id="{B9CF6A20-411A-6FCD-672C-E45FFCF9EFAE}"/>
+              </a:ext>
+            </a:extLst>
+          </p:cNvPr>
+          <p:cNvSpPr txBox="1"/>
+          <p:nvPr/>
+        </p:nvSpPr>
+        <p:spPr>
+          <a:xfrm>
+            <a:off x="140179" y="158028"/>
+            <a:ext cx="6094562" cy="3323987"/>
+          </a:xfrm>
+          <a:prstGeom prst="rect">
+            <a:avLst/>
+          </a:prstGeom>
+          <a:noFill/>
+        </p:spPr>
+        <p:txBody>
+          <a:bodyPr wrap="square">
+            <a:spAutoFit/>
+          </a:bodyPr>
+          <a:lstStyle/>
+          <a:p>
+            <a:r>
+              <a:rPr lang="en" altLang="ko-Kore-KR" sz="1400" dirty="0">
+                <a:solidFill>
+                  <a:srgbClr val="FF0000"/>
+                </a:solidFill>
+                <a:latin typeface="DM Mono" panose="020B0509040201040103" pitchFamily="49" charset="0"/>
+              </a:rPr>
+              <a:t>void foo(int *x)</a:t>
+            </a:r>
+          </a:p>
+          <a:p>
+            <a:r>
+              <a:rPr lang="en" altLang="ko-Kore-KR" sz="1400" dirty="0">
+                <a:latin typeface="DM Mono" panose="020B0509040201040103" pitchFamily="49" charset="0"/>
+              </a:rPr>
+              <a:t>{</a:t>
+            </a:r>
+          </a:p>
+          <a:p>
+            <a:r>
+              <a:rPr lang="en" altLang="ko-Kore-KR" sz="1400" dirty="0">
+                <a:latin typeface="DM Mono" panose="020B0509040201040103" pitchFamily="49" charset="0"/>
+              </a:rPr>
+              <a:t>  for (int </a:t>
+            </a:r>
+            <a:r>
+              <a:rPr lang="en" altLang="ko-Kore-KR" sz="1400" dirty="0" err="1">
+                <a:latin typeface="DM Mono" panose="020B0509040201040103" pitchFamily="49" charset="0"/>
+              </a:rPr>
+              <a:t>i</a:t>
+            </a:r>
+            <a:r>
+              <a:rPr lang="en" altLang="ko-Kore-KR" sz="1400" dirty="0">
+                <a:latin typeface="DM Mono" panose="020B0509040201040103" pitchFamily="49" charset="0"/>
+              </a:rPr>
+              <a:t> = 0; </a:t>
+            </a:r>
+            <a:r>
+              <a:rPr lang="en" altLang="ko-Kore-KR" sz="1400" dirty="0" err="1">
+                <a:latin typeface="DM Mono" panose="020B0509040201040103" pitchFamily="49" charset="0"/>
+              </a:rPr>
+              <a:t>i</a:t>
+            </a:r>
+            <a:r>
+              <a:rPr lang="en" altLang="ko-Kore-KR" sz="1400" dirty="0">
+                <a:latin typeface="DM Mono" panose="020B0509040201040103" pitchFamily="49" charset="0"/>
+              </a:rPr>
+              <a:t> &lt; 10; ++</a:t>
+            </a:r>
+            <a:r>
+              <a:rPr lang="en" altLang="ko-Kore-KR" sz="1400" dirty="0" err="1">
+                <a:latin typeface="DM Mono" panose="020B0509040201040103" pitchFamily="49" charset="0"/>
+              </a:rPr>
+              <a:t>i</a:t>
+            </a:r>
+            <a:r>
+              <a:rPr lang="en" altLang="ko-Kore-KR" sz="1400" dirty="0">
+                <a:latin typeface="DM Mono" panose="020B0509040201040103" pitchFamily="49" charset="0"/>
+              </a:rPr>
+              <a:t>)</a:t>
+            </a:r>
+          </a:p>
+          <a:p>
+            <a:r>
+              <a:rPr lang="en" altLang="ko-Kore-KR" sz="1400" dirty="0">
+                <a:latin typeface="DM Mono" panose="020B0509040201040103" pitchFamily="49" charset="0"/>
+              </a:rPr>
+              <a:t>  {</a:t>
+            </a:r>
+          </a:p>
+          <a:p>
+            <a:r>
+              <a:rPr lang="en" altLang="ko-Kore-KR" sz="1400" dirty="0">
+                <a:latin typeface="DM Mono" panose="020B0509040201040103" pitchFamily="49" charset="0"/>
+              </a:rPr>
+              <a:t>    x[</a:t>
+            </a:r>
+            <a:r>
+              <a:rPr lang="en" altLang="ko-Kore-KR" sz="1400" dirty="0" err="1">
+                <a:latin typeface="DM Mono" panose="020B0509040201040103" pitchFamily="49" charset="0"/>
+              </a:rPr>
+              <a:t>i</a:t>
+            </a:r>
+            <a:r>
+              <a:rPr lang="en" altLang="ko-Kore-KR" sz="1400" dirty="0">
+                <a:latin typeface="DM Mono" panose="020B0509040201040103" pitchFamily="49" charset="0"/>
+              </a:rPr>
+              <a:t>] = 10 * </a:t>
+            </a:r>
+            <a:r>
+              <a:rPr lang="en" altLang="ko-Kore-KR" sz="1400" dirty="0" err="1">
+                <a:latin typeface="DM Mono" panose="020B0509040201040103" pitchFamily="49" charset="0"/>
+              </a:rPr>
+              <a:t>i</a:t>
+            </a:r>
+            <a:r>
+              <a:rPr lang="en" altLang="ko-Kore-KR" sz="1400" dirty="0">
+                <a:latin typeface="DM Mono" panose="020B0509040201040103" pitchFamily="49" charset="0"/>
+              </a:rPr>
+              <a:t>;</a:t>
+            </a:r>
+          </a:p>
+          <a:p>
+            <a:r>
+              <a:rPr lang="en" altLang="ko-Kore-KR" sz="1400" dirty="0">
+                <a:latin typeface="DM Mono" panose="020B0509040201040103" pitchFamily="49" charset="0"/>
+              </a:rPr>
+              <a:t>  }</a:t>
+            </a:r>
+          </a:p>
+          <a:p>
+            <a:r>
+              <a:rPr lang="en" altLang="ko-Kore-KR" sz="1400" dirty="0">
+                <a:latin typeface="DM Mono" panose="020B0509040201040103" pitchFamily="49" charset="0"/>
+              </a:rPr>
+              <a:t>}</a:t>
+            </a:r>
+          </a:p>
+          <a:p>
+            <a:endParaRPr lang="ko-Kore-KR" altLang="en-US" sz="1400" dirty="0">
+              <a:latin typeface="DM Mono" panose="020B0509040201040103" pitchFamily="49" charset="0"/>
+            </a:endParaRPr>
+          </a:p>
+          <a:p>
+            <a:r>
+              <a:rPr lang="ko-Kore-KR" altLang="en-US" sz="1400" dirty="0">
+                <a:latin typeface="DM Mono" panose="020B0509040201040103" pitchFamily="49" charset="0"/>
+              </a:rPr>
+              <a:t>int main(void)</a:t>
+            </a:r>
+          </a:p>
+          <a:p>
+            <a:r>
+              <a:rPr lang="ko-Kore-KR" altLang="en-US" sz="1400" dirty="0">
+                <a:latin typeface="DM Mono" panose="020B0509040201040103" pitchFamily="49" charset="0"/>
+              </a:rPr>
+              <a:t>{</a:t>
+            </a:r>
+          </a:p>
+          <a:p>
+            <a:r>
+              <a:rPr lang="ko-Kore-KR" altLang="en-US" sz="1400" dirty="0">
+                <a:latin typeface="DM Mono" panose="020B0509040201040103" pitchFamily="49" charset="0"/>
+              </a:rPr>
+              <a:t>  int x[10] = {1, 2, 3, 4, 5, 6, 7, 8, 9, 10};</a:t>
+            </a:r>
+          </a:p>
+          <a:p>
+            <a:r>
+              <a:rPr lang="en" altLang="ko-Kore-KR" sz="1400" dirty="0">
+                <a:solidFill>
+                  <a:srgbClr val="FF0000"/>
+                </a:solidFill>
+                <a:latin typeface="DM Mono" panose="020B0509040201040103" pitchFamily="49" charset="0"/>
+              </a:rPr>
+              <a:t>  foo(&amp;x[0]);</a:t>
+            </a:r>
+            <a:endParaRPr lang="ko-Kore-KR" altLang="en-US" sz="1400" dirty="0">
+              <a:solidFill>
+                <a:srgbClr val="FF0000"/>
+              </a:solidFill>
+              <a:latin typeface="DM Mono" panose="020B0509040201040103" pitchFamily="49" charset="0"/>
+            </a:endParaRPr>
+          </a:p>
+          <a:p>
+            <a:endParaRPr lang="en-US" altLang="ko-Kore-KR" sz="1400" dirty="0">
+              <a:latin typeface="DM Mono" panose="020B0509040201040103" pitchFamily="49" charset="0"/>
+            </a:endParaRPr>
+          </a:p>
+          <a:p>
+            <a:r>
+              <a:rPr lang="ko-Kore-KR" altLang="en-US" sz="1400" dirty="0">
+                <a:latin typeface="DM Mono" panose="020B0509040201040103" pitchFamily="49" charset="0"/>
+              </a:rPr>
+              <a:t>  return 0;</a:t>
+            </a:r>
+          </a:p>
+          <a:p>
+            <a:r>
+              <a:rPr lang="ko-Kore-KR" altLang="en-US" sz="1400" dirty="0">
+                <a:latin typeface="DM Mono" panose="020B0509040201040103" pitchFamily="49" charset="0"/>
+              </a:rPr>
+              <a:t>}</a:t>
+            </a:r>
+          </a:p>
+        </p:txBody>
+      </p:sp>
+      <p:sp>
+        <p:nvSpPr>
+          <p:cNvPr id="6" name="직사각형 5">
+            <a:extLst>
+              <a:ext uri="{FF2B5EF4-FFF2-40B4-BE49-F238E27FC236}">
+                <a16:creationId xmlns:a16="http://schemas.microsoft.com/office/drawing/2014/main" id="{816EDC38-84C1-D7CB-6DCE-87903F43343B}"/>
+              </a:ext>
+            </a:extLst>
+          </p:cNvPr>
+          <p:cNvSpPr/>
+          <p:nvPr/>
+        </p:nvSpPr>
+        <p:spPr>
+          <a:xfrm>
+            <a:off x="5146737" y="3560473"/>
+            <a:ext cx="5791557" cy="2527561"/>
+          </a:xfrm>
+          <a:prstGeom prst="rect">
+            <a:avLst/>
+          </a:prstGeom>
+        </p:spPr>
+        <p:style>
+          <a:lnRef idx="2">
+            <a:schemeClr val="dk1"/>
+          </a:lnRef>
+          <a:fillRef idx="1">
+            <a:schemeClr val="lt1"/>
+          </a:fillRef>
+          <a:effectRef idx="0">
+            <a:schemeClr val="dk1"/>
+          </a:effectRef>
+          <a:fontRef idx="minor">
+            <a:schemeClr val="dk1"/>
+          </a:fontRef>
+        </p:style>
+        <p:txBody>
+          <a:bodyPr rtlCol="0" anchor="ctr"/>
+          <a:lstStyle/>
+          <a:p>
+            <a:pPr algn="ctr"/>
+            <a:endParaRPr kumimoji="1" lang="ko-Kore-KR" altLang="en-US" dirty="0">
+              <a:solidFill>
+                <a:schemeClr val="tx1"/>
+              </a:solidFill>
+            </a:endParaRPr>
+          </a:p>
+        </p:txBody>
+      </p:sp>
+      <p:sp>
+        <p:nvSpPr>
+          <p:cNvPr id="7" name="직사각형 6">
+            <a:extLst>
+              <a:ext uri="{FF2B5EF4-FFF2-40B4-BE49-F238E27FC236}">
+                <a16:creationId xmlns:a16="http://schemas.microsoft.com/office/drawing/2014/main" id="{1B359ECE-8012-B758-5AD2-27A82EC2C8C9}"/>
+              </a:ext>
+            </a:extLst>
+          </p:cNvPr>
+          <p:cNvSpPr/>
+          <p:nvPr/>
+        </p:nvSpPr>
+        <p:spPr>
+          <a:xfrm>
+            <a:off x="6150635" y="4003996"/>
+            <a:ext cx="377406" cy="447790"/>
+          </a:xfrm>
+          <a:prstGeom prst="rect">
+            <a:avLst/>
+          </a:prstGeom>
+          <a:solidFill>
+            <a:srgbClr val="FFFF00"/>
+          </a:solidFill>
+        </p:spPr>
+        <p:style>
+          <a:lnRef idx="2">
+            <a:schemeClr val="accent1">
+              <a:shade val="50000"/>
+            </a:schemeClr>
+          </a:lnRef>
+          <a:fillRef idx="1">
+            <a:schemeClr val="accent1"/>
+          </a:fillRef>
+          <a:effectRef idx="0">
+            <a:schemeClr val="accent1"/>
+          </a:effectRef>
+          <a:fontRef idx="minor">
+            <a:schemeClr val="lt1"/>
+          </a:fontRef>
+        </p:style>
+        <p:txBody>
+          <a:bodyPr rtlCol="0" anchor="ctr"/>
+          <a:lstStyle/>
+          <a:p>
+            <a:pPr algn="ctr"/>
+            <a:r>
+              <a:rPr kumimoji="1" lang="en-US" altLang="ko-Kore-KR" sz="1400" dirty="0">
+                <a:solidFill>
+                  <a:schemeClr val="tx1"/>
+                </a:solidFill>
+              </a:rPr>
+              <a:t>1</a:t>
+            </a:r>
+            <a:endParaRPr kumimoji="1" lang="ko-Kore-KR" altLang="en-US" sz="1400" dirty="0">
+              <a:solidFill>
+                <a:schemeClr val="tx1"/>
+              </a:solidFill>
+            </a:endParaRPr>
+          </a:p>
+        </p:txBody>
+      </p:sp>
+      <p:sp>
+        <p:nvSpPr>
+          <p:cNvPr id="8" name="TextBox 7">
+            <a:extLst>
+              <a:ext uri="{FF2B5EF4-FFF2-40B4-BE49-F238E27FC236}">
+                <a16:creationId xmlns:a16="http://schemas.microsoft.com/office/drawing/2014/main" id="{3212519C-17DA-D0AD-F885-FC883EF35EE7}"/>
+              </a:ext>
+            </a:extLst>
+          </p:cNvPr>
+          <p:cNvSpPr txBox="1"/>
+          <p:nvPr/>
+        </p:nvSpPr>
+        <p:spPr>
+          <a:xfrm>
+            <a:off x="5773229" y="4082454"/>
+            <a:ext cx="377406" cy="369332"/>
+          </a:xfrm>
+          <a:prstGeom prst="rect">
+            <a:avLst/>
+          </a:prstGeom>
+          <a:noFill/>
+        </p:spPr>
+        <p:txBody>
+          <a:bodyPr wrap="square">
+            <a:spAutoFit/>
+          </a:bodyPr>
+          <a:lstStyle/>
+          <a:p>
+            <a:r>
+              <a:rPr lang="en" altLang="ko-Kore-KR" dirty="0">
+                <a:latin typeface="DM Mono" panose="020B0509040201040103" pitchFamily="49" charset="0"/>
+              </a:rPr>
+              <a:t>x</a:t>
+            </a:r>
+            <a:endParaRPr lang="ko-Kore-KR" altLang="en-US" dirty="0"/>
+          </a:p>
+        </p:txBody>
+      </p:sp>
+      <p:sp>
+        <p:nvSpPr>
+          <p:cNvPr id="9" name="TextBox 8">
+            <a:extLst>
+              <a:ext uri="{FF2B5EF4-FFF2-40B4-BE49-F238E27FC236}">
+                <a16:creationId xmlns:a16="http://schemas.microsoft.com/office/drawing/2014/main" id="{907C03E2-4811-701B-1D8C-06A1DD44232B}"/>
+              </a:ext>
+            </a:extLst>
+          </p:cNvPr>
+          <p:cNvSpPr txBox="1"/>
+          <p:nvPr/>
+        </p:nvSpPr>
+        <p:spPr>
+          <a:xfrm>
+            <a:off x="6420565" y="3191141"/>
+            <a:ext cx="808727" cy="369332"/>
+          </a:xfrm>
+          <a:prstGeom prst="rect">
+            <a:avLst/>
+          </a:prstGeom>
+          <a:noFill/>
+        </p:spPr>
+        <p:txBody>
+          <a:bodyPr wrap="square">
+            <a:spAutoFit/>
+          </a:bodyPr>
+          <a:lstStyle/>
+          <a:p>
+            <a:r>
+              <a:rPr lang="en" altLang="ko-Kore-KR" dirty="0">
+                <a:latin typeface="DM Mono" panose="020B0509040201040103" pitchFamily="49" charset="0"/>
+              </a:rPr>
+              <a:t>main</a:t>
+            </a:r>
+            <a:endParaRPr lang="ko-Kore-KR" altLang="en-US" dirty="0"/>
+          </a:p>
+        </p:txBody>
+      </p:sp>
+      <p:sp>
+        <p:nvSpPr>
+          <p:cNvPr id="10" name="TextBox 9">
+            <a:extLst>
+              <a:ext uri="{FF2B5EF4-FFF2-40B4-BE49-F238E27FC236}">
+                <a16:creationId xmlns:a16="http://schemas.microsoft.com/office/drawing/2014/main" id="{AA8C7794-73BE-FD16-9923-3E5CAE68D6B3}"/>
+              </a:ext>
+            </a:extLst>
+          </p:cNvPr>
+          <p:cNvSpPr txBox="1"/>
+          <p:nvPr/>
+        </p:nvSpPr>
+        <p:spPr>
+          <a:xfrm>
+            <a:off x="5837573" y="3759257"/>
+            <a:ext cx="981255" cy="261610"/>
+          </a:xfrm>
+          <a:prstGeom prst="rect">
+            <a:avLst/>
+          </a:prstGeom>
+          <a:noFill/>
+        </p:spPr>
+        <p:txBody>
+          <a:bodyPr wrap="square">
+            <a:spAutoFit/>
+          </a:bodyPr>
+          <a:lstStyle/>
+          <a:p>
+            <a:r>
+              <a:rPr kumimoji="1" lang="en-US" altLang="ko-Kore-KR" sz="1100" dirty="0">
+                <a:solidFill>
+                  <a:srgbClr val="FF0000"/>
+                </a:solidFill>
+              </a:rPr>
+              <a:t>0x1000</a:t>
+            </a:r>
+            <a:endParaRPr lang="ko-Kore-KR" altLang="en-US" sz="1100" dirty="0">
+              <a:solidFill>
+                <a:srgbClr val="FF0000"/>
+              </a:solidFill>
+            </a:endParaRPr>
+          </a:p>
+        </p:txBody>
+      </p:sp>
+      <p:sp>
+        <p:nvSpPr>
+          <p:cNvPr id="11" name="직사각형 10">
+            <a:extLst>
+              <a:ext uri="{FF2B5EF4-FFF2-40B4-BE49-F238E27FC236}">
+                <a16:creationId xmlns:a16="http://schemas.microsoft.com/office/drawing/2014/main" id="{89550F50-EA8D-644B-2BAF-78A19CD84C1A}"/>
+              </a:ext>
+            </a:extLst>
+          </p:cNvPr>
+          <p:cNvSpPr/>
+          <p:nvPr/>
+        </p:nvSpPr>
+        <p:spPr>
+          <a:xfrm>
+            <a:off x="6539180" y="4003996"/>
+            <a:ext cx="377406" cy="447790"/>
+          </a:xfrm>
+          <a:prstGeom prst="rect">
+            <a:avLst/>
+          </a:prstGeom>
+          <a:solidFill>
+            <a:srgbClr val="FFFF00"/>
+          </a:solidFill>
+        </p:spPr>
+        <p:style>
+          <a:lnRef idx="2">
+            <a:schemeClr val="accent1">
+              <a:shade val="50000"/>
+            </a:schemeClr>
+          </a:lnRef>
+          <a:fillRef idx="1">
+            <a:schemeClr val="accent1"/>
+          </a:fillRef>
+          <a:effectRef idx="0">
+            <a:schemeClr val="accent1"/>
+          </a:effectRef>
+          <a:fontRef idx="minor">
+            <a:schemeClr val="lt1"/>
+          </a:fontRef>
+        </p:style>
+        <p:txBody>
+          <a:bodyPr rtlCol="0" anchor="ctr"/>
+          <a:lstStyle/>
+          <a:p>
+            <a:pPr algn="ctr"/>
+            <a:r>
+              <a:rPr kumimoji="1" lang="en-US" altLang="ko-Kore-KR" sz="1400" dirty="0">
+                <a:solidFill>
+                  <a:schemeClr val="tx1"/>
+                </a:solidFill>
+              </a:rPr>
+              <a:t>2</a:t>
+            </a:r>
+            <a:endParaRPr kumimoji="1" lang="ko-Kore-KR" altLang="en-US" sz="1400" dirty="0">
+              <a:solidFill>
+                <a:schemeClr val="tx1"/>
+              </a:solidFill>
+            </a:endParaRPr>
+          </a:p>
+        </p:txBody>
+      </p:sp>
+      <p:sp>
+        <p:nvSpPr>
+          <p:cNvPr id="12" name="직사각형 11">
+            <a:extLst>
+              <a:ext uri="{FF2B5EF4-FFF2-40B4-BE49-F238E27FC236}">
+                <a16:creationId xmlns:a16="http://schemas.microsoft.com/office/drawing/2014/main" id="{0D2342D1-3BFB-99A5-B1A9-7AC8D7CCA2FF}"/>
+              </a:ext>
+            </a:extLst>
+          </p:cNvPr>
+          <p:cNvSpPr/>
+          <p:nvPr/>
+        </p:nvSpPr>
+        <p:spPr>
+          <a:xfrm>
+            <a:off x="6927725" y="4003996"/>
+            <a:ext cx="377406" cy="447790"/>
+          </a:xfrm>
+          <a:prstGeom prst="rect">
+            <a:avLst/>
+          </a:prstGeom>
+          <a:solidFill>
+            <a:srgbClr val="FFFF00"/>
+          </a:solidFill>
+        </p:spPr>
+        <p:style>
+          <a:lnRef idx="2">
+            <a:schemeClr val="accent1">
+              <a:shade val="50000"/>
+            </a:schemeClr>
+          </a:lnRef>
+          <a:fillRef idx="1">
+            <a:schemeClr val="accent1"/>
+          </a:fillRef>
+          <a:effectRef idx="0">
+            <a:schemeClr val="accent1"/>
+          </a:effectRef>
+          <a:fontRef idx="minor">
+            <a:schemeClr val="lt1"/>
+          </a:fontRef>
+        </p:style>
+        <p:txBody>
+          <a:bodyPr rtlCol="0" anchor="ctr"/>
+          <a:lstStyle/>
+          <a:p>
+            <a:pPr algn="ctr"/>
+            <a:r>
+              <a:rPr kumimoji="1" lang="en-US" altLang="ko-Kore-KR" sz="1400" dirty="0">
+                <a:solidFill>
+                  <a:schemeClr val="tx1"/>
+                </a:solidFill>
+              </a:rPr>
+              <a:t>3</a:t>
+            </a:r>
+            <a:endParaRPr kumimoji="1" lang="ko-Kore-KR" altLang="en-US" sz="1400" dirty="0">
+              <a:solidFill>
+                <a:schemeClr val="tx1"/>
+              </a:solidFill>
+            </a:endParaRPr>
+          </a:p>
+        </p:txBody>
+      </p:sp>
+      <p:sp>
+        <p:nvSpPr>
+          <p:cNvPr id="13" name="직사각형 12">
+            <a:extLst>
+              <a:ext uri="{FF2B5EF4-FFF2-40B4-BE49-F238E27FC236}">
+                <a16:creationId xmlns:a16="http://schemas.microsoft.com/office/drawing/2014/main" id="{511201E1-872A-D316-4CFA-832662C5FA1D}"/>
+              </a:ext>
+            </a:extLst>
+          </p:cNvPr>
+          <p:cNvSpPr/>
+          <p:nvPr/>
+        </p:nvSpPr>
+        <p:spPr>
+          <a:xfrm>
+            <a:off x="7316270" y="4003996"/>
+            <a:ext cx="377406" cy="447790"/>
+          </a:xfrm>
+          <a:prstGeom prst="rect">
+            <a:avLst/>
+          </a:prstGeom>
+          <a:solidFill>
+            <a:srgbClr val="FFFF00"/>
+          </a:solidFill>
+        </p:spPr>
+        <p:style>
+          <a:lnRef idx="2">
+            <a:schemeClr val="accent1">
+              <a:shade val="50000"/>
+            </a:schemeClr>
+          </a:lnRef>
+          <a:fillRef idx="1">
+            <a:schemeClr val="accent1"/>
+          </a:fillRef>
+          <a:effectRef idx="0">
+            <a:schemeClr val="accent1"/>
+          </a:effectRef>
+          <a:fontRef idx="minor">
+            <a:schemeClr val="lt1"/>
+          </a:fontRef>
+        </p:style>
+        <p:txBody>
+          <a:bodyPr rtlCol="0" anchor="ctr"/>
+          <a:lstStyle/>
+          <a:p>
+            <a:pPr algn="ctr"/>
+            <a:r>
+              <a:rPr kumimoji="1" lang="en-US" altLang="ko-Kore-KR" sz="1400" dirty="0">
+                <a:solidFill>
+                  <a:schemeClr val="tx1"/>
+                </a:solidFill>
+              </a:rPr>
+              <a:t>4</a:t>
+            </a:r>
+            <a:endParaRPr kumimoji="1" lang="ko-Kore-KR" altLang="en-US" sz="1400" dirty="0">
+              <a:solidFill>
+                <a:schemeClr val="tx1"/>
+              </a:solidFill>
+            </a:endParaRPr>
+          </a:p>
+        </p:txBody>
+      </p:sp>
+      <p:sp>
+        <p:nvSpPr>
+          <p:cNvPr id="14" name="직사각형 13">
+            <a:extLst>
+              <a:ext uri="{FF2B5EF4-FFF2-40B4-BE49-F238E27FC236}">
+                <a16:creationId xmlns:a16="http://schemas.microsoft.com/office/drawing/2014/main" id="{6886E773-2738-22B6-62E5-64B17D0E0327}"/>
+              </a:ext>
+            </a:extLst>
+          </p:cNvPr>
+          <p:cNvSpPr/>
+          <p:nvPr/>
+        </p:nvSpPr>
+        <p:spPr>
+          <a:xfrm>
+            <a:off x="7704815" y="4003996"/>
+            <a:ext cx="377406" cy="447790"/>
+          </a:xfrm>
+          <a:prstGeom prst="rect">
+            <a:avLst/>
+          </a:prstGeom>
+          <a:solidFill>
+            <a:srgbClr val="FFFF00"/>
+          </a:solidFill>
+        </p:spPr>
+        <p:style>
+          <a:lnRef idx="2">
+            <a:schemeClr val="accent1">
+              <a:shade val="50000"/>
+            </a:schemeClr>
+          </a:lnRef>
+          <a:fillRef idx="1">
+            <a:schemeClr val="accent1"/>
+          </a:fillRef>
+          <a:effectRef idx="0">
+            <a:schemeClr val="accent1"/>
+          </a:effectRef>
+          <a:fontRef idx="minor">
+            <a:schemeClr val="lt1"/>
+          </a:fontRef>
+        </p:style>
+        <p:txBody>
+          <a:bodyPr rtlCol="0" anchor="ctr"/>
+          <a:lstStyle/>
+          <a:p>
+            <a:pPr algn="ctr"/>
+            <a:r>
+              <a:rPr kumimoji="1" lang="en-US" altLang="ko-Kore-KR" sz="1400" dirty="0">
+                <a:solidFill>
+                  <a:schemeClr val="tx1"/>
+                </a:solidFill>
+              </a:rPr>
+              <a:t>5</a:t>
+            </a:r>
+            <a:endParaRPr kumimoji="1" lang="ko-Kore-KR" altLang="en-US" sz="1400" dirty="0">
+              <a:solidFill>
+                <a:schemeClr val="tx1"/>
+              </a:solidFill>
+            </a:endParaRPr>
+          </a:p>
+        </p:txBody>
+      </p:sp>
+      <p:sp>
+        <p:nvSpPr>
+          <p:cNvPr id="15" name="직사각형 14">
+            <a:extLst>
+              <a:ext uri="{FF2B5EF4-FFF2-40B4-BE49-F238E27FC236}">
+                <a16:creationId xmlns:a16="http://schemas.microsoft.com/office/drawing/2014/main" id="{869F4A01-6AF7-7C08-18FE-F287E7375EE7}"/>
+              </a:ext>
+            </a:extLst>
+          </p:cNvPr>
+          <p:cNvSpPr/>
+          <p:nvPr/>
+        </p:nvSpPr>
+        <p:spPr>
+          <a:xfrm>
+            <a:off x="8093360" y="4003996"/>
+            <a:ext cx="377406" cy="447790"/>
+          </a:xfrm>
+          <a:prstGeom prst="rect">
+            <a:avLst/>
+          </a:prstGeom>
+          <a:solidFill>
+            <a:srgbClr val="FFFF00"/>
+          </a:solidFill>
+        </p:spPr>
+        <p:style>
+          <a:lnRef idx="2">
+            <a:schemeClr val="accent1">
+              <a:shade val="50000"/>
+            </a:schemeClr>
+          </a:lnRef>
+          <a:fillRef idx="1">
+            <a:schemeClr val="accent1"/>
+          </a:fillRef>
+          <a:effectRef idx="0">
+            <a:schemeClr val="accent1"/>
+          </a:effectRef>
+          <a:fontRef idx="minor">
+            <a:schemeClr val="lt1"/>
+          </a:fontRef>
+        </p:style>
+        <p:txBody>
+          <a:bodyPr rtlCol="0" anchor="ctr"/>
+          <a:lstStyle/>
+          <a:p>
+            <a:pPr algn="ctr"/>
+            <a:r>
+              <a:rPr kumimoji="1" lang="en-US" altLang="ko-Kore-KR" sz="1400" dirty="0">
+                <a:solidFill>
+                  <a:schemeClr val="tx1"/>
+                </a:solidFill>
+              </a:rPr>
+              <a:t>6</a:t>
+            </a:r>
+            <a:endParaRPr kumimoji="1" lang="ko-Kore-KR" altLang="en-US" sz="1400" dirty="0">
+              <a:solidFill>
+                <a:schemeClr val="tx1"/>
+              </a:solidFill>
+            </a:endParaRPr>
+          </a:p>
+        </p:txBody>
+      </p:sp>
+      <p:sp>
+        <p:nvSpPr>
+          <p:cNvPr id="16" name="직사각형 15">
+            <a:extLst>
+              <a:ext uri="{FF2B5EF4-FFF2-40B4-BE49-F238E27FC236}">
+                <a16:creationId xmlns:a16="http://schemas.microsoft.com/office/drawing/2014/main" id="{4EFB40DD-D155-5E97-15F3-61471FAD6493}"/>
+              </a:ext>
+            </a:extLst>
+          </p:cNvPr>
+          <p:cNvSpPr/>
+          <p:nvPr/>
+        </p:nvSpPr>
+        <p:spPr>
+          <a:xfrm>
+            <a:off x="8481905" y="4003996"/>
+            <a:ext cx="377406" cy="447790"/>
+          </a:xfrm>
+          <a:prstGeom prst="rect">
+            <a:avLst/>
+          </a:prstGeom>
+          <a:solidFill>
+            <a:srgbClr val="FFFF00"/>
+          </a:solidFill>
+        </p:spPr>
+        <p:style>
+          <a:lnRef idx="2">
+            <a:schemeClr val="accent1">
+              <a:shade val="50000"/>
+            </a:schemeClr>
+          </a:lnRef>
+          <a:fillRef idx="1">
+            <a:schemeClr val="accent1"/>
+          </a:fillRef>
+          <a:effectRef idx="0">
+            <a:schemeClr val="accent1"/>
+          </a:effectRef>
+          <a:fontRef idx="minor">
+            <a:schemeClr val="lt1"/>
+          </a:fontRef>
+        </p:style>
+        <p:txBody>
+          <a:bodyPr rtlCol="0" anchor="ctr"/>
+          <a:lstStyle/>
+          <a:p>
+            <a:pPr algn="ctr"/>
+            <a:r>
+              <a:rPr kumimoji="1" lang="en-US" altLang="ko-Kore-KR" sz="1400" dirty="0">
+                <a:solidFill>
+                  <a:schemeClr val="tx1"/>
+                </a:solidFill>
+              </a:rPr>
+              <a:t>7</a:t>
+            </a:r>
+            <a:endParaRPr kumimoji="1" lang="ko-Kore-KR" altLang="en-US" sz="1400" dirty="0">
+              <a:solidFill>
+                <a:schemeClr val="tx1"/>
+              </a:solidFill>
+            </a:endParaRPr>
+          </a:p>
+        </p:txBody>
+      </p:sp>
+      <p:sp>
+        <p:nvSpPr>
+          <p:cNvPr id="17" name="직사각형 16">
+            <a:extLst>
+              <a:ext uri="{FF2B5EF4-FFF2-40B4-BE49-F238E27FC236}">
+                <a16:creationId xmlns:a16="http://schemas.microsoft.com/office/drawing/2014/main" id="{22099B3B-DC54-4AE9-EE08-604FF89541E5}"/>
+              </a:ext>
+            </a:extLst>
+          </p:cNvPr>
+          <p:cNvSpPr/>
+          <p:nvPr/>
+        </p:nvSpPr>
+        <p:spPr>
+          <a:xfrm>
+            <a:off x="8870450" y="4003996"/>
+            <a:ext cx="377406" cy="447790"/>
+          </a:xfrm>
+          <a:prstGeom prst="rect">
+            <a:avLst/>
+          </a:prstGeom>
+          <a:solidFill>
+            <a:srgbClr val="FFFF00"/>
+          </a:solidFill>
+        </p:spPr>
+        <p:style>
+          <a:lnRef idx="2">
+            <a:schemeClr val="accent1">
+              <a:shade val="50000"/>
+            </a:schemeClr>
+          </a:lnRef>
+          <a:fillRef idx="1">
+            <a:schemeClr val="accent1"/>
+          </a:fillRef>
+          <a:effectRef idx="0">
+            <a:schemeClr val="accent1"/>
+          </a:effectRef>
+          <a:fontRef idx="minor">
+            <a:schemeClr val="lt1"/>
+          </a:fontRef>
+        </p:style>
+        <p:txBody>
+          <a:bodyPr rtlCol="0" anchor="ctr"/>
+          <a:lstStyle/>
+          <a:p>
+            <a:pPr algn="ctr"/>
+            <a:r>
+              <a:rPr kumimoji="1" lang="en-US" altLang="ko-Kore-KR" sz="1400" dirty="0">
+                <a:solidFill>
+                  <a:schemeClr val="tx1"/>
+                </a:solidFill>
+              </a:rPr>
+              <a:t>8</a:t>
+            </a:r>
+            <a:endParaRPr kumimoji="1" lang="ko-Kore-KR" altLang="en-US" sz="1400" dirty="0">
+              <a:solidFill>
+                <a:schemeClr val="tx1"/>
+              </a:solidFill>
+            </a:endParaRPr>
+          </a:p>
+        </p:txBody>
+      </p:sp>
+      <p:sp>
+        <p:nvSpPr>
+          <p:cNvPr id="18" name="직사각형 17">
+            <a:extLst>
+              <a:ext uri="{FF2B5EF4-FFF2-40B4-BE49-F238E27FC236}">
+                <a16:creationId xmlns:a16="http://schemas.microsoft.com/office/drawing/2014/main" id="{7BE3E3C8-6371-9A9B-E651-4C34DB1D74D8}"/>
+              </a:ext>
+            </a:extLst>
+          </p:cNvPr>
+          <p:cNvSpPr/>
+          <p:nvPr/>
+        </p:nvSpPr>
+        <p:spPr>
+          <a:xfrm>
+            <a:off x="9258995" y="4003996"/>
+            <a:ext cx="377406" cy="447790"/>
+          </a:xfrm>
+          <a:prstGeom prst="rect">
+            <a:avLst/>
+          </a:prstGeom>
+          <a:solidFill>
+            <a:srgbClr val="FFFF00"/>
+          </a:solidFill>
+        </p:spPr>
+        <p:style>
+          <a:lnRef idx="2">
+            <a:schemeClr val="accent1">
+              <a:shade val="50000"/>
+            </a:schemeClr>
+          </a:lnRef>
+          <a:fillRef idx="1">
+            <a:schemeClr val="accent1"/>
+          </a:fillRef>
+          <a:effectRef idx="0">
+            <a:schemeClr val="accent1"/>
+          </a:effectRef>
+          <a:fontRef idx="minor">
+            <a:schemeClr val="lt1"/>
+          </a:fontRef>
+        </p:style>
+        <p:txBody>
+          <a:bodyPr rtlCol="0" anchor="ctr"/>
+          <a:lstStyle/>
+          <a:p>
+            <a:pPr algn="ctr"/>
+            <a:r>
+              <a:rPr kumimoji="1" lang="en-US" altLang="ko-Kore-KR" sz="1400" dirty="0">
+                <a:solidFill>
+                  <a:schemeClr val="tx1"/>
+                </a:solidFill>
+              </a:rPr>
+              <a:t>9</a:t>
+            </a:r>
+            <a:endParaRPr kumimoji="1" lang="ko-Kore-KR" altLang="en-US" sz="1400" dirty="0">
+              <a:solidFill>
+                <a:schemeClr val="tx1"/>
+              </a:solidFill>
+            </a:endParaRPr>
+          </a:p>
+        </p:txBody>
+      </p:sp>
+      <p:sp>
+        <p:nvSpPr>
+          <p:cNvPr id="19" name="직사각형 18">
+            <a:extLst>
+              <a:ext uri="{FF2B5EF4-FFF2-40B4-BE49-F238E27FC236}">
+                <a16:creationId xmlns:a16="http://schemas.microsoft.com/office/drawing/2014/main" id="{882A0309-D3B2-919A-9280-06A2C63F4120}"/>
+              </a:ext>
+            </a:extLst>
+          </p:cNvPr>
+          <p:cNvSpPr/>
+          <p:nvPr/>
+        </p:nvSpPr>
+        <p:spPr>
+          <a:xfrm>
+            <a:off x="9647540" y="4003996"/>
+            <a:ext cx="377406" cy="447790"/>
+          </a:xfrm>
+          <a:prstGeom prst="rect">
+            <a:avLst/>
+          </a:prstGeom>
+          <a:solidFill>
+            <a:srgbClr val="FFFF00"/>
+          </a:solidFill>
+        </p:spPr>
+        <p:style>
+          <a:lnRef idx="2">
+            <a:schemeClr val="accent1">
+              <a:shade val="50000"/>
+            </a:schemeClr>
+          </a:lnRef>
+          <a:fillRef idx="1">
+            <a:schemeClr val="accent1"/>
+          </a:fillRef>
+          <a:effectRef idx="0">
+            <a:schemeClr val="accent1"/>
+          </a:effectRef>
+          <a:fontRef idx="minor">
+            <a:schemeClr val="lt1"/>
+          </a:fontRef>
+        </p:style>
+        <p:txBody>
+          <a:bodyPr rtlCol="0" anchor="ctr"/>
+          <a:lstStyle/>
+          <a:p>
+            <a:pPr algn="ctr"/>
+            <a:r>
+              <a:rPr kumimoji="1" lang="en-US" altLang="ko-Kore-KR" sz="1400" dirty="0">
+                <a:solidFill>
+                  <a:schemeClr val="tx1"/>
+                </a:solidFill>
+              </a:rPr>
+              <a:t>10</a:t>
+            </a:r>
+            <a:endParaRPr kumimoji="1" lang="ko-Kore-KR" altLang="en-US" sz="1400" dirty="0">
+              <a:solidFill>
+                <a:schemeClr val="tx1"/>
+              </a:solidFill>
+            </a:endParaRPr>
+          </a:p>
+        </p:txBody>
+      </p:sp>
+      <p:sp>
+        <p:nvSpPr>
+          <p:cNvPr id="2" name="직사각형 1">
+            <a:extLst>
+              <a:ext uri="{FF2B5EF4-FFF2-40B4-BE49-F238E27FC236}">
+                <a16:creationId xmlns:a16="http://schemas.microsoft.com/office/drawing/2014/main" id="{AC6811B4-9E55-E317-FA13-FF6789F45189}"/>
+              </a:ext>
+            </a:extLst>
+          </p:cNvPr>
+          <p:cNvSpPr/>
+          <p:nvPr/>
+        </p:nvSpPr>
+        <p:spPr>
+          <a:xfrm>
+            <a:off x="6049993" y="365019"/>
+            <a:ext cx="5380008" cy="2527561"/>
+          </a:xfrm>
+          <a:prstGeom prst="rect">
+            <a:avLst/>
+          </a:prstGeom>
+        </p:spPr>
+        <p:style>
+          <a:lnRef idx="2">
+            <a:schemeClr val="dk1"/>
+          </a:lnRef>
+          <a:fillRef idx="1">
+            <a:schemeClr val="lt1"/>
+          </a:fillRef>
+          <a:effectRef idx="0">
+            <a:schemeClr val="dk1"/>
+          </a:effectRef>
+          <a:fontRef idx="minor">
+            <a:schemeClr val="dk1"/>
+          </a:fontRef>
+        </p:style>
+        <p:txBody>
+          <a:bodyPr rtlCol="0" anchor="ctr"/>
+          <a:lstStyle/>
+          <a:p>
+            <a:pPr algn="ctr"/>
+            <a:endParaRPr kumimoji="1" lang="ko-Kore-KR" altLang="en-US" dirty="0">
+              <a:solidFill>
+                <a:schemeClr val="tx1"/>
+              </a:solidFill>
+            </a:endParaRPr>
+          </a:p>
+        </p:txBody>
+      </p:sp>
+      <p:sp>
+        <p:nvSpPr>
+          <p:cNvPr id="3" name="TextBox 2">
+            <a:extLst>
+              <a:ext uri="{FF2B5EF4-FFF2-40B4-BE49-F238E27FC236}">
+                <a16:creationId xmlns:a16="http://schemas.microsoft.com/office/drawing/2014/main" id="{E020E82C-BE8C-2B05-C14E-F20409177418}"/>
+              </a:ext>
+            </a:extLst>
+          </p:cNvPr>
+          <p:cNvSpPr txBox="1"/>
+          <p:nvPr/>
+        </p:nvSpPr>
+        <p:spPr>
+          <a:xfrm>
+            <a:off x="7323820" y="-4313"/>
+            <a:ext cx="808727" cy="369332"/>
+          </a:xfrm>
+          <a:prstGeom prst="rect">
+            <a:avLst/>
+          </a:prstGeom>
+          <a:noFill/>
+        </p:spPr>
+        <p:txBody>
+          <a:bodyPr wrap="square">
+            <a:spAutoFit/>
+          </a:bodyPr>
+          <a:lstStyle/>
+          <a:p>
+            <a:r>
+              <a:rPr lang="en" altLang="ko-Kore-KR" dirty="0">
+                <a:latin typeface="DM Mono" panose="020B0509040201040103" pitchFamily="49" charset="0"/>
+              </a:rPr>
+              <a:t>foo</a:t>
+            </a:r>
+            <a:endParaRPr lang="ko-Kore-KR" altLang="en-US" dirty="0"/>
+          </a:p>
+        </p:txBody>
+      </p:sp>
+      <p:sp>
+        <p:nvSpPr>
+          <p:cNvPr id="4" name="직사각형 3">
+            <a:extLst>
+              <a:ext uri="{FF2B5EF4-FFF2-40B4-BE49-F238E27FC236}">
+                <a16:creationId xmlns:a16="http://schemas.microsoft.com/office/drawing/2014/main" id="{9FFD6218-3FBD-ECDD-3F22-7CD93C007075}"/>
+              </a:ext>
+            </a:extLst>
+          </p:cNvPr>
+          <p:cNvSpPr/>
+          <p:nvPr/>
+        </p:nvSpPr>
+        <p:spPr>
+          <a:xfrm>
+            <a:off x="6892879" y="584647"/>
+            <a:ext cx="939905" cy="447790"/>
+          </a:xfrm>
+          <a:prstGeom prst="rect">
+            <a:avLst/>
+          </a:prstGeom>
+          <a:solidFill>
+            <a:srgbClr val="FFFF00"/>
+          </a:solidFill>
+        </p:spPr>
+        <p:style>
+          <a:lnRef idx="2">
+            <a:schemeClr val="accent1">
+              <a:shade val="50000"/>
+            </a:schemeClr>
+          </a:lnRef>
+          <a:fillRef idx="1">
+            <a:schemeClr val="accent1"/>
+          </a:fillRef>
+          <a:effectRef idx="0">
+            <a:schemeClr val="accent1"/>
+          </a:effectRef>
+          <a:fontRef idx="minor">
+            <a:schemeClr val="lt1"/>
+          </a:fontRef>
+        </p:style>
+        <p:txBody>
+          <a:bodyPr rtlCol="0" anchor="ctr"/>
+          <a:lstStyle/>
+          <a:p>
+            <a:pPr algn="ctr"/>
+            <a:r>
+              <a:rPr kumimoji="1" lang="en-US" altLang="ko-Kore-KR" sz="1400" dirty="0">
+                <a:solidFill>
+                  <a:srgbClr val="FF0000"/>
+                </a:solidFill>
+              </a:rPr>
+              <a:t>0x1000</a:t>
+            </a:r>
+            <a:endParaRPr kumimoji="1" lang="ko-Kore-KR" altLang="en-US" sz="1400" dirty="0">
+              <a:solidFill>
+                <a:srgbClr val="FF0000"/>
+              </a:solidFill>
+            </a:endParaRPr>
+          </a:p>
+        </p:txBody>
+      </p:sp>
+      <p:sp>
+        <p:nvSpPr>
+          <p:cNvPr id="20" name="TextBox 19">
+            <a:extLst>
+              <a:ext uri="{FF2B5EF4-FFF2-40B4-BE49-F238E27FC236}">
+                <a16:creationId xmlns:a16="http://schemas.microsoft.com/office/drawing/2014/main" id="{63D64AD6-B8BC-2B15-4117-AAC49EA41B57}"/>
+              </a:ext>
+            </a:extLst>
+          </p:cNvPr>
+          <p:cNvSpPr txBox="1"/>
+          <p:nvPr/>
+        </p:nvSpPr>
+        <p:spPr>
+          <a:xfrm>
+            <a:off x="6515474" y="663105"/>
+            <a:ext cx="377406" cy="369332"/>
+          </a:xfrm>
+          <a:prstGeom prst="rect">
+            <a:avLst/>
+          </a:prstGeom>
+          <a:noFill/>
+        </p:spPr>
+        <p:txBody>
+          <a:bodyPr wrap="square">
+            <a:spAutoFit/>
+          </a:bodyPr>
+          <a:lstStyle/>
+          <a:p>
+            <a:r>
+              <a:rPr lang="en" altLang="ko-Kore-KR" dirty="0">
+                <a:latin typeface="DM Mono" panose="020B0509040201040103" pitchFamily="49" charset="0"/>
+              </a:rPr>
+              <a:t>x</a:t>
+            </a:r>
+            <a:endParaRPr lang="ko-Kore-KR" altLang="en-US" dirty="0"/>
+          </a:p>
+        </p:txBody>
+      </p:sp>
+    </p:spTree>
+    <p:extLst>
+      <p:ext uri="{BB962C8B-B14F-4D97-AF65-F5344CB8AC3E}">
+        <p14:creationId xmlns:p14="http://schemas.microsoft.com/office/powerpoint/2010/main" val="701135146"/>
+      </p:ext>
+    </p:extLst>
+  </p:cSld>
+  <p:clrMapOvr>
+    <a:masterClrMapping/>
+  </p:clrMapOvr>
+</p:sld>
+</file>
+
+<file path=ppt/slides/slide36.xml><?xml version="1.0" encoding="utf-8"?>
+<p:sld xmlns:a="http://schemas.openxmlformats.org/drawingml/2006/main" xmlns:r="http://schemas.openxmlformats.org/officeDocument/2006/relationships" xmlns:p="http://schemas.openxmlformats.org/presentationml/2006/main">
+  <p:cSld>
+    <p:spTree>
+      <p:nvGrpSpPr>
+        <p:cNvPr id="1" name=""/>
+        <p:cNvGrpSpPr/>
+        <p:nvPr/>
+      </p:nvGrpSpPr>
+      <p:grpSpPr>
+        <a:xfrm>
+          <a:off x="0" y="0"/>
+          <a:ext cx="0" cy="0"/>
+          <a:chOff x="0" y="0"/>
+          <a:chExt cx="0" cy="0"/>
+        </a:xfrm>
+      </p:grpSpPr>
+      <p:sp>
+        <p:nvSpPr>
+          <p:cNvPr id="5" name="TextBox 4">
+            <a:extLst>
+              <a:ext uri="{FF2B5EF4-FFF2-40B4-BE49-F238E27FC236}">
+                <a16:creationId xmlns:a16="http://schemas.microsoft.com/office/drawing/2014/main" id="{595DC491-3A65-22D2-F412-3DF8E0FAD408}"/>
+              </a:ext>
+            </a:extLst>
+          </p:cNvPr>
+          <p:cNvSpPr txBox="1"/>
+          <p:nvPr/>
+        </p:nvSpPr>
+        <p:spPr>
+          <a:xfrm>
+            <a:off x="329959" y="86157"/>
+            <a:ext cx="4017753" cy="4616648"/>
+          </a:xfrm>
+          <a:prstGeom prst="rect">
+            <a:avLst/>
+          </a:prstGeom>
+          <a:noFill/>
+        </p:spPr>
+        <p:txBody>
+          <a:bodyPr wrap="square">
+            <a:spAutoFit/>
+          </a:bodyPr>
+          <a:lstStyle/>
+          <a:p>
+            <a:r>
+              <a:rPr lang="ko-Kore-KR" altLang="en-US" sz="1400" dirty="0">
+                <a:latin typeface="DM Mono" panose="020B0509040201040103" pitchFamily="49" charset="0"/>
+              </a:rPr>
+              <a:t>void pswap(int **a, int **b)</a:t>
+            </a:r>
+          </a:p>
+          <a:p>
+            <a:r>
+              <a:rPr lang="ko-Kore-KR" altLang="en-US" sz="1400" dirty="0">
+                <a:latin typeface="DM Mono" panose="020B0509040201040103" pitchFamily="49" charset="0"/>
+              </a:rPr>
+              <a:t>{</a:t>
+            </a:r>
+          </a:p>
+          <a:p>
+            <a:r>
+              <a:rPr lang="ko-Kore-KR" altLang="en-US" sz="1400" dirty="0">
+                <a:latin typeface="DM Mono" panose="020B0509040201040103" pitchFamily="49" charset="0"/>
+              </a:rPr>
+              <a:t>  int *temp = *a;</a:t>
+            </a:r>
+          </a:p>
+          <a:p>
+            <a:r>
+              <a:rPr lang="ko-Kore-KR" altLang="en-US" sz="1400" dirty="0">
+                <a:latin typeface="DM Mono" panose="020B0509040201040103" pitchFamily="49" charset="0"/>
+              </a:rPr>
+              <a:t>  *a = *b;</a:t>
+            </a:r>
+          </a:p>
+          <a:p>
+            <a:r>
+              <a:rPr lang="ko-Kore-KR" altLang="en-US" sz="1400" dirty="0">
+                <a:latin typeface="DM Mono" panose="020B0509040201040103" pitchFamily="49" charset="0"/>
+              </a:rPr>
+              <a:t>  *b = temp;</a:t>
+            </a:r>
+          </a:p>
+          <a:p>
+            <a:r>
+              <a:rPr lang="ko-Kore-KR" altLang="en-US" sz="1400" dirty="0">
+                <a:latin typeface="DM Mono" panose="020B0509040201040103" pitchFamily="49" charset="0"/>
+              </a:rPr>
+              <a:t>}</a:t>
+            </a:r>
+          </a:p>
+          <a:p>
+            <a:endParaRPr lang="ko-Kore-KR" altLang="en-US" sz="1400" dirty="0">
+              <a:latin typeface="DM Mono" panose="020B0509040201040103" pitchFamily="49" charset="0"/>
+            </a:endParaRPr>
+          </a:p>
+          <a:p>
+            <a:r>
+              <a:rPr lang="ko-Kore-KR" altLang="en-US" sz="1400" dirty="0">
+                <a:latin typeface="DM Mono" panose="020B0509040201040103" pitchFamily="49" charset="0"/>
+              </a:rPr>
+              <a:t>int main(void)</a:t>
+            </a:r>
+          </a:p>
+          <a:p>
+            <a:r>
+              <a:rPr lang="ko-Kore-KR" altLang="en-US" sz="1400" dirty="0">
+                <a:latin typeface="DM Mono" panose="020B0509040201040103" pitchFamily="49" charset="0"/>
+              </a:rPr>
+              <a:t>{</a:t>
+            </a:r>
+          </a:p>
+          <a:p>
+            <a:r>
+              <a:rPr lang="ko-Kore-KR" altLang="en-US" sz="1400" dirty="0">
+                <a:latin typeface="DM Mono" panose="020B0509040201040103" pitchFamily="49" charset="0"/>
+              </a:rPr>
+              <a:t>  int a = 10;</a:t>
+            </a:r>
+          </a:p>
+          <a:p>
+            <a:r>
+              <a:rPr lang="ko-Kore-KR" altLang="en-US" sz="1400" dirty="0">
+                <a:latin typeface="DM Mono" panose="020B0509040201040103" pitchFamily="49" charset="0"/>
+              </a:rPr>
+              <a:t>  int b = 20;</a:t>
+            </a:r>
+          </a:p>
+          <a:p>
+            <a:endParaRPr lang="ko-Kore-KR" altLang="en-US" sz="1400" dirty="0">
+              <a:latin typeface="DM Mono" panose="020B0509040201040103" pitchFamily="49" charset="0"/>
+            </a:endParaRPr>
+          </a:p>
+          <a:p>
+            <a:r>
+              <a:rPr lang="ko-Kore-KR" altLang="en-US" sz="1400" dirty="0">
+                <a:latin typeface="DM Mono" panose="020B0509040201040103" pitchFamily="49" charset="0"/>
+              </a:rPr>
+              <a:t>  int *pa = &amp;a;</a:t>
+            </a:r>
+          </a:p>
+          <a:p>
+            <a:r>
+              <a:rPr lang="ko-Kore-KR" altLang="en-US" sz="1400" dirty="0">
+                <a:latin typeface="DM Mono" panose="020B0509040201040103" pitchFamily="49" charset="0"/>
+              </a:rPr>
+              <a:t>  int *pb = &amp;b;</a:t>
+            </a:r>
+          </a:p>
+          <a:p>
+            <a:r>
+              <a:rPr lang="ko-Kore-KR" altLang="en-US" sz="1400" dirty="0">
+                <a:latin typeface="DM Mono" panose="020B0509040201040103" pitchFamily="49" charset="0"/>
+              </a:rPr>
+              <a:t>  printf("%d %d\n", *pa, *pb);</a:t>
+            </a:r>
+          </a:p>
+          <a:p>
+            <a:endParaRPr lang="ko-Kore-KR" altLang="en-US" sz="1400" dirty="0">
+              <a:latin typeface="DM Mono" panose="020B0509040201040103" pitchFamily="49" charset="0"/>
+            </a:endParaRPr>
+          </a:p>
+          <a:p>
+            <a:r>
+              <a:rPr lang="ko-Kore-KR" altLang="en-US" sz="1400" dirty="0">
+                <a:latin typeface="DM Mono" panose="020B0509040201040103" pitchFamily="49" charset="0"/>
+              </a:rPr>
+              <a:t>  pswap(&amp;pa, &amp;pb);</a:t>
+            </a:r>
+          </a:p>
+          <a:p>
+            <a:r>
+              <a:rPr lang="ko-Kore-KR" altLang="en-US" sz="1400" dirty="0">
+                <a:latin typeface="DM Mono" panose="020B0509040201040103" pitchFamily="49" charset="0"/>
+              </a:rPr>
+              <a:t>  printf("%d %d\n", *pa, *pb);</a:t>
+            </a:r>
+          </a:p>
+          <a:p>
+            <a:endParaRPr lang="ko-Kore-KR" altLang="en-US" sz="1400" dirty="0">
+              <a:latin typeface="DM Mono" panose="020B0509040201040103" pitchFamily="49" charset="0"/>
+            </a:endParaRPr>
+          </a:p>
+          <a:p>
+            <a:r>
+              <a:rPr lang="ko-Kore-KR" altLang="en-US" sz="1400" dirty="0">
+                <a:latin typeface="DM Mono" panose="020B0509040201040103" pitchFamily="49" charset="0"/>
+              </a:rPr>
+              <a:t>  return 0;</a:t>
+            </a:r>
+          </a:p>
+          <a:p>
+            <a:r>
+              <a:rPr lang="ko-Kore-KR" altLang="en-US" sz="1400" dirty="0">
+                <a:latin typeface="DM Mono" panose="020B0509040201040103" pitchFamily="49" charset="0"/>
+              </a:rPr>
+              <a:t>}</a:t>
+            </a:r>
+          </a:p>
+        </p:txBody>
+      </p:sp>
+      <p:sp>
+        <p:nvSpPr>
+          <p:cNvPr id="6" name="직사각형 5">
+            <a:extLst>
+              <a:ext uri="{FF2B5EF4-FFF2-40B4-BE49-F238E27FC236}">
+                <a16:creationId xmlns:a16="http://schemas.microsoft.com/office/drawing/2014/main" id="{BFFA17EA-9606-0A5D-1778-72BE750A1056}"/>
+              </a:ext>
+            </a:extLst>
+          </p:cNvPr>
+          <p:cNvSpPr/>
+          <p:nvPr/>
+        </p:nvSpPr>
+        <p:spPr>
+          <a:xfrm>
+            <a:off x="4500108" y="901439"/>
+            <a:ext cx="4109054" cy="3472153"/>
+          </a:xfrm>
+          <a:prstGeom prst="rect">
+            <a:avLst/>
+          </a:prstGeom>
+        </p:spPr>
+        <p:style>
+          <a:lnRef idx="2">
+            <a:schemeClr val="dk1"/>
+          </a:lnRef>
+          <a:fillRef idx="1">
+            <a:schemeClr val="lt1"/>
+          </a:fillRef>
+          <a:effectRef idx="0">
+            <a:schemeClr val="dk1"/>
+          </a:effectRef>
+          <a:fontRef idx="minor">
+            <a:schemeClr val="dk1"/>
+          </a:fontRef>
+        </p:style>
+        <p:txBody>
+          <a:bodyPr rtlCol="0" anchor="ctr"/>
+          <a:lstStyle/>
+          <a:p>
+            <a:pPr algn="ctr"/>
+            <a:endParaRPr kumimoji="1" lang="ko-Kore-KR" altLang="en-US" dirty="0">
+              <a:solidFill>
+                <a:schemeClr val="tx1"/>
+              </a:solidFill>
+            </a:endParaRPr>
+          </a:p>
+        </p:txBody>
+      </p:sp>
+      <p:sp>
+        <p:nvSpPr>
+          <p:cNvPr id="7" name="직사각형 6">
+            <a:extLst>
+              <a:ext uri="{FF2B5EF4-FFF2-40B4-BE49-F238E27FC236}">
+                <a16:creationId xmlns:a16="http://schemas.microsoft.com/office/drawing/2014/main" id="{1E6CBAC5-F5AE-DE24-E81A-BB28614A53CA}"/>
+              </a:ext>
+            </a:extLst>
+          </p:cNvPr>
+          <p:cNvSpPr/>
+          <p:nvPr/>
+        </p:nvSpPr>
+        <p:spPr>
+          <a:xfrm>
+            <a:off x="5497906" y="1434715"/>
+            <a:ext cx="925906" cy="447790"/>
+          </a:xfrm>
+          <a:prstGeom prst="rect">
+            <a:avLst/>
+          </a:prstGeom>
+          <a:solidFill>
+            <a:srgbClr val="FFFF00"/>
+          </a:solidFill>
+        </p:spPr>
+        <p:style>
+          <a:lnRef idx="2">
+            <a:schemeClr val="accent1">
+              <a:shade val="50000"/>
+            </a:schemeClr>
+          </a:lnRef>
+          <a:fillRef idx="1">
+            <a:schemeClr val="accent1"/>
+          </a:fillRef>
+          <a:effectRef idx="0">
+            <a:schemeClr val="accent1"/>
+          </a:effectRef>
+          <a:fontRef idx="minor">
+            <a:schemeClr val="lt1"/>
+          </a:fontRef>
+        </p:style>
+        <p:txBody>
+          <a:bodyPr rtlCol="0" anchor="ctr"/>
+          <a:lstStyle/>
+          <a:p>
+            <a:pPr algn="ctr"/>
+            <a:r>
+              <a:rPr kumimoji="1" lang="en-US" altLang="ko-Kore-KR" dirty="0">
+                <a:solidFill>
+                  <a:schemeClr val="tx1"/>
+                </a:solidFill>
+              </a:rPr>
+              <a:t>10</a:t>
+            </a:r>
+            <a:endParaRPr kumimoji="1" lang="ko-Kore-KR" altLang="en-US" dirty="0">
+              <a:solidFill>
+                <a:schemeClr val="tx1"/>
+              </a:solidFill>
+            </a:endParaRPr>
+          </a:p>
+        </p:txBody>
+      </p:sp>
+      <p:sp>
+        <p:nvSpPr>
+          <p:cNvPr id="8" name="TextBox 7">
+            <a:extLst>
+              <a:ext uri="{FF2B5EF4-FFF2-40B4-BE49-F238E27FC236}">
+                <a16:creationId xmlns:a16="http://schemas.microsoft.com/office/drawing/2014/main" id="{D9BB539A-7B5C-3EDB-5050-72E6EB37C2F4}"/>
+              </a:ext>
+            </a:extLst>
+          </p:cNvPr>
+          <p:cNvSpPr txBox="1"/>
+          <p:nvPr/>
+        </p:nvSpPr>
+        <p:spPr>
+          <a:xfrm>
+            <a:off x="5120500" y="1513173"/>
+            <a:ext cx="377406" cy="369332"/>
+          </a:xfrm>
+          <a:prstGeom prst="rect">
+            <a:avLst/>
+          </a:prstGeom>
+          <a:noFill/>
+        </p:spPr>
+        <p:txBody>
+          <a:bodyPr wrap="square">
+            <a:spAutoFit/>
+          </a:bodyPr>
+          <a:lstStyle/>
+          <a:p>
+            <a:r>
+              <a:rPr lang="en-US" altLang="ko-Kore-KR" dirty="0">
+                <a:latin typeface="DM Mono" panose="020B0509040201040103" pitchFamily="49" charset="0"/>
+              </a:rPr>
+              <a:t>a</a:t>
+            </a:r>
+            <a:endParaRPr lang="ko-Kore-KR" altLang="en-US" dirty="0"/>
+          </a:p>
+        </p:txBody>
+      </p:sp>
+      <p:sp>
+        <p:nvSpPr>
+          <p:cNvPr id="9" name="TextBox 8">
+            <a:extLst>
+              <a:ext uri="{FF2B5EF4-FFF2-40B4-BE49-F238E27FC236}">
+                <a16:creationId xmlns:a16="http://schemas.microsoft.com/office/drawing/2014/main" id="{54A68151-0B2B-C6DD-EC93-D80A9CFB351F}"/>
+              </a:ext>
+            </a:extLst>
+          </p:cNvPr>
+          <p:cNvSpPr txBox="1"/>
+          <p:nvPr/>
+        </p:nvSpPr>
+        <p:spPr>
+          <a:xfrm>
+            <a:off x="5767836" y="621860"/>
+            <a:ext cx="808727" cy="369332"/>
+          </a:xfrm>
+          <a:prstGeom prst="rect">
+            <a:avLst/>
+          </a:prstGeom>
+          <a:noFill/>
+        </p:spPr>
+        <p:txBody>
+          <a:bodyPr wrap="square">
+            <a:spAutoFit/>
+          </a:bodyPr>
+          <a:lstStyle/>
+          <a:p>
+            <a:r>
+              <a:rPr lang="en" altLang="ko-Kore-KR" dirty="0">
+                <a:latin typeface="DM Mono" panose="020B0509040201040103" pitchFamily="49" charset="0"/>
+              </a:rPr>
+              <a:t>main</a:t>
+            </a:r>
+            <a:endParaRPr lang="ko-Kore-KR" altLang="en-US" dirty="0"/>
+          </a:p>
+        </p:txBody>
+      </p:sp>
+      <p:sp>
+        <p:nvSpPr>
+          <p:cNvPr id="10" name="TextBox 9">
+            <a:extLst>
+              <a:ext uri="{FF2B5EF4-FFF2-40B4-BE49-F238E27FC236}">
+                <a16:creationId xmlns:a16="http://schemas.microsoft.com/office/drawing/2014/main" id="{10B133A1-742B-0E72-C46D-FA58D527DAB9}"/>
+              </a:ext>
+            </a:extLst>
+          </p:cNvPr>
+          <p:cNvSpPr txBox="1"/>
+          <p:nvPr/>
+        </p:nvSpPr>
+        <p:spPr>
+          <a:xfrm>
+            <a:off x="5158241" y="1157716"/>
+            <a:ext cx="679330" cy="276999"/>
+          </a:xfrm>
+          <a:prstGeom prst="rect">
+            <a:avLst/>
+          </a:prstGeom>
+          <a:noFill/>
+        </p:spPr>
+        <p:txBody>
+          <a:bodyPr wrap="square">
+            <a:spAutoFit/>
+          </a:bodyPr>
+          <a:lstStyle/>
+          <a:p>
+            <a:r>
+              <a:rPr kumimoji="1" lang="en-US" altLang="ko-Kore-KR" sz="1200" dirty="0">
+                <a:solidFill>
+                  <a:schemeClr val="tx1"/>
+                </a:solidFill>
+              </a:rPr>
+              <a:t>0x1000</a:t>
+            </a:r>
+            <a:endParaRPr lang="ko-Kore-KR" altLang="en-US" sz="1200" dirty="0"/>
+          </a:p>
+        </p:txBody>
+      </p:sp>
+      <p:sp>
+        <p:nvSpPr>
+          <p:cNvPr id="11" name="직사각형 10">
+            <a:extLst>
+              <a:ext uri="{FF2B5EF4-FFF2-40B4-BE49-F238E27FC236}">
+                <a16:creationId xmlns:a16="http://schemas.microsoft.com/office/drawing/2014/main" id="{85D5CBE0-60E7-8EE5-CB27-AEE7C3441094}"/>
+              </a:ext>
+            </a:extLst>
+          </p:cNvPr>
+          <p:cNvSpPr/>
+          <p:nvPr/>
+        </p:nvSpPr>
+        <p:spPr>
+          <a:xfrm>
+            <a:off x="5239113" y="2431857"/>
+            <a:ext cx="1897810" cy="447790"/>
+          </a:xfrm>
+          <a:prstGeom prst="rect">
+            <a:avLst/>
+          </a:prstGeom>
+          <a:solidFill>
+            <a:srgbClr val="FFFF00"/>
+          </a:solidFill>
+        </p:spPr>
+        <p:style>
+          <a:lnRef idx="2">
+            <a:schemeClr val="accent1">
+              <a:shade val="50000"/>
+            </a:schemeClr>
+          </a:lnRef>
+          <a:fillRef idx="1">
+            <a:schemeClr val="accent1"/>
+          </a:fillRef>
+          <a:effectRef idx="0">
+            <a:schemeClr val="accent1"/>
+          </a:effectRef>
+          <a:fontRef idx="minor">
+            <a:schemeClr val="lt1"/>
+          </a:fontRef>
+        </p:style>
+        <p:txBody>
+          <a:bodyPr rtlCol="0" anchor="ctr"/>
+          <a:lstStyle/>
+          <a:p>
+            <a:pPr algn="ctr"/>
+            <a:r>
+              <a:rPr kumimoji="1" lang="en-US" altLang="ko-Kore-KR" dirty="0">
+                <a:solidFill>
+                  <a:schemeClr val="tx1"/>
+                </a:solidFill>
+              </a:rPr>
+              <a:t>0x1000</a:t>
+            </a:r>
+            <a:endParaRPr kumimoji="1" lang="ko-Kore-KR" altLang="en-US" dirty="0">
+              <a:solidFill>
+                <a:schemeClr val="tx1"/>
+              </a:solidFill>
+            </a:endParaRPr>
+          </a:p>
+        </p:txBody>
+      </p:sp>
+      <p:sp>
+        <p:nvSpPr>
+          <p:cNvPr id="12" name="TextBox 11">
+            <a:extLst>
+              <a:ext uri="{FF2B5EF4-FFF2-40B4-BE49-F238E27FC236}">
+                <a16:creationId xmlns:a16="http://schemas.microsoft.com/office/drawing/2014/main" id="{1D574857-2B75-068C-C6E2-B806ACCD230E}"/>
+              </a:ext>
+            </a:extLst>
+          </p:cNvPr>
+          <p:cNvSpPr txBox="1"/>
+          <p:nvPr/>
+        </p:nvSpPr>
+        <p:spPr>
+          <a:xfrm>
+            <a:off x="4692770" y="2510315"/>
+            <a:ext cx="546343" cy="369332"/>
+          </a:xfrm>
+          <a:prstGeom prst="rect">
+            <a:avLst/>
+          </a:prstGeom>
+          <a:noFill/>
+        </p:spPr>
+        <p:txBody>
+          <a:bodyPr wrap="square">
+            <a:spAutoFit/>
+          </a:bodyPr>
+          <a:lstStyle/>
+          <a:p>
+            <a:r>
+              <a:rPr lang="en-US" altLang="ko-Kore-KR" dirty="0">
+                <a:latin typeface="DM Mono" panose="020B0509040201040103" pitchFamily="49" charset="0"/>
+              </a:rPr>
+              <a:t>pa</a:t>
+            </a:r>
+            <a:endParaRPr lang="ko-Kore-KR" altLang="en-US" dirty="0"/>
+          </a:p>
+        </p:txBody>
+      </p:sp>
+      <p:sp>
+        <p:nvSpPr>
+          <p:cNvPr id="13" name="직사각형 12">
+            <a:extLst>
+              <a:ext uri="{FF2B5EF4-FFF2-40B4-BE49-F238E27FC236}">
+                <a16:creationId xmlns:a16="http://schemas.microsoft.com/office/drawing/2014/main" id="{5E9F627E-5C2B-F5C9-A21D-3A164A3FA963}"/>
+              </a:ext>
+            </a:extLst>
+          </p:cNvPr>
+          <p:cNvSpPr/>
+          <p:nvPr/>
+        </p:nvSpPr>
+        <p:spPr>
+          <a:xfrm>
+            <a:off x="7140883" y="1434714"/>
+            <a:ext cx="925906" cy="447790"/>
+          </a:xfrm>
+          <a:prstGeom prst="rect">
+            <a:avLst/>
+          </a:prstGeom>
+          <a:solidFill>
+            <a:srgbClr val="FFFF00"/>
+          </a:solidFill>
+        </p:spPr>
+        <p:style>
+          <a:lnRef idx="2">
+            <a:schemeClr val="accent1">
+              <a:shade val="50000"/>
+            </a:schemeClr>
+          </a:lnRef>
+          <a:fillRef idx="1">
+            <a:schemeClr val="accent1"/>
+          </a:fillRef>
+          <a:effectRef idx="0">
+            <a:schemeClr val="accent1"/>
+          </a:effectRef>
+          <a:fontRef idx="minor">
+            <a:schemeClr val="lt1"/>
+          </a:fontRef>
+        </p:style>
+        <p:txBody>
+          <a:bodyPr rtlCol="0" anchor="ctr"/>
+          <a:lstStyle/>
+          <a:p>
+            <a:pPr algn="ctr"/>
+            <a:r>
+              <a:rPr kumimoji="1" lang="en-US" altLang="ko-Kore-KR" dirty="0">
+                <a:solidFill>
+                  <a:schemeClr val="tx1"/>
+                </a:solidFill>
+              </a:rPr>
+              <a:t>20</a:t>
+            </a:r>
+            <a:endParaRPr kumimoji="1" lang="ko-Kore-KR" altLang="en-US" dirty="0">
+              <a:solidFill>
+                <a:schemeClr val="tx1"/>
+              </a:solidFill>
+            </a:endParaRPr>
+          </a:p>
+        </p:txBody>
+      </p:sp>
+      <p:sp>
+        <p:nvSpPr>
+          <p:cNvPr id="14" name="TextBox 13">
+            <a:extLst>
+              <a:ext uri="{FF2B5EF4-FFF2-40B4-BE49-F238E27FC236}">
+                <a16:creationId xmlns:a16="http://schemas.microsoft.com/office/drawing/2014/main" id="{DC44D0DF-6240-B881-6F50-0F7846F34585}"/>
+              </a:ext>
+            </a:extLst>
+          </p:cNvPr>
+          <p:cNvSpPr txBox="1"/>
+          <p:nvPr/>
+        </p:nvSpPr>
+        <p:spPr>
+          <a:xfrm>
+            <a:off x="6763477" y="1513172"/>
+            <a:ext cx="377406" cy="369332"/>
+          </a:xfrm>
+          <a:prstGeom prst="rect">
+            <a:avLst/>
+          </a:prstGeom>
+          <a:noFill/>
+        </p:spPr>
+        <p:txBody>
+          <a:bodyPr wrap="square">
+            <a:spAutoFit/>
+          </a:bodyPr>
+          <a:lstStyle/>
+          <a:p>
+            <a:r>
+              <a:rPr lang="en-US" altLang="ko-Kore-KR" dirty="0">
+                <a:latin typeface="DM Mono" panose="020B0509040201040103" pitchFamily="49" charset="0"/>
+              </a:rPr>
+              <a:t>b</a:t>
+            </a:r>
+            <a:endParaRPr lang="ko-Kore-KR" altLang="en-US" dirty="0"/>
+          </a:p>
+        </p:txBody>
+      </p:sp>
+      <p:sp>
+        <p:nvSpPr>
+          <p:cNvPr id="15" name="TextBox 14">
+            <a:extLst>
+              <a:ext uri="{FF2B5EF4-FFF2-40B4-BE49-F238E27FC236}">
+                <a16:creationId xmlns:a16="http://schemas.microsoft.com/office/drawing/2014/main" id="{3E27AF2D-E251-15F9-411E-05FAD7C921C0}"/>
+              </a:ext>
+            </a:extLst>
+          </p:cNvPr>
+          <p:cNvSpPr txBox="1"/>
+          <p:nvPr/>
+        </p:nvSpPr>
+        <p:spPr>
+          <a:xfrm>
+            <a:off x="6801218" y="1157715"/>
+            <a:ext cx="679330" cy="276999"/>
+          </a:xfrm>
+          <a:prstGeom prst="rect">
+            <a:avLst/>
+          </a:prstGeom>
+          <a:noFill/>
+        </p:spPr>
+        <p:txBody>
+          <a:bodyPr wrap="square">
+            <a:spAutoFit/>
+          </a:bodyPr>
+          <a:lstStyle/>
+          <a:p>
+            <a:r>
+              <a:rPr kumimoji="1" lang="en-US" altLang="ko-Kore-KR" sz="1200" dirty="0">
+                <a:solidFill>
+                  <a:schemeClr val="tx1"/>
+                </a:solidFill>
+              </a:rPr>
+              <a:t>0x2000</a:t>
+            </a:r>
+            <a:endParaRPr lang="ko-Kore-KR" altLang="en-US" sz="1200" dirty="0"/>
+          </a:p>
+        </p:txBody>
+      </p:sp>
+      <p:sp>
+        <p:nvSpPr>
+          <p:cNvPr id="16" name="직사각형 15">
+            <a:extLst>
+              <a:ext uri="{FF2B5EF4-FFF2-40B4-BE49-F238E27FC236}">
+                <a16:creationId xmlns:a16="http://schemas.microsoft.com/office/drawing/2014/main" id="{E9254095-A04C-3A06-2B65-70A68ED6FE53}"/>
+              </a:ext>
+            </a:extLst>
+          </p:cNvPr>
+          <p:cNvSpPr/>
+          <p:nvPr/>
+        </p:nvSpPr>
+        <p:spPr>
+          <a:xfrm>
+            <a:off x="5239113" y="3267485"/>
+            <a:ext cx="1897810" cy="447790"/>
+          </a:xfrm>
+          <a:prstGeom prst="rect">
+            <a:avLst/>
+          </a:prstGeom>
+          <a:solidFill>
+            <a:srgbClr val="FFFF00"/>
+          </a:solidFill>
+        </p:spPr>
+        <p:style>
+          <a:lnRef idx="2">
+            <a:schemeClr val="accent1">
+              <a:shade val="50000"/>
+            </a:schemeClr>
+          </a:lnRef>
+          <a:fillRef idx="1">
+            <a:schemeClr val="accent1"/>
+          </a:fillRef>
+          <a:effectRef idx="0">
+            <a:schemeClr val="accent1"/>
+          </a:effectRef>
+          <a:fontRef idx="minor">
+            <a:schemeClr val="lt1"/>
+          </a:fontRef>
+        </p:style>
+        <p:txBody>
+          <a:bodyPr rtlCol="0" anchor="ctr"/>
+          <a:lstStyle/>
+          <a:p>
+            <a:pPr algn="ctr"/>
+            <a:r>
+              <a:rPr kumimoji="1" lang="en-US" altLang="ko-Kore-KR" dirty="0">
+                <a:solidFill>
+                  <a:schemeClr val="tx1"/>
+                </a:solidFill>
+              </a:rPr>
+              <a:t>0x2000</a:t>
+            </a:r>
+            <a:endParaRPr kumimoji="1" lang="ko-Kore-KR" altLang="en-US" dirty="0">
+              <a:solidFill>
+                <a:schemeClr val="tx1"/>
+              </a:solidFill>
+            </a:endParaRPr>
+          </a:p>
+        </p:txBody>
+      </p:sp>
+      <p:sp>
+        <p:nvSpPr>
+          <p:cNvPr id="17" name="TextBox 16">
+            <a:extLst>
+              <a:ext uri="{FF2B5EF4-FFF2-40B4-BE49-F238E27FC236}">
+                <a16:creationId xmlns:a16="http://schemas.microsoft.com/office/drawing/2014/main" id="{E014A1D6-CFE8-57E0-D61B-0DE2965A2FAF}"/>
+              </a:ext>
+            </a:extLst>
+          </p:cNvPr>
+          <p:cNvSpPr txBox="1"/>
+          <p:nvPr/>
+        </p:nvSpPr>
+        <p:spPr>
+          <a:xfrm>
+            <a:off x="4692770" y="3345943"/>
+            <a:ext cx="546343" cy="369332"/>
+          </a:xfrm>
+          <a:prstGeom prst="rect">
+            <a:avLst/>
+          </a:prstGeom>
+          <a:noFill/>
+        </p:spPr>
+        <p:txBody>
+          <a:bodyPr wrap="square">
+            <a:spAutoFit/>
+          </a:bodyPr>
+          <a:lstStyle/>
+          <a:p>
+            <a:r>
+              <a:rPr lang="en-US" altLang="ko-Kore-KR" dirty="0">
+                <a:latin typeface="DM Mono" panose="020B0509040201040103" pitchFamily="49" charset="0"/>
+              </a:rPr>
+              <a:t>pb</a:t>
+            </a:r>
+            <a:endParaRPr lang="ko-Kore-KR" altLang="en-US" dirty="0"/>
+          </a:p>
+        </p:txBody>
+      </p:sp>
+      <p:sp>
+        <p:nvSpPr>
+          <p:cNvPr id="18" name="TextBox 17">
+            <a:extLst>
+              <a:ext uri="{FF2B5EF4-FFF2-40B4-BE49-F238E27FC236}">
+                <a16:creationId xmlns:a16="http://schemas.microsoft.com/office/drawing/2014/main" id="{3BE6498C-3943-32CF-09EC-5BEFD33F5B4A}"/>
+              </a:ext>
+            </a:extLst>
+          </p:cNvPr>
+          <p:cNvSpPr txBox="1"/>
+          <p:nvPr/>
+        </p:nvSpPr>
+        <p:spPr>
+          <a:xfrm>
+            <a:off x="4899448" y="2154858"/>
+            <a:ext cx="679330" cy="276999"/>
+          </a:xfrm>
+          <a:prstGeom prst="rect">
+            <a:avLst/>
+          </a:prstGeom>
+          <a:noFill/>
+        </p:spPr>
+        <p:txBody>
+          <a:bodyPr wrap="square">
+            <a:spAutoFit/>
+          </a:bodyPr>
+          <a:lstStyle/>
+          <a:p>
+            <a:r>
+              <a:rPr kumimoji="1" lang="en-US" altLang="ko-Kore-KR" sz="1200" dirty="0">
+                <a:solidFill>
+                  <a:schemeClr val="tx1"/>
+                </a:solidFill>
+              </a:rPr>
+              <a:t>0x3000</a:t>
+            </a:r>
+            <a:endParaRPr lang="ko-Kore-KR" altLang="en-US" sz="1200" dirty="0"/>
+          </a:p>
+        </p:txBody>
+      </p:sp>
+      <p:sp>
+        <p:nvSpPr>
+          <p:cNvPr id="19" name="TextBox 18">
+            <a:extLst>
+              <a:ext uri="{FF2B5EF4-FFF2-40B4-BE49-F238E27FC236}">
+                <a16:creationId xmlns:a16="http://schemas.microsoft.com/office/drawing/2014/main" id="{9B0C588E-BC54-2617-4574-083F97B3027E}"/>
+              </a:ext>
+            </a:extLst>
+          </p:cNvPr>
+          <p:cNvSpPr txBox="1"/>
+          <p:nvPr/>
+        </p:nvSpPr>
+        <p:spPr>
+          <a:xfrm>
+            <a:off x="4902328" y="2997424"/>
+            <a:ext cx="679330" cy="276999"/>
+          </a:xfrm>
+          <a:prstGeom prst="rect">
+            <a:avLst/>
+          </a:prstGeom>
+          <a:noFill/>
+        </p:spPr>
+        <p:txBody>
+          <a:bodyPr wrap="square">
+            <a:spAutoFit/>
+          </a:bodyPr>
+          <a:lstStyle/>
+          <a:p>
+            <a:r>
+              <a:rPr kumimoji="1" lang="en-US" altLang="ko-Kore-KR" sz="1200" dirty="0">
+                <a:solidFill>
+                  <a:schemeClr val="tx1"/>
+                </a:solidFill>
+              </a:rPr>
+              <a:t>0x4000</a:t>
+            </a:r>
+            <a:endParaRPr lang="ko-Kore-KR" altLang="en-US" sz="1200" dirty="0"/>
+          </a:p>
+        </p:txBody>
+      </p:sp>
+      <p:sp>
+        <p:nvSpPr>
+          <p:cNvPr id="20" name="직사각형 19">
+            <a:extLst>
+              <a:ext uri="{FF2B5EF4-FFF2-40B4-BE49-F238E27FC236}">
+                <a16:creationId xmlns:a16="http://schemas.microsoft.com/office/drawing/2014/main" id="{19E25EA6-0228-F130-F612-02EE0F3A04E9}"/>
+              </a:ext>
+            </a:extLst>
+          </p:cNvPr>
+          <p:cNvSpPr/>
+          <p:nvPr/>
+        </p:nvSpPr>
+        <p:spPr>
+          <a:xfrm>
+            <a:off x="8732113" y="896871"/>
+            <a:ext cx="3318989" cy="3472153"/>
+          </a:xfrm>
+          <a:prstGeom prst="rect">
+            <a:avLst/>
+          </a:prstGeom>
+        </p:spPr>
+        <p:style>
+          <a:lnRef idx="2">
+            <a:schemeClr val="dk1"/>
+          </a:lnRef>
+          <a:fillRef idx="1">
+            <a:schemeClr val="lt1"/>
+          </a:fillRef>
+          <a:effectRef idx="0">
+            <a:schemeClr val="dk1"/>
+          </a:effectRef>
+          <a:fontRef idx="minor">
+            <a:schemeClr val="dk1"/>
+          </a:fontRef>
+        </p:style>
+        <p:txBody>
+          <a:bodyPr rtlCol="0" anchor="ctr"/>
+          <a:lstStyle/>
+          <a:p>
+            <a:pPr algn="ctr"/>
+            <a:endParaRPr kumimoji="1" lang="ko-Kore-KR" altLang="en-US" dirty="0">
+              <a:solidFill>
+                <a:schemeClr val="tx1"/>
+              </a:solidFill>
+            </a:endParaRPr>
+          </a:p>
+        </p:txBody>
+      </p:sp>
+      <p:sp>
+        <p:nvSpPr>
+          <p:cNvPr id="21" name="TextBox 20">
+            <a:extLst>
+              <a:ext uri="{FF2B5EF4-FFF2-40B4-BE49-F238E27FC236}">
+                <a16:creationId xmlns:a16="http://schemas.microsoft.com/office/drawing/2014/main" id="{A974EB20-3767-BF08-7A43-B9E6FD977F69}"/>
+              </a:ext>
+            </a:extLst>
+          </p:cNvPr>
+          <p:cNvSpPr txBox="1"/>
+          <p:nvPr/>
+        </p:nvSpPr>
+        <p:spPr>
+          <a:xfrm>
+            <a:off x="9760812" y="527539"/>
+            <a:ext cx="1669188" cy="369332"/>
+          </a:xfrm>
+          <a:prstGeom prst="rect">
+            <a:avLst/>
+          </a:prstGeom>
+          <a:noFill/>
+        </p:spPr>
+        <p:txBody>
+          <a:bodyPr wrap="square">
+            <a:spAutoFit/>
+          </a:bodyPr>
+          <a:lstStyle/>
+          <a:p>
+            <a:r>
+              <a:rPr lang="en" altLang="ko-Kore-KR" dirty="0" err="1">
+                <a:latin typeface="DM Mono" panose="020B0509040201040103" pitchFamily="49" charset="0"/>
+              </a:rPr>
+              <a:t>pswap</a:t>
+            </a:r>
+            <a:endParaRPr lang="ko-Kore-KR" altLang="en-US" dirty="0"/>
+          </a:p>
+        </p:txBody>
+      </p:sp>
+      <p:sp>
+        <p:nvSpPr>
+          <p:cNvPr id="22" name="직사각형 21">
+            <a:extLst>
+              <a:ext uri="{FF2B5EF4-FFF2-40B4-BE49-F238E27FC236}">
+                <a16:creationId xmlns:a16="http://schemas.microsoft.com/office/drawing/2014/main" id="{2AD03C18-F687-175D-DB48-123650CFF06B}"/>
+              </a:ext>
+            </a:extLst>
+          </p:cNvPr>
+          <p:cNvSpPr/>
+          <p:nvPr/>
+        </p:nvSpPr>
+        <p:spPr>
+          <a:xfrm>
+            <a:off x="9572809" y="1157715"/>
+            <a:ext cx="1897810" cy="447790"/>
+          </a:xfrm>
+          <a:prstGeom prst="rect">
+            <a:avLst/>
+          </a:prstGeom>
+          <a:solidFill>
+            <a:srgbClr val="FFFF00"/>
+          </a:solidFill>
+        </p:spPr>
+        <p:style>
+          <a:lnRef idx="2">
+            <a:schemeClr val="accent1">
+              <a:shade val="50000"/>
+            </a:schemeClr>
+          </a:lnRef>
+          <a:fillRef idx="1">
+            <a:schemeClr val="accent1"/>
+          </a:fillRef>
+          <a:effectRef idx="0">
+            <a:schemeClr val="accent1"/>
+          </a:effectRef>
+          <a:fontRef idx="minor">
+            <a:schemeClr val="lt1"/>
+          </a:fontRef>
+        </p:style>
+        <p:txBody>
+          <a:bodyPr rtlCol="0" anchor="ctr"/>
+          <a:lstStyle/>
+          <a:p>
+            <a:pPr algn="ctr"/>
+            <a:r>
+              <a:rPr kumimoji="1" lang="en-US" altLang="ko-Kore-KR" dirty="0">
+                <a:solidFill>
+                  <a:schemeClr val="tx1"/>
+                </a:solidFill>
+              </a:rPr>
+              <a:t>0x3000</a:t>
+            </a:r>
+            <a:endParaRPr kumimoji="1" lang="ko-Kore-KR" altLang="en-US" dirty="0">
+              <a:solidFill>
+                <a:schemeClr val="tx1"/>
+              </a:solidFill>
+            </a:endParaRPr>
+          </a:p>
+        </p:txBody>
+      </p:sp>
+      <p:sp>
+        <p:nvSpPr>
+          <p:cNvPr id="23" name="TextBox 22">
+            <a:extLst>
+              <a:ext uri="{FF2B5EF4-FFF2-40B4-BE49-F238E27FC236}">
+                <a16:creationId xmlns:a16="http://schemas.microsoft.com/office/drawing/2014/main" id="{F0CF18E2-17B4-40CC-4F47-DBCDA4C1DBE9}"/>
+              </a:ext>
+            </a:extLst>
+          </p:cNvPr>
+          <p:cNvSpPr txBox="1"/>
+          <p:nvPr/>
+        </p:nvSpPr>
+        <p:spPr>
+          <a:xfrm>
+            <a:off x="9026466" y="1236173"/>
+            <a:ext cx="546343" cy="369332"/>
+          </a:xfrm>
+          <a:prstGeom prst="rect">
+            <a:avLst/>
+          </a:prstGeom>
+          <a:noFill/>
+        </p:spPr>
+        <p:txBody>
+          <a:bodyPr wrap="square">
+            <a:spAutoFit/>
+          </a:bodyPr>
+          <a:lstStyle/>
+          <a:p>
+            <a:r>
+              <a:rPr lang="en-US" altLang="ko-Kore-KR" dirty="0">
+                <a:latin typeface="DM Mono" panose="020B0509040201040103" pitchFamily="49" charset="0"/>
+              </a:rPr>
+              <a:t>a</a:t>
+            </a:r>
+            <a:endParaRPr lang="ko-Kore-KR" altLang="en-US" dirty="0"/>
+          </a:p>
+        </p:txBody>
+      </p:sp>
+      <p:sp>
+        <p:nvSpPr>
+          <p:cNvPr id="24" name="직사각형 23">
+            <a:extLst>
+              <a:ext uri="{FF2B5EF4-FFF2-40B4-BE49-F238E27FC236}">
+                <a16:creationId xmlns:a16="http://schemas.microsoft.com/office/drawing/2014/main" id="{EB4CD40A-FFB3-7E5C-DD52-6C1AA13764B1}"/>
+              </a:ext>
+            </a:extLst>
+          </p:cNvPr>
+          <p:cNvSpPr/>
+          <p:nvPr/>
+        </p:nvSpPr>
+        <p:spPr>
+          <a:xfrm>
+            <a:off x="9572809" y="1993343"/>
+            <a:ext cx="1897810" cy="447790"/>
+          </a:xfrm>
+          <a:prstGeom prst="rect">
+            <a:avLst/>
+          </a:prstGeom>
+          <a:solidFill>
+            <a:srgbClr val="FFFF00"/>
+          </a:solidFill>
+        </p:spPr>
+        <p:style>
+          <a:lnRef idx="2">
+            <a:schemeClr val="accent1">
+              <a:shade val="50000"/>
+            </a:schemeClr>
+          </a:lnRef>
+          <a:fillRef idx="1">
+            <a:schemeClr val="accent1"/>
+          </a:fillRef>
+          <a:effectRef idx="0">
+            <a:schemeClr val="accent1"/>
+          </a:effectRef>
+          <a:fontRef idx="minor">
+            <a:schemeClr val="lt1"/>
+          </a:fontRef>
+        </p:style>
+        <p:txBody>
+          <a:bodyPr rtlCol="0" anchor="ctr"/>
+          <a:lstStyle/>
+          <a:p>
+            <a:pPr algn="ctr"/>
+            <a:r>
+              <a:rPr kumimoji="1" lang="en-US" altLang="ko-Kore-KR" dirty="0">
+                <a:solidFill>
+                  <a:schemeClr val="tx1"/>
+                </a:solidFill>
+              </a:rPr>
+              <a:t>0x4000</a:t>
+            </a:r>
+            <a:endParaRPr kumimoji="1" lang="ko-Kore-KR" altLang="en-US" dirty="0">
+              <a:solidFill>
+                <a:schemeClr val="tx1"/>
+              </a:solidFill>
+            </a:endParaRPr>
+          </a:p>
+        </p:txBody>
+      </p:sp>
+      <p:sp>
+        <p:nvSpPr>
+          <p:cNvPr id="25" name="TextBox 24">
+            <a:extLst>
+              <a:ext uri="{FF2B5EF4-FFF2-40B4-BE49-F238E27FC236}">
+                <a16:creationId xmlns:a16="http://schemas.microsoft.com/office/drawing/2014/main" id="{B6D5D7C8-72DB-B1E2-3A36-A42D2A494A6E}"/>
+              </a:ext>
+            </a:extLst>
+          </p:cNvPr>
+          <p:cNvSpPr txBox="1"/>
+          <p:nvPr/>
+        </p:nvSpPr>
+        <p:spPr>
+          <a:xfrm>
+            <a:off x="9026466" y="2071801"/>
+            <a:ext cx="546343" cy="369332"/>
+          </a:xfrm>
+          <a:prstGeom prst="rect">
+            <a:avLst/>
+          </a:prstGeom>
+          <a:noFill/>
+        </p:spPr>
+        <p:txBody>
+          <a:bodyPr wrap="square">
+            <a:spAutoFit/>
+          </a:bodyPr>
+          <a:lstStyle/>
+          <a:p>
+            <a:r>
+              <a:rPr lang="en-US" altLang="ko-Kore-KR" dirty="0">
+                <a:latin typeface="DM Mono" panose="020B0509040201040103" pitchFamily="49" charset="0"/>
+              </a:rPr>
+              <a:t>b</a:t>
+            </a:r>
+            <a:endParaRPr lang="ko-Kore-KR" altLang="en-US" dirty="0"/>
+          </a:p>
+        </p:txBody>
+      </p:sp>
+    </p:spTree>
+    <p:extLst>
+      <p:ext uri="{BB962C8B-B14F-4D97-AF65-F5344CB8AC3E}">
+        <p14:creationId xmlns:p14="http://schemas.microsoft.com/office/powerpoint/2010/main" val="1411009148"/>
+      </p:ext>
+    </p:extLst>
+  </p:cSld>
+  <p:clrMapOvr>
+    <a:masterClrMapping/>
+  </p:clrMapOvr>
+</p:sld>
+</file>
+
+<file path=ppt/slides/slide37.xml><?xml version="1.0" encoding="utf-8"?>
+<p:sld xmlns:a="http://schemas.openxmlformats.org/drawingml/2006/main" xmlns:r="http://schemas.openxmlformats.org/officeDocument/2006/relationships" xmlns:p="http://schemas.openxmlformats.org/presentationml/2006/main">
+  <p:cSld>
+    <p:spTree>
+      <p:nvGrpSpPr>
+        <p:cNvPr id="1" name=""/>
+        <p:cNvGrpSpPr/>
+        <p:nvPr/>
+      </p:nvGrpSpPr>
+      <p:grpSpPr>
+        <a:xfrm>
+          <a:off x="0" y="0"/>
+          <a:ext cx="0" cy="0"/>
+          <a:chOff x="0" y="0"/>
+          <a:chExt cx="0" cy="0"/>
+        </a:xfrm>
+      </p:grpSpPr>
+      <p:sp>
+        <p:nvSpPr>
+          <p:cNvPr id="5" name="TextBox 4">
+            <a:extLst>
+              <a:ext uri="{FF2B5EF4-FFF2-40B4-BE49-F238E27FC236}">
+                <a16:creationId xmlns:a16="http://schemas.microsoft.com/office/drawing/2014/main" id="{595DC491-3A65-22D2-F412-3DF8E0FAD408}"/>
+              </a:ext>
+            </a:extLst>
+          </p:cNvPr>
+          <p:cNvSpPr txBox="1"/>
+          <p:nvPr/>
+        </p:nvSpPr>
+        <p:spPr>
+          <a:xfrm>
+            <a:off x="329959" y="86157"/>
+            <a:ext cx="4017753" cy="4616648"/>
+          </a:xfrm>
+          <a:prstGeom prst="rect">
+            <a:avLst/>
+          </a:prstGeom>
+          <a:noFill/>
+        </p:spPr>
+        <p:txBody>
+          <a:bodyPr wrap="square">
+            <a:spAutoFit/>
+          </a:bodyPr>
+          <a:lstStyle/>
+          <a:p>
+            <a:r>
+              <a:rPr lang="ko-Kore-KR" altLang="en-US" sz="1400" dirty="0">
+                <a:latin typeface="DM Mono" panose="020B0509040201040103" pitchFamily="49" charset="0"/>
+              </a:rPr>
+              <a:t>void pswap(int **a, int **b)</a:t>
+            </a:r>
+          </a:p>
+          <a:p>
+            <a:r>
+              <a:rPr lang="ko-Kore-KR" altLang="en-US" sz="1400" dirty="0">
+                <a:latin typeface="DM Mono" panose="020B0509040201040103" pitchFamily="49" charset="0"/>
+              </a:rPr>
+              <a:t>{</a:t>
+            </a:r>
+          </a:p>
+          <a:p>
+            <a:r>
+              <a:rPr lang="ko-Kore-KR" altLang="en-US" sz="1400" dirty="0">
+                <a:latin typeface="DM Mono" panose="020B0509040201040103" pitchFamily="49" charset="0"/>
+              </a:rPr>
+              <a:t>  int *temp = *a;</a:t>
+            </a:r>
+          </a:p>
+          <a:p>
+            <a:r>
+              <a:rPr lang="ko-Kore-KR" altLang="en-US" sz="1400" dirty="0">
+                <a:latin typeface="DM Mono" panose="020B0509040201040103" pitchFamily="49" charset="0"/>
+              </a:rPr>
+              <a:t>  *a = *b;</a:t>
+            </a:r>
+          </a:p>
+          <a:p>
+            <a:r>
+              <a:rPr lang="ko-Kore-KR" altLang="en-US" sz="1400" dirty="0">
+                <a:latin typeface="DM Mono" panose="020B0509040201040103" pitchFamily="49" charset="0"/>
+              </a:rPr>
+              <a:t>  *b = temp;</a:t>
+            </a:r>
+          </a:p>
+          <a:p>
+            <a:r>
+              <a:rPr lang="ko-Kore-KR" altLang="en-US" sz="1400" dirty="0">
+                <a:latin typeface="DM Mono" panose="020B0509040201040103" pitchFamily="49" charset="0"/>
+              </a:rPr>
+              <a:t>}</a:t>
+            </a:r>
+          </a:p>
+          <a:p>
+            <a:endParaRPr lang="ko-Kore-KR" altLang="en-US" sz="1400" dirty="0">
+              <a:latin typeface="DM Mono" panose="020B0509040201040103" pitchFamily="49" charset="0"/>
+            </a:endParaRPr>
+          </a:p>
+          <a:p>
+            <a:r>
+              <a:rPr lang="ko-Kore-KR" altLang="en-US" sz="1400" dirty="0">
+                <a:latin typeface="DM Mono" panose="020B0509040201040103" pitchFamily="49" charset="0"/>
+              </a:rPr>
+              <a:t>int main(void)</a:t>
+            </a:r>
+          </a:p>
+          <a:p>
+            <a:r>
+              <a:rPr lang="ko-Kore-KR" altLang="en-US" sz="1400" dirty="0">
+                <a:latin typeface="DM Mono" panose="020B0509040201040103" pitchFamily="49" charset="0"/>
+              </a:rPr>
+              <a:t>{</a:t>
+            </a:r>
+          </a:p>
+          <a:p>
+            <a:r>
+              <a:rPr lang="ko-Kore-KR" altLang="en-US" sz="1400" dirty="0">
+                <a:latin typeface="DM Mono" panose="020B0509040201040103" pitchFamily="49" charset="0"/>
+              </a:rPr>
+              <a:t>  int a = 10;</a:t>
+            </a:r>
+          </a:p>
+          <a:p>
+            <a:r>
+              <a:rPr lang="ko-Kore-KR" altLang="en-US" sz="1400" dirty="0">
+                <a:latin typeface="DM Mono" panose="020B0509040201040103" pitchFamily="49" charset="0"/>
+              </a:rPr>
+              <a:t>  int b = 20;</a:t>
+            </a:r>
+          </a:p>
+          <a:p>
+            <a:endParaRPr lang="ko-Kore-KR" altLang="en-US" sz="1400" dirty="0">
+              <a:latin typeface="DM Mono" panose="020B0509040201040103" pitchFamily="49" charset="0"/>
+            </a:endParaRPr>
+          </a:p>
+          <a:p>
+            <a:r>
+              <a:rPr lang="ko-Kore-KR" altLang="en-US" sz="1400" dirty="0">
+                <a:latin typeface="DM Mono" panose="020B0509040201040103" pitchFamily="49" charset="0"/>
+              </a:rPr>
+              <a:t>  int *pa = &amp;a;</a:t>
+            </a:r>
+          </a:p>
+          <a:p>
+            <a:r>
+              <a:rPr lang="ko-Kore-KR" altLang="en-US" sz="1400" dirty="0">
+                <a:latin typeface="DM Mono" panose="020B0509040201040103" pitchFamily="49" charset="0"/>
+              </a:rPr>
+              <a:t>  int *pb = &amp;b;</a:t>
+            </a:r>
+          </a:p>
+          <a:p>
+            <a:r>
+              <a:rPr lang="ko-Kore-KR" altLang="en-US" sz="1400" dirty="0">
+                <a:latin typeface="DM Mono" panose="020B0509040201040103" pitchFamily="49" charset="0"/>
+              </a:rPr>
+              <a:t>  printf("%d %d\n", *pa, *pb);</a:t>
+            </a:r>
+          </a:p>
+          <a:p>
+            <a:endParaRPr lang="ko-Kore-KR" altLang="en-US" sz="1400" dirty="0">
+              <a:latin typeface="DM Mono" panose="020B0509040201040103" pitchFamily="49" charset="0"/>
+            </a:endParaRPr>
+          </a:p>
+          <a:p>
+            <a:r>
+              <a:rPr lang="ko-Kore-KR" altLang="en-US" sz="1400" dirty="0">
+                <a:latin typeface="DM Mono" panose="020B0509040201040103" pitchFamily="49" charset="0"/>
+              </a:rPr>
+              <a:t>  pswap(&amp;pa, &amp;pb);</a:t>
+            </a:r>
+          </a:p>
+          <a:p>
+            <a:r>
+              <a:rPr lang="ko-Kore-KR" altLang="en-US" sz="1400" dirty="0">
+                <a:latin typeface="DM Mono" panose="020B0509040201040103" pitchFamily="49" charset="0"/>
+              </a:rPr>
+              <a:t>  printf("%d %d\n", *pa, *pb);</a:t>
+            </a:r>
+          </a:p>
+          <a:p>
+            <a:endParaRPr lang="ko-Kore-KR" altLang="en-US" sz="1400" dirty="0">
+              <a:latin typeface="DM Mono" panose="020B0509040201040103" pitchFamily="49" charset="0"/>
+            </a:endParaRPr>
+          </a:p>
+          <a:p>
+            <a:r>
+              <a:rPr lang="ko-Kore-KR" altLang="en-US" sz="1400" dirty="0">
+                <a:latin typeface="DM Mono" panose="020B0509040201040103" pitchFamily="49" charset="0"/>
+              </a:rPr>
+              <a:t>  return 0;</a:t>
+            </a:r>
+          </a:p>
+          <a:p>
+            <a:r>
+              <a:rPr lang="ko-Kore-KR" altLang="en-US" sz="1400" dirty="0">
+                <a:latin typeface="DM Mono" panose="020B0509040201040103" pitchFamily="49" charset="0"/>
+              </a:rPr>
+              <a:t>}</a:t>
+            </a:r>
+          </a:p>
+        </p:txBody>
+      </p:sp>
+      <p:sp>
+        <p:nvSpPr>
+          <p:cNvPr id="6" name="직사각형 5">
+            <a:extLst>
+              <a:ext uri="{FF2B5EF4-FFF2-40B4-BE49-F238E27FC236}">
+                <a16:creationId xmlns:a16="http://schemas.microsoft.com/office/drawing/2014/main" id="{BFFA17EA-9606-0A5D-1778-72BE750A1056}"/>
+              </a:ext>
+            </a:extLst>
+          </p:cNvPr>
+          <p:cNvSpPr/>
+          <p:nvPr/>
+        </p:nvSpPr>
+        <p:spPr>
+          <a:xfrm>
+            <a:off x="4500108" y="901439"/>
+            <a:ext cx="4109054" cy="3472153"/>
+          </a:xfrm>
+          <a:prstGeom prst="rect">
+            <a:avLst/>
+          </a:prstGeom>
+        </p:spPr>
+        <p:style>
+          <a:lnRef idx="2">
+            <a:schemeClr val="dk1"/>
+          </a:lnRef>
+          <a:fillRef idx="1">
+            <a:schemeClr val="lt1"/>
+          </a:fillRef>
+          <a:effectRef idx="0">
+            <a:schemeClr val="dk1"/>
+          </a:effectRef>
+          <a:fontRef idx="minor">
+            <a:schemeClr val="dk1"/>
+          </a:fontRef>
+        </p:style>
+        <p:txBody>
+          <a:bodyPr rtlCol="0" anchor="ctr"/>
+          <a:lstStyle/>
+          <a:p>
+            <a:pPr algn="ctr"/>
+            <a:endParaRPr kumimoji="1" lang="ko-Kore-KR" altLang="en-US" dirty="0">
+              <a:solidFill>
+                <a:schemeClr val="tx1"/>
+              </a:solidFill>
+            </a:endParaRPr>
+          </a:p>
+        </p:txBody>
+      </p:sp>
+      <p:sp>
+        <p:nvSpPr>
+          <p:cNvPr id="7" name="직사각형 6">
+            <a:extLst>
+              <a:ext uri="{FF2B5EF4-FFF2-40B4-BE49-F238E27FC236}">
+                <a16:creationId xmlns:a16="http://schemas.microsoft.com/office/drawing/2014/main" id="{1E6CBAC5-F5AE-DE24-E81A-BB28614A53CA}"/>
+              </a:ext>
+            </a:extLst>
+          </p:cNvPr>
+          <p:cNvSpPr/>
+          <p:nvPr/>
+        </p:nvSpPr>
+        <p:spPr>
+          <a:xfrm>
+            <a:off x="5497906" y="1434715"/>
+            <a:ext cx="925906" cy="447790"/>
+          </a:xfrm>
+          <a:prstGeom prst="rect">
+            <a:avLst/>
+          </a:prstGeom>
+          <a:solidFill>
+            <a:srgbClr val="FFFF00"/>
+          </a:solidFill>
+        </p:spPr>
+        <p:style>
+          <a:lnRef idx="2">
+            <a:schemeClr val="accent1">
+              <a:shade val="50000"/>
+            </a:schemeClr>
+          </a:lnRef>
+          <a:fillRef idx="1">
+            <a:schemeClr val="accent1"/>
+          </a:fillRef>
+          <a:effectRef idx="0">
+            <a:schemeClr val="accent1"/>
+          </a:effectRef>
+          <a:fontRef idx="minor">
+            <a:schemeClr val="lt1"/>
+          </a:fontRef>
+        </p:style>
+        <p:txBody>
+          <a:bodyPr rtlCol="0" anchor="ctr"/>
+          <a:lstStyle/>
+          <a:p>
+            <a:pPr algn="ctr"/>
+            <a:r>
+              <a:rPr kumimoji="1" lang="en-US" altLang="ko-Kore-KR" dirty="0">
+                <a:solidFill>
+                  <a:schemeClr val="tx1"/>
+                </a:solidFill>
+              </a:rPr>
+              <a:t>10</a:t>
+            </a:r>
+            <a:endParaRPr kumimoji="1" lang="ko-Kore-KR" altLang="en-US" dirty="0">
+              <a:solidFill>
+                <a:schemeClr val="tx1"/>
+              </a:solidFill>
+            </a:endParaRPr>
+          </a:p>
+        </p:txBody>
+      </p:sp>
+      <p:sp>
+        <p:nvSpPr>
+          <p:cNvPr id="8" name="TextBox 7">
+            <a:extLst>
+              <a:ext uri="{FF2B5EF4-FFF2-40B4-BE49-F238E27FC236}">
+                <a16:creationId xmlns:a16="http://schemas.microsoft.com/office/drawing/2014/main" id="{D9BB539A-7B5C-3EDB-5050-72E6EB37C2F4}"/>
+              </a:ext>
+            </a:extLst>
+          </p:cNvPr>
+          <p:cNvSpPr txBox="1"/>
+          <p:nvPr/>
+        </p:nvSpPr>
+        <p:spPr>
+          <a:xfrm>
+            <a:off x="5120500" y="1513173"/>
+            <a:ext cx="377406" cy="369332"/>
+          </a:xfrm>
+          <a:prstGeom prst="rect">
+            <a:avLst/>
+          </a:prstGeom>
+          <a:noFill/>
+        </p:spPr>
+        <p:txBody>
+          <a:bodyPr wrap="square">
+            <a:spAutoFit/>
+          </a:bodyPr>
+          <a:lstStyle/>
+          <a:p>
+            <a:r>
+              <a:rPr lang="en-US" altLang="ko-Kore-KR" dirty="0">
+                <a:latin typeface="DM Mono" panose="020B0509040201040103" pitchFamily="49" charset="0"/>
+              </a:rPr>
+              <a:t>a</a:t>
+            </a:r>
+            <a:endParaRPr lang="ko-Kore-KR" altLang="en-US" dirty="0"/>
+          </a:p>
+        </p:txBody>
+      </p:sp>
+      <p:sp>
+        <p:nvSpPr>
+          <p:cNvPr id="9" name="TextBox 8">
+            <a:extLst>
+              <a:ext uri="{FF2B5EF4-FFF2-40B4-BE49-F238E27FC236}">
+                <a16:creationId xmlns:a16="http://schemas.microsoft.com/office/drawing/2014/main" id="{54A68151-0B2B-C6DD-EC93-D80A9CFB351F}"/>
+              </a:ext>
+            </a:extLst>
+          </p:cNvPr>
+          <p:cNvSpPr txBox="1"/>
+          <p:nvPr/>
+        </p:nvSpPr>
+        <p:spPr>
+          <a:xfrm>
+            <a:off x="5767836" y="621860"/>
+            <a:ext cx="808727" cy="369332"/>
+          </a:xfrm>
+          <a:prstGeom prst="rect">
+            <a:avLst/>
+          </a:prstGeom>
+          <a:noFill/>
+        </p:spPr>
+        <p:txBody>
+          <a:bodyPr wrap="square">
+            <a:spAutoFit/>
+          </a:bodyPr>
+          <a:lstStyle/>
+          <a:p>
+            <a:r>
+              <a:rPr lang="en" altLang="ko-Kore-KR" dirty="0">
+                <a:latin typeface="DM Mono" panose="020B0509040201040103" pitchFamily="49" charset="0"/>
+              </a:rPr>
+              <a:t>main</a:t>
+            </a:r>
+            <a:endParaRPr lang="ko-Kore-KR" altLang="en-US" dirty="0"/>
+          </a:p>
+        </p:txBody>
+      </p:sp>
+      <p:sp>
+        <p:nvSpPr>
+          <p:cNvPr id="10" name="TextBox 9">
+            <a:extLst>
+              <a:ext uri="{FF2B5EF4-FFF2-40B4-BE49-F238E27FC236}">
+                <a16:creationId xmlns:a16="http://schemas.microsoft.com/office/drawing/2014/main" id="{10B133A1-742B-0E72-C46D-FA58D527DAB9}"/>
+              </a:ext>
+            </a:extLst>
+          </p:cNvPr>
+          <p:cNvSpPr txBox="1"/>
+          <p:nvPr/>
+        </p:nvSpPr>
+        <p:spPr>
+          <a:xfrm>
+            <a:off x="5158241" y="1157716"/>
+            <a:ext cx="679330" cy="276999"/>
+          </a:xfrm>
+          <a:prstGeom prst="rect">
+            <a:avLst/>
+          </a:prstGeom>
+          <a:noFill/>
+        </p:spPr>
+        <p:txBody>
+          <a:bodyPr wrap="square">
+            <a:spAutoFit/>
+          </a:bodyPr>
+          <a:lstStyle/>
+          <a:p>
+            <a:r>
+              <a:rPr kumimoji="1" lang="en-US" altLang="ko-Kore-KR" sz="1200" dirty="0">
+                <a:solidFill>
+                  <a:schemeClr val="tx1"/>
+                </a:solidFill>
+              </a:rPr>
+              <a:t>0x1000</a:t>
+            </a:r>
+            <a:endParaRPr lang="ko-Kore-KR" altLang="en-US" sz="1200" dirty="0"/>
+          </a:p>
+        </p:txBody>
+      </p:sp>
+      <p:sp>
+        <p:nvSpPr>
+          <p:cNvPr id="11" name="직사각형 10">
+            <a:extLst>
+              <a:ext uri="{FF2B5EF4-FFF2-40B4-BE49-F238E27FC236}">
+                <a16:creationId xmlns:a16="http://schemas.microsoft.com/office/drawing/2014/main" id="{85D5CBE0-60E7-8EE5-CB27-AEE7C3441094}"/>
+              </a:ext>
+            </a:extLst>
+          </p:cNvPr>
+          <p:cNvSpPr/>
+          <p:nvPr/>
+        </p:nvSpPr>
+        <p:spPr>
+          <a:xfrm>
+            <a:off x="5239113" y="2431857"/>
+            <a:ext cx="1897810" cy="447790"/>
+          </a:xfrm>
+          <a:prstGeom prst="rect">
+            <a:avLst/>
+          </a:prstGeom>
+          <a:solidFill>
+            <a:srgbClr val="FFFF00"/>
+          </a:solidFill>
+        </p:spPr>
+        <p:style>
+          <a:lnRef idx="2">
+            <a:schemeClr val="accent1">
+              <a:shade val="50000"/>
+            </a:schemeClr>
+          </a:lnRef>
+          <a:fillRef idx="1">
+            <a:schemeClr val="accent1"/>
+          </a:fillRef>
+          <a:effectRef idx="0">
+            <a:schemeClr val="accent1"/>
+          </a:effectRef>
+          <a:fontRef idx="minor">
+            <a:schemeClr val="lt1"/>
+          </a:fontRef>
+        </p:style>
+        <p:txBody>
+          <a:bodyPr rtlCol="0" anchor="ctr"/>
+          <a:lstStyle/>
+          <a:p>
+            <a:pPr algn="ctr"/>
+            <a:r>
+              <a:rPr kumimoji="1" lang="en-US" altLang="ko-Kore-KR" dirty="0">
+                <a:solidFill>
+                  <a:schemeClr val="tx1"/>
+                </a:solidFill>
+              </a:rPr>
+              <a:t>0x1000</a:t>
+            </a:r>
+            <a:endParaRPr kumimoji="1" lang="ko-Kore-KR" altLang="en-US" dirty="0">
+              <a:solidFill>
+                <a:schemeClr val="tx1"/>
+              </a:solidFill>
+            </a:endParaRPr>
+          </a:p>
+        </p:txBody>
+      </p:sp>
+      <p:sp>
+        <p:nvSpPr>
+          <p:cNvPr id="12" name="TextBox 11">
+            <a:extLst>
+              <a:ext uri="{FF2B5EF4-FFF2-40B4-BE49-F238E27FC236}">
+                <a16:creationId xmlns:a16="http://schemas.microsoft.com/office/drawing/2014/main" id="{1D574857-2B75-068C-C6E2-B806ACCD230E}"/>
+              </a:ext>
+            </a:extLst>
+          </p:cNvPr>
+          <p:cNvSpPr txBox="1"/>
+          <p:nvPr/>
+        </p:nvSpPr>
+        <p:spPr>
+          <a:xfrm>
+            <a:off x="4692770" y="2510315"/>
+            <a:ext cx="546343" cy="369332"/>
+          </a:xfrm>
+          <a:prstGeom prst="rect">
+            <a:avLst/>
+          </a:prstGeom>
+          <a:noFill/>
+        </p:spPr>
+        <p:txBody>
+          <a:bodyPr wrap="square">
+            <a:spAutoFit/>
+          </a:bodyPr>
+          <a:lstStyle/>
+          <a:p>
+            <a:r>
+              <a:rPr lang="en-US" altLang="ko-Kore-KR" dirty="0">
+                <a:latin typeface="DM Mono" panose="020B0509040201040103" pitchFamily="49" charset="0"/>
+              </a:rPr>
+              <a:t>pa</a:t>
+            </a:r>
+            <a:endParaRPr lang="ko-Kore-KR" altLang="en-US" dirty="0"/>
+          </a:p>
+        </p:txBody>
+      </p:sp>
+      <p:sp>
+        <p:nvSpPr>
+          <p:cNvPr id="13" name="직사각형 12">
+            <a:extLst>
+              <a:ext uri="{FF2B5EF4-FFF2-40B4-BE49-F238E27FC236}">
+                <a16:creationId xmlns:a16="http://schemas.microsoft.com/office/drawing/2014/main" id="{5E9F627E-5C2B-F5C9-A21D-3A164A3FA963}"/>
+              </a:ext>
+            </a:extLst>
+          </p:cNvPr>
+          <p:cNvSpPr/>
+          <p:nvPr/>
+        </p:nvSpPr>
+        <p:spPr>
+          <a:xfrm>
+            <a:off x="7140883" y="1434714"/>
+            <a:ext cx="925906" cy="447790"/>
+          </a:xfrm>
+          <a:prstGeom prst="rect">
+            <a:avLst/>
+          </a:prstGeom>
+          <a:solidFill>
+            <a:srgbClr val="FFFF00"/>
+          </a:solidFill>
+        </p:spPr>
+        <p:style>
+          <a:lnRef idx="2">
+            <a:schemeClr val="accent1">
+              <a:shade val="50000"/>
+            </a:schemeClr>
+          </a:lnRef>
+          <a:fillRef idx="1">
+            <a:schemeClr val="accent1"/>
+          </a:fillRef>
+          <a:effectRef idx="0">
+            <a:schemeClr val="accent1"/>
+          </a:effectRef>
+          <a:fontRef idx="minor">
+            <a:schemeClr val="lt1"/>
+          </a:fontRef>
+        </p:style>
+        <p:txBody>
+          <a:bodyPr rtlCol="0" anchor="ctr"/>
+          <a:lstStyle/>
+          <a:p>
+            <a:pPr algn="ctr"/>
+            <a:r>
+              <a:rPr kumimoji="1" lang="en-US" altLang="ko-Kore-KR" dirty="0">
+                <a:solidFill>
+                  <a:schemeClr val="tx1"/>
+                </a:solidFill>
+              </a:rPr>
+              <a:t>20</a:t>
+            </a:r>
+            <a:endParaRPr kumimoji="1" lang="ko-Kore-KR" altLang="en-US" dirty="0">
+              <a:solidFill>
+                <a:schemeClr val="tx1"/>
+              </a:solidFill>
+            </a:endParaRPr>
+          </a:p>
+        </p:txBody>
+      </p:sp>
+      <p:sp>
+        <p:nvSpPr>
+          <p:cNvPr id="14" name="TextBox 13">
+            <a:extLst>
+              <a:ext uri="{FF2B5EF4-FFF2-40B4-BE49-F238E27FC236}">
+                <a16:creationId xmlns:a16="http://schemas.microsoft.com/office/drawing/2014/main" id="{DC44D0DF-6240-B881-6F50-0F7846F34585}"/>
+              </a:ext>
+            </a:extLst>
+          </p:cNvPr>
+          <p:cNvSpPr txBox="1"/>
+          <p:nvPr/>
+        </p:nvSpPr>
+        <p:spPr>
+          <a:xfrm>
+            <a:off x="6763477" y="1513172"/>
+            <a:ext cx="377406" cy="369332"/>
+          </a:xfrm>
+          <a:prstGeom prst="rect">
+            <a:avLst/>
+          </a:prstGeom>
+          <a:noFill/>
+        </p:spPr>
+        <p:txBody>
+          <a:bodyPr wrap="square">
+            <a:spAutoFit/>
+          </a:bodyPr>
+          <a:lstStyle/>
+          <a:p>
+            <a:r>
+              <a:rPr lang="en-US" altLang="ko-Kore-KR" dirty="0">
+                <a:latin typeface="DM Mono" panose="020B0509040201040103" pitchFamily="49" charset="0"/>
+              </a:rPr>
+              <a:t>b</a:t>
+            </a:r>
+            <a:endParaRPr lang="ko-Kore-KR" altLang="en-US" dirty="0"/>
+          </a:p>
+        </p:txBody>
+      </p:sp>
+      <p:sp>
+        <p:nvSpPr>
+          <p:cNvPr id="15" name="TextBox 14">
+            <a:extLst>
+              <a:ext uri="{FF2B5EF4-FFF2-40B4-BE49-F238E27FC236}">
+                <a16:creationId xmlns:a16="http://schemas.microsoft.com/office/drawing/2014/main" id="{3E27AF2D-E251-15F9-411E-05FAD7C921C0}"/>
+              </a:ext>
+            </a:extLst>
+          </p:cNvPr>
+          <p:cNvSpPr txBox="1"/>
+          <p:nvPr/>
+        </p:nvSpPr>
+        <p:spPr>
+          <a:xfrm>
+            <a:off x="6801218" y="1157715"/>
+            <a:ext cx="679330" cy="276999"/>
+          </a:xfrm>
+          <a:prstGeom prst="rect">
+            <a:avLst/>
+          </a:prstGeom>
+          <a:noFill/>
+        </p:spPr>
+        <p:txBody>
+          <a:bodyPr wrap="square">
+            <a:spAutoFit/>
+          </a:bodyPr>
+          <a:lstStyle/>
+          <a:p>
+            <a:r>
+              <a:rPr kumimoji="1" lang="en-US" altLang="ko-Kore-KR" sz="1200" dirty="0">
+                <a:solidFill>
+                  <a:schemeClr val="tx1"/>
+                </a:solidFill>
+              </a:rPr>
+              <a:t>0x2000</a:t>
+            </a:r>
+            <a:endParaRPr lang="ko-Kore-KR" altLang="en-US" sz="1200" dirty="0"/>
+          </a:p>
+        </p:txBody>
+      </p:sp>
+      <p:sp>
+        <p:nvSpPr>
+          <p:cNvPr id="16" name="직사각형 15">
+            <a:extLst>
+              <a:ext uri="{FF2B5EF4-FFF2-40B4-BE49-F238E27FC236}">
+                <a16:creationId xmlns:a16="http://schemas.microsoft.com/office/drawing/2014/main" id="{E9254095-A04C-3A06-2B65-70A68ED6FE53}"/>
+              </a:ext>
+            </a:extLst>
+          </p:cNvPr>
+          <p:cNvSpPr/>
+          <p:nvPr/>
+        </p:nvSpPr>
+        <p:spPr>
+          <a:xfrm>
+            <a:off x="5239113" y="3267485"/>
+            <a:ext cx="1897810" cy="447790"/>
+          </a:xfrm>
+          <a:prstGeom prst="rect">
+            <a:avLst/>
+          </a:prstGeom>
+          <a:solidFill>
+            <a:srgbClr val="FFFF00"/>
+          </a:solidFill>
+        </p:spPr>
+        <p:style>
+          <a:lnRef idx="2">
+            <a:schemeClr val="accent1">
+              <a:shade val="50000"/>
+            </a:schemeClr>
+          </a:lnRef>
+          <a:fillRef idx="1">
+            <a:schemeClr val="accent1"/>
+          </a:fillRef>
+          <a:effectRef idx="0">
+            <a:schemeClr val="accent1"/>
+          </a:effectRef>
+          <a:fontRef idx="minor">
+            <a:schemeClr val="lt1"/>
+          </a:fontRef>
+        </p:style>
+        <p:txBody>
+          <a:bodyPr rtlCol="0" anchor="ctr"/>
+          <a:lstStyle/>
+          <a:p>
+            <a:pPr algn="ctr"/>
+            <a:r>
+              <a:rPr kumimoji="1" lang="en-US" altLang="ko-Kore-KR" dirty="0">
+                <a:solidFill>
+                  <a:schemeClr val="tx1"/>
+                </a:solidFill>
+              </a:rPr>
+              <a:t>0x2000</a:t>
+            </a:r>
+            <a:endParaRPr kumimoji="1" lang="ko-Kore-KR" altLang="en-US" dirty="0">
+              <a:solidFill>
+                <a:schemeClr val="tx1"/>
+              </a:solidFill>
+            </a:endParaRPr>
+          </a:p>
+        </p:txBody>
+      </p:sp>
+      <p:sp>
+        <p:nvSpPr>
+          <p:cNvPr id="17" name="TextBox 16">
+            <a:extLst>
+              <a:ext uri="{FF2B5EF4-FFF2-40B4-BE49-F238E27FC236}">
+                <a16:creationId xmlns:a16="http://schemas.microsoft.com/office/drawing/2014/main" id="{E014A1D6-CFE8-57E0-D61B-0DE2965A2FAF}"/>
+              </a:ext>
+            </a:extLst>
+          </p:cNvPr>
+          <p:cNvSpPr txBox="1"/>
+          <p:nvPr/>
+        </p:nvSpPr>
+        <p:spPr>
+          <a:xfrm>
+            <a:off x="4692770" y="3345943"/>
+            <a:ext cx="546343" cy="369332"/>
+          </a:xfrm>
+          <a:prstGeom prst="rect">
+            <a:avLst/>
+          </a:prstGeom>
+          <a:noFill/>
+        </p:spPr>
+        <p:txBody>
+          <a:bodyPr wrap="square">
+            <a:spAutoFit/>
+          </a:bodyPr>
+          <a:lstStyle/>
+          <a:p>
+            <a:r>
+              <a:rPr lang="en-US" altLang="ko-Kore-KR" dirty="0">
+                <a:latin typeface="DM Mono" panose="020B0509040201040103" pitchFamily="49" charset="0"/>
+              </a:rPr>
+              <a:t>pb</a:t>
+            </a:r>
+            <a:endParaRPr lang="ko-Kore-KR" altLang="en-US" dirty="0"/>
+          </a:p>
+        </p:txBody>
+      </p:sp>
+      <p:sp>
+        <p:nvSpPr>
+          <p:cNvPr id="18" name="TextBox 17">
+            <a:extLst>
+              <a:ext uri="{FF2B5EF4-FFF2-40B4-BE49-F238E27FC236}">
+                <a16:creationId xmlns:a16="http://schemas.microsoft.com/office/drawing/2014/main" id="{3BE6498C-3943-32CF-09EC-5BEFD33F5B4A}"/>
+              </a:ext>
+            </a:extLst>
+          </p:cNvPr>
+          <p:cNvSpPr txBox="1"/>
+          <p:nvPr/>
+        </p:nvSpPr>
+        <p:spPr>
+          <a:xfrm>
+            <a:off x="4899448" y="2154858"/>
+            <a:ext cx="679330" cy="276999"/>
+          </a:xfrm>
+          <a:prstGeom prst="rect">
+            <a:avLst/>
+          </a:prstGeom>
+          <a:noFill/>
+        </p:spPr>
+        <p:txBody>
+          <a:bodyPr wrap="square">
+            <a:spAutoFit/>
+          </a:bodyPr>
+          <a:lstStyle/>
+          <a:p>
+            <a:r>
+              <a:rPr kumimoji="1" lang="en-US" altLang="ko-Kore-KR" sz="1200" dirty="0">
+                <a:solidFill>
+                  <a:schemeClr val="tx1"/>
+                </a:solidFill>
+              </a:rPr>
+              <a:t>0x3000</a:t>
+            </a:r>
+            <a:endParaRPr lang="ko-Kore-KR" altLang="en-US" sz="1200" dirty="0"/>
+          </a:p>
+        </p:txBody>
+      </p:sp>
+      <p:sp>
+        <p:nvSpPr>
+          <p:cNvPr id="19" name="TextBox 18">
+            <a:extLst>
+              <a:ext uri="{FF2B5EF4-FFF2-40B4-BE49-F238E27FC236}">
+                <a16:creationId xmlns:a16="http://schemas.microsoft.com/office/drawing/2014/main" id="{9B0C588E-BC54-2617-4574-083F97B3027E}"/>
+              </a:ext>
+            </a:extLst>
+          </p:cNvPr>
+          <p:cNvSpPr txBox="1"/>
+          <p:nvPr/>
+        </p:nvSpPr>
+        <p:spPr>
+          <a:xfrm>
+            <a:off x="4902328" y="2997424"/>
+            <a:ext cx="679330" cy="276999"/>
+          </a:xfrm>
+          <a:prstGeom prst="rect">
+            <a:avLst/>
+          </a:prstGeom>
+          <a:noFill/>
+        </p:spPr>
+        <p:txBody>
+          <a:bodyPr wrap="square">
+            <a:spAutoFit/>
+          </a:bodyPr>
+          <a:lstStyle/>
+          <a:p>
+            <a:r>
+              <a:rPr kumimoji="1" lang="en-US" altLang="ko-Kore-KR" sz="1200" dirty="0">
+                <a:solidFill>
+                  <a:schemeClr val="tx1"/>
+                </a:solidFill>
+              </a:rPr>
+              <a:t>0x4000</a:t>
+            </a:r>
+            <a:endParaRPr lang="ko-Kore-KR" altLang="en-US" sz="1200" dirty="0"/>
+          </a:p>
+        </p:txBody>
+      </p:sp>
+      <p:sp>
+        <p:nvSpPr>
+          <p:cNvPr id="20" name="직사각형 19">
+            <a:extLst>
+              <a:ext uri="{FF2B5EF4-FFF2-40B4-BE49-F238E27FC236}">
+                <a16:creationId xmlns:a16="http://schemas.microsoft.com/office/drawing/2014/main" id="{19E25EA6-0228-F130-F612-02EE0F3A04E9}"/>
+              </a:ext>
+            </a:extLst>
+          </p:cNvPr>
+          <p:cNvSpPr/>
+          <p:nvPr/>
+        </p:nvSpPr>
+        <p:spPr>
+          <a:xfrm>
+            <a:off x="8732113" y="896871"/>
+            <a:ext cx="3318989" cy="3472153"/>
+          </a:xfrm>
+          <a:prstGeom prst="rect">
+            <a:avLst/>
+          </a:prstGeom>
+        </p:spPr>
+        <p:style>
+          <a:lnRef idx="2">
+            <a:schemeClr val="dk1"/>
+          </a:lnRef>
+          <a:fillRef idx="1">
+            <a:schemeClr val="lt1"/>
+          </a:fillRef>
+          <a:effectRef idx="0">
+            <a:schemeClr val="dk1"/>
+          </a:effectRef>
+          <a:fontRef idx="minor">
+            <a:schemeClr val="dk1"/>
+          </a:fontRef>
+        </p:style>
+        <p:txBody>
+          <a:bodyPr rtlCol="0" anchor="ctr"/>
+          <a:lstStyle/>
+          <a:p>
+            <a:pPr algn="ctr"/>
+            <a:endParaRPr kumimoji="1" lang="ko-Kore-KR" altLang="en-US" dirty="0">
+              <a:solidFill>
+                <a:schemeClr val="tx1"/>
+              </a:solidFill>
+            </a:endParaRPr>
+          </a:p>
+        </p:txBody>
+      </p:sp>
+      <p:sp>
+        <p:nvSpPr>
+          <p:cNvPr id="21" name="TextBox 20">
+            <a:extLst>
+              <a:ext uri="{FF2B5EF4-FFF2-40B4-BE49-F238E27FC236}">
+                <a16:creationId xmlns:a16="http://schemas.microsoft.com/office/drawing/2014/main" id="{A974EB20-3767-BF08-7A43-B9E6FD977F69}"/>
+              </a:ext>
+            </a:extLst>
+          </p:cNvPr>
+          <p:cNvSpPr txBox="1"/>
+          <p:nvPr/>
+        </p:nvSpPr>
+        <p:spPr>
+          <a:xfrm>
+            <a:off x="9760812" y="527539"/>
+            <a:ext cx="1669188" cy="369332"/>
+          </a:xfrm>
+          <a:prstGeom prst="rect">
+            <a:avLst/>
+          </a:prstGeom>
+          <a:noFill/>
+        </p:spPr>
+        <p:txBody>
+          <a:bodyPr wrap="square">
+            <a:spAutoFit/>
+          </a:bodyPr>
+          <a:lstStyle/>
+          <a:p>
+            <a:r>
+              <a:rPr lang="en" altLang="ko-Kore-KR" dirty="0" err="1">
+                <a:latin typeface="DM Mono" panose="020B0509040201040103" pitchFamily="49" charset="0"/>
+              </a:rPr>
+              <a:t>pswap</a:t>
+            </a:r>
+            <a:endParaRPr lang="ko-Kore-KR" altLang="en-US" dirty="0"/>
+          </a:p>
+        </p:txBody>
+      </p:sp>
+      <p:sp>
+        <p:nvSpPr>
+          <p:cNvPr id="22" name="직사각형 21">
+            <a:extLst>
+              <a:ext uri="{FF2B5EF4-FFF2-40B4-BE49-F238E27FC236}">
+                <a16:creationId xmlns:a16="http://schemas.microsoft.com/office/drawing/2014/main" id="{2AD03C18-F687-175D-DB48-123650CFF06B}"/>
+              </a:ext>
+            </a:extLst>
+          </p:cNvPr>
+          <p:cNvSpPr/>
+          <p:nvPr/>
+        </p:nvSpPr>
+        <p:spPr>
+          <a:xfrm>
+            <a:off x="9572809" y="1157715"/>
+            <a:ext cx="1897810" cy="447790"/>
+          </a:xfrm>
+          <a:prstGeom prst="rect">
+            <a:avLst/>
+          </a:prstGeom>
+          <a:solidFill>
+            <a:srgbClr val="FFFF00"/>
+          </a:solidFill>
+        </p:spPr>
+        <p:style>
+          <a:lnRef idx="2">
+            <a:schemeClr val="accent1">
+              <a:shade val="50000"/>
+            </a:schemeClr>
+          </a:lnRef>
+          <a:fillRef idx="1">
+            <a:schemeClr val="accent1"/>
+          </a:fillRef>
+          <a:effectRef idx="0">
+            <a:schemeClr val="accent1"/>
+          </a:effectRef>
+          <a:fontRef idx="minor">
+            <a:schemeClr val="lt1"/>
+          </a:fontRef>
+        </p:style>
+        <p:txBody>
+          <a:bodyPr rtlCol="0" anchor="ctr"/>
+          <a:lstStyle/>
+          <a:p>
+            <a:pPr algn="ctr"/>
+            <a:r>
+              <a:rPr kumimoji="1" lang="en-US" altLang="ko-Kore-KR" dirty="0">
+                <a:solidFill>
+                  <a:schemeClr val="tx1"/>
+                </a:solidFill>
+              </a:rPr>
+              <a:t>0x3000</a:t>
+            </a:r>
+            <a:endParaRPr kumimoji="1" lang="ko-Kore-KR" altLang="en-US" dirty="0">
+              <a:solidFill>
+                <a:schemeClr val="tx1"/>
+              </a:solidFill>
+            </a:endParaRPr>
+          </a:p>
+        </p:txBody>
+      </p:sp>
+      <p:sp>
+        <p:nvSpPr>
+          <p:cNvPr id="23" name="TextBox 22">
+            <a:extLst>
+              <a:ext uri="{FF2B5EF4-FFF2-40B4-BE49-F238E27FC236}">
+                <a16:creationId xmlns:a16="http://schemas.microsoft.com/office/drawing/2014/main" id="{F0CF18E2-17B4-40CC-4F47-DBCDA4C1DBE9}"/>
+              </a:ext>
+            </a:extLst>
+          </p:cNvPr>
+          <p:cNvSpPr txBox="1"/>
+          <p:nvPr/>
+        </p:nvSpPr>
+        <p:spPr>
+          <a:xfrm>
+            <a:off x="9026466" y="1236173"/>
+            <a:ext cx="546343" cy="369332"/>
+          </a:xfrm>
+          <a:prstGeom prst="rect">
+            <a:avLst/>
+          </a:prstGeom>
+          <a:noFill/>
+        </p:spPr>
+        <p:txBody>
+          <a:bodyPr wrap="square">
+            <a:spAutoFit/>
+          </a:bodyPr>
+          <a:lstStyle/>
+          <a:p>
+            <a:r>
+              <a:rPr lang="en-US" altLang="ko-Kore-KR" dirty="0">
+                <a:latin typeface="DM Mono" panose="020B0509040201040103" pitchFamily="49" charset="0"/>
+              </a:rPr>
+              <a:t>a</a:t>
+            </a:r>
+            <a:endParaRPr lang="ko-Kore-KR" altLang="en-US" dirty="0"/>
+          </a:p>
+        </p:txBody>
+      </p:sp>
+      <p:sp>
+        <p:nvSpPr>
+          <p:cNvPr id="24" name="직사각형 23">
+            <a:extLst>
+              <a:ext uri="{FF2B5EF4-FFF2-40B4-BE49-F238E27FC236}">
+                <a16:creationId xmlns:a16="http://schemas.microsoft.com/office/drawing/2014/main" id="{EB4CD40A-FFB3-7E5C-DD52-6C1AA13764B1}"/>
+              </a:ext>
+            </a:extLst>
+          </p:cNvPr>
+          <p:cNvSpPr/>
+          <p:nvPr/>
+        </p:nvSpPr>
+        <p:spPr>
+          <a:xfrm>
+            <a:off x="9572809" y="1993343"/>
+            <a:ext cx="1897810" cy="447790"/>
+          </a:xfrm>
+          <a:prstGeom prst="rect">
+            <a:avLst/>
+          </a:prstGeom>
+          <a:solidFill>
+            <a:srgbClr val="FFFF00"/>
+          </a:solidFill>
+        </p:spPr>
+        <p:style>
+          <a:lnRef idx="2">
+            <a:schemeClr val="accent1">
+              <a:shade val="50000"/>
+            </a:schemeClr>
+          </a:lnRef>
+          <a:fillRef idx="1">
+            <a:schemeClr val="accent1"/>
+          </a:fillRef>
+          <a:effectRef idx="0">
+            <a:schemeClr val="accent1"/>
+          </a:effectRef>
+          <a:fontRef idx="minor">
+            <a:schemeClr val="lt1"/>
+          </a:fontRef>
+        </p:style>
+        <p:txBody>
+          <a:bodyPr rtlCol="0" anchor="ctr"/>
+          <a:lstStyle/>
+          <a:p>
+            <a:pPr algn="ctr"/>
+            <a:r>
+              <a:rPr kumimoji="1" lang="en-US" altLang="ko-Kore-KR" dirty="0">
+                <a:solidFill>
+                  <a:schemeClr val="tx1"/>
+                </a:solidFill>
+              </a:rPr>
+              <a:t>0x4000</a:t>
+            </a:r>
+            <a:endParaRPr kumimoji="1" lang="ko-Kore-KR" altLang="en-US" dirty="0">
+              <a:solidFill>
+                <a:schemeClr val="tx1"/>
+              </a:solidFill>
+            </a:endParaRPr>
+          </a:p>
+        </p:txBody>
+      </p:sp>
+      <p:sp>
+        <p:nvSpPr>
+          <p:cNvPr id="25" name="TextBox 24">
+            <a:extLst>
+              <a:ext uri="{FF2B5EF4-FFF2-40B4-BE49-F238E27FC236}">
+                <a16:creationId xmlns:a16="http://schemas.microsoft.com/office/drawing/2014/main" id="{B6D5D7C8-72DB-B1E2-3A36-A42D2A494A6E}"/>
+              </a:ext>
+            </a:extLst>
+          </p:cNvPr>
+          <p:cNvSpPr txBox="1"/>
+          <p:nvPr/>
+        </p:nvSpPr>
+        <p:spPr>
+          <a:xfrm>
+            <a:off x="9026466" y="2071801"/>
+            <a:ext cx="546343" cy="369332"/>
+          </a:xfrm>
+          <a:prstGeom prst="rect">
+            <a:avLst/>
+          </a:prstGeom>
+          <a:noFill/>
+        </p:spPr>
+        <p:txBody>
+          <a:bodyPr wrap="square">
+            <a:spAutoFit/>
+          </a:bodyPr>
+          <a:lstStyle/>
+          <a:p>
+            <a:r>
+              <a:rPr lang="en-US" altLang="ko-Kore-KR" dirty="0">
+                <a:latin typeface="DM Mono" panose="020B0509040201040103" pitchFamily="49" charset="0"/>
+              </a:rPr>
+              <a:t>b</a:t>
+            </a:r>
+            <a:endParaRPr lang="ko-Kore-KR" altLang="en-US" dirty="0"/>
+          </a:p>
+        </p:txBody>
+      </p:sp>
+      <p:sp>
+        <p:nvSpPr>
+          <p:cNvPr id="2" name="직사각형 1">
+            <a:extLst>
+              <a:ext uri="{FF2B5EF4-FFF2-40B4-BE49-F238E27FC236}">
+                <a16:creationId xmlns:a16="http://schemas.microsoft.com/office/drawing/2014/main" id="{A2E1B520-CB8A-F2AB-8BA0-3955ECFC6468}"/>
+              </a:ext>
+            </a:extLst>
+          </p:cNvPr>
+          <p:cNvSpPr/>
+          <p:nvPr/>
+        </p:nvSpPr>
+        <p:spPr>
+          <a:xfrm>
+            <a:off x="9572809" y="2733393"/>
+            <a:ext cx="1897810" cy="447790"/>
+          </a:xfrm>
+          <a:prstGeom prst="rect">
+            <a:avLst/>
+          </a:prstGeom>
+          <a:solidFill>
+            <a:srgbClr val="FFFF00"/>
+          </a:solidFill>
+        </p:spPr>
+        <p:style>
+          <a:lnRef idx="2">
+            <a:schemeClr val="accent1">
+              <a:shade val="50000"/>
+            </a:schemeClr>
+          </a:lnRef>
+          <a:fillRef idx="1">
+            <a:schemeClr val="accent1"/>
+          </a:fillRef>
+          <a:effectRef idx="0">
+            <a:schemeClr val="accent1"/>
+          </a:effectRef>
+          <a:fontRef idx="minor">
+            <a:schemeClr val="lt1"/>
+          </a:fontRef>
+        </p:style>
+        <p:txBody>
+          <a:bodyPr rtlCol="0" anchor="ctr"/>
+          <a:lstStyle/>
+          <a:p>
+            <a:pPr algn="ctr"/>
+            <a:r>
+              <a:rPr kumimoji="1" lang="en-US" altLang="ko-Kore-KR" dirty="0">
+                <a:solidFill>
+                  <a:schemeClr val="tx1"/>
+                </a:solidFill>
+              </a:rPr>
+              <a:t>0x1000</a:t>
+            </a:r>
+            <a:endParaRPr kumimoji="1" lang="ko-Kore-KR" altLang="en-US" dirty="0">
+              <a:solidFill>
+                <a:schemeClr val="tx1"/>
+              </a:solidFill>
+            </a:endParaRPr>
+          </a:p>
+        </p:txBody>
+      </p:sp>
+      <p:sp>
+        <p:nvSpPr>
+          <p:cNvPr id="3" name="TextBox 2">
+            <a:extLst>
+              <a:ext uri="{FF2B5EF4-FFF2-40B4-BE49-F238E27FC236}">
+                <a16:creationId xmlns:a16="http://schemas.microsoft.com/office/drawing/2014/main" id="{A8A5EDF9-6B7E-AE05-8496-B7FB54F39D1F}"/>
+              </a:ext>
+            </a:extLst>
+          </p:cNvPr>
+          <p:cNvSpPr txBox="1"/>
+          <p:nvPr/>
+        </p:nvSpPr>
+        <p:spPr>
+          <a:xfrm>
+            <a:off x="8801824" y="2811851"/>
+            <a:ext cx="770985" cy="369332"/>
+          </a:xfrm>
+          <a:prstGeom prst="rect">
+            <a:avLst/>
+          </a:prstGeom>
+          <a:noFill/>
+        </p:spPr>
+        <p:txBody>
+          <a:bodyPr wrap="square">
+            <a:spAutoFit/>
+          </a:bodyPr>
+          <a:lstStyle/>
+          <a:p>
+            <a:r>
+              <a:rPr lang="en-US" altLang="ko-Kore-KR" dirty="0">
+                <a:latin typeface="DM Mono" panose="020B0509040201040103" pitchFamily="49" charset="0"/>
+              </a:rPr>
+              <a:t>temp</a:t>
+            </a:r>
+            <a:endParaRPr lang="ko-Kore-KR" altLang="en-US" dirty="0"/>
+          </a:p>
+        </p:txBody>
+      </p:sp>
+      <p:cxnSp>
+        <p:nvCxnSpPr>
+          <p:cNvPr id="26" name="구부러진 연결선[U] 25">
+            <a:extLst>
+              <a:ext uri="{FF2B5EF4-FFF2-40B4-BE49-F238E27FC236}">
+                <a16:creationId xmlns:a16="http://schemas.microsoft.com/office/drawing/2014/main" id="{0603681D-246E-33FB-DDA9-90387EE214BF}"/>
+              </a:ext>
+            </a:extLst>
+          </p:cNvPr>
+          <p:cNvCxnSpPr>
+            <a:stCxn id="11" idx="0"/>
+            <a:endCxn id="7" idx="2"/>
+          </p:cNvCxnSpPr>
+          <p:nvPr/>
+        </p:nvCxnSpPr>
+        <p:spPr>
+          <a:xfrm rot="16200000" flipV="1">
+            <a:off x="5799763" y="2043601"/>
+            <a:ext cx="549352" cy="227159"/>
+          </a:xfrm>
+          <a:prstGeom prst="curvedConnector3">
+            <a:avLst/>
+          </a:prstGeom>
+          <a:ln>
+            <a:tailEnd type="triangle"/>
+          </a:ln>
+        </p:spPr>
+        <p:style>
+          <a:lnRef idx="1">
+            <a:schemeClr val="dk1"/>
+          </a:lnRef>
+          <a:fillRef idx="0">
+            <a:schemeClr val="dk1"/>
+          </a:fillRef>
+          <a:effectRef idx="0">
+            <a:schemeClr val="dk1"/>
+          </a:effectRef>
+          <a:fontRef idx="minor">
+            <a:schemeClr val="tx1"/>
+          </a:fontRef>
+        </p:style>
+      </p:cxnSp>
+      <p:cxnSp>
+        <p:nvCxnSpPr>
+          <p:cNvPr id="27" name="구부러진 연결선[U] 26">
+            <a:extLst>
+              <a:ext uri="{FF2B5EF4-FFF2-40B4-BE49-F238E27FC236}">
+                <a16:creationId xmlns:a16="http://schemas.microsoft.com/office/drawing/2014/main" id="{72E71335-DA88-535D-5F33-34A681C60CCB}"/>
+              </a:ext>
+            </a:extLst>
+          </p:cNvPr>
+          <p:cNvCxnSpPr>
+            <a:cxnSpLocks/>
+            <a:stCxn id="16" idx="0"/>
+            <a:endCxn id="13" idx="2"/>
+          </p:cNvCxnSpPr>
+          <p:nvPr/>
+        </p:nvCxnSpPr>
+        <p:spPr>
+          <a:xfrm rot="5400000" flipH="1" flipV="1">
+            <a:off x="6203437" y="1867086"/>
+            <a:ext cx="1384981" cy="1415818"/>
+          </a:xfrm>
+          <a:prstGeom prst="curvedConnector3">
+            <a:avLst>
+              <a:gd name="adj1" fmla="val 10137"/>
+            </a:avLst>
+          </a:prstGeom>
+          <a:ln>
+            <a:tailEnd type="triangle"/>
+          </a:ln>
+        </p:spPr>
+        <p:style>
+          <a:lnRef idx="1">
+            <a:schemeClr val="dk1"/>
+          </a:lnRef>
+          <a:fillRef idx="0">
+            <a:schemeClr val="dk1"/>
+          </a:fillRef>
+          <a:effectRef idx="0">
+            <a:schemeClr val="dk1"/>
+          </a:effectRef>
+          <a:fontRef idx="minor">
+            <a:schemeClr val="tx1"/>
+          </a:fontRef>
+        </p:style>
+      </p:cxnSp>
+    </p:spTree>
+    <p:extLst>
+      <p:ext uri="{BB962C8B-B14F-4D97-AF65-F5344CB8AC3E}">
+        <p14:creationId xmlns:p14="http://schemas.microsoft.com/office/powerpoint/2010/main" val="2916370119"/>
+      </p:ext>
+    </p:extLst>
+  </p:cSld>
+  <p:clrMapOvr>
+    <a:masterClrMapping/>
+  </p:clrMapOvr>
+</p:sld>
+</file>
+
+<file path=ppt/slides/slide38.xml><?xml version="1.0" encoding="utf-8"?>
+<p:sld xmlns:a="http://schemas.openxmlformats.org/drawingml/2006/main" xmlns:r="http://schemas.openxmlformats.org/officeDocument/2006/relationships" xmlns:p="http://schemas.openxmlformats.org/presentationml/2006/main">
+  <p:cSld>
+    <p:spTree>
+      <p:nvGrpSpPr>
+        <p:cNvPr id="1" name=""/>
+        <p:cNvGrpSpPr/>
+        <p:nvPr/>
+      </p:nvGrpSpPr>
+      <p:grpSpPr>
+        <a:xfrm>
+          <a:off x="0" y="0"/>
+          <a:ext cx="0" cy="0"/>
+          <a:chOff x="0" y="0"/>
+          <a:chExt cx="0" cy="0"/>
+        </a:xfrm>
+      </p:grpSpPr>
+      <p:sp>
+        <p:nvSpPr>
+          <p:cNvPr id="5" name="TextBox 4">
+            <a:extLst>
+              <a:ext uri="{FF2B5EF4-FFF2-40B4-BE49-F238E27FC236}">
+                <a16:creationId xmlns:a16="http://schemas.microsoft.com/office/drawing/2014/main" id="{595DC491-3A65-22D2-F412-3DF8E0FAD408}"/>
+              </a:ext>
+            </a:extLst>
+          </p:cNvPr>
+          <p:cNvSpPr txBox="1"/>
+          <p:nvPr/>
+        </p:nvSpPr>
+        <p:spPr>
+          <a:xfrm>
+            <a:off x="329959" y="86157"/>
+            <a:ext cx="4017753" cy="4616648"/>
+          </a:xfrm>
+          <a:prstGeom prst="rect">
+            <a:avLst/>
+          </a:prstGeom>
+          <a:noFill/>
+        </p:spPr>
+        <p:txBody>
+          <a:bodyPr wrap="square">
+            <a:spAutoFit/>
+          </a:bodyPr>
+          <a:lstStyle/>
+          <a:p>
+            <a:r>
+              <a:rPr lang="ko-Kore-KR" altLang="en-US" sz="1400" dirty="0">
+                <a:latin typeface="DM Mono" panose="020B0509040201040103" pitchFamily="49" charset="0"/>
+              </a:rPr>
+              <a:t>void pswap(int **a, int **b)</a:t>
+            </a:r>
+          </a:p>
+          <a:p>
+            <a:r>
+              <a:rPr lang="ko-Kore-KR" altLang="en-US" sz="1400" dirty="0">
+                <a:latin typeface="DM Mono" panose="020B0509040201040103" pitchFamily="49" charset="0"/>
+              </a:rPr>
+              <a:t>{</a:t>
+            </a:r>
+          </a:p>
+          <a:p>
+            <a:r>
+              <a:rPr lang="ko-Kore-KR" altLang="en-US" sz="1400" dirty="0">
+                <a:latin typeface="DM Mono" panose="020B0509040201040103" pitchFamily="49" charset="0"/>
+              </a:rPr>
+              <a:t>  int *temp = *a;</a:t>
+            </a:r>
+          </a:p>
+          <a:p>
+            <a:r>
+              <a:rPr lang="ko-Kore-KR" altLang="en-US" sz="1400" dirty="0">
+                <a:solidFill>
+                  <a:srgbClr val="FF0000"/>
+                </a:solidFill>
+                <a:latin typeface="DM Mono" panose="020B0509040201040103" pitchFamily="49" charset="0"/>
+              </a:rPr>
+              <a:t>  *a = *b;</a:t>
+            </a:r>
+          </a:p>
+          <a:p>
+            <a:r>
+              <a:rPr lang="ko-Kore-KR" altLang="en-US" sz="1400" dirty="0">
+                <a:latin typeface="DM Mono" panose="020B0509040201040103" pitchFamily="49" charset="0"/>
+              </a:rPr>
+              <a:t>  *b = temp;</a:t>
+            </a:r>
+          </a:p>
+          <a:p>
+            <a:r>
+              <a:rPr lang="ko-Kore-KR" altLang="en-US" sz="1400" dirty="0">
+                <a:latin typeface="DM Mono" panose="020B0509040201040103" pitchFamily="49" charset="0"/>
+              </a:rPr>
+              <a:t>}</a:t>
+            </a:r>
+          </a:p>
+          <a:p>
+            <a:endParaRPr lang="ko-Kore-KR" altLang="en-US" sz="1400" dirty="0">
+              <a:latin typeface="DM Mono" panose="020B0509040201040103" pitchFamily="49" charset="0"/>
+            </a:endParaRPr>
+          </a:p>
+          <a:p>
+            <a:r>
+              <a:rPr lang="ko-Kore-KR" altLang="en-US" sz="1400" dirty="0">
+                <a:latin typeface="DM Mono" panose="020B0509040201040103" pitchFamily="49" charset="0"/>
+              </a:rPr>
+              <a:t>int main(void)</a:t>
+            </a:r>
+          </a:p>
+          <a:p>
+            <a:r>
+              <a:rPr lang="ko-Kore-KR" altLang="en-US" sz="1400" dirty="0">
+                <a:latin typeface="DM Mono" panose="020B0509040201040103" pitchFamily="49" charset="0"/>
+              </a:rPr>
+              <a:t>{</a:t>
+            </a:r>
+          </a:p>
+          <a:p>
+            <a:r>
+              <a:rPr lang="ko-Kore-KR" altLang="en-US" sz="1400" dirty="0">
+                <a:latin typeface="DM Mono" panose="020B0509040201040103" pitchFamily="49" charset="0"/>
+              </a:rPr>
+              <a:t>  int a = 10;</a:t>
+            </a:r>
+          </a:p>
+          <a:p>
+            <a:r>
+              <a:rPr lang="ko-Kore-KR" altLang="en-US" sz="1400" dirty="0">
+                <a:latin typeface="DM Mono" panose="020B0509040201040103" pitchFamily="49" charset="0"/>
+              </a:rPr>
+              <a:t>  int b = 20;</a:t>
+            </a:r>
+          </a:p>
+          <a:p>
+            <a:endParaRPr lang="ko-Kore-KR" altLang="en-US" sz="1400" dirty="0">
+              <a:latin typeface="DM Mono" panose="020B0509040201040103" pitchFamily="49" charset="0"/>
+            </a:endParaRPr>
+          </a:p>
+          <a:p>
+            <a:r>
+              <a:rPr lang="ko-Kore-KR" altLang="en-US" sz="1400" dirty="0">
+                <a:latin typeface="DM Mono" panose="020B0509040201040103" pitchFamily="49" charset="0"/>
+              </a:rPr>
+              <a:t>  int *pa = &amp;a;</a:t>
+            </a:r>
+          </a:p>
+          <a:p>
+            <a:r>
+              <a:rPr lang="ko-Kore-KR" altLang="en-US" sz="1400" dirty="0">
+                <a:latin typeface="DM Mono" panose="020B0509040201040103" pitchFamily="49" charset="0"/>
+              </a:rPr>
+              <a:t>  int *pb = &amp;b;</a:t>
+            </a:r>
+          </a:p>
+          <a:p>
+            <a:r>
+              <a:rPr lang="ko-Kore-KR" altLang="en-US" sz="1400" dirty="0">
+                <a:latin typeface="DM Mono" panose="020B0509040201040103" pitchFamily="49" charset="0"/>
+              </a:rPr>
+              <a:t>  printf("%d %d\n", *pa, *pb);</a:t>
+            </a:r>
+          </a:p>
+          <a:p>
+            <a:endParaRPr lang="ko-Kore-KR" altLang="en-US" sz="1400" dirty="0">
+              <a:latin typeface="DM Mono" panose="020B0509040201040103" pitchFamily="49" charset="0"/>
+            </a:endParaRPr>
+          </a:p>
+          <a:p>
+            <a:r>
+              <a:rPr lang="ko-Kore-KR" altLang="en-US" sz="1400" dirty="0">
+                <a:latin typeface="DM Mono" panose="020B0509040201040103" pitchFamily="49" charset="0"/>
+              </a:rPr>
+              <a:t>  pswap(&amp;pa, &amp;pb);</a:t>
+            </a:r>
+          </a:p>
+          <a:p>
+            <a:r>
+              <a:rPr lang="ko-Kore-KR" altLang="en-US" sz="1400" dirty="0">
+                <a:latin typeface="DM Mono" panose="020B0509040201040103" pitchFamily="49" charset="0"/>
+              </a:rPr>
+              <a:t>  printf("%d %d\n", *pa, *pb);</a:t>
+            </a:r>
+          </a:p>
+          <a:p>
+            <a:endParaRPr lang="ko-Kore-KR" altLang="en-US" sz="1400" dirty="0">
+              <a:latin typeface="DM Mono" panose="020B0509040201040103" pitchFamily="49" charset="0"/>
+            </a:endParaRPr>
+          </a:p>
+          <a:p>
+            <a:r>
+              <a:rPr lang="ko-Kore-KR" altLang="en-US" sz="1400" dirty="0">
+                <a:latin typeface="DM Mono" panose="020B0509040201040103" pitchFamily="49" charset="0"/>
+              </a:rPr>
+              <a:t>  return 0;</a:t>
+            </a:r>
+          </a:p>
+          <a:p>
+            <a:r>
+              <a:rPr lang="ko-Kore-KR" altLang="en-US" sz="1400" dirty="0">
+                <a:latin typeface="DM Mono" panose="020B0509040201040103" pitchFamily="49" charset="0"/>
+              </a:rPr>
+              <a:t>}</a:t>
+            </a:r>
+          </a:p>
+        </p:txBody>
+      </p:sp>
+      <p:sp>
+        <p:nvSpPr>
+          <p:cNvPr id="6" name="직사각형 5">
+            <a:extLst>
+              <a:ext uri="{FF2B5EF4-FFF2-40B4-BE49-F238E27FC236}">
+                <a16:creationId xmlns:a16="http://schemas.microsoft.com/office/drawing/2014/main" id="{BFFA17EA-9606-0A5D-1778-72BE750A1056}"/>
+              </a:ext>
+            </a:extLst>
+          </p:cNvPr>
+          <p:cNvSpPr/>
+          <p:nvPr/>
+        </p:nvSpPr>
+        <p:spPr>
+          <a:xfrm>
+            <a:off x="4500108" y="901439"/>
+            <a:ext cx="4109054" cy="3472153"/>
+          </a:xfrm>
+          <a:prstGeom prst="rect">
+            <a:avLst/>
+          </a:prstGeom>
+        </p:spPr>
+        <p:style>
+          <a:lnRef idx="2">
+            <a:schemeClr val="dk1"/>
+          </a:lnRef>
+          <a:fillRef idx="1">
+            <a:schemeClr val="lt1"/>
+          </a:fillRef>
+          <a:effectRef idx="0">
+            <a:schemeClr val="dk1"/>
+          </a:effectRef>
+          <a:fontRef idx="minor">
+            <a:schemeClr val="dk1"/>
+          </a:fontRef>
+        </p:style>
+        <p:txBody>
+          <a:bodyPr rtlCol="0" anchor="ctr"/>
+          <a:lstStyle/>
+          <a:p>
+            <a:pPr algn="ctr"/>
+            <a:endParaRPr kumimoji="1" lang="ko-Kore-KR" altLang="en-US" dirty="0">
+              <a:solidFill>
+                <a:schemeClr val="tx1"/>
+              </a:solidFill>
+            </a:endParaRPr>
+          </a:p>
+        </p:txBody>
+      </p:sp>
+      <p:sp>
+        <p:nvSpPr>
+          <p:cNvPr id="7" name="직사각형 6">
+            <a:extLst>
+              <a:ext uri="{FF2B5EF4-FFF2-40B4-BE49-F238E27FC236}">
+                <a16:creationId xmlns:a16="http://schemas.microsoft.com/office/drawing/2014/main" id="{1E6CBAC5-F5AE-DE24-E81A-BB28614A53CA}"/>
+              </a:ext>
+            </a:extLst>
+          </p:cNvPr>
+          <p:cNvSpPr/>
+          <p:nvPr/>
+        </p:nvSpPr>
+        <p:spPr>
+          <a:xfrm>
+            <a:off x="5497906" y="1434715"/>
+            <a:ext cx="925906" cy="447790"/>
+          </a:xfrm>
+          <a:prstGeom prst="rect">
+            <a:avLst/>
+          </a:prstGeom>
+          <a:solidFill>
+            <a:srgbClr val="FFFF00"/>
+          </a:solidFill>
+        </p:spPr>
+        <p:style>
+          <a:lnRef idx="2">
+            <a:schemeClr val="accent1">
+              <a:shade val="50000"/>
+            </a:schemeClr>
+          </a:lnRef>
+          <a:fillRef idx="1">
+            <a:schemeClr val="accent1"/>
+          </a:fillRef>
+          <a:effectRef idx="0">
+            <a:schemeClr val="accent1"/>
+          </a:effectRef>
+          <a:fontRef idx="minor">
+            <a:schemeClr val="lt1"/>
+          </a:fontRef>
+        </p:style>
+        <p:txBody>
+          <a:bodyPr rtlCol="0" anchor="ctr"/>
+          <a:lstStyle/>
+          <a:p>
+            <a:pPr algn="ctr"/>
+            <a:r>
+              <a:rPr kumimoji="1" lang="en-US" altLang="ko-Kore-KR" dirty="0">
+                <a:solidFill>
+                  <a:schemeClr val="tx1"/>
+                </a:solidFill>
+              </a:rPr>
+              <a:t>10</a:t>
+            </a:r>
+            <a:endParaRPr kumimoji="1" lang="ko-Kore-KR" altLang="en-US" dirty="0">
+              <a:solidFill>
+                <a:schemeClr val="tx1"/>
+              </a:solidFill>
+            </a:endParaRPr>
+          </a:p>
+        </p:txBody>
+      </p:sp>
+      <p:sp>
+        <p:nvSpPr>
+          <p:cNvPr id="8" name="TextBox 7">
+            <a:extLst>
+              <a:ext uri="{FF2B5EF4-FFF2-40B4-BE49-F238E27FC236}">
+                <a16:creationId xmlns:a16="http://schemas.microsoft.com/office/drawing/2014/main" id="{D9BB539A-7B5C-3EDB-5050-72E6EB37C2F4}"/>
+              </a:ext>
+            </a:extLst>
+          </p:cNvPr>
+          <p:cNvSpPr txBox="1"/>
+          <p:nvPr/>
+        </p:nvSpPr>
+        <p:spPr>
+          <a:xfrm>
+            <a:off x="5120500" y="1513173"/>
+            <a:ext cx="377406" cy="369332"/>
+          </a:xfrm>
+          <a:prstGeom prst="rect">
+            <a:avLst/>
+          </a:prstGeom>
+          <a:noFill/>
+        </p:spPr>
+        <p:txBody>
+          <a:bodyPr wrap="square">
+            <a:spAutoFit/>
+          </a:bodyPr>
+          <a:lstStyle/>
+          <a:p>
+            <a:r>
+              <a:rPr lang="en-US" altLang="ko-Kore-KR" dirty="0">
+                <a:latin typeface="DM Mono" panose="020B0509040201040103" pitchFamily="49" charset="0"/>
+              </a:rPr>
+              <a:t>a</a:t>
+            </a:r>
+            <a:endParaRPr lang="ko-Kore-KR" altLang="en-US" dirty="0"/>
+          </a:p>
+        </p:txBody>
+      </p:sp>
+      <p:sp>
+        <p:nvSpPr>
+          <p:cNvPr id="9" name="TextBox 8">
+            <a:extLst>
+              <a:ext uri="{FF2B5EF4-FFF2-40B4-BE49-F238E27FC236}">
+                <a16:creationId xmlns:a16="http://schemas.microsoft.com/office/drawing/2014/main" id="{54A68151-0B2B-C6DD-EC93-D80A9CFB351F}"/>
+              </a:ext>
+            </a:extLst>
+          </p:cNvPr>
+          <p:cNvSpPr txBox="1"/>
+          <p:nvPr/>
+        </p:nvSpPr>
+        <p:spPr>
+          <a:xfrm>
+            <a:off x="5767836" y="621860"/>
+            <a:ext cx="808727" cy="369332"/>
+          </a:xfrm>
+          <a:prstGeom prst="rect">
+            <a:avLst/>
+          </a:prstGeom>
+          <a:noFill/>
+        </p:spPr>
+        <p:txBody>
+          <a:bodyPr wrap="square">
+            <a:spAutoFit/>
+          </a:bodyPr>
+          <a:lstStyle/>
+          <a:p>
+            <a:r>
+              <a:rPr lang="en" altLang="ko-Kore-KR" dirty="0">
+                <a:latin typeface="DM Mono" panose="020B0509040201040103" pitchFamily="49" charset="0"/>
+              </a:rPr>
+              <a:t>main</a:t>
+            </a:r>
+            <a:endParaRPr lang="ko-Kore-KR" altLang="en-US" dirty="0"/>
+          </a:p>
+        </p:txBody>
+      </p:sp>
+      <p:sp>
+        <p:nvSpPr>
+          <p:cNvPr id="10" name="TextBox 9">
+            <a:extLst>
+              <a:ext uri="{FF2B5EF4-FFF2-40B4-BE49-F238E27FC236}">
+                <a16:creationId xmlns:a16="http://schemas.microsoft.com/office/drawing/2014/main" id="{10B133A1-742B-0E72-C46D-FA58D527DAB9}"/>
+              </a:ext>
+            </a:extLst>
+          </p:cNvPr>
+          <p:cNvSpPr txBox="1"/>
+          <p:nvPr/>
+        </p:nvSpPr>
+        <p:spPr>
+          <a:xfrm>
+            <a:off x="5158241" y="1157716"/>
+            <a:ext cx="679330" cy="276999"/>
+          </a:xfrm>
+          <a:prstGeom prst="rect">
+            <a:avLst/>
+          </a:prstGeom>
+          <a:noFill/>
+        </p:spPr>
+        <p:txBody>
+          <a:bodyPr wrap="square">
+            <a:spAutoFit/>
+          </a:bodyPr>
+          <a:lstStyle/>
+          <a:p>
+            <a:r>
+              <a:rPr kumimoji="1" lang="en-US" altLang="ko-Kore-KR" sz="1200" dirty="0">
+                <a:solidFill>
+                  <a:schemeClr val="tx1"/>
+                </a:solidFill>
+              </a:rPr>
+              <a:t>0x1000</a:t>
+            </a:r>
+            <a:endParaRPr lang="ko-Kore-KR" altLang="en-US" sz="1200" dirty="0"/>
+          </a:p>
+        </p:txBody>
+      </p:sp>
+      <p:sp>
+        <p:nvSpPr>
+          <p:cNvPr id="11" name="직사각형 10">
+            <a:extLst>
+              <a:ext uri="{FF2B5EF4-FFF2-40B4-BE49-F238E27FC236}">
+                <a16:creationId xmlns:a16="http://schemas.microsoft.com/office/drawing/2014/main" id="{85D5CBE0-60E7-8EE5-CB27-AEE7C3441094}"/>
+              </a:ext>
+            </a:extLst>
+          </p:cNvPr>
+          <p:cNvSpPr/>
+          <p:nvPr/>
+        </p:nvSpPr>
+        <p:spPr>
+          <a:xfrm>
+            <a:off x="5239113" y="2431857"/>
+            <a:ext cx="1897810" cy="447790"/>
+          </a:xfrm>
+          <a:prstGeom prst="rect">
+            <a:avLst/>
+          </a:prstGeom>
+          <a:solidFill>
+            <a:srgbClr val="FFFF00"/>
+          </a:solidFill>
+        </p:spPr>
+        <p:style>
+          <a:lnRef idx="2">
+            <a:schemeClr val="accent1">
+              <a:shade val="50000"/>
+            </a:schemeClr>
+          </a:lnRef>
+          <a:fillRef idx="1">
+            <a:schemeClr val="accent1"/>
+          </a:fillRef>
+          <a:effectRef idx="0">
+            <a:schemeClr val="accent1"/>
+          </a:effectRef>
+          <a:fontRef idx="minor">
+            <a:schemeClr val="lt1"/>
+          </a:fontRef>
+        </p:style>
+        <p:txBody>
+          <a:bodyPr rtlCol="0" anchor="ctr"/>
+          <a:lstStyle/>
+          <a:p>
+            <a:pPr algn="ctr"/>
+            <a:r>
+              <a:rPr kumimoji="1" lang="en-US" altLang="ko-Kore-KR" dirty="0">
+                <a:solidFill>
+                  <a:schemeClr val="tx1"/>
+                </a:solidFill>
+              </a:rPr>
+              <a:t>0x2000</a:t>
+            </a:r>
+            <a:endParaRPr kumimoji="1" lang="ko-Kore-KR" altLang="en-US" dirty="0">
+              <a:solidFill>
+                <a:schemeClr val="tx1"/>
+              </a:solidFill>
+            </a:endParaRPr>
+          </a:p>
+        </p:txBody>
+      </p:sp>
+      <p:sp>
+        <p:nvSpPr>
+          <p:cNvPr id="12" name="TextBox 11">
+            <a:extLst>
+              <a:ext uri="{FF2B5EF4-FFF2-40B4-BE49-F238E27FC236}">
+                <a16:creationId xmlns:a16="http://schemas.microsoft.com/office/drawing/2014/main" id="{1D574857-2B75-068C-C6E2-B806ACCD230E}"/>
+              </a:ext>
+            </a:extLst>
+          </p:cNvPr>
+          <p:cNvSpPr txBox="1"/>
+          <p:nvPr/>
+        </p:nvSpPr>
+        <p:spPr>
+          <a:xfrm>
+            <a:off x="4692770" y="2510315"/>
+            <a:ext cx="546343" cy="369332"/>
+          </a:xfrm>
+          <a:prstGeom prst="rect">
+            <a:avLst/>
+          </a:prstGeom>
+          <a:noFill/>
+        </p:spPr>
+        <p:txBody>
+          <a:bodyPr wrap="square">
+            <a:spAutoFit/>
+          </a:bodyPr>
+          <a:lstStyle/>
+          <a:p>
+            <a:r>
+              <a:rPr lang="en-US" altLang="ko-Kore-KR" dirty="0">
+                <a:latin typeface="DM Mono" panose="020B0509040201040103" pitchFamily="49" charset="0"/>
+              </a:rPr>
+              <a:t>pa</a:t>
+            </a:r>
+            <a:endParaRPr lang="ko-Kore-KR" altLang="en-US" dirty="0"/>
+          </a:p>
+        </p:txBody>
+      </p:sp>
+      <p:sp>
+        <p:nvSpPr>
+          <p:cNvPr id="13" name="직사각형 12">
+            <a:extLst>
+              <a:ext uri="{FF2B5EF4-FFF2-40B4-BE49-F238E27FC236}">
+                <a16:creationId xmlns:a16="http://schemas.microsoft.com/office/drawing/2014/main" id="{5E9F627E-5C2B-F5C9-A21D-3A164A3FA963}"/>
+              </a:ext>
+            </a:extLst>
+          </p:cNvPr>
+          <p:cNvSpPr/>
+          <p:nvPr/>
+        </p:nvSpPr>
+        <p:spPr>
+          <a:xfrm>
+            <a:off x="7140883" y="1434714"/>
+            <a:ext cx="925906" cy="447790"/>
+          </a:xfrm>
+          <a:prstGeom prst="rect">
+            <a:avLst/>
+          </a:prstGeom>
+          <a:solidFill>
+            <a:srgbClr val="FFFF00"/>
+          </a:solidFill>
+        </p:spPr>
+        <p:style>
+          <a:lnRef idx="2">
+            <a:schemeClr val="accent1">
+              <a:shade val="50000"/>
+            </a:schemeClr>
+          </a:lnRef>
+          <a:fillRef idx="1">
+            <a:schemeClr val="accent1"/>
+          </a:fillRef>
+          <a:effectRef idx="0">
+            <a:schemeClr val="accent1"/>
+          </a:effectRef>
+          <a:fontRef idx="minor">
+            <a:schemeClr val="lt1"/>
+          </a:fontRef>
+        </p:style>
+        <p:txBody>
+          <a:bodyPr rtlCol="0" anchor="ctr"/>
+          <a:lstStyle/>
+          <a:p>
+            <a:pPr algn="ctr"/>
+            <a:r>
+              <a:rPr kumimoji="1" lang="en-US" altLang="ko-Kore-KR" dirty="0">
+                <a:solidFill>
+                  <a:schemeClr val="tx1"/>
+                </a:solidFill>
+              </a:rPr>
+              <a:t>20</a:t>
+            </a:r>
+            <a:endParaRPr kumimoji="1" lang="ko-Kore-KR" altLang="en-US" dirty="0">
+              <a:solidFill>
+                <a:schemeClr val="tx1"/>
+              </a:solidFill>
+            </a:endParaRPr>
+          </a:p>
+        </p:txBody>
+      </p:sp>
+      <p:sp>
+        <p:nvSpPr>
+          <p:cNvPr id="14" name="TextBox 13">
+            <a:extLst>
+              <a:ext uri="{FF2B5EF4-FFF2-40B4-BE49-F238E27FC236}">
+                <a16:creationId xmlns:a16="http://schemas.microsoft.com/office/drawing/2014/main" id="{DC44D0DF-6240-B881-6F50-0F7846F34585}"/>
+              </a:ext>
+            </a:extLst>
+          </p:cNvPr>
+          <p:cNvSpPr txBox="1"/>
+          <p:nvPr/>
+        </p:nvSpPr>
+        <p:spPr>
+          <a:xfrm>
+            <a:off x="6763477" y="1513172"/>
+            <a:ext cx="377406" cy="369332"/>
+          </a:xfrm>
+          <a:prstGeom prst="rect">
+            <a:avLst/>
+          </a:prstGeom>
+          <a:noFill/>
+        </p:spPr>
+        <p:txBody>
+          <a:bodyPr wrap="square">
+            <a:spAutoFit/>
+          </a:bodyPr>
+          <a:lstStyle/>
+          <a:p>
+            <a:r>
+              <a:rPr lang="en-US" altLang="ko-Kore-KR" dirty="0">
+                <a:latin typeface="DM Mono" panose="020B0509040201040103" pitchFamily="49" charset="0"/>
+              </a:rPr>
+              <a:t>b</a:t>
+            </a:r>
+            <a:endParaRPr lang="ko-Kore-KR" altLang="en-US" dirty="0"/>
+          </a:p>
+        </p:txBody>
+      </p:sp>
+      <p:sp>
+        <p:nvSpPr>
+          <p:cNvPr id="15" name="TextBox 14">
+            <a:extLst>
+              <a:ext uri="{FF2B5EF4-FFF2-40B4-BE49-F238E27FC236}">
+                <a16:creationId xmlns:a16="http://schemas.microsoft.com/office/drawing/2014/main" id="{3E27AF2D-E251-15F9-411E-05FAD7C921C0}"/>
+              </a:ext>
+            </a:extLst>
+          </p:cNvPr>
+          <p:cNvSpPr txBox="1"/>
+          <p:nvPr/>
+        </p:nvSpPr>
+        <p:spPr>
+          <a:xfrm>
+            <a:off x="6801218" y="1157715"/>
+            <a:ext cx="679330" cy="276999"/>
+          </a:xfrm>
+          <a:prstGeom prst="rect">
+            <a:avLst/>
+          </a:prstGeom>
+          <a:noFill/>
+        </p:spPr>
+        <p:txBody>
+          <a:bodyPr wrap="square">
+            <a:spAutoFit/>
+          </a:bodyPr>
+          <a:lstStyle/>
+          <a:p>
+            <a:r>
+              <a:rPr kumimoji="1" lang="en-US" altLang="ko-Kore-KR" sz="1200" dirty="0">
+                <a:solidFill>
+                  <a:schemeClr val="tx1"/>
+                </a:solidFill>
+              </a:rPr>
+              <a:t>0x2000</a:t>
+            </a:r>
+            <a:endParaRPr lang="ko-Kore-KR" altLang="en-US" sz="1200" dirty="0"/>
+          </a:p>
+        </p:txBody>
+      </p:sp>
+      <p:sp>
+        <p:nvSpPr>
+          <p:cNvPr id="16" name="직사각형 15">
+            <a:extLst>
+              <a:ext uri="{FF2B5EF4-FFF2-40B4-BE49-F238E27FC236}">
+                <a16:creationId xmlns:a16="http://schemas.microsoft.com/office/drawing/2014/main" id="{E9254095-A04C-3A06-2B65-70A68ED6FE53}"/>
+              </a:ext>
+            </a:extLst>
+          </p:cNvPr>
+          <p:cNvSpPr/>
+          <p:nvPr/>
+        </p:nvSpPr>
+        <p:spPr>
+          <a:xfrm>
+            <a:off x="5239113" y="3267485"/>
+            <a:ext cx="1897810" cy="447790"/>
+          </a:xfrm>
+          <a:prstGeom prst="rect">
+            <a:avLst/>
+          </a:prstGeom>
+          <a:solidFill>
+            <a:srgbClr val="FFFF00"/>
+          </a:solidFill>
+        </p:spPr>
+        <p:style>
+          <a:lnRef idx="2">
+            <a:schemeClr val="accent1">
+              <a:shade val="50000"/>
+            </a:schemeClr>
+          </a:lnRef>
+          <a:fillRef idx="1">
+            <a:schemeClr val="accent1"/>
+          </a:fillRef>
+          <a:effectRef idx="0">
+            <a:schemeClr val="accent1"/>
+          </a:effectRef>
+          <a:fontRef idx="minor">
+            <a:schemeClr val="lt1"/>
+          </a:fontRef>
+        </p:style>
+        <p:txBody>
+          <a:bodyPr rtlCol="0" anchor="ctr"/>
+          <a:lstStyle/>
+          <a:p>
+            <a:pPr algn="ctr"/>
+            <a:r>
+              <a:rPr kumimoji="1" lang="en-US" altLang="ko-Kore-KR" dirty="0">
+                <a:solidFill>
+                  <a:schemeClr val="tx1"/>
+                </a:solidFill>
+              </a:rPr>
+              <a:t>0x2000</a:t>
+            </a:r>
+            <a:endParaRPr kumimoji="1" lang="ko-Kore-KR" altLang="en-US" dirty="0">
+              <a:solidFill>
+                <a:schemeClr val="tx1"/>
+              </a:solidFill>
+            </a:endParaRPr>
+          </a:p>
+        </p:txBody>
+      </p:sp>
+      <p:sp>
+        <p:nvSpPr>
+          <p:cNvPr id="17" name="TextBox 16">
+            <a:extLst>
+              <a:ext uri="{FF2B5EF4-FFF2-40B4-BE49-F238E27FC236}">
+                <a16:creationId xmlns:a16="http://schemas.microsoft.com/office/drawing/2014/main" id="{E014A1D6-CFE8-57E0-D61B-0DE2965A2FAF}"/>
+              </a:ext>
+            </a:extLst>
+          </p:cNvPr>
+          <p:cNvSpPr txBox="1"/>
+          <p:nvPr/>
+        </p:nvSpPr>
+        <p:spPr>
+          <a:xfrm>
+            <a:off x="4692770" y="3345943"/>
+            <a:ext cx="546343" cy="369332"/>
+          </a:xfrm>
+          <a:prstGeom prst="rect">
+            <a:avLst/>
+          </a:prstGeom>
+          <a:noFill/>
+        </p:spPr>
+        <p:txBody>
+          <a:bodyPr wrap="square">
+            <a:spAutoFit/>
+          </a:bodyPr>
+          <a:lstStyle/>
+          <a:p>
+            <a:r>
+              <a:rPr lang="en-US" altLang="ko-Kore-KR" dirty="0">
+                <a:latin typeface="DM Mono" panose="020B0509040201040103" pitchFamily="49" charset="0"/>
+              </a:rPr>
+              <a:t>pb</a:t>
+            </a:r>
+            <a:endParaRPr lang="ko-Kore-KR" altLang="en-US" dirty="0"/>
+          </a:p>
+        </p:txBody>
+      </p:sp>
+      <p:sp>
+        <p:nvSpPr>
+          <p:cNvPr id="18" name="TextBox 17">
+            <a:extLst>
+              <a:ext uri="{FF2B5EF4-FFF2-40B4-BE49-F238E27FC236}">
+                <a16:creationId xmlns:a16="http://schemas.microsoft.com/office/drawing/2014/main" id="{3BE6498C-3943-32CF-09EC-5BEFD33F5B4A}"/>
+              </a:ext>
+            </a:extLst>
+          </p:cNvPr>
+          <p:cNvSpPr txBox="1"/>
+          <p:nvPr/>
+        </p:nvSpPr>
+        <p:spPr>
+          <a:xfrm>
+            <a:off x="4899448" y="2154858"/>
+            <a:ext cx="679330" cy="276999"/>
+          </a:xfrm>
+          <a:prstGeom prst="rect">
+            <a:avLst/>
+          </a:prstGeom>
+          <a:noFill/>
+        </p:spPr>
+        <p:txBody>
+          <a:bodyPr wrap="square">
+            <a:spAutoFit/>
+          </a:bodyPr>
+          <a:lstStyle/>
+          <a:p>
+            <a:r>
+              <a:rPr kumimoji="1" lang="en-US" altLang="ko-Kore-KR" sz="1200" dirty="0">
+                <a:solidFill>
+                  <a:schemeClr val="tx1"/>
+                </a:solidFill>
+              </a:rPr>
+              <a:t>0x3000</a:t>
+            </a:r>
+            <a:endParaRPr lang="ko-Kore-KR" altLang="en-US" sz="1200" dirty="0"/>
+          </a:p>
+        </p:txBody>
+      </p:sp>
+      <p:sp>
+        <p:nvSpPr>
+          <p:cNvPr id="19" name="TextBox 18">
+            <a:extLst>
+              <a:ext uri="{FF2B5EF4-FFF2-40B4-BE49-F238E27FC236}">
+                <a16:creationId xmlns:a16="http://schemas.microsoft.com/office/drawing/2014/main" id="{9B0C588E-BC54-2617-4574-083F97B3027E}"/>
+              </a:ext>
+            </a:extLst>
+          </p:cNvPr>
+          <p:cNvSpPr txBox="1"/>
+          <p:nvPr/>
+        </p:nvSpPr>
+        <p:spPr>
+          <a:xfrm>
+            <a:off x="4902328" y="2997424"/>
+            <a:ext cx="679330" cy="276999"/>
+          </a:xfrm>
+          <a:prstGeom prst="rect">
+            <a:avLst/>
+          </a:prstGeom>
+          <a:noFill/>
+        </p:spPr>
+        <p:txBody>
+          <a:bodyPr wrap="square">
+            <a:spAutoFit/>
+          </a:bodyPr>
+          <a:lstStyle/>
+          <a:p>
+            <a:r>
+              <a:rPr kumimoji="1" lang="en-US" altLang="ko-Kore-KR" sz="1200" dirty="0">
+                <a:solidFill>
+                  <a:schemeClr val="tx1"/>
+                </a:solidFill>
+              </a:rPr>
+              <a:t>0x4000</a:t>
+            </a:r>
+            <a:endParaRPr lang="ko-Kore-KR" altLang="en-US" sz="1200" dirty="0"/>
+          </a:p>
+        </p:txBody>
+      </p:sp>
+      <p:sp>
+        <p:nvSpPr>
+          <p:cNvPr id="20" name="직사각형 19">
+            <a:extLst>
+              <a:ext uri="{FF2B5EF4-FFF2-40B4-BE49-F238E27FC236}">
+                <a16:creationId xmlns:a16="http://schemas.microsoft.com/office/drawing/2014/main" id="{19E25EA6-0228-F130-F612-02EE0F3A04E9}"/>
+              </a:ext>
+            </a:extLst>
+          </p:cNvPr>
+          <p:cNvSpPr/>
+          <p:nvPr/>
+        </p:nvSpPr>
+        <p:spPr>
+          <a:xfrm>
+            <a:off x="8732113" y="896871"/>
+            <a:ext cx="3318989" cy="3472153"/>
+          </a:xfrm>
+          <a:prstGeom prst="rect">
+            <a:avLst/>
+          </a:prstGeom>
+        </p:spPr>
+        <p:style>
+          <a:lnRef idx="2">
+            <a:schemeClr val="dk1"/>
+          </a:lnRef>
+          <a:fillRef idx="1">
+            <a:schemeClr val="lt1"/>
+          </a:fillRef>
+          <a:effectRef idx="0">
+            <a:schemeClr val="dk1"/>
+          </a:effectRef>
+          <a:fontRef idx="minor">
+            <a:schemeClr val="dk1"/>
+          </a:fontRef>
+        </p:style>
+        <p:txBody>
+          <a:bodyPr rtlCol="0" anchor="ctr"/>
+          <a:lstStyle/>
+          <a:p>
+            <a:pPr algn="ctr"/>
+            <a:endParaRPr kumimoji="1" lang="ko-Kore-KR" altLang="en-US" dirty="0">
+              <a:solidFill>
+                <a:schemeClr val="tx1"/>
+              </a:solidFill>
+            </a:endParaRPr>
+          </a:p>
+        </p:txBody>
+      </p:sp>
+      <p:sp>
+        <p:nvSpPr>
+          <p:cNvPr id="21" name="TextBox 20">
+            <a:extLst>
+              <a:ext uri="{FF2B5EF4-FFF2-40B4-BE49-F238E27FC236}">
+                <a16:creationId xmlns:a16="http://schemas.microsoft.com/office/drawing/2014/main" id="{A974EB20-3767-BF08-7A43-B9E6FD977F69}"/>
+              </a:ext>
+            </a:extLst>
+          </p:cNvPr>
+          <p:cNvSpPr txBox="1"/>
+          <p:nvPr/>
+        </p:nvSpPr>
+        <p:spPr>
+          <a:xfrm>
+            <a:off x="9760812" y="527539"/>
+            <a:ext cx="1669188" cy="369332"/>
+          </a:xfrm>
+          <a:prstGeom prst="rect">
+            <a:avLst/>
+          </a:prstGeom>
+          <a:noFill/>
+        </p:spPr>
+        <p:txBody>
+          <a:bodyPr wrap="square">
+            <a:spAutoFit/>
+          </a:bodyPr>
+          <a:lstStyle/>
+          <a:p>
+            <a:r>
+              <a:rPr lang="en" altLang="ko-Kore-KR" dirty="0" err="1">
+                <a:latin typeface="DM Mono" panose="020B0509040201040103" pitchFamily="49" charset="0"/>
+              </a:rPr>
+              <a:t>pswap</a:t>
+            </a:r>
+            <a:endParaRPr lang="ko-Kore-KR" altLang="en-US" dirty="0"/>
+          </a:p>
+        </p:txBody>
+      </p:sp>
+      <p:sp>
+        <p:nvSpPr>
+          <p:cNvPr id="22" name="직사각형 21">
+            <a:extLst>
+              <a:ext uri="{FF2B5EF4-FFF2-40B4-BE49-F238E27FC236}">
+                <a16:creationId xmlns:a16="http://schemas.microsoft.com/office/drawing/2014/main" id="{2AD03C18-F687-175D-DB48-123650CFF06B}"/>
+              </a:ext>
+            </a:extLst>
+          </p:cNvPr>
+          <p:cNvSpPr/>
+          <p:nvPr/>
+        </p:nvSpPr>
+        <p:spPr>
+          <a:xfrm>
+            <a:off x="9572809" y="1157715"/>
+            <a:ext cx="1897810" cy="447790"/>
+          </a:xfrm>
+          <a:prstGeom prst="rect">
+            <a:avLst/>
+          </a:prstGeom>
+          <a:solidFill>
+            <a:srgbClr val="FFFF00"/>
+          </a:solidFill>
+        </p:spPr>
+        <p:style>
+          <a:lnRef idx="2">
+            <a:schemeClr val="accent1">
+              <a:shade val="50000"/>
+            </a:schemeClr>
+          </a:lnRef>
+          <a:fillRef idx="1">
+            <a:schemeClr val="accent1"/>
+          </a:fillRef>
+          <a:effectRef idx="0">
+            <a:schemeClr val="accent1"/>
+          </a:effectRef>
+          <a:fontRef idx="minor">
+            <a:schemeClr val="lt1"/>
+          </a:fontRef>
+        </p:style>
+        <p:txBody>
+          <a:bodyPr rtlCol="0" anchor="ctr"/>
+          <a:lstStyle/>
+          <a:p>
+            <a:pPr algn="ctr"/>
+            <a:r>
+              <a:rPr kumimoji="1" lang="en-US" altLang="ko-Kore-KR" dirty="0">
+                <a:solidFill>
+                  <a:schemeClr val="tx1"/>
+                </a:solidFill>
+              </a:rPr>
+              <a:t>0x3000</a:t>
+            </a:r>
+            <a:endParaRPr kumimoji="1" lang="ko-Kore-KR" altLang="en-US" dirty="0">
+              <a:solidFill>
+                <a:schemeClr val="tx1"/>
+              </a:solidFill>
+            </a:endParaRPr>
+          </a:p>
+        </p:txBody>
+      </p:sp>
+      <p:sp>
+        <p:nvSpPr>
+          <p:cNvPr id="23" name="TextBox 22">
+            <a:extLst>
+              <a:ext uri="{FF2B5EF4-FFF2-40B4-BE49-F238E27FC236}">
+                <a16:creationId xmlns:a16="http://schemas.microsoft.com/office/drawing/2014/main" id="{F0CF18E2-17B4-40CC-4F47-DBCDA4C1DBE9}"/>
+              </a:ext>
+            </a:extLst>
+          </p:cNvPr>
+          <p:cNvSpPr txBox="1"/>
+          <p:nvPr/>
+        </p:nvSpPr>
+        <p:spPr>
+          <a:xfrm>
+            <a:off x="9026466" y="1236173"/>
+            <a:ext cx="546343" cy="369332"/>
+          </a:xfrm>
+          <a:prstGeom prst="rect">
+            <a:avLst/>
+          </a:prstGeom>
+          <a:noFill/>
+        </p:spPr>
+        <p:txBody>
+          <a:bodyPr wrap="square">
+            <a:spAutoFit/>
+          </a:bodyPr>
+          <a:lstStyle/>
+          <a:p>
+            <a:r>
+              <a:rPr lang="en-US" altLang="ko-Kore-KR" dirty="0">
+                <a:latin typeface="DM Mono" panose="020B0509040201040103" pitchFamily="49" charset="0"/>
+              </a:rPr>
+              <a:t>a</a:t>
+            </a:r>
+            <a:endParaRPr lang="ko-Kore-KR" altLang="en-US" dirty="0"/>
+          </a:p>
+        </p:txBody>
+      </p:sp>
+      <p:sp>
+        <p:nvSpPr>
+          <p:cNvPr id="24" name="직사각형 23">
+            <a:extLst>
+              <a:ext uri="{FF2B5EF4-FFF2-40B4-BE49-F238E27FC236}">
+                <a16:creationId xmlns:a16="http://schemas.microsoft.com/office/drawing/2014/main" id="{EB4CD40A-FFB3-7E5C-DD52-6C1AA13764B1}"/>
+              </a:ext>
+            </a:extLst>
+          </p:cNvPr>
+          <p:cNvSpPr/>
+          <p:nvPr/>
+        </p:nvSpPr>
+        <p:spPr>
+          <a:xfrm>
+            <a:off x="9572809" y="1993343"/>
+            <a:ext cx="1897810" cy="447790"/>
+          </a:xfrm>
+          <a:prstGeom prst="rect">
+            <a:avLst/>
+          </a:prstGeom>
+          <a:solidFill>
+            <a:srgbClr val="FFFF00"/>
+          </a:solidFill>
+        </p:spPr>
+        <p:style>
+          <a:lnRef idx="2">
+            <a:schemeClr val="accent1">
+              <a:shade val="50000"/>
+            </a:schemeClr>
+          </a:lnRef>
+          <a:fillRef idx="1">
+            <a:schemeClr val="accent1"/>
+          </a:fillRef>
+          <a:effectRef idx="0">
+            <a:schemeClr val="accent1"/>
+          </a:effectRef>
+          <a:fontRef idx="minor">
+            <a:schemeClr val="lt1"/>
+          </a:fontRef>
+        </p:style>
+        <p:txBody>
+          <a:bodyPr rtlCol="0" anchor="ctr"/>
+          <a:lstStyle/>
+          <a:p>
+            <a:pPr algn="ctr"/>
+            <a:r>
+              <a:rPr kumimoji="1" lang="en-US" altLang="ko-Kore-KR" dirty="0">
+                <a:solidFill>
+                  <a:schemeClr val="tx1"/>
+                </a:solidFill>
+              </a:rPr>
+              <a:t>0x4000</a:t>
+            </a:r>
+            <a:endParaRPr kumimoji="1" lang="ko-Kore-KR" altLang="en-US" dirty="0">
+              <a:solidFill>
+                <a:schemeClr val="tx1"/>
+              </a:solidFill>
+            </a:endParaRPr>
+          </a:p>
+        </p:txBody>
+      </p:sp>
+      <p:sp>
+        <p:nvSpPr>
+          <p:cNvPr id="25" name="TextBox 24">
+            <a:extLst>
+              <a:ext uri="{FF2B5EF4-FFF2-40B4-BE49-F238E27FC236}">
+                <a16:creationId xmlns:a16="http://schemas.microsoft.com/office/drawing/2014/main" id="{B6D5D7C8-72DB-B1E2-3A36-A42D2A494A6E}"/>
+              </a:ext>
+            </a:extLst>
+          </p:cNvPr>
+          <p:cNvSpPr txBox="1"/>
+          <p:nvPr/>
+        </p:nvSpPr>
+        <p:spPr>
+          <a:xfrm>
+            <a:off x="9026466" y="2071801"/>
+            <a:ext cx="546343" cy="369332"/>
+          </a:xfrm>
+          <a:prstGeom prst="rect">
+            <a:avLst/>
+          </a:prstGeom>
+          <a:noFill/>
+        </p:spPr>
+        <p:txBody>
+          <a:bodyPr wrap="square">
+            <a:spAutoFit/>
+          </a:bodyPr>
+          <a:lstStyle/>
+          <a:p>
+            <a:r>
+              <a:rPr lang="en-US" altLang="ko-Kore-KR" dirty="0">
+                <a:latin typeface="DM Mono" panose="020B0509040201040103" pitchFamily="49" charset="0"/>
+              </a:rPr>
+              <a:t>b</a:t>
+            </a:r>
+            <a:endParaRPr lang="ko-Kore-KR" altLang="en-US" dirty="0"/>
+          </a:p>
+        </p:txBody>
+      </p:sp>
+      <p:sp>
+        <p:nvSpPr>
+          <p:cNvPr id="2" name="직사각형 1">
+            <a:extLst>
+              <a:ext uri="{FF2B5EF4-FFF2-40B4-BE49-F238E27FC236}">
+                <a16:creationId xmlns:a16="http://schemas.microsoft.com/office/drawing/2014/main" id="{A2E1B520-CB8A-F2AB-8BA0-3955ECFC6468}"/>
+              </a:ext>
+            </a:extLst>
+          </p:cNvPr>
+          <p:cNvSpPr/>
+          <p:nvPr/>
+        </p:nvSpPr>
+        <p:spPr>
+          <a:xfrm>
+            <a:off x="9572809" y="2733393"/>
+            <a:ext cx="1897810" cy="447790"/>
+          </a:xfrm>
+          <a:prstGeom prst="rect">
+            <a:avLst/>
+          </a:prstGeom>
+          <a:solidFill>
+            <a:srgbClr val="FFFF00"/>
+          </a:solidFill>
+        </p:spPr>
+        <p:style>
+          <a:lnRef idx="2">
+            <a:schemeClr val="accent1">
+              <a:shade val="50000"/>
+            </a:schemeClr>
+          </a:lnRef>
+          <a:fillRef idx="1">
+            <a:schemeClr val="accent1"/>
+          </a:fillRef>
+          <a:effectRef idx="0">
+            <a:schemeClr val="accent1"/>
+          </a:effectRef>
+          <a:fontRef idx="minor">
+            <a:schemeClr val="lt1"/>
+          </a:fontRef>
+        </p:style>
+        <p:txBody>
+          <a:bodyPr rtlCol="0" anchor="ctr"/>
+          <a:lstStyle/>
+          <a:p>
+            <a:pPr algn="ctr"/>
+            <a:r>
+              <a:rPr kumimoji="1" lang="en-US" altLang="ko-Kore-KR" dirty="0">
+                <a:solidFill>
+                  <a:schemeClr val="tx1"/>
+                </a:solidFill>
+              </a:rPr>
+              <a:t>0x1000</a:t>
+            </a:r>
+            <a:endParaRPr kumimoji="1" lang="ko-Kore-KR" altLang="en-US" dirty="0">
+              <a:solidFill>
+                <a:schemeClr val="tx1"/>
+              </a:solidFill>
+            </a:endParaRPr>
+          </a:p>
+        </p:txBody>
+      </p:sp>
+      <p:sp>
+        <p:nvSpPr>
+          <p:cNvPr id="3" name="TextBox 2">
+            <a:extLst>
+              <a:ext uri="{FF2B5EF4-FFF2-40B4-BE49-F238E27FC236}">
+                <a16:creationId xmlns:a16="http://schemas.microsoft.com/office/drawing/2014/main" id="{A8A5EDF9-6B7E-AE05-8496-B7FB54F39D1F}"/>
+              </a:ext>
+            </a:extLst>
+          </p:cNvPr>
+          <p:cNvSpPr txBox="1"/>
+          <p:nvPr/>
+        </p:nvSpPr>
+        <p:spPr>
+          <a:xfrm>
+            <a:off x="8801824" y="2811851"/>
+            <a:ext cx="770985" cy="369332"/>
+          </a:xfrm>
+          <a:prstGeom prst="rect">
+            <a:avLst/>
+          </a:prstGeom>
+          <a:noFill/>
+        </p:spPr>
+        <p:txBody>
+          <a:bodyPr wrap="square">
+            <a:spAutoFit/>
+          </a:bodyPr>
+          <a:lstStyle/>
+          <a:p>
+            <a:r>
+              <a:rPr lang="en-US" altLang="ko-Kore-KR" dirty="0">
+                <a:latin typeface="DM Mono" panose="020B0509040201040103" pitchFamily="49" charset="0"/>
+              </a:rPr>
+              <a:t>temp</a:t>
+            </a:r>
+            <a:endParaRPr lang="ko-Kore-KR" altLang="en-US" dirty="0"/>
+          </a:p>
+        </p:txBody>
+      </p:sp>
+    </p:spTree>
+    <p:extLst>
+      <p:ext uri="{BB962C8B-B14F-4D97-AF65-F5344CB8AC3E}">
+        <p14:creationId xmlns:p14="http://schemas.microsoft.com/office/powerpoint/2010/main" val="74036697"/>
+      </p:ext>
+    </p:extLst>
+  </p:cSld>
+  <p:clrMapOvr>
+    <a:masterClrMapping/>
+  </p:clrMapOvr>
+</p:sld>
+</file>
+
+<file path=ppt/slides/slide39.xml><?xml version="1.0" encoding="utf-8"?>
+<p:sld xmlns:a="http://schemas.openxmlformats.org/drawingml/2006/main" xmlns:r="http://schemas.openxmlformats.org/officeDocument/2006/relationships" xmlns:p="http://schemas.openxmlformats.org/presentationml/2006/main">
+  <p:cSld>
+    <p:spTree>
+      <p:nvGrpSpPr>
+        <p:cNvPr id="1" name=""/>
+        <p:cNvGrpSpPr/>
+        <p:nvPr/>
+      </p:nvGrpSpPr>
+      <p:grpSpPr>
+        <a:xfrm>
+          <a:off x="0" y="0"/>
+          <a:ext cx="0" cy="0"/>
+          <a:chOff x="0" y="0"/>
+          <a:chExt cx="0" cy="0"/>
+        </a:xfrm>
+      </p:grpSpPr>
+      <p:sp>
+        <p:nvSpPr>
+          <p:cNvPr id="5" name="TextBox 4">
+            <a:extLst>
+              <a:ext uri="{FF2B5EF4-FFF2-40B4-BE49-F238E27FC236}">
+                <a16:creationId xmlns:a16="http://schemas.microsoft.com/office/drawing/2014/main" id="{595DC491-3A65-22D2-F412-3DF8E0FAD408}"/>
+              </a:ext>
+            </a:extLst>
+          </p:cNvPr>
+          <p:cNvSpPr txBox="1"/>
+          <p:nvPr/>
+        </p:nvSpPr>
+        <p:spPr>
+          <a:xfrm>
+            <a:off x="329959" y="86157"/>
+            <a:ext cx="4017753" cy="4616648"/>
+          </a:xfrm>
+          <a:prstGeom prst="rect">
+            <a:avLst/>
+          </a:prstGeom>
+          <a:noFill/>
+        </p:spPr>
+        <p:txBody>
+          <a:bodyPr wrap="square">
+            <a:spAutoFit/>
+          </a:bodyPr>
+          <a:lstStyle/>
+          <a:p>
+            <a:r>
+              <a:rPr lang="ko-Kore-KR" altLang="en-US" sz="1400" dirty="0">
+                <a:latin typeface="DM Mono" panose="020B0509040201040103" pitchFamily="49" charset="0"/>
+              </a:rPr>
+              <a:t>void pswap(int **a, int **b)</a:t>
+            </a:r>
+          </a:p>
+          <a:p>
+            <a:r>
+              <a:rPr lang="ko-Kore-KR" altLang="en-US" sz="1400" dirty="0">
+                <a:latin typeface="DM Mono" panose="020B0509040201040103" pitchFamily="49" charset="0"/>
+              </a:rPr>
+              <a:t>{</a:t>
+            </a:r>
+          </a:p>
+          <a:p>
+            <a:r>
+              <a:rPr lang="ko-Kore-KR" altLang="en-US" sz="1400" dirty="0">
+                <a:latin typeface="DM Mono" panose="020B0509040201040103" pitchFamily="49" charset="0"/>
+              </a:rPr>
+              <a:t>  int *temp = *a;</a:t>
+            </a:r>
+          </a:p>
+          <a:p>
+            <a:r>
+              <a:rPr lang="ko-Kore-KR" altLang="en-US" sz="1400" dirty="0">
+                <a:latin typeface="DM Mono" panose="020B0509040201040103" pitchFamily="49" charset="0"/>
+              </a:rPr>
+              <a:t>  *a = *b;</a:t>
+            </a:r>
+          </a:p>
+          <a:p>
+            <a:r>
+              <a:rPr lang="ko-Kore-KR" altLang="en-US" sz="1400" dirty="0">
+                <a:solidFill>
+                  <a:srgbClr val="FF0000"/>
+                </a:solidFill>
+                <a:latin typeface="DM Mono" panose="020B0509040201040103" pitchFamily="49" charset="0"/>
+              </a:rPr>
+              <a:t>  *b = temp;</a:t>
+            </a:r>
+          </a:p>
+          <a:p>
+            <a:r>
+              <a:rPr lang="ko-Kore-KR" altLang="en-US" sz="1400" dirty="0">
+                <a:latin typeface="DM Mono" panose="020B0509040201040103" pitchFamily="49" charset="0"/>
+              </a:rPr>
+              <a:t>}</a:t>
+            </a:r>
+          </a:p>
+          <a:p>
+            <a:endParaRPr lang="ko-Kore-KR" altLang="en-US" sz="1400" dirty="0">
+              <a:latin typeface="DM Mono" panose="020B0509040201040103" pitchFamily="49" charset="0"/>
+            </a:endParaRPr>
+          </a:p>
+          <a:p>
+            <a:r>
+              <a:rPr lang="ko-Kore-KR" altLang="en-US" sz="1400" dirty="0">
+                <a:latin typeface="DM Mono" panose="020B0509040201040103" pitchFamily="49" charset="0"/>
+              </a:rPr>
+              <a:t>int main(void)</a:t>
+            </a:r>
+          </a:p>
+          <a:p>
+            <a:r>
+              <a:rPr lang="ko-Kore-KR" altLang="en-US" sz="1400" dirty="0">
+                <a:latin typeface="DM Mono" panose="020B0509040201040103" pitchFamily="49" charset="0"/>
+              </a:rPr>
+              <a:t>{</a:t>
+            </a:r>
+          </a:p>
+          <a:p>
+            <a:r>
+              <a:rPr lang="ko-Kore-KR" altLang="en-US" sz="1400" dirty="0">
+                <a:latin typeface="DM Mono" panose="020B0509040201040103" pitchFamily="49" charset="0"/>
+              </a:rPr>
+              <a:t>  int a = 10;</a:t>
+            </a:r>
+          </a:p>
+          <a:p>
+            <a:r>
+              <a:rPr lang="ko-Kore-KR" altLang="en-US" sz="1400" dirty="0">
+                <a:latin typeface="DM Mono" panose="020B0509040201040103" pitchFamily="49" charset="0"/>
+              </a:rPr>
+              <a:t>  int b = 20;</a:t>
+            </a:r>
+          </a:p>
+          <a:p>
+            <a:endParaRPr lang="ko-Kore-KR" altLang="en-US" sz="1400" dirty="0">
+              <a:latin typeface="DM Mono" panose="020B0509040201040103" pitchFamily="49" charset="0"/>
+            </a:endParaRPr>
+          </a:p>
+          <a:p>
+            <a:r>
+              <a:rPr lang="ko-Kore-KR" altLang="en-US" sz="1400" dirty="0">
+                <a:latin typeface="DM Mono" panose="020B0509040201040103" pitchFamily="49" charset="0"/>
+              </a:rPr>
+              <a:t>  int *pa = &amp;a;</a:t>
+            </a:r>
+          </a:p>
+          <a:p>
+            <a:r>
+              <a:rPr lang="ko-Kore-KR" altLang="en-US" sz="1400" dirty="0">
+                <a:latin typeface="DM Mono" panose="020B0509040201040103" pitchFamily="49" charset="0"/>
+              </a:rPr>
+              <a:t>  int *pb = &amp;b;</a:t>
+            </a:r>
+          </a:p>
+          <a:p>
+            <a:r>
+              <a:rPr lang="ko-Kore-KR" altLang="en-US" sz="1400" dirty="0">
+                <a:latin typeface="DM Mono" panose="020B0509040201040103" pitchFamily="49" charset="0"/>
+              </a:rPr>
+              <a:t>  printf("%d %d\n", *pa, *pb);</a:t>
+            </a:r>
+          </a:p>
+          <a:p>
+            <a:endParaRPr lang="ko-Kore-KR" altLang="en-US" sz="1400" dirty="0">
+              <a:latin typeface="DM Mono" panose="020B0509040201040103" pitchFamily="49" charset="0"/>
+            </a:endParaRPr>
+          </a:p>
+          <a:p>
+            <a:r>
+              <a:rPr lang="ko-Kore-KR" altLang="en-US" sz="1400" dirty="0">
+                <a:latin typeface="DM Mono" panose="020B0509040201040103" pitchFamily="49" charset="0"/>
+              </a:rPr>
+              <a:t>  pswap(&amp;pa, &amp;pb);</a:t>
+            </a:r>
+          </a:p>
+          <a:p>
+            <a:r>
+              <a:rPr lang="ko-Kore-KR" altLang="en-US" sz="1400" dirty="0">
+                <a:latin typeface="DM Mono" panose="020B0509040201040103" pitchFamily="49" charset="0"/>
+              </a:rPr>
+              <a:t>  printf("%d %d\n", *pa, *pb);</a:t>
+            </a:r>
+          </a:p>
+          <a:p>
+            <a:endParaRPr lang="ko-Kore-KR" altLang="en-US" sz="1400" dirty="0">
+              <a:latin typeface="DM Mono" panose="020B0509040201040103" pitchFamily="49" charset="0"/>
+            </a:endParaRPr>
+          </a:p>
+          <a:p>
+            <a:r>
+              <a:rPr lang="ko-Kore-KR" altLang="en-US" sz="1400" dirty="0">
+                <a:latin typeface="DM Mono" panose="020B0509040201040103" pitchFamily="49" charset="0"/>
+              </a:rPr>
+              <a:t>  return 0;</a:t>
+            </a:r>
+          </a:p>
+          <a:p>
+            <a:r>
+              <a:rPr lang="ko-Kore-KR" altLang="en-US" sz="1400" dirty="0">
+                <a:latin typeface="DM Mono" panose="020B0509040201040103" pitchFamily="49" charset="0"/>
+              </a:rPr>
+              <a:t>}</a:t>
+            </a:r>
+          </a:p>
+        </p:txBody>
+      </p:sp>
+      <p:sp>
+        <p:nvSpPr>
+          <p:cNvPr id="6" name="직사각형 5">
+            <a:extLst>
+              <a:ext uri="{FF2B5EF4-FFF2-40B4-BE49-F238E27FC236}">
+                <a16:creationId xmlns:a16="http://schemas.microsoft.com/office/drawing/2014/main" id="{BFFA17EA-9606-0A5D-1778-72BE750A1056}"/>
+              </a:ext>
+            </a:extLst>
+          </p:cNvPr>
+          <p:cNvSpPr/>
+          <p:nvPr/>
+        </p:nvSpPr>
+        <p:spPr>
+          <a:xfrm>
+            <a:off x="4497064" y="938077"/>
+            <a:ext cx="4109054" cy="3472153"/>
+          </a:xfrm>
+          <a:prstGeom prst="rect">
+            <a:avLst/>
+          </a:prstGeom>
+        </p:spPr>
+        <p:style>
+          <a:lnRef idx="2">
+            <a:schemeClr val="dk1"/>
+          </a:lnRef>
+          <a:fillRef idx="1">
+            <a:schemeClr val="lt1"/>
+          </a:fillRef>
+          <a:effectRef idx="0">
+            <a:schemeClr val="dk1"/>
+          </a:effectRef>
+          <a:fontRef idx="minor">
+            <a:schemeClr val="dk1"/>
+          </a:fontRef>
+        </p:style>
+        <p:txBody>
+          <a:bodyPr rtlCol="0" anchor="ctr"/>
+          <a:lstStyle/>
+          <a:p>
+            <a:pPr algn="ctr"/>
+            <a:endParaRPr kumimoji="1" lang="ko-Kore-KR" altLang="en-US" dirty="0">
+              <a:solidFill>
+                <a:schemeClr val="tx1"/>
+              </a:solidFill>
+            </a:endParaRPr>
+          </a:p>
+        </p:txBody>
+      </p:sp>
+      <p:sp>
+        <p:nvSpPr>
+          <p:cNvPr id="7" name="직사각형 6">
+            <a:extLst>
+              <a:ext uri="{FF2B5EF4-FFF2-40B4-BE49-F238E27FC236}">
+                <a16:creationId xmlns:a16="http://schemas.microsoft.com/office/drawing/2014/main" id="{1E6CBAC5-F5AE-DE24-E81A-BB28614A53CA}"/>
+              </a:ext>
+            </a:extLst>
+          </p:cNvPr>
+          <p:cNvSpPr/>
+          <p:nvPr/>
+        </p:nvSpPr>
+        <p:spPr>
+          <a:xfrm>
+            <a:off x="5497906" y="1434715"/>
+            <a:ext cx="925906" cy="447790"/>
+          </a:xfrm>
+          <a:prstGeom prst="rect">
+            <a:avLst/>
+          </a:prstGeom>
+          <a:solidFill>
+            <a:srgbClr val="FFFF00"/>
+          </a:solidFill>
+        </p:spPr>
+        <p:style>
+          <a:lnRef idx="2">
+            <a:schemeClr val="accent1">
+              <a:shade val="50000"/>
+            </a:schemeClr>
+          </a:lnRef>
+          <a:fillRef idx="1">
+            <a:schemeClr val="accent1"/>
+          </a:fillRef>
+          <a:effectRef idx="0">
+            <a:schemeClr val="accent1"/>
+          </a:effectRef>
+          <a:fontRef idx="minor">
+            <a:schemeClr val="lt1"/>
+          </a:fontRef>
+        </p:style>
+        <p:txBody>
+          <a:bodyPr rtlCol="0" anchor="ctr"/>
+          <a:lstStyle/>
+          <a:p>
+            <a:pPr algn="ctr"/>
+            <a:r>
+              <a:rPr kumimoji="1" lang="en-US" altLang="ko-Kore-KR" dirty="0">
+                <a:solidFill>
+                  <a:schemeClr val="tx1"/>
+                </a:solidFill>
+              </a:rPr>
+              <a:t>10</a:t>
+            </a:r>
+            <a:endParaRPr kumimoji="1" lang="ko-Kore-KR" altLang="en-US" dirty="0">
+              <a:solidFill>
+                <a:schemeClr val="tx1"/>
+              </a:solidFill>
+            </a:endParaRPr>
+          </a:p>
+        </p:txBody>
+      </p:sp>
+      <p:sp>
+        <p:nvSpPr>
+          <p:cNvPr id="8" name="TextBox 7">
+            <a:extLst>
+              <a:ext uri="{FF2B5EF4-FFF2-40B4-BE49-F238E27FC236}">
+                <a16:creationId xmlns:a16="http://schemas.microsoft.com/office/drawing/2014/main" id="{D9BB539A-7B5C-3EDB-5050-72E6EB37C2F4}"/>
+              </a:ext>
+            </a:extLst>
+          </p:cNvPr>
+          <p:cNvSpPr txBox="1"/>
+          <p:nvPr/>
+        </p:nvSpPr>
+        <p:spPr>
+          <a:xfrm>
+            <a:off x="5120500" y="1513173"/>
+            <a:ext cx="377406" cy="369332"/>
+          </a:xfrm>
+          <a:prstGeom prst="rect">
+            <a:avLst/>
+          </a:prstGeom>
+          <a:noFill/>
+        </p:spPr>
+        <p:txBody>
+          <a:bodyPr wrap="square">
+            <a:spAutoFit/>
+          </a:bodyPr>
+          <a:lstStyle/>
+          <a:p>
+            <a:r>
+              <a:rPr lang="en-US" altLang="ko-Kore-KR" dirty="0">
+                <a:latin typeface="DM Mono" panose="020B0509040201040103" pitchFamily="49" charset="0"/>
+              </a:rPr>
+              <a:t>a</a:t>
+            </a:r>
+            <a:endParaRPr lang="ko-Kore-KR" altLang="en-US" dirty="0"/>
+          </a:p>
+        </p:txBody>
+      </p:sp>
+      <p:sp>
+        <p:nvSpPr>
+          <p:cNvPr id="9" name="TextBox 8">
+            <a:extLst>
+              <a:ext uri="{FF2B5EF4-FFF2-40B4-BE49-F238E27FC236}">
+                <a16:creationId xmlns:a16="http://schemas.microsoft.com/office/drawing/2014/main" id="{54A68151-0B2B-C6DD-EC93-D80A9CFB351F}"/>
+              </a:ext>
+            </a:extLst>
+          </p:cNvPr>
+          <p:cNvSpPr txBox="1"/>
+          <p:nvPr/>
+        </p:nvSpPr>
+        <p:spPr>
+          <a:xfrm>
+            <a:off x="5767836" y="621860"/>
+            <a:ext cx="808727" cy="369332"/>
+          </a:xfrm>
+          <a:prstGeom prst="rect">
+            <a:avLst/>
+          </a:prstGeom>
+          <a:noFill/>
+        </p:spPr>
+        <p:txBody>
+          <a:bodyPr wrap="square">
+            <a:spAutoFit/>
+          </a:bodyPr>
+          <a:lstStyle/>
+          <a:p>
+            <a:r>
+              <a:rPr lang="en" altLang="ko-Kore-KR" dirty="0">
+                <a:latin typeface="DM Mono" panose="020B0509040201040103" pitchFamily="49" charset="0"/>
+              </a:rPr>
+              <a:t>main</a:t>
+            </a:r>
+            <a:endParaRPr lang="ko-Kore-KR" altLang="en-US" dirty="0"/>
+          </a:p>
+        </p:txBody>
+      </p:sp>
+      <p:sp>
+        <p:nvSpPr>
+          <p:cNvPr id="10" name="TextBox 9">
+            <a:extLst>
+              <a:ext uri="{FF2B5EF4-FFF2-40B4-BE49-F238E27FC236}">
+                <a16:creationId xmlns:a16="http://schemas.microsoft.com/office/drawing/2014/main" id="{10B133A1-742B-0E72-C46D-FA58D527DAB9}"/>
+              </a:ext>
+            </a:extLst>
+          </p:cNvPr>
+          <p:cNvSpPr txBox="1"/>
+          <p:nvPr/>
+        </p:nvSpPr>
+        <p:spPr>
+          <a:xfrm>
+            <a:off x="5158241" y="1157716"/>
+            <a:ext cx="679330" cy="276999"/>
+          </a:xfrm>
+          <a:prstGeom prst="rect">
+            <a:avLst/>
+          </a:prstGeom>
+          <a:noFill/>
+        </p:spPr>
+        <p:txBody>
+          <a:bodyPr wrap="square">
+            <a:spAutoFit/>
+          </a:bodyPr>
+          <a:lstStyle/>
+          <a:p>
+            <a:r>
+              <a:rPr kumimoji="1" lang="en-US" altLang="ko-Kore-KR" sz="1200" dirty="0">
+                <a:solidFill>
+                  <a:schemeClr val="tx1"/>
+                </a:solidFill>
+              </a:rPr>
+              <a:t>0x1000</a:t>
+            </a:r>
+            <a:endParaRPr lang="ko-Kore-KR" altLang="en-US" sz="1200" dirty="0"/>
+          </a:p>
+        </p:txBody>
+      </p:sp>
+      <p:sp>
+        <p:nvSpPr>
+          <p:cNvPr id="11" name="직사각형 10">
+            <a:extLst>
+              <a:ext uri="{FF2B5EF4-FFF2-40B4-BE49-F238E27FC236}">
+                <a16:creationId xmlns:a16="http://schemas.microsoft.com/office/drawing/2014/main" id="{85D5CBE0-60E7-8EE5-CB27-AEE7C3441094}"/>
+              </a:ext>
+            </a:extLst>
+          </p:cNvPr>
+          <p:cNvSpPr/>
+          <p:nvPr/>
+        </p:nvSpPr>
+        <p:spPr>
+          <a:xfrm>
+            <a:off x="5239113" y="2431857"/>
+            <a:ext cx="1897810" cy="447790"/>
+          </a:xfrm>
+          <a:prstGeom prst="rect">
+            <a:avLst/>
+          </a:prstGeom>
+          <a:solidFill>
+            <a:srgbClr val="FFFF00"/>
+          </a:solidFill>
+        </p:spPr>
+        <p:style>
+          <a:lnRef idx="2">
+            <a:schemeClr val="accent1">
+              <a:shade val="50000"/>
+            </a:schemeClr>
+          </a:lnRef>
+          <a:fillRef idx="1">
+            <a:schemeClr val="accent1"/>
+          </a:fillRef>
+          <a:effectRef idx="0">
+            <a:schemeClr val="accent1"/>
+          </a:effectRef>
+          <a:fontRef idx="minor">
+            <a:schemeClr val="lt1"/>
+          </a:fontRef>
+        </p:style>
+        <p:txBody>
+          <a:bodyPr rtlCol="0" anchor="ctr"/>
+          <a:lstStyle/>
+          <a:p>
+            <a:pPr algn="ctr"/>
+            <a:r>
+              <a:rPr kumimoji="1" lang="en-US" altLang="ko-Kore-KR" dirty="0">
+                <a:solidFill>
+                  <a:schemeClr val="tx1"/>
+                </a:solidFill>
+              </a:rPr>
+              <a:t>0x2000</a:t>
+            </a:r>
+            <a:endParaRPr kumimoji="1" lang="ko-Kore-KR" altLang="en-US" dirty="0">
+              <a:solidFill>
+                <a:schemeClr val="tx1"/>
+              </a:solidFill>
+            </a:endParaRPr>
+          </a:p>
+        </p:txBody>
+      </p:sp>
+      <p:sp>
+        <p:nvSpPr>
+          <p:cNvPr id="12" name="TextBox 11">
+            <a:extLst>
+              <a:ext uri="{FF2B5EF4-FFF2-40B4-BE49-F238E27FC236}">
+                <a16:creationId xmlns:a16="http://schemas.microsoft.com/office/drawing/2014/main" id="{1D574857-2B75-068C-C6E2-B806ACCD230E}"/>
+              </a:ext>
+            </a:extLst>
+          </p:cNvPr>
+          <p:cNvSpPr txBox="1"/>
+          <p:nvPr/>
+        </p:nvSpPr>
+        <p:spPr>
+          <a:xfrm>
+            <a:off x="4692770" y="2510315"/>
+            <a:ext cx="546343" cy="369332"/>
+          </a:xfrm>
+          <a:prstGeom prst="rect">
+            <a:avLst/>
+          </a:prstGeom>
+          <a:noFill/>
+        </p:spPr>
+        <p:txBody>
+          <a:bodyPr wrap="square">
+            <a:spAutoFit/>
+          </a:bodyPr>
+          <a:lstStyle/>
+          <a:p>
+            <a:r>
+              <a:rPr lang="en-US" altLang="ko-Kore-KR" dirty="0">
+                <a:latin typeface="DM Mono" panose="020B0509040201040103" pitchFamily="49" charset="0"/>
+              </a:rPr>
+              <a:t>pa</a:t>
+            </a:r>
+            <a:endParaRPr lang="ko-Kore-KR" altLang="en-US" dirty="0"/>
+          </a:p>
+        </p:txBody>
+      </p:sp>
+      <p:sp>
+        <p:nvSpPr>
+          <p:cNvPr id="13" name="직사각형 12">
+            <a:extLst>
+              <a:ext uri="{FF2B5EF4-FFF2-40B4-BE49-F238E27FC236}">
+                <a16:creationId xmlns:a16="http://schemas.microsoft.com/office/drawing/2014/main" id="{5E9F627E-5C2B-F5C9-A21D-3A164A3FA963}"/>
+              </a:ext>
+            </a:extLst>
+          </p:cNvPr>
+          <p:cNvSpPr/>
+          <p:nvPr/>
+        </p:nvSpPr>
+        <p:spPr>
+          <a:xfrm>
+            <a:off x="7140883" y="1434714"/>
+            <a:ext cx="925906" cy="447790"/>
+          </a:xfrm>
+          <a:prstGeom prst="rect">
+            <a:avLst/>
+          </a:prstGeom>
+          <a:solidFill>
+            <a:srgbClr val="FFFF00"/>
+          </a:solidFill>
+        </p:spPr>
+        <p:style>
+          <a:lnRef idx="2">
+            <a:schemeClr val="accent1">
+              <a:shade val="50000"/>
+            </a:schemeClr>
+          </a:lnRef>
+          <a:fillRef idx="1">
+            <a:schemeClr val="accent1"/>
+          </a:fillRef>
+          <a:effectRef idx="0">
+            <a:schemeClr val="accent1"/>
+          </a:effectRef>
+          <a:fontRef idx="minor">
+            <a:schemeClr val="lt1"/>
+          </a:fontRef>
+        </p:style>
+        <p:txBody>
+          <a:bodyPr rtlCol="0" anchor="ctr"/>
+          <a:lstStyle/>
+          <a:p>
+            <a:pPr algn="ctr"/>
+            <a:r>
+              <a:rPr kumimoji="1" lang="en-US" altLang="ko-Kore-KR" dirty="0">
+                <a:solidFill>
+                  <a:schemeClr val="tx1"/>
+                </a:solidFill>
+              </a:rPr>
+              <a:t>20</a:t>
+            </a:r>
+            <a:endParaRPr kumimoji="1" lang="ko-Kore-KR" altLang="en-US" dirty="0">
+              <a:solidFill>
+                <a:schemeClr val="tx1"/>
+              </a:solidFill>
+            </a:endParaRPr>
+          </a:p>
+        </p:txBody>
+      </p:sp>
+      <p:sp>
+        <p:nvSpPr>
+          <p:cNvPr id="14" name="TextBox 13">
+            <a:extLst>
+              <a:ext uri="{FF2B5EF4-FFF2-40B4-BE49-F238E27FC236}">
+                <a16:creationId xmlns:a16="http://schemas.microsoft.com/office/drawing/2014/main" id="{DC44D0DF-6240-B881-6F50-0F7846F34585}"/>
+              </a:ext>
+            </a:extLst>
+          </p:cNvPr>
+          <p:cNvSpPr txBox="1"/>
+          <p:nvPr/>
+        </p:nvSpPr>
+        <p:spPr>
+          <a:xfrm>
+            <a:off x="6763477" y="1513172"/>
+            <a:ext cx="377406" cy="369332"/>
+          </a:xfrm>
+          <a:prstGeom prst="rect">
+            <a:avLst/>
+          </a:prstGeom>
+          <a:noFill/>
+        </p:spPr>
+        <p:txBody>
+          <a:bodyPr wrap="square">
+            <a:spAutoFit/>
+          </a:bodyPr>
+          <a:lstStyle/>
+          <a:p>
+            <a:r>
+              <a:rPr lang="en-US" altLang="ko-Kore-KR" dirty="0">
+                <a:latin typeface="DM Mono" panose="020B0509040201040103" pitchFamily="49" charset="0"/>
+              </a:rPr>
+              <a:t>b</a:t>
+            </a:r>
+            <a:endParaRPr lang="ko-Kore-KR" altLang="en-US" dirty="0"/>
+          </a:p>
+        </p:txBody>
+      </p:sp>
+      <p:sp>
+        <p:nvSpPr>
+          <p:cNvPr id="15" name="TextBox 14">
+            <a:extLst>
+              <a:ext uri="{FF2B5EF4-FFF2-40B4-BE49-F238E27FC236}">
+                <a16:creationId xmlns:a16="http://schemas.microsoft.com/office/drawing/2014/main" id="{3E27AF2D-E251-15F9-411E-05FAD7C921C0}"/>
+              </a:ext>
+            </a:extLst>
+          </p:cNvPr>
+          <p:cNvSpPr txBox="1"/>
+          <p:nvPr/>
+        </p:nvSpPr>
+        <p:spPr>
+          <a:xfrm>
+            <a:off x="6801218" y="1157715"/>
+            <a:ext cx="679330" cy="276999"/>
+          </a:xfrm>
+          <a:prstGeom prst="rect">
+            <a:avLst/>
+          </a:prstGeom>
+          <a:noFill/>
+        </p:spPr>
+        <p:txBody>
+          <a:bodyPr wrap="square">
+            <a:spAutoFit/>
+          </a:bodyPr>
+          <a:lstStyle/>
+          <a:p>
+            <a:r>
+              <a:rPr kumimoji="1" lang="en-US" altLang="ko-Kore-KR" sz="1200" dirty="0">
+                <a:solidFill>
+                  <a:schemeClr val="tx1"/>
+                </a:solidFill>
+              </a:rPr>
+              <a:t>0x2000</a:t>
+            </a:r>
+            <a:endParaRPr lang="ko-Kore-KR" altLang="en-US" sz="1200" dirty="0"/>
+          </a:p>
+        </p:txBody>
+      </p:sp>
+      <p:sp>
+        <p:nvSpPr>
+          <p:cNvPr id="16" name="직사각형 15">
+            <a:extLst>
+              <a:ext uri="{FF2B5EF4-FFF2-40B4-BE49-F238E27FC236}">
+                <a16:creationId xmlns:a16="http://schemas.microsoft.com/office/drawing/2014/main" id="{E9254095-A04C-3A06-2B65-70A68ED6FE53}"/>
+              </a:ext>
+            </a:extLst>
+          </p:cNvPr>
+          <p:cNvSpPr/>
+          <p:nvPr/>
+        </p:nvSpPr>
+        <p:spPr>
+          <a:xfrm>
+            <a:off x="5239113" y="3267485"/>
+            <a:ext cx="1897810" cy="447790"/>
+          </a:xfrm>
+          <a:prstGeom prst="rect">
+            <a:avLst/>
+          </a:prstGeom>
+          <a:solidFill>
+            <a:srgbClr val="FFFF00"/>
+          </a:solidFill>
+        </p:spPr>
+        <p:style>
+          <a:lnRef idx="2">
+            <a:schemeClr val="accent1">
+              <a:shade val="50000"/>
+            </a:schemeClr>
+          </a:lnRef>
+          <a:fillRef idx="1">
+            <a:schemeClr val="accent1"/>
+          </a:fillRef>
+          <a:effectRef idx="0">
+            <a:schemeClr val="accent1"/>
+          </a:effectRef>
+          <a:fontRef idx="minor">
+            <a:schemeClr val="lt1"/>
+          </a:fontRef>
+        </p:style>
+        <p:txBody>
+          <a:bodyPr rtlCol="0" anchor="ctr"/>
+          <a:lstStyle/>
+          <a:p>
+            <a:pPr algn="ctr"/>
+            <a:r>
+              <a:rPr kumimoji="1" lang="en-US" altLang="ko-Kore-KR" dirty="0">
+                <a:solidFill>
+                  <a:srgbClr val="FF0000"/>
+                </a:solidFill>
+              </a:rPr>
+              <a:t>0x1000</a:t>
+            </a:r>
+            <a:endParaRPr kumimoji="1" lang="ko-Kore-KR" altLang="en-US" dirty="0">
+              <a:solidFill>
+                <a:srgbClr val="FF0000"/>
+              </a:solidFill>
+            </a:endParaRPr>
+          </a:p>
+        </p:txBody>
+      </p:sp>
+      <p:sp>
+        <p:nvSpPr>
+          <p:cNvPr id="17" name="TextBox 16">
+            <a:extLst>
+              <a:ext uri="{FF2B5EF4-FFF2-40B4-BE49-F238E27FC236}">
+                <a16:creationId xmlns:a16="http://schemas.microsoft.com/office/drawing/2014/main" id="{E014A1D6-CFE8-57E0-D61B-0DE2965A2FAF}"/>
+              </a:ext>
+            </a:extLst>
+          </p:cNvPr>
+          <p:cNvSpPr txBox="1"/>
+          <p:nvPr/>
+        </p:nvSpPr>
+        <p:spPr>
+          <a:xfrm>
+            <a:off x="4692770" y="3345943"/>
+            <a:ext cx="546343" cy="369332"/>
+          </a:xfrm>
+          <a:prstGeom prst="rect">
+            <a:avLst/>
+          </a:prstGeom>
+          <a:noFill/>
+        </p:spPr>
+        <p:txBody>
+          <a:bodyPr wrap="square">
+            <a:spAutoFit/>
+          </a:bodyPr>
+          <a:lstStyle/>
+          <a:p>
+            <a:r>
+              <a:rPr lang="en-US" altLang="ko-Kore-KR" dirty="0">
+                <a:latin typeface="DM Mono" panose="020B0509040201040103" pitchFamily="49" charset="0"/>
+              </a:rPr>
+              <a:t>pb</a:t>
+            </a:r>
+            <a:endParaRPr lang="ko-Kore-KR" altLang="en-US" dirty="0"/>
+          </a:p>
+        </p:txBody>
+      </p:sp>
+      <p:sp>
+        <p:nvSpPr>
+          <p:cNvPr id="18" name="TextBox 17">
+            <a:extLst>
+              <a:ext uri="{FF2B5EF4-FFF2-40B4-BE49-F238E27FC236}">
+                <a16:creationId xmlns:a16="http://schemas.microsoft.com/office/drawing/2014/main" id="{3BE6498C-3943-32CF-09EC-5BEFD33F5B4A}"/>
+              </a:ext>
+            </a:extLst>
+          </p:cNvPr>
+          <p:cNvSpPr txBox="1"/>
+          <p:nvPr/>
+        </p:nvSpPr>
+        <p:spPr>
+          <a:xfrm>
+            <a:off x="4899448" y="2154858"/>
+            <a:ext cx="679330" cy="276999"/>
+          </a:xfrm>
+          <a:prstGeom prst="rect">
+            <a:avLst/>
+          </a:prstGeom>
+          <a:noFill/>
+        </p:spPr>
+        <p:txBody>
+          <a:bodyPr wrap="square">
+            <a:spAutoFit/>
+          </a:bodyPr>
+          <a:lstStyle/>
+          <a:p>
+            <a:r>
+              <a:rPr kumimoji="1" lang="en-US" altLang="ko-Kore-KR" sz="1200" dirty="0">
+                <a:solidFill>
+                  <a:schemeClr val="tx1"/>
+                </a:solidFill>
+              </a:rPr>
+              <a:t>0x3000</a:t>
+            </a:r>
+            <a:endParaRPr lang="ko-Kore-KR" altLang="en-US" sz="1200" dirty="0"/>
+          </a:p>
+        </p:txBody>
+      </p:sp>
+      <p:sp>
+        <p:nvSpPr>
+          <p:cNvPr id="19" name="TextBox 18">
+            <a:extLst>
+              <a:ext uri="{FF2B5EF4-FFF2-40B4-BE49-F238E27FC236}">
+                <a16:creationId xmlns:a16="http://schemas.microsoft.com/office/drawing/2014/main" id="{9B0C588E-BC54-2617-4574-083F97B3027E}"/>
+              </a:ext>
+            </a:extLst>
+          </p:cNvPr>
+          <p:cNvSpPr txBox="1"/>
+          <p:nvPr/>
+        </p:nvSpPr>
+        <p:spPr>
+          <a:xfrm>
+            <a:off x="4902328" y="2997424"/>
+            <a:ext cx="679330" cy="276999"/>
+          </a:xfrm>
+          <a:prstGeom prst="rect">
+            <a:avLst/>
+          </a:prstGeom>
+          <a:noFill/>
+        </p:spPr>
+        <p:txBody>
+          <a:bodyPr wrap="square">
+            <a:spAutoFit/>
+          </a:bodyPr>
+          <a:lstStyle/>
+          <a:p>
+            <a:r>
+              <a:rPr kumimoji="1" lang="en-US" altLang="ko-Kore-KR" sz="1200" dirty="0">
+                <a:solidFill>
+                  <a:schemeClr val="tx1"/>
+                </a:solidFill>
+              </a:rPr>
+              <a:t>0x4000</a:t>
+            </a:r>
+            <a:endParaRPr lang="ko-Kore-KR" altLang="en-US" sz="1200" dirty="0"/>
+          </a:p>
+        </p:txBody>
+      </p:sp>
+      <p:sp>
+        <p:nvSpPr>
+          <p:cNvPr id="20" name="직사각형 19">
+            <a:extLst>
+              <a:ext uri="{FF2B5EF4-FFF2-40B4-BE49-F238E27FC236}">
+                <a16:creationId xmlns:a16="http://schemas.microsoft.com/office/drawing/2014/main" id="{19E25EA6-0228-F130-F612-02EE0F3A04E9}"/>
+              </a:ext>
+            </a:extLst>
+          </p:cNvPr>
+          <p:cNvSpPr/>
+          <p:nvPr/>
+        </p:nvSpPr>
+        <p:spPr>
+          <a:xfrm>
+            <a:off x="8732113" y="896871"/>
+            <a:ext cx="3318989" cy="3472153"/>
+          </a:xfrm>
+          <a:prstGeom prst="rect">
+            <a:avLst/>
+          </a:prstGeom>
+        </p:spPr>
+        <p:style>
+          <a:lnRef idx="2">
+            <a:schemeClr val="dk1"/>
+          </a:lnRef>
+          <a:fillRef idx="1">
+            <a:schemeClr val="lt1"/>
+          </a:fillRef>
+          <a:effectRef idx="0">
+            <a:schemeClr val="dk1"/>
+          </a:effectRef>
+          <a:fontRef idx="minor">
+            <a:schemeClr val="dk1"/>
+          </a:fontRef>
+        </p:style>
+        <p:txBody>
+          <a:bodyPr rtlCol="0" anchor="ctr"/>
+          <a:lstStyle/>
+          <a:p>
+            <a:pPr algn="ctr"/>
+            <a:endParaRPr kumimoji="1" lang="ko-Kore-KR" altLang="en-US" dirty="0">
+              <a:solidFill>
+                <a:schemeClr val="tx1"/>
+              </a:solidFill>
+            </a:endParaRPr>
+          </a:p>
+        </p:txBody>
+      </p:sp>
+      <p:sp>
+        <p:nvSpPr>
+          <p:cNvPr id="21" name="TextBox 20">
+            <a:extLst>
+              <a:ext uri="{FF2B5EF4-FFF2-40B4-BE49-F238E27FC236}">
+                <a16:creationId xmlns:a16="http://schemas.microsoft.com/office/drawing/2014/main" id="{A974EB20-3767-BF08-7A43-B9E6FD977F69}"/>
+              </a:ext>
+            </a:extLst>
+          </p:cNvPr>
+          <p:cNvSpPr txBox="1"/>
+          <p:nvPr/>
+        </p:nvSpPr>
+        <p:spPr>
+          <a:xfrm>
+            <a:off x="9760812" y="527539"/>
+            <a:ext cx="1669188" cy="369332"/>
+          </a:xfrm>
+          <a:prstGeom prst="rect">
+            <a:avLst/>
+          </a:prstGeom>
+          <a:noFill/>
+        </p:spPr>
+        <p:txBody>
+          <a:bodyPr wrap="square">
+            <a:spAutoFit/>
+          </a:bodyPr>
+          <a:lstStyle/>
+          <a:p>
+            <a:r>
+              <a:rPr lang="en" altLang="ko-Kore-KR" dirty="0" err="1">
+                <a:latin typeface="DM Mono" panose="020B0509040201040103" pitchFamily="49" charset="0"/>
+              </a:rPr>
+              <a:t>pswap</a:t>
+            </a:r>
+            <a:endParaRPr lang="ko-Kore-KR" altLang="en-US" dirty="0"/>
+          </a:p>
+        </p:txBody>
+      </p:sp>
+      <p:sp>
+        <p:nvSpPr>
+          <p:cNvPr id="22" name="직사각형 21">
+            <a:extLst>
+              <a:ext uri="{FF2B5EF4-FFF2-40B4-BE49-F238E27FC236}">
+                <a16:creationId xmlns:a16="http://schemas.microsoft.com/office/drawing/2014/main" id="{2AD03C18-F687-175D-DB48-123650CFF06B}"/>
+              </a:ext>
+            </a:extLst>
+          </p:cNvPr>
+          <p:cNvSpPr/>
+          <p:nvPr/>
+        </p:nvSpPr>
+        <p:spPr>
+          <a:xfrm>
+            <a:off x="9572809" y="1157715"/>
+            <a:ext cx="1897810" cy="447790"/>
+          </a:xfrm>
+          <a:prstGeom prst="rect">
+            <a:avLst/>
+          </a:prstGeom>
+          <a:solidFill>
+            <a:srgbClr val="FFFF00"/>
+          </a:solidFill>
+        </p:spPr>
+        <p:style>
+          <a:lnRef idx="2">
+            <a:schemeClr val="accent1">
+              <a:shade val="50000"/>
+            </a:schemeClr>
+          </a:lnRef>
+          <a:fillRef idx="1">
+            <a:schemeClr val="accent1"/>
+          </a:fillRef>
+          <a:effectRef idx="0">
+            <a:schemeClr val="accent1"/>
+          </a:effectRef>
+          <a:fontRef idx="minor">
+            <a:schemeClr val="lt1"/>
+          </a:fontRef>
+        </p:style>
+        <p:txBody>
+          <a:bodyPr rtlCol="0" anchor="ctr"/>
+          <a:lstStyle/>
+          <a:p>
+            <a:pPr algn="ctr"/>
+            <a:r>
+              <a:rPr kumimoji="1" lang="en-US" altLang="ko-Kore-KR" dirty="0">
+                <a:solidFill>
+                  <a:schemeClr val="tx1"/>
+                </a:solidFill>
+              </a:rPr>
+              <a:t>0x3000</a:t>
+            </a:r>
+            <a:endParaRPr kumimoji="1" lang="ko-Kore-KR" altLang="en-US" dirty="0">
+              <a:solidFill>
+                <a:schemeClr val="tx1"/>
+              </a:solidFill>
+            </a:endParaRPr>
+          </a:p>
+        </p:txBody>
+      </p:sp>
+      <p:sp>
+        <p:nvSpPr>
+          <p:cNvPr id="23" name="TextBox 22">
+            <a:extLst>
+              <a:ext uri="{FF2B5EF4-FFF2-40B4-BE49-F238E27FC236}">
+                <a16:creationId xmlns:a16="http://schemas.microsoft.com/office/drawing/2014/main" id="{F0CF18E2-17B4-40CC-4F47-DBCDA4C1DBE9}"/>
+              </a:ext>
+            </a:extLst>
+          </p:cNvPr>
+          <p:cNvSpPr txBox="1"/>
+          <p:nvPr/>
+        </p:nvSpPr>
+        <p:spPr>
+          <a:xfrm>
+            <a:off x="9026466" y="1236173"/>
+            <a:ext cx="546343" cy="369332"/>
+          </a:xfrm>
+          <a:prstGeom prst="rect">
+            <a:avLst/>
+          </a:prstGeom>
+          <a:noFill/>
+        </p:spPr>
+        <p:txBody>
+          <a:bodyPr wrap="square">
+            <a:spAutoFit/>
+          </a:bodyPr>
+          <a:lstStyle/>
+          <a:p>
+            <a:r>
+              <a:rPr lang="en-US" altLang="ko-Kore-KR" dirty="0">
+                <a:latin typeface="DM Mono" panose="020B0509040201040103" pitchFamily="49" charset="0"/>
+              </a:rPr>
+              <a:t>a</a:t>
+            </a:r>
+            <a:endParaRPr lang="ko-Kore-KR" altLang="en-US" dirty="0"/>
+          </a:p>
+        </p:txBody>
+      </p:sp>
+      <p:sp>
+        <p:nvSpPr>
+          <p:cNvPr id="24" name="직사각형 23">
+            <a:extLst>
+              <a:ext uri="{FF2B5EF4-FFF2-40B4-BE49-F238E27FC236}">
+                <a16:creationId xmlns:a16="http://schemas.microsoft.com/office/drawing/2014/main" id="{EB4CD40A-FFB3-7E5C-DD52-6C1AA13764B1}"/>
+              </a:ext>
+            </a:extLst>
+          </p:cNvPr>
+          <p:cNvSpPr/>
+          <p:nvPr/>
+        </p:nvSpPr>
+        <p:spPr>
+          <a:xfrm>
+            <a:off x="9572809" y="1993343"/>
+            <a:ext cx="1897810" cy="447790"/>
+          </a:xfrm>
+          <a:prstGeom prst="rect">
+            <a:avLst/>
+          </a:prstGeom>
+          <a:solidFill>
+            <a:srgbClr val="FFFF00"/>
+          </a:solidFill>
+        </p:spPr>
+        <p:style>
+          <a:lnRef idx="2">
+            <a:schemeClr val="accent1">
+              <a:shade val="50000"/>
+            </a:schemeClr>
+          </a:lnRef>
+          <a:fillRef idx="1">
+            <a:schemeClr val="accent1"/>
+          </a:fillRef>
+          <a:effectRef idx="0">
+            <a:schemeClr val="accent1"/>
+          </a:effectRef>
+          <a:fontRef idx="minor">
+            <a:schemeClr val="lt1"/>
+          </a:fontRef>
+        </p:style>
+        <p:txBody>
+          <a:bodyPr rtlCol="0" anchor="ctr"/>
+          <a:lstStyle/>
+          <a:p>
+            <a:pPr algn="ctr"/>
+            <a:r>
+              <a:rPr kumimoji="1" lang="en-US" altLang="ko-Kore-KR" dirty="0">
+                <a:solidFill>
+                  <a:schemeClr val="tx1"/>
+                </a:solidFill>
+              </a:rPr>
+              <a:t>0x4000</a:t>
+            </a:r>
+            <a:endParaRPr kumimoji="1" lang="ko-Kore-KR" altLang="en-US" dirty="0">
+              <a:solidFill>
+                <a:schemeClr val="tx1"/>
+              </a:solidFill>
+            </a:endParaRPr>
+          </a:p>
+        </p:txBody>
+      </p:sp>
+      <p:sp>
+        <p:nvSpPr>
+          <p:cNvPr id="25" name="TextBox 24">
+            <a:extLst>
+              <a:ext uri="{FF2B5EF4-FFF2-40B4-BE49-F238E27FC236}">
+                <a16:creationId xmlns:a16="http://schemas.microsoft.com/office/drawing/2014/main" id="{B6D5D7C8-72DB-B1E2-3A36-A42D2A494A6E}"/>
+              </a:ext>
+            </a:extLst>
+          </p:cNvPr>
+          <p:cNvSpPr txBox="1"/>
+          <p:nvPr/>
+        </p:nvSpPr>
+        <p:spPr>
+          <a:xfrm>
+            <a:off x="9026466" y="2071801"/>
+            <a:ext cx="546343" cy="369332"/>
+          </a:xfrm>
+          <a:prstGeom prst="rect">
+            <a:avLst/>
+          </a:prstGeom>
+          <a:noFill/>
+        </p:spPr>
+        <p:txBody>
+          <a:bodyPr wrap="square">
+            <a:spAutoFit/>
+          </a:bodyPr>
+          <a:lstStyle/>
+          <a:p>
+            <a:r>
+              <a:rPr lang="en-US" altLang="ko-Kore-KR" dirty="0">
+                <a:latin typeface="DM Mono" panose="020B0509040201040103" pitchFamily="49" charset="0"/>
+              </a:rPr>
+              <a:t>b</a:t>
+            </a:r>
+            <a:endParaRPr lang="ko-Kore-KR" altLang="en-US" dirty="0"/>
+          </a:p>
+        </p:txBody>
+      </p:sp>
+      <p:sp>
+        <p:nvSpPr>
+          <p:cNvPr id="2" name="직사각형 1">
+            <a:extLst>
+              <a:ext uri="{FF2B5EF4-FFF2-40B4-BE49-F238E27FC236}">
+                <a16:creationId xmlns:a16="http://schemas.microsoft.com/office/drawing/2014/main" id="{A2E1B520-CB8A-F2AB-8BA0-3955ECFC6468}"/>
+              </a:ext>
+            </a:extLst>
+          </p:cNvPr>
+          <p:cNvSpPr/>
+          <p:nvPr/>
+        </p:nvSpPr>
+        <p:spPr>
+          <a:xfrm>
+            <a:off x="9572809" y="2733393"/>
+            <a:ext cx="1897810" cy="447790"/>
+          </a:xfrm>
+          <a:prstGeom prst="rect">
+            <a:avLst/>
+          </a:prstGeom>
+          <a:solidFill>
+            <a:srgbClr val="FFFF00"/>
+          </a:solidFill>
+        </p:spPr>
+        <p:style>
+          <a:lnRef idx="2">
+            <a:schemeClr val="accent1">
+              <a:shade val="50000"/>
+            </a:schemeClr>
+          </a:lnRef>
+          <a:fillRef idx="1">
+            <a:schemeClr val="accent1"/>
+          </a:fillRef>
+          <a:effectRef idx="0">
+            <a:schemeClr val="accent1"/>
+          </a:effectRef>
+          <a:fontRef idx="minor">
+            <a:schemeClr val="lt1"/>
+          </a:fontRef>
+        </p:style>
+        <p:txBody>
+          <a:bodyPr rtlCol="0" anchor="ctr"/>
+          <a:lstStyle/>
+          <a:p>
+            <a:pPr algn="ctr"/>
+            <a:r>
+              <a:rPr kumimoji="1" lang="en-US" altLang="ko-Kore-KR" dirty="0">
+                <a:solidFill>
+                  <a:schemeClr val="tx1"/>
+                </a:solidFill>
+              </a:rPr>
+              <a:t>0x1000</a:t>
+            </a:r>
+            <a:endParaRPr kumimoji="1" lang="ko-Kore-KR" altLang="en-US" dirty="0">
+              <a:solidFill>
+                <a:schemeClr val="tx1"/>
+              </a:solidFill>
+            </a:endParaRPr>
+          </a:p>
+        </p:txBody>
+      </p:sp>
+      <p:sp>
+        <p:nvSpPr>
+          <p:cNvPr id="3" name="TextBox 2">
+            <a:extLst>
+              <a:ext uri="{FF2B5EF4-FFF2-40B4-BE49-F238E27FC236}">
+                <a16:creationId xmlns:a16="http://schemas.microsoft.com/office/drawing/2014/main" id="{A8A5EDF9-6B7E-AE05-8496-B7FB54F39D1F}"/>
+              </a:ext>
+            </a:extLst>
+          </p:cNvPr>
+          <p:cNvSpPr txBox="1"/>
+          <p:nvPr/>
+        </p:nvSpPr>
+        <p:spPr>
+          <a:xfrm>
+            <a:off x="8801824" y="2811851"/>
+            <a:ext cx="770985" cy="369332"/>
+          </a:xfrm>
+          <a:prstGeom prst="rect">
+            <a:avLst/>
+          </a:prstGeom>
+          <a:noFill/>
+        </p:spPr>
+        <p:txBody>
+          <a:bodyPr wrap="square">
+            <a:spAutoFit/>
+          </a:bodyPr>
+          <a:lstStyle/>
+          <a:p>
+            <a:r>
+              <a:rPr lang="en-US" altLang="ko-Kore-KR" dirty="0">
+                <a:latin typeface="DM Mono" panose="020B0509040201040103" pitchFamily="49" charset="0"/>
+              </a:rPr>
+              <a:t>temp</a:t>
+            </a:r>
+            <a:endParaRPr lang="ko-Kore-KR" altLang="en-US" dirty="0"/>
+          </a:p>
+        </p:txBody>
+      </p:sp>
+      <p:cxnSp>
+        <p:nvCxnSpPr>
+          <p:cNvPr id="27" name="구부러진 연결선[U] 26">
+            <a:extLst>
+              <a:ext uri="{FF2B5EF4-FFF2-40B4-BE49-F238E27FC236}">
+                <a16:creationId xmlns:a16="http://schemas.microsoft.com/office/drawing/2014/main" id="{AE87EBDD-107D-D575-1EDE-0D9D76B738F2}"/>
+              </a:ext>
+            </a:extLst>
+          </p:cNvPr>
+          <p:cNvCxnSpPr>
+            <a:cxnSpLocks/>
+            <a:stCxn id="16" idx="1"/>
+            <a:endCxn id="7" idx="2"/>
+          </p:cNvCxnSpPr>
+          <p:nvPr/>
+        </p:nvCxnSpPr>
+        <p:spPr>
+          <a:xfrm rot="10800000" flipH="1">
+            <a:off x="5239113" y="1882506"/>
+            <a:ext cx="721746" cy="1608875"/>
+          </a:xfrm>
+          <a:prstGeom prst="curvedConnector4">
+            <a:avLst>
+              <a:gd name="adj1" fmla="val -31673"/>
+              <a:gd name="adj2" fmla="val 80014"/>
+            </a:avLst>
+          </a:prstGeom>
+          <a:ln>
+            <a:tailEnd type="triangle"/>
+          </a:ln>
+        </p:spPr>
+        <p:style>
+          <a:lnRef idx="1">
+            <a:schemeClr val="dk1"/>
+          </a:lnRef>
+          <a:fillRef idx="0">
+            <a:schemeClr val="dk1"/>
+          </a:fillRef>
+          <a:effectRef idx="0">
+            <a:schemeClr val="dk1"/>
+          </a:effectRef>
+          <a:fontRef idx="minor">
+            <a:schemeClr val="tx1"/>
+          </a:fontRef>
+        </p:style>
+      </p:cxnSp>
+      <p:cxnSp>
+        <p:nvCxnSpPr>
+          <p:cNvPr id="28" name="구부러진 연결선[U] 27">
+            <a:extLst>
+              <a:ext uri="{FF2B5EF4-FFF2-40B4-BE49-F238E27FC236}">
+                <a16:creationId xmlns:a16="http://schemas.microsoft.com/office/drawing/2014/main" id="{6CF424BE-5386-4BBA-09B8-171BBF999A02}"/>
+              </a:ext>
+            </a:extLst>
+          </p:cNvPr>
+          <p:cNvCxnSpPr>
+            <a:cxnSpLocks/>
+            <a:stCxn id="11" idx="3"/>
+            <a:endCxn id="13" idx="2"/>
+          </p:cNvCxnSpPr>
+          <p:nvPr/>
+        </p:nvCxnSpPr>
+        <p:spPr>
+          <a:xfrm flipV="1">
+            <a:off x="7136923" y="1882504"/>
+            <a:ext cx="466913" cy="773248"/>
+          </a:xfrm>
+          <a:prstGeom prst="curvedConnector2">
+            <a:avLst/>
+          </a:prstGeom>
+          <a:ln>
+            <a:tailEnd type="triangle"/>
+          </a:ln>
+        </p:spPr>
+        <p:style>
+          <a:lnRef idx="1">
+            <a:schemeClr val="dk1"/>
+          </a:lnRef>
+          <a:fillRef idx="0">
+            <a:schemeClr val="dk1"/>
+          </a:fillRef>
+          <a:effectRef idx="0">
+            <a:schemeClr val="dk1"/>
+          </a:effectRef>
+          <a:fontRef idx="minor">
+            <a:schemeClr val="tx1"/>
+          </a:fontRef>
+        </p:style>
+      </p:cxnSp>
+    </p:spTree>
+    <p:extLst>
+      <p:ext uri="{BB962C8B-B14F-4D97-AF65-F5344CB8AC3E}">
+        <p14:creationId xmlns:p14="http://schemas.microsoft.com/office/powerpoint/2010/main" val="2874472236"/>
       </p:ext>
     </p:extLst>
   </p:cSld>

--- a/230216.pptx
+++ b/230216.pptx
@@ -5,7 +5,7 @@
     <p:sldMasterId id="2147483648" r:id="rId1"/>
   </p:sldMasterIdLst>
   <p:notesMasterIdLst>
-    <p:notesMasterId r:id="rId41"/>
+    <p:notesMasterId r:id="rId42"/>
   </p:notesMasterIdLst>
   <p:sldIdLst>
     <p:sldId id="256" r:id="rId2"/>
@@ -47,6 +47,7 @@
     <p:sldId id="293" r:id="rId38"/>
     <p:sldId id="294" r:id="rId39"/>
     <p:sldId id="295" r:id="rId40"/>
+    <p:sldId id="296" r:id="rId41"/>
   </p:sldIdLst>
   <p:sldSz cx="12192000" cy="6858000"/>
   <p:notesSz cx="6858000" cy="9144000"/>
@@ -32384,6 +32385,793 @@
     <p:extLst>
       <p:ext uri="{BB962C8B-B14F-4D97-AF65-F5344CB8AC3E}">
         <p14:creationId xmlns:p14="http://schemas.microsoft.com/office/powerpoint/2010/main" val="1031188017"/>
+      </p:ext>
+    </p:extLst>
+  </p:cSld>
+  <p:clrMapOvr>
+    <a:masterClrMapping/>
+  </p:clrMapOvr>
+</p:sld>
+</file>
+
+<file path=ppt/slides/slide40.xml><?xml version="1.0" encoding="utf-8"?>
+<p:sld xmlns:a="http://schemas.openxmlformats.org/drawingml/2006/main" xmlns:r="http://schemas.openxmlformats.org/officeDocument/2006/relationships" xmlns:p="http://schemas.openxmlformats.org/presentationml/2006/main">
+  <p:cSld>
+    <p:spTree>
+      <p:nvGrpSpPr>
+        <p:cNvPr id="1" name=""/>
+        <p:cNvGrpSpPr/>
+        <p:nvPr/>
+      </p:nvGrpSpPr>
+      <p:grpSpPr>
+        <a:xfrm>
+          <a:off x="0" y="0"/>
+          <a:ext cx="0" cy="0"/>
+          <a:chOff x="0" y="0"/>
+          <a:chExt cx="0" cy="0"/>
+        </a:xfrm>
+      </p:grpSpPr>
+      <p:sp>
+        <p:nvSpPr>
+          <p:cNvPr id="7" name="TextBox 6">
+            <a:extLst>
+              <a:ext uri="{FF2B5EF4-FFF2-40B4-BE49-F238E27FC236}">
+                <a16:creationId xmlns:a16="http://schemas.microsoft.com/office/drawing/2014/main" id="{1982B580-58A9-68BD-E189-62934F84BB4E}"/>
+              </a:ext>
+            </a:extLst>
+          </p:cNvPr>
+          <p:cNvSpPr txBox="1"/>
+          <p:nvPr/>
+        </p:nvSpPr>
+        <p:spPr>
+          <a:xfrm>
+            <a:off x="217817" y="284998"/>
+            <a:ext cx="6094562" cy="646331"/>
+          </a:xfrm>
+          <a:prstGeom prst="rect">
+            <a:avLst/>
+          </a:prstGeom>
+          <a:noFill/>
+        </p:spPr>
+        <p:txBody>
+          <a:bodyPr wrap="square">
+            <a:spAutoFit/>
+          </a:bodyPr>
+          <a:lstStyle/>
+          <a:p>
+            <a:r>
+              <a:rPr lang="ko-Kore-KR" altLang="en-US" dirty="0">
+                <a:latin typeface="DM Mono" panose="020B0509040201040103" pitchFamily="49" charset="0"/>
+              </a:rPr>
+              <a:t> char str1[] = "hello";</a:t>
+            </a:r>
+          </a:p>
+          <a:p>
+            <a:r>
+              <a:rPr lang="ko-Kore-KR" altLang="en-US" dirty="0">
+                <a:latin typeface="DM Mono" panose="020B0509040201040103" pitchFamily="49" charset="0"/>
+              </a:rPr>
+              <a:t> char *str2 = "hello";</a:t>
+            </a:r>
+          </a:p>
+        </p:txBody>
+      </p:sp>
+      <p:sp>
+        <p:nvSpPr>
+          <p:cNvPr id="8" name="직사각형 7">
+            <a:extLst>
+              <a:ext uri="{FF2B5EF4-FFF2-40B4-BE49-F238E27FC236}">
+                <a16:creationId xmlns:a16="http://schemas.microsoft.com/office/drawing/2014/main" id="{B337A0E6-BDDA-25D2-5A24-A537617D0B0C}"/>
+              </a:ext>
+            </a:extLst>
+          </p:cNvPr>
+          <p:cNvSpPr/>
+          <p:nvPr/>
+        </p:nvSpPr>
+        <p:spPr>
+          <a:xfrm>
+            <a:off x="986113" y="1692923"/>
+            <a:ext cx="4109054" cy="3472153"/>
+          </a:xfrm>
+          <a:prstGeom prst="rect">
+            <a:avLst/>
+          </a:prstGeom>
+        </p:spPr>
+        <p:style>
+          <a:lnRef idx="2">
+            <a:schemeClr val="dk1"/>
+          </a:lnRef>
+          <a:fillRef idx="1">
+            <a:schemeClr val="lt1"/>
+          </a:fillRef>
+          <a:effectRef idx="0">
+            <a:schemeClr val="dk1"/>
+          </a:effectRef>
+          <a:fontRef idx="minor">
+            <a:schemeClr val="dk1"/>
+          </a:fontRef>
+        </p:style>
+        <p:txBody>
+          <a:bodyPr rtlCol="0" anchor="ctr"/>
+          <a:lstStyle/>
+          <a:p>
+            <a:pPr algn="ctr"/>
+            <a:endParaRPr kumimoji="1" lang="ko-Kore-KR" altLang="en-US" dirty="0">
+              <a:solidFill>
+                <a:schemeClr val="tx1"/>
+              </a:solidFill>
+            </a:endParaRPr>
+          </a:p>
+        </p:txBody>
+      </p:sp>
+      <p:sp>
+        <p:nvSpPr>
+          <p:cNvPr id="9" name="직사각형 8">
+            <a:extLst>
+              <a:ext uri="{FF2B5EF4-FFF2-40B4-BE49-F238E27FC236}">
+                <a16:creationId xmlns:a16="http://schemas.microsoft.com/office/drawing/2014/main" id="{B7CC17DF-35E3-AB6B-23B5-C093E7328C3F}"/>
+              </a:ext>
+            </a:extLst>
+          </p:cNvPr>
+          <p:cNvSpPr/>
+          <p:nvPr/>
+        </p:nvSpPr>
+        <p:spPr>
+          <a:xfrm>
+            <a:off x="1793932" y="2228790"/>
+            <a:ext cx="397177" cy="447790"/>
+          </a:xfrm>
+          <a:prstGeom prst="rect">
+            <a:avLst/>
+          </a:prstGeom>
+          <a:solidFill>
+            <a:srgbClr val="FFFF00"/>
+          </a:solidFill>
+        </p:spPr>
+        <p:style>
+          <a:lnRef idx="2">
+            <a:schemeClr val="accent1">
+              <a:shade val="50000"/>
+            </a:schemeClr>
+          </a:lnRef>
+          <a:fillRef idx="1">
+            <a:schemeClr val="accent1"/>
+          </a:fillRef>
+          <a:effectRef idx="0">
+            <a:schemeClr val="accent1"/>
+          </a:effectRef>
+          <a:fontRef idx="minor">
+            <a:schemeClr val="lt1"/>
+          </a:fontRef>
+        </p:style>
+        <p:txBody>
+          <a:bodyPr rtlCol="0" anchor="ctr"/>
+          <a:lstStyle/>
+          <a:p>
+            <a:pPr algn="ctr"/>
+            <a:r>
+              <a:rPr kumimoji="1" lang="en-US" altLang="ko-Kore-KR">
+                <a:solidFill>
+                  <a:schemeClr val="tx1"/>
+                </a:solidFill>
+                <a:latin typeface="DM Mono" panose="020B0509040201040103" pitchFamily="49" charset="0"/>
+              </a:rPr>
+              <a:t>x</a:t>
+            </a:r>
+            <a:endParaRPr kumimoji="1" lang="ko-Kore-KR" altLang="en-US" dirty="0">
+              <a:solidFill>
+                <a:schemeClr val="tx1"/>
+              </a:solidFill>
+              <a:latin typeface="DM Mono" panose="020B0509040201040103" pitchFamily="49" charset="0"/>
+            </a:endParaRPr>
+          </a:p>
+        </p:txBody>
+      </p:sp>
+      <p:sp>
+        <p:nvSpPr>
+          <p:cNvPr id="10" name="TextBox 9">
+            <a:extLst>
+              <a:ext uri="{FF2B5EF4-FFF2-40B4-BE49-F238E27FC236}">
+                <a16:creationId xmlns:a16="http://schemas.microsoft.com/office/drawing/2014/main" id="{B9D8D765-5264-0F2D-A667-62791588482F}"/>
+              </a:ext>
+            </a:extLst>
+          </p:cNvPr>
+          <p:cNvSpPr txBox="1"/>
+          <p:nvPr/>
+        </p:nvSpPr>
+        <p:spPr>
+          <a:xfrm>
+            <a:off x="1061048" y="2268019"/>
+            <a:ext cx="767751" cy="369332"/>
+          </a:xfrm>
+          <a:prstGeom prst="rect">
+            <a:avLst/>
+          </a:prstGeom>
+          <a:noFill/>
+        </p:spPr>
+        <p:txBody>
+          <a:bodyPr wrap="square">
+            <a:spAutoFit/>
+          </a:bodyPr>
+          <a:lstStyle/>
+          <a:p>
+            <a:r>
+              <a:rPr lang="en-US" altLang="ko-Kore-KR" dirty="0">
+                <a:latin typeface="DM Mono" panose="020B0509040201040103" pitchFamily="49" charset="0"/>
+              </a:rPr>
+              <a:t>str1</a:t>
+            </a:r>
+            <a:endParaRPr lang="ko-Kore-KR" altLang="en-US" dirty="0"/>
+          </a:p>
+        </p:txBody>
+      </p:sp>
+      <p:sp>
+        <p:nvSpPr>
+          <p:cNvPr id="11" name="TextBox 10">
+            <a:extLst>
+              <a:ext uri="{FF2B5EF4-FFF2-40B4-BE49-F238E27FC236}">
+                <a16:creationId xmlns:a16="http://schemas.microsoft.com/office/drawing/2014/main" id="{A71E0A3F-F434-E8E6-414E-31BCC5B2F736}"/>
+              </a:ext>
+            </a:extLst>
+          </p:cNvPr>
+          <p:cNvSpPr txBox="1"/>
+          <p:nvPr/>
+        </p:nvSpPr>
+        <p:spPr>
+          <a:xfrm>
+            <a:off x="2256885" y="1376706"/>
+            <a:ext cx="808727" cy="369332"/>
+          </a:xfrm>
+          <a:prstGeom prst="rect">
+            <a:avLst/>
+          </a:prstGeom>
+          <a:noFill/>
+        </p:spPr>
+        <p:txBody>
+          <a:bodyPr wrap="square">
+            <a:spAutoFit/>
+          </a:bodyPr>
+          <a:lstStyle/>
+          <a:p>
+            <a:r>
+              <a:rPr lang="en" altLang="ko-Kore-KR" dirty="0">
+                <a:latin typeface="DM Mono" panose="020B0509040201040103" pitchFamily="49" charset="0"/>
+              </a:rPr>
+              <a:t>main</a:t>
+            </a:r>
+            <a:endParaRPr lang="ko-Kore-KR" altLang="en-US" dirty="0"/>
+          </a:p>
+        </p:txBody>
+      </p:sp>
+      <p:sp>
+        <p:nvSpPr>
+          <p:cNvPr id="12" name="직사각형 11">
+            <a:extLst>
+              <a:ext uri="{FF2B5EF4-FFF2-40B4-BE49-F238E27FC236}">
+                <a16:creationId xmlns:a16="http://schemas.microsoft.com/office/drawing/2014/main" id="{88D92AA5-BD0F-0CA9-EDAC-105CD451BC63}"/>
+              </a:ext>
+            </a:extLst>
+          </p:cNvPr>
+          <p:cNvSpPr/>
+          <p:nvPr/>
+        </p:nvSpPr>
+        <p:spPr>
+          <a:xfrm>
+            <a:off x="2191109" y="2228790"/>
+            <a:ext cx="397177" cy="447790"/>
+          </a:xfrm>
+          <a:prstGeom prst="rect">
+            <a:avLst/>
+          </a:prstGeom>
+          <a:solidFill>
+            <a:srgbClr val="FFFF00"/>
+          </a:solidFill>
+        </p:spPr>
+        <p:style>
+          <a:lnRef idx="2">
+            <a:schemeClr val="accent1">
+              <a:shade val="50000"/>
+            </a:schemeClr>
+          </a:lnRef>
+          <a:fillRef idx="1">
+            <a:schemeClr val="accent1"/>
+          </a:fillRef>
+          <a:effectRef idx="0">
+            <a:schemeClr val="accent1"/>
+          </a:effectRef>
+          <a:fontRef idx="minor">
+            <a:schemeClr val="lt1"/>
+          </a:fontRef>
+        </p:style>
+        <p:txBody>
+          <a:bodyPr rtlCol="0" anchor="ctr"/>
+          <a:lstStyle/>
+          <a:p>
+            <a:pPr algn="ctr"/>
+            <a:r>
+              <a:rPr kumimoji="1" lang="en-US" altLang="ko-Kore-KR" dirty="0">
+                <a:solidFill>
+                  <a:schemeClr val="tx1"/>
+                </a:solidFill>
+                <a:latin typeface="DM Mono" panose="020B0509040201040103" pitchFamily="49" charset="0"/>
+              </a:rPr>
+              <a:t>e</a:t>
+            </a:r>
+            <a:endParaRPr kumimoji="1" lang="ko-Kore-KR" altLang="en-US" dirty="0">
+              <a:solidFill>
+                <a:schemeClr val="tx1"/>
+              </a:solidFill>
+              <a:latin typeface="DM Mono" panose="020B0509040201040103" pitchFamily="49" charset="0"/>
+            </a:endParaRPr>
+          </a:p>
+        </p:txBody>
+      </p:sp>
+      <p:sp>
+        <p:nvSpPr>
+          <p:cNvPr id="13" name="직사각형 12">
+            <a:extLst>
+              <a:ext uri="{FF2B5EF4-FFF2-40B4-BE49-F238E27FC236}">
+                <a16:creationId xmlns:a16="http://schemas.microsoft.com/office/drawing/2014/main" id="{13A65980-534C-22ED-69FB-275E1448BAE4}"/>
+              </a:ext>
+            </a:extLst>
+          </p:cNvPr>
+          <p:cNvSpPr/>
+          <p:nvPr/>
+        </p:nvSpPr>
+        <p:spPr>
+          <a:xfrm>
+            <a:off x="2588286" y="2228790"/>
+            <a:ext cx="397177" cy="447790"/>
+          </a:xfrm>
+          <a:prstGeom prst="rect">
+            <a:avLst/>
+          </a:prstGeom>
+          <a:solidFill>
+            <a:srgbClr val="FFFF00"/>
+          </a:solidFill>
+        </p:spPr>
+        <p:style>
+          <a:lnRef idx="2">
+            <a:schemeClr val="accent1">
+              <a:shade val="50000"/>
+            </a:schemeClr>
+          </a:lnRef>
+          <a:fillRef idx="1">
+            <a:schemeClr val="accent1"/>
+          </a:fillRef>
+          <a:effectRef idx="0">
+            <a:schemeClr val="accent1"/>
+          </a:effectRef>
+          <a:fontRef idx="minor">
+            <a:schemeClr val="lt1"/>
+          </a:fontRef>
+        </p:style>
+        <p:txBody>
+          <a:bodyPr rtlCol="0" anchor="ctr"/>
+          <a:lstStyle/>
+          <a:p>
+            <a:pPr algn="ctr"/>
+            <a:r>
+              <a:rPr kumimoji="1" lang="en-US" altLang="ko-Kore-KR" dirty="0">
+                <a:solidFill>
+                  <a:schemeClr val="tx1"/>
+                </a:solidFill>
+                <a:latin typeface="DM Mono" panose="020B0509040201040103" pitchFamily="49" charset="0"/>
+              </a:rPr>
+              <a:t>l</a:t>
+            </a:r>
+            <a:endParaRPr kumimoji="1" lang="ko-Kore-KR" altLang="en-US" dirty="0">
+              <a:solidFill>
+                <a:schemeClr val="tx1"/>
+              </a:solidFill>
+              <a:latin typeface="DM Mono" panose="020B0509040201040103" pitchFamily="49" charset="0"/>
+            </a:endParaRPr>
+          </a:p>
+        </p:txBody>
+      </p:sp>
+      <p:sp>
+        <p:nvSpPr>
+          <p:cNvPr id="14" name="직사각형 13">
+            <a:extLst>
+              <a:ext uri="{FF2B5EF4-FFF2-40B4-BE49-F238E27FC236}">
+                <a16:creationId xmlns:a16="http://schemas.microsoft.com/office/drawing/2014/main" id="{206CDF1B-835E-9B0C-BFA1-7E0DE735810F}"/>
+              </a:ext>
+            </a:extLst>
+          </p:cNvPr>
+          <p:cNvSpPr/>
+          <p:nvPr/>
+        </p:nvSpPr>
+        <p:spPr>
+          <a:xfrm>
+            <a:off x="2985463" y="2228790"/>
+            <a:ext cx="397177" cy="447790"/>
+          </a:xfrm>
+          <a:prstGeom prst="rect">
+            <a:avLst/>
+          </a:prstGeom>
+          <a:solidFill>
+            <a:srgbClr val="FFFF00"/>
+          </a:solidFill>
+        </p:spPr>
+        <p:style>
+          <a:lnRef idx="2">
+            <a:schemeClr val="accent1">
+              <a:shade val="50000"/>
+            </a:schemeClr>
+          </a:lnRef>
+          <a:fillRef idx="1">
+            <a:schemeClr val="accent1"/>
+          </a:fillRef>
+          <a:effectRef idx="0">
+            <a:schemeClr val="accent1"/>
+          </a:effectRef>
+          <a:fontRef idx="minor">
+            <a:schemeClr val="lt1"/>
+          </a:fontRef>
+        </p:style>
+        <p:txBody>
+          <a:bodyPr rtlCol="0" anchor="ctr"/>
+          <a:lstStyle/>
+          <a:p>
+            <a:pPr algn="ctr"/>
+            <a:r>
+              <a:rPr kumimoji="1" lang="en-US" altLang="ko-Kore-KR" dirty="0">
+                <a:solidFill>
+                  <a:schemeClr val="tx1"/>
+                </a:solidFill>
+                <a:latin typeface="DM Mono" panose="020B0509040201040103" pitchFamily="49" charset="0"/>
+              </a:rPr>
+              <a:t>l</a:t>
+            </a:r>
+            <a:endParaRPr kumimoji="1" lang="ko-Kore-KR" altLang="en-US" dirty="0">
+              <a:solidFill>
+                <a:schemeClr val="tx1"/>
+              </a:solidFill>
+              <a:latin typeface="DM Mono" panose="020B0509040201040103" pitchFamily="49" charset="0"/>
+            </a:endParaRPr>
+          </a:p>
+        </p:txBody>
+      </p:sp>
+      <p:sp>
+        <p:nvSpPr>
+          <p:cNvPr id="15" name="직사각형 14">
+            <a:extLst>
+              <a:ext uri="{FF2B5EF4-FFF2-40B4-BE49-F238E27FC236}">
+                <a16:creationId xmlns:a16="http://schemas.microsoft.com/office/drawing/2014/main" id="{0BC32ADD-B01A-187C-2999-E8CC4629F672}"/>
+              </a:ext>
+            </a:extLst>
+          </p:cNvPr>
+          <p:cNvSpPr/>
+          <p:nvPr/>
+        </p:nvSpPr>
+        <p:spPr>
+          <a:xfrm>
+            <a:off x="3382640" y="2228790"/>
+            <a:ext cx="397177" cy="447790"/>
+          </a:xfrm>
+          <a:prstGeom prst="rect">
+            <a:avLst/>
+          </a:prstGeom>
+          <a:solidFill>
+            <a:srgbClr val="FFFF00"/>
+          </a:solidFill>
+        </p:spPr>
+        <p:style>
+          <a:lnRef idx="2">
+            <a:schemeClr val="accent1">
+              <a:shade val="50000"/>
+            </a:schemeClr>
+          </a:lnRef>
+          <a:fillRef idx="1">
+            <a:schemeClr val="accent1"/>
+          </a:fillRef>
+          <a:effectRef idx="0">
+            <a:schemeClr val="accent1"/>
+          </a:effectRef>
+          <a:fontRef idx="minor">
+            <a:schemeClr val="lt1"/>
+          </a:fontRef>
+        </p:style>
+        <p:txBody>
+          <a:bodyPr rtlCol="0" anchor="ctr"/>
+          <a:lstStyle/>
+          <a:p>
+            <a:pPr algn="ctr"/>
+            <a:r>
+              <a:rPr kumimoji="1" lang="en-US" altLang="ko-Kore-KR" dirty="0">
+                <a:solidFill>
+                  <a:schemeClr val="tx1"/>
+                </a:solidFill>
+                <a:latin typeface="DM Mono" panose="020B0509040201040103" pitchFamily="49" charset="0"/>
+              </a:rPr>
+              <a:t>o</a:t>
+            </a:r>
+            <a:endParaRPr kumimoji="1" lang="ko-Kore-KR" altLang="en-US" dirty="0">
+              <a:solidFill>
+                <a:schemeClr val="tx1"/>
+              </a:solidFill>
+              <a:latin typeface="DM Mono" panose="020B0509040201040103" pitchFamily="49" charset="0"/>
+            </a:endParaRPr>
+          </a:p>
+        </p:txBody>
+      </p:sp>
+      <p:sp>
+        <p:nvSpPr>
+          <p:cNvPr id="16" name="직사각형 15">
+            <a:extLst>
+              <a:ext uri="{FF2B5EF4-FFF2-40B4-BE49-F238E27FC236}">
+                <a16:creationId xmlns:a16="http://schemas.microsoft.com/office/drawing/2014/main" id="{EC3DDA32-19B3-4A3F-F04A-1C88396CA645}"/>
+              </a:ext>
+            </a:extLst>
+          </p:cNvPr>
+          <p:cNvSpPr/>
+          <p:nvPr/>
+        </p:nvSpPr>
+        <p:spPr>
+          <a:xfrm>
+            <a:off x="3779817" y="2228790"/>
+            <a:ext cx="397177" cy="447790"/>
+          </a:xfrm>
+          <a:prstGeom prst="rect">
+            <a:avLst/>
+          </a:prstGeom>
+          <a:solidFill>
+            <a:srgbClr val="FFFF00"/>
+          </a:solidFill>
+        </p:spPr>
+        <p:style>
+          <a:lnRef idx="2">
+            <a:schemeClr val="accent1">
+              <a:shade val="50000"/>
+            </a:schemeClr>
+          </a:lnRef>
+          <a:fillRef idx="1">
+            <a:schemeClr val="accent1"/>
+          </a:fillRef>
+          <a:effectRef idx="0">
+            <a:schemeClr val="accent1"/>
+          </a:effectRef>
+          <a:fontRef idx="minor">
+            <a:schemeClr val="lt1"/>
+          </a:fontRef>
+        </p:style>
+        <p:txBody>
+          <a:bodyPr rtlCol="0" anchor="ctr"/>
+          <a:lstStyle/>
+          <a:p>
+            <a:pPr algn="ctr"/>
+            <a:r>
+              <a:rPr kumimoji="1" lang="en-US" altLang="ko-Kore-KR" dirty="0">
+                <a:solidFill>
+                  <a:schemeClr val="tx1"/>
+                </a:solidFill>
+                <a:latin typeface="DM Mono" panose="020B0509040201040103" pitchFamily="49" charset="0"/>
+              </a:rPr>
+              <a:t>0</a:t>
+            </a:r>
+            <a:endParaRPr kumimoji="1" lang="ko-Kore-KR" altLang="en-US" dirty="0">
+              <a:solidFill>
+                <a:schemeClr val="tx1"/>
+              </a:solidFill>
+              <a:latin typeface="DM Mono" panose="020B0509040201040103" pitchFamily="49" charset="0"/>
+            </a:endParaRPr>
+          </a:p>
+        </p:txBody>
+      </p:sp>
+      <p:sp>
+        <p:nvSpPr>
+          <p:cNvPr id="17" name="TextBox 16">
+            <a:extLst>
+              <a:ext uri="{FF2B5EF4-FFF2-40B4-BE49-F238E27FC236}">
+                <a16:creationId xmlns:a16="http://schemas.microsoft.com/office/drawing/2014/main" id="{2E810231-CF6D-8EB6-6366-8EF089BC0032}"/>
+              </a:ext>
+            </a:extLst>
+          </p:cNvPr>
+          <p:cNvSpPr txBox="1"/>
+          <p:nvPr/>
+        </p:nvSpPr>
+        <p:spPr>
+          <a:xfrm>
+            <a:off x="1077577" y="3398945"/>
+            <a:ext cx="767751" cy="369332"/>
+          </a:xfrm>
+          <a:prstGeom prst="rect">
+            <a:avLst/>
+          </a:prstGeom>
+          <a:noFill/>
+        </p:spPr>
+        <p:txBody>
+          <a:bodyPr wrap="square">
+            <a:spAutoFit/>
+          </a:bodyPr>
+          <a:lstStyle/>
+          <a:p>
+            <a:r>
+              <a:rPr lang="en-US" altLang="ko-Kore-KR" dirty="0">
+                <a:latin typeface="DM Mono" panose="020B0509040201040103" pitchFamily="49" charset="0"/>
+              </a:rPr>
+              <a:t>str2</a:t>
+            </a:r>
+            <a:endParaRPr lang="ko-Kore-KR" altLang="en-US" dirty="0"/>
+          </a:p>
+        </p:txBody>
+      </p:sp>
+      <p:sp>
+        <p:nvSpPr>
+          <p:cNvPr id="22" name="직사각형 21">
+            <a:extLst>
+              <a:ext uri="{FF2B5EF4-FFF2-40B4-BE49-F238E27FC236}">
+                <a16:creationId xmlns:a16="http://schemas.microsoft.com/office/drawing/2014/main" id="{DE62255A-18E9-1C60-47D7-63D32D57DFB8}"/>
+              </a:ext>
+            </a:extLst>
+          </p:cNvPr>
+          <p:cNvSpPr/>
+          <p:nvPr/>
+        </p:nvSpPr>
+        <p:spPr>
+          <a:xfrm>
+            <a:off x="1865099" y="3320487"/>
+            <a:ext cx="2094426" cy="447790"/>
+          </a:xfrm>
+          <a:prstGeom prst="rect">
+            <a:avLst/>
+          </a:prstGeom>
+          <a:solidFill>
+            <a:srgbClr val="FFFF00"/>
+          </a:solidFill>
+        </p:spPr>
+        <p:style>
+          <a:lnRef idx="2">
+            <a:schemeClr val="accent1">
+              <a:shade val="50000"/>
+            </a:schemeClr>
+          </a:lnRef>
+          <a:fillRef idx="1">
+            <a:schemeClr val="accent1"/>
+          </a:fillRef>
+          <a:effectRef idx="0">
+            <a:schemeClr val="accent1"/>
+          </a:effectRef>
+          <a:fontRef idx="minor">
+            <a:schemeClr val="lt1"/>
+          </a:fontRef>
+        </p:style>
+        <p:txBody>
+          <a:bodyPr rtlCol="0" anchor="ctr"/>
+          <a:lstStyle/>
+          <a:p>
+            <a:pPr algn="ctr"/>
+            <a:endParaRPr kumimoji="1" lang="ko-Kore-KR" altLang="en-US" dirty="0">
+              <a:solidFill>
+                <a:schemeClr val="tx1"/>
+              </a:solidFill>
+              <a:latin typeface="DM Mono" panose="020B0509040201040103" pitchFamily="49" charset="0"/>
+            </a:endParaRPr>
+          </a:p>
+        </p:txBody>
+      </p:sp>
+      <p:sp>
+        <p:nvSpPr>
+          <p:cNvPr id="24" name="TextBox 23">
+            <a:extLst>
+              <a:ext uri="{FF2B5EF4-FFF2-40B4-BE49-F238E27FC236}">
+                <a16:creationId xmlns:a16="http://schemas.microsoft.com/office/drawing/2014/main" id="{05EFFDA9-B16F-684E-F7B8-CE4E9F6E09D0}"/>
+              </a:ext>
+            </a:extLst>
+          </p:cNvPr>
+          <p:cNvSpPr txBox="1"/>
+          <p:nvPr/>
+        </p:nvSpPr>
+        <p:spPr>
+          <a:xfrm>
+            <a:off x="6601364" y="1140263"/>
+            <a:ext cx="1334938" cy="369332"/>
+          </a:xfrm>
+          <a:prstGeom prst="rect">
+            <a:avLst/>
+          </a:prstGeom>
+          <a:noFill/>
+        </p:spPr>
+        <p:txBody>
+          <a:bodyPr wrap="square">
+            <a:spAutoFit/>
+          </a:bodyPr>
+          <a:lstStyle/>
+          <a:p>
+            <a:r>
+              <a:rPr lang="ko-Kore-KR" altLang="en-US" dirty="0">
+                <a:latin typeface="DM Mono" panose="020B0509040201040103" pitchFamily="49" charset="0"/>
+              </a:rPr>
+              <a:t>"hello"</a:t>
+            </a:r>
+            <a:endParaRPr lang="ko-Kore-KR" altLang="en-US" dirty="0"/>
+          </a:p>
+        </p:txBody>
+      </p:sp>
+      <p:cxnSp>
+        <p:nvCxnSpPr>
+          <p:cNvPr id="26" name="구부러진 연결선[U] 25">
+            <a:extLst>
+              <a:ext uri="{FF2B5EF4-FFF2-40B4-BE49-F238E27FC236}">
+                <a16:creationId xmlns:a16="http://schemas.microsoft.com/office/drawing/2014/main" id="{2716844C-C15E-E6BC-1140-E0DB5F0DBDA3}"/>
+              </a:ext>
+            </a:extLst>
+          </p:cNvPr>
+          <p:cNvCxnSpPr>
+            <a:stCxn id="22" idx="3"/>
+            <a:endCxn id="24" idx="1"/>
+          </p:cNvCxnSpPr>
+          <p:nvPr/>
+        </p:nvCxnSpPr>
+        <p:spPr>
+          <a:xfrm flipV="1">
+            <a:off x="3959525" y="1324929"/>
+            <a:ext cx="2641839" cy="2219453"/>
+          </a:xfrm>
+          <a:prstGeom prst="curvedConnector3">
+            <a:avLst/>
+          </a:prstGeom>
+          <a:ln>
+            <a:tailEnd type="triangle"/>
+          </a:ln>
+        </p:spPr>
+        <p:style>
+          <a:lnRef idx="1">
+            <a:schemeClr val="dk1"/>
+          </a:lnRef>
+          <a:fillRef idx="0">
+            <a:schemeClr val="dk1"/>
+          </a:fillRef>
+          <a:effectRef idx="0">
+            <a:schemeClr val="dk1"/>
+          </a:effectRef>
+          <a:fontRef idx="minor">
+            <a:schemeClr val="tx1"/>
+          </a:fontRef>
+        </p:style>
+      </p:cxnSp>
+      <p:sp>
+        <p:nvSpPr>
+          <p:cNvPr id="28" name="TextBox 27">
+            <a:extLst>
+              <a:ext uri="{FF2B5EF4-FFF2-40B4-BE49-F238E27FC236}">
+                <a16:creationId xmlns:a16="http://schemas.microsoft.com/office/drawing/2014/main" id="{4955CFF2-1ED1-0BE1-B187-E59029CDACC1}"/>
+              </a:ext>
+            </a:extLst>
+          </p:cNvPr>
+          <p:cNvSpPr txBox="1"/>
+          <p:nvPr/>
+        </p:nvSpPr>
+        <p:spPr>
+          <a:xfrm>
+            <a:off x="6817024" y="492508"/>
+            <a:ext cx="834606" cy="369332"/>
+          </a:xfrm>
+          <a:prstGeom prst="rect">
+            <a:avLst/>
+          </a:prstGeom>
+          <a:noFill/>
+        </p:spPr>
+        <p:txBody>
+          <a:bodyPr wrap="square">
+            <a:spAutoFit/>
+          </a:bodyPr>
+          <a:lstStyle/>
+          <a:p>
+            <a:r>
+              <a:rPr lang="en" altLang="ko-Kore-KR" dirty="0">
+                <a:latin typeface="DM Mono" panose="020B0509040201040103" pitchFamily="49" charset="0"/>
+              </a:rPr>
+              <a:t>TEXT</a:t>
+            </a:r>
+            <a:endParaRPr lang="ko-Kore-KR" altLang="en-US" dirty="0"/>
+          </a:p>
+        </p:txBody>
+      </p:sp>
+    </p:spTree>
+    <p:extLst>
+      <p:ext uri="{BB962C8B-B14F-4D97-AF65-F5344CB8AC3E}">
+        <p14:creationId xmlns:p14="http://schemas.microsoft.com/office/powerpoint/2010/main" val="2350873111"/>
       </p:ext>
     </p:extLst>
   </p:cSld>

--- a/230216.pptx
+++ b/230216.pptx
@@ -5,7 +5,7 @@
     <p:sldMasterId id="2147483648" r:id="rId1"/>
   </p:sldMasterIdLst>
   <p:notesMasterIdLst>
-    <p:notesMasterId r:id="rId42"/>
+    <p:notesMasterId r:id="rId45"/>
   </p:notesMasterIdLst>
   <p:sldIdLst>
     <p:sldId id="256" r:id="rId2"/>
@@ -48,6 +48,9 @@
     <p:sldId id="294" r:id="rId39"/>
     <p:sldId id="295" r:id="rId40"/>
     <p:sldId id="296" r:id="rId41"/>
+    <p:sldId id="297" r:id="rId42"/>
+    <p:sldId id="298" r:id="rId43"/>
+    <p:sldId id="299" r:id="rId44"/>
   </p:sldIdLst>
   <p:sldSz cx="12192000" cy="6858000"/>
   <p:notesSz cx="6858000" cy="9144000"/>
@@ -32550,7 +32553,7 @@
           <a:p>
             <a:pPr algn="ctr"/>
             <a:r>
-              <a:rPr kumimoji="1" lang="en-US" altLang="ko-Kore-KR">
+              <a:rPr kumimoji="1" lang="en-US" altLang="ko-Kore-KR" dirty="0">
                 <a:solidFill>
                   <a:schemeClr val="tx1"/>
                 </a:solidFill>
@@ -33064,7 +33067,7 @@
         </p:nvSpPr>
         <p:spPr>
           <a:xfrm>
-            <a:off x="6601364" y="1140263"/>
+            <a:off x="6984161" y="901929"/>
             <a:ext cx="1334938" cy="369332"/>
           </a:xfrm>
           <a:prstGeom prst="rect">
@@ -33105,8 +33108,8 @@
         </p:nvCxnSpPr>
         <p:spPr>
           <a:xfrm flipV="1">
-            <a:off x="3959525" y="1324929"/>
-            <a:ext cx="2641839" cy="2219453"/>
+            <a:off x="3959525" y="1086595"/>
+            <a:ext cx="3024636" cy="2457787"/>
           </a:xfrm>
           <a:prstGeom prst="curvedConnector3">
             <a:avLst/>
@@ -33168,10 +33171,4927 @@
           </a:p>
         </p:txBody>
       </p:sp>
+      <p:sp>
+        <p:nvSpPr>
+          <p:cNvPr id="31" name="TextBox 30">
+            <a:extLst>
+              <a:ext uri="{FF2B5EF4-FFF2-40B4-BE49-F238E27FC236}">
+                <a16:creationId xmlns:a16="http://schemas.microsoft.com/office/drawing/2014/main" id="{AECC38FE-5EBC-75F1-9E0A-5B1263F5F08B}"/>
+              </a:ext>
+            </a:extLst>
+          </p:cNvPr>
+          <p:cNvSpPr txBox="1"/>
+          <p:nvPr/>
+        </p:nvSpPr>
+        <p:spPr>
+          <a:xfrm>
+            <a:off x="1006410" y="3939057"/>
+            <a:ext cx="767751" cy="369332"/>
+          </a:xfrm>
+          <a:prstGeom prst="rect">
+            <a:avLst/>
+          </a:prstGeom>
+          <a:noFill/>
+        </p:spPr>
+        <p:txBody>
+          <a:bodyPr wrap="square">
+            <a:spAutoFit/>
+          </a:bodyPr>
+          <a:lstStyle/>
+          <a:p>
+            <a:r>
+              <a:rPr lang="en-US" altLang="ko-Kore-KR" dirty="0">
+                <a:latin typeface="DM Mono" panose="020B0509040201040103" pitchFamily="49" charset="0"/>
+              </a:rPr>
+              <a:t>str3</a:t>
+            </a:r>
+            <a:endParaRPr lang="ko-Kore-KR" altLang="en-US" dirty="0"/>
+          </a:p>
+        </p:txBody>
+      </p:sp>
+      <p:sp>
+        <p:nvSpPr>
+          <p:cNvPr id="32" name="직사각형 31">
+            <a:extLst>
+              <a:ext uri="{FF2B5EF4-FFF2-40B4-BE49-F238E27FC236}">
+                <a16:creationId xmlns:a16="http://schemas.microsoft.com/office/drawing/2014/main" id="{3BFC71D8-761B-FAE3-8B5A-ED995E5D4C9D}"/>
+              </a:ext>
+            </a:extLst>
+          </p:cNvPr>
+          <p:cNvSpPr/>
+          <p:nvPr/>
+        </p:nvSpPr>
+        <p:spPr>
+          <a:xfrm>
+            <a:off x="1793932" y="3860599"/>
+            <a:ext cx="2094426" cy="447790"/>
+          </a:xfrm>
+          <a:prstGeom prst="rect">
+            <a:avLst/>
+          </a:prstGeom>
+          <a:solidFill>
+            <a:srgbClr val="FFFF00"/>
+          </a:solidFill>
+        </p:spPr>
+        <p:style>
+          <a:lnRef idx="2">
+            <a:schemeClr val="accent1">
+              <a:shade val="50000"/>
+            </a:schemeClr>
+          </a:lnRef>
+          <a:fillRef idx="1">
+            <a:schemeClr val="accent1"/>
+          </a:fillRef>
+          <a:effectRef idx="0">
+            <a:schemeClr val="accent1"/>
+          </a:effectRef>
+          <a:fontRef idx="minor">
+            <a:schemeClr val="lt1"/>
+          </a:fontRef>
+        </p:style>
+        <p:txBody>
+          <a:bodyPr rtlCol="0" anchor="ctr"/>
+          <a:lstStyle/>
+          <a:p>
+            <a:pPr algn="ctr"/>
+            <a:endParaRPr kumimoji="1" lang="ko-Kore-KR" altLang="en-US" dirty="0">
+              <a:solidFill>
+                <a:schemeClr val="tx1"/>
+              </a:solidFill>
+              <a:latin typeface="DM Mono" panose="020B0509040201040103" pitchFamily="49" charset="0"/>
+            </a:endParaRPr>
+          </a:p>
+        </p:txBody>
+      </p:sp>
+      <p:cxnSp>
+        <p:nvCxnSpPr>
+          <p:cNvPr id="33" name="구부러진 연결선[U] 32">
+            <a:extLst>
+              <a:ext uri="{FF2B5EF4-FFF2-40B4-BE49-F238E27FC236}">
+                <a16:creationId xmlns:a16="http://schemas.microsoft.com/office/drawing/2014/main" id="{F1A556C7-20EF-1D2E-6454-65287714BA6D}"/>
+              </a:ext>
+            </a:extLst>
+          </p:cNvPr>
+          <p:cNvCxnSpPr>
+            <a:cxnSpLocks/>
+            <a:stCxn id="32" idx="3"/>
+            <a:endCxn id="24" idx="1"/>
+          </p:cNvCxnSpPr>
+          <p:nvPr/>
+        </p:nvCxnSpPr>
+        <p:spPr>
+          <a:xfrm flipV="1">
+            <a:off x="3888358" y="1086595"/>
+            <a:ext cx="3095803" cy="2997899"/>
+          </a:xfrm>
+          <a:prstGeom prst="curvedConnector3">
+            <a:avLst/>
+          </a:prstGeom>
+          <a:ln>
+            <a:tailEnd type="triangle"/>
+          </a:ln>
+        </p:spPr>
+        <p:style>
+          <a:lnRef idx="1">
+            <a:schemeClr val="dk1"/>
+          </a:lnRef>
+          <a:fillRef idx="0">
+            <a:schemeClr val="dk1"/>
+          </a:fillRef>
+          <a:effectRef idx="0">
+            <a:schemeClr val="dk1"/>
+          </a:effectRef>
+          <a:fontRef idx="minor">
+            <a:schemeClr val="tx1"/>
+          </a:fontRef>
+        </p:style>
+      </p:cxnSp>
     </p:spTree>
     <p:extLst>
       <p:ext uri="{BB962C8B-B14F-4D97-AF65-F5344CB8AC3E}">
         <p14:creationId xmlns:p14="http://schemas.microsoft.com/office/powerpoint/2010/main" val="2350873111"/>
+      </p:ext>
+    </p:extLst>
+  </p:cSld>
+  <p:clrMapOvr>
+    <a:masterClrMapping/>
+  </p:clrMapOvr>
+</p:sld>
+</file>
+
+<file path=ppt/slides/slide41.xml><?xml version="1.0" encoding="utf-8"?>
+<p:sld xmlns:a="http://schemas.openxmlformats.org/drawingml/2006/main" xmlns:r="http://schemas.openxmlformats.org/officeDocument/2006/relationships" xmlns:p="http://schemas.openxmlformats.org/presentationml/2006/main">
+  <p:cSld>
+    <p:spTree>
+      <p:nvGrpSpPr>
+        <p:cNvPr id="1" name=""/>
+        <p:cNvGrpSpPr/>
+        <p:nvPr/>
+      </p:nvGrpSpPr>
+      <p:grpSpPr>
+        <a:xfrm>
+          <a:off x="0" y="0"/>
+          <a:ext cx="0" cy="0"/>
+          <a:chOff x="0" y="0"/>
+          <a:chExt cx="0" cy="0"/>
+        </a:xfrm>
+      </p:grpSpPr>
+      <p:sp>
+        <p:nvSpPr>
+          <p:cNvPr id="7" name="TextBox 6">
+            <a:extLst>
+              <a:ext uri="{FF2B5EF4-FFF2-40B4-BE49-F238E27FC236}">
+                <a16:creationId xmlns:a16="http://schemas.microsoft.com/office/drawing/2014/main" id="{1982B580-58A9-68BD-E189-62934F84BB4E}"/>
+              </a:ext>
+            </a:extLst>
+          </p:cNvPr>
+          <p:cNvSpPr txBox="1"/>
+          <p:nvPr/>
+        </p:nvSpPr>
+        <p:spPr>
+          <a:xfrm>
+            <a:off x="217817" y="284998"/>
+            <a:ext cx="3689949" cy="3323987"/>
+          </a:xfrm>
+          <a:prstGeom prst="rect">
+            <a:avLst/>
+          </a:prstGeom>
+          <a:noFill/>
+        </p:spPr>
+        <p:txBody>
+          <a:bodyPr wrap="square">
+            <a:spAutoFit/>
+          </a:bodyPr>
+          <a:lstStyle/>
+          <a:p>
+            <a:r>
+              <a:rPr lang="en" altLang="ko-Kore-KR" sz="1400" dirty="0">
+                <a:latin typeface="DM Mono" panose="020B0509040201040103" pitchFamily="49" charset="0"/>
+              </a:rPr>
+              <a:t>  char str[64] = ”hello hello hello";</a:t>
+            </a:r>
+          </a:p>
+          <a:p>
+            <a:endParaRPr lang="en" altLang="ko-Kore-KR" sz="1400" dirty="0">
+              <a:latin typeface="DM Mono" panose="020B0509040201040103" pitchFamily="49" charset="0"/>
+            </a:endParaRPr>
+          </a:p>
+          <a:p>
+            <a:r>
+              <a:rPr lang="en" altLang="ko-Kore-KR" sz="1400" dirty="0">
+                <a:solidFill>
+                  <a:srgbClr val="FF0000"/>
+                </a:solidFill>
+                <a:latin typeface="DM Mono" panose="020B0509040201040103" pitchFamily="49" charset="0"/>
+              </a:rPr>
+              <a:t>  char *p = </a:t>
+            </a:r>
+            <a:r>
+              <a:rPr lang="en" altLang="ko-Kore-KR" sz="1400" dirty="0" err="1">
+                <a:solidFill>
+                  <a:srgbClr val="FF0000"/>
+                </a:solidFill>
+                <a:latin typeface="DM Mono" panose="020B0509040201040103" pitchFamily="49" charset="0"/>
+              </a:rPr>
+              <a:t>strtok</a:t>
+            </a:r>
+            <a:r>
+              <a:rPr lang="en" altLang="ko-Kore-KR" sz="1400" dirty="0">
+                <a:solidFill>
+                  <a:srgbClr val="FF0000"/>
+                </a:solidFill>
+                <a:latin typeface="DM Mono" panose="020B0509040201040103" pitchFamily="49" charset="0"/>
+              </a:rPr>
+              <a:t>(str, " ");</a:t>
+            </a:r>
+          </a:p>
+          <a:p>
+            <a:r>
+              <a:rPr lang="en" altLang="ko-Kore-KR" sz="1400" dirty="0">
+                <a:latin typeface="DM Mono" panose="020B0509040201040103" pitchFamily="49" charset="0"/>
+              </a:rPr>
+              <a:t>  </a:t>
+            </a:r>
+            <a:r>
+              <a:rPr lang="en" altLang="ko-Kore-KR" sz="1400" dirty="0" err="1">
+                <a:latin typeface="DM Mono" panose="020B0509040201040103" pitchFamily="49" charset="0"/>
+              </a:rPr>
+              <a:t>printf</a:t>
+            </a:r>
+            <a:r>
+              <a:rPr lang="en" altLang="ko-Kore-KR" sz="1400" dirty="0">
+                <a:latin typeface="DM Mono" panose="020B0509040201040103" pitchFamily="49" charset="0"/>
+              </a:rPr>
+              <a:t>("%s\n", p);</a:t>
+            </a:r>
+          </a:p>
+          <a:p>
+            <a:endParaRPr lang="en" altLang="ko-Kore-KR" sz="1400" dirty="0">
+              <a:latin typeface="DM Mono" panose="020B0509040201040103" pitchFamily="49" charset="0"/>
+            </a:endParaRPr>
+          </a:p>
+          <a:p>
+            <a:r>
+              <a:rPr lang="en" altLang="ko-Kore-KR" sz="1400" dirty="0">
+                <a:latin typeface="DM Mono" panose="020B0509040201040103" pitchFamily="49" charset="0"/>
+              </a:rPr>
+              <a:t>  p = </a:t>
+            </a:r>
+            <a:r>
+              <a:rPr lang="en" altLang="ko-Kore-KR" sz="1400" dirty="0" err="1">
+                <a:latin typeface="DM Mono" panose="020B0509040201040103" pitchFamily="49" charset="0"/>
+              </a:rPr>
+              <a:t>strtok</a:t>
+            </a:r>
+            <a:r>
+              <a:rPr lang="en" altLang="ko-Kore-KR" sz="1400" dirty="0">
+                <a:latin typeface="DM Mono" panose="020B0509040201040103" pitchFamily="49" charset="0"/>
+              </a:rPr>
+              <a:t>(NULL, " ");</a:t>
+            </a:r>
+          </a:p>
+          <a:p>
+            <a:r>
+              <a:rPr lang="en" altLang="ko-Kore-KR" sz="1400" dirty="0">
+                <a:latin typeface="DM Mono" panose="020B0509040201040103" pitchFamily="49" charset="0"/>
+              </a:rPr>
+              <a:t>  </a:t>
+            </a:r>
+            <a:r>
+              <a:rPr lang="en" altLang="ko-Kore-KR" sz="1400" dirty="0" err="1">
+                <a:latin typeface="DM Mono" panose="020B0509040201040103" pitchFamily="49" charset="0"/>
+              </a:rPr>
+              <a:t>printf</a:t>
+            </a:r>
+            <a:r>
+              <a:rPr lang="en" altLang="ko-Kore-KR" sz="1400" dirty="0">
+                <a:latin typeface="DM Mono" panose="020B0509040201040103" pitchFamily="49" charset="0"/>
+              </a:rPr>
+              <a:t>("%s\n", p);</a:t>
+            </a:r>
+          </a:p>
+          <a:p>
+            <a:endParaRPr lang="en" altLang="ko-Kore-KR" sz="1400" dirty="0">
+              <a:latin typeface="DM Mono" panose="020B0509040201040103" pitchFamily="49" charset="0"/>
+            </a:endParaRPr>
+          </a:p>
+          <a:p>
+            <a:r>
+              <a:rPr lang="en" altLang="ko-Kore-KR" sz="1400" dirty="0">
+                <a:latin typeface="DM Mono" panose="020B0509040201040103" pitchFamily="49" charset="0"/>
+              </a:rPr>
+              <a:t>  p = </a:t>
+            </a:r>
+            <a:r>
+              <a:rPr lang="en" altLang="ko-Kore-KR" sz="1400" dirty="0" err="1">
+                <a:latin typeface="DM Mono" panose="020B0509040201040103" pitchFamily="49" charset="0"/>
+              </a:rPr>
+              <a:t>strtok</a:t>
+            </a:r>
+            <a:r>
+              <a:rPr lang="en" altLang="ko-Kore-KR" sz="1400" dirty="0">
+                <a:latin typeface="DM Mono" panose="020B0509040201040103" pitchFamily="49" charset="0"/>
+              </a:rPr>
+              <a:t>(NULL, " ");</a:t>
+            </a:r>
+          </a:p>
+          <a:p>
+            <a:r>
+              <a:rPr lang="en" altLang="ko-Kore-KR" sz="1400" dirty="0">
+                <a:latin typeface="DM Mono" panose="020B0509040201040103" pitchFamily="49" charset="0"/>
+              </a:rPr>
+              <a:t>  </a:t>
+            </a:r>
+            <a:r>
+              <a:rPr lang="en" altLang="ko-Kore-KR" sz="1400" dirty="0" err="1">
+                <a:latin typeface="DM Mono" panose="020B0509040201040103" pitchFamily="49" charset="0"/>
+              </a:rPr>
+              <a:t>printf</a:t>
+            </a:r>
+            <a:r>
+              <a:rPr lang="en" altLang="ko-Kore-KR" sz="1400" dirty="0">
+                <a:latin typeface="DM Mono" panose="020B0509040201040103" pitchFamily="49" charset="0"/>
+              </a:rPr>
+              <a:t>("%s\n", p);</a:t>
+            </a:r>
+          </a:p>
+          <a:p>
+            <a:endParaRPr lang="en" altLang="ko-Kore-KR" sz="1400" dirty="0">
+              <a:latin typeface="DM Mono" panose="020B0509040201040103" pitchFamily="49" charset="0"/>
+            </a:endParaRPr>
+          </a:p>
+          <a:p>
+            <a:r>
+              <a:rPr lang="en" altLang="ko-Kore-KR" sz="1400" dirty="0">
+                <a:latin typeface="DM Mono" panose="020B0509040201040103" pitchFamily="49" charset="0"/>
+              </a:rPr>
+              <a:t>  p = </a:t>
+            </a:r>
+            <a:r>
+              <a:rPr lang="en" altLang="ko-Kore-KR" sz="1400" dirty="0" err="1">
+                <a:latin typeface="DM Mono" panose="020B0509040201040103" pitchFamily="49" charset="0"/>
+              </a:rPr>
+              <a:t>strtok</a:t>
+            </a:r>
+            <a:r>
+              <a:rPr lang="en" altLang="ko-Kore-KR" sz="1400" dirty="0">
+                <a:latin typeface="DM Mono" panose="020B0509040201040103" pitchFamily="49" charset="0"/>
+              </a:rPr>
+              <a:t>(NULL, " ");</a:t>
+            </a:r>
+          </a:p>
+          <a:p>
+            <a:r>
+              <a:rPr lang="en" altLang="ko-Kore-KR" sz="1400" dirty="0">
+                <a:latin typeface="DM Mono" panose="020B0509040201040103" pitchFamily="49" charset="0"/>
+              </a:rPr>
+              <a:t>  </a:t>
+            </a:r>
+            <a:r>
+              <a:rPr lang="en" altLang="ko-Kore-KR" sz="1400" dirty="0" err="1">
+                <a:latin typeface="DM Mono" panose="020B0509040201040103" pitchFamily="49" charset="0"/>
+              </a:rPr>
+              <a:t>printf</a:t>
+            </a:r>
+            <a:r>
+              <a:rPr lang="en" altLang="ko-Kore-KR" sz="1400" dirty="0">
+                <a:latin typeface="DM Mono" panose="020B0509040201040103" pitchFamily="49" charset="0"/>
+              </a:rPr>
+              <a:t>("%s\n", p);</a:t>
+            </a:r>
+          </a:p>
+          <a:p>
+            <a:endParaRPr lang="ko-Kore-KR" altLang="en-US" sz="1400" dirty="0">
+              <a:latin typeface="DM Mono" panose="020B0509040201040103" pitchFamily="49" charset="0"/>
+            </a:endParaRPr>
+          </a:p>
+        </p:txBody>
+      </p:sp>
+      <p:sp>
+        <p:nvSpPr>
+          <p:cNvPr id="8" name="직사각형 7">
+            <a:extLst>
+              <a:ext uri="{FF2B5EF4-FFF2-40B4-BE49-F238E27FC236}">
+                <a16:creationId xmlns:a16="http://schemas.microsoft.com/office/drawing/2014/main" id="{B337A0E6-BDDA-25D2-5A24-A537617D0B0C}"/>
+              </a:ext>
+            </a:extLst>
+          </p:cNvPr>
+          <p:cNvSpPr/>
+          <p:nvPr/>
+        </p:nvSpPr>
+        <p:spPr>
+          <a:xfrm>
+            <a:off x="4086760" y="689572"/>
+            <a:ext cx="7765935" cy="1843908"/>
+          </a:xfrm>
+          <a:prstGeom prst="rect">
+            <a:avLst/>
+          </a:prstGeom>
+        </p:spPr>
+        <p:style>
+          <a:lnRef idx="2">
+            <a:schemeClr val="dk1"/>
+          </a:lnRef>
+          <a:fillRef idx="1">
+            <a:schemeClr val="lt1"/>
+          </a:fillRef>
+          <a:effectRef idx="0">
+            <a:schemeClr val="dk1"/>
+          </a:effectRef>
+          <a:fontRef idx="minor">
+            <a:schemeClr val="dk1"/>
+          </a:fontRef>
+        </p:style>
+        <p:txBody>
+          <a:bodyPr rtlCol="0" anchor="ctr"/>
+          <a:lstStyle/>
+          <a:p>
+            <a:pPr algn="ctr"/>
+            <a:endParaRPr kumimoji="1" lang="ko-Kore-KR" altLang="en-US" dirty="0">
+              <a:solidFill>
+                <a:schemeClr val="tx1"/>
+              </a:solidFill>
+            </a:endParaRPr>
+          </a:p>
+        </p:txBody>
+      </p:sp>
+      <p:sp>
+        <p:nvSpPr>
+          <p:cNvPr id="9" name="직사각형 8">
+            <a:extLst>
+              <a:ext uri="{FF2B5EF4-FFF2-40B4-BE49-F238E27FC236}">
+                <a16:creationId xmlns:a16="http://schemas.microsoft.com/office/drawing/2014/main" id="{B7CC17DF-35E3-AB6B-23B5-C093E7328C3F}"/>
+              </a:ext>
+            </a:extLst>
+          </p:cNvPr>
+          <p:cNvSpPr/>
+          <p:nvPr/>
+        </p:nvSpPr>
+        <p:spPr>
+          <a:xfrm>
+            <a:off x="4874282" y="1225438"/>
+            <a:ext cx="397177" cy="447790"/>
+          </a:xfrm>
+          <a:prstGeom prst="rect">
+            <a:avLst/>
+          </a:prstGeom>
+          <a:solidFill>
+            <a:srgbClr val="FFFF00"/>
+          </a:solidFill>
+        </p:spPr>
+        <p:style>
+          <a:lnRef idx="2">
+            <a:schemeClr val="accent1">
+              <a:shade val="50000"/>
+            </a:schemeClr>
+          </a:lnRef>
+          <a:fillRef idx="1">
+            <a:schemeClr val="accent1"/>
+          </a:fillRef>
+          <a:effectRef idx="0">
+            <a:schemeClr val="accent1"/>
+          </a:effectRef>
+          <a:fontRef idx="minor">
+            <a:schemeClr val="lt1"/>
+          </a:fontRef>
+        </p:style>
+        <p:txBody>
+          <a:bodyPr rtlCol="0" anchor="ctr"/>
+          <a:lstStyle/>
+          <a:p>
+            <a:pPr algn="ctr"/>
+            <a:r>
+              <a:rPr kumimoji="1" lang="en-US" altLang="ko-Kore-KR" dirty="0">
+                <a:solidFill>
+                  <a:schemeClr val="tx1"/>
+                </a:solidFill>
+                <a:latin typeface="DM Mono" panose="020B0509040201040103" pitchFamily="49" charset="0"/>
+              </a:rPr>
+              <a:t>h</a:t>
+            </a:r>
+            <a:endParaRPr kumimoji="1" lang="ko-Kore-KR" altLang="en-US" dirty="0">
+              <a:solidFill>
+                <a:schemeClr val="tx1"/>
+              </a:solidFill>
+              <a:latin typeface="DM Mono" panose="020B0509040201040103" pitchFamily="49" charset="0"/>
+            </a:endParaRPr>
+          </a:p>
+        </p:txBody>
+      </p:sp>
+      <p:sp>
+        <p:nvSpPr>
+          <p:cNvPr id="10" name="TextBox 9">
+            <a:extLst>
+              <a:ext uri="{FF2B5EF4-FFF2-40B4-BE49-F238E27FC236}">
+                <a16:creationId xmlns:a16="http://schemas.microsoft.com/office/drawing/2014/main" id="{B9D8D765-5264-0F2D-A667-62791588482F}"/>
+              </a:ext>
+            </a:extLst>
+          </p:cNvPr>
+          <p:cNvSpPr txBox="1"/>
+          <p:nvPr/>
+        </p:nvSpPr>
+        <p:spPr>
+          <a:xfrm>
+            <a:off x="4141398" y="1264667"/>
+            <a:ext cx="767751" cy="369332"/>
+          </a:xfrm>
+          <a:prstGeom prst="rect">
+            <a:avLst/>
+          </a:prstGeom>
+          <a:noFill/>
+        </p:spPr>
+        <p:txBody>
+          <a:bodyPr wrap="square">
+            <a:spAutoFit/>
+          </a:bodyPr>
+          <a:lstStyle/>
+          <a:p>
+            <a:r>
+              <a:rPr lang="en-US" altLang="ko-Kore-KR" dirty="0">
+                <a:latin typeface="DM Mono" panose="020B0509040201040103" pitchFamily="49" charset="0"/>
+              </a:rPr>
+              <a:t>str1</a:t>
+            </a:r>
+            <a:endParaRPr lang="ko-Kore-KR" altLang="en-US" dirty="0"/>
+          </a:p>
+        </p:txBody>
+      </p:sp>
+      <p:sp>
+        <p:nvSpPr>
+          <p:cNvPr id="11" name="TextBox 10">
+            <a:extLst>
+              <a:ext uri="{FF2B5EF4-FFF2-40B4-BE49-F238E27FC236}">
+                <a16:creationId xmlns:a16="http://schemas.microsoft.com/office/drawing/2014/main" id="{A71E0A3F-F434-E8E6-414E-31BCC5B2F736}"/>
+              </a:ext>
+            </a:extLst>
+          </p:cNvPr>
+          <p:cNvSpPr txBox="1"/>
+          <p:nvPr/>
+        </p:nvSpPr>
+        <p:spPr>
+          <a:xfrm>
+            <a:off x="7639047" y="284998"/>
+            <a:ext cx="808727" cy="369332"/>
+          </a:xfrm>
+          <a:prstGeom prst="rect">
+            <a:avLst/>
+          </a:prstGeom>
+          <a:noFill/>
+        </p:spPr>
+        <p:txBody>
+          <a:bodyPr wrap="square">
+            <a:spAutoFit/>
+          </a:bodyPr>
+          <a:lstStyle/>
+          <a:p>
+            <a:r>
+              <a:rPr lang="en" altLang="ko-Kore-KR" dirty="0">
+                <a:latin typeface="DM Mono" panose="020B0509040201040103" pitchFamily="49" charset="0"/>
+              </a:rPr>
+              <a:t>main</a:t>
+            </a:r>
+            <a:endParaRPr lang="ko-Kore-KR" altLang="en-US" dirty="0"/>
+          </a:p>
+        </p:txBody>
+      </p:sp>
+      <p:sp>
+        <p:nvSpPr>
+          <p:cNvPr id="12" name="직사각형 11">
+            <a:extLst>
+              <a:ext uri="{FF2B5EF4-FFF2-40B4-BE49-F238E27FC236}">
+                <a16:creationId xmlns:a16="http://schemas.microsoft.com/office/drawing/2014/main" id="{88D92AA5-BD0F-0CA9-EDAC-105CD451BC63}"/>
+              </a:ext>
+            </a:extLst>
+          </p:cNvPr>
+          <p:cNvSpPr/>
+          <p:nvPr/>
+        </p:nvSpPr>
+        <p:spPr>
+          <a:xfrm>
+            <a:off x="5271459" y="1225438"/>
+            <a:ext cx="397177" cy="447790"/>
+          </a:xfrm>
+          <a:prstGeom prst="rect">
+            <a:avLst/>
+          </a:prstGeom>
+          <a:solidFill>
+            <a:srgbClr val="FFFF00"/>
+          </a:solidFill>
+        </p:spPr>
+        <p:style>
+          <a:lnRef idx="2">
+            <a:schemeClr val="accent1">
+              <a:shade val="50000"/>
+            </a:schemeClr>
+          </a:lnRef>
+          <a:fillRef idx="1">
+            <a:schemeClr val="accent1"/>
+          </a:fillRef>
+          <a:effectRef idx="0">
+            <a:schemeClr val="accent1"/>
+          </a:effectRef>
+          <a:fontRef idx="minor">
+            <a:schemeClr val="lt1"/>
+          </a:fontRef>
+        </p:style>
+        <p:txBody>
+          <a:bodyPr rtlCol="0" anchor="ctr"/>
+          <a:lstStyle/>
+          <a:p>
+            <a:pPr algn="ctr"/>
+            <a:r>
+              <a:rPr kumimoji="1" lang="en-US" altLang="ko-Kore-KR" dirty="0">
+                <a:solidFill>
+                  <a:schemeClr val="tx1"/>
+                </a:solidFill>
+                <a:latin typeface="DM Mono" panose="020B0509040201040103" pitchFamily="49" charset="0"/>
+              </a:rPr>
+              <a:t>e</a:t>
+            </a:r>
+            <a:endParaRPr kumimoji="1" lang="ko-Kore-KR" altLang="en-US" dirty="0">
+              <a:solidFill>
+                <a:schemeClr val="tx1"/>
+              </a:solidFill>
+              <a:latin typeface="DM Mono" panose="020B0509040201040103" pitchFamily="49" charset="0"/>
+            </a:endParaRPr>
+          </a:p>
+        </p:txBody>
+      </p:sp>
+      <p:sp>
+        <p:nvSpPr>
+          <p:cNvPr id="13" name="직사각형 12">
+            <a:extLst>
+              <a:ext uri="{FF2B5EF4-FFF2-40B4-BE49-F238E27FC236}">
+                <a16:creationId xmlns:a16="http://schemas.microsoft.com/office/drawing/2014/main" id="{13A65980-534C-22ED-69FB-275E1448BAE4}"/>
+              </a:ext>
+            </a:extLst>
+          </p:cNvPr>
+          <p:cNvSpPr/>
+          <p:nvPr/>
+        </p:nvSpPr>
+        <p:spPr>
+          <a:xfrm>
+            <a:off x="5668636" y="1225438"/>
+            <a:ext cx="397177" cy="447790"/>
+          </a:xfrm>
+          <a:prstGeom prst="rect">
+            <a:avLst/>
+          </a:prstGeom>
+          <a:solidFill>
+            <a:srgbClr val="FFFF00"/>
+          </a:solidFill>
+        </p:spPr>
+        <p:style>
+          <a:lnRef idx="2">
+            <a:schemeClr val="accent1">
+              <a:shade val="50000"/>
+            </a:schemeClr>
+          </a:lnRef>
+          <a:fillRef idx="1">
+            <a:schemeClr val="accent1"/>
+          </a:fillRef>
+          <a:effectRef idx="0">
+            <a:schemeClr val="accent1"/>
+          </a:effectRef>
+          <a:fontRef idx="minor">
+            <a:schemeClr val="lt1"/>
+          </a:fontRef>
+        </p:style>
+        <p:txBody>
+          <a:bodyPr rtlCol="0" anchor="ctr"/>
+          <a:lstStyle/>
+          <a:p>
+            <a:pPr algn="ctr"/>
+            <a:r>
+              <a:rPr kumimoji="1" lang="en-US" altLang="ko-Kore-KR" dirty="0">
+                <a:solidFill>
+                  <a:schemeClr val="tx1"/>
+                </a:solidFill>
+                <a:latin typeface="DM Mono" panose="020B0509040201040103" pitchFamily="49" charset="0"/>
+              </a:rPr>
+              <a:t>l</a:t>
+            </a:r>
+            <a:endParaRPr kumimoji="1" lang="ko-Kore-KR" altLang="en-US" dirty="0">
+              <a:solidFill>
+                <a:schemeClr val="tx1"/>
+              </a:solidFill>
+              <a:latin typeface="DM Mono" panose="020B0509040201040103" pitchFamily="49" charset="0"/>
+            </a:endParaRPr>
+          </a:p>
+        </p:txBody>
+      </p:sp>
+      <p:sp>
+        <p:nvSpPr>
+          <p:cNvPr id="14" name="직사각형 13">
+            <a:extLst>
+              <a:ext uri="{FF2B5EF4-FFF2-40B4-BE49-F238E27FC236}">
+                <a16:creationId xmlns:a16="http://schemas.microsoft.com/office/drawing/2014/main" id="{206CDF1B-835E-9B0C-BFA1-7E0DE735810F}"/>
+              </a:ext>
+            </a:extLst>
+          </p:cNvPr>
+          <p:cNvSpPr/>
+          <p:nvPr/>
+        </p:nvSpPr>
+        <p:spPr>
+          <a:xfrm>
+            <a:off x="6065813" y="1225438"/>
+            <a:ext cx="397177" cy="447790"/>
+          </a:xfrm>
+          <a:prstGeom prst="rect">
+            <a:avLst/>
+          </a:prstGeom>
+          <a:solidFill>
+            <a:srgbClr val="FFFF00"/>
+          </a:solidFill>
+        </p:spPr>
+        <p:style>
+          <a:lnRef idx="2">
+            <a:schemeClr val="accent1">
+              <a:shade val="50000"/>
+            </a:schemeClr>
+          </a:lnRef>
+          <a:fillRef idx="1">
+            <a:schemeClr val="accent1"/>
+          </a:fillRef>
+          <a:effectRef idx="0">
+            <a:schemeClr val="accent1"/>
+          </a:effectRef>
+          <a:fontRef idx="minor">
+            <a:schemeClr val="lt1"/>
+          </a:fontRef>
+        </p:style>
+        <p:txBody>
+          <a:bodyPr rtlCol="0" anchor="ctr"/>
+          <a:lstStyle/>
+          <a:p>
+            <a:pPr algn="ctr"/>
+            <a:r>
+              <a:rPr kumimoji="1" lang="en-US" altLang="ko-Kore-KR" dirty="0">
+                <a:solidFill>
+                  <a:schemeClr val="tx1"/>
+                </a:solidFill>
+                <a:latin typeface="DM Mono" panose="020B0509040201040103" pitchFamily="49" charset="0"/>
+              </a:rPr>
+              <a:t>l</a:t>
+            </a:r>
+            <a:endParaRPr kumimoji="1" lang="ko-Kore-KR" altLang="en-US" dirty="0">
+              <a:solidFill>
+                <a:schemeClr val="tx1"/>
+              </a:solidFill>
+              <a:latin typeface="DM Mono" panose="020B0509040201040103" pitchFamily="49" charset="0"/>
+            </a:endParaRPr>
+          </a:p>
+        </p:txBody>
+      </p:sp>
+      <p:sp>
+        <p:nvSpPr>
+          <p:cNvPr id="15" name="직사각형 14">
+            <a:extLst>
+              <a:ext uri="{FF2B5EF4-FFF2-40B4-BE49-F238E27FC236}">
+                <a16:creationId xmlns:a16="http://schemas.microsoft.com/office/drawing/2014/main" id="{0BC32ADD-B01A-187C-2999-E8CC4629F672}"/>
+              </a:ext>
+            </a:extLst>
+          </p:cNvPr>
+          <p:cNvSpPr/>
+          <p:nvPr/>
+        </p:nvSpPr>
+        <p:spPr>
+          <a:xfrm>
+            <a:off x="6462990" y="1225438"/>
+            <a:ext cx="397177" cy="447790"/>
+          </a:xfrm>
+          <a:prstGeom prst="rect">
+            <a:avLst/>
+          </a:prstGeom>
+          <a:solidFill>
+            <a:srgbClr val="FFFF00"/>
+          </a:solidFill>
+        </p:spPr>
+        <p:style>
+          <a:lnRef idx="2">
+            <a:schemeClr val="accent1">
+              <a:shade val="50000"/>
+            </a:schemeClr>
+          </a:lnRef>
+          <a:fillRef idx="1">
+            <a:schemeClr val="accent1"/>
+          </a:fillRef>
+          <a:effectRef idx="0">
+            <a:schemeClr val="accent1"/>
+          </a:effectRef>
+          <a:fontRef idx="minor">
+            <a:schemeClr val="lt1"/>
+          </a:fontRef>
+        </p:style>
+        <p:txBody>
+          <a:bodyPr rtlCol="0" anchor="ctr"/>
+          <a:lstStyle/>
+          <a:p>
+            <a:pPr algn="ctr"/>
+            <a:r>
+              <a:rPr kumimoji="1" lang="en-US" altLang="ko-Kore-KR" dirty="0">
+                <a:solidFill>
+                  <a:schemeClr val="tx1"/>
+                </a:solidFill>
+                <a:latin typeface="DM Mono" panose="020B0509040201040103" pitchFamily="49" charset="0"/>
+              </a:rPr>
+              <a:t>o</a:t>
+            </a:r>
+            <a:endParaRPr kumimoji="1" lang="ko-Kore-KR" altLang="en-US" dirty="0">
+              <a:solidFill>
+                <a:schemeClr val="tx1"/>
+              </a:solidFill>
+              <a:latin typeface="DM Mono" panose="020B0509040201040103" pitchFamily="49" charset="0"/>
+            </a:endParaRPr>
+          </a:p>
+        </p:txBody>
+      </p:sp>
+      <p:sp>
+        <p:nvSpPr>
+          <p:cNvPr id="39" name="직사각형 38">
+            <a:extLst>
+              <a:ext uri="{FF2B5EF4-FFF2-40B4-BE49-F238E27FC236}">
+                <a16:creationId xmlns:a16="http://schemas.microsoft.com/office/drawing/2014/main" id="{0F046D4F-0884-B9A1-EEE1-75577227DD85}"/>
+              </a:ext>
+            </a:extLst>
+          </p:cNvPr>
+          <p:cNvSpPr/>
+          <p:nvPr/>
+        </p:nvSpPr>
+        <p:spPr>
+          <a:xfrm>
+            <a:off x="6860167" y="1225438"/>
+            <a:ext cx="397177" cy="447790"/>
+          </a:xfrm>
+          <a:prstGeom prst="rect">
+            <a:avLst/>
+          </a:prstGeom>
+          <a:solidFill>
+            <a:srgbClr val="FFFF00"/>
+          </a:solidFill>
+        </p:spPr>
+        <p:style>
+          <a:lnRef idx="2">
+            <a:schemeClr val="accent1">
+              <a:shade val="50000"/>
+            </a:schemeClr>
+          </a:lnRef>
+          <a:fillRef idx="1">
+            <a:schemeClr val="accent1"/>
+          </a:fillRef>
+          <a:effectRef idx="0">
+            <a:schemeClr val="accent1"/>
+          </a:effectRef>
+          <a:fontRef idx="minor">
+            <a:schemeClr val="lt1"/>
+          </a:fontRef>
+        </p:style>
+        <p:txBody>
+          <a:bodyPr rtlCol="0" anchor="ctr"/>
+          <a:lstStyle/>
+          <a:p>
+            <a:pPr algn="ctr"/>
+            <a:endParaRPr kumimoji="1" lang="ko-Kore-KR" altLang="en-US" dirty="0">
+              <a:solidFill>
+                <a:schemeClr val="tx1"/>
+              </a:solidFill>
+              <a:latin typeface="DM Mono" panose="020B0509040201040103" pitchFamily="49" charset="0"/>
+            </a:endParaRPr>
+          </a:p>
+        </p:txBody>
+      </p:sp>
+      <p:sp>
+        <p:nvSpPr>
+          <p:cNvPr id="40" name="직사각형 39">
+            <a:extLst>
+              <a:ext uri="{FF2B5EF4-FFF2-40B4-BE49-F238E27FC236}">
+                <a16:creationId xmlns:a16="http://schemas.microsoft.com/office/drawing/2014/main" id="{D96698CD-B133-FBF6-52CC-FAB43CE3C297}"/>
+              </a:ext>
+            </a:extLst>
+          </p:cNvPr>
+          <p:cNvSpPr/>
+          <p:nvPr/>
+        </p:nvSpPr>
+        <p:spPr>
+          <a:xfrm>
+            <a:off x="7222627" y="1225438"/>
+            <a:ext cx="397177" cy="447790"/>
+          </a:xfrm>
+          <a:prstGeom prst="rect">
+            <a:avLst/>
+          </a:prstGeom>
+          <a:solidFill>
+            <a:srgbClr val="FFFF00"/>
+          </a:solidFill>
+        </p:spPr>
+        <p:style>
+          <a:lnRef idx="2">
+            <a:schemeClr val="accent1">
+              <a:shade val="50000"/>
+            </a:schemeClr>
+          </a:lnRef>
+          <a:fillRef idx="1">
+            <a:schemeClr val="accent1"/>
+          </a:fillRef>
+          <a:effectRef idx="0">
+            <a:schemeClr val="accent1"/>
+          </a:effectRef>
+          <a:fontRef idx="minor">
+            <a:schemeClr val="lt1"/>
+          </a:fontRef>
+        </p:style>
+        <p:txBody>
+          <a:bodyPr rtlCol="0" anchor="ctr"/>
+          <a:lstStyle/>
+          <a:p>
+            <a:pPr algn="ctr"/>
+            <a:r>
+              <a:rPr kumimoji="1" lang="en-US" altLang="ko-Kore-KR" dirty="0">
+                <a:solidFill>
+                  <a:schemeClr val="tx1"/>
+                </a:solidFill>
+                <a:latin typeface="DM Mono" panose="020B0509040201040103" pitchFamily="49" charset="0"/>
+              </a:rPr>
+              <a:t>h</a:t>
+            </a:r>
+            <a:endParaRPr kumimoji="1" lang="ko-Kore-KR" altLang="en-US" dirty="0">
+              <a:solidFill>
+                <a:schemeClr val="tx1"/>
+              </a:solidFill>
+              <a:latin typeface="DM Mono" panose="020B0509040201040103" pitchFamily="49" charset="0"/>
+            </a:endParaRPr>
+          </a:p>
+        </p:txBody>
+      </p:sp>
+      <p:sp>
+        <p:nvSpPr>
+          <p:cNvPr id="41" name="직사각형 40">
+            <a:extLst>
+              <a:ext uri="{FF2B5EF4-FFF2-40B4-BE49-F238E27FC236}">
+                <a16:creationId xmlns:a16="http://schemas.microsoft.com/office/drawing/2014/main" id="{D94C9295-B2B8-9F31-CFDD-4B1EB53E389C}"/>
+              </a:ext>
+            </a:extLst>
+          </p:cNvPr>
+          <p:cNvSpPr/>
+          <p:nvPr/>
+        </p:nvSpPr>
+        <p:spPr>
+          <a:xfrm>
+            <a:off x="7619804" y="1225438"/>
+            <a:ext cx="397177" cy="447790"/>
+          </a:xfrm>
+          <a:prstGeom prst="rect">
+            <a:avLst/>
+          </a:prstGeom>
+          <a:solidFill>
+            <a:srgbClr val="FFFF00"/>
+          </a:solidFill>
+        </p:spPr>
+        <p:style>
+          <a:lnRef idx="2">
+            <a:schemeClr val="accent1">
+              <a:shade val="50000"/>
+            </a:schemeClr>
+          </a:lnRef>
+          <a:fillRef idx="1">
+            <a:schemeClr val="accent1"/>
+          </a:fillRef>
+          <a:effectRef idx="0">
+            <a:schemeClr val="accent1"/>
+          </a:effectRef>
+          <a:fontRef idx="minor">
+            <a:schemeClr val="lt1"/>
+          </a:fontRef>
+        </p:style>
+        <p:txBody>
+          <a:bodyPr rtlCol="0" anchor="ctr"/>
+          <a:lstStyle/>
+          <a:p>
+            <a:pPr algn="ctr"/>
+            <a:r>
+              <a:rPr kumimoji="1" lang="en-US" altLang="ko-Kore-KR" dirty="0">
+                <a:solidFill>
+                  <a:schemeClr val="tx1"/>
+                </a:solidFill>
+                <a:latin typeface="DM Mono" panose="020B0509040201040103" pitchFamily="49" charset="0"/>
+              </a:rPr>
+              <a:t>e</a:t>
+            </a:r>
+            <a:endParaRPr kumimoji="1" lang="ko-Kore-KR" altLang="en-US" dirty="0">
+              <a:solidFill>
+                <a:schemeClr val="tx1"/>
+              </a:solidFill>
+              <a:latin typeface="DM Mono" panose="020B0509040201040103" pitchFamily="49" charset="0"/>
+            </a:endParaRPr>
+          </a:p>
+        </p:txBody>
+      </p:sp>
+      <p:sp>
+        <p:nvSpPr>
+          <p:cNvPr id="42" name="직사각형 41">
+            <a:extLst>
+              <a:ext uri="{FF2B5EF4-FFF2-40B4-BE49-F238E27FC236}">
+                <a16:creationId xmlns:a16="http://schemas.microsoft.com/office/drawing/2014/main" id="{A666CA49-6502-67A5-7FA1-B1EB6927B345}"/>
+              </a:ext>
+            </a:extLst>
+          </p:cNvPr>
+          <p:cNvSpPr/>
+          <p:nvPr/>
+        </p:nvSpPr>
+        <p:spPr>
+          <a:xfrm>
+            <a:off x="8016981" y="1225438"/>
+            <a:ext cx="397177" cy="447790"/>
+          </a:xfrm>
+          <a:prstGeom prst="rect">
+            <a:avLst/>
+          </a:prstGeom>
+          <a:solidFill>
+            <a:srgbClr val="FFFF00"/>
+          </a:solidFill>
+        </p:spPr>
+        <p:style>
+          <a:lnRef idx="2">
+            <a:schemeClr val="accent1">
+              <a:shade val="50000"/>
+            </a:schemeClr>
+          </a:lnRef>
+          <a:fillRef idx="1">
+            <a:schemeClr val="accent1"/>
+          </a:fillRef>
+          <a:effectRef idx="0">
+            <a:schemeClr val="accent1"/>
+          </a:effectRef>
+          <a:fontRef idx="minor">
+            <a:schemeClr val="lt1"/>
+          </a:fontRef>
+        </p:style>
+        <p:txBody>
+          <a:bodyPr rtlCol="0" anchor="ctr"/>
+          <a:lstStyle/>
+          <a:p>
+            <a:pPr algn="ctr"/>
+            <a:r>
+              <a:rPr kumimoji="1" lang="en-US" altLang="ko-Kore-KR" dirty="0">
+                <a:solidFill>
+                  <a:schemeClr val="tx1"/>
+                </a:solidFill>
+                <a:latin typeface="DM Mono" panose="020B0509040201040103" pitchFamily="49" charset="0"/>
+              </a:rPr>
+              <a:t>l</a:t>
+            </a:r>
+            <a:endParaRPr kumimoji="1" lang="ko-Kore-KR" altLang="en-US" dirty="0">
+              <a:solidFill>
+                <a:schemeClr val="tx1"/>
+              </a:solidFill>
+              <a:latin typeface="DM Mono" panose="020B0509040201040103" pitchFamily="49" charset="0"/>
+            </a:endParaRPr>
+          </a:p>
+        </p:txBody>
+      </p:sp>
+      <p:sp>
+        <p:nvSpPr>
+          <p:cNvPr id="43" name="직사각형 42">
+            <a:extLst>
+              <a:ext uri="{FF2B5EF4-FFF2-40B4-BE49-F238E27FC236}">
+                <a16:creationId xmlns:a16="http://schemas.microsoft.com/office/drawing/2014/main" id="{562DEEB3-8710-73DE-984E-93C8E5F749A4}"/>
+              </a:ext>
+            </a:extLst>
+          </p:cNvPr>
+          <p:cNvSpPr/>
+          <p:nvPr/>
+        </p:nvSpPr>
+        <p:spPr>
+          <a:xfrm>
+            <a:off x="8414158" y="1225438"/>
+            <a:ext cx="397177" cy="447790"/>
+          </a:xfrm>
+          <a:prstGeom prst="rect">
+            <a:avLst/>
+          </a:prstGeom>
+          <a:solidFill>
+            <a:srgbClr val="FFFF00"/>
+          </a:solidFill>
+        </p:spPr>
+        <p:style>
+          <a:lnRef idx="2">
+            <a:schemeClr val="accent1">
+              <a:shade val="50000"/>
+            </a:schemeClr>
+          </a:lnRef>
+          <a:fillRef idx="1">
+            <a:schemeClr val="accent1"/>
+          </a:fillRef>
+          <a:effectRef idx="0">
+            <a:schemeClr val="accent1"/>
+          </a:effectRef>
+          <a:fontRef idx="minor">
+            <a:schemeClr val="lt1"/>
+          </a:fontRef>
+        </p:style>
+        <p:txBody>
+          <a:bodyPr rtlCol="0" anchor="ctr"/>
+          <a:lstStyle/>
+          <a:p>
+            <a:pPr algn="ctr"/>
+            <a:r>
+              <a:rPr kumimoji="1" lang="en-US" altLang="ko-Kore-KR" dirty="0">
+                <a:solidFill>
+                  <a:schemeClr val="tx1"/>
+                </a:solidFill>
+                <a:latin typeface="DM Mono" panose="020B0509040201040103" pitchFamily="49" charset="0"/>
+              </a:rPr>
+              <a:t>l</a:t>
+            </a:r>
+            <a:endParaRPr kumimoji="1" lang="ko-Kore-KR" altLang="en-US" dirty="0">
+              <a:solidFill>
+                <a:schemeClr val="tx1"/>
+              </a:solidFill>
+              <a:latin typeface="DM Mono" panose="020B0509040201040103" pitchFamily="49" charset="0"/>
+            </a:endParaRPr>
+          </a:p>
+        </p:txBody>
+      </p:sp>
+      <p:sp>
+        <p:nvSpPr>
+          <p:cNvPr id="44" name="직사각형 43">
+            <a:extLst>
+              <a:ext uri="{FF2B5EF4-FFF2-40B4-BE49-F238E27FC236}">
+                <a16:creationId xmlns:a16="http://schemas.microsoft.com/office/drawing/2014/main" id="{1DA2FE82-ED89-5C17-4BBE-D51E56CC56A0}"/>
+              </a:ext>
+            </a:extLst>
+          </p:cNvPr>
+          <p:cNvSpPr/>
+          <p:nvPr/>
+        </p:nvSpPr>
+        <p:spPr>
+          <a:xfrm>
+            <a:off x="8811335" y="1225438"/>
+            <a:ext cx="397177" cy="447790"/>
+          </a:xfrm>
+          <a:prstGeom prst="rect">
+            <a:avLst/>
+          </a:prstGeom>
+          <a:solidFill>
+            <a:srgbClr val="FFFF00"/>
+          </a:solidFill>
+        </p:spPr>
+        <p:style>
+          <a:lnRef idx="2">
+            <a:schemeClr val="accent1">
+              <a:shade val="50000"/>
+            </a:schemeClr>
+          </a:lnRef>
+          <a:fillRef idx="1">
+            <a:schemeClr val="accent1"/>
+          </a:fillRef>
+          <a:effectRef idx="0">
+            <a:schemeClr val="accent1"/>
+          </a:effectRef>
+          <a:fontRef idx="minor">
+            <a:schemeClr val="lt1"/>
+          </a:fontRef>
+        </p:style>
+        <p:txBody>
+          <a:bodyPr rtlCol="0" anchor="ctr"/>
+          <a:lstStyle/>
+          <a:p>
+            <a:pPr algn="ctr"/>
+            <a:r>
+              <a:rPr kumimoji="1" lang="en-US" altLang="ko-Kore-KR" dirty="0">
+                <a:solidFill>
+                  <a:schemeClr val="tx1"/>
+                </a:solidFill>
+                <a:latin typeface="DM Mono" panose="020B0509040201040103" pitchFamily="49" charset="0"/>
+              </a:rPr>
+              <a:t>o</a:t>
+            </a:r>
+            <a:endParaRPr kumimoji="1" lang="ko-Kore-KR" altLang="en-US" dirty="0">
+              <a:solidFill>
+                <a:schemeClr val="tx1"/>
+              </a:solidFill>
+              <a:latin typeface="DM Mono" panose="020B0509040201040103" pitchFamily="49" charset="0"/>
+            </a:endParaRPr>
+          </a:p>
+        </p:txBody>
+      </p:sp>
+      <p:sp>
+        <p:nvSpPr>
+          <p:cNvPr id="45" name="직사각형 44">
+            <a:extLst>
+              <a:ext uri="{FF2B5EF4-FFF2-40B4-BE49-F238E27FC236}">
+                <a16:creationId xmlns:a16="http://schemas.microsoft.com/office/drawing/2014/main" id="{B62100C8-4D87-37C1-D77B-42C204F2C56A}"/>
+              </a:ext>
+            </a:extLst>
+          </p:cNvPr>
+          <p:cNvSpPr/>
+          <p:nvPr/>
+        </p:nvSpPr>
+        <p:spPr>
+          <a:xfrm>
+            <a:off x="9208512" y="1225438"/>
+            <a:ext cx="397177" cy="447790"/>
+          </a:xfrm>
+          <a:prstGeom prst="rect">
+            <a:avLst/>
+          </a:prstGeom>
+          <a:solidFill>
+            <a:srgbClr val="FFFF00"/>
+          </a:solidFill>
+        </p:spPr>
+        <p:style>
+          <a:lnRef idx="2">
+            <a:schemeClr val="accent1">
+              <a:shade val="50000"/>
+            </a:schemeClr>
+          </a:lnRef>
+          <a:fillRef idx="1">
+            <a:schemeClr val="accent1"/>
+          </a:fillRef>
+          <a:effectRef idx="0">
+            <a:schemeClr val="accent1"/>
+          </a:effectRef>
+          <a:fontRef idx="minor">
+            <a:schemeClr val="lt1"/>
+          </a:fontRef>
+        </p:style>
+        <p:txBody>
+          <a:bodyPr rtlCol="0" anchor="ctr"/>
+          <a:lstStyle/>
+          <a:p>
+            <a:pPr algn="ctr"/>
+            <a:endParaRPr kumimoji="1" lang="ko-Kore-KR" altLang="en-US" dirty="0">
+              <a:solidFill>
+                <a:schemeClr val="tx1"/>
+              </a:solidFill>
+              <a:latin typeface="DM Mono" panose="020B0509040201040103" pitchFamily="49" charset="0"/>
+            </a:endParaRPr>
+          </a:p>
+        </p:txBody>
+      </p:sp>
+      <p:sp>
+        <p:nvSpPr>
+          <p:cNvPr id="46" name="직사각형 45">
+            <a:extLst>
+              <a:ext uri="{FF2B5EF4-FFF2-40B4-BE49-F238E27FC236}">
+                <a16:creationId xmlns:a16="http://schemas.microsoft.com/office/drawing/2014/main" id="{6B0590A0-F8F3-8F45-41CE-EB57781DE4CD}"/>
+              </a:ext>
+            </a:extLst>
+          </p:cNvPr>
+          <p:cNvSpPr/>
+          <p:nvPr/>
+        </p:nvSpPr>
+        <p:spPr>
+          <a:xfrm>
+            <a:off x="9570972" y="1225438"/>
+            <a:ext cx="397177" cy="447790"/>
+          </a:xfrm>
+          <a:prstGeom prst="rect">
+            <a:avLst/>
+          </a:prstGeom>
+          <a:solidFill>
+            <a:srgbClr val="FFFF00"/>
+          </a:solidFill>
+        </p:spPr>
+        <p:style>
+          <a:lnRef idx="2">
+            <a:schemeClr val="accent1">
+              <a:shade val="50000"/>
+            </a:schemeClr>
+          </a:lnRef>
+          <a:fillRef idx="1">
+            <a:schemeClr val="accent1"/>
+          </a:fillRef>
+          <a:effectRef idx="0">
+            <a:schemeClr val="accent1"/>
+          </a:effectRef>
+          <a:fontRef idx="minor">
+            <a:schemeClr val="lt1"/>
+          </a:fontRef>
+        </p:style>
+        <p:txBody>
+          <a:bodyPr rtlCol="0" anchor="ctr"/>
+          <a:lstStyle/>
+          <a:p>
+            <a:pPr algn="ctr"/>
+            <a:r>
+              <a:rPr kumimoji="1" lang="en-US" altLang="ko-Kore-KR" dirty="0">
+                <a:solidFill>
+                  <a:schemeClr val="tx1"/>
+                </a:solidFill>
+                <a:latin typeface="DM Mono" panose="020B0509040201040103" pitchFamily="49" charset="0"/>
+              </a:rPr>
+              <a:t>h</a:t>
+            </a:r>
+            <a:endParaRPr kumimoji="1" lang="ko-Kore-KR" altLang="en-US" dirty="0">
+              <a:solidFill>
+                <a:schemeClr val="tx1"/>
+              </a:solidFill>
+              <a:latin typeface="DM Mono" panose="020B0509040201040103" pitchFamily="49" charset="0"/>
+            </a:endParaRPr>
+          </a:p>
+        </p:txBody>
+      </p:sp>
+      <p:sp>
+        <p:nvSpPr>
+          <p:cNvPr id="47" name="직사각형 46">
+            <a:extLst>
+              <a:ext uri="{FF2B5EF4-FFF2-40B4-BE49-F238E27FC236}">
+                <a16:creationId xmlns:a16="http://schemas.microsoft.com/office/drawing/2014/main" id="{8FA2C306-CA76-A9F5-DF05-E720A7C68482}"/>
+              </a:ext>
+            </a:extLst>
+          </p:cNvPr>
+          <p:cNvSpPr/>
+          <p:nvPr/>
+        </p:nvSpPr>
+        <p:spPr>
+          <a:xfrm>
+            <a:off x="9968149" y="1225438"/>
+            <a:ext cx="397177" cy="447790"/>
+          </a:xfrm>
+          <a:prstGeom prst="rect">
+            <a:avLst/>
+          </a:prstGeom>
+          <a:solidFill>
+            <a:srgbClr val="FFFF00"/>
+          </a:solidFill>
+        </p:spPr>
+        <p:style>
+          <a:lnRef idx="2">
+            <a:schemeClr val="accent1">
+              <a:shade val="50000"/>
+            </a:schemeClr>
+          </a:lnRef>
+          <a:fillRef idx="1">
+            <a:schemeClr val="accent1"/>
+          </a:fillRef>
+          <a:effectRef idx="0">
+            <a:schemeClr val="accent1"/>
+          </a:effectRef>
+          <a:fontRef idx="minor">
+            <a:schemeClr val="lt1"/>
+          </a:fontRef>
+        </p:style>
+        <p:txBody>
+          <a:bodyPr rtlCol="0" anchor="ctr"/>
+          <a:lstStyle/>
+          <a:p>
+            <a:pPr algn="ctr"/>
+            <a:r>
+              <a:rPr kumimoji="1" lang="en-US" altLang="ko-Kore-KR" dirty="0">
+                <a:solidFill>
+                  <a:schemeClr val="tx1"/>
+                </a:solidFill>
+                <a:latin typeface="DM Mono" panose="020B0509040201040103" pitchFamily="49" charset="0"/>
+              </a:rPr>
+              <a:t>e</a:t>
+            </a:r>
+            <a:endParaRPr kumimoji="1" lang="ko-Kore-KR" altLang="en-US" dirty="0">
+              <a:solidFill>
+                <a:schemeClr val="tx1"/>
+              </a:solidFill>
+              <a:latin typeface="DM Mono" panose="020B0509040201040103" pitchFamily="49" charset="0"/>
+            </a:endParaRPr>
+          </a:p>
+        </p:txBody>
+      </p:sp>
+      <p:sp>
+        <p:nvSpPr>
+          <p:cNvPr id="48" name="직사각형 47">
+            <a:extLst>
+              <a:ext uri="{FF2B5EF4-FFF2-40B4-BE49-F238E27FC236}">
+                <a16:creationId xmlns:a16="http://schemas.microsoft.com/office/drawing/2014/main" id="{407CF929-702F-ABCA-111F-AEE2DA61FC25}"/>
+              </a:ext>
+            </a:extLst>
+          </p:cNvPr>
+          <p:cNvSpPr/>
+          <p:nvPr/>
+        </p:nvSpPr>
+        <p:spPr>
+          <a:xfrm>
+            <a:off x="10365326" y="1225438"/>
+            <a:ext cx="397177" cy="447790"/>
+          </a:xfrm>
+          <a:prstGeom prst="rect">
+            <a:avLst/>
+          </a:prstGeom>
+          <a:solidFill>
+            <a:srgbClr val="FFFF00"/>
+          </a:solidFill>
+        </p:spPr>
+        <p:style>
+          <a:lnRef idx="2">
+            <a:schemeClr val="accent1">
+              <a:shade val="50000"/>
+            </a:schemeClr>
+          </a:lnRef>
+          <a:fillRef idx="1">
+            <a:schemeClr val="accent1"/>
+          </a:fillRef>
+          <a:effectRef idx="0">
+            <a:schemeClr val="accent1"/>
+          </a:effectRef>
+          <a:fontRef idx="minor">
+            <a:schemeClr val="lt1"/>
+          </a:fontRef>
+        </p:style>
+        <p:txBody>
+          <a:bodyPr rtlCol="0" anchor="ctr"/>
+          <a:lstStyle/>
+          <a:p>
+            <a:pPr algn="ctr"/>
+            <a:r>
+              <a:rPr kumimoji="1" lang="en-US" altLang="ko-Kore-KR" dirty="0">
+                <a:solidFill>
+                  <a:schemeClr val="tx1"/>
+                </a:solidFill>
+                <a:latin typeface="DM Mono" panose="020B0509040201040103" pitchFamily="49" charset="0"/>
+              </a:rPr>
+              <a:t>l</a:t>
+            </a:r>
+            <a:endParaRPr kumimoji="1" lang="ko-Kore-KR" altLang="en-US" dirty="0">
+              <a:solidFill>
+                <a:schemeClr val="tx1"/>
+              </a:solidFill>
+              <a:latin typeface="DM Mono" panose="020B0509040201040103" pitchFamily="49" charset="0"/>
+            </a:endParaRPr>
+          </a:p>
+        </p:txBody>
+      </p:sp>
+      <p:sp>
+        <p:nvSpPr>
+          <p:cNvPr id="49" name="직사각형 48">
+            <a:extLst>
+              <a:ext uri="{FF2B5EF4-FFF2-40B4-BE49-F238E27FC236}">
+                <a16:creationId xmlns:a16="http://schemas.microsoft.com/office/drawing/2014/main" id="{7BC0BA13-2897-96C8-FCB2-647DE8FC04A4}"/>
+              </a:ext>
+            </a:extLst>
+          </p:cNvPr>
+          <p:cNvSpPr/>
+          <p:nvPr/>
+        </p:nvSpPr>
+        <p:spPr>
+          <a:xfrm>
+            <a:off x="10762503" y="1225438"/>
+            <a:ext cx="397177" cy="447790"/>
+          </a:xfrm>
+          <a:prstGeom prst="rect">
+            <a:avLst/>
+          </a:prstGeom>
+          <a:solidFill>
+            <a:srgbClr val="FFFF00"/>
+          </a:solidFill>
+        </p:spPr>
+        <p:style>
+          <a:lnRef idx="2">
+            <a:schemeClr val="accent1">
+              <a:shade val="50000"/>
+            </a:schemeClr>
+          </a:lnRef>
+          <a:fillRef idx="1">
+            <a:schemeClr val="accent1"/>
+          </a:fillRef>
+          <a:effectRef idx="0">
+            <a:schemeClr val="accent1"/>
+          </a:effectRef>
+          <a:fontRef idx="minor">
+            <a:schemeClr val="lt1"/>
+          </a:fontRef>
+        </p:style>
+        <p:txBody>
+          <a:bodyPr rtlCol="0" anchor="ctr"/>
+          <a:lstStyle/>
+          <a:p>
+            <a:pPr algn="ctr"/>
+            <a:r>
+              <a:rPr kumimoji="1" lang="en-US" altLang="ko-Kore-KR" dirty="0">
+                <a:solidFill>
+                  <a:schemeClr val="tx1"/>
+                </a:solidFill>
+                <a:latin typeface="DM Mono" panose="020B0509040201040103" pitchFamily="49" charset="0"/>
+              </a:rPr>
+              <a:t>l</a:t>
+            </a:r>
+            <a:endParaRPr kumimoji="1" lang="ko-Kore-KR" altLang="en-US" dirty="0">
+              <a:solidFill>
+                <a:schemeClr val="tx1"/>
+              </a:solidFill>
+              <a:latin typeface="DM Mono" panose="020B0509040201040103" pitchFamily="49" charset="0"/>
+            </a:endParaRPr>
+          </a:p>
+        </p:txBody>
+      </p:sp>
+      <p:sp>
+        <p:nvSpPr>
+          <p:cNvPr id="50" name="직사각형 49">
+            <a:extLst>
+              <a:ext uri="{FF2B5EF4-FFF2-40B4-BE49-F238E27FC236}">
+                <a16:creationId xmlns:a16="http://schemas.microsoft.com/office/drawing/2014/main" id="{04CCC988-30E3-1899-BEFD-34EE61DFFBDA}"/>
+              </a:ext>
+            </a:extLst>
+          </p:cNvPr>
+          <p:cNvSpPr/>
+          <p:nvPr/>
+        </p:nvSpPr>
+        <p:spPr>
+          <a:xfrm>
+            <a:off x="11159680" y="1225438"/>
+            <a:ext cx="397177" cy="447790"/>
+          </a:xfrm>
+          <a:prstGeom prst="rect">
+            <a:avLst/>
+          </a:prstGeom>
+          <a:solidFill>
+            <a:srgbClr val="FFFF00"/>
+          </a:solidFill>
+        </p:spPr>
+        <p:style>
+          <a:lnRef idx="2">
+            <a:schemeClr val="accent1">
+              <a:shade val="50000"/>
+            </a:schemeClr>
+          </a:lnRef>
+          <a:fillRef idx="1">
+            <a:schemeClr val="accent1"/>
+          </a:fillRef>
+          <a:effectRef idx="0">
+            <a:schemeClr val="accent1"/>
+          </a:effectRef>
+          <a:fontRef idx="minor">
+            <a:schemeClr val="lt1"/>
+          </a:fontRef>
+        </p:style>
+        <p:txBody>
+          <a:bodyPr rtlCol="0" anchor="ctr"/>
+          <a:lstStyle/>
+          <a:p>
+            <a:pPr algn="ctr"/>
+            <a:r>
+              <a:rPr kumimoji="1" lang="en-US" altLang="ko-Kore-KR" dirty="0">
+                <a:solidFill>
+                  <a:schemeClr val="tx1"/>
+                </a:solidFill>
+                <a:latin typeface="DM Mono" panose="020B0509040201040103" pitchFamily="49" charset="0"/>
+              </a:rPr>
+              <a:t>o</a:t>
+            </a:r>
+            <a:endParaRPr kumimoji="1" lang="ko-Kore-KR" altLang="en-US" dirty="0">
+              <a:solidFill>
+                <a:schemeClr val="tx1"/>
+              </a:solidFill>
+              <a:latin typeface="DM Mono" panose="020B0509040201040103" pitchFamily="49" charset="0"/>
+            </a:endParaRPr>
+          </a:p>
+        </p:txBody>
+      </p:sp>
+    </p:spTree>
+    <p:extLst>
+      <p:ext uri="{BB962C8B-B14F-4D97-AF65-F5344CB8AC3E}">
+        <p14:creationId xmlns:p14="http://schemas.microsoft.com/office/powerpoint/2010/main" val="1736422366"/>
+      </p:ext>
+    </p:extLst>
+  </p:cSld>
+  <p:clrMapOvr>
+    <a:masterClrMapping/>
+  </p:clrMapOvr>
+</p:sld>
+</file>
+
+<file path=ppt/slides/slide42.xml><?xml version="1.0" encoding="utf-8"?>
+<p:sld xmlns:a="http://schemas.openxmlformats.org/drawingml/2006/main" xmlns:r="http://schemas.openxmlformats.org/officeDocument/2006/relationships" xmlns:p="http://schemas.openxmlformats.org/presentationml/2006/main">
+  <p:cSld>
+    <p:spTree>
+      <p:nvGrpSpPr>
+        <p:cNvPr id="1" name=""/>
+        <p:cNvGrpSpPr/>
+        <p:nvPr/>
+      </p:nvGrpSpPr>
+      <p:grpSpPr>
+        <a:xfrm>
+          <a:off x="0" y="0"/>
+          <a:ext cx="0" cy="0"/>
+          <a:chOff x="0" y="0"/>
+          <a:chExt cx="0" cy="0"/>
+        </a:xfrm>
+      </p:grpSpPr>
+      <p:sp>
+        <p:nvSpPr>
+          <p:cNvPr id="7" name="TextBox 6">
+            <a:extLst>
+              <a:ext uri="{FF2B5EF4-FFF2-40B4-BE49-F238E27FC236}">
+                <a16:creationId xmlns:a16="http://schemas.microsoft.com/office/drawing/2014/main" id="{1982B580-58A9-68BD-E189-62934F84BB4E}"/>
+              </a:ext>
+            </a:extLst>
+          </p:cNvPr>
+          <p:cNvSpPr txBox="1"/>
+          <p:nvPr/>
+        </p:nvSpPr>
+        <p:spPr>
+          <a:xfrm>
+            <a:off x="217817" y="284998"/>
+            <a:ext cx="3689949" cy="3323987"/>
+          </a:xfrm>
+          <a:prstGeom prst="rect">
+            <a:avLst/>
+          </a:prstGeom>
+          <a:noFill/>
+        </p:spPr>
+        <p:txBody>
+          <a:bodyPr wrap="square">
+            <a:spAutoFit/>
+          </a:bodyPr>
+          <a:lstStyle/>
+          <a:p>
+            <a:r>
+              <a:rPr lang="en" altLang="ko-Kore-KR" sz="1400" dirty="0">
+                <a:latin typeface="DM Mono" panose="020B0509040201040103" pitchFamily="49" charset="0"/>
+              </a:rPr>
+              <a:t>  char str[64] = ”hello hello hello";</a:t>
+            </a:r>
+          </a:p>
+          <a:p>
+            <a:endParaRPr lang="en" altLang="ko-Kore-KR" sz="1400" dirty="0">
+              <a:latin typeface="DM Mono" panose="020B0509040201040103" pitchFamily="49" charset="0"/>
+            </a:endParaRPr>
+          </a:p>
+          <a:p>
+            <a:r>
+              <a:rPr lang="en" altLang="ko-Kore-KR" sz="1400" dirty="0">
+                <a:solidFill>
+                  <a:srgbClr val="FF0000"/>
+                </a:solidFill>
+                <a:latin typeface="DM Mono" panose="020B0509040201040103" pitchFamily="49" charset="0"/>
+              </a:rPr>
+              <a:t>  char *p = </a:t>
+            </a:r>
+            <a:r>
+              <a:rPr lang="en" altLang="ko-Kore-KR" sz="1400" dirty="0" err="1">
+                <a:solidFill>
+                  <a:srgbClr val="FF0000"/>
+                </a:solidFill>
+                <a:latin typeface="DM Mono" panose="020B0509040201040103" pitchFamily="49" charset="0"/>
+              </a:rPr>
+              <a:t>strtok</a:t>
+            </a:r>
+            <a:r>
+              <a:rPr lang="en" altLang="ko-Kore-KR" sz="1400" dirty="0">
+                <a:solidFill>
+                  <a:srgbClr val="FF0000"/>
+                </a:solidFill>
+                <a:latin typeface="DM Mono" panose="020B0509040201040103" pitchFamily="49" charset="0"/>
+              </a:rPr>
+              <a:t>(str, " ");</a:t>
+            </a:r>
+          </a:p>
+          <a:p>
+            <a:r>
+              <a:rPr lang="en" altLang="ko-Kore-KR" sz="1400" dirty="0">
+                <a:latin typeface="DM Mono" panose="020B0509040201040103" pitchFamily="49" charset="0"/>
+              </a:rPr>
+              <a:t>  </a:t>
+            </a:r>
+            <a:r>
+              <a:rPr lang="en" altLang="ko-Kore-KR" sz="1400" dirty="0" err="1">
+                <a:latin typeface="DM Mono" panose="020B0509040201040103" pitchFamily="49" charset="0"/>
+              </a:rPr>
+              <a:t>printf</a:t>
+            </a:r>
+            <a:r>
+              <a:rPr lang="en" altLang="ko-Kore-KR" sz="1400" dirty="0">
+                <a:latin typeface="DM Mono" panose="020B0509040201040103" pitchFamily="49" charset="0"/>
+              </a:rPr>
+              <a:t>("%s\n", p);</a:t>
+            </a:r>
+          </a:p>
+          <a:p>
+            <a:endParaRPr lang="en" altLang="ko-Kore-KR" sz="1400" dirty="0">
+              <a:latin typeface="DM Mono" panose="020B0509040201040103" pitchFamily="49" charset="0"/>
+            </a:endParaRPr>
+          </a:p>
+          <a:p>
+            <a:r>
+              <a:rPr lang="en" altLang="ko-Kore-KR" sz="1400" dirty="0">
+                <a:latin typeface="DM Mono" panose="020B0509040201040103" pitchFamily="49" charset="0"/>
+              </a:rPr>
+              <a:t>  p = </a:t>
+            </a:r>
+            <a:r>
+              <a:rPr lang="en" altLang="ko-Kore-KR" sz="1400" dirty="0" err="1">
+                <a:latin typeface="DM Mono" panose="020B0509040201040103" pitchFamily="49" charset="0"/>
+              </a:rPr>
+              <a:t>strtok</a:t>
+            </a:r>
+            <a:r>
+              <a:rPr lang="en" altLang="ko-Kore-KR" sz="1400" dirty="0">
+                <a:latin typeface="DM Mono" panose="020B0509040201040103" pitchFamily="49" charset="0"/>
+              </a:rPr>
+              <a:t>(NULL, " ");</a:t>
+            </a:r>
+          </a:p>
+          <a:p>
+            <a:r>
+              <a:rPr lang="en" altLang="ko-Kore-KR" sz="1400" dirty="0">
+                <a:latin typeface="DM Mono" panose="020B0509040201040103" pitchFamily="49" charset="0"/>
+              </a:rPr>
+              <a:t>  </a:t>
+            </a:r>
+            <a:r>
+              <a:rPr lang="en" altLang="ko-Kore-KR" sz="1400" dirty="0" err="1">
+                <a:latin typeface="DM Mono" panose="020B0509040201040103" pitchFamily="49" charset="0"/>
+              </a:rPr>
+              <a:t>printf</a:t>
+            </a:r>
+            <a:r>
+              <a:rPr lang="en" altLang="ko-Kore-KR" sz="1400" dirty="0">
+                <a:latin typeface="DM Mono" panose="020B0509040201040103" pitchFamily="49" charset="0"/>
+              </a:rPr>
+              <a:t>("%s\n", p);</a:t>
+            </a:r>
+          </a:p>
+          <a:p>
+            <a:endParaRPr lang="en" altLang="ko-Kore-KR" sz="1400" dirty="0">
+              <a:latin typeface="DM Mono" panose="020B0509040201040103" pitchFamily="49" charset="0"/>
+            </a:endParaRPr>
+          </a:p>
+          <a:p>
+            <a:r>
+              <a:rPr lang="en" altLang="ko-Kore-KR" sz="1400" dirty="0">
+                <a:latin typeface="DM Mono" panose="020B0509040201040103" pitchFamily="49" charset="0"/>
+              </a:rPr>
+              <a:t>  p = </a:t>
+            </a:r>
+            <a:r>
+              <a:rPr lang="en" altLang="ko-Kore-KR" sz="1400" dirty="0" err="1">
+                <a:latin typeface="DM Mono" panose="020B0509040201040103" pitchFamily="49" charset="0"/>
+              </a:rPr>
+              <a:t>strtok</a:t>
+            </a:r>
+            <a:r>
+              <a:rPr lang="en" altLang="ko-Kore-KR" sz="1400" dirty="0">
+                <a:latin typeface="DM Mono" panose="020B0509040201040103" pitchFamily="49" charset="0"/>
+              </a:rPr>
+              <a:t>(NULL, " ");</a:t>
+            </a:r>
+          </a:p>
+          <a:p>
+            <a:r>
+              <a:rPr lang="en" altLang="ko-Kore-KR" sz="1400" dirty="0">
+                <a:latin typeface="DM Mono" panose="020B0509040201040103" pitchFamily="49" charset="0"/>
+              </a:rPr>
+              <a:t>  </a:t>
+            </a:r>
+            <a:r>
+              <a:rPr lang="en" altLang="ko-Kore-KR" sz="1400" dirty="0" err="1">
+                <a:latin typeface="DM Mono" panose="020B0509040201040103" pitchFamily="49" charset="0"/>
+              </a:rPr>
+              <a:t>printf</a:t>
+            </a:r>
+            <a:r>
+              <a:rPr lang="en" altLang="ko-Kore-KR" sz="1400" dirty="0">
+                <a:latin typeface="DM Mono" panose="020B0509040201040103" pitchFamily="49" charset="0"/>
+              </a:rPr>
+              <a:t>("%s\n", p);</a:t>
+            </a:r>
+          </a:p>
+          <a:p>
+            <a:endParaRPr lang="en" altLang="ko-Kore-KR" sz="1400" dirty="0">
+              <a:latin typeface="DM Mono" panose="020B0509040201040103" pitchFamily="49" charset="0"/>
+            </a:endParaRPr>
+          </a:p>
+          <a:p>
+            <a:r>
+              <a:rPr lang="en" altLang="ko-Kore-KR" sz="1400" dirty="0">
+                <a:latin typeface="DM Mono" panose="020B0509040201040103" pitchFamily="49" charset="0"/>
+              </a:rPr>
+              <a:t>  p = </a:t>
+            </a:r>
+            <a:r>
+              <a:rPr lang="en" altLang="ko-Kore-KR" sz="1400" dirty="0" err="1">
+                <a:latin typeface="DM Mono" panose="020B0509040201040103" pitchFamily="49" charset="0"/>
+              </a:rPr>
+              <a:t>strtok</a:t>
+            </a:r>
+            <a:r>
+              <a:rPr lang="en" altLang="ko-Kore-KR" sz="1400" dirty="0">
+                <a:latin typeface="DM Mono" panose="020B0509040201040103" pitchFamily="49" charset="0"/>
+              </a:rPr>
+              <a:t>(NULL, " ");</a:t>
+            </a:r>
+          </a:p>
+          <a:p>
+            <a:r>
+              <a:rPr lang="en" altLang="ko-Kore-KR" sz="1400" dirty="0">
+                <a:latin typeface="DM Mono" panose="020B0509040201040103" pitchFamily="49" charset="0"/>
+              </a:rPr>
+              <a:t>  </a:t>
+            </a:r>
+            <a:r>
+              <a:rPr lang="en" altLang="ko-Kore-KR" sz="1400" dirty="0" err="1">
+                <a:latin typeface="DM Mono" panose="020B0509040201040103" pitchFamily="49" charset="0"/>
+              </a:rPr>
+              <a:t>printf</a:t>
+            </a:r>
+            <a:r>
+              <a:rPr lang="en" altLang="ko-Kore-KR" sz="1400" dirty="0">
+                <a:latin typeface="DM Mono" panose="020B0509040201040103" pitchFamily="49" charset="0"/>
+              </a:rPr>
+              <a:t>("%s\n", p);</a:t>
+            </a:r>
+          </a:p>
+          <a:p>
+            <a:endParaRPr lang="ko-Kore-KR" altLang="en-US" sz="1400" dirty="0">
+              <a:latin typeface="DM Mono" panose="020B0509040201040103" pitchFamily="49" charset="0"/>
+            </a:endParaRPr>
+          </a:p>
+        </p:txBody>
+      </p:sp>
+      <p:sp>
+        <p:nvSpPr>
+          <p:cNvPr id="8" name="직사각형 7">
+            <a:extLst>
+              <a:ext uri="{FF2B5EF4-FFF2-40B4-BE49-F238E27FC236}">
+                <a16:creationId xmlns:a16="http://schemas.microsoft.com/office/drawing/2014/main" id="{B337A0E6-BDDA-25D2-5A24-A537617D0B0C}"/>
+              </a:ext>
+            </a:extLst>
+          </p:cNvPr>
+          <p:cNvSpPr/>
+          <p:nvPr/>
+        </p:nvSpPr>
+        <p:spPr>
+          <a:xfrm>
+            <a:off x="4086760" y="689572"/>
+            <a:ext cx="7765935" cy="1843908"/>
+          </a:xfrm>
+          <a:prstGeom prst="rect">
+            <a:avLst/>
+          </a:prstGeom>
+        </p:spPr>
+        <p:style>
+          <a:lnRef idx="2">
+            <a:schemeClr val="dk1"/>
+          </a:lnRef>
+          <a:fillRef idx="1">
+            <a:schemeClr val="lt1"/>
+          </a:fillRef>
+          <a:effectRef idx="0">
+            <a:schemeClr val="dk1"/>
+          </a:effectRef>
+          <a:fontRef idx="minor">
+            <a:schemeClr val="dk1"/>
+          </a:fontRef>
+        </p:style>
+        <p:txBody>
+          <a:bodyPr rtlCol="0" anchor="ctr"/>
+          <a:lstStyle/>
+          <a:p>
+            <a:pPr algn="ctr"/>
+            <a:endParaRPr kumimoji="1" lang="ko-Kore-KR" altLang="en-US" dirty="0">
+              <a:solidFill>
+                <a:schemeClr val="tx1"/>
+              </a:solidFill>
+            </a:endParaRPr>
+          </a:p>
+        </p:txBody>
+      </p:sp>
+      <p:sp>
+        <p:nvSpPr>
+          <p:cNvPr id="9" name="직사각형 8">
+            <a:extLst>
+              <a:ext uri="{FF2B5EF4-FFF2-40B4-BE49-F238E27FC236}">
+                <a16:creationId xmlns:a16="http://schemas.microsoft.com/office/drawing/2014/main" id="{B7CC17DF-35E3-AB6B-23B5-C093E7328C3F}"/>
+              </a:ext>
+            </a:extLst>
+          </p:cNvPr>
+          <p:cNvSpPr/>
+          <p:nvPr/>
+        </p:nvSpPr>
+        <p:spPr>
+          <a:xfrm>
+            <a:off x="4874282" y="1225438"/>
+            <a:ext cx="397177" cy="447790"/>
+          </a:xfrm>
+          <a:prstGeom prst="rect">
+            <a:avLst/>
+          </a:prstGeom>
+          <a:solidFill>
+            <a:srgbClr val="FFFF00"/>
+          </a:solidFill>
+        </p:spPr>
+        <p:style>
+          <a:lnRef idx="2">
+            <a:schemeClr val="accent1">
+              <a:shade val="50000"/>
+            </a:schemeClr>
+          </a:lnRef>
+          <a:fillRef idx="1">
+            <a:schemeClr val="accent1"/>
+          </a:fillRef>
+          <a:effectRef idx="0">
+            <a:schemeClr val="accent1"/>
+          </a:effectRef>
+          <a:fontRef idx="minor">
+            <a:schemeClr val="lt1"/>
+          </a:fontRef>
+        </p:style>
+        <p:txBody>
+          <a:bodyPr rtlCol="0" anchor="ctr"/>
+          <a:lstStyle/>
+          <a:p>
+            <a:pPr algn="ctr"/>
+            <a:r>
+              <a:rPr kumimoji="1" lang="en-US" altLang="ko-Kore-KR" dirty="0">
+                <a:solidFill>
+                  <a:schemeClr val="tx1"/>
+                </a:solidFill>
+                <a:latin typeface="DM Mono" panose="020B0509040201040103" pitchFamily="49" charset="0"/>
+              </a:rPr>
+              <a:t>h</a:t>
+            </a:r>
+            <a:endParaRPr kumimoji="1" lang="ko-Kore-KR" altLang="en-US" dirty="0">
+              <a:solidFill>
+                <a:schemeClr val="tx1"/>
+              </a:solidFill>
+              <a:latin typeface="DM Mono" panose="020B0509040201040103" pitchFamily="49" charset="0"/>
+            </a:endParaRPr>
+          </a:p>
+        </p:txBody>
+      </p:sp>
+      <p:sp>
+        <p:nvSpPr>
+          <p:cNvPr id="10" name="TextBox 9">
+            <a:extLst>
+              <a:ext uri="{FF2B5EF4-FFF2-40B4-BE49-F238E27FC236}">
+                <a16:creationId xmlns:a16="http://schemas.microsoft.com/office/drawing/2014/main" id="{B9D8D765-5264-0F2D-A667-62791588482F}"/>
+              </a:ext>
+            </a:extLst>
+          </p:cNvPr>
+          <p:cNvSpPr txBox="1"/>
+          <p:nvPr/>
+        </p:nvSpPr>
+        <p:spPr>
+          <a:xfrm>
+            <a:off x="4141398" y="1264667"/>
+            <a:ext cx="767751" cy="369332"/>
+          </a:xfrm>
+          <a:prstGeom prst="rect">
+            <a:avLst/>
+          </a:prstGeom>
+          <a:noFill/>
+        </p:spPr>
+        <p:txBody>
+          <a:bodyPr wrap="square">
+            <a:spAutoFit/>
+          </a:bodyPr>
+          <a:lstStyle/>
+          <a:p>
+            <a:r>
+              <a:rPr lang="en-US" altLang="ko-Kore-KR" dirty="0">
+                <a:latin typeface="DM Mono" panose="020B0509040201040103" pitchFamily="49" charset="0"/>
+              </a:rPr>
+              <a:t>str</a:t>
+            </a:r>
+            <a:endParaRPr lang="ko-Kore-KR" altLang="en-US" dirty="0"/>
+          </a:p>
+        </p:txBody>
+      </p:sp>
+      <p:sp>
+        <p:nvSpPr>
+          <p:cNvPr id="11" name="TextBox 10">
+            <a:extLst>
+              <a:ext uri="{FF2B5EF4-FFF2-40B4-BE49-F238E27FC236}">
+                <a16:creationId xmlns:a16="http://schemas.microsoft.com/office/drawing/2014/main" id="{A71E0A3F-F434-E8E6-414E-31BCC5B2F736}"/>
+              </a:ext>
+            </a:extLst>
+          </p:cNvPr>
+          <p:cNvSpPr txBox="1"/>
+          <p:nvPr/>
+        </p:nvSpPr>
+        <p:spPr>
+          <a:xfrm>
+            <a:off x="7639047" y="284998"/>
+            <a:ext cx="808727" cy="369332"/>
+          </a:xfrm>
+          <a:prstGeom prst="rect">
+            <a:avLst/>
+          </a:prstGeom>
+          <a:noFill/>
+        </p:spPr>
+        <p:txBody>
+          <a:bodyPr wrap="square">
+            <a:spAutoFit/>
+          </a:bodyPr>
+          <a:lstStyle/>
+          <a:p>
+            <a:r>
+              <a:rPr lang="en" altLang="ko-Kore-KR" dirty="0">
+                <a:latin typeface="DM Mono" panose="020B0509040201040103" pitchFamily="49" charset="0"/>
+              </a:rPr>
+              <a:t>main</a:t>
+            </a:r>
+            <a:endParaRPr lang="ko-Kore-KR" altLang="en-US" dirty="0"/>
+          </a:p>
+        </p:txBody>
+      </p:sp>
+      <p:sp>
+        <p:nvSpPr>
+          <p:cNvPr id="12" name="직사각형 11">
+            <a:extLst>
+              <a:ext uri="{FF2B5EF4-FFF2-40B4-BE49-F238E27FC236}">
+                <a16:creationId xmlns:a16="http://schemas.microsoft.com/office/drawing/2014/main" id="{88D92AA5-BD0F-0CA9-EDAC-105CD451BC63}"/>
+              </a:ext>
+            </a:extLst>
+          </p:cNvPr>
+          <p:cNvSpPr/>
+          <p:nvPr/>
+        </p:nvSpPr>
+        <p:spPr>
+          <a:xfrm>
+            <a:off x="5271459" y="1225438"/>
+            <a:ext cx="397177" cy="447790"/>
+          </a:xfrm>
+          <a:prstGeom prst="rect">
+            <a:avLst/>
+          </a:prstGeom>
+          <a:solidFill>
+            <a:srgbClr val="FFFF00"/>
+          </a:solidFill>
+        </p:spPr>
+        <p:style>
+          <a:lnRef idx="2">
+            <a:schemeClr val="accent1">
+              <a:shade val="50000"/>
+            </a:schemeClr>
+          </a:lnRef>
+          <a:fillRef idx="1">
+            <a:schemeClr val="accent1"/>
+          </a:fillRef>
+          <a:effectRef idx="0">
+            <a:schemeClr val="accent1"/>
+          </a:effectRef>
+          <a:fontRef idx="minor">
+            <a:schemeClr val="lt1"/>
+          </a:fontRef>
+        </p:style>
+        <p:txBody>
+          <a:bodyPr rtlCol="0" anchor="ctr"/>
+          <a:lstStyle/>
+          <a:p>
+            <a:pPr algn="ctr"/>
+            <a:r>
+              <a:rPr kumimoji="1" lang="en-US" altLang="ko-Kore-KR" dirty="0">
+                <a:solidFill>
+                  <a:schemeClr val="tx1"/>
+                </a:solidFill>
+                <a:latin typeface="DM Mono" panose="020B0509040201040103" pitchFamily="49" charset="0"/>
+              </a:rPr>
+              <a:t>e</a:t>
+            </a:r>
+            <a:endParaRPr kumimoji="1" lang="ko-Kore-KR" altLang="en-US" dirty="0">
+              <a:solidFill>
+                <a:schemeClr val="tx1"/>
+              </a:solidFill>
+              <a:latin typeface="DM Mono" panose="020B0509040201040103" pitchFamily="49" charset="0"/>
+            </a:endParaRPr>
+          </a:p>
+        </p:txBody>
+      </p:sp>
+      <p:sp>
+        <p:nvSpPr>
+          <p:cNvPr id="13" name="직사각형 12">
+            <a:extLst>
+              <a:ext uri="{FF2B5EF4-FFF2-40B4-BE49-F238E27FC236}">
+                <a16:creationId xmlns:a16="http://schemas.microsoft.com/office/drawing/2014/main" id="{13A65980-534C-22ED-69FB-275E1448BAE4}"/>
+              </a:ext>
+            </a:extLst>
+          </p:cNvPr>
+          <p:cNvSpPr/>
+          <p:nvPr/>
+        </p:nvSpPr>
+        <p:spPr>
+          <a:xfrm>
+            <a:off x="5668636" y="1225438"/>
+            <a:ext cx="397177" cy="447790"/>
+          </a:xfrm>
+          <a:prstGeom prst="rect">
+            <a:avLst/>
+          </a:prstGeom>
+          <a:solidFill>
+            <a:srgbClr val="FFFF00"/>
+          </a:solidFill>
+        </p:spPr>
+        <p:style>
+          <a:lnRef idx="2">
+            <a:schemeClr val="accent1">
+              <a:shade val="50000"/>
+            </a:schemeClr>
+          </a:lnRef>
+          <a:fillRef idx="1">
+            <a:schemeClr val="accent1"/>
+          </a:fillRef>
+          <a:effectRef idx="0">
+            <a:schemeClr val="accent1"/>
+          </a:effectRef>
+          <a:fontRef idx="minor">
+            <a:schemeClr val="lt1"/>
+          </a:fontRef>
+        </p:style>
+        <p:txBody>
+          <a:bodyPr rtlCol="0" anchor="ctr"/>
+          <a:lstStyle/>
+          <a:p>
+            <a:pPr algn="ctr"/>
+            <a:r>
+              <a:rPr kumimoji="1" lang="en-US" altLang="ko-Kore-KR" dirty="0">
+                <a:solidFill>
+                  <a:schemeClr val="tx1"/>
+                </a:solidFill>
+                <a:latin typeface="DM Mono" panose="020B0509040201040103" pitchFamily="49" charset="0"/>
+              </a:rPr>
+              <a:t>l</a:t>
+            </a:r>
+            <a:endParaRPr kumimoji="1" lang="ko-Kore-KR" altLang="en-US" dirty="0">
+              <a:solidFill>
+                <a:schemeClr val="tx1"/>
+              </a:solidFill>
+              <a:latin typeface="DM Mono" panose="020B0509040201040103" pitchFamily="49" charset="0"/>
+            </a:endParaRPr>
+          </a:p>
+        </p:txBody>
+      </p:sp>
+      <p:sp>
+        <p:nvSpPr>
+          <p:cNvPr id="14" name="직사각형 13">
+            <a:extLst>
+              <a:ext uri="{FF2B5EF4-FFF2-40B4-BE49-F238E27FC236}">
+                <a16:creationId xmlns:a16="http://schemas.microsoft.com/office/drawing/2014/main" id="{206CDF1B-835E-9B0C-BFA1-7E0DE735810F}"/>
+              </a:ext>
+            </a:extLst>
+          </p:cNvPr>
+          <p:cNvSpPr/>
+          <p:nvPr/>
+        </p:nvSpPr>
+        <p:spPr>
+          <a:xfrm>
+            <a:off x="6065813" y="1225438"/>
+            <a:ext cx="397177" cy="447790"/>
+          </a:xfrm>
+          <a:prstGeom prst="rect">
+            <a:avLst/>
+          </a:prstGeom>
+          <a:solidFill>
+            <a:srgbClr val="FFFF00"/>
+          </a:solidFill>
+        </p:spPr>
+        <p:style>
+          <a:lnRef idx="2">
+            <a:schemeClr val="accent1">
+              <a:shade val="50000"/>
+            </a:schemeClr>
+          </a:lnRef>
+          <a:fillRef idx="1">
+            <a:schemeClr val="accent1"/>
+          </a:fillRef>
+          <a:effectRef idx="0">
+            <a:schemeClr val="accent1"/>
+          </a:effectRef>
+          <a:fontRef idx="minor">
+            <a:schemeClr val="lt1"/>
+          </a:fontRef>
+        </p:style>
+        <p:txBody>
+          <a:bodyPr rtlCol="0" anchor="ctr"/>
+          <a:lstStyle/>
+          <a:p>
+            <a:pPr algn="ctr"/>
+            <a:r>
+              <a:rPr kumimoji="1" lang="en-US" altLang="ko-Kore-KR" dirty="0">
+                <a:solidFill>
+                  <a:schemeClr val="tx1"/>
+                </a:solidFill>
+                <a:latin typeface="DM Mono" panose="020B0509040201040103" pitchFamily="49" charset="0"/>
+              </a:rPr>
+              <a:t>l</a:t>
+            </a:r>
+            <a:endParaRPr kumimoji="1" lang="ko-Kore-KR" altLang="en-US" dirty="0">
+              <a:solidFill>
+                <a:schemeClr val="tx1"/>
+              </a:solidFill>
+              <a:latin typeface="DM Mono" panose="020B0509040201040103" pitchFamily="49" charset="0"/>
+            </a:endParaRPr>
+          </a:p>
+        </p:txBody>
+      </p:sp>
+      <p:sp>
+        <p:nvSpPr>
+          <p:cNvPr id="15" name="직사각형 14">
+            <a:extLst>
+              <a:ext uri="{FF2B5EF4-FFF2-40B4-BE49-F238E27FC236}">
+                <a16:creationId xmlns:a16="http://schemas.microsoft.com/office/drawing/2014/main" id="{0BC32ADD-B01A-187C-2999-E8CC4629F672}"/>
+              </a:ext>
+            </a:extLst>
+          </p:cNvPr>
+          <p:cNvSpPr/>
+          <p:nvPr/>
+        </p:nvSpPr>
+        <p:spPr>
+          <a:xfrm>
+            <a:off x="6462990" y="1225438"/>
+            <a:ext cx="397177" cy="447790"/>
+          </a:xfrm>
+          <a:prstGeom prst="rect">
+            <a:avLst/>
+          </a:prstGeom>
+          <a:solidFill>
+            <a:srgbClr val="FFFF00"/>
+          </a:solidFill>
+        </p:spPr>
+        <p:style>
+          <a:lnRef idx="2">
+            <a:schemeClr val="accent1">
+              <a:shade val="50000"/>
+            </a:schemeClr>
+          </a:lnRef>
+          <a:fillRef idx="1">
+            <a:schemeClr val="accent1"/>
+          </a:fillRef>
+          <a:effectRef idx="0">
+            <a:schemeClr val="accent1"/>
+          </a:effectRef>
+          <a:fontRef idx="minor">
+            <a:schemeClr val="lt1"/>
+          </a:fontRef>
+        </p:style>
+        <p:txBody>
+          <a:bodyPr rtlCol="0" anchor="ctr"/>
+          <a:lstStyle/>
+          <a:p>
+            <a:pPr algn="ctr"/>
+            <a:r>
+              <a:rPr kumimoji="1" lang="en-US" altLang="ko-Kore-KR" dirty="0">
+                <a:solidFill>
+                  <a:schemeClr val="tx1"/>
+                </a:solidFill>
+                <a:latin typeface="DM Mono" panose="020B0509040201040103" pitchFamily="49" charset="0"/>
+              </a:rPr>
+              <a:t>o</a:t>
+            </a:r>
+            <a:endParaRPr kumimoji="1" lang="ko-Kore-KR" altLang="en-US" dirty="0">
+              <a:solidFill>
+                <a:schemeClr val="tx1"/>
+              </a:solidFill>
+              <a:latin typeface="DM Mono" panose="020B0509040201040103" pitchFamily="49" charset="0"/>
+            </a:endParaRPr>
+          </a:p>
+        </p:txBody>
+      </p:sp>
+      <p:sp>
+        <p:nvSpPr>
+          <p:cNvPr id="39" name="직사각형 38">
+            <a:extLst>
+              <a:ext uri="{FF2B5EF4-FFF2-40B4-BE49-F238E27FC236}">
+                <a16:creationId xmlns:a16="http://schemas.microsoft.com/office/drawing/2014/main" id="{0F046D4F-0884-B9A1-EEE1-75577227DD85}"/>
+              </a:ext>
+            </a:extLst>
+          </p:cNvPr>
+          <p:cNvSpPr/>
+          <p:nvPr/>
+        </p:nvSpPr>
+        <p:spPr>
+          <a:xfrm>
+            <a:off x="6860167" y="1225438"/>
+            <a:ext cx="397177" cy="447790"/>
+          </a:xfrm>
+          <a:prstGeom prst="rect">
+            <a:avLst/>
+          </a:prstGeom>
+          <a:solidFill>
+            <a:srgbClr val="FFFF00"/>
+          </a:solidFill>
+        </p:spPr>
+        <p:style>
+          <a:lnRef idx="2">
+            <a:schemeClr val="accent1">
+              <a:shade val="50000"/>
+            </a:schemeClr>
+          </a:lnRef>
+          <a:fillRef idx="1">
+            <a:schemeClr val="accent1"/>
+          </a:fillRef>
+          <a:effectRef idx="0">
+            <a:schemeClr val="accent1"/>
+          </a:effectRef>
+          <a:fontRef idx="minor">
+            <a:schemeClr val="lt1"/>
+          </a:fontRef>
+        </p:style>
+        <p:txBody>
+          <a:bodyPr rtlCol="0" anchor="ctr"/>
+          <a:lstStyle/>
+          <a:p>
+            <a:pPr algn="ctr"/>
+            <a:r>
+              <a:rPr kumimoji="1" lang="en-US" altLang="ko-Kore-KR" dirty="0">
+                <a:solidFill>
+                  <a:srgbClr val="FF0000"/>
+                </a:solidFill>
+                <a:latin typeface="DM Mono" panose="020B0509040201040103" pitchFamily="49" charset="0"/>
+              </a:rPr>
+              <a:t>0</a:t>
+            </a:r>
+            <a:endParaRPr kumimoji="1" lang="ko-Kore-KR" altLang="en-US" dirty="0">
+              <a:solidFill>
+                <a:srgbClr val="FF0000"/>
+              </a:solidFill>
+              <a:latin typeface="DM Mono" panose="020B0509040201040103" pitchFamily="49" charset="0"/>
+            </a:endParaRPr>
+          </a:p>
+        </p:txBody>
+      </p:sp>
+      <p:sp>
+        <p:nvSpPr>
+          <p:cNvPr id="40" name="직사각형 39">
+            <a:extLst>
+              <a:ext uri="{FF2B5EF4-FFF2-40B4-BE49-F238E27FC236}">
+                <a16:creationId xmlns:a16="http://schemas.microsoft.com/office/drawing/2014/main" id="{D96698CD-B133-FBF6-52CC-FAB43CE3C297}"/>
+              </a:ext>
+            </a:extLst>
+          </p:cNvPr>
+          <p:cNvSpPr/>
+          <p:nvPr/>
+        </p:nvSpPr>
+        <p:spPr>
+          <a:xfrm>
+            <a:off x="7222627" y="1225438"/>
+            <a:ext cx="397177" cy="447790"/>
+          </a:xfrm>
+          <a:prstGeom prst="rect">
+            <a:avLst/>
+          </a:prstGeom>
+          <a:solidFill>
+            <a:srgbClr val="FFFF00"/>
+          </a:solidFill>
+        </p:spPr>
+        <p:style>
+          <a:lnRef idx="2">
+            <a:schemeClr val="accent1">
+              <a:shade val="50000"/>
+            </a:schemeClr>
+          </a:lnRef>
+          <a:fillRef idx="1">
+            <a:schemeClr val="accent1"/>
+          </a:fillRef>
+          <a:effectRef idx="0">
+            <a:schemeClr val="accent1"/>
+          </a:effectRef>
+          <a:fontRef idx="minor">
+            <a:schemeClr val="lt1"/>
+          </a:fontRef>
+        </p:style>
+        <p:txBody>
+          <a:bodyPr rtlCol="0" anchor="ctr"/>
+          <a:lstStyle/>
+          <a:p>
+            <a:pPr algn="ctr"/>
+            <a:r>
+              <a:rPr kumimoji="1" lang="en-US" altLang="ko-Kore-KR" dirty="0">
+                <a:solidFill>
+                  <a:schemeClr val="tx1"/>
+                </a:solidFill>
+                <a:latin typeface="DM Mono" panose="020B0509040201040103" pitchFamily="49" charset="0"/>
+              </a:rPr>
+              <a:t>h</a:t>
+            </a:r>
+            <a:endParaRPr kumimoji="1" lang="ko-Kore-KR" altLang="en-US" dirty="0">
+              <a:solidFill>
+                <a:schemeClr val="tx1"/>
+              </a:solidFill>
+              <a:latin typeface="DM Mono" panose="020B0509040201040103" pitchFamily="49" charset="0"/>
+            </a:endParaRPr>
+          </a:p>
+        </p:txBody>
+      </p:sp>
+      <p:sp>
+        <p:nvSpPr>
+          <p:cNvPr id="41" name="직사각형 40">
+            <a:extLst>
+              <a:ext uri="{FF2B5EF4-FFF2-40B4-BE49-F238E27FC236}">
+                <a16:creationId xmlns:a16="http://schemas.microsoft.com/office/drawing/2014/main" id="{D94C9295-B2B8-9F31-CFDD-4B1EB53E389C}"/>
+              </a:ext>
+            </a:extLst>
+          </p:cNvPr>
+          <p:cNvSpPr/>
+          <p:nvPr/>
+        </p:nvSpPr>
+        <p:spPr>
+          <a:xfrm>
+            <a:off x="7619804" y="1225438"/>
+            <a:ext cx="397177" cy="447790"/>
+          </a:xfrm>
+          <a:prstGeom prst="rect">
+            <a:avLst/>
+          </a:prstGeom>
+          <a:solidFill>
+            <a:srgbClr val="FFFF00"/>
+          </a:solidFill>
+        </p:spPr>
+        <p:style>
+          <a:lnRef idx="2">
+            <a:schemeClr val="accent1">
+              <a:shade val="50000"/>
+            </a:schemeClr>
+          </a:lnRef>
+          <a:fillRef idx="1">
+            <a:schemeClr val="accent1"/>
+          </a:fillRef>
+          <a:effectRef idx="0">
+            <a:schemeClr val="accent1"/>
+          </a:effectRef>
+          <a:fontRef idx="minor">
+            <a:schemeClr val="lt1"/>
+          </a:fontRef>
+        </p:style>
+        <p:txBody>
+          <a:bodyPr rtlCol="0" anchor="ctr"/>
+          <a:lstStyle/>
+          <a:p>
+            <a:pPr algn="ctr"/>
+            <a:r>
+              <a:rPr kumimoji="1" lang="en-US" altLang="ko-Kore-KR" dirty="0">
+                <a:solidFill>
+                  <a:schemeClr val="tx1"/>
+                </a:solidFill>
+                <a:latin typeface="DM Mono" panose="020B0509040201040103" pitchFamily="49" charset="0"/>
+              </a:rPr>
+              <a:t>e</a:t>
+            </a:r>
+            <a:endParaRPr kumimoji="1" lang="ko-Kore-KR" altLang="en-US" dirty="0">
+              <a:solidFill>
+                <a:schemeClr val="tx1"/>
+              </a:solidFill>
+              <a:latin typeface="DM Mono" panose="020B0509040201040103" pitchFamily="49" charset="0"/>
+            </a:endParaRPr>
+          </a:p>
+        </p:txBody>
+      </p:sp>
+      <p:sp>
+        <p:nvSpPr>
+          <p:cNvPr id="42" name="직사각형 41">
+            <a:extLst>
+              <a:ext uri="{FF2B5EF4-FFF2-40B4-BE49-F238E27FC236}">
+                <a16:creationId xmlns:a16="http://schemas.microsoft.com/office/drawing/2014/main" id="{A666CA49-6502-67A5-7FA1-B1EB6927B345}"/>
+              </a:ext>
+            </a:extLst>
+          </p:cNvPr>
+          <p:cNvSpPr/>
+          <p:nvPr/>
+        </p:nvSpPr>
+        <p:spPr>
+          <a:xfrm>
+            <a:off x="8016981" y="1225438"/>
+            <a:ext cx="397177" cy="447790"/>
+          </a:xfrm>
+          <a:prstGeom prst="rect">
+            <a:avLst/>
+          </a:prstGeom>
+          <a:solidFill>
+            <a:srgbClr val="FFFF00"/>
+          </a:solidFill>
+        </p:spPr>
+        <p:style>
+          <a:lnRef idx="2">
+            <a:schemeClr val="accent1">
+              <a:shade val="50000"/>
+            </a:schemeClr>
+          </a:lnRef>
+          <a:fillRef idx="1">
+            <a:schemeClr val="accent1"/>
+          </a:fillRef>
+          <a:effectRef idx="0">
+            <a:schemeClr val="accent1"/>
+          </a:effectRef>
+          <a:fontRef idx="minor">
+            <a:schemeClr val="lt1"/>
+          </a:fontRef>
+        </p:style>
+        <p:txBody>
+          <a:bodyPr rtlCol="0" anchor="ctr"/>
+          <a:lstStyle/>
+          <a:p>
+            <a:pPr algn="ctr"/>
+            <a:r>
+              <a:rPr kumimoji="1" lang="en-US" altLang="ko-Kore-KR" dirty="0">
+                <a:solidFill>
+                  <a:schemeClr val="tx1"/>
+                </a:solidFill>
+                <a:latin typeface="DM Mono" panose="020B0509040201040103" pitchFamily="49" charset="0"/>
+              </a:rPr>
+              <a:t>l</a:t>
+            </a:r>
+            <a:endParaRPr kumimoji="1" lang="ko-Kore-KR" altLang="en-US" dirty="0">
+              <a:solidFill>
+                <a:schemeClr val="tx1"/>
+              </a:solidFill>
+              <a:latin typeface="DM Mono" panose="020B0509040201040103" pitchFamily="49" charset="0"/>
+            </a:endParaRPr>
+          </a:p>
+        </p:txBody>
+      </p:sp>
+      <p:sp>
+        <p:nvSpPr>
+          <p:cNvPr id="43" name="직사각형 42">
+            <a:extLst>
+              <a:ext uri="{FF2B5EF4-FFF2-40B4-BE49-F238E27FC236}">
+                <a16:creationId xmlns:a16="http://schemas.microsoft.com/office/drawing/2014/main" id="{562DEEB3-8710-73DE-984E-93C8E5F749A4}"/>
+              </a:ext>
+            </a:extLst>
+          </p:cNvPr>
+          <p:cNvSpPr/>
+          <p:nvPr/>
+        </p:nvSpPr>
+        <p:spPr>
+          <a:xfrm>
+            <a:off x="8414158" y="1225438"/>
+            <a:ext cx="397177" cy="447790"/>
+          </a:xfrm>
+          <a:prstGeom prst="rect">
+            <a:avLst/>
+          </a:prstGeom>
+          <a:solidFill>
+            <a:srgbClr val="FFFF00"/>
+          </a:solidFill>
+        </p:spPr>
+        <p:style>
+          <a:lnRef idx="2">
+            <a:schemeClr val="accent1">
+              <a:shade val="50000"/>
+            </a:schemeClr>
+          </a:lnRef>
+          <a:fillRef idx="1">
+            <a:schemeClr val="accent1"/>
+          </a:fillRef>
+          <a:effectRef idx="0">
+            <a:schemeClr val="accent1"/>
+          </a:effectRef>
+          <a:fontRef idx="minor">
+            <a:schemeClr val="lt1"/>
+          </a:fontRef>
+        </p:style>
+        <p:txBody>
+          <a:bodyPr rtlCol="0" anchor="ctr"/>
+          <a:lstStyle/>
+          <a:p>
+            <a:pPr algn="ctr"/>
+            <a:r>
+              <a:rPr kumimoji="1" lang="en-US" altLang="ko-Kore-KR" dirty="0">
+                <a:solidFill>
+                  <a:schemeClr val="tx1"/>
+                </a:solidFill>
+                <a:latin typeface="DM Mono" panose="020B0509040201040103" pitchFamily="49" charset="0"/>
+              </a:rPr>
+              <a:t>l</a:t>
+            </a:r>
+            <a:endParaRPr kumimoji="1" lang="ko-Kore-KR" altLang="en-US" dirty="0">
+              <a:solidFill>
+                <a:schemeClr val="tx1"/>
+              </a:solidFill>
+              <a:latin typeface="DM Mono" panose="020B0509040201040103" pitchFamily="49" charset="0"/>
+            </a:endParaRPr>
+          </a:p>
+        </p:txBody>
+      </p:sp>
+      <p:sp>
+        <p:nvSpPr>
+          <p:cNvPr id="44" name="직사각형 43">
+            <a:extLst>
+              <a:ext uri="{FF2B5EF4-FFF2-40B4-BE49-F238E27FC236}">
+                <a16:creationId xmlns:a16="http://schemas.microsoft.com/office/drawing/2014/main" id="{1DA2FE82-ED89-5C17-4BBE-D51E56CC56A0}"/>
+              </a:ext>
+            </a:extLst>
+          </p:cNvPr>
+          <p:cNvSpPr/>
+          <p:nvPr/>
+        </p:nvSpPr>
+        <p:spPr>
+          <a:xfrm>
+            <a:off x="8811335" y="1225438"/>
+            <a:ext cx="397177" cy="447790"/>
+          </a:xfrm>
+          <a:prstGeom prst="rect">
+            <a:avLst/>
+          </a:prstGeom>
+          <a:solidFill>
+            <a:srgbClr val="FFFF00"/>
+          </a:solidFill>
+        </p:spPr>
+        <p:style>
+          <a:lnRef idx="2">
+            <a:schemeClr val="accent1">
+              <a:shade val="50000"/>
+            </a:schemeClr>
+          </a:lnRef>
+          <a:fillRef idx="1">
+            <a:schemeClr val="accent1"/>
+          </a:fillRef>
+          <a:effectRef idx="0">
+            <a:schemeClr val="accent1"/>
+          </a:effectRef>
+          <a:fontRef idx="minor">
+            <a:schemeClr val="lt1"/>
+          </a:fontRef>
+        </p:style>
+        <p:txBody>
+          <a:bodyPr rtlCol="0" anchor="ctr"/>
+          <a:lstStyle/>
+          <a:p>
+            <a:pPr algn="ctr"/>
+            <a:r>
+              <a:rPr kumimoji="1" lang="en-US" altLang="ko-Kore-KR" dirty="0">
+                <a:solidFill>
+                  <a:schemeClr val="tx1"/>
+                </a:solidFill>
+                <a:latin typeface="DM Mono" panose="020B0509040201040103" pitchFamily="49" charset="0"/>
+              </a:rPr>
+              <a:t>o</a:t>
+            </a:r>
+            <a:endParaRPr kumimoji="1" lang="ko-Kore-KR" altLang="en-US" dirty="0">
+              <a:solidFill>
+                <a:schemeClr val="tx1"/>
+              </a:solidFill>
+              <a:latin typeface="DM Mono" panose="020B0509040201040103" pitchFamily="49" charset="0"/>
+            </a:endParaRPr>
+          </a:p>
+        </p:txBody>
+      </p:sp>
+      <p:sp>
+        <p:nvSpPr>
+          <p:cNvPr id="45" name="직사각형 44">
+            <a:extLst>
+              <a:ext uri="{FF2B5EF4-FFF2-40B4-BE49-F238E27FC236}">
+                <a16:creationId xmlns:a16="http://schemas.microsoft.com/office/drawing/2014/main" id="{B62100C8-4D87-37C1-D77B-42C204F2C56A}"/>
+              </a:ext>
+            </a:extLst>
+          </p:cNvPr>
+          <p:cNvSpPr/>
+          <p:nvPr/>
+        </p:nvSpPr>
+        <p:spPr>
+          <a:xfrm>
+            <a:off x="9208512" y="1225438"/>
+            <a:ext cx="397177" cy="447790"/>
+          </a:xfrm>
+          <a:prstGeom prst="rect">
+            <a:avLst/>
+          </a:prstGeom>
+          <a:solidFill>
+            <a:srgbClr val="FFFF00"/>
+          </a:solidFill>
+        </p:spPr>
+        <p:style>
+          <a:lnRef idx="2">
+            <a:schemeClr val="accent1">
+              <a:shade val="50000"/>
+            </a:schemeClr>
+          </a:lnRef>
+          <a:fillRef idx="1">
+            <a:schemeClr val="accent1"/>
+          </a:fillRef>
+          <a:effectRef idx="0">
+            <a:schemeClr val="accent1"/>
+          </a:effectRef>
+          <a:fontRef idx="minor">
+            <a:schemeClr val="lt1"/>
+          </a:fontRef>
+        </p:style>
+        <p:txBody>
+          <a:bodyPr rtlCol="0" anchor="ctr"/>
+          <a:lstStyle/>
+          <a:p>
+            <a:pPr algn="ctr"/>
+            <a:endParaRPr kumimoji="1" lang="ko-Kore-KR" altLang="en-US" dirty="0">
+              <a:solidFill>
+                <a:schemeClr val="tx1"/>
+              </a:solidFill>
+              <a:latin typeface="DM Mono" panose="020B0509040201040103" pitchFamily="49" charset="0"/>
+            </a:endParaRPr>
+          </a:p>
+        </p:txBody>
+      </p:sp>
+      <p:sp>
+        <p:nvSpPr>
+          <p:cNvPr id="46" name="직사각형 45">
+            <a:extLst>
+              <a:ext uri="{FF2B5EF4-FFF2-40B4-BE49-F238E27FC236}">
+                <a16:creationId xmlns:a16="http://schemas.microsoft.com/office/drawing/2014/main" id="{6B0590A0-F8F3-8F45-41CE-EB57781DE4CD}"/>
+              </a:ext>
+            </a:extLst>
+          </p:cNvPr>
+          <p:cNvSpPr/>
+          <p:nvPr/>
+        </p:nvSpPr>
+        <p:spPr>
+          <a:xfrm>
+            <a:off x="9570972" y="1225438"/>
+            <a:ext cx="397177" cy="447790"/>
+          </a:xfrm>
+          <a:prstGeom prst="rect">
+            <a:avLst/>
+          </a:prstGeom>
+          <a:solidFill>
+            <a:srgbClr val="FFFF00"/>
+          </a:solidFill>
+        </p:spPr>
+        <p:style>
+          <a:lnRef idx="2">
+            <a:schemeClr val="accent1">
+              <a:shade val="50000"/>
+            </a:schemeClr>
+          </a:lnRef>
+          <a:fillRef idx="1">
+            <a:schemeClr val="accent1"/>
+          </a:fillRef>
+          <a:effectRef idx="0">
+            <a:schemeClr val="accent1"/>
+          </a:effectRef>
+          <a:fontRef idx="minor">
+            <a:schemeClr val="lt1"/>
+          </a:fontRef>
+        </p:style>
+        <p:txBody>
+          <a:bodyPr rtlCol="0" anchor="ctr"/>
+          <a:lstStyle/>
+          <a:p>
+            <a:pPr algn="ctr"/>
+            <a:r>
+              <a:rPr kumimoji="1" lang="en-US" altLang="ko-Kore-KR" dirty="0">
+                <a:solidFill>
+                  <a:schemeClr val="tx1"/>
+                </a:solidFill>
+                <a:latin typeface="DM Mono" panose="020B0509040201040103" pitchFamily="49" charset="0"/>
+              </a:rPr>
+              <a:t>h</a:t>
+            </a:r>
+            <a:endParaRPr kumimoji="1" lang="ko-Kore-KR" altLang="en-US" dirty="0">
+              <a:solidFill>
+                <a:schemeClr val="tx1"/>
+              </a:solidFill>
+              <a:latin typeface="DM Mono" panose="020B0509040201040103" pitchFamily="49" charset="0"/>
+            </a:endParaRPr>
+          </a:p>
+        </p:txBody>
+      </p:sp>
+      <p:sp>
+        <p:nvSpPr>
+          <p:cNvPr id="47" name="직사각형 46">
+            <a:extLst>
+              <a:ext uri="{FF2B5EF4-FFF2-40B4-BE49-F238E27FC236}">
+                <a16:creationId xmlns:a16="http://schemas.microsoft.com/office/drawing/2014/main" id="{8FA2C306-CA76-A9F5-DF05-E720A7C68482}"/>
+              </a:ext>
+            </a:extLst>
+          </p:cNvPr>
+          <p:cNvSpPr/>
+          <p:nvPr/>
+        </p:nvSpPr>
+        <p:spPr>
+          <a:xfrm>
+            <a:off x="9968149" y="1225438"/>
+            <a:ext cx="397177" cy="447790"/>
+          </a:xfrm>
+          <a:prstGeom prst="rect">
+            <a:avLst/>
+          </a:prstGeom>
+          <a:solidFill>
+            <a:srgbClr val="FFFF00"/>
+          </a:solidFill>
+        </p:spPr>
+        <p:style>
+          <a:lnRef idx="2">
+            <a:schemeClr val="accent1">
+              <a:shade val="50000"/>
+            </a:schemeClr>
+          </a:lnRef>
+          <a:fillRef idx="1">
+            <a:schemeClr val="accent1"/>
+          </a:fillRef>
+          <a:effectRef idx="0">
+            <a:schemeClr val="accent1"/>
+          </a:effectRef>
+          <a:fontRef idx="minor">
+            <a:schemeClr val="lt1"/>
+          </a:fontRef>
+        </p:style>
+        <p:txBody>
+          <a:bodyPr rtlCol="0" anchor="ctr"/>
+          <a:lstStyle/>
+          <a:p>
+            <a:pPr algn="ctr"/>
+            <a:r>
+              <a:rPr kumimoji="1" lang="en-US" altLang="ko-Kore-KR" dirty="0">
+                <a:solidFill>
+                  <a:schemeClr val="tx1"/>
+                </a:solidFill>
+                <a:latin typeface="DM Mono" panose="020B0509040201040103" pitchFamily="49" charset="0"/>
+              </a:rPr>
+              <a:t>e</a:t>
+            </a:r>
+            <a:endParaRPr kumimoji="1" lang="ko-Kore-KR" altLang="en-US" dirty="0">
+              <a:solidFill>
+                <a:schemeClr val="tx1"/>
+              </a:solidFill>
+              <a:latin typeface="DM Mono" panose="020B0509040201040103" pitchFamily="49" charset="0"/>
+            </a:endParaRPr>
+          </a:p>
+        </p:txBody>
+      </p:sp>
+      <p:sp>
+        <p:nvSpPr>
+          <p:cNvPr id="48" name="직사각형 47">
+            <a:extLst>
+              <a:ext uri="{FF2B5EF4-FFF2-40B4-BE49-F238E27FC236}">
+                <a16:creationId xmlns:a16="http://schemas.microsoft.com/office/drawing/2014/main" id="{407CF929-702F-ABCA-111F-AEE2DA61FC25}"/>
+              </a:ext>
+            </a:extLst>
+          </p:cNvPr>
+          <p:cNvSpPr/>
+          <p:nvPr/>
+        </p:nvSpPr>
+        <p:spPr>
+          <a:xfrm>
+            <a:off x="10365326" y="1225438"/>
+            <a:ext cx="397177" cy="447790"/>
+          </a:xfrm>
+          <a:prstGeom prst="rect">
+            <a:avLst/>
+          </a:prstGeom>
+          <a:solidFill>
+            <a:srgbClr val="FFFF00"/>
+          </a:solidFill>
+        </p:spPr>
+        <p:style>
+          <a:lnRef idx="2">
+            <a:schemeClr val="accent1">
+              <a:shade val="50000"/>
+            </a:schemeClr>
+          </a:lnRef>
+          <a:fillRef idx="1">
+            <a:schemeClr val="accent1"/>
+          </a:fillRef>
+          <a:effectRef idx="0">
+            <a:schemeClr val="accent1"/>
+          </a:effectRef>
+          <a:fontRef idx="minor">
+            <a:schemeClr val="lt1"/>
+          </a:fontRef>
+        </p:style>
+        <p:txBody>
+          <a:bodyPr rtlCol="0" anchor="ctr"/>
+          <a:lstStyle/>
+          <a:p>
+            <a:pPr algn="ctr"/>
+            <a:r>
+              <a:rPr kumimoji="1" lang="en-US" altLang="ko-Kore-KR" dirty="0">
+                <a:solidFill>
+                  <a:schemeClr val="tx1"/>
+                </a:solidFill>
+                <a:latin typeface="DM Mono" panose="020B0509040201040103" pitchFamily="49" charset="0"/>
+              </a:rPr>
+              <a:t>l</a:t>
+            </a:r>
+            <a:endParaRPr kumimoji="1" lang="ko-Kore-KR" altLang="en-US" dirty="0">
+              <a:solidFill>
+                <a:schemeClr val="tx1"/>
+              </a:solidFill>
+              <a:latin typeface="DM Mono" panose="020B0509040201040103" pitchFamily="49" charset="0"/>
+            </a:endParaRPr>
+          </a:p>
+        </p:txBody>
+      </p:sp>
+      <p:sp>
+        <p:nvSpPr>
+          <p:cNvPr id="49" name="직사각형 48">
+            <a:extLst>
+              <a:ext uri="{FF2B5EF4-FFF2-40B4-BE49-F238E27FC236}">
+                <a16:creationId xmlns:a16="http://schemas.microsoft.com/office/drawing/2014/main" id="{7BC0BA13-2897-96C8-FCB2-647DE8FC04A4}"/>
+              </a:ext>
+            </a:extLst>
+          </p:cNvPr>
+          <p:cNvSpPr/>
+          <p:nvPr/>
+        </p:nvSpPr>
+        <p:spPr>
+          <a:xfrm>
+            <a:off x="10762503" y="1225438"/>
+            <a:ext cx="397177" cy="447790"/>
+          </a:xfrm>
+          <a:prstGeom prst="rect">
+            <a:avLst/>
+          </a:prstGeom>
+          <a:solidFill>
+            <a:srgbClr val="FFFF00"/>
+          </a:solidFill>
+        </p:spPr>
+        <p:style>
+          <a:lnRef idx="2">
+            <a:schemeClr val="accent1">
+              <a:shade val="50000"/>
+            </a:schemeClr>
+          </a:lnRef>
+          <a:fillRef idx="1">
+            <a:schemeClr val="accent1"/>
+          </a:fillRef>
+          <a:effectRef idx="0">
+            <a:schemeClr val="accent1"/>
+          </a:effectRef>
+          <a:fontRef idx="minor">
+            <a:schemeClr val="lt1"/>
+          </a:fontRef>
+        </p:style>
+        <p:txBody>
+          <a:bodyPr rtlCol="0" anchor="ctr"/>
+          <a:lstStyle/>
+          <a:p>
+            <a:pPr algn="ctr"/>
+            <a:r>
+              <a:rPr kumimoji="1" lang="en-US" altLang="ko-Kore-KR" dirty="0">
+                <a:solidFill>
+                  <a:schemeClr val="tx1"/>
+                </a:solidFill>
+                <a:latin typeface="DM Mono" panose="020B0509040201040103" pitchFamily="49" charset="0"/>
+              </a:rPr>
+              <a:t>l</a:t>
+            </a:r>
+            <a:endParaRPr kumimoji="1" lang="ko-Kore-KR" altLang="en-US" dirty="0">
+              <a:solidFill>
+                <a:schemeClr val="tx1"/>
+              </a:solidFill>
+              <a:latin typeface="DM Mono" panose="020B0509040201040103" pitchFamily="49" charset="0"/>
+            </a:endParaRPr>
+          </a:p>
+        </p:txBody>
+      </p:sp>
+      <p:sp>
+        <p:nvSpPr>
+          <p:cNvPr id="50" name="직사각형 49">
+            <a:extLst>
+              <a:ext uri="{FF2B5EF4-FFF2-40B4-BE49-F238E27FC236}">
+                <a16:creationId xmlns:a16="http://schemas.microsoft.com/office/drawing/2014/main" id="{04CCC988-30E3-1899-BEFD-34EE61DFFBDA}"/>
+              </a:ext>
+            </a:extLst>
+          </p:cNvPr>
+          <p:cNvSpPr/>
+          <p:nvPr/>
+        </p:nvSpPr>
+        <p:spPr>
+          <a:xfrm>
+            <a:off x="11159680" y="1225438"/>
+            <a:ext cx="397177" cy="447790"/>
+          </a:xfrm>
+          <a:prstGeom prst="rect">
+            <a:avLst/>
+          </a:prstGeom>
+          <a:solidFill>
+            <a:srgbClr val="FFFF00"/>
+          </a:solidFill>
+        </p:spPr>
+        <p:style>
+          <a:lnRef idx="2">
+            <a:schemeClr val="accent1">
+              <a:shade val="50000"/>
+            </a:schemeClr>
+          </a:lnRef>
+          <a:fillRef idx="1">
+            <a:schemeClr val="accent1"/>
+          </a:fillRef>
+          <a:effectRef idx="0">
+            <a:schemeClr val="accent1"/>
+          </a:effectRef>
+          <a:fontRef idx="minor">
+            <a:schemeClr val="lt1"/>
+          </a:fontRef>
+        </p:style>
+        <p:txBody>
+          <a:bodyPr rtlCol="0" anchor="ctr"/>
+          <a:lstStyle/>
+          <a:p>
+            <a:pPr algn="ctr"/>
+            <a:r>
+              <a:rPr kumimoji="1" lang="en-US" altLang="ko-Kore-KR" dirty="0">
+                <a:solidFill>
+                  <a:schemeClr val="tx1"/>
+                </a:solidFill>
+                <a:latin typeface="DM Mono" panose="020B0509040201040103" pitchFamily="49" charset="0"/>
+              </a:rPr>
+              <a:t>o</a:t>
+            </a:r>
+            <a:endParaRPr kumimoji="1" lang="ko-Kore-KR" altLang="en-US" dirty="0">
+              <a:solidFill>
+                <a:schemeClr val="tx1"/>
+              </a:solidFill>
+              <a:latin typeface="DM Mono" panose="020B0509040201040103" pitchFamily="49" charset="0"/>
+            </a:endParaRPr>
+          </a:p>
+        </p:txBody>
+      </p:sp>
+      <p:sp>
+        <p:nvSpPr>
+          <p:cNvPr id="5" name="TextBox 4">
+            <a:extLst>
+              <a:ext uri="{FF2B5EF4-FFF2-40B4-BE49-F238E27FC236}">
+                <a16:creationId xmlns:a16="http://schemas.microsoft.com/office/drawing/2014/main" id="{96FC3825-C611-2378-83B6-48EA7287F7E6}"/>
+              </a:ext>
+            </a:extLst>
+          </p:cNvPr>
+          <p:cNvSpPr txBox="1"/>
+          <p:nvPr/>
+        </p:nvSpPr>
+        <p:spPr>
+          <a:xfrm>
+            <a:off x="4033391" y="3424319"/>
+            <a:ext cx="1039479" cy="369332"/>
+          </a:xfrm>
+          <a:prstGeom prst="rect">
+            <a:avLst/>
+          </a:prstGeom>
+          <a:noFill/>
+        </p:spPr>
+        <p:txBody>
+          <a:bodyPr wrap="square">
+            <a:spAutoFit/>
+          </a:bodyPr>
+          <a:lstStyle/>
+          <a:p>
+            <a:r>
+              <a:rPr lang="en" altLang="ko-Kore-KR" sz="1800" dirty="0" err="1">
+                <a:latin typeface="DM Mono" panose="020B0509040201040103" pitchFamily="49" charset="0"/>
+              </a:rPr>
+              <a:t>strtok</a:t>
+            </a:r>
+            <a:endParaRPr lang="ko-Kore-KR" altLang="en-US" dirty="0"/>
+          </a:p>
+        </p:txBody>
+      </p:sp>
+      <p:sp>
+        <p:nvSpPr>
+          <p:cNvPr id="6" name="직사각형 5">
+            <a:extLst>
+              <a:ext uri="{FF2B5EF4-FFF2-40B4-BE49-F238E27FC236}">
+                <a16:creationId xmlns:a16="http://schemas.microsoft.com/office/drawing/2014/main" id="{91F8AE22-511E-494F-D878-285B8F9B6007}"/>
+              </a:ext>
+            </a:extLst>
+          </p:cNvPr>
+          <p:cNvSpPr/>
+          <p:nvPr/>
+        </p:nvSpPr>
+        <p:spPr>
+          <a:xfrm>
+            <a:off x="4086760" y="3887097"/>
+            <a:ext cx="5350539" cy="1843908"/>
+          </a:xfrm>
+          <a:prstGeom prst="rect">
+            <a:avLst/>
+          </a:prstGeom>
+        </p:spPr>
+        <p:style>
+          <a:lnRef idx="2">
+            <a:schemeClr val="dk1"/>
+          </a:lnRef>
+          <a:fillRef idx="1">
+            <a:schemeClr val="lt1"/>
+          </a:fillRef>
+          <a:effectRef idx="0">
+            <a:schemeClr val="dk1"/>
+          </a:effectRef>
+          <a:fontRef idx="minor">
+            <a:schemeClr val="dk1"/>
+          </a:fontRef>
+        </p:style>
+        <p:txBody>
+          <a:bodyPr rtlCol="0" anchor="ctr"/>
+          <a:lstStyle/>
+          <a:p>
+            <a:pPr algn="ctr"/>
+            <a:endParaRPr kumimoji="1" lang="ko-Kore-KR" altLang="en-US" dirty="0">
+              <a:solidFill>
+                <a:schemeClr val="tx1"/>
+              </a:solidFill>
+            </a:endParaRPr>
+          </a:p>
+        </p:txBody>
+      </p:sp>
+      <p:sp>
+        <p:nvSpPr>
+          <p:cNvPr id="16" name="직사각형 15">
+            <a:extLst>
+              <a:ext uri="{FF2B5EF4-FFF2-40B4-BE49-F238E27FC236}">
+                <a16:creationId xmlns:a16="http://schemas.microsoft.com/office/drawing/2014/main" id="{EBAD68AF-1BB6-3C95-3642-1A627C303A04}"/>
+              </a:ext>
+            </a:extLst>
+          </p:cNvPr>
+          <p:cNvSpPr/>
+          <p:nvPr/>
+        </p:nvSpPr>
+        <p:spPr>
+          <a:xfrm>
+            <a:off x="3142796" y="4017521"/>
+            <a:ext cx="397177" cy="447790"/>
+          </a:xfrm>
+          <a:prstGeom prst="rect">
+            <a:avLst/>
+          </a:prstGeom>
+          <a:solidFill>
+            <a:srgbClr val="FFFF00"/>
+          </a:solidFill>
+        </p:spPr>
+        <p:style>
+          <a:lnRef idx="2">
+            <a:schemeClr val="accent1">
+              <a:shade val="50000"/>
+            </a:schemeClr>
+          </a:lnRef>
+          <a:fillRef idx="1">
+            <a:schemeClr val="accent1"/>
+          </a:fillRef>
+          <a:effectRef idx="0">
+            <a:schemeClr val="accent1"/>
+          </a:effectRef>
+          <a:fontRef idx="minor">
+            <a:schemeClr val="lt1"/>
+          </a:fontRef>
+        </p:style>
+        <p:txBody>
+          <a:bodyPr rtlCol="0" anchor="ctr"/>
+          <a:lstStyle/>
+          <a:p>
+            <a:pPr algn="ctr"/>
+            <a:endParaRPr kumimoji="1" lang="ko-Kore-KR" altLang="en-US" dirty="0">
+              <a:solidFill>
+                <a:schemeClr val="tx1"/>
+              </a:solidFill>
+              <a:latin typeface="DM Mono" panose="020B0509040201040103" pitchFamily="49" charset="0"/>
+            </a:endParaRPr>
+          </a:p>
+        </p:txBody>
+      </p:sp>
+      <p:sp>
+        <p:nvSpPr>
+          <p:cNvPr id="18" name="TextBox 17">
+            <a:extLst>
+              <a:ext uri="{FF2B5EF4-FFF2-40B4-BE49-F238E27FC236}">
+                <a16:creationId xmlns:a16="http://schemas.microsoft.com/office/drawing/2014/main" id="{9E5A6366-51CC-7B04-1DC8-DAB3CF0A8245}"/>
+              </a:ext>
+            </a:extLst>
+          </p:cNvPr>
+          <p:cNvSpPr txBox="1"/>
+          <p:nvPr/>
+        </p:nvSpPr>
+        <p:spPr>
+          <a:xfrm>
+            <a:off x="2830004" y="4056750"/>
+            <a:ext cx="360153" cy="369332"/>
+          </a:xfrm>
+          <a:prstGeom prst="rect">
+            <a:avLst/>
+          </a:prstGeom>
+          <a:noFill/>
+        </p:spPr>
+        <p:txBody>
+          <a:bodyPr wrap="square">
+            <a:spAutoFit/>
+          </a:bodyPr>
+          <a:lstStyle/>
+          <a:p>
+            <a:r>
+              <a:rPr lang="en" altLang="ko-Kore-KR" sz="1800" dirty="0">
+                <a:latin typeface="DM Mono" panose="020B0509040201040103" pitchFamily="49" charset="0"/>
+              </a:rPr>
+              <a:t>s</a:t>
+            </a:r>
+            <a:endParaRPr lang="ko-Kore-KR" altLang="en-US" dirty="0"/>
+          </a:p>
+        </p:txBody>
+      </p:sp>
+      <p:cxnSp>
+        <p:nvCxnSpPr>
+          <p:cNvPr id="20" name="구부러진 연결선[U] 19">
+            <a:extLst>
+              <a:ext uri="{FF2B5EF4-FFF2-40B4-BE49-F238E27FC236}">
+                <a16:creationId xmlns:a16="http://schemas.microsoft.com/office/drawing/2014/main" id="{78E837BD-3382-3027-5BD2-552E760E5B1A}"/>
+              </a:ext>
+            </a:extLst>
+          </p:cNvPr>
+          <p:cNvCxnSpPr>
+            <a:stCxn id="16" idx="3"/>
+            <a:endCxn id="40" idx="2"/>
+          </p:cNvCxnSpPr>
+          <p:nvPr/>
+        </p:nvCxnSpPr>
+        <p:spPr>
+          <a:xfrm flipV="1">
+            <a:off x="3539973" y="1673228"/>
+            <a:ext cx="3881243" cy="2568188"/>
+          </a:xfrm>
+          <a:prstGeom prst="curvedConnector2">
+            <a:avLst/>
+          </a:prstGeom>
+          <a:ln>
+            <a:tailEnd type="triangle"/>
+          </a:ln>
+        </p:spPr>
+        <p:style>
+          <a:lnRef idx="1">
+            <a:schemeClr val="dk1"/>
+          </a:lnRef>
+          <a:fillRef idx="0">
+            <a:schemeClr val="dk1"/>
+          </a:fillRef>
+          <a:effectRef idx="0">
+            <a:schemeClr val="dk1"/>
+          </a:effectRef>
+          <a:fontRef idx="minor">
+            <a:schemeClr val="tx1"/>
+          </a:fontRef>
+        </p:style>
+      </p:cxnSp>
+    </p:spTree>
+    <p:extLst>
+      <p:ext uri="{BB962C8B-B14F-4D97-AF65-F5344CB8AC3E}">
+        <p14:creationId xmlns:p14="http://schemas.microsoft.com/office/powerpoint/2010/main" val="3574164005"/>
+      </p:ext>
+    </p:extLst>
+  </p:cSld>
+  <p:clrMapOvr>
+    <a:masterClrMapping/>
+  </p:clrMapOvr>
+</p:sld>
+</file>
+
+<file path=ppt/slides/slide43.xml><?xml version="1.0" encoding="utf-8"?>
+<p:sld xmlns:a="http://schemas.openxmlformats.org/drawingml/2006/main" xmlns:r="http://schemas.openxmlformats.org/officeDocument/2006/relationships" xmlns:p="http://schemas.openxmlformats.org/presentationml/2006/main">
+  <p:cSld>
+    <p:spTree>
+      <p:nvGrpSpPr>
+        <p:cNvPr id="1" name=""/>
+        <p:cNvGrpSpPr/>
+        <p:nvPr/>
+      </p:nvGrpSpPr>
+      <p:grpSpPr>
+        <a:xfrm>
+          <a:off x="0" y="0"/>
+          <a:ext cx="0" cy="0"/>
+          <a:chOff x="0" y="0"/>
+          <a:chExt cx="0" cy="0"/>
+        </a:xfrm>
+      </p:grpSpPr>
+      <p:sp>
+        <p:nvSpPr>
+          <p:cNvPr id="7" name="TextBox 6">
+            <a:extLst>
+              <a:ext uri="{FF2B5EF4-FFF2-40B4-BE49-F238E27FC236}">
+                <a16:creationId xmlns:a16="http://schemas.microsoft.com/office/drawing/2014/main" id="{1982B580-58A9-68BD-E189-62934F84BB4E}"/>
+              </a:ext>
+            </a:extLst>
+          </p:cNvPr>
+          <p:cNvSpPr txBox="1"/>
+          <p:nvPr/>
+        </p:nvSpPr>
+        <p:spPr>
+          <a:xfrm>
+            <a:off x="217817" y="284998"/>
+            <a:ext cx="3689949" cy="3323987"/>
+          </a:xfrm>
+          <a:prstGeom prst="rect">
+            <a:avLst/>
+          </a:prstGeom>
+          <a:noFill/>
+        </p:spPr>
+        <p:txBody>
+          <a:bodyPr wrap="square">
+            <a:spAutoFit/>
+          </a:bodyPr>
+          <a:lstStyle/>
+          <a:p>
+            <a:r>
+              <a:rPr lang="en" altLang="ko-Kore-KR" sz="1400" dirty="0">
+                <a:latin typeface="DM Mono" panose="020B0509040201040103" pitchFamily="49" charset="0"/>
+              </a:rPr>
+              <a:t>  char str[64] = ”hello hello hello";</a:t>
+            </a:r>
+          </a:p>
+          <a:p>
+            <a:endParaRPr lang="en" altLang="ko-Kore-KR" sz="1400" dirty="0">
+              <a:latin typeface="DM Mono" panose="020B0509040201040103" pitchFamily="49" charset="0"/>
+            </a:endParaRPr>
+          </a:p>
+          <a:p>
+            <a:r>
+              <a:rPr lang="en" altLang="ko-Kore-KR" sz="1400" dirty="0">
+                <a:latin typeface="DM Mono" panose="020B0509040201040103" pitchFamily="49" charset="0"/>
+              </a:rPr>
+              <a:t>  char *p = </a:t>
+            </a:r>
+            <a:r>
+              <a:rPr lang="en" altLang="ko-Kore-KR" sz="1400" dirty="0" err="1">
+                <a:latin typeface="DM Mono" panose="020B0509040201040103" pitchFamily="49" charset="0"/>
+              </a:rPr>
+              <a:t>strtok</a:t>
+            </a:r>
+            <a:r>
+              <a:rPr lang="en" altLang="ko-Kore-KR" sz="1400" dirty="0">
+                <a:latin typeface="DM Mono" panose="020B0509040201040103" pitchFamily="49" charset="0"/>
+              </a:rPr>
+              <a:t>(str, " ");</a:t>
+            </a:r>
+          </a:p>
+          <a:p>
+            <a:r>
+              <a:rPr lang="en" altLang="ko-Kore-KR" sz="1400" dirty="0">
+                <a:latin typeface="DM Mono" panose="020B0509040201040103" pitchFamily="49" charset="0"/>
+              </a:rPr>
+              <a:t>  </a:t>
+            </a:r>
+            <a:r>
+              <a:rPr lang="en" altLang="ko-Kore-KR" sz="1400" dirty="0" err="1">
+                <a:latin typeface="DM Mono" panose="020B0509040201040103" pitchFamily="49" charset="0"/>
+              </a:rPr>
+              <a:t>printf</a:t>
+            </a:r>
+            <a:r>
+              <a:rPr lang="en" altLang="ko-Kore-KR" sz="1400" dirty="0">
+                <a:latin typeface="DM Mono" panose="020B0509040201040103" pitchFamily="49" charset="0"/>
+              </a:rPr>
+              <a:t>("%s\n", p);</a:t>
+            </a:r>
+          </a:p>
+          <a:p>
+            <a:endParaRPr lang="en" altLang="ko-Kore-KR" sz="1400" dirty="0">
+              <a:latin typeface="DM Mono" panose="020B0509040201040103" pitchFamily="49" charset="0"/>
+            </a:endParaRPr>
+          </a:p>
+          <a:p>
+            <a:r>
+              <a:rPr lang="en" altLang="ko-Kore-KR" sz="1400" dirty="0">
+                <a:solidFill>
+                  <a:srgbClr val="FF0000"/>
+                </a:solidFill>
+                <a:latin typeface="DM Mono" panose="020B0509040201040103" pitchFamily="49" charset="0"/>
+              </a:rPr>
+              <a:t>  p = </a:t>
+            </a:r>
+            <a:r>
+              <a:rPr lang="en" altLang="ko-Kore-KR" sz="1400" dirty="0" err="1">
+                <a:solidFill>
+                  <a:srgbClr val="FF0000"/>
+                </a:solidFill>
+                <a:latin typeface="DM Mono" panose="020B0509040201040103" pitchFamily="49" charset="0"/>
+              </a:rPr>
+              <a:t>strtok</a:t>
+            </a:r>
+            <a:r>
+              <a:rPr lang="en" altLang="ko-Kore-KR" sz="1400" dirty="0">
+                <a:solidFill>
+                  <a:srgbClr val="FF0000"/>
+                </a:solidFill>
+                <a:latin typeface="DM Mono" panose="020B0509040201040103" pitchFamily="49" charset="0"/>
+              </a:rPr>
+              <a:t>(NULL, " ");</a:t>
+            </a:r>
+          </a:p>
+          <a:p>
+            <a:r>
+              <a:rPr lang="en" altLang="ko-Kore-KR" sz="1400" dirty="0">
+                <a:latin typeface="DM Mono" panose="020B0509040201040103" pitchFamily="49" charset="0"/>
+              </a:rPr>
+              <a:t>  </a:t>
+            </a:r>
+            <a:r>
+              <a:rPr lang="en" altLang="ko-Kore-KR" sz="1400" dirty="0" err="1">
+                <a:latin typeface="DM Mono" panose="020B0509040201040103" pitchFamily="49" charset="0"/>
+              </a:rPr>
+              <a:t>printf</a:t>
+            </a:r>
+            <a:r>
+              <a:rPr lang="en" altLang="ko-Kore-KR" sz="1400" dirty="0">
+                <a:latin typeface="DM Mono" panose="020B0509040201040103" pitchFamily="49" charset="0"/>
+              </a:rPr>
+              <a:t>("%s\n", p);</a:t>
+            </a:r>
+          </a:p>
+          <a:p>
+            <a:endParaRPr lang="en" altLang="ko-Kore-KR" sz="1400" dirty="0">
+              <a:latin typeface="DM Mono" panose="020B0509040201040103" pitchFamily="49" charset="0"/>
+            </a:endParaRPr>
+          </a:p>
+          <a:p>
+            <a:r>
+              <a:rPr lang="en" altLang="ko-Kore-KR" sz="1400" dirty="0">
+                <a:latin typeface="DM Mono" panose="020B0509040201040103" pitchFamily="49" charset="0"/>
+              </a:rPr>
+              <a:t>  p = </a:t>
+            </a:r>
+            <a:r>
+              <a:rPr lang="en" altLang="ko-Kore-KR" sz="1400" dirty="0" err="1">
+                <a:latin typeface="DM Mono" panose="020B0509040201040103" pitchFamily="49" charset="0"/>
+              </a:rPr>
+              <a:t>strtok</a:t>
+            </a:r>
+            <a:r>
+              <a:rPr lang="en" altLang="ko-Kore-KR" sz="1400" dirty="0">
+                <a:latin typeface="DM Mono" panose="020B0509040201040103" pitchFamily="49" charset="0"/>
+              </a:rPr>
+              <a:t>(NULL, " ");</a:t>
+            </a:r>
+          </a:p>
+          <a:p>
+            <a:r>
+              <a:rPr lang="en" altLang="ko-Kore-KR" sz="1400" dirty="0">
+                <a:latin typeface="DM Mono" panose="020B0509040201040103" pitchFamily="49" charset="0"/>
+              </a:rPr>
+              <a:t>  </a:t>
+            </a:r>
+            <a:r>
+              <a:rPr lang="en" altLang="ko-Kore-KR" sz="1400" dirty="0" err="1">
+                <a:latin typeface="DM Mono" panose="020B0509040201040103" pitchFamily="49" charset="0"/>
+              </a:rPr>
+              <a:t>printf</a:t>
+            </a:r>
+            <a:r>
+              <a:rPr lang="en" altLang="ko-Kore-KR" sz="1400" dirty="0">
+                <a:latin typeface="DM Mono" panose="020B0509040201040103" pitchFamily="49" charset="0"/>
+              </a:rPr>
+              <a:t>("%s\n", p);</a:t>
+            </a:r>
+          </a:p>
+          <a:p>
+            <a:endParaRPr lang="en" altLang="ko-Kore-KR" sz="1400" dirty="0">
+              <a:latin typeface="DM Mono" panose="020B0509040201040103" pitchFamily="49" charset="0"/>
+            </a:endParaRPr>
+          </a:p>
+          <a:p>
+            <a:r>
+              <a:rPr lang="en" altLang="ko-Kore-KR" sz="1400" dirty="0">
+                <a:latin typeface="DM Mono" panose="020B0509040201040103" pitchFamily="49" charset="0"/>
+              </a:rPr>
+              <a:t>  p = </a:t>
+            </a:r>
+            <a:r>
+              <a:rPr lang="en" altLang="ko-Kore-KR" sz="1400" dirty="0" err="1">
+                <a:latin typeface="DM Mono" panose="020B0509040201040103" pitchFamily="49" charset="0"/>
+              </a:rPr>
+              <a:t>strtok</a:t>
+            </a:r>
+            <a:r>
+              <a:rPr lang="en" altLang="ko-Kore-KR" sz="1400" dirty="0">
+                <a:latin typeface="DM Mono" panose="020B0509040201040103" pitchFamily="49" charset="0"/>
+              </a:rPr>
+              <a:t>(NULL, " ");</a:t>
+            </a:r>
+          </a:p>
+          <a:p>
+            <a:r>
+              <a:rPr lang="en" altLang="ko-Kore-KR" sz="1400" dirty="0">
+                <a:latin typeface="DM Mono" panose="020B0509040201040103" pitchFamily="49" charset="0"/>
+              </a:rPr>
+              <a:t>  </a:t>
+            </a:r>
+            <a:r>
+              <a:rPr lang="en" altLang="ko-Kore-KR" sz="1400" dirty="0" err="1">
+                <a:latin typeface="DM Mono" panose="020B0509040201040103" pitchFamily="49" charset="0"/>
+              </a:rPr>
+              <a:t>printf</a:t>
+            </a:r>
+            <a:r>
+              <a:rPr lang="en" altLang="ko-Kore-KR" sz="1400" dirty="0">
+                <a:latin typeface="DM Mono" panose="020B0509040201040103" pitchFamily="49" charset="0"/>
+              </a:rPr>
+              <a:t>("%s\n", p);</a:t>
+            </a:r>
+          </a:p>
+          <a:p>
+            <a:endParaRPr lang="ko-Kore-KR" altLang="en-US" sz="1400" dirty="0">
+              <a:latin typeface="DM Mono" panose="020B0509040201040103" pitchFamily="49" charset="0"/>
+            </a:endParaRPr>
+          </a:p>
+        </p:txBody>
+      </p:sp>
+      <p:sp>
+        <p:nvSpPr>
+          <p:cNvPr id="8" name="직사각형 7">
+            <a:extLst>
+              <a:ext uri="{FF2B5EF4-FFF2-40B4-BE49-F238E27FC236}">
+                <a16:creationId xmlns:a16="http://schemas.microsoft.com/office/drawing/2014/main" id="{B337A0E6-BDDA-25D2-5A24-A537617D0B0C}"/>
+              </a:ext>
+            </a:extLst>
+          </p:cNvPr>
+          <p:cNvSpPr/>
+          <p:nvPr/>
+        </p:nvSpPr>
+        <p:spPr>
+          <a:xfrm>
+            <a:off x="4086760" y="689572"/>
+            <a:ext cx="7765935" cy="1843908"/>
+          </a:xfrm>
+          <a:prstGeom prst="rect">
+            <a:avLst/>
+          </a:prstGeom>
+        </p:spPr>
+        <p:style>
+          <a:lnRef idx="2">
+            <a:schemeClr val="dk1"/>
+          </a:lnRef>
+          <a:fillRef idx="1">
+            <a:schemeClr val="lt1"/>
+          </a:fillRef>
+          <a:effectRef idx="0">
+            <a:schemeClr val="dk1"/>
+          </a:effectRef>
+          <a:fontRef idx="minor">
+            <a:schemeClr val="dk1"/>
+          </a:fontRef>
+        </p:style>
+        <p:txBody>
+          <a:bodyPr rtlCol="0" anchor="ctr"/>
+          <a:lstStyle/>
+          <a:p>
+            <a:pPr algn="ctr"/>
+            <a:endParaRPr kumimoji="1" lang="ko-Kore-KR" altLang="en-US" dirty="0">
+              <a:solidFill>
+                <a:schemeClr val="tx1"/>
+              </a:solidFill>
+            </a:endParaRPr>
+          </a:p>
+        </p:txBody>
+      </p:sp>
+      <p:sp>
+        <p:nvSpPr>
+          <p:cNvPr id="9" name="직사각형 8">
+            <a:extLst>
+              <a:ext uri="{FF2B5EF4-FFF2-40B4-BE49-F238E27FC236}">
+                <a16:creationId xmlns:a16="http://schemas.microsoft.com/office/drawing/2014/main" id="{B7CC17DF-35E3-AB6B-23B5-C093E7328C3F}"/>
+              </a:ext>
+            </a:extLst>
+          </p:cNvPr>
+          <p:cNvSpPr/>
+          <p:nvPr/>
+        </p:nvSpPr>
+        <p:spPr>
+          <a:xfrm>
+            <a:off x="4874282" y="1225438"/>
+            <a:ext cx="397177" cy="447790"/>
+          </a:xfrm>
+          <a:prstGeom prst="rect">
+            <a:avLst/>
+          </a:prstGeom>
+          <a:solidFill>
+            <a:srgbClr val="FFFF00"/>
+          </a:solidFill>
+        </p:spPr>
+        <p:style>
+          <a:lnRef idx="2">
+            <a:schemeClr val="accent1">
+              <a:shade val="50000"/>
+            </a:schemeClr>
+          </a:lnRef>
+          <a:fillRef idx="1">
+            <a:schemeClr val="accent1"/>
+          </a:fillRef>
+          <a:effectRef idx="0">
+            <a:schemeClr val="accent1"/>
+          </a:effectRef>
+          <a:fontRef idx="minor">
+            <a:schemeClr val="lt1"/>
+          </a:fontRef>
+        </p:style>
+        <p:txBody>
+          <a:bodyPr rtlCol="0" anchor="ctr"/>
+          <a:lstStyle/>
+          <a:p>
+            <a:pPr algn="ctr"/>
+            <a:r>
+              <a:rPr kumimoji="1" lang="en-US" altLang="ko-Kore-KR" dirty="0">
+                <a:solidFill>
+                  <a:schemeClr val="tx1"/>
+                </a:solidFill>
+                <a:latin typeface="DM Mono" panose="020B0509040201040103" pitchFamily="49" charset="0"/>
+              </a:rPr>
+              <a:t>h</a:t>
+            </a:r>
+            <a:endParaRPr kumimoji="1" lang="ko-Kore-KR" altLang="en-US" dirty="0">
+              <a:solidFill>
+                <a:schemeClr val="tx1"/>
+              </a:solidFill>
+              <a:latin typeface="DM Mono" panose="020B0509040201040103" pitchFamily="49" charset="0"/>
+            </a:endParaRPr>
+          </a:p>
+        </p:txBody>
+      </p:sp>
+      <p:sp>
+        <p:nvSpPr>
+          <p:cNvPr id="10" name="TextBox 9">
+            <a:extLst>
+              <a:ext uri="{FF2B5EF4-FFF2-40B4-BE49-F238E27FC236}">
+                <a16:creationId xmlns:a16="http://schemas.microsoft.com/office/drawing/2014/main" id="{B9D8D765-5264-0F2D-A667-62791588482F}"/>
+              </a:ext>
+            </a:extLst>
+          </p:cNvPr>
+          <p:cNvSpPr txBox="1"/>
+          <p:nvPr/>
+        </p:nvSpPr>
+        <p:spPr>
+          <a:xfrm>
+            <a:off x="4141398" y="1264667"/>
+            <a:ext cx="767751" cy="369332"/>
+          </a:xfrm>
+          <a:prstGeom prst="rect">
+            <a:avLst/>
+          </a:prstGeom>
+          <a:noFill/>
+        </p:spPr>
+        <p:txBody>
+          <a:bodyPr wrap="square">
+            <a:spAutoFit/>
+          </a:bodyPr>
+          <a:lstStyle/>
+          <a:p>
+            <a:r>
+              <a:rPr lang="en-US" altLang="ko-Kore-KR" dirty="0">
+                <a:latin typeface="DM Mono" panose="020B0509040201040103" pitchFamily="49" charset="0"/>
+              </a:rPr>
+              <a:t>str</a:t>
+            </a:r>
+            <a:endParaRPr lang="ko-Kore-KR" altLang="en-US" dirty="0"/>
+          </a:p>
+        </p:txBody>
+      </p:sp>
+      <p:sp>
+        <p:nvSpPr>
+          <p:cNvPr id="11" name="TextBox 10">
+            <a:extLst>
+              <a:ext uri="{FF2B5EF4-FFF2-40B4-BE49-F238E27FC236}">
+                <a16:creationId xmlns:a16="http://schemas.microsoft.com/office/drawing/2014/main" id="{A71E0A3F-F434-E8E6-414E-31BCC5B2F736}"/>
+              </a:ext>
+            </a:extLst>
+          </p:cNvPr>
+          <p:cNvSpPr txBox="1"/>
+          <p:nvPr/>
+        </p:nvSpPr>
+        <p:spPr>
+          <a:xfrm>
+            <a:off x="7639047" y="284998"/>
+            <a:ext cx="808727" cy="369332"/>
+          </a:xfrm>
+          <a:prstGeom prst="rect">
+            <a:avLst/>
+          </a:prstGeom>
+          <a:noFill/>
+        </p:spPr>
+        <p:txBody>
+          <a:bodyPr wrap="square">
+            <a:spAutoFit/>
+          </a:bodyPr>
+          <a:lstStyle/>
+          <a:p>
+            <a:r>
+              <a:rPr lang="en" altLang="ko-Kore-KR" dirty="0">
+                <a:latin typeface="DM Mono" panose="020B0509040201040103" pitchFamily="49" charset="0"/>
+              </a:rPr>
+              <a:t>main</a:t>
+            </a:r>
+            <a:endParaRPr lang="ko-Kore-KR" altLang="en-US" dirty="0"/>
+          </a:p>
+        </p:txBody>
+      </p:sp>
+      <p:sp>
+        <p:nvSpPr>
+          <p:cNvPr id="12" name="직사각형 11">
+            <a:extLst>
+              <a:ext uri="{FF2B5EF4-FFF2-40B4-BE49-F238E27FC236}">
+                <a16:creationId xmlns:a16="http://schemas.microsoft.com/office/drawing/2014/main" id="{88D92AA5-BD0F-0CA9-EDAC-105CD451BC63}"/>
+              </a:ext>
+            </a:extLst>
+          </p:cNvPr>
+          <p:cNvSpPr/>
+          <p:nvPr/>
+        </p:nvSpPr>
+        <p:spPr>
+          <a:xfrm>
+            <a:off x="5271459" y="1225438"/>
+            <a:ext cx="397177" cy="447790"/>
+          </a:xfrm>
+          <a:prstGeom prst="rect">
+            <a:avLst/>
+          </a:prstGeom>
+          <a:solidFill>
+            <a:srgbClr val="FFFF00"/>
+          </a:solidFill>
+        </p:spPr>
+        <p:style>
+          <a:lnRef idx="2">
+            <a:schemeClr val="accent1">
+              <a:shade val="50000"/>
+            </a:schemeClr>
+          </a:lnRef>
+          <a:fillRef idx="1">
+            <a:schemeClr val="accent1"/>
+          </a:fillRef>
+          <a:effectRef idx="0">
+            <a:schemeClr val="accent1"/>
+          </a:effectRef>
+          <a:fontRef idx="minor">
+            <a:schemeClr val="lt1"/>
+          </a:fontRef>
+        </p:style>
+        <p:txBody>
+          <a:bodyPr rtlCol="0" anchor="ctr"/>
+          <a:lstStyle/>
+          <a:p>
+            <a:pPr algn="ctr"/>
+            <a:r>
+              <a:rPr kumimoji="1" lang="en-US" altLang="ko-Kore-KR" dirty="0">
+                <a:solidFill>
+                  <a:schemeClr val="tx1"/>
+                </a:solidFill>
+                <a:latin typeface="DM Mono" panose="020B0509040201040103" pitchFamily="49" charset="0"/>
+              </a:rPr>
+              <a:t>e</a:t>
+            </a:r>
+            <a:endParaRPr kumimoji="1" lang="ko-Kore-KR" altLang="en-US" dirty="0">
+              <a:solidFill>
+                <a:schemeClr val="tx1"/>
+              </a:solidFill>
+              <a:latin typeface="DM Mono" panose="020B0509040201040103" pitchFamily="49" charset="0"/>
+            </a:endParaRPr>
+          </a:p>
+        </p:txBody>
+      </p:sp>
+      <p:sp>
+        <p:nvSpPr>
+          <p:cNvPr id="13" name="직사각형 12">
+            <a:extLst>
+              <a:ext uri="{FF2B5EF4-FFF2-40B4-BE49-F238E27FC236}">
+                <a16:creationId xmlns:a16="http://schemas.microsoft.com/office/drawing/2014/main" id="{13A65980-534C-22ED-69FB-275E1448BAE4}"/>
+              </a:ext>
+            </a:extLst>
+          </p:cNvPr>
+          <p:cNvSpPr/>
+          <p:nvPr/>
+        </p:nvSpPr>
+        <p:spPr>
+          <a:xfrm>
+            <a:off x="5668636" y="1225438"/>
+            <a:ext cx="397177" cy="447790"/>
+          </a:xfrm>
+          <a:prstGeom prst="rect">
+            <a:avLst/>
+          </a:prstGeom>
+          <a:solidFill>
+            <a:srgbClr val="FFFF00"/>
+          </a:solidFill>
+        </p:spPr>
+        <p:style>
+          <a:lnRef idx="2">
+            <a:schemeClr val="accent1">
+              <a:shade val="50000"/>
+            </a:schemeClr>
+          </a:lnRef>
+          <a:fillRef idx="1">
+            <a:schemeClr val="accent1"/>
+          </a:fillRef>
+          <a:effectRef idx="0">
+            <a:schemeClr val="accent1"/>
+          </a:effectRef>
+          <a:fontRef idx="minor">
+            <a:schemeClr val="lt1"/>
+          </a:fontRef>
+        </p:style>
+        <p:txBody>
+          <a:bodyPr rtlCol="0" anchor="ctr"/>
+          <a:lstStyle/>
+          <a:p>
+            <a:pPr algn="ctr"/>
+            <a:r>
+              <a:rPr kumimoji="1" lang="en-US" altLang="ko-Kore-KR" dirty="0">
+                <a:solidFill>
+                  <a:schemeClr val="tx1"/>
+                </a:solidFill>
+                <a:latin typeface="DM Mono" panose="020B0509040201040103" pitchFamily="49" charset="0"/>
+              </a:rPr>
+              <a:t>l</a:t>
+            </a:r>
+            <a:endParaRPr kumimoji="1" lang="ko-Kore-KR" altLang="en-US" dirty="0">
+              <a:solidFill>
+                <a:schemeClr val="tx1"/>
+              </a:solidFill>
+              <a:latin typeface="DM Mono" panose="020B0509040201040103" pitchFamily="49" charset="0"/>
+            </a:endParaRPr>
+          </a:p>
+        </p:txBody>
+      </p:sp>
+      <p:sp>
+        <p:nvSpPr>
+          <p:cNvPr id="14" name="직사각형 13">
+            <a:extLst>
+              <a:ext uri="{FF2B5EF4-FFF2-40B4-BE49-F238E27FC236}">
+                <a16:creationId xmlns:a16="http://schemas.microsoft.com/office/drawing/2014/main" id="{206CDF1B-835E-9B0C-BFA1-7E0DE735810F}"/>
+              </a:ext>
+            </a:extLst>
+          </p:cNvPr>
+          <p:cNvSpPr/>
+          <p:nvPr/>
+        </p:nvSpPr>
+        <p:spPr>
+          <a:xfrm>
+            <a:off x="6065813" y="1225438"/>
+            <a:ext cx="397177" cy="447790"/>
+          </a:xfrm>
+          <a:prstGeom prst="rect">
+            <a:avLst/>
+          </a:prstGeom>
+          <a:solidFill>
+            <a:srgbClr val="FFFF00"/>
+          </a:solidFill>
+        </p:spPr>
+        <p:style>
+          <a:lnRef idx="2">
+            <a:schemeClr val="accent1">
+              <a:shade val="50000"/>
+            </a:schemeClr>
+          </a:lnRef>
+          <a:fillRef idx="1">
+            <a:schemeClr val="accent1"/>
+          </a:fillRef>
+          <a:effectRef idx="0">
+            <a:schemeClr val="accent1"/>
+          </a:effectRef>
+          <a:fontRef idx="minor">
+            <a:schemeClr val="lt1"/>
+          </a:fontRef>
+        </p:style>
+        <p:txBody>
+          <a:bodyPr rtlCol="0" anchor="ctr"/>
+          <a:lstStyle/>
+          <a:p>
+            <a:pPr algn="ctr"/>
+            <a:r>
+              <a:rPr kumimoji="1" lang="en-US" altLang="ko-Kore-KR" dirty="0">
+                <a:solidFill>
+                  <a:schemeClr val="tx1"/>
+                </a:solidFill>
+                <a:latin typeface="DM Mono" panose="020B0509040201040103" pitchFamily="49" charset="0"/>
+              </a:rPr>
+              <a:t>l</a:t>
+            </a:r>
+            <a:endParaRPr kumimoji="1" lang="ko-Kore-KR" altLang="en-US" dirty="0">
+              <a:solidFill>
+                <a:schemeClr val="tx1"/>
+              </a:solidFill>
+              <a:latin typeface="DM Mono" panose="020B0509040201040103" pitchFamily="49" charset="0"/>
+            </a:endParaRPr>
+          </a:p>
+        </p:txBody>
+      </p:sp>
+      <p:sp>
+        <p:nvSpPr>
+          <p:cNvPr id="15" name="직사각형 14">
+            <a:extLst>
+              <a:ext uri="{FF2B5EF4-FFF2-40B4-BE49-F238E27FC236}">
+                <a16:creationId xmlns:a16="http://schemas.microsoft.com/office/drawing/2014/main" id="{0BC32ADD-B01A-187C-2999-E8CC4629F672}"/>
+              </a:ext>
+            </a:extLst>
+          </p:cNvPr>
+          <p:cNvSpPr/>
+          <p:nvPr/>
+        </p:nvSpPr>
+        <p:spPr>
+          <a:xfrm>
+            <a:off x="6462990" y="1225438"/>
+            <a:ext cx="397177" cy="447790"/>
+          </a:xfrm>
+          <a:prstGeom prst="rect">
+            <a:avLst/>
+          </a:prstGeom>
+          <a:solidFill>
+            <a:srgbClr val="FFFF00"/>
+          </a:solidFill>
+        </p:spPr>
+        <p:style>
+          <a:lnRef idx="2">
+            <a:schemeClr val="accent1">
+              <a:shade val="50000"/>
+            </a:schemeClr>
+          </a:lnRef>
+          <a:fillRef idx="1">
+            <a:schemeClr val="accent1"/>
+          </a:fillRef>
+          <a:effectRef idx="0">
+            <a:schemeClr val="accent1"/>
+          </a:effectRef>
+          <a:fontRef idx="minor">
+            <a:schemeClr val="lt1"/>
+          </a:fontRef>
+        </p:style>
+        <p:txBody>
+          <a:bodyPr rtlCol="0" anchor="ctr"/>
+          <a:lstStyle/>
+          <a:p>
+            <a:pPr algn="ctr"/>
+            <a:r>
+              <a:rPr kumimoji="1" lang="en-US" altLang="ko-Kore-KR" dirty="0">
+                <a:solidFill>
+                  <a:schemeClr val="tx1"/>
+                </a:solidFill>
+                <a:latin typeface="DM Mono" panose="020B0509040201040103" pitchFamily="49" charset="0"/>
+              </a:rPr>
+              <a:t>o</a:t>
+            </a:r>
+            <a:endParaRPr kumimoji="1" lang="ko-Kore-KR" altLang="en-US" dirty="0">
+              <a:solidFill>
+                <a:schemeClr val="tx1"/>
+              </a:solidFill>
+              <a:latin typeface="DM Mono" panose="020B0509040201040103" pitchFamily="49" charset="0"/>
+            </a:endParaRPr>
+          </a:p>
+        </p:txBody>
+      </p:sp>
+      <p:sp>
+        <p:nvSpPr>
+          <p:cNvPr id="39" name="직사각형 38">
+            <a:extLst>
+              <a:ext uri="{FF2B5EF4-FFF2-40B4-BE49-F238E27FC236}">
+                <a16:creationId xmlns:a16="http://schemas.microsoft.com/office/drawing/2014/main" id="{0F046D4F-0884-B9A1-EEE1-75577227DD85}"/>
+              </a:ext>
+            </a:extLst>
+          </p:cNvPr>
+          <p:cNvSpPr/>
+          <p:nvPr/>
+        </p:nvSpPr>
+        <p:spPr>
+          <a:xfrm>
+            <a:off x="6860167" y="1225438"/>
+            <a:ext cx="397177" cy="447790"/>
+          </a:xfrm>
+          <a:prstGeom prst="rect">
+            <a:avLst/>
+          </a:prstGeom>
+          <a:solidFill>
+            <a:srgbClr val="FFFF00"/>
+          </a:solidFill>
+        </p:spPr>
+        <p:style>
+          <a:lnRef idx="2">
+            <a:schemeClr val="accent1">
+              <a:shade val="50000"/>
+            </a:schemeClr>
+          </a:lnRef>
+          <a:fillRef idx="1">
+            <a:schemeClr val="accent1"/>
+          </a:fillRef>
+          <a:effectRef idx="0">
+            <a:schemeClr val="accent1"/>
+          </a:effectRef>
+          <a:fontRef idx="minor">
+            <a:schemeClr val="lt1"/>
+          </a:fontRef>
+        </p:style>
+        <p:txBody>
+          <a:bodyPr rtlCol="0" anchor="ctr"/>
+          <a:lstStyle/>
+          <a:p>
+            <a:pPr algn="ctr"/>
+            <a:r>
+              <a:rPr kumimoji="1" lang="en-US" altLang="ko-Kore-KR" dirty="0">
+                <a:solidFill>
+                  <a:srgbClr val="FF0000"/>
+                </a:solidFill>
+                <a:latin typeface="DM Mono" panose="020B0509040201040103" pitchFamily="49" charset="0"/>
+              </a:rPr>
+              <a:t>0</a:t>
+            </a:r>
+            <a:endParaRPr kumimoji="1" lang="ko-Kore-KR" altLang="en-US" dirty="0">
+              <a:solidFill>
+                <a:srgbClr val="FF0000"/>
+              </a:solidFill>
+              <a:latin typeface="DM Mono" panose="020B0509040201040103" pitchFamily="49" charset="0"/>
+            </a:endParaRPr>
+          </a:p>
+        </p:txBody>
+      </p:sp>
+      <p:sp>
+        <p:nvSpPr>
+          <p:cNvPr id="40" name="직사각형 39">
+            <a:extLst>
+              <a:ext uri="{FF2B5EF4-FFF2-40B4-BE49-F238E27FC236}">
+                <a16:creationId xmlns:a16="http://schemas.microsoft.com/office/drawing/2014/main" id="{D96698CD-B133-FBF6-52CC-FAB43CE3C297}"/>
+              </a:ext>
+            </a:extLst>
+          </p:cNvPr>
+          <p:cNvSpPr/>
+          <p:nvPr/>
+        </p:nvSpPr>
+        <p:spPr>
+          <a:xfrm>
+            <a:off x="7222627" y="1225438"/>
+            <a:ext cx="397177" cy="447790"/>
+          </a:xfrm>
+          <a:prstGeom prst="rect">
+            <a:avLst/>
+          </a:prstGeom>
+          <a:solidFill>
+            <a:srgbClr val="FFFF00"/>
+          </a:solidFill>
+        </p:spPr>
+        <p:style>
+          <a:lnRef idx="2">
+            <a:schemeClr val="accent1">
+              <a:shade val="50000"/>
+            </a:schemeClr>
+          </a:lnRef>
+          <a:fillRef idx="1">
+            <a:schemeClr val="accent1"/>
+          </a:fillRef>
+          <a:effectRef idx="0">
+            <a:schemeClr val="accent1"/>
+          </a:effectRef>
+          <a:fontRef idx="minor">
+            <a:schemeClr val="lt1"/>
+          </a:fontRef>
+        </p:style>
+        <p:txBody>
+          <a:bodyPr rtlCol="0" anchor="ctr"/>
+          <a:lstStyle/>
+          <a:p>
+            <a:pPr algn="ctr"/>
+            <a:r>
+              <a:rPr kumimoji="1" lang="en-US" altLang="ko-Kore-KR" dirty="0">
+                <a:solidFill>
+                  <a:schemeClr val="tx1"/>
+                </a:solidFill>
+                <a:latin typeface="DM Mono" panose="020B0509040201040103" pitchFamily="49" charset="0"/>
+              </a:rPr>
+              <a:t>h</a:t>
+            </a:r>
+            <a:endParaRPr kumimoji="1" lang="ko-Kore-KR" altLang="en-US" dirty="0">
+              <a:solidFill>
+                <a:schemeClr val="tx1"/>
+              </a:solidFill>
+              <a:latin typeface="DM Mono" panose="020B0509040201040103" pitchFamily="49" charset="0"/>
+            </a:endParaRPr>
+          </a:p>
+        </p:txBody>
+      </p:sp>
+      <p:sp>
+        <p:nvSpPr>
+          <p:cNvPr id="41" name="직사각형 40">
+            <a:extLst>
+              <a:ext uri="{FF2B5EF4-FFF2-40B4-BE49-F238E27FC236}">
+                <a16:creationId xmlns:a16="http://schemas.microsoft.com/office/drawing/2014/main" id="{D94C9295-B2B8-9F31-CFDD-4B1EB53E389C}"/>
+              </a:ext>
+            </a:extLst>
+          </p:cNvPr>
+          <p:cNvSpPr/>
+          <p:nvPr/>
+        </p:nvSpPr>
+        <p:spPr>
+          <a:xfrm>
+            <a:off x="7619804" y="1225438"/>
+            <a:ext cx="397177" cy="447790"/>
+          </a:xfrm>
+          <a:prstGeom prst="rect">
+            <a:avLst/>
+          </a:prstGeom>
+          <a:solidFill>
+            <a:srgbClr val="FFFF00"/>
+          </a:solidFill>
+        </p:spPr>
+        <p:style>
+          <a:lnRef idx="2">
+            <a:schemeClr val="accent1">
+              <a:shade val="50000"/>
+            </a:schemeClr>
+          </a:lnRef>
+          <a:fillRef idx="1">
+            <a:schemeClr val="accent1"/>
+          </a:fillRef>
+          <a:effectRef idx="0">
+            <a:schemeClr val="accent1"/>
+          </a:effectRef>
+          <a:fontRef idx="minor">
+            <a:schemeClr val="lt1"/>
+          </a:fontRef>
+        </p:style>
+        <p:txBody>
+          <a:bodyPr rtlCol="0" anchor="ctr"/>
+          <a:lstStyle/>
+          <a:p>
+            <a:pPr algn="ctr"/>
+            <a:r>
+              <a:rPr kumimoji="1" lang="en-US" altLang="ko-Kore-KR" dirty="0">
+                <a:solidFill>
+                  <a:schemeClr val="tx1"/>
+                </a:solidFill>
+                <a:latin typeface="DM Mono" panose="020B0509040201040103" pitchFamily="49" charset="0"/>
+              </a:rPr>
+              <a:t>e</a:t>
+            </a:r>
+            <a:endParaRPr kumimoji="1" lang="ko-Kore-KR" altLang="en-US" dirty="0">
+              <a:solidFill>
+                <a:schemeClr val="tx1"/>
+              </a:solidFill>
+              <a:latin typeface="DM Mono" panose="020B0509040201040103" pitchFamily="49" charset="0"/>
+            </a:endParaRPr>
+          </a:p>
+        </p:txBody>
+      </p:sp>
+      <p:sp>
+        <p:nvSpPr>
+          <p:cNvPr id="42" name="직사각형 41">
+            <a:extLst>
+              <a:ext uri="{FF2B5EF4-FFF2-40B4-BE49-F238E27FC236}">
+                <a16:creationId xmlns:a16="http://schemas.microsoft.com/office/drawing/2014/main" id="{A666CA49-6502-67A5-7FA1-B1EB6927B345}"/>
+              </a:ext>
+            </a:extLst>
+          </p:cNvPr>
+          <p:cNvSpPr/>
+          <p:nvPr/>
+        </p:nvSpPr>
+        <p:spPr>
+          <a:xfrm>
+            <a:off x="8016981" y="1225438"/>
+            <a:ext cx="397177" cy="447790"/>
+          </a:xfrm>
+          <a:prstGeom prst="rect">
+            <a:avLst/>
+          </a:prstGeom>
+          <a:solidFill>
+            <a:srgbClr val="FFFF00"/>
+          </a:solidFill>
+        </p:spPr>
+        <p:style>
+          <a:lnRef idx="2">
+            <a:schemeClr val="accent1">
+              <a:shade val="50000"/>
+            </a:schemeClr>
+          </a:lnRef>
+          <a:fillRef idx="1">
+            <a:schemeClr val="accent1"/>
+          </a:fillRef>
+          <a:effectRef idx="0">
+            <a:schemeClr val="accent1"/>
+          </a:effectRef>
+          <a:fontRef idx="minor">
+            <a:schemeClr val="lt1"/>
+          </a:fontRef>
+        </p:style>
+        <p:txBody>
+          <a:bodyPr rtlCol="0" anchor="ctr"/>
+          <a:lstStyle/>
+          <a:p>
+            <a:pPr algn="ctr"/>
+            <a:r>
+              <a:rPr kumimoji="1" lang="en-US" altLang="ko-Kore-KR" dirty="0">
+                <a:solidFill>
+                  <a:schemeClr val="tx1"/>
+                </a:solidFill>
+                <a:latin typeface="DM Mono" panose="020B0509040201040103" pitchFamily="49" charset="0"/>
+              </a:rPr>
+              <a:t>l</a:t>
+            </a:r>
+            <a:endParaRPr kumimoji="1" lang="ko-Kore-KR" altLang="en-US" dirty="0">
+              <a:solidFill>
+                <a:schemeClr val="tx1"/>
+              </a:solidFill>
+              <a:latin typeface="DM Mono" panose="020B0509040201040103" pitchFamily="49" charset="0"/>
+            </a:endParaRPr>
+          </a:p>
+        </p:txBody>
+      </p:sp>
+      <p:sp>
+        <p:nvSpPr>
+          <p:cNvPr id="43" name="직사각형 42">
+            <a:extLst>
+              <a:ext uri="{FF2B5EF4-FFF2-40B4-BE49-F238E27FC236}">
+                <a16:creationId xmlns:a16="http://schemas.microsoft.com/office/drawing/2014/main" id="{562DEEB3-8710-73DE-984E-93C8E5F749A4}"/>
+              </a:ext>
+            </a:extLst>
+          </p:cNvPr>
+          <p:cNvSpPr/>
+          <p:nvPr/>
+        </p:nvSpPr>
+        <p:spPr>
+          <a:xfrm>
+            <a:off x="8414158" y="1225438"/>
+            <a:ext cx="397177" cy="447790"/>
+          </a:xfrm>
+          <a:prstGeom prst="rect">
+            <a:avLst/>
+          </a:prstGeom>
+          <a:solidFill>
+            <a:srgbClr val="FFFF00"/>
+          </a:solidFill>
+        </p:spPr>
+        <p:style>
+          <a:lnRef idx="2">
+            <a:schemeClr val="accent1">
+              <a:shade val="50000"/>
+            </a:schemeClr>
+          </a:lnRef>
+          <a:fillRef idx="1">
+            <a:schemeClr val="accent1"/>
+          </a:fillRef>
+          <a:effectRef idx="0">
+            <a:schemeClr val="accent1"/>
+          </a:effectRef>
+          <a:fontRef idx="minor">
+            <a:schemeClr val="lt1"/>
+          </a:fontRef>
+        </p:style>
+        <p:txBody>
+          <a:bodyPr rtlCol="0" anchor="ctr"/>
+          <a:lstStyle/>
+          <a:p>
+            <a:pPr algn="ctr"/>
+            <a:r>
+              <a:rPr kumimoji="1" lang="en-US" altLang="ko-Kore-KR" dirty="0">
+                <a:solidFill>
+                  <a:schemeClr val="tx1"/>
+                </a:solidFill>
+                <a:latin typeface="DM Mono" panose="020B0509040201040103" pitchFamily="49" charset="0"/>
+              </a:rPr>
+              <a:t>l</a:t>
+            </a:r>
+            <a:endParaRPr kumimoji="1" lang="ko-Kore-KR" altLang="en-US" dirty="0">
+              <a:solidFill>
+                <a:schemeClr val="tx1"/>
+              </a:solidFill>
+              <a:latin typeface="DM Mono" panose="020B0509040201040103" pitchFamily="49" charset="0"/>
+            </a:endParaRPr>
+          </a:p>
+        </p:txBody>
+      </p:sp>
+      <p:sp>
+        <p:nvSpPr>
+          <p:cNvPr id="44" name="직사각형 43">
+            <a:extLst>
+              <a:ext uri="{FF2B5EF4-FFF2-40B4-BE49-F238E27FC236}">
+                <a16:creationId xmlns:a16="http://schemas.microsoft.com/office/drawing/2014/main" id="{1DA2FE82-ED89-5C17-4BBE-D51E56CC56A0}"/>
+              </a:ext>
+            </a:extLst>
+          </p:cNvPr>
+          <p:cNvSpPr/>
+          <p:nvPr/>
+        </p:nvSpPr>
+        <p:spPr>
+          <a:xfrm>
+            <a:off x="8811335" y="1225438"/>
+            <a:ext cx="397177" cy="447790"/>
+          </a:xfrm>
+          <a:prstGeom prst="rect">
+            <a:avLst/>
+          </a:prstGeom>
+          <a:solidFill>
+            <a:srgbClr val="FFFF00"/>
+          </a:solidFill>
+        </p:spPr>
+        <p:style>
+          <a:lnRef idx="2">
+            <a:schemeClr val="accent1">
+              <a:shade val="50000"/>
+            </a:schemeClr>
+          </a:lnRef>
+          <a:fillRef idx="1">
+            <a:schemeClr val="accent1"/>
+          </a:fillRef>
+          <a:effectRef idx="0">
+            <a:schemeClr val="accent1"/>
+          </a:effectRef>
+          <a:fontRef idx="minor">
+            <a:schemeClr val="lt1"/>
+          </a:fontRef>
+        </p:style>
+        <p:txBody>
+          <a:bodyPr rtlCol="0" anchor="ctr"/>
+          <a:lstStyle/>
+          <a:p>
+            <a:pPr algn="ctr"/>
+            <a:r>
+              <a:rPr kumimoji="1" lang="en-US" altLang="ko-Kore-KR" dirty="0">
+                <a:solidFill>
+                  <a:schemeClr val="tx1"/>
+                </a:solidFill>
+                <a:latin typeface="DM Mono" panose="020B0509040201040103" pitchFamily="49" charset="0"/>
+              </a:rPr>
+              <a:t>o</a:t>
+            </a:r>
+            <a:endParaRPr kumimoji="1" lang="ko-Kore-KR" altLang="en-US" dirty="0">
+              <a:solidFill>
+                <a:schemeClr val="tx1"/>
+              </a:solidFill>
+              <a:latin typeface="DM Mono" panose="020B0509040201040103" pitchFamily="49" charset="0"/>
+            </a:endParaRPr>
+          </a:p>
+        </p:txBody>
+      </p:sp>
+      <p:sp>
+        <p:nvSpPr>
+          <p:cNvPr id="45" name="직사각형 44">
+            <a:extLst>
+              <a:ext uri="{FF2B5EF4-FFF2-40B4-BE49-F238E27FC236}">
+                <a16:creationId xmlns:a16="http://schemas.microsoft.com/office/drawing/2014/main" id="{B62100C8-4D87-37C1-D77B-42C204F2C56A}"/>
+              </a:ext>
+            </a:extLst>
+          </p:cNvPr>
+          <p:cNvSpPr/>
+          <p:nvPr/>
+        </p:nvSpPr>
+        <p:spPr>
+          <a:xfrm>
+            <a:off x="9208512" y="1225438"/>
+            <a:ext cx="397177" cy="447790"/>
+          </a:xfrm>
+          <a:prstGeom prst="rect">
+            <a:avLst/>
+          </a:prstGeom>
+          <a:solidFill>
+            <a:srgbClr val="FFFF00"/>
+          </a:solidFill>
+        </p:spPr>
+        <p:style>
+          <a:lnRef idx="2">
+            <a:schemeClr val="accent1">
+              <a:shade val="50000"/>
+            </a:schemeClr>
+          </a:lnRef>
+          <a:fillRef idx="1">
+            <a:schemeClr val="accent1"/>
+          </a:fillRef>
+          <a:effectRef idx="0">
+            <a:schemeClr val="accent1"/>
+          </a:effectRef>
+          <a:fontRef idx="minor">
+            <a:schemeClr val="lt1"/>
+          </a:fontRef>
+        </p:style>
+        <p:txBody>
+          <a:bodyPr rtlCol="0" anchor="ctr"/>
+          <a:lstStyle/>
+          <a:p>
+            <a:pPr algn="ctr"/>
+            <a:r>
+              <a:rPr kumimoji="1" lang="en-US" altLang="ko-Kore-KR" dirty="0">
+                <a:solidFill>
+                  <a:srgbClr val="FF0000"/>
+                </a:solidFill>
+                <a:latin typeface="DM Mono" panose="020B0509040201040103" pitchFamily="49" charset="0"/>
+              </a:rPr>
+              <a:t>0</a:t>
+            </a:r>
+            <a:endParaRPr kumimoji="1" lang="ko-Kore-KR" altLang="en-US" dirty="0">
+              <a:solidFill>
+                <a:srgbClr val="FF0000"/>
+              </a:solidFill>
+              <a:latin typeface="DM Mono" panose="020B0509040201040103" pitchFamily="49" charset="0"/>
+            </a:endParaRPr>
+          </a:p>
+        </p:txBody>
+      </p:sp>
+      <p:sp>
+        <p:nvSpPr>
+          <p:cNvPr id="46" name="직사각형 45">
+            <a:extLst>
+              <a:ext uri="{FF2B5EF4-FFF2-40B4-BE49-F238E27FC236}">
+                <a16:creationId xmlns:a16="http://schemas.microsoft.com/office/drawing/2014/main" id="{6B0590A0-F8F3-8F45-41CE-EB57781DE4CD}"/>
+              </a:ext>
+            </a:extLst>
+          </p:cNvPr>
+          <p:cNvSpPr/>
+          <p:nvPr/>
+        </p:nvSpPr>
+        <p:spPr>
+          <a:xfrm>
+            <a:off x="9570972" y="1225438"/>
+            <a:ext cx="397177" cy="447790"/>
+          </a:xfrm>
+          <a:prstGeom prst="rect">
+            <a:avLst/>
+          </a:prstGeom>
+          <a:solidFill>
+            <a:srgbClr val="FFFF00"/>
+          </a:solidFill>
+        </p:spPr>
+        <p:style>
+          <a:lnRef idx="2">
+            <a:schemeClr val="accent1">
+              <a:shade val="50000"/>
+            </a:schemeClr>
+          </a:lnRef>
+          <a:fillRef idx="1">
+            <a:schemeClr val="accent1"/>
+          </a:fillRef>
+          <a:effectRef idx="0">
+            <a:schemeClr val="accent1"/>
+          </a:effectRef>
+          <a:fontRef idx="minor">
+            <a:schemeClr val="lt1"/>
+          </a:fontRef>
+        </p:style>
+        <p:txBody>
+          <a:bodyPr rtlCol="0" anchor="ctr"/>
+          <a:lstStyle/>
+          <a:p>
+            <a:pPr algn="ctr"/>
+            <a:r>
+              <a:rPr kumimoji="1" lang="en-US" altLang="ko-Kore-KR" dirty="0">
+                <a:solidFill>
+                  <a:schemeClr val="tx1"/>
+                </a:solidFill>
+                <a:latin typeface="DM Mono" panose="020B0509040201040103" pitchFamily="49" charset="0"/>
+              </a:rPr>
+              <a:t>h</a:t>
+            </a:r>
+            <a:endParaRPr kumimoji="1" lang="ko-Kore-KR" altLang="en-US" dirty="0">
+              <a:solidFill>
+                <a:schemeClr val="tx1"/>
+              </a:solidFill>
+              <a:latin typeface="DM Mono" panose="020B0509040201040103" pitchFamily="49" charset="0"/>
+            </a:endParaRPr>
+          </a:p>
+        </p:txBody>
+      </p:sp>
+      <p:sp>
+        <p:nvSpPr>
+          <p:cNvPr id="47" name="직사각형 46">
+            <a:extLst>
+              <a:ext uri="{FF2B5EF4-FFF2-40B4-BE49-F238E27FC236}">
+                <a16:creationId xmlns:a16="http://schemas.microsoft.com/office/drawing/2014/main" id="{8FA2C306-CA76-A9F5-DF05-E720A7C68482}"/>
+              </a:ext>
+            </a:extLst>
+          </p:cNvPr>
+          <p:cNvSpPr/>
+          <p:nvPr/>
+        </p:nvSpPr>
+        <p:spPr>
+          <a:xfrm>
+            <a:off x="9968149" y="1225438"/>
+            <a:ext cx="397177" cy="447790"/>
+          </a:xfrm>
+          <a:prstGeom prst="rect">
+            <a:avLst/>
+          </a:prstGeom>
+          <a:solidFill>
+            <a:srgbClr val="FFFF00"/>
+          </a:solidFill>
+        </p:spPr>
+        <p:style>
+          <a:lnRef idx="2">
+            <a:schemeClr val="accent1">
+              <a:shade val="50000"/>
+            </a:schemeClr>
+          </a:lnRef>
+          <a:fillRef idx="1">
+            <a:schemeClr val="accent1"/>
+          </a:fillRef>
+          <a:effectRef idx="0">
+            <a:schemeClr val="accent1"/>
+          </a:effectRef>
+          <a:fontRef idx="minor">
+            <a:schemeClr val="lt1"/>
+          </a:fontRef>
+        </p:style>
+        <p:txBody>
+          <a:bodyPr rtlCol="0" anchor="ctr"/>
+          <a:lstStyle/>
+          <a:p>
+            <a:pPr algn="ctr"/>
+            <a:r>
+              <a:rPr kumimoji="1" lang="en-US" altLang="ko-Kore-KR" dirty="0">
+                <a:solidFill>
+                  <a:schemeClr val="tx1"/>
+                </a:solidFill>
+                <a:latin typeface="DM Mono" panose="020B0509040201040103" pitchFamily="49" charset="0"/>
+              </a:rPr>
+              <a:t>e</a:t>
+            </a:r>
+            <a:endParaRPr kumimoji="1" lang="ko-Kore-KR" altLang="en-US" dirty="0">
+              <a:solidFill>
+                <a:schemeClr val="tx1"/>
+              </a:solidFill>
+              <a:latin typeface="DM Mono" panose="020B0509040201040103" pitchFamily="49" charset="0"/>
+            </a:endParaRPr>
+          </a:p>
+        </p:txBody>
+      </p:sp>
+      <p:sp>
+        <p:nvSpPr>
+          <p:cNvPr id="48" name="직사각형 47">
+            <a:extLst>
+              <a:ext uri="{FF2B5EF4-FFF2-40B4-BE49-F238E27FC236}">
+                <a16:creationId xmlns:a16="http://schemas.microsoft.com/office/drawing/2014/main" id="{407CF929-702F-ABCA-111F-AEE2DA61FC25}"/>
+              </a:ext>
+            </a:extLst>
+          </p:cNvPr>
+          <p:cNvSpPr/>
+          <p:nvPr/>
+        </p:nvSpPr>
+        <p:spPr>
+          <a:xfrm>
+            <a:off x="10365326" y="1225438"/>
+            <a:ext cx="397177" cy="447790"/>
+          </a:xfrm>
+          <a:prstGeom prst="rect">
+            <a:avLst/>
+          </a:prstGeom>
+          <a:solidFill>
+            <a:srgbClr val="FFFF00"/>
+          </a:solidFill>
+        </p:spPr>
+        <p:style>
+          <a:lnRef idx="2">
+            <a:schemeClr val="accent1">
+              <a:shade val="50000"/>
+            </a:schemeClr>
+          </a:lnRef>
+          <a:fillRef idx="1">
+            <a:schemeClr val="accent1"/>
+          </a:fillRef>
+          <a:effectRef idx="0">
+            <a:schemeClr val="accent1"/>
+          </a:effectRef>
+          <a:fontRef idx="minor">
+            <a:schemeClr val="lt1"/>
+          </a:fontRef>
+        </p:style>
+        <p:txBody>
+          <a:bodyPr rtlCol="0" anchor="ctr"/>
+          <a:lstStyle/>
+          <a:p>
+            <a:pPr algn="ctr"/>
+            <a:r>
+              <a:rPr kumimoji="1" lang="en-US" altLang="ko-Kore-KR" dirty="0">
+                <a:solidFill>
+                  <a:schemeClr val="tx1"/>
+                </a:solidFill>
+                <a:latin typeface="DM Mono" panose="020B0509040201040103" pitchFamily="49" charset="0"/>
+              </a:rPr>
+              <a:t>l</a:t>
+            </a:r>
+            <a:endParaRPr kumimoji="1" lang="ko-Kore-KR" altLang="en-US" dirty="0">
+              <a:solidFill>
+                <a:schemeClr val="tx1"/>
+              </a:solidFill>
+              <a:latin typeface="DM Mono" panose="020B0509040201040103" pitchFamily="49" charset="0"/>
+            </a:endParaRPr>
+          </a:p>
+        </p:txBody>
+      </p:sp>
+      <p:sp>
+        <p:nvSpPr>
+          <p:cNvPr id="49" name="직사각형 48">
+            <a:extLst>
+              <a:ext uri="{FF2B5EF4-FFF2-40B4-BE49-F238E27FC236}">
+                <a16:creationId xmlns:a16="http://schemas.microsoft.com/office/drawing/2014/main" id="{7BC0BA13-2897-96C8-FCB2-647DE8FC04A4}"/>
+              </a:ext>
+            </a:extLst>
+          </p:cNvPr>
+          <p:cNvSpPr/>
+          <p:nvPr/>
+        </p:nvSpPr>
+        <p:spPr>
+          <a:xfrm>
+            <a:off x="10762503" y="1225438"/>
+            <a:ext cx="397177" cy="447790"/>
+          </a:xfrm>
+          <a:prstGeom prst="rect">
+            <a:avLst/>
+          </a:prstGeom>
+          <a:solidFill>
+            <a:srgbClr val="FFFF00"/>
+          </a:solidFill>
+        </p:spPr>
+        <p:style>
+          <a:lnRef idx="2">
+            <a:schemeClr val="accent1">
+              <a:shade val="50000"/>
+            </a:schemeClr>
+          </a:lnRef>
+          <a:fillRef idx="1">
+            <a:schemeClr val="accent1"/>
+          </a:fillRef>
+          <a:effectRef idx="0">
+            <a:schemeClr val="accent1"/>
+          </a:effectRef>
+          <a:fontRef idx="minor">
+            <a:schemeClr val="lt1"/>
+          </a:fontRef>
+        </p:style>
+        <p:txBody>
+          <a:bodyPr rtlCol="0" anchor="ctr"/>
+          <a:lstStyle/>
+          <a:p>
+            <a:pPr algn="ctr"/>
+            <a:r>
+              <a:rPr kumimoji="1" lang="en-US" altLang="ko-Kore-KR" dirty="0">
+                <a:solidFill>
+                  <a:schemeClr val="tx1"/>
+                </a:solidFill>
+                <a:latin typeface="DM Mono" panose="020B0509040201040103" pitchFamily="49" charset="0"/>
+              </a:rPr>
+              <a:t>l</a:t>
+            </a:r>
+            <a:endParaRPr kumimoji="1" lang="ko-Kore-KR" altLang="en-US" dirty="0">
+              <a:solidFill>
+                <a:schemeClr val="tx1"/>
+              </a:solidFill>
+              <a:latin typeface="DM Mono" panose="020B0509040201040103" pitchFamily="49" charset="0"/>
+            </a:endParaRPr>
+          </a:p>
+        </p:txBody>
+      </p:sp>
+      <p:sp>
+        <p:nvSpPr>
+          <p:cNvPr id="50" name="직사각형 49">
+            <a:extLst>
+              <a:ext uri="{FF2B5EF4-FFF2-40B4-BE49-F238E27FC236}">
+                <a16:creationId xmlns:a16="http://schemas.microsoft.com/office/drawing/2014/main" id="{04CCC988-30E3-1899-BEFD-34EE61DFFBDA}"/>
+              </a:ext>
+            </a:extLst>
+          </p:cNvPr>
+          <p:cNvSpPr/>
+          <p:nvPr/>
+        </p:nvSpPr>
+        <p:spPr>
+          <a:xfrm>
+            <a:off x="11159680" y="1225438"/>
+            <a:ext cx="397177" cy="447790"/>
+          </a:xfrm>
+          <a:prstGeom prst="rect">
+            <a:avLst/>
+          </a:prstGeom>
+          <a:solidFill>
+            <a:srgbClr val="FFFF00"/>
+          </a:solidFill>
+        </p:spPr>
+        <p:style>
+          <a:lnRef idx="2">
+            <a:schemeClr val="accent1">
+              <a:shade val="50000"/>
+            </a:schemeClr>
+          </a:lnRef>
+          <a:fillRef idx="1">
+            <a:schemeClr val="accent1"/>
+          </a:fillRef>
+          <a:effectRef idx="0">
+            <a:schemeClr val="accent1"/>
+          </a:effectRef>
+          <a:fontRef idx="minor">
+            <a:schemeClr val="lt1"/>
+          </a:fontRef>
+        </p:style>
+        <p:txBody>
+          <a:bodyPr rtlCol="0" anchor="ctr"/>
+          <a:lstStyle/>
+          <a:p>
+            <a:pPr algn="ctr"/>
+            <a:r>
+              <a:rPr kumimoji="1" lang="en-US" altLang="ko-Kore-KR" dirty="0">
+                <a:solidFill>
+                  <a:schemeClr val="tx1"/>
+                </a:solidFill>
+                <a:latin typeface="DM Mono" panose="020B0509040201040103" pitchFamily="49" charset="0"/>
+              </a:rPr>
+              <a:t>o</a:t>
+            </a:r>
+            <a:endParaRPr kumimoji="1" lang="ko-Kore-KR" altLang="en-US" dirty="0">
+              <a:solidFill>
+                <a:schemeClr val="tx1"/>
+              </a:solidFill>
+              <a:latin typeface="DM Mono" panose="020B0509040201040103" pitchFamily="49" charset="0"/>
+            </a:endParaRPr>
+          </a:p>
+        </p:txBody>
+      </p:sp>
+      <p:sp>
+        <p:nvSpPr>
+          <p:cNvPr id="5" name="TextBox 4">
+            <a:extLst>
+              <a:ext uri="{FF2B5EF4-FFF2-40B4-BE49-F238E27FC236}">
+                <a16:creationId xmlns:a16="http://schemas.microsoft.com/office/drawing/2014/main" id="{96FC3825-C611-2378-83B6-48EA7287F7E6}"/>
+              </a:ext>
+            </a:extLst>
+          </p:cNvPr>
+          <p:cNvSpPr txBox="1"/>
+          <p:nvPr/>
+        </p:nvSpPr>
+        <p:spPr>
+          <a:xfrm>
+            <a:off x="4033391" y="3424319"/>
+            <a:ext cx="1039479" cy="369332"/>
+          </a:xfrm>
+          <a:prstGeom prst="rect">
+            <a:avLst/>
+          </a:prstGeom>
+          <a:noFill/>
+        </p:spPr>
+        <p:txBody>
+          <a:bodyPr wrap="square">
+            <a:spAutoFit/>
+          </a:bodyPr>
+          <a:lstStyle/>
+          <a:p>
+            <a:r>
+              <a:rPr lang="en" altLang="ko-Kore-KR" sz="1800" dirty="0" err="1">
+                <a:latin typeface="DM Mono" panose="020B0509040201040103" pitchFamily="49" charset="0"/>
+              </a:rPr>
+              <a:t>strtok</a:t>
+            </a:r>
+            <a:endParaRPr lang="ko-Kore-KR" altLang="en-US" dirty="0"/>
+          </a:p>
+        </p:txBody>
+      </p:sp>
+      <p:sp>
+        <p:nvSpPr>
+          <p:cNvPr id="6" name="직사각형 5">
+            <a:extLst>
+              <a:ext uri="{FF2B5EF4-FFF2-40B4-BE49-F238E27FC236}">
+                <a16:creationId xmlns:a16="http://schemas.microsoft.com/office/drawing/2014/main" id="{91F8AE22-511E-494F-D878-285B8F9B6007}"/>
+              </a:ext>
+            </a:extLst>
+          </p:cNvPr>
+          <p:cNvSpPr/>
+          <p:nvPr/>
+        </p:nvSpPr>
+        <p:spPr>
+          <a:xfrm>
+            <a:off x="4086760" y="3887097"/>
+            <a:ext cx="5350539" cy="1843908"/>
+          </a:xfrm>
+          <a:prstGeom prst="rect">
+            <a:avLst/>
+          </a:prstGeom>
+        </p:spPr>
+        <p:style>
+          <a:lnRef idx="2">
+            <a:schemeClr val="dk1"/>
+          </a:lnRef>
+          <a:fillRef idx="1">
+            <a:schemeClr val="lt1"/>
+          </a:fillRef>
+          <a:effectRef idx="0">
+            <a:schemeClr val="dk1"/>
+          </a:effectRef>
+          <a:fontRef idx="minor">
+            <a:schemeClr val="dk1"/>
+          </a:fontRef>
+        </p:style>
+        <p:txBody>
+          <a:bodyPr rtlCol="0" anchor="ctr"/>
+          <a:lstStyle/>
+          <a:p>
+            <a:pPr algn="ctr"/>
+            <a:endParaRPr kumimoji="1" lang="ko-Kore-KR" altLang="en-US" dirty="0">
+              <a:solidFill>
+                <a:schemeClr val="tx1"/>
+              </a:solidFill>
+            </a:endParaRPr>
+          </a:p>
+        </p:txBody>
+      </p:sp>
+      <p:sp>
+        <p:nvSpPr>
+          <p:cNvPr id="16" name="직사각형 15">
+            <a:extLst>
+              <a:ext uri="{FF2B5EF4-FFF2-40B4-BE49-F238E27FC236}">
+                <a16:creationId xmlns:a16="http://schemas.microsoft.com/office/drawing/2014/main" id="{EBAD68AF-1BB6-3C95-3642-1A627C303A04}"/>
+              </a:ext>
+            </a:extLst>
+          </p:cNvPr>
+          <p:cNvSpPr/>
+          <p:nvPr/>
+        </p:nvSpPr>
+        <p:spPr>
+          <a:xfrm>
+            <a:off x="3142796" y="4017521"/>
+            <a:ext cx="397177" cy="447790"/>
+          </a:xfrm>
+          <a:prstGeom prst="rect">
+            <a:avLst/>
+          </a:prstGeom>
+          <a:solidFill>
+            <a:srgbClr val="FFFF00"/>
+          </a:solidFill>
+        </p:spPr>
+        <p:style>
+          <a:lnRef idx="2">
+            <a:schemeClr val="accent1">
+              <a:shade val="50000"/>
+            </a:schemeClr>
+          </a:lnRef>
+          <a:fillRef idx="1">
+            <a:schemeClr val="accent1"/>
+          </a:fillRef>
+          <a:effectRef idx="0">
+            <a:schemeClr val="accent1"/>
+          </a:effectRef>
+          <a:fontRef idx="minor">
+            <a:schemeClr val="lt1"/>
+          </a:fontRef>
+        </p:style>
+        <p:txBody>
+          <a:bodyPr rtlCol="0" anchor="ctr"/>
+          <a:lstStyle/>
+          <a:p>
+            <a:pPr algn="ctr"/>
+            <a:endParaRPr kumimoji="1" lang="ko-Kore-KR" altLang="en-US" dirty="0">
+              <a:solidFill>
+                <a:schemeClr val="tx1"/>
+              </a:solidFill>
+              <a:latin typeface="DM Mono" panose="020B0509040201040103" pitchFamily="49" charset="0"/>
+            </a:endParaRPr>
+          </a:p>
+        </p:txBody>
+      </p:sp>
+      <p:sp>
+        <p:nvSpPr>
+          <p:cNvPr id="18" name="TextBox 17">
+            <a:extLst>
+              <a:ext uri="{FF2B5EF4-FFF2-40B4-BE49-F238E27FC236}">
+                <a16:creationId xmlns:a16="http://schemas.microsoft.com/office/drawing/2014/main" id="{9E5A6366-51CC-7B04-1DC8-DAB3CF0A8245}"/>
+              </a:ext>
+            </a:extLst>
+          </p:cNvPr>
+          <p:cNvSpPr txBox="1"/>
+          <p:nvPr/>
+        </p:nvSpPr>
+        <p:spPr>
+          <a:xfrm>
+            <a:off x="2830004" y="4056750"/>
+            <a:ext cx="360153" cy="369332"/>
+          </a:xfrm>
+          <a:prstGeom prst="rect">
+            <a:avLst/>
+          </a:prstGeom>
+          <a:noFill/>
+        </p:spPr>
+        <p:txBody>
+          <a:bodyPr wrap="square">
+            <a:spAutoFit/>
+          </a:bodyPr>
+          <a:lstStyle/>
+          <a:p>
+            <a:r>
+              <a:rPr lang="en" altLang="ko-Kore-KR" sz="1800" dirty="0">
+                <a:latin typeface="DM Mono" panose="020B0509040201040103" pitchFamily="49" charset="0"/>
+              </a:rPr>
+              <a:t>s</a:t>
+            </a:r>
+            <a:endParaRPr lang="ko-Kore-KR" altLang="en-US" dirty="0"/>
+          </a:p>
+        </p:txBody>
+      </p:sp>
+      <p:cxnSp>
+        <p:nvCxnSpPr>
+          <p:cNvPr id="20" name="구부러진 연결선[U] 19">
+            <a:extLst>
+              <a:ext uri="{FF2B5EF4-FFF2-40B4-BE49-F238E27FC236}">
+                <a16:creationId xmlns:a16="http://schemas.microsoft.com/office/drawing/2014/main" id="{78E837BD-3382-3027-5BD2-552E760E5B1A}"/>
+              </a:ext>
+            </a:extLst>
+          </p:cNvPr>
+          <p:cNvCxnSpPr>
+            <a:cxnSpLocks/>
+            <a:stCxn id="16" idx="3"/>
+            <a:endCxn id="45" idx="2"/>
+          </p:cNvCxnSpPr>
+          <p:nvPr/>
+        </p:nvCxnSpPr>
+        <p:spPr>
+          <a:xfrm flipV="1">
+            <a:off x="3539973" y="1673228"/>
+            <a:ext cx="5867128" cy="2568188"/>
+          </a:xfrm>
+          <a:prstGeom prst="curvedConnector2">
+            <a:avLst/>
+          </a:prstGeom>
+          <a:ln>
+            <a:tailEnd type="triangle"/>
+          </a:ln>
+        </p:spPr>
+        <p:style>
+          <a:lnRef idx="1">
+            <a:schemeClr val="dk1"/>
+          </a:lnRef>
+          <a:fillRef idx="0">
+            <a:schemeClr val="dk1"/>
+          </a:fillRef>
+          <a:effectRef idx="0">
+            <a:schemeClr val="dk1"/>
+          </a:effectRef>
+          <a:fontRef idx="minor">
+            <a:schemeClr val="tx1"/>
+          </a:fontRef>
+        </p:style>
+      </p:cxnSp>
+    </p:spTree>
+    <p:extLst>
+      <p:ext uri="{BB962C8B-B14F-4D97-AF65-F5344CB8AC3E}">
+        <p14:creationId xmlns:p14="http://schemas.microsoft.com/office/powerpoint/2010/main" val="3811039806"/>
       </p:ext>
     </p:extLst>
   </p:cSld>

--- a/230216.pptx
+++ b/230216.pptx
@@ -5,7 +5,7 @@
     <p:sldMasterId id="2147483648" r:id="rId1"/>
   </p:sldMasterIdLst>
   <p:notesMasterIdLst>
-    <p:notesMasterId r:id="rId51"/>
+    <p:notesMasterId r:id="rId52"/>
   </p:notesMasterIdLst>
   <p:sldIdLst>
     <p:sldId id="256" r:id="rId2"/>
@@ -57,6 +57,7 @@
     <p:sldId id="303" r:id="rId48"/>
     <p:sldId id="304" r:id="rId49"/>
     <p:sldId id="305" r:id="rId50"/>
+    <p:sldId id="306" r:id="rId51"/>
   </p:sldIdLst>
   <p:sldSz cx="12192000" cy="6858000"/>
   <p:notesSz cx="6858000" cy="9144000"/>
@@ -50634,6 +50635,1523 @@
     <p:extLst>
       <p:ext uri="{BB962C8B-B14F-4D97-AF65-F5344CB8AC3E}">
         <p14:creationId xmlns:p14="http://schemas.microsoft.com/office/powerpoint/2010/main" val="1084866487"/>
+      </p:ext>
+    </p:extLst>
+  </p:cSld>
+  <p:clrMapOvr>
+    <a:masterClrMapping/>
+  </p:clrMapOvr>
+</p:sld>
+</file>
+
+<file path=ppt/slides/slide50.xml><?xml version="1.0" encoding="utf-8"?>
+<p:sld xmlns:a="http://schemas.openxmlformats.org/drawingml/2006/main" xmlns:r="http://schemas.openxmlformats.org/officeDocument/2006/relationships" xmlns:p="http://schemas.openxmlformats.org/presentationml/2006/main">
+  <p:cSld>
+    <p:spTree>
+      <p:nvGrpSpPr>
+        <p:cNvPr id="1" name=""/>
+        <p:cNvGrpSpPr/>
+        <p:nvPr/>
+      </p:nvGrpSpPr>
+      <p:grpSpPr>
+        <a:xfrm>
+          <a:off x="0" y="0"/>
+          <a:ext cx="0" cy="0"/>
+          <a:chOff x="0" y="0"/>
+          <a:chExt cx="0" cy="0"/>
+        </a:xfrm>
+      </p:grpSpPr>
+      <p:sp>
+        <p:nvSpPr>
+          <p:cNvPr id="4" name="직사각형 3">
+            <a:extLst>
+              <a:ext uri="{FF2B5EF4-FFF2-40B4-BE49-F238E27FC236}">
+                <a16:creationId xmlns:a16="http://schemas.microsoft.com/office/drawing/2014/main" id="{35433643-700B-AD59-8E8C-B28887EB692F}"/>
+              </a:ext>
+            </a:extLst>
+          </p:cNvPr>
+          <p:cNvSpPr/>
+          <p:nvPr/>
+        </p:nvSpPr>
+        <p:spPr>
+          <a:xfrm>
+            <a:off x="1160861" y="3712069"/>
+            <a:ext cx="397177" cy="447790"/>
+          </a:xfrm>
+          <a:prstGeom prst="rect">
+            <a:avLst/>
+          </a:prstGeom>
+          <a:solidFill>
+            <a:srgbClr val="FFC000"/>
+          </a:solidFill>
+        </p:spPr>
+        <p:style>
+          <a:lnRef idx="2">
+            <a:schemeClr val="accent1">
+              <a:shade val="50000"/>
+            </a:schemeClr>
+          </a:lnRef>
+          <a:fillRef idx="1">
+            <a:schemeClr val="accent1"/>
+          </a:fillRef>
+          <a:effectRef idx="0">
+            <a:schemeClr val="accent1"/>
+          </a:effectRef>
+          <a:fontRef idx="minor">
+            <a:schemeClr val="lt1"/>
+          </a:fontRef>
+        </p:style>
+        <p:txBody>
+          <a:bodyPr rtlCol="0" anchor="ctr"/>
+          <a:lstStyle/>
+          <a:p>
+            <a:pPr algn="ctr"/>
+            <a:endParaRPr kumimoji="1" lang="ko-Kore-KR" altLang="en-US" dirty="0">
+              <a:solidFill>
+                <a:schemeClr val="tx1"/>
+              </a:solidFill>
+              <a:latin typeface="DM Mono" panose="020B0509040201040103" pitchFamily="49" charset="0"/>
+            </a:endParaRPr>
+          </a:p>
+        </p:txBody>
+      </p:sp>
+      <p:sp>
+        <p:nvSpPr>
+          <p:cNvPr id="5" name="직사각형 4">
+            <a:extLst>
+              <a:ext uri="{FF2B5EF4-FFF2-40B4-BE49-F238E27FC236}">
+                <a16:creationId xmlns:a16="http://schemas.microsoft.com/office/drawing/2014/main" id="{D79E2BDB-4A15-A4CC-D1C9-31687C7A5A79}"/>
+              </a:ext>
+            </a:extLst>
+          </p:cNvPr>
+          <p:cNvSpPr/>
+          <p:nvPr/>
+        </p:nvSpPr>
+        <p:spPr>
+          <a:xfrm>
+            <a:off x="1576010" y="3712069"/>
+            <a:ext cx="397177" cy="447790"/>
+          </a:xfrm>
+          <a:prstGeom prst="rect">
+            <a:avLst/>
+          </a:prstGeom>
+          <a:solidFill>
+            <a:srgbClr val="FFFF00"/>
+          </a:solidFill>
+        </p:spPr>
+        <p:style>
+          <a:lnRef idx="2">
+            <a:schemeClr val="accent1">
+              <a:shade val="50000"/>
+            </a:schemeClr>
+          </a:lnRef>
+          <a:fillRef idx="1">
+            <a:schemeClr val="accent1"/>
+          </a:fillRef>
+          <a:effectRef idx="0">
+            <a:schemeClr val="accent1"/>
+          </a:effectRef>
+          <a:fontRef idx="minor">
+            <a:schemeClr val="lt1"/>
+          </a:fontRef>
+        </p:style>
+        <p:txBody>
+          <a:bodyPr rtlCol="0" anchor="ctr"/>
+          <a:lstStyle/>
+          <a:p>
+            <a:pPr algn="ctr"/>
+            <a:endParaRPr kumimoji="1" lang="ko-Kore-KR" altLang="en-US" dirty="0">
+              <a:solidFill>
+                <a:schemeClr val="tx1"/>
+              </a:solidFill>
+              <a:latin typeface="DM Mono" panose="020B0509040201040103" pitchFamily="49" charset="0"/>
+            </a:endParaRPr>
+          </a:p>
+        </p:txBody>
+      </p:sp>
+      <p:sp>
+        <p:nvSpPr>
+          <p:cNvPr id="6" name="직사각형 5">
+            <a:extLst>
+              <a:ext uri="{FF2B5EF4-FFF2-40B4-BE49-F238E27FC236}">
+                <a16:creationId xmlns:a16="http://schemas.microsoft.com/office/drawing/2014/main" id="{31C27203-F48B-7718-7734-31F1010FE130}"/>
+              </a:ext>
+            </a:extLst>
+          </p:cNvPr>
+          <p:cNvSpPr/>
+          <p:nvPr/>
+        </p:nvSpPr>
+        <p:spPr>
+          <a:xfrm>
+            <a:off x="1991159" y="3712069"/>
+            <a:ext cx="397177" cy="447790"/>
+          </a:xfrm>
+          <a:prstGeom prst="rect">
+            <a:avLst/>
+          </a:prstGeom>
+          <a:solidFill>
+            <a:srgbClr val="FFFF00"/>
+          </a:solidFill>
+        </p:spPr>
+        <p:style>
+          <a:lnRef idx="2">
+            <a:schemeClr val="accent1">
+              <a:shade val="50000"/>
+            </a:schemeClr>
+          </a:lnRef>
+          <a:fillRef idx="1">
+            <a:schemeClr val="accent1"/>
+          </a:fillRef>
+          <a:effectRef idx="0">
+            <a:schemeClr val="accent1"/>
+          </a:effectRef>
+          <a:fontRef idx="minor">
+            <a:schemeClr val="lt1"/>
+          </a:fontRef>
+        </p:style>
+        <p:txBody>
+          <a:bodyPr rtlCol="0" anchor="ctr"/>
+          <a:lstStyle/>
+          <a:p>
+            <a:pPr algn="ctr"/>
+            <a:endParaRPr kumimoji="1" lang="ko-Kore-KR" altLang="en-US" dirty="0">
+              <a:solidFill>
+                <a:schemeClr val="tx1"/>
+              </a:solidFill>
+              <a:latin typeface="DM Mono" panose="020B0509040201040103" pitchFamily="49" charset="0"/>
+            </a:endParaRPr>
+          </a:p>
+        </p:txBody>
+      </p:sp>
+      <p:sp>
+        <p:nvSpPr>
+          <p:cNvPr id="7" name="직사각형 6">
+            <a:extLst>
+              <a:ext uri="{FF2B5EF4-FFF2-40B4-BE49-F238E27FC236}">
+                <a16:creationId xmlns:a16="http://schemas.microsoft.com/office/drawing/2014/main" id="{D2ADA685-5ADE-C51B-240B-5090E21671E9}"/>
+              </a:ext>
+            </a:extLst>
+          </p:cNvPr>
+          <p:cNvSpPr/>
+          <p:nvPr/>
+        </p:nvSpPr>
+        <p:spPr>
+          <a:xfrm>
+            <a:off x="2406308" y="3712069"/>
+            <a:ext cx="397177" cy="447790"/>
+          </a:xfrm>
+          <a:prstGeom prst="rect">
+            <a:avLst/>
+          </a:prstGeom>
+          <a:solidFill>
+            <a:srgbClr val="FFFF00"/>
+          </a:solidFill>
+        </p:spPr>
+        <p:style>
+          <a:lnRef idx="2">
+            <a:schemeClr val="accent1">
+              <a:shade val="50000"/>
+            </a:schemeClr>
+          </a:lnRef>
+          <a:fillRef idx="1">
+            <a:schemeClr val="accent1"/>
+          </a:fillRef>
+          <a:effectRef idx="0">
+            <a:schemeClr val="accent1"/>
+          </a:effectRef>
+          <a:fontRef idx="minor">
+            <a:schemeClr val="lt1"/>
+          </a:fontRef>
+        </p:style>
+        <p:txBody>
+          <a:bodyPr rtlCol="0" anchor="ctr"/>
+          <a:lstStyle/>
+          <a:p>
+            <a:pPr algn="ctr"/>
+            <a:endParaRPr kumimoji="1" lang="ko-Kore-KR" altLang="en-US" dirty="0">
+              <a:solidFill>
+                <a:schemeClr val="tx1"/>
+              </a:solidFill>
+              <a:latin typeface="DM Mono" panose="020B0509040201040103" pitchFamily="49" charset="0"/>
+            </a:endParaRPr>
+          </a:p>
+        </p:txBody>
+      </p:sp>
+      <p:sp>
+        <p:nvSpPr>
+          <p:cNvPr id="8" name="직사각형 7">
+            <a:extLst>
+              <a:ext uri="{FF2B5EF4-FFF2-40B4-BE49-F238E27FC236}">
+                <a16:creationId xmlns:a16="http://schemas.microsoft.com/office/drawing/2014/main" id="{6BBCE879-C723-F2B3-F406-F27CFE0857E7}"/>
+              </a:ext>
+            </a:extLst>
+          </p:cNvPr>
+          <p:cNvSpPr/>
+          <p:nvPr/>
+        </p:nvSpPr>
+        <p:spPr>
+          <a:xfrm>
+            <a:off x="2821457" y="3712069"/>
+            <a:ext cx="397177" cy="447790"/>
+          </a:xfrm>
+          <a:prstGeom prst="rect">
+            <a:avLst/>
+          </a:prstGeom>
+          <a:solidFill>
+            <a:srgbClr val="FFFF00"/>
+          </a:solidFill>
+        </p:spPr>
+        <p:style>
+          <a:lnRef idx="2">
+            <a:schemeClr val="accent1">
+              <a:shade val="50000"/>
+            </a:schemeClr>
+          </a:lnRef>
+          <a:fillRef idx="1">
+            <a:schemeClr val="accent1"/>
+          </a:fillRef>
+          <a:effectRef idx="0">
+            <a:schemeClr val="accent1"/>
+          </a:effectRef>
+          <a:fontRef idx="minor">
+            <a:schemeClr val="lt1"/>
+          </a:fontRef>
+        </p:style>
+        <p:txBody>
+          <a:bodyPr rtlCol="0" anchor="ctr"/>
+          <a:lstStyle/>
+          <a:p>
+            <a:pPr algn="ctr"/>
+            <a:endParaRPr kumimoji="1" lang="ko-Kore-KR" altLang="en-US" dirty="0">
+              <a:solidFill>
+                <a:schemeClr val="tx1"/>
+              </a:solidFill>
+              <a:latin typeface="DM Mono" panose="020B0509040201040103" pitchFamily="49" charset="0"/>
+            </a:endParaRPr>
+          </a:p>
+        </p:txBody>
+      </p:sp>
+      <p:sp>
+        <p:nvSpPr>
+          <p:cNvPr id="9" name="직사각형 8">
+            <a:extLst>
+              <a:ext uri="{FF2B5EF4-FFF2-40B4-BE49-F238E27FC236}">
+                <a16:creationId xmlns:a16="http://schemas.microsoft.com/office/drawing/2014/main" id="{FD332096-5EB0-16B2-F754-6330BD379854}"/>
+              </a:ext>
+            </a:extLst>
+          </p:cNvPr>
+          <p:cNvSpPr/>
+          <p:nvPr/>
+        </p:nvSpPr>
+        <p:spPr>
+          <a:xfrm>
+            <a:off x="3236606" y="3712069"/>
+            <a:ext cx="397177" cy="447790"/>
+          </a:xfrm>
+          <a:prstGeom prst="rect">
+            <a:avLst/>
+          </a:prstGeom>
+          <a:solidFill>
+            <a:srgbClr val="FFFF00"/>
+          </a:solidFill>
+        </p:spPr>
+        <p:style>
+          <a:lnRef idx="2">
+            <a:schemeClr val="accent1">
+              <a:shade val="50000"/>
+            </a:schemeClr>
+          </a:lnRef>
+          <a:fillRef idx="1">
+            <a:schemeClr val="accent1"/>
+          </a:fillRef>
+          <a:effectRef idx="0">
+            <a:schemeClr val="accent1"/>
+          </a:effectRef>
+          <a:fontRef idx="minor">
+            <a:schemeClr val="lt1"/>
+          </a:fontRef>
+        </p:style>
+        <p:txBody>
+          <a:bodyPr rtlCol="0" anchor="ctr"/>
+          <a:lstStyle/>
+          <a:p>
+            <a:pPr algn="ctr"/>
+            <a:endParaRPr kumimoji="1" lang="ko-Kore-KR" altLang="en-US" dirty="0">
+              <a:solidFill>
+                <a:schemeClr val="tx1"/>
+              </a:solidFill>
+              <a:latin typeface="DM Mono" panose="020B0509040201040103" pitchFamily="49" charset="0"/>
+            </a:endParaRPr>
+          </a:p>
+        </p:txBody>
+      </p:sp>
+      <p:sp>
+        <p:nvSpPr>
+          <p:cNvPr id="10" name="직사각형 9">
+            <a:extLst>
+              <a:ext uri="{FF2B5EF4-FFF2-40B4-BE49-F238E27FC236}">
+                <a16:creationId xmlns:a16="http://schemas.microsoft.com/office/drawing/2014/main" id="{2C3E7395-C8DF-122F-D4F1-B55E250551B8}"/>
+              </a:ext>
+            </a:extLst>
+          </p:cNvPr>
+          <p:cNvSpPr/>
+          <p:nvPr/>
+        </p:nvSpPr>
+        <p:spPr>
+          <a:xfrm>
+            <a:off x="3651755" y="3712069"/>
+            <a:ext cx="397177" cy="447790"/>
+          </a:xfrm>
+          <a:prstGeom prst="rect">
+            <a:avLst/>
+          </a:prstGeom>
+          <a:solidFill>
+            <a:srgbClr val="FFFF00"/>
+          </a:solidFill>
+        </p:spPr>
+        <p:style>
+          <a:lnRef idx="2">
+            <a:schemeClr val="accent1">
+              <a:shade val="50000"/>
+            </a:schemeClr>
+          </a:lnRef>
+          <a:fillRef idx="1">
+            <a:schemeClr val="accent1"/>
+          </a:fillRef>
+          <a:effectRef idx="0">
+            <a:schemeClr val="accent1"/>
+          </a:effectRef>
+          <a:fontRef idx="minor">
+            <a:schemeClr val="lt1"/>
+          </a:fontRef>
+        </p:style>
+        <p:txBody>
+          <a:bodyPr rtlCol="0" anchor="ctr"/>
+          <a:lstStyle/>
+          <a:p>
+            <a:pPr algn="ctr"/>
+            <a:endParaRPr kumimoji="1" lang="ko-Kore-KR" altLang="en-US" dirty="0">
+              <a:solidFill>
+                <a:schemeClr val="tx1"/>
+              </a:solidFill>
+              <a:latin typeface="DM Mono" panose="020B0509040201040103" pitchFamily="49" charset="0"/>
+            </a:endParaRPr>
+          </a:p>
+        </p:txBody>
+      </p:sp>
+      <p:sp>
+        <p:nvSpPr>
+          <p:cNvPr id="11" name="직사각형 10">
+            <a:extLst>
+              <a:ext uri="{FF2B5EF4-FFF2-40B4-BE49-F238E27FC236}">
+                <a16:creationId xmlns:a16="http://schemas.microsoft.com/office/drawing/2014/main" id="{A701056E-C45D-12E4-B226-E3A193011B5A}"/>
+              </a:ext>
+            </a:extLst>
+          </p:cNvPr>
+          <p:cNvSpPr/>
+          <p:nvPr/>
+        </p:nvSpPr>
+        <p:spPr>
+          <a:xfrm>
+            <a:off x="4066904" y="3712069"/>
+            <a:ext cx="397177" cy="447790"/>
+          </a:xfrm>
+          <a:prstGeom prst="rect">
+            <a:avLst/>
+          </a:prstGeom>
+          <a:solidFill>
+            <a:srgbClr val="FFFF00"/>
+          </a:solidFill>
+        </p:spPr>
+        <p:style>
+          <a:lnRef idx="2">
+            <a:schemeClr val="accent1">
+              <a:shade val="50000"/>
+            </a:schemeClr>
+          </a:lnRef>
+          <a:fillRef idx="1">
+            <a:schemeClr val="accent1"/>
+          </a:fillRef>
+          <a:effectRef idx="0">
+            <a:schemeClr val="accent1"/>
+          </a:effectRef>
+          <a:fontRef idx="minor">
+            <a:schemeClr val="lt1"/>
+          </a:fontRef>
+        </p:style>
+        <p:txBody>
+          <a:bodyPr rtlCol="0" anchor="ctr"/>
+          <a:lstStyle/>
+          <a:p>
+            <a:pPr algn="ctr"/>
+            <a:endParaRPr kumimoji="1" lang="ko-Kore-KR" altLang="en-US" dirty="0">
+              <a:solidFill>
+                <a:schemeClr val="tx1"/>
+              </a:solidFill>
+              <a:latin typeface="DM Mono" panose="020B0509040201040103" pitchFamily="49" charset="0"/>
+            </a:endParaRPr>
+          </a:p>
+        </p:txBody>
+      </p:sp>
+      <p:sp>
+        <p:nvSpPr>
+          <p:cNvPr id="13" name="TextBox 12">
+            <a:extLst>
+              <a:ext uri="{FF2B5EF4-FFF2-40B4-BE49-F238E27FC236}">
+                <a16:creationId xmlns:a16="http://schemas.microsoft.com/office/drawing/2014/main" id="{0FD2C107-3CF0-7FA7-9340-6F0221217A5A}"/>
+              </a:ext>
+            </a:extLst>
+          </p:cNvPr>
+          <p:cNvSpPr txBox="1"/>
+          <p:nvPr/>
+        </p:nvSpPr>
+        <p:spPr>
+          <a:xfrm>
+            <a:off x="599063" y="525435"/>
+            <a:ext cx="6094562" cy="1754326"/>
+          </a:xfrm>
+          <a:prstGeom prst="rect">
+            <a:avLst/>
+          </a:prstGeom>
+          <a:noFill/>
+        </p:spPr>
+        <p:txBody>
+          <a:bodyPr wrap="square">
+            <a:spAutoFit/>
+          </a:bodyPr>
+          <a:lstStyle/>
+          <a:p>
+            <a:r>
+              <a:rPr lang="ko-Kore-KR" altLang="en-US" dirty="0">
+                <a:latin typeface="DM Mono" panose="020B0509040201040103" pitchFamily="49" charset="0"/>
+              </a:rPr>
+              <a:t>union AAA</a:t>
+            </a:r>
+          </a:p>
+          <a:p>
+            <a:r>
+              <a:rPr lang="ko-Kore-KR" altLang="en-US" dirty="0">
+                <a:latin typeface="DM Mono" panose="020B0509040201040103" pitchFamily="49" charset="0"/>
+              </a:rPr>
+              <a:t>{</a:t>
+            </a:r>
+          </a:p>
+          <a:p>
+            <a:r>
+              <a:rPr lang="ko-Kore-KR" altLang="en-US" dirty="0">
+                <a:latin typeface="DM Mono" panose="020B0509040201040103" pitchFamily="49" charset="0"/>
+              </a:rPr>
+              <a:t>  char a;</a:t>
+            </a:r>
+          </a:p>
+          <a:p>
+            <a:r>
+              <a:rPr lang="ko-Kore-KR" altLang="en-US" dirty="0">
+                <a:latin typeface="DM Mono" panose="020B0509040201040103" pitchFamily="49" charset="0"/>
+              </a:rPr>
+              <a:t>  double b;</a:t>
+            </a:r>
+          </a:p>
+          <a:p>
+            <a:r>
+              <a:rPr lang="ko-Kore-KR" altLang="en-US" dirty="0">
+                <a:latin typeface="DM Mono" panose="020B0509040201040103" pitchFamily="49" charset="0"/>
+              </a:rPr>
+              <a:t>  int c;</a:t>
+            </a:r>
+          </a:p>
+          <a:p>
+            <a:r>
+              <a:rPr lang="ko-Kore-KR" altLang="en-US" dirty="0">
+                <a:latin typeface="DM Mono" panose="020B0509040201040103" pitchFamily="49" charset="0"/>
+              </a:rPr>
+              <a:t>};</a:t>
+            </a:r>
+          </a:p>
+        </p:txBody>
+      </p:sp>
+      <p:sp>
+        <p:nvSpPr>
+          <p:cNvPr id="15" name="TextBox 14">
+            <a:extLst>
+              <a:ext uri="{FF2B5EF4-FFF2-40B4-BE49-F238E27FC236}">
+                <a16:creationId xmlns:a16="http://schemas.microsoft.com/office/drawing/2014/main" id="{3D488F22-3B0F-4D67-C56D-165C70103037}"/>
+              </a:ext>
+            </a:extLst>
+          </p:cNvPr>
+          <p:cNvSpPr txBox="1"/>
+          <p:nvPr/>
+        </p:nvSpPr>
+        <p:spPr>
+          <a:xfrm>
+            <a:off x="763684" y="3695618"/>
+            <a:ext cx="397177" cy="369332"/>
+          </a:xfrm>
+          <a:prstGeom prst="rect">
+            <a:avLst/>
+          </a:prstGeom>
+          <a:noFill/>
+        </p:spPr>
+        <p:txBody>
+          <a:bodyPr wrap="square">
+            <a:spAutoFit/>
+          </a:bodyPr>
+          <a:lstStyle/>
+          <a:p>
+            <a:r>
+              <a:rPr lang="ko-Kore-KR" altLang="en-US" dirty="0">
+                <a:latin typeface="DM Mono" panose="020B0509040201040103" pitchFamily="49" charset="0"/>
+              </a:rPr>
+              <a:t>a</a:t>
+            </a:r>
+            <a:endParaRPr lang="ko-Kore-KR" altLang="en-US" dirty="0"/>
+          </a:p>
+        </p:txBody>
+      </p:sp>
+      <p:sp>
+        <p:nvSpPr>
+          <p:cNvPr id="16" name="TextBox 15">
+            <a:extLst>
+              <a:ext uri="{FF2B5EF4-FFF2-40B4-BE49-F238E27FC236}">
+                <a16:creationId xmlns:a16="http://schemas.microsoft.com/office/drawing/2014/main" id="{FEF473B0-4D5E-DAFD-40A4-7342D0B26861}"/>
+              </a:ext>
+            </a:extLst>
+          </p:cNvPr>
+          <p:cNvSpPr txBox="1"/>
+          <p:nvPr/>
+        </p:nvSpPr>
+        <p:spPr>
+          <a:xfrm>
+            <a:off x="781656" y="3231377"/>
+            <a:ext cx="397177" cy="369332"/>
+          </a:xfrm>
+          <a:prstGeom prst="rect">
+            <a:avLst/>
+          </a:prstGeom>
+          <a:noFill/>
+        </p:spPr>
+        <p:txBody>
+          <a:bodyPr wrap="square">
+            <a:spAutoFit/>
+          </a:bodyPr>
+          <a:lstStyle/>
+          <a:p>
+            <a:r>
+              <a:rPr lang="en-US" altLang="ko-Kore-KR" dirty="0">
+                <a:latin typeface="DM Mono" panose="020B0509040201040103" pitchFamily="49" charset="0"/>
+              </a:rPr>
+              <a:t>b</a:t>
+            </a:r>
+            <a:endParaRPr lang="ko-Kore-KR" altLang="en-US" dirty="0"/>
+          </a:p>
+        </p:txBody>
+      </p:sp>
+      <p:sp>
+        <p:nvSpPr>
+          <p:cNvPr id="17" name="TextBox 16">
+            <a:extLst>
+              <a:ext uri="{FF2B5EF4-FFF2-40B4-BE49-F238E27FC236}">
+                <a16:creationId xmlns:a16="http://schemas.microsoft.com/office/drawing/2014/main" id="{BD51A8BD-FDE8-43E2-F7B1-F7805F5D6292}"/>
+              </a:ext>
+            </a:extLst>
+          </p:cNvPr>
+          <p:cNvSpPr txBox="1"/>
+          <p:nvPr/>
+        </p:nvSpPr>
+        <p:spPr>
+          <a:xfrm>
+            <a:off x="763684" y="2683626"/>
+            <a:ext cx="397177" cy="369332"/>
+          </a:xfrm>
+          <a:prstGeom prst="rect">
+            <a:avLst/>
+          </a:prstGeom>
+          <a:noFill/>
+        </p:spPr>
+        <p:txBody>
+          <a:bodyPr wrap="square">
+            <a:spAutoFit/>
+          </a:bodyPr>
+          <a:lstStyle/>
+          <a:p>
+            <a:r>
+              <a:rPr lang="en-US" altLang="ko-Kore-KR" dirty="0">
+                <a:latin typeface="DM Mono" panose="020B0509040201040103" pitchFamily="49" charset="0"/>
+              </a:rPr>
+              <a:t>c</a:t>
+            </a:r>
+            <a:endParaRPr lang="ko-Kore-KR" altLang="en-US" dirty="0"/>
+          </a:p>
+        </p:txBody>
+      </p:sp>
+      <p:sp>
+        <p:nvSpPr>
+          <p:cNvPr id="18" name="직사각형 17">
+            <a:extLst>
+              <a:ext uri="{FF2B5EF4-FFF2-40B4-BE49-F238E27FC236}">
+                <a16:creationId xmlns:a16="http://schemas.microsoft.com/office/drawing/2014/main" id="{32198263-3EC1-E1C4-4A12-A54753BD53DE}"/>
+              </a:ext>
+            </a:extLst>
+          </p:cNvPr>
+          <p:cNvSpPr/>
+          <p:nvPr/>
+        </p:nvSpPr>
+        <p:spPr>
+          <a:xfrm>
+            <a:off x="1178833" y="3205105"/>
+            <a:ext cx="397177" cy="447790"/>
+          </a:xfrm>
+          <a:prstGeom prst="rect">
+            <a:avLst/>
+          </a:prstGeom>
+          <a:solidFill>
+            <a:srgbClr val="FFC000"/>
+          </a:solidFill>
+        </p:spPr>
+        <p:style>
+          <a:lnRef idx="2">
+            <a:schemeClr val="accent1">
+              <a:shade val="50000"/>
+            </a:schemeClr>
+          </a:lnRef>
+          <a:fillRef idx="1">
+            <a:schemeClr val="accent1"/>
+          </a:fillRef>
+          <a:effectRef idx="0">
+            <a:schemeClr val="accent1"/>
+          </a:effectRef>
+          <a:fontRef idx="minor">
+            <a:schemeClr val="lt1"/>
+          </a:fontRef>
+        </p:style>
+        <p:txBody>
+          <a:bodyPr rtlCol="0" anchor="ctr"/>
+          <a:lstStyle/>
+          <a:p>
+            <a:pPr algn="ctr"/>
+            <a:endParaRPr kumimoji="1" lang="ko-Kore-KR" altLang="en-US" dirty="0">
+              <a:solidFill>
+                <a:schemeClr val="tx1"/>
+              </a:solidFill>
+              <a:latin typeface="DM Mono" panose="020B0509040201040103" pitchFamily="49" charset="0"/>
+            </a:endParaRPr>
+          </a:p>
+        </p:txBody>
+      </p:sp>
+      <p:sp>
+        <p:nvSpPr>
+          <p:cNvPr id="19" name="직사각형 18">
+            <a:extLst>
+              <a:ext uri="{FF2B5EF4-FFF2-40B4-BE49-F238E27FC236}">
+                <a16:creationId xmlns:a16="http://schemas.microsoft.com/office/drawing/2014/main" id="{A58F3297-544A-512F-00F1-D806ACC3409A}"/>
+              </a:ext>
+            </a:extLst>
+          </p:cNvPr>
+          <p:cNvSpPr/>
+          <p:nvPr/>
+        </p:nvSpPr>
+        <p:spPr>
+          <a:xfrm>
+            <a:off x="1593982" y="3205105"/>
+            <a:ext cx="397177" cy="447790"/>
+          </a:xfrm>
+          <a:prstGeom prst="rect">
+            <a:avLst/>
+          </a:prstGeom>
+          <a:solidFill>
+            <a:srgbClr val="FFC000"/>
+          </a:solidFill>
+        </p:spPr>
+        <p:style>
+          <a:lnRef idx="2">
+            <a:schemeClr val="accent1">
+              <a:shade val="50000"/>
+            </a:schemeClr>
+          </a:lnRef>
+          <a:fillRef idx="1">
+            <a:schemeClr val="accent1"/>
+          </a:fillRef>
+          <a:effectRef idx="0">
+            <a:schemeClr val="accent1"/>
+          </a:effectRef>
+          <a:fontRef idx="minor">
+            <a:schemeClr val="lt1"/>
+          </a:fontRef>
+        </p:style>
+        <p:txBody>
+          <a:bodyPr rtlCol="0" anchor="ctr"/>
+          <a:lstStyle/>
+          <a:p>
+            <a:pPr algn="ctr"/>
+            <a:endParaRPr kumimoji="1" lang="ko-Kore-KR" altLang="en-US" dirty="0">
+              <a:solidFill>
+                <a:schemeClr val="tx1"/>
+              </a:solidFill>
+              <a:latin typeface="DM Mono" panose="020B0509040201040103" pitchFamily="49" charset="0"/>
+            </a:endParaRPr>
+          </a:p>
+        </p:txBody>
+      </p:sp>
+      <p:sp>
+        <p:nvSpPr>
+          <p:cNvPr id="20" name="직사각형 19">
+            <a:extLst>
+              <a:ext uri="{FF2B5EF4-FFF2-40B4-BE49-F238E27FC236}">
+                <a16:creationId xmlns:a16="http://schemas.microsoft.com/office/drawing/2014/main" id="{3D6930BD-CE1D-90B6-7F13-9339A39FBCCA}"/>
+              </a:ext>
+            </a:extLst>
+          </p:cNvPr>
+          <p:cNvSpPr/>
+          <p:nvPr/>
+        </p:nvSpPr>
+        <p:spPr>
+          <a:xfrm>
+            <a:off x="2009131" y="3205105"/>
+            <a:ext cx="397177" cy="447790"/>
+          </a:xfrm>
+          <a:prstGeom prst="rect">
+            <a:avLst/>
+          </a:prstGeom>
+          <a:solidFill>
+            <a:srgbClr val="FFC000"/>
+          </a:solidFill>
+        </p:spPr>
+        <p:style>
+          <a:lnRef idx="2">
+            <a:schemeClr val="accent1">
+              <a:shade val="50000"/>
+            </a:schemeClr>
+          </a:lnRef>
+          <a:fillRef idx="1">
+            <a:schemeClr val="accent1"/>
+          </a:fillRef>
+          <a:effectRef idx="0">
+            <a:schemeClr val="accent1"/>
+          </a:effectRef>
+          <a:fontRef idx="minor">
+            <a:schemeClr val="lt1"/>
+          </a:fontRef>
+        </p:style>
+        <p:txBody>
+          <a:bodyPr rtlCol="0" anchor="ctr"/>
+          <a:lstStyle/>
+          <a:p>
+            <a:pPr algn="ctr"/>
+            <a:endParaRPr kumimoji="1" lang="ko-Kore-KR" altLang="en-US" dirty="0">
+              <a:solidFill>
+                <a:schemeClr val="tx1"/>
+              </a:solidFill>
+              <a:latin typeface="DM Mono" panose="020B0509040201040103" pitchFamily="49" charset="0"/>
+            </a:endParaRPr>
+          </a:p>
+        </p:txBody>
+      </p:sp>
+      <p:sp>
+        <p:nvSpPr>
+          <p:cNvPr id="21" name="직사각형 20">
+            <a:extLst>
+              <a:ext uri="{FF2B5EF4-FFF2-40B4-BE49-F238E27FC236}">
+                <a16:creationId xmlns:a16="http://schemas.microsoft.com/office/drawing/2014/main" id="{11EA226F-349D-BBD3-9D13-B0A4969B604C}"/>
+              </a:ext>
+            </a:extLst>
+          </p:cNvPr>
+          <p:cNvSpPr/>
+          <p:nvPr/>
+        </p:nvSpPr>
+        <p:spPr>
+          <a:xfrm>
+            <a:off x="2424280" y="3205105"/>
+            <a:ext cx="397177" cy="447790"/>
+          </a:xfrm>
+          <a:prstGeom prst="rect">
+            <a:avLst/>
+          </a:prstGeom>
+          <a:solidFill>
+            <a:srgbClr val="FFC000"/>
+          </a:solidFill>
+        </p:spPr>
+        <p:style>
+          <a:lnRef idx="2">
+            <a:schemeClr val="accent1">
+              <a:shade val="50000"/>
+            </a:schemeClr>
+          </a:lnRef>
+          <a:fillRef idx="1">
+            <a:schemeClr val="accent1"/>
+          </a:fillRef>
+          <a:effectRef idx="0">
+            <a:schemeClr val="accent1"/>
+          </a:effectRef>
+          <a:fontRef idx="minor">
+            <a:schemeClr val="lt1"/>
+          </a:fontRef>
+        </p:style>
+        <p:txBody>
+          <a:bodyPr rtlCol="0" anchor="ctr"/>
+          <a:lstStyle/>
+          <a:p>
+            <a:pPr algn="ctr"/>
+            <a:endParaRPr kumimoji="1" lang="ko-Kore-KR" altLang="en-US" dirty="0">
+              <a:solidFill>
+                <a:schemeClr val="tx1"/>
+              </a:solidFill>
+              <a:latin typeface="DM Mono" panose="020B0509040201040103" pitchFamily="49" charset="0"/>
+            </a:endParaRPr>
+          </a:p>
+        </p:txBody>
+      </p:sp>
+      <p:sp>
+        <p:nvSpPr>
+          <p:cNvPr id="22" name="직사각형 21">
+            <a:extLst>
+              <a:ext uri="{FF2B5EF4-FFF2-40B4-BE49-F238E27FC236}">
+                <a16:creationId xmlns:a16="http://schemas.microsoft.com/office/drawing/2014/main" id="{1766AC86-163D-5A5A-4D7A-230FE44EB6D3}"/>
+              </a:ext>
+            </a:extLst>
+          </p:cNvPr>
+          <p:cNvSpPr/>
+          <p:nvPr/>
+        </p:nvSpPr>
+        <p:spPr>
+          <a:xfrm>
+            <a:off x="2839429" y="3205105"/>
+            <a:ext cx="397177" cy="447790"/>
+          </a:xfrm>
+          <a:prstGeom prst="rect">
+            <a:avLst/>
+          </a:prstGeom>
+          <a:solidFill>
+            <a:srgbClr val="FFC000"/>
+          </a:solidFill>
+        </p:spPr>
+        <p:style>
+          <a:lnRef idx="2">
+            <a:schemeClr val="accent1">
+              <a:shade val="50000"/>
+            </a:schemeClr>
+          </a:lnRef>
+          <a:fillRef idx="1">
+            <a:schemeClr val="accent1"/>
+          </a:fillRef>
+          <a:effectRef idx="0">
+            <a:schemeClr val="accent1"/>
+          </a:effectRef>
+          <a:fontRef idx="minor">
+            <a:schemeClr val="lt1"/>
+          </a:fontRef>
+        </p:style>
+        <p:txBody>
+          <a:bodyPr rtlCol="0" anchor="ctr"/>
+          <a:lstStyle/>
+          <a:p>
+            <a:pPr algn="ctr"/>
+            <a:endParaRPr kumimoji="1" lang="ko-Kore-KR" altLang="en-US" dirty="0">
+              <a:solidFill>
+                <a:schemeClr val="tx1"/>
+              </a:solidFill>
+              <a:latin typeface="DM Mono" panose="020B0509040201040103" pitchFamily="49" charset="0"/>
+            </a:endParaRPr>
+          </a:p>
+        </p:txBody>
+      </p:sp>
+      <p:sp>
+        <p:nvSpPr>
+          <p:cNvPr id="23" name="직사각형 22">
+            <a:extLst>
+              <a:ext uri="{FF2B5EF4-FFF2-40B4-BE49-F238E27FC236}">
+                <a16:creationId xmlns:a16="http://schemas.microsoft.com/office/drawing/2014/main" id="{F9CCA86F-C485-B229-212B-72411D232E00}"/>
+              </a:ext>
+            </a:extLst>
+          </p:cNvPr>
+          <p:cNvSpPr/>
+          <p:nvPr/>
+        </p:nvSpPr>
+        <p:spPr>
+          <a:xfrm>
+            <a:off x="3254578" y="3205105"/>
+            <a:ext cx="397177" cy="447790"/>
+          </a:xfrm>
+          <a:prstGeom prst="rect">
+            <a:avLst/>
+          </a:prstGeom>
+          <a:solidFill>
+            <a:srgbClr val="FFC000"/>
+          </a:solidFill>
+        </p:spPr>
+        <p:style>
+          <a:lnRef idx="2">
+            <a:schemeClr val="accent1">
+              <a:shade val="50000"/>
+            </a:schemeClr>
+          </a:lnRef>
+          <a:fillRef idx="1">
+            <a:schemeClr val="accent1"/>
+          </a:fillRef>
+          <a:effectRef idx="0">
+            <a:schemeClr val="accent1"/>
+          </a:effectRef>
+          <a:fontRef idx="minor">
+            <a:schemeClr val="lt1"/>
+          </a:fontRef>
+        </p:style>
+        <p:txBody>
+          <a:bodyPr rtlCol="0" anchor="ctr"/>
+          <a:lstStyle/>
+          <a:p>
+            <a:pPr algn="ctr"/>
+            <a:endParaRPr kumimoji="1" lang="ko-Kore-KR" altLang="en-US" dirty="0">
+              <a:solidFill>
+                <a:schemeClr val="tx1"/>
+              </a:solidFill>
+              <a:latin typeface="DM Mono" panose="020B0509040201040103" pitchFamily="49" charset="0"/>
+            </a:endParaRPr>
+          </a:p>
+        </p:txBody>
+      </p:sp>
+      <p:sp>
+        <p:nvSpPr>
+          <p:cNvPr id="24" name="직사각형 23">
+            <a:extLst>
+              <a:ext uri="{FF2B5EF4-FFF2-40B4-BE49-F238E27FC236}">
+                <a16:creationId xmlns:a16="http://schemas.microsoft.com/office/drawing/2014/main" id="{EE1B3EE6-75DB-CCD1-73F1-C2597E91F47D}"/>
+              </a:ext>
+            </a:extLst>
+          </p:cNvPr>
+          <p:cNvSpPr/>
+          <p:nvPr/>
+        </p:nvSpPr>
+        <p:spPr>
+          <a:xfrm>
+            <a:off x="3669727" y="3205105"/>
+            <a:ext cx="397177" cy="447790"/>
+          </a:xfrm>
+          <a:prstGeom prst="rect">
+            <a:avLst/>
+          </a:prstGeom>
+          <a:solidFill>
+            <a:srgbClr val="FFC000"/>
+          </a:solidFill>
+        </p:spPr>
+        <p:style>
+          <a:lnRef idx="2">
+            <a:schemeClr val="accent1">
+              <a:shade val="50000"/>
+            </a:schemeClr>
+          </a:lnRef>
+          <a:fillRef idx="1">
+            <a:schemeClr val="accent1"/>
+          </a:fillRef>
+          <a:effectRef idx="0">
+            <a:schemeClr val="accent1"/>
+          </a:effectRef>
+          <a:fontRef idx="minor">
+            <a:schemeClr val="lt1"/>
+          </a:fontRef>
+        </p:style>
+        <p:txBody>
+          <a:bodyPr rtlCol="0" anchor="ctr"/>
+          <a:lstStyle/>
+          <a:p>
+            <a:pPr algn="ctr"/>
+            <a:endParaRPr kumimoji="1" lang="ko-Kore-KR" altLang="en-US" dirty="0">
+              <a:solidFill>
+                <a:schemeClr val="tx1"/>
+              </a:solidFill>
+              <a:latin typeface="DM Mono" panose="020B0509040201040103" pitchFamily="49" charset="0"/>
+            </a:endParaRPr>
+          </a:p>
+        </p:txBody>
+      </p:sp>
+      <p:sp>
+        <p:nvSpPr>
+          <p:cNvPr id="25" name="직사각형 24">
+            <a:extLst>
+              <a:ext uri="{FF2B5EF4-FFF2-40B4-BE49-F238E27FC236}">
+                <a16:creationId xmlns:a16="http://schemas.microsoft.com/office/drawing/2014/main" id="{7D554F5D-6C90-598E-A37F-EABE94344693}"/>
+              </a:ext>
+            </a:extLst>
+          </p:cNvPr>
+          <p:cNvSpPr/>
+          <p:nvPr/>
+        </p:nvSpPr>
+        <p:spPr>
+          <a:xfrm>
+            <a:off x="4084876" y="3205105"/>
+            <a:ext cx="397177" cy="447790"/>
+          </a:xfrm>
+          <a:prstGeom prst="rect">
+            <a:avLst/>
+          </a:prstGeom>
+          <a:solidFill>
+            <a:srgbClr val="FFC000"/>
+          </a:solidFill>
+        </p:spPr>
+        <p:style>
+          <a:lnRef idx="2">
+            <a:schemeClr val="accent1">
+              <a:shade val="50000"/>
+            </a:schemeClr>
+          </a:lnRef>
+          <a:fillRef idx="1">
+            <a:schemeClr val="accent1"/>
+          </a:fillRef>
+          <a:effectRef idx="0">
+            <a:schemeClr val="accent1"/>
+          </a:effectRef>
+          <a:fontRef idx="minor">
+            <a:schemeClr val="lt1"/>
+          </a:fontRef>
+        </p:style>
+        <p:txBody>
+          <a:bodyPr rtlCol="0" anchor="ctr"/>
+          <a:lstStyle/>
+          <a:p>
+            <a:pPr algn="ctr"/>
+            <a:endParaRPr kumimoji="1" lang="ko-Kore-KR" altLang="en-US" dirty="0">
+              <a:solidFill>
+                <a:schemeClr val="tx1"/>
+              </a:solidFill>
+              <a:latin typeface="DM Mono" panose="020B0509040201040103" pitchFamily="49" charset="0"/>
+            </a:endParaRPr>
+          </a:p>
+        </p:txBody>
+      </p:sp>
+      <p:sp>
+        <p:nvSpPr>
+          <p:cNvPr id="26" name="직사각형 25">
+            <a:extLst>
+              <a:ext uri="{FF2B5EF4-FFF2-40B4-BE49-F238E27FC236}">
+                <a16:creationId xmlns:a16="http://schemas.microsoft.com/office/drawing/2014/main" id="{9D682B3C-2AEC-B729-C1BA-C176CD30B1DB}"/>
+              </a:ext>
+            </a:extLst>
+          </p:cNvPr>
+          <p:cNvSpPr/>
+          <p:nvPr/>
+        </p:nvSpPr>
+        <p:spPr>
+          <a:xfrm>
+            <a:off x="1205693" y="2644397"/>
+            <a:ext cx="397177" cy="447790"/>
+          </a:xfrm>
+          <a:prstGeom prst="rect">
+            <a:avLst/>
+          </a:prstGeom>
+          <a:solidFill>
+            <a:srgbClr val="FFC000"/>
+          </a:solidFill>
+        </p:spPr>
+        <p:style>
+          <a:lnRef idx="2">
+            <a:schemeClr val="accent1">
+              <a:shade val="50000"/>
+            </a:schemeClr>
+          </a:lnRef>
+          <a:fillRef idx="1">
+            <a:schemeClr val="accent1"/>
+          </a:fillRef>
+          <a:effectRef idx="0">
+            <a:schemeClr val="accent1"/>
+          </a:effectRef>
+          <a:fontRef idx="minor">
+            <a:schemeClr val="lt1"/>
+          </a:fontRef>
+        </p:style>
+        <p:txBody>
+          <a:bodyPr rtlCol="0" anchor="ctr"/>
+          <a:lstStyle/>
+          <a:p>
+            <a:pPr algn="ctr"/>
+            <a:endParaRPr kumimoji="1" lang="ko-Kore-KR" altLang="en-US" dirty="0">
+              <a:solidFill>
+                <a:schemeClr val="tx1"/>
+              </a:solidFill>
+              <a:latin typeface="DM Mono" panose="020B0509040201040103" pitchFamily="49" charset="0"/>
+            </a:endParaRPr>
+          </a:p>
+        </p:txBody>
+      </p:sp>
+      <p:sp>
+        <p:nvSpPr>
+          <p:cNvPr id="27" name="직사각형 26">
+            <a:extLst>
+              <a:ext uri="{FF2B5EF4-FFF2-40B4-BE49-F238E27FC236}">
+                <a16:creationId xmlns:a16="http://schemas.microsoft.com/office/drawing/2014/main" id="{C606A2B6-D214-B88C-1AD5-35D82ED25F98}"/>
+              </a:ext>
+            </a:extLst>
+          </p:cNvPr>
+          <p:cNvSpPr/>
+          <p:nvPr/>
+        </p:nvSpPr>
+        <p:spPr>
+          <a:xfrm>
+            <a:off x="1620842" y="2644397"/>
+            <a:ext cx="397177" cy="447790"/>
+          </a:xfrm>
+          <a:prstGeom prst="rect">
+            <a:avLst/>
+          </a:prstGeom>
+          <a:solidFill>
+            <a:srgbClr val="FFC000"/>
+          </a:solidFill>
+        </p:spPr>
+        <p:style>
+          <a:lnRef idx="2">
+            <a:schemeClr val="accent1">
+              <a:shade val="50000"/>
+            </a:schemeClr>
+          </a:lnRef>
+          <a:fillRef idx="1">
+            <a:schemeClr val="accent1"/>
+          </a:fillRef>
+          <a:effectRef idx="0">
+            <a:schemeClr val="accent1"/>
+          </a:effectRef>
+          <a:fontRef idx="minor">
+            <a:schemeClr val="lt1"/>
+          </a:fontRef>
+        </p:style>
+        <p:txBody>
+          <a:bodyPr rtlCol="0" anchor="ctr"/>
+          <a:lstStyle/>
+          <a:p>
+            <a:pPr algn="ctr"/>
+            <a:endParaRPr kumimoji="1" lang="ko-Kore-KR" altLang="en-US" dirty="0">
+              <a:solidFill>
+                <a:schemeClr val="tx1"/>
+              </a:solidFill>
+              <a:latin typeface="DM Mono" panose="020B0509040201040103" pitchFamily="49" charset="0"/>
+            </a:endParaRPr>
+          </a:p>
+        </p:txBody>
+      </p:sp>
+      <p:sp>
+        <p:nvSpPr>
+          <p:cNvPr id="28" name="직사각형 27">
+            <a:extLst>
+              <a:ext uri="{FF2B5EF4-FFF2-40B4-BE49-F238E27FC236}">
+                <a16:creationId xmlns:a16="http://schemas.microsoft.com/office/drawing/2014/main" id="{831FA752-EEBC-FEC4-E899-BA31F7C3B9AC}"/>
+              </a:ext>
+            </a:extLst>
+          </p:cNvPr>
+          <p:cNvSpPr/>
+          <p:nvPr/>
+        </p:nvSpPr>
+        <p:spPr>
+          <a:xfrm>
+            <a:off x="2035991" y="2644397"/>
+            <a:ext cx="397177" cy="447790"/>
+          </a:xfrm>
+          <a:prstGeom prst="rect">
+            <a:avLst/>
+          </a:prstGeom>
+          <a:solidFill>
+            <a:srgbClr val="FFC000"/>
+          </a:solidFill>
+        </p:spPr>
+        <p:style>
+          <a:lnRef idx="2">
+            <a:schemeClr val="accent1">
+              <a:shade val="50000"/>
+            </a:schemeClr>
+          </a:lnRef>
+          <a:fillRef idx="1">
+            <a:schemeClr val="accent1"/>
+          </a:fillRef>
+          <a:effectRef idx="0">
+            <a:schemeClr val="accent1"/>
+          </a:effectRef>
+          <a:fontRef idx="minor">
+            <a:schemeClr val="lt1"/>
+          </a:fontRef>
+        </p:style>
+        <p:txBody>
+          <a:bodyPr rtlCol="0" anchor="ctr"/>
+          <a:lstStyle/>
+          <a:p>
+            <a:pPr algn="ctr"/>
+            <a:endParaRPr kumimoji="1" lang="ko-Kore-KR" altLang="en-US" dirty="0">
+              <a:solidFill>
+                <a:schemeClr val="tx1"/>
+              </a:solidFill>
+              <a:latin typeface="DM Mono" panose="020B0509040201040103" pitchFamily="49" charset="0"/>
+            </a:endParaRPr>
+          </a:p>
+        </p:txBody>
+      </p:sp>
+      <p:sp>
+        <p:nvSpPr>
+          <p:cNvPr id="29" name="직사각형 28">
+            <a:extLst>
+              <a:ext uri="{FF2B5EF4-FFF2-40B4-BE49-F238E27FC236}">
+                <a16:creationId xmlns:a16="http://schemas.microsoft.com/office/drawing/2014/main" id="{3666DA85-689F-C305-4015-9EE48B093AC4}"/>
+              </a:ext>
+            </a:extLst>
+          </p:cNvPr>
+          <p:cNvSpPr/>
+          <p:nvPr/>
+        </p:nvSpPr>
+        <p:spPr>
+          <a:xfrm>
+            <a:off x="2451140" y="2644397"/>
+            <a:ext cx="397177" cy="447790"/>
+          </a:xfrm>
+          <a:prstGeom prst="rect">
+            <a:avLst/>
+          </a:prstGeom>
+          <a:solidFill>
+            <a:srgbClr val="FFC000"/>
+          </a:solidFill>
+        </p:spPr>
+        <p:style>
+          <a:lnRef idx="2">
+            <a:schemeClr val="accent1">
+              <a:shade val="50000"/>
+            </a:schemeClr>
+          </a:lnRef>
+          <a:fillRef idx="1">
+            <a:schemeClr val="accent1"/>
+          </a:fillRef>
+          <a:effectRef idx="0">
+            <a:schemeClr val="accent1"/>
+          </a:effectRef>
+          <a:fontRef idx="minor">
+            <a:schemeClr val="lt1"/>
+          </a:fontRef>
+        </p:style>
+        <p:txBody>
+          <a:bodyPr rtlCol="0" anchor="ctr"/>
+          <a:lstStyle/>
+          <a:p>
+            <a:pPr algn="ctr"/>
+            <a:endParaRPr kumimoji="1" lang="ko-Kore-KR" altLang="en-US" dirty="0">
+              <a:solidFill>
+                <a:schemeClr val="tx1"/>
+              </a:solidFill>
+              <a:latin typeface="DM Mono" panose="020B0509040201040103" pitchFamily="49" charset="0"/>
+            </a:endParaRPr>
+          </a:p>
+        </p:txBody>
+      </p:sp>
+      <p:sp>
+        <p:nvSpPr>
+          <p:cNvPr id="30" name="직사각형 29">
+            <a:extLst>
+              <a:ext uri="{FF2B5EF4-FFF2-40B4-BE49-F238E27FC236}">
+                <a16:creationId xmlns:a16="http://schemas.microsoft.com/office/drawing/2014/main" id="{08251FB5-2E24-BB4E-43F9-27D9CC0C7E86}"/>
+              </a:ext>
+            </a:extLst>
+          </p:cNvPr>
+          <p:cNvSpPr/>
+          <p:nvPr/>
+        </p:nvSpPr>
+        <p:spPr>
+          <a:xfrm>
+            <a:off x="2866289" y="2644397"/>
+            <a:ext cx="397177" cy="447790"/>
+          </a:xfrm>
+          <a:prstGeom prst="rect">
+            <a:avLst/>
+          </a:prstGeom>
+          <a:solidFill>
+            <a:srgbClr val="FFFF00"/>
+          </a:solidFill>
+        </p:spPr>
+        <p:style>
+          <a:lnRef idx="2">
+            <a:schemeClr val="accent1">
+              <a:shade val="50000"/>
+            </a:schemeClr>
+          </a:lnRef>
+          <a:fillRef idx="1">
+            <a:schemeClr val="accent1"/>
+          </a:fillRef>
+          <a:effectRef idx="0">
+            <a:schemeClr val="accent1"/>
+          </a:effectRef>
+          <a:fontRef idx="minor">
+            <a:schemeClr val="lt1"/>
+          </a:fontRef>
+        </p:style>
+        <p:txBody>
+          <a:bodyPr rtlCol="0" anchor="ctr"/>
+          <a:lstStyle/>
+          <a:p>
+            <a:pPr algn="ctr"/>
+            <a:endParaRPr kumimoji="1" lang="ko-Kore-KR" altLang="en-US" dirty="0">
+              <a:solidFill>
+                <a:schemeClr val="tx1"/>
+              </a:solidFill>
+              <a:latin typeface="DM Mono" panose="020B0509040201040103" pitchFamily="49" charset="0"/>
+            </a:endParaRPr>
+          </a:p>
+        </p:txBody>
+      </p:sp>
+      <p:sp>
+        <p:nvSpPr>
+          <p:cNvPr id="31" name="직사각형 30">
+            <a:extLst>
+              <a:ext uri="{FF2B5EF4-FFF2-40B4-BE49-F238E27FC236}">
+                <a16:creationId xmlns:a16="http://schemas.microsoft.com/office/drawing/2014/main" id="{7309B7C3-3C3C-FC75-64CF-A9FADDAF4A7D}"/>
+              </a:ext>
+            </a:extLst>
+          </p:cNvPr>
+          <p:cNvSpPr/>
+          <p:nvPr/>
+        </p:nvSpPr>
+        <p:spPr>
+          <a:xfrm>
+            <a:off x="3281438" y="2644397"/>
+            <a:ext cx="397177" cy="447790"/>
+          </a:xfrm>
+          <a:prstGeom prst="rect">
+            <a:avLst/>
+          </a:prstGeom>
+          <a:solidFill>
+            <a:srgbClr val="FFFF00"/>
+          </a:solidFill>
+        </p:spPr>
+        <p:style>
+          <a:lnRef idx="2">
+            <a:schemeClr val="accent1">
+              <a:shade val="50000"/>
+            </a:schemeClr>
+          </a:lnRef>
+          <a:fillRef idx="1">
+            <a:schemeClr val="accent1"/>
+          </a:fillRef>
+          <a:effectRef idx="0">
+            <a:schemeClr val="accent1"/>
+          </a:effectRef>
+          <a:fontRef idx="minor">
+            <a:schemeClr val="lt1"/>
+          </a:fontRef>
+        </p:style>
+        <p:txBody>
+          <a:bodyPr rtlCol="0" anchor="ctr"/>
+          <a:lstStyle/>
+          <a:p>
+            <a:pPr algn="ctr"/>
+            <a:endParaRPr kumimoji="1" lang="ko-Kore-KR" altLang="en-US" dirty="0">
+              <a:solidFill>
+                <a:schemeClr val="tx1"/>
+              </a:solidFill>
+              <a:latin typeface="DM Mono" panose="020B0509040201040103" pitchFamily="49" charset="0"/>
+            </a:endParaRPr>
+          </a:p>
+        </p:txBody>
+      </p:sp>
+      <p:sp>
+        <p:nvSpPr>
+          <p:cNvPr id="32" name="직사각형 31">
+            <a:extLst>
+              <a:ext uri="{FF2B5EF4-FFF2-40B4-BE49-F238E27FC236}">
+                <a16:creationId xmlns:a16="http://schemas.microsoft.com/office/drawing/2014/main" id="{7E90023C-C440-455E-11B2-8F1E6BCB425C}"/>
+              </a:ext>
+            </a:extLst>
+          </p:cNvPr>
+          <p:cNvSpPr/>
+          <p:nvPr/>
+        </p:nvSpPr>
+        <p:spPr>
+          <a:xfrm>
+            <a:off x="3696587" y="2644397"/>
+            <a:ext cx="397177" cy="447790"/>
+          </a:xfrm>
+          <a:prstGeom prst="rect">
+            <a:avLst/>
+          </a:prstGeom>
+          <a:solidFill>
+            <a:srgbClr val="FFFF00"/>
+          </a:solidFill>
+        </p:spPr>
+        <p:style>
+          <a:lnRef idx="2">
+            <a:schemeClr val="accent1">
+              <a:shade val="50000"/>
+            </a:schemeClr>
+          </a:lnRef>
+          <a:fillRef idx="1">
+            <a:schemeClr val="accent1"/>
+          </a:fillRef>
+          <a:effectRef idx="0">
+            <a:schemeClr val="accent1"/>
+          </a:effectRef>
+          <a:fontRef idx="minor">
+            <a:schemeClr val="lt1"/>
+          </a:fontRef>
+        </p:style>
+        <p:txBody>
+          <a:bodyPr rtlCol="0" anchor="ctr"/>
+          <a:lstStyle/>
+          <a:p>
+            <a:pPr algn="ctr"/>
+            <a:endParaRPr kumimoji="1" lang="ko-Kore-KR" altLang="en-US" dirty="0">
+              <a:solidFill>
+                <a:schemeClr val="tx1"/>
+              </a:solidFill>
+              <a:latin typeface="DM Mono" panose="020B0509040201040103" pitchFamily="49" charset="0"/>
+            </a:endParaRPr>
+          </a:p>
+        </p:txBody>
+      </p:sp>
+      <p:sp>
+        <p:nvSpPr>
+          <p:cNvPr id="33" name="직사각형 32">
+            <a:extLst>
+              <a:ext uri="{FF2B5EF4-FFF2-40B4-BE49-F238E27FC236}">
+                <a16:creationId xmlns:a16="http://schemas.microsoft.com/office/drawing/2014/main" id="{E9678585-F186-7864-CDBB-1F808A289E8D}"/>
+              </a:ext>
+            </a:extLst>
+          </p:cNvPr>
+          <p:cNvSpPr/>
+          <p:nvPr/>
+        </p:nvSpPr>
+        <p:spPr>
+          <a:xfrm>
+            <a:off x="4111736" y="2644397"/>
+            <a:ext cx="397177" cy="447790"/>
+          </a:xfrm>
+          <a:prstGeom prst="rect">
+            <a:avLst/>
+          </a:prstGeom>
+          <a:solidFill>
+            <a:srgbClr val="FFFF00"/>
+          </a:solidFill>
+        </p:spPr>
+        <p:style>
+          <a:lnRef idx="2">
+            <a:schemeClr val="accent1">
+              <a:shade val="50000"/>
+            </a:schemeClr>
+          </a:lnRef>
+          <a:fillRef idx="1">
+            <a:schemeClr val="accent1"/>
+          </a:fillRef>
+          <a:effectRef idx="0">
+            <a:schemeClr val="accent1"/>
+          </a:effectRef>
+          <a:fontRef idx="minor">
+            <a:schemeClr val="lt1"/>
+          </a:fontRef>
+        </p:style>
+        <p:txBody>
+          <a:bodyPr rtlCol="0" anchor="ctr"/>
+          <a:lstStyle/>
+          <a:p>
+            <a:pPr algn="ctr"/>
+            <a:endParaRPr kumimoji="1" lang="ko-Kore-KR" altLang="en-US" dirty="0">
+              <a:solidFill>
+                <a:schemeClr val="tx1"/>
+              </a:solidFill>
+              <a:latin typeface="DM Mono" panose="020B0509040201040103" pitchFamily="49" charset="0"/>
+            </a:endParaRPr>
+          </a:p>
+        </p:txBody>
+      </p:sp>
+    </p:spTree>
+    <p:extLst>
+      <p:ext uri="{BB962C8B-B14F-4D97-AF65-F5344CB8AC3E}">
+        <p14:creationId xmlns:p14="http://schemas.microsoft.com/office/powerpoint/2010/main" val="4101173838"/>
       </p:ext>
     </p:extLst>
   </p:cSld>
